--- a/flask-server/outputs/output.pptx
+++ b/flask-server/outputs/output.pptx
@@ -6,9 +6,6 @@
   </p:sldMasterIdLst>
   <p:sldIdLst>
     <p:sldId id="256" r:id="rId7"/>
-    <p:sldId id="257" r:id="rId8"/>
-    <p:sldId id="258" r:id="rId9"/>
-    <p:sldId id="259" r:id="rId10"/>
   </p:sldIdLst>
   <p:sldSz cx="9144000" cy="6858000" type="screen4x3"/>
   <p:notesSz cx="6858000" cy="9144000"/>
@@ -3211,7 +3208,7 @@
               </a:defRPr>
             </a:pPr>
             <a:r>
-              <a:t>asdf</a:t>
+              <a:t>d</a:t>
             </a:r>
           </a:p>
         </p:txBody>
@@ -3268,7 +3265,7 @@
         <p:spPr>
           <a:xfrm>
             <a:off x="457200" y="1417319"/>
-            <a:ext cx="8229600" cy="2281428"/>
+            <a:ext cx="8229600" cy="2295144"/>
           </a:xfrm>
           <a:prstGeom prst="rect">
             <a:avLst/>
@@ -3302,7 +3299,7 @@
                 </a:solidFill>
                 <a:latin typeface="맑은 고딕"/>
               </a:rPr>
-              <a:t>[트렌드를 반영한 아이디어로 만든 분석적 사고]현재 전 세계적으로 친환경 제품 소비를 추구하는 소비자가 증가하고 있으며, ESG 수출 장벽이 강화되는 추세입니다. 하지만 중소기업은 ESG 경영 </a:t>
+              <a:t>[트렌드를 반영한 아이디어로 만든 분석적 사고]현재 전 세계적으로 친환경 제품 소비를 </a:t>
             </a:r>
             <a:r>
               <a:rPr u="sng" b="1" sz="1200">
@@ -3311,7 +3308,7 @@
                 </a:solidFill>
                 <a:latin typeface="맑은 고딕"/>
               </a:rPr>
-              <a:t>(1)전환에 애로사항이 있다는 보고서를 읽었고, 저는 중소벤처기업의 글로벌 경쟁력 강화에 도움이 되고자 정책 아이디어 공모전에 (2)출전했습니다.중소기업이 ESG 경영에 있어 가장 필요하지만 어려운 점이 ‘친환경 패키지’라는 것을 파악해 ‘친환경 패키지 바우처 지원’의</a:t>
+              <a:t>(1)추구하는 소비자가 증가하고 있으며, ESG 수출 장벽이 강화되는 추세입니다. 하지만 중소기업은 ESG 경영 전환에 애로사항이 있다는 보고서를 (2)읽었고, 저는 중소벤처기업의 글로벌 경쟁력</a:t>
             </a:r>
             <a:r>
               <a:rPr sz="1200">
@@ -3320,7 +3317,25 @@
                 </a:solidFill>
                 <a:latin typeface="맑은 고딕"/>
               </a:rPr>
-              <a:t> 아이디어를 구상했습니다. 제조 중소기업과 친환경 패키지 중소기업을 연결하여 상생협력 구축 체계를 만들고, 해외 진출을 도울 수 있는 아이디어를 제시했습니다. 아이디어는 구체적이고 실천 가능성이 높다는 피드백을 받으며 대상을 수상했습니다.저는 니즈 파악부터 개선 방안 기획까지의 과정에서 ‘분석적 사고’라는 직무 역량을 만들었습니다. 앞으로도 창의성을 바탕으로 개선 방안을 제시하고, 기업과 국민의 행복을 더하는 직원이 되겠습니다.</a:t>
+              <a:t> 강화에 도움이 되고자 정책 아이디어 공모전에 출전했습니다.중소기업이 ESG 경영에 있어 가장 필요하지만 어려운 점이 ‘친환경 패키지’라는 것을 파악해 ‘친환경 패키지 바우처 지원’의 아이디어를 구상했습니다. 제조 중소기업과 친환경 패키지 중소기업을 연결하여 상생협력 구축 체계를 만들고, 해외 </a:t>
+            </a:r>
+            <a:r>
+              <a:rPr u="sng" b="1" sz="1200">
+                <a:solidFill>
+                  <a:srgbClr val="000000"/>
+                </a:solidFill>
+                <a:latin typeface="맑은 고딕"/>
+              </a:rPr>
+              <a:t>(3)진출을 도울 수 있는 아이디어를 제시했습니다. 아이디어는 구체적이고</a:t>
+            </a:r>
+            <a:r>
+              <a:rPr sz="1200">
+                <a:solidFill>
+                  <a:srgbClr val="000000"/>
+                </a:solidFill>
+                <a:latin typeface="맑은 고딕"/>
+              </a:rPr>
+              <a:t> 실천 가능성이 높다는 피드백을 받으며 대상을 수상했습니다.저는 니즈 파악부터 개선 방안 기획까지의 과정에서 ‘분석적 사고’라는 직무 역량을 만들었습니다. 앞으로도 창의성을 바탕으로 개선 방안을 제시하고, 기업과 국민의 행복을 더하는 직원이 되겠습니다.</a:t>
             </a:r>
           </a:p>
         </p:txBody>
@@ -3333,7 +3348,7 @@
         </p:nvSpPr>
         <p:spPr>
           <a:xfrm>
-            <a:off x="457200" y="4430268"/>
+            <a:off x="457200" y="4443983"/>
             <a:ext cx="5486400" cy="457200"/>
           </a:xfrm>
           <a:prstGeom prst="rect">
@@ -3370,7 +3385,7 @@
         </p:nvSpPr>
         <p:spPr>
           <a:xfrm>
-            <a:off x="457200" y="5024628"/>
+            <a:off x="457200" y="5038344"/>
             <a:ext cx="8229600" cy="18288"/>
           </a:xfrm>
           <a:prstGeom prst="rect">
@@ -3413,7 +3428,7 @@
         </p:nvSpPr>
         <p:spPr>
           <a:xfrm>
-            <a:off x="457200" y="5344668"/>
+            <a:off x="457200" y="5358383"/>
             <a:ext cx="8229600" cy="1371600"/>
           </a:xfrm>
           <a:prstGeom prst="rect">
@@ -3467,1265 +3482,15 @@
               </a:defRPr>
             </a:pPr>
             <a:r>
-              <a:t>(1) 중소기업의 ESG 경영 전환에서 가장 어려웠던 문제는 무엇이며, 이를 해결하기 위한 구체적인 과정은 무엇이었나요?</a:t>
+              <a:t>(1) 중소기업이 ESG 경영 전환에 어려움을 겪는 문제를 파악하게 된 계기는 무엇인가요?</a:t>
             </a:r>
             <a:br/>
             <a:r>
-              <a:t>(2) 정책 아이디어 공모전에 출전하게 된 계기는 무엇인가요?</a:t>
-            </a:r>
-          </a:p>
-        </p:txBody>
-      </p:sp>
-    </p:spTree>
-  </p:cSld>
-  <p:clrMapOvr>
-    <a:masterClrMapping/>
-  </p:clrMapOvr>
-</p:sld>
-</file>
-
-<file path=ppt/slides/slide2.xml><?xml version="1.0" encoding="utf-8"?>
-<p:sld xmlns:a="http://schemas.openxmlformats.org/drawingml/2006/main" xmlns:p="http://schemas.openxmlformats.org/presentationml/2006/main" xmlns:r="http://schemas.openxmlformats.org/officeDocument/2006/relationships">
-  <p:cSld>
-    <p:spTree>
-      <p:nvGrpSpPr>
-        <p:cNvPr id="1" name=""/>
-        <p:cNvGrpSpPr/>
-        <p:nvPr/>
-      </p:nvGrpSpPr>
-      <p:grpSpPr/>
-      <p:sp>
-        <p:nvSpPr>
-          <p:cNvPr id="2" name="Title 1"/>
-          <p:cNvSpPr>
-            <a:spLocks noGrp="1"/>
-          </p:cNvSpPr>
-          <p:nvPr>
-            <p:ph type="title"/>
-          </p:nvPr>
-        </p:nvSpPr>
-        <p:spPr/>
-        <p:txBody>
-          <a:bodyPr/>
-          <a:lstStyle/>
-          <a:p/>
-        </p:txBody>
-      </p:sp>
-      <p:sp>
-        <p:nvSpPr>
-          <p:cNvPr id="3" name="TextBox 2"/>
-          <p:cNvSpPr txBox="1"/>
-          <p:nvPr/>
-        </p:nvSpPr>
-        <p:spPr>
-          <a:xfrm>
-            <a:off x="457200" y="274320"/>
-            <a:ext cx="2743200" cy="457200"/>
-          </a:xfrm>
-          <a:prstGeom prst="rect">
-            <a:avLst/>
-          </a:prstGeom>
-          <a:noFill/>
-        </p:spPr>
-        <p:txBody>
-          <a:bodyPr wrap="none">
-            <a:spAutoFit/>
-          </a:bodyPr>
-          <a:lstStyle/>
-          <a:p/>
-          <a:p>
-            <a:pPr algn="l">
-              <a:defRPr sz="1200" b="1">
-                <a:latin typeface="맑은 고딕"/>
-              </a:defRPr>
-            </a:pPr>
-            <a:r>
-              <a:t>수험번호: C0100001</a:t>
-            </a:r>
-          </a:p>
-        </p:txBody>
-      </p:sp>
-      <p:sp>
-        <p:nvSpPr>
-          <p:cNvPr id="4" name="TextBox 3"/>
-          <p:cNvSpPr txBox="1"/>
-          <p:nvPr/>
-        </p:nvSpPr>
-        <p:spPr>
-          <a:xfrm>
-            <a:off x="457200" y="914400"/>
-            <a:ext cx="5486400" cy="457200"/>
-          </a:xfrm>
-          <a:prstGeom prst="rect">
-            <a:avLst/>
-          </a:prstGeom>
-          <a:noFill/>
-        </p:spPr>
-        <p:txBody>
-          <a:bodyPr wrap="none">
-            <a:spAutoFit/>
-          </a:bodyPr>
-          <a:lstStyle/>
-          <a:p/>
-          <a:p>
-            <a:pPr algn="l">
-              <a:defRPr sz="1400" b="1">
-                <a:solidFill>
-                  <a:srgbClr val="000000"/>
-                </a:solidFill>
-                <a:latin typeface="맑은 고딕"/>
-              </a:defRPr>
-            </a:pPr>
-            <a:r>
-              <a:t>자기소개서</a:t>
-            </a:r>
-          </a:p>
-        </p:txBody>
-      </p:sp>
-      <p:sp>
-        <p:nvSpPr>
-          <p:cNvPr id="5" name="TextBox 4"/>
-          <p:cNvSpPr txBox="1"/>
-          <p:nvPr/>
-        </p:nvSpPr>
-        <p:spPr>
-          <a:xfrm>
-            <a:off x="457200" y="1371600"/>
-            <a:ext cx="5486400" cy="457200"/>
-          </a:xfrm>
-          <a:prstGeom prst="rect">
-            <a:avLst/>
-          </a:prstGeom>
-          <a:noFill/>
-        </p:spPr>
-        <p:txBody>
-          <a:bodyPr wrap="none">
-            <a:spAutoFit/>
-          </a:bodyPr>
-          <a:lstStyle/>
-          <a:p/>
-          <a:p>
-            <a:pPr algn="l">
-              <a:defRPr sz="1100" b="1">
-                <a:solidFill>
-                  <a:srgbClr val="000000"/>
-                </a:solidFill>
-                <a:latin typeface="맑은 고딕"/>
-              </a:defRPr>
-            </a:pPr>
-            <a:r>
-              <a:t>adfaf</a:t>
-            </a:r>
-          </a:p>
-        </p:txBody>
-      </p:sp>
-      <p:sp>
-        <p:nvSpPr>
-          <p:cNvPr id="6" name="Rectangle 5"/>
-          <p:cNvSpPr/>
-          <p:nvPr/>
-        </p:nvSpPr>
-        <p:spPr>
-          <a:xfrm>
-            <a:off x="457200" y="1508760"/>
-            <a:ext cx="8229600" cy="18288"/>
-          </a:xfrm>
-          <a:prstGeom prst="rect">
-            <a:avLst/>
-          </a:prstGeom>
-          <a:solidFill>
-            <a:srgbClr val="C8C8C8"/>
-          </a:solidFill>
-          <a:ln>
-            <a:noFill/>
-          </a:ln>
-        </p:spPr>
-        <p:style>
-          <a:lnRef idx="1">
-            <a:schemeClr val="accent1"/>
-          </a:lnRef>
-          <a:fillRef idx="3">
-            <a:schemeClr val="accent1"/>
-          </a:fillRef>
-          <a:effectRef idx="2">
-            <a:schemeClr val="accent1"/>
-          </a:effectRef>
-          <a:fontRef idx="minor">
-            <a:schemeClr val="lt1"/>
-          </a:fontRef>
-        </p:style>
-        <p:txBody>
-          <a:bodyPr rtlCol="0" anchor="ctr"/>
-          <a:lstStyle/>
-          <a:p>
-            <a:pPr algn="ctr"/>
-          </a:p>
-        </p:txBody>
-      </p:sp>
-      <p:sp>
-        <p:nvSpPr>
-          <p:cNvPr id="7" name="TextBox 6"/>
-          <p:cNvSpPr txBox="1"/>
-          <p:nvPr/>
-        </p:nvSpPr>
-        <p:spPr>
-          <a:xfrm>
-            <a:off x="457200" y="1417319"/>
-            <a:ext cx="8229600" cy="2281428"/>
-          </a:xfrm>
-          <a:prstGeom prst="rect">
-            <a:avLst/>
-          </a:prstGeom>
-          <a:noFill/>
-        </p:spPr>
-        <p:txBody>
-          <a:bodyPr wrap="square">
-            <a:spAutoFit/>
-          </a:bodyPr>
-          <a:lstStyle/>
-          <a:p>
-            <a:pPr algn="l"/>
-          </a:p>
-          <a:p>
-            <a:pPr>
-              <a:lnSpc>
-                <a:spcPct val="150000"/>
-              </a:lnSpc>
-              <a:spcBef>
-                <a:spcPts val="1000"/>
-              </a:spcBef>
-              <a:spcAft>
-                <a:spcPts val="1000"/>
-              </a:spcAft>
-            </a:pPr>
-            <a:r>
-              <a:rPr sz="1200">
-                <a:solidFill>
-                  <a:srgbClr val="000000"/>
-                </a:solidFill>
-                <a:latin typeface="맑은 고딕"/>
-              </a:rPr>
-              <a:t>[앞에서 이끄는 리더에서 함께 여유를 만드는 </a:t>
-            </a:r>
-            <a:r>
-              <a:rPr u="sng" b="1" sz="1200">
-                <a:solidFill>
-                  <a:srgbClr val="000000"/>
-                </a:solidFill>
-                <a:latin typeface="맑은 고딕"/>
-              </a:rPr>
-              <a:t>(1)리더로]중소기업의 해외 마케팅 지원 프로젝트를 시작하며 저는 리더로서 다양한 결과물을 만들고자 진행률에 집중했습니다. 온라인 홍보물 제작을 목표로 회의를 진행했지만,</a:t>
-            </a:r>
-            <a:r>
-              <a:rPr sz="1200">
-                <a:solidFill>
-                  <a:srgbClr val="000000"/>
-                </a:solidFill>
-                <a:latin typeface="맑은 고딕"/>
-              </a:rPr>
-              <a:t> 회의 이후에 한 팀원이 프로젝트의 속도를 따라오기 힘들다며 프로젝트를 포기하겠다는 의사를 밝혔습니다.이는 진행 속도에 대한 의견 </a:t>
-            </a:r>
-            <a:r>
-              <a:rPr u="sng" b="1" sz="1200">
-                <a:solidFill>
-                  <a:srgbClr val="000000"/>
-                </a:solidFill>
-                <a:latin typeface="맑은 고딕"/>
-              </a:rPr>
-              <a:t>(2)차이와 갈등으로 이어졌고, 저는 의욕적인 마음에 앞에서 이끌기만 했다는 것을 느꼈습니다. 그래서 의사소통을 보완하며 ‘여유로운 리더십’을 전달하려고</a:t>
-            </a:r>
-            <a:r>
-              <a:rPr sz="1200">
-                <a:solidFill>
-                  <a:srgbClr val="000000"/>
-                </a:solidFill>
-                <a:latin typeface="맑은 고딕"/>
-              </a:rPr>
-              <a:t> 했습니다. 먼저, 회의 안건을 미리 공지하여 팀원들에게 생각할 여유를 주었습니다. 그리고 매 회의의 내용을 정리하여 진행 방향을 공유했습니다. 이를 통해 더 많은 아이디어가 도출되며 캐릭터 만화, 퀴즈 등 창의적인 홍보물로 팀 프로젝트 1위를 달성했습니다.팀 활동에 있어서 의사소통의 중요성을 크게 깨닫게 된 경험이었으며, 의사소통 부족 문제를 능동적으로 해결하는 리더십을 배울 수 있었습니다.</a:t>
-            </a:r>
-          </a:p>
-        </p:txBody>
-      </p:sp>
-      <p:sp>
-        <p:nvSpPr>
-          <p:cNvPr id="8" name="TextBox 7"/>
-          <p:cNvSpPr txBox="1"/>
-          <p:nvPr/>
-        </p:nvSpPr>
-        <p:spPr>
-          <a:xfrm>
-            <a:off x="457200" y="4430268"/>
-            <a:ext cx="5486400" cy="457200"/>
-          </a:xfrm>
-          <a:prstGeom prst="rect">
-            <a:avLst/>
-          </a:prstGeom>
-          <a:noFill/>
-        </p:spPr>
-        <p:txBody>
-          <a:bodyPr wrap="none">
-            <a:spAutoFit/>
-          </a:bodyPr>
-          <a:lstStyle/>
-          <a:p/>
-          <a:p>
-            <a:pPr algn="l">
-              <a:defRPr sz="1400" b="1">
-                <a:solidFill>
-                  <a:srgbClr val="000000"/>
-                </a:solidFill>
-                <a:latin typeface="맑은 고딕"/>
-              </a:defRPr>
-            </a:pPr>
-            <a:r>
-              <a:t>자기소개서 기반 면접 질문 제안</a:t>
-            </a:r>
-          </a:p>
-        </p:txBody>
-      </p:sp>
-      <p:sp>
-        <p:nvSpPr>
-          <p:cNvPr id="9" name="Rectangle 8"/>
-          <p:cNvSpPr/>
-          <p:nvPr/>
-        </p:nvSpPr>
-        <p:spPr>
-          <a:xfrm>
-            <a:off x="457200" y="5024628"/>
-            <a:ext cx="8229600" cy="18288"/>
-          </a:xfrm>
-          <a:prstGeom prst="rect">
-            <a:avLst/>
-          </a:prstGeom>
-          <a:solidFill>
-            <a:srgbClr val="C8C8C8"/>
-          </a:solidFill>
-          <a:ln>
-            <a:noFill/>
-          </a:ln>
-        </p:spPr>
-        <p:style>
-          <a:lnRef idx="1">
-            <a:schemeClr val="accent1"/>
-          </a:lnRef>
-          <a:fillRef idx="3">
-            <a:schemeClr val="accent1"/>
-          </a:fillRef>
-          <a:effectRef idx="2">
-            <a:schemeClr val="accent1"/>
-          </a:effectRef>
-          <a:fontRef idx="minor">
-            <a:schemeClr val="lt1"/>
-          </a:fontRef>
-        </p:style>
-        <p:txBody>
-          <a:bodyPr rtlCol="0" anchor="ctr"/>
-          <a:lstStyle/>
-          <a:p>
-            <a:pPr algn="ctr"/>
-          </a:p>
-        </p:txBody>
-      </p:sp>
-      <p:sp>
-        <p:nvSpPr>
-          <p:cNvPr id="10" name="Rectangle 9"/>
-          <p:cNvSpPr/>
-          <p:nvPr/>
-        </p:nvSpPr>
-        <p:spPr>
-          <a:xfrm>
-            <a:off x="457200" y="5344668"/>
-            <a:ext cx="8229600" cy="1371600"/>
-          </a:xfrm>
-          <a:prstGeom prst="rect">
-            <a:avLst/>
-          </a:prstGeom>
-          <a:solidFill>
-            <a:srgbClr val="F5F5F5"/>
-          </a:solidFill>
-          <a:ln>
-            <a:solidFill>
-              <a:srgbClr val="B4B4B4"/>
-            </a:solidFill>
-          </a:ln>
-        </p:spPr>
-        <p:style>
-          <a:lnRef idx="1">
-            <a:schemeClr val="accent1"/>
-          </a:lnRef>
-          <a:fillRef idx="3">
-            <a:schemeClr val="accent1"/>
-          </a:fillRef>
-          <a:effectRef idx="2">
-            <a:schemeClr val="accent1"/>
-          </a:effectRef>
-          <a:fontRef idx="minor">
-            <a:schemeClr val="lt1"/>
-          </a:fontRef>
-        </p:style>
-        <p:txBody>
-          <a:bodyPr rtlCol="0" anchor="ctr" wrap="square"/>
-          <a:lstStyle/>
-          <a:p>
-            <a:pPr algn="l"/>
-          </a:p>
-          <a:p>
-            <a:pPr>
-              <a:lnSpc>
-                <a:spcPct val="150000"/>
-              </a:lnSpc>
-              <a:spcBef>
-                <a:spcPts val="1000"/>
-              </a:spcBef>
-              <a:spcAft>
-                <a:spcPts val="1000"/>
-              </a:spcAft>
-              <a:defRPr sz="1200" b="1">
-                <a:solidFill>
-                  <a:srgbClr val="000000"/>
-                </a:solidFill>
-                <a:latin typeface="맑은 고딕"/>
-              </a:defRPr>
-            </a:pPr>
-            <a:r>
-              <a:t>(1) 프로젝트 속도와 관련하여 팀원들과의 갈등을 어떻게 해결하셨나요?</a:t>
+              <a:t>(2) 정책 아이디어 공모전에 출전하게 된 동기는 무엇인가요?</a:t>
             </a:r>
             <a:br/>
             <a:r>
-              <a:t>(2) 팀원들이 프로젝트에 더 많은 아이디어를 내도록 독려하기 위해 어떤 방법을 사용했나요?</a:t>
-            </a:r>
-          </a:p>
-        </p:txBody>
-      </p:sp>
-    </p:spTree>
-  </p:cSld>
-  <p:clrMapOvr>
-    <a:masterClrMapping/>
-  </p:clrMapOvr>
-</p:sld>
-</file>
-
-<file path=ppt/slides/slide3.xml><?xml version="1.0" encoding="utf-8"?>
-<p:sld xmlns:a="http://schemas.openxmlformats.org/drawingml/2006/main" xmlns:p="http://schemas.openxmlformats.org/presentationml/2006/main" xmlns:r="http://schemas.openxmlformats.org/officeDocument/2006/relationships">
-  <p:cSld>
-    <p:spTree>
-      <p:nvGrpSpPr>
-        <p:cNvPr id="1" name=""/>
-        <p:cNvGrpSpPr/>
-        <p:nvPr/>
-      </p:nvGrpSpPr>
-      <p:grpSpPr/>
-      <p:sp>
-        <p:nvSpPr>
-          <p:cNvPr id="2" name="Title 1"/>
-          <p:cNvSpPr>
-            <a:spLocks noGrp="1"/>
-          </p:cNvSpPr>
-          <p:nvPr>
-            <p:ph type="title"/>
-          </p:nvPr>
-        </p:nvSpPr>
-        <p:spPr/>
-        <p:txBody>
-          <a:bodyPr/>
-          <a:lstStyle/>
-          <a:p/>
-        </p:txBody>
-      </p:sp>
-      <p:sp>
-        <p:nvSpPr>
-          <p:cNvPr id="3" name="TextBox 2"/>
-          <p:cNvSpPr txBox="1"/>
-          <p:nvPr/>
-        </p:nvSpPr>
-        <p:spPr>
-          <a:xfrm>
-            <a:off x="457200" y="274320"/>
-            <a:ext cx="2743200" cy="457200"/>
-          </a:xfrm>
-          <a:prstGeom prst="rect">
-            <a:avLst/>
-          </a:prstGeom>
-          <a:noFill/>
-        </p:spPr>
-        <p:txBody>
-          <a:bodyPr wrap="none">
-            <a:spAutoFit/>
-          </a:bodyPr>
-          <a:lstStyle/>
-          <a:p/>
-          <a:p>
-            <a:pPr algn="l">
-              <a:defRPr sz="1200" b="1">
-                <a:latin typeface="맑은 고딕"/>
-              </a:defRPr>
-            </a:pPr>
-            <a:r>
-              <a:t>수험번호: C0100002</a:t>
-            </a:r>
-          </a:p>
-        </p:txBody>
-      </p:sp>
-      <p:sp>
-        <p:nvSpPr>
-          <p:cNvPr id="4" name="TextBox 3"/>
-          <p:cNvSpPr txBox="1"/>
-          <p:nvPr/>
-        </p:nvSpPr>
-        <p:spPr>
-          <a:xfrm>
-            <a:off x="457200" y="914400"/>
-            <a:ext cx="5486400" cy="457200"/>
-          </a:xfrm>
-          <a:prstGeom prst="rect">
-            <a:avLst/>
-          </a:prstGeom>
-          <a:noFill/>
-        </p:spPr>
-        <p:txBody>
-          <a:bodyPr wrap="none">
-            <a:spAutoFit/>
-          </a:bodyPr>
-          <a:lstStyle/>
-          <a:p/>
-          <a:p>
-            <a:pPr algn="l">
-              <a:defRPr sz="1400" b="1">
-                <a:solidFill>
-                  <a:srgbClr val="000000"/>
-                </a:solidFill>
-                <a:latin typeface="맑은 고딕"/>
-              </a:defRPr>
-            </a:pPr>
-            <a:r>
-              <a:t>자기소개서</a:t>
-            </a:r>
-          </a:p>
-        </p:txBody>
-      </p:sp>
-      <p:sp>
-        <p:nvSpPr>
-          <p:cNvPr id="5" name="TextBox 4"/>
-          <p:cNvSpPr txBox="1"/>
-          <p:nvPr/>
-        </p:nvSpPr>
-        <p:spPr>
-          <a:xfrm>
-            <a:off x="457200" y="1371600"/>
-            <a:ext cx="5486400" cy="457200"/>
-          </a:xfrm>
-          <a:prstGeom prst="rect">
-            <a:avLst/>
-          </a:prstGeom>
-          <a:noFill/>
-        </p:spPr>
-        <p:txBody>
-          <a:bodyPr wrap="none">
-            <a:spAutoFit/>
-          </a:bodyPr>
-          <a:lstStyle/>
-          <a:p/>
-          <a:p>
-            <a:pPr algn="l">
-              <a:defRPr sz="1100" b="1">
-                <a:solidFill>
-                  <a:srgbClr val="000000"/>
-                </a:solidFill>
-                <a:latin typeface="맑은 고딕"/>
-              </a:defRPr>
-            </a:pPr>
-            <a:r>
-              <a:t>asdf</a:t>
-            </a:r>
-          </a:p>
-        </p:txBody>
-      </p:sp>
-      <p:sp>
-        <p:nvSpPr>
-          <p:cNvPr id="6" name="Rectangle 5"/>
-          <p:cNvSpPr/>
-          <p:nvPr/>
-        </p:nvSpPr>
-        <p:spPr>
-          <a:xfrm>
-            <a:off x="457200" y="1508760"/>
-            <a:ext cx="8229600" cy="18288"/>
-          </a:xfrm>
-          <a:prstGeom prst="rect">
-            <a:avLst/>
-          </a:prstGeom>
-          <a:solidFill>
-            <a:srgbClr val="C8C8C8"/>
-          </a:solidFill>
-          <a:ln>
-            <a:noFill/>
-          </a:ln>
-        </p:spPr>
-        <p:style>
-          <a:lnRef idx="1">
-            <a:schemeClr val="accent1"/>
-          </a:lnRef>
-          <a:fillRef idx="3">
-            <a:schemeClr val="accent1"/>
-          </a:fillRef>
-          <a:effectRef idx="2">
-            <a:schemeClr val="accent1"/>
-          </a:effectRef>
-          <a:fontRef idx="minor">
-            <a:schemeClr val="lt1"/>
-          </a:fontRef>
-        </p:style>
-        <p:txBody>
-          <a:bodyPr rtlCol="0" anchor="ctr"/>
-          <a:lstStyle/>
-          <a:p>
-            <a:pPr algn="ctr"/>
-          </a:p>
-        </p:txBody>
-      </p:sp>
-      <p:sp>
-        <p:nvSpPr>
-          <p:cNvPr id="7" name="TextBox 6"/>
-          <p:cNvSpPr txBox="1"/>
-          <p:nvPr/>
-        </p:nvSpPr>
-        <p:spPr>
-          <a:xfrm>
-            <a:off x="457200" y="1417319"/>
-            <a:ext cx="8229600" cy="2244852"/>
-          </a:xfrm>
-          <a:prstGeom prst="rect">
-            <a:avLst/>
-          </a:prstGeom>
-          <a:noFill/>
-        </p:spPr>
-        <p:txBody>
-          <a:bodyPr wrap="square">
-            <a:spAutoFit/>
-          </a:bodyPr>
-          <a:lstStyle/>
-          <a:p>
-            <a:pPr algn="l"/>
-          </a:p>
-          <a:p>
-            <a:pPr>
-              <a:lnSpc>
-                <a:spcPct val="150000"/>
-              </a:lnSpc>
-              <a:spcBef>
-                <a:spcPts val="1000"/>
-              </a:spcBef>
-              <a:spcAft>
-                <a:spcPts val="1000"/>
-              </a:spcAft>
-            </a:pPr>
-            <a:r>
-              <a:rPr sz="1200">
-                <a:solidFill>
-                  <a:srgbClr val="000000"/>
-                </a:solidFill>
-                <a:latin typeface="맑은 고딕"/>
-              </a:rPr>
-              <a:t>대학에서 경영학과 중어중문학을 전공하며 배운 지식들을 실무에 </a:t>
-            </a:r>
-            <a:r>
-              <a:rPr u="sng" b="1" sz="1200">
-                <a:solidFill>
-                  <a:srgbClr val="000000"/>
-                </a:solidFill>
-                <a:latin typeface="맑은 고딕"/>
-              </a:rPr>
-              <a:t>(1)적용하기 위해 ○○공사에서 인턴과 계약직 사원으로 근무했습니다. 국제곡물정보와 해외농산물수입정보를 조사하며 농산물 가격 변동을 파악하고 선제적으로 관리함으로써, 수급관리에</a:t>
-            </a:r>
-            <a:r>
-              <a:rPr sz="1200">
-                <a:solidFill>
-                  <a:srgbClr val="000000"/>
-                </a:solidFill>
-                <a:latin typeface="맑은 고딕"/>
-              </a:rPr>
-              <a:t> 대한 실무 경험을 쌓고자 노력하였습니다.특히 농산물수입동향보고서 작성과 해외수입정보검증회의 개최를 통해 수입농산물과 관세제도에 대한 전문지식을 쌓았으며, 외신보도모니터링과 해외 모니터들과의 소통을 통해 실무적 외국어 능력도 향상시켰습니다. 이를 통해 농산물수급관리와 수입동향조사에 필요한 분석력 및 전문성을 갖출 수 있었습니다.입사 후 이러한 경험을 바탕으로 공사의 핵심사업인 </a:t>
-            </a:r>
-            <a:r>
-              <a:rPr u="sng" b="1" sz="1200">
-                <a:solidFill>
-                  <a:srgbClr val="000000"/>
-                </a:solidFill>
-                <a:latin typeface="맑은 고딕"/>
-              </a:rPr>
-              <a:t>(2)농산물 수급관리 업무에 기여하고자 합니다. 수입정보조사와 관세제도에 대한 지식을 활용해 시장 변화에 선제적으로 대응할 수 있는 전략을 수립하고, 외국어 소통능력을</a:t>
-            </a:r>
-            <a:r>
-              <a:rPr sz="1200">
-                <a:solidFill>
-                  <a:srgbClr val="000000"/>
-                </a:solidFill>
-                <a:latin typeface="맑은 고딕"/>
-              </a:rPr>
-              <a:t> 적극 활용하여 글로벌 농산물시장에 대한 이해를 넓혀 수급 안정화에 이바지하는 인재가 되겠습니다.</a:t>
-            </a:r>
-          </a:p>
-        </p:txBody>
-      </p:sp>
-      <p:sp>
-        <p:nvSpPr>
-          <p:cNvPr id="8" name="TextBox 7"/>
-          <p:cNvSpPr txBox="1"/>
-          <p:nvPr/>
-        </p:nvSpPr>
-        <p:spPr>
-          <a:xfrm>
-            <a:off x="457200" y="4393692"/>
-            <a:ext cx="5486400" cy="457200"/>
-          </a:xfrm>
-          <a:prstGeom prst="rect">
-            <a:avLst/>
-          </a:prstGeom>
-          <a:noFill/>
-        </p:spPr>
-        <p:txBody>
-          <a:bodyPr wrap="none">
-            <a:spAutoFit/>
-          </a:bodyPr>
-          <a:lstStyle/>
-          <a:p/>
-          <a:p>
-            <a:pPr algn="l">
-              <a:defRPr sz="1400" b="1">
-                <a:solidFill>
-                  <a:srgbClr val="000000"/>
-                </a:solidFill>
-                <a:latin typeface="맑은 고딕"/>
-              </a:defRPr>
-            </a:pPr>
-            <a:r>
-              <a:t>자기소개서 기반 면접 질문 제안</a:t>
-            </a:r>
-          </a:p>
-        </p:txBody>
-      </p:sp>
-      <p:sp>
-        <p:nvSpPr>
-          <p:cNvPr id="9" name="Rectangle 8"/>
-          <p:cNvSpPr/>
-          <p:nvPr/>
-        </p:nvSpPr>
-        <p:spPr>
-          <a:xfrm>
-            <a:off x="457200" y="4988052"/>
-            <a:ext cx="8229600" cy="18288"/>
-          </a:xfrm>
-          <a:prstGeom prst="rect">
-            <a:avLst/>
-          </a:prstGeom>
-          <a:solidFill>
-            <a:srgbClr val="C8C8C8"/>
-          </a:solidFill>
-          <a:ln>
-            <a:noFill/>
-          </a:ln>
-        </p:spPr>
-        <p:style>
-          <a:lnRef idx="1">
-            <a:schemeClr val="accent1"/>
-          </a:lnRef>
-          <a:fillRef idx="3">
-            <a:schemeClr val="accent1"/>
-          </a:fillRef>
-          <a:effectRef idx="2">
-            <a:schemeClr val="accent1"/>
-          </a:effectRef>
-          <a:fontRef idx="minor">
-            <a:schemeClr val="lt1"/>
-          </a:fontRef>
-        </p:style>
-        <p:txBody>
-          <a:bodyPr rtlCol="0" anchor="ctr"/>
-          <a:lstStyle/>
-          <a:p>
-            <a:pPr algn="ctr"/>
-          </a:p>
-        </p:txBody>
-      </p:sp>
-      <p:sp>
-        <p:nvSpPr>
-          <p:cNvPr id="10" name="Rectangle 9"/>
-          <p:cNvSpPr/>
-          <p:nvPr/>
-        </p:nvSpPr>
-        <p:spPr>
-          <a:xfrm>
-            <a:off x="457200" y="5308092"/>
-            <a:ext cx="8229600" cy="1371600"/>
-          </a:xfrm>
-          <a:prstGeom prst="rect">
-            <a:avLst/>
-          </a:prstGeom>
-          <a:solidFill>
-            <a:srgbClr val="F5F5F5"/>
-          </a:solidFill>
-          <a:ln>
-            <a:solidFill>
-              <a:srgbClr val="B4B4B4"/>
-            </a:solidFill>
-          </a:ln>
-        </p:spPr>
-        <p:style>
-          <a:lnRef idx="1">
-            <a:schemeClr val="accent1"/>
-          </a:lnRef>
-          <a:fillRef idx="3">
-            <a:schemeClr val="accent1"/>
-          </a:fillRef>
-          <a:effectRef idx="2">
-            <a:schemeClr val="accent1"/>
-          </a:effectRef>
-          <a:fontRef idx="minor">
-            <a:schemeClr val="lt1"/>
-          </a:fontRef>
-        </p:style>
-        <p:txBody>
-          <a:bodyPr rtlCol="0" anchor="ctr" wrap="square"/>
-          <a:lstStyle/>
-          <a:p>
-            <a:pPr algn="l"/>
-          </a:p>
-          <a:p>
-            <a:pPr>
-              <a:lnSpc>
-                <a:spcPct val="150000"/>
-              </a:lnSpc>
-              <a:spcBef>
-                <a:spcPts val="1000"/>
-              </a:spcBef>
-              <a:spcAft>
-                <a:spcPts val="1000"/>
-              </a:spcAft>
-              <a:defRPr sz="1200" b="1">
-                <a:solidFill>
-                  <a:srgbClr val="000000"/>
-                </a:solidFill>
-                <a:latin typeface="맑은 고딕"/>
-              </a:defRPr>
-            </a:pPr>
-            <a:r>
-              <a:t>(1) ○○공사에서 인턴과 계약직 사원으로 근무하면서 얻은 가장 큰 실무 경험은 무엇이었나요?</a:t>
-            </a:r>
-            <a:br/>
-            <a:r>
-              <a:t>(2) 농산물 수급관리 업무에서 외국어 소통 능력을 어떻게 활용할 계획인가요?</a:t>
-            </a:r>
-          </a:p>
-        </p:txBody>
-      </p:sp>
-    </p:spTree>
-  </p:cSld>
-  <p:clrMapOvr>
-    <a:masterClrMapping/>
-  </p:clrMapOvr>
-</p:sld>
-</file>
-
-<file path=ppt/slides/slide4.xml><?xml version="1.0" encoding="utf-8"?>
-<p:sld xmlns:a="http://schemas.openxmlformats.org/drawingml/2006/main" xmlns:p="http://schemas.openxmlformats.org/presentationml/2006/main" xmlns:r="http://schemas.openxmlformats.org/officeDocument/2006/relationships">
-  <p:cSld>
-    <p:spTree>
-      <p:nvGrpSpPr>
-        <p:cNvPr id="1" name=""/>
-        <p:cNvGrpSpPr/>
-        <p:nvPr/>
-      </p:nvGrpSpPr>
-      <p:grpSpPr/>
-      <p:sp>
-        <p:nvSpPr>
-          <p:cNvPr id="2" name="Title 1"/>
-          <p:cNvSpPr>
-            <a:spLocks noGrp="1"/>
-          </p:cNvSpPr>
-          <p:nvPr>
-            <p:ph type="title"/>
-          </p:nvPr>
-        </p:nvSpPr>
-        <p:spPr/>
-        <p:txBody>
-          <a:bodyPr/>
-          <a:lstStyle/>
-          <a:p/>
-        </p:txBody>
-      </p:sp>
-      <p:sp>
-        <p:nvSpPr>
-          <p:cNvPr id="3" name="TextBox 2"/>
-          <p:cNvSpPr txBox="1"/>
-          <p:nvPr/>
-        </p:nvSpPr>
-        <p:spPr>
-          <a:xfrm>
-            <a:off x="457200" y="274320"/>
-            <a:ext cx="2743200" cy="457200"/>
-          </a:xfrm>
-          <a:prstGeom prst="rect">
-            <a:avLst/>
-          </a:prstGeom>
-          <a:noFill/>
-        </p:spPr>
-        <p:txBody>
-          <a:bodyPr wrap="none">
-            <a:spAutoFit/>
-          </a:bodyPr>
-          <a:lstStyle/>
-          <a:p/>
-          <a:p>
-            <a:pPr algn="l">
-              <a:defRPr sz="1200" b="1">
-                <a:latin typeface="맑은 고딕"/>
-              </a:defRPr>
-            </a:pPr>
-            <a:r>
-              <a:t>수험번호: C0100002</a:t>
-            </a:r>
-          </a:p>
-        </p:txBody>
-      </p:sp>
-      <p:sp>
-        <p:nvSpPr>
-          <p:cNvPr id="4" name="TextBox 3"/>
-          <p:cNvSpPr txBox="1"/>
-          <p:nvPr/>
-        </p:nvSpPr>
-        <p:spPr>
-          <a:xfrm>
-            <a:off x="457200" y="914400"/>
-            <a:ext cx="5486400" cy="457200"/>
-          </a:xfrm>
-          <a:prstGeom prst="rect">
-            <a:avLst/>
-          </a:prstGeom>
-          <a:noFill/>
-        </p:spPr>
-        <p:txBody>
-          <a:bodyPr wrap="none">
-            <a:spAutoFit/>
-          </a:bodyPr>
-          <a:lstStyle/>
-          <a:p/>
-          <a:p>
-            <a:pPr algn="l">
-              <a:defRPr sz="1400" b="1">
-                <a:solidFill>
-                  <a:srgbClr val="000000"/>
-                </a:solidFill>
-                <a:latin typeface="맑은 고딕"/>
-              </a:defRPr>
-            </a:pPr>
-            <a:r>
-              <a:t>자기소개서</a:t>
-            </a:r>
-          </a:p>
-        </p:txBody>
-      </p:sp>
-      <p:sp>
-        <p:nvSpPr>
-          <p:cNvPr id="5" name="TextBox 4"/>
-          <p:cNvSpPr txBox="1"/>
-          <p:nvPr/>
-        </p:nvSpPr>
-        <p:spPr>
-          <a:xfrm>
-            <a:off x="457200" y="1371600"/>
-            <a:ext cx="5486400" cy="457200"/>
-          </a:xfrm>
-          <a:prstGeom prst="rect">
-            <a:avLst/>
-          </a:prstGeom>
-          <a:noFill/>
-        </p:spPr>
-        <p:txBody>
-          <a:bodyPr wrap="none">
-            <a:spAutoFit/>
-          </a:bodyPr>
-          <a:lstStyle/>
-          <a:p/>
-          <a:p>
-            <a:pPr algn="l">
-              <a:defRPr sz="1100" b="1">
-                <a:solidFill>
-                  <a:srgbClr val="000000"/>
-                </a:solidFill>
-                <a:latin typeface="맑은 고딕"/>
-              </a:defRPr>
-            </a:pPr>
-            <a:r>
-              <a:t>adfaf</a:t>
-            </a:r>
-          </a:p>
-        </p:txBody>
-      </p:sp>
-      <p:sp>
-        <p:nvSpPr>
-          <p:cNvPr id="6" name="Rectangle 5"/>
-          <p:cNvSpPr/>
-          <p:nvPr/>
-        </p:nvSpPr>
-        <p:spPr>
-          <a:xfrm>
-            <a:off x="457200" y="1508760"/>
-            <a:ext cx="8229600" cy="18288"/>
-          </a:xfrm>
-          <a:prstGeom prst="rect">
-            <a:avLst/>
-          </a:prstGeom>
-          <a:solidFill>
-            <a:srgbClr val="C8C8C8"/>
-          </a:solidFill>
-          <a:ln>
-            <a:noFill/>
-          </a:ln>
-        </p:spPr>
-        <p:style>
-          <a:lnRef idx="1">
-            <a:schemeClr val="accent1"/>
-          </a:lnRef>
-          <a:fillRef idx="3">
-            <a:schemeClr val="accent1"/>
-          </a:fillRef>
-          <a:effectRef idx="2">
-            <a:schemeClr val="accent1"/>
-          </a:effectRef>
-          <a:fontRef idx="minor">
-            <a:schemeClr val="lt1"/>
-          </a:fontRef>
-        </p:style>
-        <p:txBody>
-          <a:bodyPr rtlCol="0" anchor="ctr"/>
-          <a:lstStyle/>
-          <a:p>
-            <a:pPr algn="ctr"/>
-          </a:p>
-        </p:txBody>
-      </p:sp>
-      <p:sp>
-        <p:nvSpPr>
-          <p:cNvPr id="7" name="TextBox 6"/>
-          <p:cNvSpPr txBox="1"/>
-          <p:nvPr/>
-        </p:nvSpPr>
-        <p:spPr>
-          <a:xfrm>
-            <a:off x="457200" y="1417319"/>
-            <a:ext cx="8229600" cy="2244852"/>
-          </a:xfrm>
-          <a:prstGeom prst="rect">
-            <a:avLst/>
-          </a:prstGeom>
-          <a:noFill/>
-        </p:spPr>
-        <p:txBody>
-          <a:bodyPr wrap="square">
-            <a:spAutoFit/>
-          </a:bodyPr>
-          <a:lstStyle/>
-          <a:p>
-            <a:pPr algn="l"/>
-          </a:p>
-          <a:p>
-            <a:pPr>
-              <a:lnSpc>
-                <a:spcPct val="150000"/>
-              </a:lnSpc>
-              <a:spcBef>
-                <a:spcPts val="1000"/>
-              </a:spcBef>
-              <a:spcAft>
-                <a:spcPts val="1000"/>
-              </a:spcAft>
-            </a:pPr>
-            <a:r>
-              <a:rPr u="sng" b="1" sz="1200">
-                <a:solidFill>
-                  <a:srgbClr val="000000"/>
-                </a:solidFill>
-                <a:latin typeface="맑은 고딕"/>
-              </a:rPr>
-              <a:t>(1)외국인유학생서포터즈 활동 당시, 중국인 팀원의 소극적인 태도로 인해 다른 팀원들이 그 친구의 퇴출을 주장하며 갈등이 발생했습니다. 당시 저는 팀원들의 의견을 존중하면서도 서포터즈 간의 원만한 관계 유지를 위해 갈등을 해결하고자 노력했습니다.우선</a:t>
-            </a:r>
-            <a:r>
-              <a:rPr sz="1200">
-                <a:solidFill>
-                  <a:srgbClr val="000000"/>
-                </a:solidFill>
-                <a:latin typeface="맑은 고딕"/>
-              </a:rPr>
-              <a:t> 중국인 친구와의 면담을 통해 한국어가 서툴러 회의내용을 이해하고 맡은 업무 수행하는데 어려움을 겪고 있다는 점을 알게 되었습니다. 따라서 팀원들에게 상황을 설명하고, 퇴출보다는 그 친구의 역할을 </a:t>
-            </a:r>
-            <a:r>
-              <a:rPr u="sng" b="1" sz="1200">
-                <a:solidFill>
-                  <a:srgbClr val="000000"/>
-                </a:solidFill>
-                <a:latin typeface="맑은 고딕"/>
-              </a:rPr>
-              <a:t>(2)조정하는 방향으로 함께 해결해보자고 설득했습니다. 이후 그 친구에게 회의내용을 중국어로 다시 설명해주고, 중국어 통번역 업무를 맡기며 역할을 재조정했습니다.</a:t>
-            </a:r>
-            <a:r>
-              <a:rPr sz="1200">
-                <a:solidFill>
-                  <a:srgbClr val="000000"/>
-                </a:solidFill>
-                <a:latin typeface="맑은 고딕"/>
-              </a:rPr>
-              <a:t> 그 결과 중국인 친구는 활동에 적극적으로 참여하는 모습을 보였고, 팀원들 간의 관계도 원만하게 유지되었습니다.이 경험을 통해 갈등 상황속에서 소통과 배려의 중요성을 깨달았으며, 입사 후에도 부서원들과 상호 이해를 바탕으로 협력하여 조직에 긍정적인 영향을 미치고자 합니다.</a:t>
-            </a:r>
-          </a:p>
-        </p:txBody>
-      </p:sp>
-      <p:sp>
-        <p:nvSpPr>
-          <p:cNvPr id="8" name="TextBox 7"/>
-          <p:cNvSpPr txBox="1"/>
-          <p:nvPr/>
-        </p:nvSpPr>
-        <p:spPr>
-          <a:xfrm>
-            <a:off x="457200" y="4393692"/>
-            <a:ext cx="5486400" cy="457200"/>
-          </a:xfrm>
-          <a:prstGeom prst="rect">
-            <a:avLst/>
-          </a:prstGeom>
-          <a:noFill/>
-        </p:spPr>
-        <p:txBody>
-          <a:bodyPr wrap="none">
-            <a:spAutoFit/>
-          </a:bodyPr>
-          <a:lstStyle/>
-          <a:p/>
-          <a:p>
-            <a:pPr algn="l">
-              <a:defRPr sz="1400" b="1">
-                <a:solidFill>
-                  <a:srgbClr val="000000"/>
-                </a:solidFill>
-                <a:latin typeface="맑은 고딕"/>
-              </a:defRPr>
-            </a:pPr>
-            <a:r>
-              <a:t>자기소개서 기반 면접 질문 제안</a:t>
-            </a:r>
-          </a:p>
-        </p:txBody>
-      </p:sp>
-      <p:sp>
-        <p:nvSpPr>
-          <p:cNvPr id="9" name="Rectangle 8"/>
-          <p:cNvSpPr/>
-          <p:nvPr/>
-        </p:nvSpPr>
-        <p:spPr>
-          <a:xfrm>
-            <a:off x="457200" y="4988052"/>
-            <a:ext cx="8229600" cy="18288"/>
-          </a:xfrm>
-          <a:prstGeom prst="rect">
-            <a:avLst/>
-          </a:prstGeom>
-          <a:solidFill>
-            <a:srgbClr val="C8C8C8"/>
-          </a:solidFill>
-          <a:ln>
-            <a:noFill/>
-          </a:ln>
-        </p:spPr>
-        <p:style>
-          <a:lnRef idx="1">
-            <a:schemeClr val="accent1"/>
-          </a:lnRef>
-          <a:fillRef idx="3">
-            <a:schemeClr val="accent1"/>
-          </a:fillRef>
-          <a:effectRef idx="2">
-            <a:schemeClr val="accent1"/>
-          </a:effectRef>
-          <a:fontRef idx="minor">
-            <a:schemeClr val="lt1"/>
-          </a:fontRef>
-        </p:style>
-        <p:txBody>
-          <a:bodyPr rtlCol="0" anchor="ctr"/>
-          <a:lstStyle/>
-          <a:p>
-            <a:pPr algn="ctr"/>
-          </a:p>
-        </p:txBody>
-      </p:sp>
-      <p:sp>
-        <p:nvSpPr>
-          <p:cNvPr id="10" name="Rectangle 9"/>
-          <p:cNvSpPr/>
-          <p:nvPr/>
-        </p:nvSpPr>
-        <p:spPr>
-          <a:xfrm>
-            <a:off x="457200" y="5308092"/>
-            <a:ext cx="8229600" cy="1371600"/>
-          </a:xfrm>
-          <a:prstGeom prst="rect">
-            <a:avLst/>
-          </a:prstGeom>
-          <a:solidFill>
-            <a:srgbClr val="F5F5F5"/>
-          </a:solidFill>
-          <a:ln>
-            <a:solidFill>
-              <a:srgbClr val="B4B4B4"/>
-            </a:solidFill>
-          </a:ln>
-        </p:spPr>
-        <p:style>
-          <a:lnRef idx="1">
-            <a:schemeClr val="accent1"/>
-          </a:lnRef>
-          <a:fillRef idx="3">
-            <a:schemeClr val="accent1"/>
-          </a:fillRef>
-          <a:effectRef idx="2">
-            <a:schemeClr val="accent1"/>
-          </a:effectRef>
-          <a:fontRef idx="minor">
-            <a:schemeClr val="lt1"/>
-          </a:fontRef>
-        </p:style>
-        <p:txBody>
-          <a:bodyPr rtlCol="0" anchor="ctr" wrap="square"/>
-          <a:lstStyle/>
-          <a:p>
-            <a:pPr algn="l"/>
-          </a:p>
-          <a:p>
-            <a:pPr>
-              <a:lnSpc>
-                <a:spcPct val="150000"/>
-              </a:lnSpc>
-              <a:spcBef>
-                <a:spcPts val="1000"/>
-              </a:spcBef>
-              <a:spcAft>
-                <a:spcPts val="1000"/>
-              </a:spcAft>
-              <a:defRPr sz="1200" b="1">
-                <a:solidFill>
-                  <a:srgbClr val="000000"/>
-                </a:solidFill>
-                <a:latin typeface="맑은 고딕"/>
-              </a:defRPr>
-            </a:pPr>
-            <a:r>
-              <a:t>(1) 외국인유학생서포터즈 활동 중 팀 내 갈등 해결을 위해 어떤 과정을 거쳤나요?</a:t>
-            </a:r>
-            <a:br/>
-            <a:r>
-              <a:t>(2) 중국인 팀원의 적극적 상태 변화를 어떻게 이끌어냈나요?</a:t>
+              <a:t>(3) 니즈 파악부터 개선 방안 기획까지의 과정에서 '분석적 사고'라는 역량을 어떻게 개발하게 되었나요?</a:t>
             </a:r>
           </a:p>
         </p:txBody>

--- a/flask-server/outputs/output.pptx
+++ b/flask-server/outputs/output.pptx
@@ -6,6 +6,17 @@
   </p:sldMasterIdLst>
   <p:sldIdLst>
     <p:sldId id="256" r:id="rId7"/>
+    <p:sldId id="257" r:id="rId8"/>
+    <p:sldId id="258" r:id="rId9"/>
+    <p:sldId id="259" r:id="rId10"/>
+    <p:sldId id="260" r:id="rId11"/>
+    <p:sldId id="261" r:id="rId12"/>
+    <p:sldId id="262" r:id="rId13"/>
+    <p:sldId id="263" r:id="rId14"/>
+    <p:sldId id="264" r:id="rId15"/>
+    <p:sldId id="265" r:id="rId16"/>
+    <p:sldId id="266" r:id="rId17"/>
+    <p:sldId id="267" r:id="rId18"/>
   </p:sldIdLst>
   <p:sldSz cx="9144000" cy="6858000" type="screen4x3"/>
   <p:notesSz cx="6858000" cy="9144000"/>
@@ -3208,7 +3219,7 @@
               </a:defRPr>
             </a:pPr>
             <a:r>
-              <a:t>d</a:t>
+              <a:t>asdfadf</a:t>
             </a:r>
           </a:p>
         </p:txBody>
@@ -3299,7 +3310,7 @@
                 </a:solidFill>
                 <a:latin typeface="맑은 고딕"/>
               </a:rPr>
-              <a:t>[트렌드를 반영한 아이디어로 만든 분석적 사고]현재 전 세계적으로 친환경 제품 소비를 </a:t>
+              <a:t>[트렌드를 반영한 아이디어로 만든 분석적 사고]현재 전 세계적으로 친환경 제품 소비를 추구하는 소비자가 증가하고 있으며, ESG 수출 장벽이 강화되는 추세입니다. 하지만 </a:t>
             </a:r>
             <a:r>
               <a:rPr u="sng" b="1" sz="1200">
@@ -3308,7 +3319,7 @@
                 </a:solidFill>
                 <a:latin typeface="맑은 고딕"/>
               </a:rPr>
-              <a:t>(1)추구하는 소비자가 증가하고 있으며, ESG 수출 장벽이 강화되는 추세입니다. 하지만 중소기업은 ESG 경영 전환에 애로사항이 있다는 보고서를 (2)읽었고, 저는 중소벤처기업의 글로벌 경쟁력</a:t>
+              <a:t>(1)중소기업은 ESG 경영 전환에 애로사항이 있다는 보고서를 읽었고, 저는 중소벤처기업의 글로벌 경쟁력 (2)강화에 도움이 되고자 정책 아이디어 공모전에 출전했습니다.중소기업이</a:t>
             </a:r>
             <a:r>
               <a:rPr sz="1200">
@@ -3317,7 +3328,7 @@
                 </a:solidFill>
                 <a:latin typeface="맑은 고딕"/>
               </a:rPr>
-              <a:t> 강화에 도움이 되고자 정책 아이디어 공모전에 출전했습니다.중소기업이 ESG 경영에 있어 가장 필요하지만 어려운 점이 ‘친환경 패키지’라는 것을 파악해 ‘친환경 패키지 바우처 지원’의 아이디어를 구상했습니다. 제조 중소기업과 친환경 패키지 중소기업을 연결하여 상생협력 구축 체계를 만들고, 해외 </a:t>
+              <a:t> ESG 경영에 있어 가장 필요하지만 어려운 점이 ‘친환경 패키지’라는 것을 파악해 ‘친환경 패키지 바우처 지원’의 아이디어를 구상했습니다. 제조 중소기업과 친환경 패키지 중소기업을 연결하여 상생협력 </a:t>
             </a:r>
             <a:r>
               <a:rPr u="sng" b="1" sz="1200">
@@ -3326,7 +3337,7 @@
                 </a:solidFill>
                 <a:latin typeface="맑은 고딕"/>
               </a:rPr>
-              <a:t>(3)진출을 도울 수 있는 아이디어를 제시했습니다. 아이디어는 구체적이고</a:t>
+              <a:t>(3)구축 체계를 만들고, 해외 진출을 도울 수 있는 아이디어를 제시했습니다. 아이디어는</a:t>
             </a:r>
             <a:r>
               <a:rPr sz="1200">
@@ -3335,7 +3346,7 @@
                 </a:solidFill>
                 <a:latin typeface="맑은 고딕"/>
               </a:rPr>
-              <a:t> 실천 가능성이 높다는 피드백을 받으며 대상을 수상했습니다.저는 니즈 파악부터 개선 방안 기획까지의 과정에서 ‘분석적 사고’라는 직무 역량을 만들었습니다. 앞으로도 창의성을 바탕으로 개선 방안을 제시하고, 기업과 국민의 행복을 더하는 직원이 되겠습니다.</a:t>
+              <a:t> 구체적이고 실천 가능성이 높다는 피드백을 받으며 대상을 수상했습니다.저는 니즈 파악부터 개선 방안 기획까지의 과정에서 ‘분석적 사고’라는 직무 역량을 만들었습니다. 앞으로도 창의성을 바탕으로 개선 방안을 제시하고, 기업과 국민의 행복을 더하는 직원이 되겠습니다.</a:t>
             </a:r>
           </a:p>
         </p:txBody>
@@ -3482,15 +3493,4807 @@
               </a:defRPr>
             </a:pPr>
             <a:r>
-              <a:t>(1) 중소기업이 ESG 경영 전환에 어려움을 겪는 문제를 파악하게 된 계기는 무엇인가요?</a:t>
+              <a:t>(1) 중소벤처기업의 글로벌 경쟁력 강화를 위한 아이디어 중 가장 어려웠던 부분은 무엇이었나요?</a:t>
             </a:r>
             <a:br/>
             <a:r>
-              <a:t>(2) 정책 아이디어 공모전에 출전하게 된 동기는 무엇인가요?</a:t>
+              <a:t>(2) 친환경 패키지가 중소기업에 중요한 이유는 무엇이라고 생각하십니까?</a:t>
             </a:r>
             <a:br/>
             <a:r>
-              <a:t>(3) 니즈 파악부터 개선 방안 기획까지의 과정에서 '분석적 사고'라는 역량을 어떻게 개발하게 되었나요?</a:t>
+              <a:t>(3) 분석적 사고를 활용할 때 가장 중요하게 생각하는 요소는 무엇인가요?</a:t>
+            </a:r>
+          </a:p>
+        </p:txBody>
+      </p:sp>
+    </p:spTree>
+  </p:cSld>
+  <p:clrMapOvr>
+    <a:masterClrMapping/>
+  </p:clrMapOvr>
+</p:sld>
+</file>
+
+<file path=ppt/slides/slide10.xml><?xml version="1.0" encoding="utf-8"?>
+<p:sld xmlns:a="http://schemas.openxmlformats.org/drawingml/2006/main" xmlns:p="http://schemas.openxmlformats.org/presentationml/2006/main" xmlns:r="http://schemas.openxmlformats.org/officeDocument/2006/relationships">
+  <p:cSld>
+    <p:spTree>
+      <p:nvGrpSpPr>
+        <p:cNvPr id="1" name=""/>
+        <p:cNvGrpSpPr/>
+        <p:nvPr/>
+      </p:nvGrpSpPr>
+      <p:grpSpPr/>
+      <p:sp>
+        <p:nvSpPr>
+          <p:cNvPr id="2" name="Title 1"/>
+          <p:cNvSpPr>
+            <a:spLocks noGrp="1"/>
+          </p:cNvSpPr>
+          <p:nvPr>
+            <p:ph type="title"/>
+          </p:nvPr>
+        </p:nvSpPr>
+        <p:spPr/>
+        <p:txBody>
+          <a:bodyPr/>
+          <a:lstStyle/>
+          <a:p/>
+        </p:txBody>
+      </p:sp>
+      <p:sp>
+        <p:nvSpPr>
+          <p:cNvPr id="3" name="TextBox 2"/>
+          <p:cNvSpPr txBox="1"/>
+          <p:nvPr/>
+        </p:nvSpPr>
+        <p:spPr>
+          <a:xfrm>
+            <a:off x="457200" y="274320"/>
+            <a:ext cx="2743200" cy="457200"/>
+          </a:xfrm>
+          <a:prstGeom prst="rect">
+            <a:avLst/>
+          </a:prstGeom>
+          <a:noFill/>
+        </p:spPr>
+        <p:txBody>
+          <a:bodyPr wrap="none">
+            <a:spAutoFit/>
+          </a:bodyPr>
+          <a:lstStyle/>
+          <a:p/>
+          <a:p>
+            <a:pPr algn="l">
+              <a:defRPr sz="1200" b="1">
+                <a:latin typeface="맑은 고딕"/>
+              </a:defRPr>
+            </a:pPr>
+            <a:r>
+              <a:t>수험번호: C0100003</a:t>
+            </a:r>
+          </a:p>
+        </p:txBody>
+      </p:sp>
+      <p:sp>
+        <p:nvSpPr>
+          <p:cNvPr id="4" name="TextBox 3"/>
+          <p:cNvSpPr txBox="1"/>
+          <p:nvPr/>
+        </p:nvSpPr>
+        <p:spPr>
+          <a:xfrm>
+            <a:off x="457200" y="914400"/>
+            <a:ext cx="5486400" cy="457200"/>
+          </a:xfrm>
+          <a:prstGeom prst="rect">
+            <a:avLst/>
+          </a:prstGeom>
+          <a:noFill/>
+        </p:spPr>
+        <p:txBody>
+          <a:bodyPr wrap="none">
+            <a:spAutoFit/>
+          </a:bodyPr>
+          <a:lstStyle/>
+          <a:p/>
+          <a:p>
+            <a:pPr algn="l">
+              <a:defRPr sz="1400" b="1">
+                <a:solidFill>
+                  <a:srgbClr val="000000"/>
+                </a:solidFill>
+                <a:latin typeface="맑은 고딕"/>
+              </a:defRPr>
+            </a:pPr>
+            <a:r>
+              <a:t>자기소개서</a:t>
+            </a:r>
+          </a:p>
+        </p:txBody>
+      </p:sp>
+      <p:sp>
+        <p:nvSpPr>
+          <p:cNvPr id="5" name="TextBox 4"/>
+          <p:cNvSpPr txBox="1"/>
+          <p:nvPr/>
+        </p:nvSpPr>
+        <p:spPr>
+          <a:xfrm>
+            <a:off x="457200" y="1371600"/>
+            <a:ext cx="5486400" cy="457200"/>
+          </a:xfrm>
+          <a:prstGeom prst="rect">
+            <a:avLst/>
+          </a:prstGeom>
+          <a:noFill/>
+        </p:spPr>
+        <p:txBody>
+          <a:bodyPr wrap="none">
+            <a:spAutoFit/>
+          </a:bodyPr>
+          <a:lstStyle/>
+          <a:p/>
+          <a:p>
+            <a:pPr algn="l">
+              <a:defRPr sz="1100" b="1">
+                <a:solidFill>
+                  <a:srgbClr val="000000"/>
+                </a:solidFill>
+                <a:latin typeface="맑은 고딕"/>
+              </a:defRPr>
+            </a:pPr>
+            <a:r>
+              <a:t>asad</a:t>
+            </a:r>
+          </a:p>
+        </p:txBody>
+      </p:sp>
+      <p:sp>
+        <p:nvSpPr>
+          <p:cNvPr id="6" name="Rectangle 5"/>
+          <p:cNvSpPr/>
+          <p:nvPr/>
+        </p:nvSpPr>
+        <p:spPr>
+          <a:xfrm>
+            <a:off x="457200" y="1508760"/>
+            <a:ext cx="8229600" cy="18288"/>
+          </a:xfrm>
+          <a:prstGeom prst="rect">
+            <a:avLst/>
+          </a:prstGeom>
+          <a:solidFill>
+            <a:srgbClr val="C8C8C8"/>
+          </a:solidFill>
+          <a:ln>
+            <a:noFill/>
+          </a:ln>
+        </p:spPr>
+        <p:style>
+          <a:lnRef idx="1">
+            <a:schemeClr val="accent1"/>
+          </a:lnRef>
+          <a:fillRef idx="3">
+            <a:schemeClr val="accent1"/>
+          </a:fillRef>
+          <a:effectRef idx="2">
+            <a:schemeClr val="accent1"/>
+          </a:effectRef>
+          <a:fontRef idx="minor">
+            <a:schemeClr val="lt1"/>
+          </a:fontRef>
+        </p:style>
+        <p:txBody>
+          <a:bodyPr rtlCol="0" anchor="ctr"/>
+          <a:lstStyle/>
+          <a:p>
+            <a:pPr algn="ctr"/>
+          </a:p>
+        </p:txBody>
+      </p:sp>
+      <p:sp>
+        <p:nvSpPr>
+          <p:cNvPr id="7" name="TextBox 6"/>
+          <p:cNvSpPr txBox="1"/>
+          <p:nvPr/>
+        </p:nvSpPr>
+        <p:spPr>
+          <a:xfrm>
+            <a:off x="457200" y="1417319"/>
+            <a:ext cx="8229600" cy="2290572"/>
+          </a:xfrm>
+          <a:prstGeom prst="rect">
+            <a:avLst/>
+          </a:prstGeom>
+          <a:noFill/>
+        </p:spPr>
+        <p:txBody>
+          <a:bodyPr wrap="square">
+            <a:spAutoFit/>
+          </a:bodyPr>
+          <a:lstStyle/>
+          <a:p>
+            <a:pPr algn="l"/>
+          </a:p>
+          <a:p>
+            <a:pPr>
+              <a:lnSpc>
+                <a:spcPct val="150000"/>
+              </a:lnSpc>
+              <a:spcBef>
+                <a:spcPts val="1000"/>
+              </a:spcBef>
+              <a:spcAft>
+                <a:spcPts val="1000"/>
+              </a:spcAft>
+            </a:pPr>
+            <a:r>
+              <a:rPr u="sng" b="1" sz="1200">
+                <a:solidFill>
+                  <a:srgbClr val="000000"/>
+                </a:solidFill>
+                <a:latin typeface="맑은 고딕"/>
+              </a:rPr>
+              <a:t>(1)한중 교류캠프에서 게임프로그램을 기획하던 중 서로 생각하는 개념이 불일치했지만,</a:t>
+            </a:r>
+            <a:r>
+              <a:rPr sz="1200">
+                <a:solidFill>
+                  <a:srgbClr val="000000"/>
+                </a:solidFill>
+                <a:latin typeface="맑은 고딕"/>
+              </a:rPr>
+              <a:t> 타협안을 찾아 갈등을 해결한 경험이 있습니다.중국인 팀원들은 요즘 유행하는 게임으로 구성하는 데 주력했지만, 저와 한국인 팀원들은 이 캠프의 참가자 중 중국인 선생님이 계시기에 참여율을 높일 수 있는 방안을 제시했기 때문입니다. 의견 일치가 이루어지지 않는 상황에서 의사소통까지 원활하지 않았기에, 팀장으로서 긴장된 </a:t>
+            </a:r>
+            <a:r>
+              <a:rPr u="sng" b="1" sz="1200">
+                <a:solidFill>
+                  <a:srgbClr val="000000"/>
+                </a:solidFill>
+                <a:latin typeface="맑은 고딕"/>
+              </a:rPr>
+              <a:t>(2)분위기를 전환하고자 각자가 생각하는 게임을 해보자고 제안했습니다. 처음에는</a:t>
+            </a:r>
+            <a:r>
+              <a:rPr sz="1200">
+                <a:solidFill>
+                  <a:srgbClr val="000000"/>
+                </a:solidFill>
+                <a:latin typeface="맑은 고딕"/>
+              </a:rPr>
+              <a:t> 어색했지만, 각 게임의 장점만 뽑아 하나의 게임으로 기획하자는 타협점을 찾을 수 있었습니다. 이후 회의에서 구체적으로 역할을 나누었고, </a:t>
+            </a:r>
+            <a:r>
+              <a:rPr u="sng" b="1" sz="1200">
+                <a:solidFill>
+                  <a:srgbClr val="000000"/>
+                </a:solidFill>
+                <a:latin typeface="맑은 고딕"/>
+              </a:rPr>
+              <a:t>(3)팀원들의 이해도를 높이기 위해 채팅방에 회의 내용을 한국어,</a:t>
+            </a:r>
+            <a:r>
+              <a:rPr sz="1200">
+                <a:solidFill>
+                  <a:srgbClr val="000000"/>
+                </a:solidFill>
+                <a:latin typeface="맑은 고딕"/>
+              </a:rPr>
+              <a:t> 중국어로 요약하여 공유하였습니다. 6명의 팀원이 적극적으로 참여한 덕분에 팀원 모두가 만족하는 게임 프로그램을 기획하였고, 그 결과 10개의 팀 중 70명의 만족도가 가장 높은 프로그램으로 선정될 수 있었습니다.</a:t>
+            </a:r>
+          </a:p>
+        </p:txBody>
+      </p:sp>
+      <p:sp>
+        <p:nvSpPr>
+          <p:cNvPr id="8" name="TextBox 7"/>
+          <p:cNvSpPr txBox="1"/>
+          <p:nvPr/>
+        </p:nvSpPr>
+        <p:spPr>
+          <a:xfrm>
+            <a:off x="457200" y="4439412"/>
+            <a:ext cx="5486400" cy="457200"/>
+          </a:xfrm>
+          <a:prstGeom prst="rect">
+            <a:avLst/>
+          </a:prstGeom>
+          <a:noFill/>
+        </p:spPr>
+        <p:txBody>
+          <a:bodyPr wrap="none">
+            <a:spAutoFit/>
+          </a:bodyPr>
+          <a:lstStyle/>
+          <a:p/>
+          <a:p>
+            <a:pPr algn="l">
+              <a:defRPr sz="1400" b="1">
+                <a:solidFill>
+                  <a:srgbClr val="000000"/>
+                </a:solidFill>
+                <a:latin typeface="맑은 고딕"/>
+              </a:defRPr>
+            </a:pPr>
+            <a:r>
+              <a:t>자기소개서 기반 면접 질문 제안</a:t>
+            </a:r>
+          </a:p>
+        </p:txBody>
+      </p:sp>
+      <p:sp>
+        <p:nvSpPr>
+          <p:cNvPr id="9" name="Rectangle 8"/>
+          <p:cNvSpPr/>
+          <p:nvPr/>
+        </p:nvSpPr>
+        <p:spPr>
+          <a:xfrm>
+            <a:off x="457200" y="5033772"/>
+            <a:ext cx="8229600" cy="18288"/>
+          </a:xfrm>
+          <a:prstGeom prst="rect">
+            <a:avLst/>
+          </a:prstGeom>
+          <a:solidFill>
+            <a:srgbClr val="C8C8C8"/>
+          </a:solidFill>
+          <a:ln>
+            <a:noFill/>
+          </a:ln>
+        </p:spPr>
+        <p:style>
+          <a:lnRef idx="1">
+            <a:schemeClr val="accent1"/>
+          </a:lnRef>
+          <a:fillRef idx="3">
+            <a:schemeClr val="accent1"/>
+          </a:fillRef>
+          <a:effectRef idx="2">
+            <a:schemeClr val="accent1"/>
+          </a:effectRef>
+          <a:fontRef idx="minor">
+            <a:schemeClr val="lt1"/>
+          </a:fontRef>
+        </p:style>
+        <p:txBody>
+          <a:bodyPr rtlCol="0" anchor="ctr"/>
+          <a:lstStyle/>
+          <a:p>
+            <a:pPr algn="ctr"/>
+          </a:p>
+        </p:txBody>
+      </p:sp>
+      <p:sp>
+        <p:nvSpPr>
+          <p:cNvPr id="10" name="Rectangle 9"/>
+          <p:cNvSpPr/>
+          <p:nvPr/>
+        </p:nvSpPr>
+        <p:spPr>
+          <a:xfrm>
+            <a:off x="457200" y="5353812"/>
+            <a:ext cx="8229600" cy="1371600"/>
+          </a:xfrm>
+          <a:prstGeom prst="rect">
+            <a:avLst/>
+          </a:prstGeom>
+          <a:solidFill>
+            <a:srgbClr val="F5F5F5"/>
+          </a:solidFill>
+          <a:ln>
+            <a:solidFill>
+              <a:srgbClr val="B4B4B4"/>
+            </a:solidFill>
+          </a:ln>
+        </p:spPr>
+        <p:style>
+          <a:lnRef idx="1">
+            <a:schemeClr val="accent1"/>
+          </a:lnRef>
+          <a:fillRef idx="3">
+            <a:schemeClr val="accent1"/>
+          </a:fillRef>
+          <a:effectRef idx="2">
+            <a:schemeClr val="accent1"/>
+          </a:effectRef>
+          <a:fontRef idx="minor">
+            <a:schemeClr val="lt1"/>
+          </a:fontRef>
+        </p:style>
+        <p:txBody>
+          <a:bodyPr rtlCol="0" anchor="ctr" wrap="square"/>
+          <a:lstStyle/>
+          <a:p>
+            <a:pPr algn="l"/>
+          </a:p>
+          <a:p>
+            <a:pPr>
+              <a:lnSpc>
+                <a:spcPct val="150000"/>
+              </a:lnSpc>
+              <a:spcBef>
+                <a:spcPts val="1000"/>
+              </a:spcBef>
+              <a:spcAft>
+                <a:spcPts val="1000"/>
+              </a:spcAft>
+              <a:defRPr sz="1200" b="1">
+                <a:solidFill>
+                  <a:srgbClr val="000000"/>
+                </a:solidFill>
+                <a:latin typeface="맑은 고딕"/>
+              </a:defRPr>
+            </a:pPr>
+            <a:r>
+              <a:t>(1) 한중 교류캠프에서 게임프로그램 기획 시 갈등을 해결한 구체적인 방법은 무엇이었나요?</a:t>
+            </a:r>
+            <a:br/>
+            <a:r>
+              <a:t>(2) 타협점을 찾기 위해 팀 내에서 어떤 활동을 했습니까?</a:t>
+            </a:r>
+            <a:br/>
+            <a:r>
+              <a:t>(3) 회의 내용을 공유할 때 어떤 언어로 요약했나요?</a:t>
+            </a:r>
+          </a:p>
+        </p:txBody>
+      </p:sp>
+    </p:spTree>
+  </p:cSld>
+  <p:clrMapOvr>
+    <a:masterClrMapping/>
+  </p:clrMapOvr>
+</p:sld>
+</file>
+
+<file path=ppt/slides/slide11.xml><?xml version="1.0" encoding="utf-8"?>
+<p:sld xmlns:a="http://schemas.openxmlformats.org/drawingml/2006/main" xmlns:p="http://schemas.openxmlformats.org/presentationml/2006/main" xmlns:r="http://schemas.openxmlformats.org/officeDocument/2006/relationships">
+  <p:cSld>
+    <p:spTree>
+      <p:nvGrpSpPr>
+        <p:cNvPr id="1" name=""/>
+        <p:cNvGrpSpPr/>
+        <p:nvPr/>
+      </p:nvGrpSpPr>
+      <p:grpSpPr/>
+      <p:sp>
+        <p:nvSpPr>
+          <p:cNvPr id="2" name="Title 1"/>
+          <p:cNvSpPr>
+            <a:spLocks noGrp="1"/>
+          </p:cNvSpPr>
+          <p:nvPr>
+            <p:ph type="title"/>
+          </p:nvPr>
+        </p:nvSpPr>
+        <p:spPr/>
+        <p:txBody>
+          <a:bodyPr/>
+          <a:lstStyle/>
+          <a:p/>
+        </p:txBody>
+      </p:sp>
+      <p:sp>
+        <p:nvSpPr>
+          <p:cNvPr id="3" name="TextBox 2"/>
+          <p:cNvSpPr txBox="1"/>
+          <p:nvPr/>
+        </p:nvSpPr>
+        <p:spPr>
+          <a:xfrm>
+            <a:off x="457200" y="274320"/>
+            <a:ext cx="2743200" cy="457200"/>
+          </a:xfrm>
+          <a:prstGeom prst="rect">
+            <a:avLst/>
+          </a:prstGeom>
+          <a:noFill/>
+        </p:spPr>
+        <p:txBody>
+          <a:bodyPr wrap="none">
+            <a:spAutoFit/>
+          </a:bodyPr>
+          <a:lstStyle/>
+          <a:p/>
+          <a:p>
+            <a:pPr algn="l">
+              <a:defRPr sz="1200" b="1">
+                <a:latin typeface="맑은 고딕"/>
+              </a:defRPr>
+            </a:pPr>
+            <a:r>
+              <a:t>수험번호: C0100003</a:t>
+            </a:r>
+          </a:p>
+        </p:txBody>
+      </p:sp>
+      <p:sp>
+        <p:nvSpPr>
+          <p:cNvPr id="4" name="TextBox 3"/>
+          <p:cNvSpPr txBox="1"/>
+          <p:nvPr/>
+        </p:nvSpPr>
+        <p:spPr>
+          <a:xfrm>
+            <a:off x="457200" y="914400"/>
+            <a:ext cx="5486400" cy="457200"/>
+          </a:xfrm>
+          <a:prstGeom prst="rect">
+            <a:avLst/>
+          </a:prstGeom>
+          <a:noFill/>
+        </p:spPr>
+        <p:txBody>
+          <a:bodyPr wrap="none">
+            <a:spAutoFit/>
+          </a:bodyPr>
+          <a:lstStyle/>
+          <a:p/>
+          <a:p>
+            <a:pPr algn="l">
+              <a:defRPr sz="1400" b="1">
+                <a:solidFill>
+                  <a:srgbClr val="000000"/>
+                </a:solidFill>
+                <a:latin typeface="맑은 고딕"/>
+              </a:defRPr>
+            </a:pPr>
+            <a:r>
+              <a:t>자기소개서</a:t>
+            </a:r>
+          </a:p>
+        </p:txBody>
+      </p:sp>
+      <p:sp>
+        <p:nvSpPr>
+          <p:cNvPr id="5" name="TextBox 4"/>
+          <p:cNvSpPr txBox="1"/>
+          <p:nvPr/>
+        </p:nvSpPr>
+        <p:spPr>
+          <a:xfrm>
+            <a:off x="457200" y="1371600"/>
+            <a:ext cx="5486400" cy="457200"/>
+          </a:xfrm>
+          <a:prstGeom prst="rect">
+            <a:avLst/>
+          </a:prstGeom>
+          <a:noFill/>
+        </p:spPr>
+        <p:txBody>
+          <a:bodyPr wrap="none">
+            <a:spAutoFit/>
+          </a:bodyPr>
+          <a:lstStyle/>
+          <a:p/>
+          <a:p>
+            <a:pPr algn="l">
+              <a:defRPr sz="1100" b="1">
+                <a:solidFill>
+                  <a:srgbClr val="000000"/>
+                </a:solidFill>
+                <a:latin typeface="맑은 고딕"/>
+              </a:defRPr>
+            </a:pPr>
+            <a:r>
+              <a:t>adsf</a:t>
+            </a:r>
+          </a:p>
+        </p:txBody>
+      </p:sp>
+      <p:sp>
+        <p:nvSpPr>
+          <p:cNvPr id="6" name="Rectangle 5"/>
+          <p:cNvSpPr/>
+          <p:nvPr/>
+        </p:nvSpPr>
+        <p:spPr>
+          <a:xfrm>
+            <a:off x="457200" y="1508760"/>
+            <a:ext cx="8229600" cy="18288"/>
+          </a:xfrm>
+          <a:prstGeom prst="rect">
+            <a:avLst/>
+          </a:prstGeom>
+          <a:solidFill>
+            <a:srgbClr val="C8C8C8"/>
+          </a:solidFill>
+          <a:ln>
+            <a:noFill/>
+          </a:ln>
+        </p:spPr>
+        <p:style>
+          <a:lnRef idx="1">
+            <a:schemeClr val="accent1"/>
+          </a:lnRef>
+          <a:fillRef idx="3">
+            <a:schemeClr val="accent1"/>
+          </a:fillRef>
+          <a:effectRef idx="2">
+            <a:schemeClr val="accent1"/>
+          </a:effectRef>
+          <a:fontRef idx="minor">
+            <a:schemeClr val="lt1"/>
+          </a:fontRef>
+        </p:style>
+        <p:txBody>
+          <a:bodyPr rtlCol="0" anchor="ctr"/>
+          <a:lstStyle/>
+          <a:p>
+            <a:pPr algn="ctr"/>
+          </a:p>
+        </p:txBody>
+      </p:sp>
+      <p:sp>
+        <p:nvSpPr>
+          <p:cNvPr id="7" name="TextBox 6"/>
+          <p:cNvSpPr txBox="1"/>
+          <p:nvPr/>
+        </p:nvSpPr>
+        <p:spPr>
+          <a:xfrm>
+            <a:off x="457200" y="1417319"/>
+            <a:ext cx="8229600" cy="2318004"/>
+          </a:xfrm>
+          <a:prstGeom prst="rect">
+            <a:avLst/>
+          </a:prstGeom>
+          <a:noFill/>
+        </p:spPr>
+        <p:txBody>
+          <a:bodyPr wrap="square">
+            <a:spAutoFit/>
+          </a:bodyPr>
+          <a:lstStyle/>
+          <a:p>
+            <a:pPr algn="l"/>
+          </a:p>
+          <a:p>
+            <a:pPr>
+              <a:lnSpc>
+                <a:spcPct val="150000"/>
+              </a:lnSpc>
+              <a:spcBef>
+                <a:spcPts val="1000"/>
+              </a:spcBef>
+              <a:spcAft>
+                <a:spcPts val="1000"/>
+              </a:spcAft>
+            </a:pPr>
+            <a:r>
+              <a:rPr sz="1200">
+                <a:solidFill>
+                  <a:srgbClr val="000000"/>
+                </a:solidFill>
+                <a:latin typeface="맑은 고딕"/>
+              </a:rPr>
+              <a:t>재단 인턴 당시, 100명의 외국인 서포터즈들의 </a:t>
+            </a:r>
+            <a:r>
+              <a:rPr u="sng" b="1" sz="1200">
+                <a:solidFill>
+                  <a:srgbClr val="000000"/>
+                </a:solidFill>
+                <a:latin typeface="맑은 고딕"/>
+              </a:rPr>
+              <a:t>(1)과제를 평가하는 업무를 수행하던 중 둘째 달부터 참여도가 떨어지는 문제가 발생했습니다. 전체의 50%에 해당하는 많은 인원에게</a:t>
+            </a:r>
+            <a:r>
+              <a:rPr sz="1200">
+                <a:solidFill>
+                  <a:srgbClr val="000000"/>
+                </a:solidFill>
+                <a:latin typeface="맑은 고딕"/>
+              </a:rPr>
+              <a:t> 상품을 줬었기에 상품을 못 받은 사람들의 불만이 컴플레인의 원인이라고 파악하였습니다. 하지만 다음 달에도 지속되었기에, 5명의 서포터즈에게 따로 이유를 물어본 후 당시 함께 과제물을 평가하던 담당자의 업무 과중으로 인해 시간이 부족했고, 그로 인해 실질적인 내용이나 창의성이 충분히 반영되지 못한 것이 원인임을 알게 되었습니다.이를 해결하기 위해 </a:t>
+            </a:r>
+            <a:r>
+              <a:rPr u="sng" b="1" sz="1200">
+                <a:solidFill>
+                  <a:srgbClr val="000000"/>
+                </a:solidFill>
+                <a:latin typeface="맑은 고딕"/>
+              </a:rPr>
+              <a:t>(2)엑셀을 활용하여 불만과 요구사항을 유형별로 나눠 분석하였습니다. 평가 기준을 (3)구체화하고, 서포터즈 운영계획서를 참고하여 활동 목적에 부합하는 평가 요소 5가지를 만들 수 있었습니다.</a:t>
+            </a:r>
+            <a:r>
+              <a:rPr sz="1200">
+                <a:solidFill>
+                  <a:srgbClr val="000000"/>
+                </a:solidFill>
+                <a:latin typeface="맑은 고딕"/>
+              </a:rPr>
+              <a:t> 또한 서포터즈가 외국인인 점을 고려하여 예상 질문을 만들고 답변을 작성했습니다. 그 결과, 서포터즈의 민원이 90% 이상 줄었고, 높은 참여도와 함께 과제물 퀄리티도 높일 수 있었습니다.</a:t>
+            </a:r>
+          </a:p>
+        </p:txBody>
+      </p:sp>
+      <p:sp>
+        <p:nvSpPr>
+          <p:cNvPr id="8" name="TextBox 7"/>
+          <p:cNvSpPr txBox="1"/>
+          <p:nvPr/>
+        </p:nvSpPr>
+        <p:spPr>
+          <a:xfrm>
+            <a:off x="457200" y="4466844"/>
+            <a:ext cx="5486400" cy="457200"/>
+          </a:xfrm>
+          <a:prstGeom prst="rect">
+            <a:avLst/>
+          </a:prstGeom>
+          <a:noFill/>
+        </p:spPr>
+        <p:txBody>
+          <a:bodyPr wrap="none">
+            <a:spAutoFit/>
+          </a:bodyPr>
+          <a:lstStyle/>
+          <a:p/>
+          <a:p>
+            <a:pPr algn="l">
+              <a:defRPr sz="1400" b="1">
+                <a:solidFill>
+                  <a:srgbClr val="000000"/>
+                </a:solidFill>
+                <a:latin typeface="맑은 고딕"/>
+              </a:defRPr>
+            </a:pPr>
+            <a:r>
+              <a:t>자기소개서 기반 면접 질문 제안</a:t>
+            </a:r>
+          </a:p>
+        </p:txBody>
+      </p:sp>
+      <p:sp>
+        <p:nvSpPr>
+          <p:cNvPr id="9" name="Rectangle 8"/>
+          <p:cNvSpPr/>
+          <p:nvPr/>
+        </p:nvSpPr>
+        <p:spPr>
+          <a:xfrm>
+            <a:off x="457200" y="5061204"/>
+            <a:ext cx="8229600" cy="18288"/>
+          </a:xfrm>
+          <a:prstGeom prst="rect">
+            <a:avLst/>
+          </a:prstGeom>
+          <a:solidFill>
+            <a:srgbClr val="C8C8C8"/>
+          </a:solidFill>
+          <a:ln>
+            <a:noFill/>
+          </a:ln>
+        </p:spPr>
+        <p:style>
+          <a:lnRef idx="1">
+            <a:schemeClr val="accent1"/>
+          </a:lnRef>
+          <a:fillRef idx="3">
+            <a:schemeClr val="accent1"/>
+          </a:fillRef>
+          <a:effectRef idx="2">
+            <a:schemeClr val="accent1"/>
+          </a:effectRef>
+          <a:fontRef idx="minor">
+            <a:schemeClr val="lt1"/>
+          </a:fontRef>
+        </p:style>
+        <p:txBody>
+          <a:bodyPr rtlCol="0" anchor="ctr"/>
+          <a:lstStyle/>
+          <a:p>
+            <a:pPr algn="ctr"/>
+          </a:p>
+        </p:txBody>
+      </p:sp>
+      <p:sp>
+        <p:nvSpPr>
+          <p:cNvPr id="10" name="Rectangle 9"/>
+          <p:cNvSpPr/>
+          <p:nvPr/>
+        </p:nvSpPr>
+        <p:spPr>
+          <a:xfrm>
+            <a:off x="457200" y="5381244"/>
+            <a:ext cx="8229600" cy="1371600"/>
+          </a:xfrm>
+          <a:prstGeom prst="rect">
+            <a:avLst/>
+          </a:prstGeom>
+          <a:solidFill>
+            <a:srgbClr val="F5F5F5"/>
+          </a:solidFill>
+          <a:ln>
+            <a:solidFill>
+              <a:srgbClr val="B4B4B4"/>
+            </a:solidFill>
+          </a:ln>
+        </p:spPr>
+        <p:style>
+          <a:lnRef idx="1">
+            <a:schemeClr val="accent1"/>
+          </a:lnRef>
+          <a:fillRef idx="3">
+            <a:schemeClr val="accent1"/>
+          </a:fillRef>
+          <a:effectRef idx="2">
+            <a:schemeClr val="accent1"/>
+          </a:effectRef>
+          <a:fontRef idx="minor">
+            <a:schemeClr val="lt1"/>
+          </a:fontRef>
+        </p:style>
+        <p:txBody>
+          <a:bodyPr rtlCol="0" anchor="ctr" wrap="square"/>
+          <a:lstStyle/>
+          <a:p>
+            <a:pPr algn="l"/>
+          </a:p>
+          <a:p>
+            <a:pPr>
+              <a:lnSpc>
+                <a:spcPct val="150000"/>
+              </a:lnSpc>
+              <a:spcBef>
+                <a:spcPts val="1000"/>
+              </a:spcBef>
+              <a:spcAft>
+                <a:spcPts val="1000"/>
+              </a:spcAft>
+              <a:defRPr sz="1200" b="1">
+                <a:solidFill>
+                  <a:srgbClr val="000000"/>
+                </a:solidFill>
+                <a:latin typeface="맑은 고딕"/>
+              </a:defRPr>
+            </a:pPr>
+            <a:r>
+              <a:t>(1) 외국인 서포터즈 과제 평가 시 발생한 문제를 어떻게 해결했나요?</a:t>
+            </a:r>
+            <a:br/>
+            <a:r>
+              <a:t>(2) 엑셀을 활용하여 불만을 유형별로 나누어 분석한 방법은 무엇입니까?</a:t>
+            </a:r>
+            <a:br/>
+            <a:r>
+              <a:t>(3) 평가 방식의 구체적인 변화를 어떤 방식으로 이루었나요?</a:t>
+            </a:r>
+          </a:p>
+        </p:txBody>
+      </p:sp>
+    </p:spTree>
+  </p:cSld>
+  <p:clrMapOvr>
+    <a:masterClrMapping/>
+  </p:clrMapOvr>
+</p:sld>
+</file>
+
+<file path=ppt/slides/slide12.xml><?xml version="1.0" encoding="utf-8"?>
+<p:sld xmlns:a="http://schemas.openxmlformats.org/drawingml/2006/main" xmlns:p="http://schemas.openxmlformats.org/presentationml/2006/main" xmlns:r="http://schemas.openxmlformats.org/officeDocument/2006/relationships">
+  <p:cSld>
+    <p:spTree>
+      <p:nvGrpSpPr>
+        <p:cNvPr id="1" name=""/>
+        <p:cNvGrpSpPr/>
+        <p:nvPr/>
+      </p:nvGrpSpPr>
+      <p:grpSpPr/>
+      <p:sp>
+        <p:nvSpPr>
+          <p:cNvPr id="2" name="Title 1"/>
+          <p:cNvSpPr>
+            <a:spLocks noGrp="1"/>
+          </p:cNvSpPr>
+          <p:nvPr>
+            <p:ph type="title"/>
+          </p:nvPr>
+        </p:nvSpPr>
+        <p:spPr/>
+        <p:txBody>
+          <a:bodyPr/>
+          <a:lstStyle/>
+          <a:p/>
+        </p:txBody>
+      </p:sp>
+      <p:sp>
+        <p:nvSpPr>
+          <p:cNvPr id="3" name="TextBox 2"/>
+          <p:cNvSpPr txBox="1"/>
+          <p:nvPr/>
+        </p:nvSpPr>
+        <p:spPr>
+          <a:xfrm>
+            <a:off x="457200" y="274320"/>
+            <a:ext cx="2743200" cy="457200"/>
+          </a:xfrm>
+          <a:prstGeom prst="rect">
+            <a:avLst/>
+          </a:prstGeom>
+          <a:noFill/>
+        </p:spPr>
+        <p:txBody>
+          <a:bodyPr wrap="none">
+            <a:spAutoFit/>
+          </a:bodyPr>
+          <a:lstStyle/>
+          <a:p/>
+          <a:p>
+            <a:pPr algn="l">
+              <a:defRPr sz="1200" b="1">
+                <a:latin typeface="맑은 고딕"/>
+              </a:defRPr>
+            </a:pPr>
+            <a:r>
+              <a:t>수험번호: C0100003</a:t>
+            </a:r>
+          </a:p>
+        </p:txBody>
+      </p:sp>
+      <p:sp>
+        <p:nvSpPr>
+          <p:cNvPr id="4" name="TextBox 3"/>
+          <p:cNvSpPr txBox="1"/>
+          <p:nvPr/>
+        </p:nvSpPr>
+        <p:spPr>
+          <a:xfrm>
+            <a:off x="457200" y="914400"/>
+            <a:ext cx="5486400" cy="457200"/>
+          </a:xfrm>
+          <a:prstGeom prst="rect">
+            <a:avLst/>
+          </a:prstGeom>
+          <a:noFill/>
+        </p:spPr>
+        <p:txBody>
+          <a:bodyPr wrap="none">
+            <a:spAutoFit/>
+          </a:bodyPr>
+          <a:lstStyle/>
+          <a:p/>
+          <a:p>
+            <a:pPr algn="l">
+              <a:defRPr sz="1400" b="1">
+                <a:solidFill>
+                  <a:srgbClr val="000000"/>
+                </a:solidFill>
+                <a:latin typeface="맑은 고딕"/>
+              </a:defRPr>
+            </a:pPr>
+            <a:r>
+              <a:t>자기소개서</a:t>
+            </a:r>
+          </a:p>
+        </p:txBody>
+      </p:sp>
+      <p:sp>
+        <p:nvSpPr>
+          <p:cNvPr id="5" name="TextBox 4"/>
+          <p:cNvSpPr txBox="1"/>
+          <p:nvPr/>
+        </p:nvSpPr>
+        <p:spPr>
+          <a:xfrm>
+            <a:off x="457200" y="1371600"/>
+            <a:ext cx="5486400" cy="457200"/>
+          </a:xfrm>
+          <a:prstGeom prst="rect">
+            <a:avLst/>
+          </a:prstGeom>
+          <a:noFill/>
+        </p:spPr>
+        <p:txBody>
+          <a:bodyPr wrap="none">
+            <a:spAutoFit/>
+          </a:bodyPr>
+          <a:lstStyle/>
+          <a:p/>
+          <a:p>
+            <a:pPr algn="l">
+              <a:defRPr sz="1100" b="1">
+                <a:solidFill>
+                  <a:srgbClr val="000000"/>
+                </a:solidFill>
+                <a:latin typeface="맑은 고딕"/>
+              </a:defRPr>
+            </a:pPr>
+            <a:r>
+              <a:t>afasdfdfsadf</a:t>
+            </a:r>
+          </a:p>
+        </p:txBody>
+      </p:sp>
+      <p:sp>
+        <p:nvSpPr>
+          <p:cNvPr id="6" name="Rectangle 5"/>
+          <p:cNvSpPr/>
+          <p:nvPr/>
+        </p:nvSpPr>
+        <p:spPr>
+          <a:xfrm>
+            <a:off x="457200" y="1508760"/>
+            <a:ext cx="8229600" cy="18288"/>
+          </a:xfrm>
+          <a:prstGeom prst="rect">
+            <a:avLst/>
+          </a:prstGeom>
+          <a:solidFill>
+            <a:srgbClr val="C8C8C8"/>
+          </a:solidFill>
+          <a:ln>
+            <a:noFill/>
+          </a:ln>
+        </p:spPr>
+        <p:style>
+          <a:lnRef idx="1">
+            <a:schemeClr val="accent1"/>
+          </a:lnRef>
+          <a:fillRef idx="3">
+            <a:schemeClr val="accent1"/>
+          </a:fillRef>
+          <a:effectRef idx="2">
+            <a:schemeClr val="accent1"/>
+          </a:effectRef>
+          <a:fontRef idx="minor">
+            <a:schemeClr val="lt1"/>
+          </a:fontRef>
+        </p:style>
+        <p:txBody>
+          <a:bodyPr rtlCol="0" anchor="ctr"/>
+          <a:lstStyle/>
+          <a:p>
+            <a:pPr algn="ctr"/>
+          </a:p>
+        </p:txBody>
+      </p:sp>
+      <p:sp>
+        <p:nvSpPr>
+          <p:cNvPr id="7" name="TextBox 6"/>
+          <p:cNvSpPr txBox="1"/>
+          <p:nvPr/>
+        </p:nvSpPr>
+        <p:spPr>
+          <a:xfrm>
+            <a:off x="457200" y="1417319"/>
+            <a:ext cx="8229600" cy="2308860"/>
+          </a:xfrm>
+          <a:prstGeom prst="rect">
+            <a:avLst/>
+          </a:prstGeom>
+          <a:noFill/>
+        </p:spPr>
+        <p:txBody>
+          <a:bodyPr wrap="square">
+            <a:spAutoFit/>
+          </a:bodyPr>
+          <a:lstStyle/>
+          <a:p>
+            <a:pPr algn="l"/>
+          </a:p>
+          <a:p>
+            <a:pPr>
+              <a:lnSpc>
+                <a:spcPct val="150000"/>
+              </a:lnSpc>
+              <a:spcBef>
+                <a:spcPts val="1000"/>
+              </a:spcBef>
+              <a:spcAft>
+                <a:spcPts val="1000"/>
+              </a:spcAft>
+            </a:pPr>
+            <a:r>
+              <a:rPr sz="1200">
+                <a:solidFill>
+                  <a:srgbClr val="000000"/>
+                </a:solidFill>
+                <a:latin typeface="맑은 고딕"/>
+              </a:rPr>
+              <a:t>공사 인재상 중 업무에 필요한 전문 기술이 부족하다고 생각합니다.인턴 당시 매달 100명의 서포터즈가 만든 과제물을 하나의 PDF 파일에 취합하여 보고서 형식으로 제출하는 업무를 맡았습니다. 처음에는 PDF취합 방법을 몰랐기에 일일이 복사하여 붙여 넣으며 해당 업무에 </a:t>
+            </a:r>
+            <a:r>
+              <a:rPr u="sng" b="1" sz="1200">
+                <a:solidFill>
+                  <a:srgbClr val="000000"/>
+                </a:solidFill>
+                <a:latin typeface="맑은 고딕"/>
+              </a:rPr>
+              <a:t>(1)(2)시간을 많이 들였습니다. 이후 실무에서 활용도 높은 단</a:t>
+            </a:r>
+            <a:r>
+              <a:rPr sz="1200">
+                <a:solidFill>
+                  <a:srgbClr val="000000"/>
+                </a:solidFill>
+                <a:latin typeface="맑은 고딕"/>
+              </a:rPr>
+              <a:t>축키와 OA기능 관련 강의를 수강하고, 출퇴근 시간에 20분씩 복습하며 암기하였습니다. 이를 통해 업무 시간을 50% 줄였고, 다른 업무의 효율을 높일 수 있었습니다. 한국농수산식품유통공사에 입사한 후, 부서의 업무를 수행하기 위한 문서 작성 및 농수산식품의 정보 관리를 위한 OA기술이 필수라고 생각합니다. </a:t>
+            </a:r>
+            <a:r>
+              <a:rPr u="sng" b="1" sz="1200">
+                <a:solidFill>
+                  <a:srgbClr val="000000"/>
+                </a:solidFill>
+                <a:latin typeface="맑은 고딕"/>
+              </a:rPr>
+              <a:t>(3)이를 위해 강의 수강뿐만 아니라 직접 해당 기술을 미리 적용해 봄으로써</a:t>
+            </a:r>
+            <a:r>
+              <a:rPr sz="1200">
+                <a:solidFill>
+                  <a:srgbClr val="000000"/>
+                </a:solidFill>
+                <a:latin typeface="맑은 고딕"/>
+              </a:rPr>
+              <a:t> 맡은 업무에 어떤 기술이 필요한지 바로 적용할 수 있도록 숙지하고 연습하겠습니다. OA기술 활용도를 높여 농수산식품의 가치를 높일 수 있는 사업을 기획하고 운영하는 데 이바지하겠습니다.</a:t>
+            </a:r>
+          </a:p>
+        </p:txBody>
+      </p:sp>
+      <p:sp>
+        <p:nvSpPr>
+          <p:cNvPr id="8" name="TextBox 7"/>
+          <p:cNvSpPr txBox="1"/>
+          <p:nvPr/>
+        </p:nvSpPr>
+        <p:spPr>
+          <a:xfrm>
+            <a:off x="457200" y="4457700"/>
+            <a:ext cx="5486400" cy="457200"/>
+          </a:xfrm>
+          <a:prstGeom prst="rect">
+            <a:avLst/>
+          </a:prstGeom>
+          <a:noFill/>
+        </p:spPr>
+        <p:txBody>
+          <a:bodyPr wrap="none">
+            <a:spAutoFit/>
+          </a:bodyPr>
+          <a:lstStyle/>
+          <a:p/>
+          <a:p>
+            <a:pPr algn="l">
+              <a:defRPr sz="1400" b="1">
+                <a:solidFill>
+                  <a:srgbClr val="000000"/>
+                </a:solidFill>
+                <a:latin typeface="맑은 고딕"/>
+              </a:defRPr>
+            </a:pPr>
+            <a:r>
+              <a:t>자기소개서 기반 면접 질문 제안</a:t>
+            </a:r>
+          </a:p>
+        </p:txBody>
+      </p:sp>
+      <p:sp>
+        <p:nvSpPr>
+          <p:cNvPr id="9" name="Rectangle 8"/>
+          <p:cNvSpPr/>
+          <p:nvPr/>
+        </p:nvSpPr>
+        <p:spPr>
+          <a:xfrm>
+            <a:off x="457200" y="5052060"/>
+            <a:ext cx="8229600" cy="18288"/>
+          </a:xfrm>
+          <a:prstGeom prst="rect">
+            <a:avLst/>
+          </a:prstGeom>
+          <a:solidFill>
+            <a:srgbClr val="C8C8C8"/>
+          </a:solidFill>
+          <a:ln>
+            <a:noFill/>
+          </a:ln>
+        </p:spPr>
+        <p:style>
+          <a:lnRef idx="1">
+            <a:schemeClr val="accent1"/>
+          </a:lnRef>
+          <a:fillRef idx="3">
+            <a:schemeClr val="accent1"/>
+          </a:fillRef>
+          <a:effectRef idx="2">
+            <a:schemeClr val="accent1"/>
+          </a:effectRef>
+          <a:fontRef idx="minor">
+            <a:schemeClr val="lt1"/>
+          </a:fontRef>
+        </p:style>
+        <p:txBody>
+          <a:bodyPr rtlCol="0" anchor="ctr"/>
+          <a:lstStyle/>
+          <a:p>
+            <a:pPr algn="ctr"/>
+          </a:p>
+        </p:txBody>
+      </p:sp>
+      <p:sp>
+        <p:nvSpPr>
+          <p:cNvPr id="10" name="Rectangle 9"/>
+          <p:cNvSpPr/>
+          <p:nvPr/>
+        </p:nvSpPr>
+        <p:spPr>
+          <a:xfrm>
+            <a:off x="457200" y="5372100"/>
+            <a:ext cx="8229600" cy="1371600"/>
+          </a:xfrm>
+          <a:prstGeom prst="rect">
+            <a:avLst/>
+          </a:prstGeom>
+          <a:solidFill>
+            <a:srgbClr val="F5F5F5"/>
+          </a:solidFill>
+          <a:ln>
+            <a:solidFill>
+              <a:srgbClr val="B4B4B4"/>
+            </a:solidFill>
+          </a:ln>
+        </p:spPr>
+        <p:style>
+          <a:lnRef idx="1">
+            <a:schemeClr val="accent1"/>
+          </a:lnRef>
+          <a:fillRef idx="3">
+            <a:schemeClr val="accent1"/>
+          </a:fillRef>
+          <a:effectRef idx="2">
+            <a:schemeClr val="accent1"/>
+          </a:effectRef>
+          <a:fontRef idx="minor">
+            <a:schemeClr val="lt1"/>
+          </a:fontRef>
+        </p:style>
+        <p:txBody>
+          <a:bodyPr rtlCol="0" anchor="ctr" wrap="square"/>
+          <a:lstStyle/>
+          <a:p>
+            <a:pPr algn="l"/>
+          </a:p>
+          <a:p>
+            <a:pPr>
+              <a:lnSpc>
+                <a:spcPct val="150000"/>
+              </a:lnSpc>
+              <a:spcBef>
+                <a:spcPts val="1000"/>
+              </a:spcBef>
+              <a:spcAft>
+                <a:spcPts val="1000"/>
+              </a:spcAft>
+              <a:defRPr sz="1200" b="1">
+                <a:solidFill>
+                  <a:srgbClr val="000000"/>
+                </a:solidFill>
+                <a:latin typeface="맑은 고딕"/>
+              </a:defRPr>
+            </a:pPr>
+            <a:r>
+              <a:t>(1) 업무 시간을 줄이기 위해 어떤 OA기능을 사용했나요?</a:t>
+            </a:r>
+            <a:br/>
+            <a:r>
+              <a:t>(2) 실무에서 활용한 '단축키'의 예시를 들어보세요.</a:t>
+            </a:r>
+            <a:br/>
+            <a:r>
+              <a:t>(3) 미래를 대비해 어떤 문서 작성 및 정보 관리 기술을 숙지할 계획인가요?</a:t>
+            </a:r>
+          </a:p>
+        </p:txBody>
+      </p:sp>
+    </p:spTree>
+  </p:cSld>
+  <p:clrMapOvr>
+    <a:masterClrMapping/>
+  </p:clrMapOvr>
+</p:sld>
+</file>
+
+<file path=ppt/slides/slide2.xml><?xml version="1.0" encoding="utf-8"?>
+<p:sld xmlns:a="http://schemas.openxmlformats.org/drawingml/2006/main" xmlns:p="http://schemas.openxmlformats.org/presentationml/2006/main" xmlns:r="http://schemas.openxmlformats.org/officeDocument/2006/relationships">
+  <p:cSld>
+    <p:spTree>
+      <p:nvGrpSpPr>
+        <p:cNvPr id="1" name=""/>
+        <p:cNvGrpSpPr/>
+        <p:nvPr/>
+      </p:nvGrpSpPr>
+      <p:grpSpPr/>
+      <p:sp>
+        <p:nvSpPr>
+          <p:cNvPr id="2" name="Title 1"/>
+          <p:cNvSpPr>
+            <a:spLocks noGrp="1"/>
+          </p:cNvSpPr>
+          <p:nvPr>
+            <p:ph type="title"/>
+          </p:nvPr>
+        </p:nvSpPr>
+        <p:spPr/>
+        <p:txBody>
+          <a:bodyPr/>
+          <a:lstStyle/>
+          <a:p/>
+        </p:txBody>
+      </p:sp>
+      <p:sp>
+        <p:nvSpPr>
+          <p:cNvPr id="3" name="TextBox 2"/>
+          <p:cNvSpPr txBox="1"/>
+          <p:nvPr/>
+        </p:nvSpPr>
+        <p:spPr>
+          <a:xfrm>
+            <a:off x="457200" y="274320"/>
+            <a:ext cx="2743200" cy="457200"/>
+          </a:xfrm>
+          <a:prstGeom prst="rect">
+            <a:avLst/>
+          </a:prstGeom>
+          <a:noFill/>
+        </p:spPr>
+        <p:txBody>
+          <a:bodyPr wrap="none">
+            <a:spAutoFit/>
+          </a:bodyPr>
+          <a:lstStyle/>
+          <a:p/>
+          <a:p>
+            <a:pPr algn="l">
+              <a:defRPr sz="1200" b="1">
+                <a:latin typeface="맑은 고딕"/>
+              </a:defRPr>
+            </a:pPr>
+            <a:r>
+              <a:t>수험번호: nan</a:t>
+            </a:r>
+          </a:p>
+        </p:txBody>
+      </p:sp>
+      <p:sp>
+        <p:nvSpPr>
+          <p:cNvPr id="4" name="TextBox 3"/>
+          <p:cNvSpPr txBox="1"/>
+          <p:nvPr/>
+        </p:nvSpPr>
+        <p:spPr>
+          <a:xfrm>
+            <a:off x="457200" y="914400"/>
+            <a:ext cx="5486400" cy="457200"/>
+          </a:xfrm>
+          <a:prstGeom prst="rect">
+            <a:avLst/>
+          </a:prstGeom>
+          <a:noFill/>
+        </p:spPr>
+        <p:txBody>
+          <a:bodyPr wrap="none">
+            <a:spAutoFit/>
+          </a:bodyPr>
+          <a:lstStyle/>
+          <a:p/>
+          <a:p>
+            <a:pPr algn="l">
+              <a:defRPr sz="1400" b="1">
+                <a:solidFill>
+                  <a:srgbClr val="000000"/>
+                </a:solidFill>
+                <a:latin typeface="맑은 고딕"/>
+              </a:defRPr>
+            </a:pPr>
+            <a:r>
+              <a:t>자기소개서</a:t>
+            </a:r>
+          </a:p>
+        </p:txBody>
+      </p:sp>
+      <p:sp>
+        <p:nvSpPr>
+          <p:cNvPr id="5" name="TextBox 4"/>
+          <p:cNvSpPr txBox="1"/>
+          <p:nvPr/>
+        </p:nvSpPr>
+        <p:spPr>
+          <a:xfrm>
+            <a:off x="457200" y="1371600"/>
+            <a:ext cx="5486400" cy="457200"/>
+          </a:xfrm>
+          <a:prstGeom prst="rect">
+            <a:avLst/>
+          </a:prstGeom>
+          <a:noFill/>
+        </p:spPr>
+        <p:txBody>
+          <a:bodyPr wrap="none">
+            <a:spAutoFit/>
+          </a:bodyPr>
+          <a:lstStyle/>
+          <a:p/>
+          <a:p>
+            <a:pPr algn="l">
+              <a:defRPr sz="1100" b="1">
+                <a:solidFill>
+                  <a:srgbClr val="000000"/>
+                </a:solidFill>
+                <a:latin typeface="맑은 고딕"/>
+              </a:defRPr>
+            </a:pPr>
+            <a:r>
+              <a:t>asad</a:t>
+            </a:r>
+          </a:p>
+        </p:txBody>
+      </p:sp>
+      <p:sp>
+        <p:nvSpPr>
+          <p:cNvPr id="6" name="Rectangle 5"/>
+          <p:cNvSpPr/>
+          <p:nvPr/>
+        </p:nvSpPr>
+        <p:spPr>
+          <a:xfrm>
+            <a:off x="457200" y="1508760"/>
+            <a:ext cx="8229600" cy="18288"/>
+          </a:xfrm>
+          <a:prstGeom prst="rect">
+            <a:avLst/>
+          </a:prstGeom>
+          <a:solidFill>
+            <a:srgbClr val="C8C8C8"/>
+          </a:solidFill>
+          <a:ln>
+            <a:noFill/>
+          </a:ln>
+        </p:spPr>
+        <p:style>
+          <a:lnRef idx="1">
+            <a:schemeClr val="accent1"/>
+          </a:lnRef>
+          <a:fillRef idx="3">
+            <a:schemeClr val="accent1"/>
+          </a:fillRef>
+          <a:effectRef idx="2">
+            <a:schemeClr val="accent1"/>
+          </a:effectRef>
+          <a:fontRef idx="minor">
+            <a:schemeClr val="lt1"/>
+          </a:fontRef>
+        </p:style>
+        <p:txBody>
+          <a:bodyPr rtlCol="0" anchor="ctr"/>
+          <a:lstStyle/>
+          <a:p>
+            <a:pPr algn="ctr"/>
+          </a:p>
+        </p:txBody>
+      </p:sp>
+      <p:sp>
+        <p:nvSpPr>
+          <p:cNvPr id="7" name="TextBox 6"/>
+          <p:cNvSpPr txBox="1"/>
+          <p:nvPr/>
+        </p:nvSpPr>
+        <p:spPr>
+          <a:xfrm>
+            <a:off x="457200" y="1417319"/>
+            <a:ext cx="8229600" cy="2295144"/>
+          </a:xfrm>
+          <a:prstGeom prst="rect">
+            <a:avLst/>
+          </a:prstGeom>
+          <a:noFill/>
+        </p:spPr>
+        <p:txBody>
+          <a:bodyPr wrap="square">
+            <a:spAutoFit/>
+          </a:bodyPr>
+          <a:lstStyle/>
+          <a:p>
+            <a:pPr algn="l"/>
+          </a:p>
+          <a:p>
+            <a:pPr>
+              <a:lnSpc>
+                <a:spcPct val="150000"/>
+              </a:lnSpc>
+              <a:spcBef>
+                <a:spcPts val="1000"/>
+              </a:spcBef>
+              <a:spcAft>
+                <a:spcPts val="1000"/>
+              </a:spcAft>
+            </a:pPr>
+            <a:r>
+              <a:rPr sz="1200">
+                <a:solidFill>
+                  <a:srgbClr val="000000"/>
+                </a:solidFill>
+                <a:latin typeface="맑은 고딕"/>
+              </a:rPr>
+              <a:t>[앞에서 이끄는 리더에서 함께 여유를 만드는 리더로]중소기업의 해외 마케팅 지원 프로젝트를 시작하며 저는 리더로서 다양한 결과물을 만들고자 진행률에 집중했습니다. 온라인 홍보물 제작을 목표로 회의를 진행했지만, </a:t>
+            </a:r>
+            <a:r>
+              <a:rPr u="sng" b="1" sz="1200">
+                <a:solidFill>
+                  <a:srgbClr val="000000"/>
+                </a:solidFill>
+                <a:latin typeface="맑은 고딕"/>
+              </a:rPr>
+              <a:t>(1)회의 이후에 한 팀원이 프로젝트의 속도를 따라오기 힘들다며 프로젝트를 포기하겠다는 의사를 밝혔습니다.이는 진행 속도에</a:t>
+            </a:r>
+            <a:r>
+              <a:rPr sz="1200">
+                <a:solidFill>
+                  <a:srgbClr val="000000"/>
+                </a:solidFill>
+                <a:latin typeface="맑은 고딕"/>
+              </a:rPr>
+              <a:t> 대한 의견 차이와 갈등으로 이어졌고, 저는 </a:t>
+            </a:r>
+            <a:r>
+              <a:rPr u="sng" b="1" sz="1200">
+                <a:solidFill>
+                  <a:srgbClr val="000000"/>
+                </a:solidFill>
+                <a:latin typeface="맑은 고딕"/>
+              </a:rPr>
+              <a:t>(2)의욕적인 마음에 앞에서 이끌기만 했다는 것을 느꼈습니다. 그래서 의사소통을 보완하며 ‘여유로운 리더십’을</a:t>
+            </a:r>
+            <a:r>
+              <a:rPr sz="1200">
+                <a:solidFill>
+                  <a:srgbClr val="000000"/>
+                </a:solidFill>
+                <a:latin typeface="맑은 고딕"/>
+              </a:rPr>
+              <a:t> 전달하려고 했습니다. 먼저, 회의 안건을 미리 공지하여 팀원들에게 생각할 여유를 주었습니다. 그리고 매 </a:t>
+            </a:r>
+            <a:r>
+              <a:rPr u="sng" b="1" sz="1200">
+                <a:solidFill>
+                  <a:srgbClr val="000000"/>
+                </a:solidFill>
+                <a:latin typeface="맑은 고딕"/>
+              </a:rPr>
+              <a:t>(3)회의의 내용을 정리하여 진행 방향을 공유했습니다. 이를 통해 더 많은 아이디어가 도출되며 캐릭터 만화, 퀴즈 등 창의적인</a:t>
+            </a:r>
+            <a:r>
+              <a:rPr sz="1200">
+                <a:solidFill>
+                  <a:srgbClr val="000000"/>
+                </a:solidFill>
+                <a:latin typeface="맑은 고딕"/>
+              </a:rPr>
+              <a:t> 홍보물로 팀 프로젝트 1위를 달성했습니다.팀 활동에 있어서 의사소통의 중요성을 크게 깨닫게 된 경험이었으며, 의사소통 부족 문제를 능동적으로 해결하는 리더십을 배울 수 있었습니다.</a:t>
+            </a:r>
+          </a:p>
+        </p:txBody>
+      </p:sp>
+      <p:sp>
+        <p:nvSpPr>
+          <p:cNvPr id="8" name="TextBox 7"/>
+          <p:cNvSpPr txBox="1"/>
+          <p:nvPr/>
+        </p:nvSpPr>
+        <p:spPr>
+          <a:xfrm>
+            <a:off x="457200" y="4443983"/>
+            <a:ext cx="5486400" cy="457200"/>
+          </a:xfrm>
+          <a:prstGeom prst="rect">
+            <a:avLst/>
+          </a:prstGeom>
+          <a:noFill/>
+        </p:spPr>
+        <p:txBody>
+          <a:bodyPr wrap="none">
+            <a:spAutoFit/>
+          </a:bodyPr>
+          <a:lstStyle/>
+          <a:p/>
+          <a:p>
+            <a:pPr algn="l">
+              <a:defRPr sz="1400" b="1">
+                <a:solidFill>
+                  <a:srgbClr val="000000"/>
+                </a:solidFill>
+                <a:latin typeface="맑은 고딕"/>
+              </a:defRPr>
+            </a:pPr>
+            <a:r>
+              <a:t>자기소개서 기반 면접 질문 제안</a:t>
+            </a:r>
+          </a:p>
+        </p:txBody>
+      </p:sp>
+      <p:sp>
+        <p:nvSpPr>
+          <p:cNvPr id="9" name="Rectangle 8"/>
+          <p:cNvSpPr/>
+          <p:nvPr/>
+        </p:nvSpPr>
+        <p:spPr>
+          <a:xfrm>
+            <a:off x="457200" y="5038344"/>
+            <a:ext cx="8229600" cy="18288"/>
+          </a:xfrm>
+          <a:prstGeom prst="rect">
+            <a:avLst/>
+          </a:prstGeom>
+          <a:solidFill>
+            <a:srgbClr val="C8C8C8"/>
+          </a:solidFill>
+          <a:ln>
+            <a:noFill/>
+          </a:ln>
+        </p:spPr>
+        <p:style>
+          <a:lnRef idx="1">
+            <a:schemeClr val="accent1"/>
+          </a:lnRef>
+          <a:fillRef idx="3">
+            <a:schemeClr val="accent1"/>
+          </a:fillRef>
+          <a:effectRef idx="2">
+            <a:schemeClr val="accent1"/>
+          </a:effectRef>
+          <a:fontRef idx="minor">
+            <a:schemeClr val="lt1"/>
+          </a:fontRef>
+        </p:style>
+        <p:txBody>
+          <a:bodyPr rtlCol="0" anchor="ctr"/>
+          <a:lstStyle/>
+          <a:p>
+            <a:pPr algn="ctr"/>
+          </a:p>
+        </p:txBody>
+      </p:sp>
+      <p:sp>
+        <p:nvSpPr>
+          <p:cNvPr id="10" name="Rectangle 9"/>
+          <p:cNvSpPr/>
+          <p:nvPr/>
+        </p:nvSpPr>
+        <p:spPr>
+          <a:xfrm>
+            <a:off x="457200" y="5358383"/>
+            <a:ext cx="8229600" cy="1371600"/>
+          </a:xfrm>
+          <a:prstGeom prst="rect">
+            <a:avLst/>
+          </a:prstGeom>
+          <a:solidFill>
+            <a:srgbClr val="F5F5F5"/>
+          </a:solidFill>
+          <a:ln>
+            <a:solidFill>
+              <a:srgbClr val="B4B4B4"/>
+            </a:solidFill>
+          </a:ln>
+        </p:spPr>
+        <p:style>
+          <a:lnRef idx="1">
+            <a:schemeClr val="accent1"/>
+          </a:lnRef>
+          <a:fillRef idx="3">
+            <a:schemeClr val="accent1"/>
+          </a:fillRef>
+          <a:effectRef idx="2">
+            <a:schemeClr val="accent1"/>
+          </a:effectRef>
+          <a:fontRef idx="minor">
+            <a:schemeClr val="lt1"/>
+          </a:fontRef>
+        </p:style>
+        <p:txBody>
+          <a:bodyPr rtlCol="0" anchor="ctr" wrap="square"/>
+          <a:lstStyle/>
+          <a:p>
+            <a:pPr algn="l"/>
+          </a:p>
+          <a:p>
+            <a:pPr>
+              <a:lnSpc>
+                <a:spcPct val="150000"/>
+              </a:lnSpc>
+              <a:spcBef>
+                <a:spcPts val="1000"/>
+              </a:spcBef>
+              <a:spcAft>
+                <a:spcPts val="1000"/>
+              </a:spcAft>
+              <a:defRPr sz="1200" b="1">
+                <a:solidFill>
+                  <a:srgbClr val="000000"/>
+                </a:solidFill>
+                <a:latin typeface="맑은 고딕"/>
+              </a:defRPr>
+            </a:pPr>
+            <a:r>
+              <a:t>(1) 의사소통을 보완해야 할 문제를 직면했을 때, 당신의 감정은 어땠나요?</a:t>
+            </a:r>
+            <a:br/>
+            <a:r>
+              <a:t>(2) 회의 안건을 미리 공지하여 팀원의 생각을 유도한 과정에서 가장 큰 효과는 무엇이었나요?</a:t>
+            </a:r>
+            <a:br/>
+            <a:r>
+              <a:t>(3) 여유로운 리더십을 통해 얻은 결과는 무엇이었나요?</a:t>
+            </a:r>
+          </a:p>
+        </p:txBody>
+      </p:sp>
+    </p:spTree>
+  </p:cSld>
+  <p:clrMapOvr>
+    <a:masterClrMapping/>
+  </p:clrMapOvr>
+</p:sld>
+</file>
+
+<file path=ppt/slides/slide3.xml><?xml version="1.0" encoding="utf-8"?>
+<p:sld xmlns:a="http://schemas.openxmlformats.org/drawingml/2006/main" xmlns:p="http://schemas.openxmlformats.org/presentationml/2006/main" xmlns:r="http://schemas.openxmlformats.org/officeDocument/2006/relationships">
+  <p:cSld>
+    <p:spTree>
+      <p:nvGrpSpPr>
+        <p:cNvPr id="1" name=""/>
+        <p:cNvGrpSpPr/>
+        <p:nvPr/>
+      </p:nvGrpSpPr>
+      <p:grpSpPr/>
+      <p:sp>
+        <p:nvSpPr>
+          <p:cNvPr id="2" name="Title 1"/>
+          <p:cNvSpPr>
+            <a:spLocks noGrp="1"/>
+          </p:cNvSpPr>
+          <p:nvPr>
+            <p:ph type="title"/>
+          </p:nvPr>
+        </p:nvSpPr>
+        <p:spPr/>
+        <p:txBody>
+          <a:bodyPr/>
+          <a:lstStyle/>
+          <a:p/>
+        </p:txBody>
+      </p:sp>
+      <p:sp>
+        <p:nvSpPr>
+          <p:cNvPr id="3" name="TextBox 2"/>
+          <p:cNvSpPr txBox="1"/>
+          <p:nvPr/>
+        </p:nvSpPr>
+        <p:spPr>
+          <a:xfrm>
+            <a:off x="457200" y="274320"/>
+            <a:ext cx="2743200" cy="457200"/>
+          </a:xfrm>
+          <a:prstGeom prst="rect">
+            <a:avLst/>
+          </a:prstGeom>
+          <a:noFill/>
+        </p:spPr>
+        <p:txBody>
+          <a:bodyPr wrap="none">
+            <a:spAutoFit/>
+          </a:bodyPr>
+          <a:lstStyle/>
+          <a:p/>
+          <a:p>
+            <a:pPr algn="l">
+              <a:defRPr sz="1200" b="1">
+                <a:latin typeface="맑은 고딕"/>
+              </a:defRPr>
+            </a:pPr>
+            <a:r>
+              <a:t>수험번호: nan</a:t>
+            </a:r>
+          </a:p>
+        </p:txBody>
+      </p:sp>
+      <p:sp>
+        <p:nvSpPr>
+          <p:cNvPr id="4" name="TextBox 3"/>
+          <p:cNvSpPr txBox="1"/>
+          <p:nvPr/>
+        </p:nvSpPr>
+        <p:spPr>
+          <a:xfrm>
+            <a:off x="457200" y="914400"/>
+            <a:ext cx="5486400" cy="457200"/>
+          </a:xfrm>
+          <a:prstGeom prst="rect">
+            <a:avLst/>
+          </a:prstGeom>
+          <a:noFill/>
+        </p:spPr>
+        <p:txBody>
+          <a:bodyPr wrap="none">
+            <a:spAutoFit/>
+          </a:bodyPr>
+          <a:lstStyle/>
+          <a:p/>
+          <a:p>
+            <a:pPr algn="l">
+              <a:defRPr sz="1400" b="1">
+                <a:solidFill>
+                  <a:srgbClr val="000000"/>
+                </a:solidFill>
+                <a:latin typeface="맑은 고딕"/>
+              </a:defRPr>
+            </a:pPr>
+            <a:r>
+              <a:t>자기소개서</a:t>
+            </a:r>
+          </a:p>
+        </p:txBody>
+      </p:sp>
+      <p:sp>
+        <p:nvSpPr>
+          <p:cNvPr id="5" name="TextBox 4"/>
+          <p:cNvSpPr txBox="1"/>
+          <p:nvPr/>
+        </p:nvSpPr>
+        <p:spPr>
+          <a:xfrm>
+            <a:off x="457200" y="1371600"/>
+            <a:ext cx="5486400" cy="457200"/>
+          </a:xfrm>
+          <a:prstGeom prst="rect">
+            <a:avLst/>
+          </a:prstGeom>
+          <a:noFill/>
+        </p:spPr>
+        <p:txBody>
+          <a:bodyPr wrap="none">
+            <a:spAutoFit/>
+          </a:bodyPr>
+          <a:lstStyle/>
+          <a:p/>
+          <a:p>
+            <a:pPr algn="l">
+              <a:defRPr sz="1100" b="1">
+                <a:solidFill>
+                  <a:srgbClr val="000000"/>
+                </a:solidFill>
+                <a:latin typeface="맑은 고딕"/>
+              </a:defRPr>
+            </a:pPr>
+            <a:r>
+              <a:t>adsf</a:t>
+            </a:r>
+          </a:p>
+        </p:txBody>
+      </p:sp>
+      <p:sp>
+        <p:nvSpPr>
+          <p:cNvPr id="6" name="Rectangle 5"/>
+          <p:cNvSpPr/>
+          <p:nvPr/>
+        </p:nvSpPr>
+        <p:spPr>
+          <a:xfrm>
+            <a:off x="457200" y="1508760"/>
+            <a:ext cx="8229600" cy="18288"/>
+          </a:xfrm>
+          <a:prstGeom prst="rect">
+            <a:avLst/>
+          </a:prstGeom>
+          <a:solidFill>
+            <a:srgbClr val="C8C8C8"/>
+          </a:solidFill>
+          <a:ln>
+            <a:noFill/>
+          </a:ln>
+        </p:spPr>
+        <p:style>
+          <a:lnRef idx="1">
+            <a:schemeClr val="accent1"/>
+          </a:lnRef>
+          <a:fillRef idx="3">
+            <a:schemeClr val="accent1"/>
+          </a:fillRef>
+          <a:effectRef idx="2">
+            <a:schemeClr val="accent1"/>
+          </a:effectRef>
+          <a:fontRef idx="minor">
+            <a:schemeClr val="lt1"/>
+          </a:fontRef>
+        </p:style>
+        <p:txBody>
+          <a:bodyPr rtlCol="0" anchor="ctr"/>
+          <a:lstStyle/>
+          <a:p>
+            <a:pPr algn="ctr"/>
+          </a:p>
+        </p:txBody>
+      </p:sp>
+      <p:sp>
+        <p:nvSpPr>
+          <p:cNvPr id="7" name="TextBox 6"/>
+          <p:cNvSpPr txBox="1"/>
+          <p:nvPr/>
+        </p:nvSpPr>
+        <p:spPr>
+          <a:xfrm>
+            <a:off x="457200" y="1417319"/>
+            <a:ext cx="8229600" cy="2299716"/>
+          </a:xfrm>
+          <a:prstGeom prst="rect">
+            <a:avLst/>
+          </a:prstGeom>
+          <a:noFill/>
+        </p:spPr>
+        <p:txBody>
+          <a:bodyPr wrap="square">
+            <a:spAutoFit/>
+          </a:bodyPr>
+          <a:lstStyle/>
+          <a:p>
+            <a:pPr algn="l"/>
+          </a:p>
+          <a:p>
+            <a:pPr>
+              <a:lnSpc>
+                <a:spcPct val="150000"/>
+              </a:lnSpc>
+              <a:spcBef>
+                <a:spcPts val="1000"/>
+              </a:spcBef>
+              <a:spcAft>
+                <a:spcPts val="1000"/>
+              </a:spcAft>
+            </a:pPr>
+            <a:r>
+              <a:rPr sz="1200">
+                <a:solidFill>
+                  <a:srgbClr val="000000"/>
+                </a:solidFill>
+                <a:latin typeface="맑은 고딕"/>
+              </a:rPr>
+              <a:t>[다각도로 원인을 파악하고, 근본적으로 해결하는 과정]멘토단에서 초, 중, 고등학생들을 위한 전공 프로그램을 운영하며 프로그램이 예상보다 빨리 끝나 공백이 발생한다는 문제가 있었습니다. 처음엔 단순히 수업의 양이 부족하다고 생각하여 내용을 추가했지만, </a:t>
+            </a:r>
+            <a:r>
+              <a:rPr u="sng" b="1" sz="1200">
+                <a:solidFill>
+                  <a:srgbClr val="000000"/>
+                </a:solidFill>
+                <a:latin typeface="맑은 고딕"/>
+              </a:rPr>
+              <a:t>(1)문제는 계속 반복되었습니다. 원인을 정확하게 파악하기 (2)위해 입학처 선생님과 수강생에게 피드백을 받았고, 수업을 녹화해 분석했습니다.피드백을 통해 학년에 따른 수업 내용의 차이가 필요함을 알게 되었고, 녹화를 통해 학생들의 질문이 예상보다 적다는 공통점을 파악했습니다. 이에 학년별 프로그램 차별화를 통해 수업의 질을 높이고, 학생들의 흥미를 (3)자극하는 수업을 기획했습니다. 이를 통해 수업 공백을 줄였고, 학생들의 만족도를 약 50%에서 90%로 향상할 수 있었습니다.앞으로의</a:t>
+            </a:r>
+            <a:r>
+              <a:rPr sz="1200">
+                <a:solidFill>
+                  <a:srgbClr val="000000"/>
+                </a:solidFill>
+                <a:latin typeface="맑은 고딕"/>
+              </a:rPr>
+              <a:t> 업무 과정에서 발생하는 문제의 원인은 하나보다 많을 것입니다. 여러 측면에서 문제의 원인을 파악하고, 이를 근본적으로 보완하며 최선의 결과에 도달하겠습니다.</a:t>
+            </a:r>
+          </a:p>
+        </p:txBody>
+      </p:sp>
+      <p:sp>
+        <p:nvSpPr>
+          <p:cNvPr id="8" name="TextBox 7"/>
+          <p:cNvSpPr txBox="1"/>
+          <p:nvPr/>
+        </p:nvSpPr>
+        <p:spPr>
+          <a:xfrm>
+            <a:off x="457200" y="4448556"/>
+            <a:ext cx="5486400" cy="457200"/>
+          </a:xfrm>
+          <a:prstGeom prst="rect">
+            <a:avLst/>
+          </a:prstGeom>
+          <a:noFill/>
+        </p:spPr>
+        <p:txBody>
+          <a:bodyPr wrap="none">
+            <a:spAutoFit/>
+          </a:bodyPr>
+          <a:lstStyle/>
+          <a:p/>
+          <a:p>
+            <a:pPr algn="l">
+              <a:defRPr sz="1400" b="1">
+                <a:solidFill>
+                  <a:srgbClr val="000000"/>
+                </a:solidFill>
+                <a:latin typeface="맑은 고딕"/>
+              </a:defRPr>
+            </a:pPr>
+            <a:r>
+              <a:t>자기소개서 기반 면접 질문 제안</a:t>
+            </a:r>
+          </a:p>
+        </p:txBody>
+      </p:sp>
+      <p:sp>
+        <p:nvSpPr>
+          <p:cNvPr id="9" name="Rectangle 8"/>
+          <p:cNvSpPr/>
+          <p:nvPr/>
+        </p:nvSpPr>
+        <p:spPr>
+          <a:xfrm>
+            <a:off x="457200" y="5042916"/>
+            <a:ext cx="8229600" cy="18288"/>
+          </a:xfrm>
+          <a:prstGeom prst="rect">
+            <a:avLst/>
+          </a:prstGeom>
+          <a:solidFill>
+            <a:srgbClr val="C8C8C8"/>
+          </a:solidFill>
+          <a:ln>
+            <a:noFill/>
+          </a:ln>
+        </p:spPr>
+        <p:style>
+          <a:lnRef idx="1">
+            <a:schemeClr val="accent1"/>
+          </a:lnRef>
+          <a:fillRef idx="3">
+            <a:schemeClr val="accent1"/>
+          </a:fillRef>
+          <a:effectRef idx="2">
+            <a:schemeClr val="accent1"/>
+          </a:effectRef>
+          <a:fontRef idx="minor">
+            <a:schemeClr val="lt1"/>
+          </a:fontRef>
+        </p:style>
+        <p:txBody>
+          <a:bodyPr rtlCol="0" anchor="ctr"/>
+          <a:lstStyle/>
+          <a:p>
+            <a:pPr algn="ctr"/>
+          </a:p>
+        </p:txBody>
+      </p:sp>
+      <p:sp>
+        <p:nvSpPr>
+          <p:cNvPr id="10" name="Rectangle 9"/>
+          <p:cNvSpPr/>
+          <p:nvPr/>
+        </p:nvSpPr>
+        <p:spPr>
+          <a:xfrm>
+            <a:off x="457200" y="5362956"/>
+            <a:ext cx="8229600" cy="1371600"/>
+          </a:xfrm>
+          <a:prstGeom prst="rect">
+            <a:avLst/>
+          </a:prstGeom>
+          <a:solidFill>
+            <a:srgbClr val="F5F5F5"/>
+          </a:solidFill>
+          <a:ln>
+            <a:solidFill>
+              <a:srgbClr val="B4B4B4"/>
+            </a:solidFill>
+          </a:ln>
+        </p:spPr>
+        <p:style>
+          <a:lnRef idx="1">
+            <a:schemeClr val="accent1"/>
+          </a:lnRef>
+          <a:fillRef idx="3">
+            <a:schemeClr val="accent1"/>
+          </a:fillRef>
+          <a:effectRef idx="2">
+            <a:schemeClr val="accent1"/>
+          </a:effectRef>
+          <a:fontRef idx="minor">
+            <a:schemeClr val="lt1"/>
+          </a:fontRef>
+        </p:style>
+        <p:txBody>
+          <a:bodyPr rtlCol="0" anchor="ctr" wrap="square"/>
+          <a:lstStyle/>
+          <a:p>
+            <a:pPr algn="l"/>
+          </a:p>
+          <a:p>
+            <a:pPr>
+              <a:lnSpc>
+                <a:spcPct val="150000"/>
+              </a:lnSpc>
+              <a:spcBef>
+                <a:spcPts val="1000"/>
+              </a:spcBef>
+              <a:spcAft>
+                <a:spcPts val="1000"/>
+              </a:spcAft>
+              <a:defRPr sz="1200" b="1">
+                <a:solidFill>
+                  <a:srgbClr val="000000"/>
+                </a:solidFill>
+                <a:latin typeface="맑은 고딕"/>
+              </a:defRPr>
+            </a:pPr>
+            <a:r>
+              <a:t>(1) 수업 녹화를 통한 문제 분석 과정에서 가장 인상 깊었던 부분은 무엇인가요?</a:t>
+            </a:r>
+            <a:br/>
+            <a:r>
+              <a:t>(2) 피드백을 통한 개선 과정에서 무엇을 배웠나요?</a:t>
+            </a:r>
+            <a:br/>
+            <a:r>
+              <a:t>(3) 학년별 프로그램 차별화의 가장 큰 장점은 무엇인가요?</a:t>
+            </a:r>
+          </a:p>
+        </p:txBody>
+      </p:sp>
+    </p:spTree>
+  </p:cSld>
+  <p:clrMapOvr>
+    <a:masterClrMapping/>
+  </p:clrMapOvr>
+</p:sld>
+</file>
+
+<file path=ppt/slides/slide4.xml><?xml version="1.0" encoding="utf-8"?>
+<p:sld xmlns:a="http://schemas.openxmlformats.org/drawingml/2006/main" xmlns:p="http://schemas.openxmlformats.org/presentationml/2006/main" xmlns:r="http://schemas.openxmlformats.org/officeDocument/2006/relationships">
+  <p:cSld>
+    <p:spTree>
+      <p:nvGrpSpPr>
+        <p:cNvPr id="1" name=""/>
+        <p:cNvGrpSpPr/>
+        <p:nvPr/>
+      </p:nvGrpSpPr>
+      <p:grpSpPr/>
+      <p:sp>
+        <p:nvSpPr>
+          <p:cNvPr id="2" name="Title 1"/>
+          <p:cNvSpPr>
+            <a:spLocks noGrp="1"/>
+          </p:cNvSpPr>
+          <p:nvPr>
+            <p:ph type="title"/>
+          </p:nvPr>
+        </p:nvSpPr>
+        <p:spPr/>
+        <p:txBody>
+          <a:bodyPr/>
+          <a:lstStyle/>
+          <a:p/>
+        </p:txBody>
+      </p:sp>
+      <p:sp>
+        <p:nvSpPr>
+          <p:cNvPr id="3" name="TextBox 2"/>
+          <p:cNvSpPr txBox="1"/>
+          <p:nvPr/>
+        </p:nvSpPr>
+        <p:spPr>
+          <a:xfrm>
+            <a:off x="457200" y="274320"/>
+            <a:ext cx="2743200" cy="457200"/>
+          </a:xfrm>
+          <a:prstGeom prst="rect">
+            <a:avLst/>
+          </a:prstGeom>
+          <a:noFill/>
+        </p:spPr>
+        <p:txBody>
+          <a:bodyPr wrap="none">
+            <a:spAutoFit/>
+          </a:bodyPr>
+          <a:lstStyle/>
+          <a:p/>
+          <a:p>
+            <a:pPr algn="l">
+              <a:defRPr sz="1200" b="1">
+                <a:latin typeface="맑은 고딕"/>
+              </a:defRPr>
+            </a:pPr>
+            <a:r>
+              <a:t>수험번호: nan</a:t>
+            </a:r>
+          </a:p>
+        </p:txBody>
+      </p:sp>
+      <p:sp>
+        <p:nvSpPr>
+          <p:cNvPr id="4" name="TextBox 3"/>
+          <p:cNvSpPr txBox="1"/>
+          <p:nvPr/>
+        </p:nvSpPr>
+        <p:spPr>
+          <a:xfrm>
+            <a:off x="457200" y="914400"/>
+            <a:ext cx="5486400" cy="457200"/>
+          </a:xfrm>
+          <a:prstGeom prst="rect">
+            <a:avLst/>
+          </a:prstGeom>
+          <a:noFill/>
+        </p:spPr>
+        <p:txBody>
+          <a:bodyPr wrap="none">
+            <a:spAutoFit/>
+          </a:bodyPr>
+          <a:lstStyle/>
+          <a:p/>
+          <a:p>
+            <a:pPr algn="l">
+              <a:defRPr sz="1400" b="1">
+                <a:solidFill>
+                  <a:srgbClr val="000000"/>
+                </a:solidFill>
+                <a:latin typeface="맑은 고딕"/>
+              </a:defRPr>
+            </a:pPr>
+            <a:r>
+              <a:t>자기소개서</a:t>
+            </a:r>
+          </a:p>
+        </p:txBody>
+      </p:sp>
+      <p:sp>
+        <p:nvSpPr>
+          <p:cNvPr id="5" name="TextBox 4"/>
+          <p:cNvSpPr txBox="1"/>
+          <p:nvPr/>
+        </p:nvSpPr>
+        <p:spPr>
+          <a:xfrm>
+            <a:off x="457200" y="1371600"/>
+            <a:ext cx="5486400" cy="457200"/>
+          </a:xfrm>
+          <a:prstGeom prst="rect">
+            <a:avLst/>
+          </a:prstGeom>
+          <a:noFill/>
+        </p:spPr>
+        <p:txBody>
+          <a:bodyPr wrap="none">
+            <a:spAutoFit/>
+          </a:bodyPr>
+          <a:lstStyle/>
+          <a:p/>
+          <a:p>
+            <a:pPr algn="l">
+              <a:defRPr sz="1100" b="1">
+                <a:solidFill>
+                  <a:srgbClr val="000000"/>
+                </a:solidFill>
+                <a:latin typeface="맑은 고딕"/>
+              </a:defRPr>
+            </a:pPr>
+            <a:r>
+              <a:t>afasdfdfsadf</a:t>
+            </a:r>
+          </a:p>
+        </p:txBody>
+      </p:sp>
+      <p:sp>
+        <p:nvSpPr>
+          <p:cNvPr id="6" name="Rectangle 5"/>
+          <p:cNvSpPr/>
+          <p:nvPr/>
+        </p:nvSpPr>
+        <p:spPr>
+          <a:xfrm>
+            <a:off x="457200" y="1508760"/>
+            <a:ext cx="8229600" cy="18288"/>
+          </a:xfrm>
+          <a:prstGeom prst="rect">
+            <a:avLst/>
+          </a:prstGeom>
+          <a:solidFill>
+            <a:srgbClr val="C8C8C8"/>
+          </a:solidFill>
+          <a:ln>
+            <a:noFill/>
+          </a:ln>
+        </p:spPr>
+        <p:style>
+          <a:lnRef idx="1">
+            <a:schemeClr val="accent1"/>
+          </a:lnRef>
+          <a:fillRef idx="3">
+            <a:schemeClr val="accent1"/>
+          </a:fillRef>
+          <a:effectRef idx="2">
+            <a:schemeClr val="accent1"/>
+          </a:effectRef>
+          <a:fontRef idx="minor">
+            <a:schemeClr val="lt1"/>
+          </a:fontRef>
+        </p:style>
+        <p:txBody>
+          <a:bodyPr rtlCol="0" anchor="ctr"/>
+          <a:lstStyle/>
+          <a:p>
+            <a:pPr algn="ctr"/>
+          </a:p>
+        </p:txBody>
+      </p:sp>
+      <p:sp>
+        <p:nvSpPr>
+          <p:cNvPr id="7" name="TextBox 6"/>
+          <p:cNvSpPr txBox="1"/>
+          <p:nvPr/>
+        </p:nvSpPr>
+        <p:spPr>
+          <a:xfrm>
+            <a:off x="457200" y="1417319"/>
+            <a:ext cx="8229600" cy="2299716"/>
+          </a:xfrm>
+          <a:prstGeom prst="rect">
+            <a:avLst/>
+          </a:prstGeom>
+          <a:noFill/>
+        </p:spPr>
+        <p:txBody>
+          <a:bodyPr wrap="square">
+            <a:spAutoFit/>
+          </a:bodyPr>
+          <a:lstStyle/>
+          <a:p>
+            <a:pPr algn="l"/>
+          </a:p>
+          <a:p>
+            <a:pPr>
+              <a:lnSpc>
+                <a:spcPct val="150000"/>
+              </a:lnSpc>
+              <a:spcBef>
+                <a:spcPts val="1000"/>
+              </a:spcBef>
+              <a:spcAft>
+                <a:spcPts val="1000"/>
+              </a:spcAft>
+            </a:pPr>
+            <a:r>
+              <a:rPr sz="1200">
+                <a:solidFill>
+                  <a:srgbClr val="000000"/>
+                </a:solidFill>
+                <a:latin typeface="맑은 고딕"/>
+              </a:rPr>
+              <a:t>[공사의 전문인으로 나아가기 위한 폭넓은 지식]공사의 인턴으로 </a:t>
+            </a:r>
+            <a:r>
+              <a:rPr u="sng" b="1" sz="1200">
+                <a:solidFill>
+                  <a:srgbClr val="000000"/>
+                </a:solidFill>
+                <a:latin typeface="맑은 고딕"/>
+              </a:rPr>
+              <a:t>(1)근무하며 전문 지식의 부족함을 느꼈고, 발전에 대한 동기부여를 만들었습니다. 국산밀 정부 수매 업무를 지원하며 세부추진</a:t>
+            </a:r>
+            <a:r>
+              <a:rPr sz="1200">
+                <a:solidFill>
+                  <a:srgbClr val="000000"/>
+                </a:solidFill>
+                <a:latin typeface="맑은 고딕"/>
+              </a:rPr>
+              <a:t> 계획서를 통해 업무 프로세스를 파악하고, 문의 사항을 답변하기 위해 관련 용어와 업무매뉴얼을 숙지했습니다.수매가 시작되며 매일 100건이 </a:t>
+            </a:r>
+            <a:r>
+              <a:rPr u="sng" b="1" sz="1200">
+                <a:solidFill>
+                  <a:srgbClr val="000000"/>
+                </a:solidFill>
+                <a:latin typeface="맑은 고딕"/>
+              </a:rPr>
+              <a:t>(2)넘는 문의가 들어왔고, 업무매뉴얼을 넘어 전문적인 지식을 요구하는 문의 사항도 있었습니다. 이런 경우에는 대리님께</a:t>
+            </a:r>
+            <a:r>
+              <a:rPr sz="1200">
+                <a:solidFill>
+                  <a:srgbClr val="000000"/>
+                </a:solidFill>
+                <a:latin typeface="맑은 고딕"/>
+              </a:rPr>
+              <a:t> 해결을 요청했지만, 한편으로는 제가 역량이 </a:t>
+            </a:r>
+            <a:r>
+              <a:rPr u="sng" b="1" sz="1200">
+                <a:solidFill>
+                  <a:srgbClr val="000000"/>
+                </a:solidFill>
+                <a:latin typeface="맑은 고딕"/>
+              </a:rPr>
+              <a:t>(3)있었다면 업무 효율성과 고객 만족도를 높일 수 있었겠다는 아쉬움이 있었습니다. 이에 향후 사업을 전문적으로 수행하기 위한 계약 및 회계 지식의 필요성을</a:t>
+            </a:r>
+            <a:r>
+              <a:rPr sz="1200">
+                <a:solidFill>
+                  <a:srgbClr val="000000"/>
+                </a:solidFill>
+                <a:latin typeface="맑은 고딕"/>
+              </a:rPr>
+              <a:t> 느꼈습니다.입사 후, 계약 지식과 프로세스를 습득하기 위해 관련 교육을 수강하겠습니다. 또한, 전산회계, 세무 자격증을 취득하여 비용 집행 및 정산 등의 역량을 발전시키겠습니다. 업무에서 느낀 지식의 필요성을 계속해서 충족하며 업무 역량을 향상하겠습니다.</a:t>
+            </a:r>
+          </a:p>
+        </p:txBody>
+      </p:sp>
+      <p:sp>
+        <p:nvSpPr>
+          <p:cNvPr id="8" name="TextBox 7"/>
+          <p:cNvSpPr txBox="1"/>
+          <p:nvPr/>
+        </p:nvSpPr>
+        <p:spPr>
+          <a:xfrm>
+            <a:off x="457200" y="4448556"/>
+            <a:ext cx="5486400" cy="457200"/>
+          </a:xfrm>
+          <a:prstGeom prst="rect">
+            <a:avLst/>
+          </a:prstGeom>
+          <a:noFill/>
+        </p:spPr>
+        <p:txBody>
+          <a:bodyPr wrap="none">
+            <a:spAutoFit/>
+          </a:bodyPr>
+          <a:lstStyle/>
+          <a:p/>
+          <a:p>
+            <a:pPr algn="l">
+              <a:defRPr sz="1400" b="1">
+                <a:solidFill>
+                  <a:srgbClr val="000000"/>
+                </a:solidFill>
+                <a:latin typeface="맑은 고딕"/>
+              </a:defRPr>
+            </a:pPr>
+            <a:r>
+              <a:t>자기소개서 기반 면접 질문 제안</a:t>
+            </a:r>
+          </a:p>
+        </p:txBody>
+      </p:sp>
+      <p:sp>
+        <p:nvSpPr>
+          <p:cNvPr id="9" name="Rectangle 8"/>
+          <p:cNvSpPr/>
+          <p:nvPr/>
+        </p:nvSpPr>
+        <p:spPr>
+          <a:xfrm>
+            <a:off x="457200" y="5042916"/>
+            <a:ext cx="8229600" cy="18288"/>
+          </a:xfrm>
+          <a:prstGeom prst="rect">
+            <a:avLst/>
+          </a:prstGeom>
+          <a:solidFill>
+            <a:srgbClr val="C8C8C8"/>
+          </a:solidFill>
+          <a:ln>
+            <a:noFill/>
+          </a:ln>
+        </p:spPr>
+        <p:style>
+          <a:lnRef idx="1">
+            <a:schemeClr val="accent1"/>
+          </a:lnRef>
+          <a:fillRef idx="3">
+            <a:schemeClr val="accent1"/>
+          </a:fillRef>
+          <a:effectRef idx="2">
+            <a:schemeClr val="accent1"/>
+          </a:effectRef>
+          <a:fontRef idx="minor">
+            <a:schemeClr val="lt1"/>
+          </a:fontRef>
+        </p:style>
+        <p:txBody>
+          <a:bodyPr rtlCol="0" anchor="ctr"/>
+          <a:lstStyle/>
+          <a:p>
+            <a:pPr algn="ctr"/>
+          </a:p>
+        </p:txBody>
+      </p:sp>
+      <p:sp>
+        <p:nvSpPr>
+          <p:cNvPr id="10" name="Rectangle 9"/>
+          <p:cNvSpPr/>
+          <p:nvPr/>
+        </p:nvSpPr>
+        <p:spPr>
+          <a:xfrm>
+            <a:off x="457200" y="5362956"/>
+            <a:ext cx="8229600" cy="1371600"/>
+          </a:xfrm>
+          <a:prstGeom prst="rect">
+            <a:avLst/>
+          </a:prstGeom>
+          <a:solidFill>
+            <a:srgbClr val="F5F5F5"/>
+          </a:solidFill>
+          <a:ln>
+            <a:solidFill>
+              <a:srgbClr val="B4B4B4"/>
+            </a:solidFill>
+          </a:ln>
+        </p:spPr>
+        <p:style>
+          <a:lnRef idx="1">
+            <a:schemeClr val="accent1"/>
+          </a:lnRef>
+          <a:fillRef idx="3">
+            <a:schemeClr val="accent1"/>
+          </a:fillRef>
+          <a:effectRef idx="2">
+            <a:schemeClr val="accent1"/>
+          </a:effectRef>
+          <a:fontRef idx="minor">
+            <a:schemeClr val="lt1"/>
+          </a:fontRef>
+        </p:style>
+        <p:txBody>
+          <a:bodyPr rtlCol="0" anchor="ctr" wrap="square"/>
+          <a:lstStyle/>
+          <a:p>
+            <a:pPr algn="l"/>
+          </a:p>
+          <a:p>
+            <a:pPr>
+              <a:lnSpc>
+                <a:spcPct val="150000"/>
+              </a:lnSpc>
+              <a:spcBef>
+                <a:spcPts val="1000"/>
+              </a:spcBef>
+              <a:spcAft>
+                <a:spcPts val="1000"/>
+              </a:spcAft>
+              <a:defRPr sz="1200" b="1">
+                <a:solidFill>
+                  <a:srgbClr val="000000"/>
+                </a:solidFill>
+                <a:latin typeface="맑은 고딕"/>
+              </a:defRPr>
+            </a:pPr>
+            <a:r>
+              <a:t>(1) 전문 지식이 부족함을 느끼게 된 특정 사례나 순간이 있나요?</a:t>
+            </a:r>
+            <a:br/>
+            <a:r>
+              <a:t>(2) 업무 매뉴얼 외 지식의 필요성을 절감한 상황을 설명해 주세요.</a:t>
+            </a:r>
+            <a:br/>
+            <a:r>
+              <a:t>(3) 향후 계획 중 가장 중요하게 생각하는 부분은 무엇인가요?</a:t>
+            </a:r>
+          </a:p>
+        </p:txBody>
+      </p:sp>
+    </p:spTree>
+  </p:cSld>
+  <p:clrMapOvr>
+    <a:masterClrMapping/>
+  </p:clrMapOvr>
+</p:sld>
+</file>
+
+<file path=ppt/slides/slide5.xml><?xml version="1.0" encoding="utf-8"?>
+<p:sld xmlns:a="http://schemas.openxmlformats.org/drawingml/2006/main" xmlns:p="http://schemas.openxmlformats.org/presentationml/2006/main" xmlns:r="http://schemas.openxmlformats.org/officeDocument/2006/relationships">
+  <p:cSld>
+    <p:spTree>
+      <p:nvGrpSpPr>
+        <p:cNvPr id="1" name=""/>
+        <p:cNvGrpSpPr/>
+        <p:nvPr/>
+      </p:nvGrpSpPr>
+      <p:grpSpPr/>
+      <p:sp>
+        <p:nvSpPr>
+          <p:cNvPr id="2" name="Title 1"/>
+          <p:cNvSpPr>
+            <a:spLocks noGrp="1"/>
+          </p:cNvSpPr>
+          <p:nvPr>
+            <p:ph type="title"/>
+          </p:nvPr>
+        </p:nvSpPr>
+        <p:spPr/>
+        <p:txBody>
+          <a:bodyPr/>
+          <a:lstStyle/>
+          <a:p/>
+        </p:txBody>
+      </p:sp>
+      <p:sp>
+        <p:nvSpPr>
+          <p:cNvPr id="3" name="TextBox 2"/>
+          <p:cNvSpPr txBox="1"/>
+          <p:nvPr/>
+        </p:nvSpPr>
+        <p:spPr>
+          <a:xfrm>
+            <a:off x="457200" y="274320"/>
+            <a:ext cx="2743200" cy="457200"/>
+          </a:xfrm>
+          <a:prstGeom prst="rect">
+            <a:avLst/>
+          </a:prstGeom>
+          <a:noFill/>
+        </p:spPr>
+        <p:txBody>
+          <a:bodyPr wrap="none">
+            <a:spAutoFit/>
+          </a:bodyPr>
+          <a:lstStyle/>
+          <a:p/>
+          <a:p>
+            <a:pPr algn="l">
+              <a:defRPr sz="1200" b="1">
+                <a:latin typeface="맑은 고딕"/>
+              </a:defRPr>
+            </a:pPr>
+            <a:r>
+              <a:t>수험번호: C0100002</a:t>
+            </a:r>
+          </a:p>
+        </p:txBody>
+      </p:sp>
+      <p:sp>
+        <p:nvSpPr>
+          <p:cNvPr id="4" name="TextBox 3"/>
+          <p:cNvSpPr txBox="1"/>
+          <p:nvPr/>
+        </p:nvSpPr>
+        <p:spPr>
+          <a:xfrm>
+            <a:off x="457200" y="914400"/>
+            <a:ext cx="5486400" cy="457200"/>
+          </a:xfrm>
+          <a:prstGeom prst="rect">
+            <a:avLst/>
+          </a:prstGeom>
+          <a:noFill/>
+        </p:spPr>
+        <p:txBody>
+          <a:bodyPr wrap="none">
+            <a:spAutoFit/>
+          </a:bodyPr>
+          <a:lstStyle/>
+          <a:p/>
+          <a:p>
+            <a:pPr algn="l">
+              <a:defRPr sz="1400" b="1">
+                <a:solidFill>
+                  <a:srgbClr val="000000"/>
+                </a:solidFill>
+                <a:latin typeface="맑은 고딕"/>
+              </a:defRPr>
+            </a:pPr>
+            <a:r>
+              <a:t>자기소개서</a:t>
+            </a:r>
+          </a:p>
+        </p:txBody>
+      </p:sp>
+      <p:sp>
+        <p:nvSpPr>
+          <p:cNvPr id="5" name="TextBox 4"/>
+          <p:cNvSpPr txBox="1"/>
+          <p:nvPr/>
+        </p:nvSpPr>
+        <p:spPr>
+          <a:xfrm>
+            <a:off x="457200" y="1371600"/>
+            <a:ext cx="5486400" cy="457200"/>
+          </a:xfrm>
+          <a:prstGeom prst="rect">
+            <a:avLst/>
+          </a:prstGeom>
+          <a:noFill/>
+        </p:spPr>
+        <p:txBody>
+          <a:bodyPr wrap="none">
+            <a:spAutoFit/>
+          </a:bodyPr>
+          <a:lstStyle/>
+          <a:p/>
+          <a:p>
+            <a:pPr algn="l">
+              <a:defRPr sz="1100" b="1">
+                <a:solidFill>
+                  <a:srgbClr val="000000"/>
+                </a:solidFill>
+                <a:latin typeface="맑은 고딕"/>
+              </a:defRPr>
+            </a:pPr>
+            <a:r>
+              <a:t>asdfadf</a:t>
+            </a:r>
+          </a:p>
+        </p:txBody>
+      </p:sp>
+      <p:sp>
+        <p:nvSpPr>
+          <p:cNvPr id="6" name="Rectangle 5"/>
+          <p:cNvSpPr/>
+          <p:nvPr/>
+        </p:nvSpPr>
+        <p:spPr>
+          <a:xfrm>
+            <a:off x="457200" y="1508760"/>
+            <a:ext cx="8229600" cy="18288"/>
+          </a:xfrm>
+          <a:prstGeom prst="rect">
+            <a:avLst/>
+          </a:prstGeom>
+          <a:solidFill>
+            <a:srgbClr val="C8C8C8"/>
+          </a:solidFill>
+          <a:ln>
+            <a:noFill/>
+          </a:ln>
+        </p:spPr>
+        <p:style>
+          <a:lnRef idx="1">
+            <a:schemeClr val="accent1"/>
+          </a:lnRef>
+          <a:fillRef idx="3">
+            <a:schemeClr val="accent1"/>
+          </a:fillRef>
+          <a:effectRef idx="2">
+            <a:schemeClr val="accent1"/>
+          </a:effectRef>
+          <a:fontRef idx="minor">
+            <a:schemeClr val="lt1"/>
+          </a:fontRef>
+        </p:style>
+        <p:txBody>
+          <a:bodyPr rtlCol="0" anchor="ctr"/>
+          <a:lstStyle/>
+          <a:p>
+            <a:pPr algn="ctr"/>
+          </a:p>
+        </p:txBody>
+      </p:sp>
+      <p:sp>
+        <p:nvSpPr>
+          <p:cNvPr id="7" name="TextBox 6"/>
+          <p:cNvSpPr txBox="1"/>
+          <p:nvPr/>
+        </p:nvSpPr>
+        <p:spPr>
+          <a:xfrm>
+            <a:off x="457200" y="1417319"/>
+            <a:ext cx="8229600" cy="2258568"/>
+          </a:xfrm>
+          <a:prstGeom prst="rect">
+            <a:avLst/>
+          </a:prstGeom>
+          <a:noFill/>
+        </p:spPr>
+        <p:txBody>
+          <a:bodyPr wrap="square">
+            <a:spAutoFit/>
+          </a:bodyPr>
+          <a:lstStyle/>
+          <a:p>
+            <a:pPr algn="l"/>
+          </a:p>
+          <a:p>
+            <a:pPr>
+              <a:lnSpc>
+                <a:spcPct val="150000"/>
+              </a:lnSpc>
+              <a:spcBef>
+                <a:spcPts val="1000"/>
+              </a:spcBef>
+              <a:spcAft>
+                <a:spcPts val="1000"/>
+              </a:spcAft>
+            </a:pPr>
+            <a:r>
+              <a:rPr sz="1200">
+                <a:solidFill>
+                  <a:srgbClr val="000000"/>
+                </a:solidFill>
+                <a:latin typeface="맑은 고딕"/>
+              </a:rPr>
+              <a:t>대학에서 경영학과 중어중문학을 전공하며 배운 지식들을 실무에 적용하기 위해 ○○공사에서 </a:t>
+            </a:r>
+            <a:r>
+              <a:rPr u="sng" b="1" sz="1200">
+                <a:solidFill>
+                  <a:srgbClr val="000000"/>
+                </a:solidFill>
+                <a:latin typeface="맑은 고딕"/>
+              </a:rPr>
+              <a:t>(1)인턴과 계약직 사원으로 근무했습니다. 국제곡물정보와 해외농산물수입정보를 조사하며 농산물 가격 변동을</a:t>
+            </a:r>
+            <a:r>
+              <a:rPr sz="1200">
+                <a:solidFill>
+                  <a:srgbClr val="000000"/>
+                </a:solidFill>
+                <a:latin typeface="맑은 고딕"/>
+              </a:rPr>
+              <a:t> 파악하고 선제적으로 관리함으로써, 수급관리에 대한 실무 경험을 쌓고자 노력하였습니다.특히 농산물수입동향보고서 작성과 해외수입정보검증회의 </a:t>
+            </a:r>
+            <a:r>
+              <a:rPr u="sng" b="1" sz="1200">
+                <a:solidFill>
+                  <a:srgbClr val="000000"/>
+                </a:solidFill>
+                <a:latin typeface="맑은 고딕"/>
+              </a:rPr>
+              <a:t>(2)개최를 통해 수입농산물과 관세제도에 대한 전문지식을 쌓았으며, 외신보도모니터링과</a:t>
+            </a:r>
+            <a:r>
+              <a:rPr sz="1200">
+                <a:solidFill>
+                  <a:srgbClr val="000000"/>
+                </a:solidFill>
+                <a:latin typeface="맑은 고딕"/>
+              </a:rPr>
+              <a:t> 해외 모니터들과의 소통을 통해 실무적 외국어 능력도 </a:t>
+            </a:r>
+            <a:r>
+              <a:rPr u="sng" b="1" sz="1200">
+                <a:solidFill>
+                  <a:srgbClr val="000000"/>
+                </a:solidFill>
+                <a:latin typeface="맑은 고딕"/>
+              </a:rPr>
+              <a:t>(3)향상시켰습니다. 이를 통해 농산물수급관리와 수입동향조사에 필요한 분석력 및 전문성을 갖출 수 있었습니다.입사</a:t>
+            </a:r>
+            <a:r>
+              <a:rPr sz="1200">
+                <a:solidFill>
+                  <a:srgbClr val="000000"/>
+                </a:solidFill>
+                <a:latin typeface="맑은 고딕"/>
+              </a:rPr>
+              <a:t> 후 이러한 경험을 바탕으로 공사의 핵심사업인 농산물 수급관리 업무에 기여하고자 합니다. 수입정보조사와 관세제도에 대한 지식을 활용해 시장 변화에 선제적으로 대응할 수 있는 전략을 수립하고, 외국어 소통능력을 적극 활용하여 글로벌 농산물시장에 대한 이해를 넓혀 수급 안정화에 이바지하는 인재가 되겠습니다.</a:t>
+            </a:r>
+          </a:p>
+        </p:txBody>
+      </p:sp>
+      <p:sp>
+        <p:nvSpPr>
+          <p:cNvPr id="8" name="TextBox 7"/>
+          <p:cNvSpPr txBox="1"/>
+          <p:nvPr/>
+        </p:nvSpPr>
+        <p:spPr>
+          <a:xfrm>
+            <a:off x="457200" y="4407408"/>
+            <a:ext cx="5486400" cy="457200"/>
+          </a:xfrm>
+          <a:prstGeom prst="rect">
+            <a:avLst/>
+          </a:prstGeom>
+          <a:noFill/>
+        </p:spPr>
+        <p:txBody>
+          <a:bodyPr wrap="none">
+            <a:spAutoFit/>
+          </a:bodyPr>
+          <a:lstStyle/>
+          <a:p/>
+          <a:p>
+            <a:pPr algn="l">
+              <a:defRPr sz="1400" b="1">
+                <a:solidFill>
+                  <a:srgbClr val="000000"/>
+                </a:solidFill>
+                <a:latin typeface="맑은 고딕"/>
+              </a:defRPr>
+            </a:pPr>
+            <a:r>
+              <a:t>자기소개서 기반 면접 질문 제안</a:t>
+            </a:r>
+          </a:p>
+        </p:txBody>
+      </p:sp>
+      <p:sp>
+        <p:nvSpPr>
+          <p:cNvPr id="9" name="Rectangle 8"/>
+          <p:cNvSpPr/>
+          <p:nvPr/>
+        </p:nvSpPr>
+        <p:spPr>
+          <a:xfrm>
+            <a:off x="457200" y="5001768"/>
+            <a:ext cx="8229600" cy="18288"/>
+          </a:xfrm>
+          <a:prstGeom prst="rect">
+            <a:avLst/>
+          </a:prstGeom>
+          <a:solidFill>
+            <a:srgbClr val="C8C8C8"/>
+          </a:solidFill>
+          <a:ln>
+            <a:noFill/>
+          </a:ln>
+        </p:spPr>
+        <p:style>
+          <a:lnRef idx="1">
+            <a:schemeClr val="accent1"/>
+          </a:lnRef>
+          <a:fillRef idx="3">
+            <a:schemeClr val="accent1"/>
+          </a:fillRef>
+          <a:effectRef idx="2">
+            <a:schemeClr val="accent1"/>
+          </a:effectRef>
+          <a:fontRef idx="minor">
+            <a:schemeClr val="lt1"/>
+          </a:fontRef>
+        </p:style>
+        <p:txBody>
+          <a:bodyPr rtlCol="0" anchor="ctr"/>
+          <a:lstStyle/>
+          <a:p>
+            <a:pPr algn="ctr"/>
+          </a:p>
+        </p:txBody>
+      </p:sp>
+      <p:sp>
+        <p:nvSpPr>
+          <p:cNvPr id="10" name="Rectangle 9"/>
+          <p:cNvSpPr/>
+          <p:nvPr/>
+        </p:nvSpPr>
+        <p:spPr>
+          <a:xfrm>
+            <a:off x="457200" y="5321808"/>
+            <a:ext cx="8229600" cy="1371600"/>
+          </a:xfrm>
+          <a:prstGeom prst="rect">
+            <a:avLst/>
+          </a:prstGeom>
+          <a:solidFill>
+            <a:srgbClr val="F5F5F5"/>
+          </a:solidFill>
+          <a:ln>
+            <a:solidFill>
+              <a:srgbClr val="B4B4B4"/>
+            </a:solidFill>
+          </a:ln>
+        </p:spPr>
+        <p:style>
+          <a:lnRef idx="1">
+            <a:schemeClr val="accent1"/>
+          </a:lnRef>
+          <a:fillRef idx="3">
+            <a:schemeClr val="accent1"/>
+          </a:fillRef>
+          <a:effectRef idx="2">
+            <a:schemeClr val="accent1"/>
+          </a:effectRef>
+          <a:fontRef idx="minor">
+            <a:schemeClr val="lt1"/>
+          </a:fontRef>
+        </p:style>
+        <p:txBody>
+          <a:bodyPr rtlCol="0" anchor="ctr" wrap="square"/>
+          <a:lstStyle/>
+          <a:p>
+            <a:pPr algn="l"/>
+          </a:p>
+          <a:p>
+            <a:pPr>
+              <a:lnSpc>
+                <a:spcPct val="150000"/>
+              </a:lnSpc>
+              <a:spcBef>
+                <a:spcPts val="1000"/>
+              </a:spcBef>
+              <a:spcAft>
+                <a:spcPts val="1000"/>
+              </a:spcAft>
+              <a:defRPr sz="1200" b="1">
+                <a:solidFill>
+                  <a:srgbClr val="000000"/>
+                </a:solidFill>
+                <a:latin typeface="맑은 고딕"/>
+              </a:defRPr>
+            </a:pPr>
+            <a:r>
+              <a:t>(1) 국제곡물정보와 해외농산물수입정보 조사 시 가장 큰 도전 과제는 무엇이었나요?</a:t>
+            </a:r>
+            <a:br/>
+            <a:r>
+              <a:t>(2) 농산물수입동향보고서를 작성하면서 어떤 점을 가장 중요하게 고려했나요?</a:t>
+            </a:r>
+            <a:br/>
+            <a:r>
+              <a:t>(3) 외신보도모니터링을 통해 얻은 가장 유익한 정보는 무엇이었나요?</a:t>
+            </a:r>
+          </a:p>
+        </p:txBody>
+      </p:sp>
+    </p:spTree>
+  </p:cSld>
+  <p:clrMapOvr>
+    <a:masterClrMapping/>
+  </p:clrMapOvr>
+</p:sld>
+</file>
+
+<file path=ppt/slides/slide6.xml><?xml version="1.0" encoding="utf-8"?>
+<p:sld xmlns:a="http://schemas.openxmlformats.org/drawingml/2006/main" xmlns:p="http://schemas.openxmlformats.org/presentationml/2006/main" xmlns:r="http://schemas.openxmlformats.org/officeDocument/2006/relationships">
+  <p:cSld>
+    <p:spTree>
+      <p:nvGrpSpPr>
+        <p:cNvPr id="1" name=""/>
+        <p:cNvGrpSpPr/>
+        <p:nvPr/>
+      </p:nvGrpSpPr>
+      <p:grpSpPr/>
+      <p:sp>
+        <p:nvSpPr>
+          <p:cNvPr id="2" name="Title 1"/>
+          <p:cNvSpPr>
+            <a:spLocks noGrp="1"/>
+          </p:cNvSpPr>
+          <p:nvPr>
+            <p:ph type="title"/>
+          </p:nvPr>
+        </p:nvSpPr>
+        <p:spPr/>
+        <p:txBody>
+          <a:bodyPr/>
+          <a:lstStyle/>
+          <a:p/>
+        </p:txBody>
+      </p:sp>
+      <p:sp>
+        <p:nvSpPr>
+          <p:cNvPr id="3" name="TextBox 2"/>
+          <p:cNvSpPr txBox="1"/>
+          <p:nvPr/>
+        </p:nvSpPr>
+        <p:spPr>
+          <a:xfrm>
+            <a:off x="457200" y="274320"/>
+            <a:ext cx="2743200" cy="457200"/>
+          </a:xfrm>
+          <a:prstGeom prst="rect">
+            <a:avLst/>
+          </a:prstGeom>
+          <a:noFill/>
+        </p:spPr>
+        <p:txBody>
+          <a:bodyPr wrap="none">
+            <a:spAutoFit/>
+          </a:bodyPr>
+          <a:lstStyle/>
+          <a:p/>
+          <a:p>
+            <a:pPr algn="l">
+              <a:defRPr sz="1200" b="1">
+                <a:latin typeface="맑은 고딕"/>
+              </a:defRPr>
+            </a:pPr>
+            <a:r>
+              <a:t>수험번호: nan</a:t>
+            </a:r>
+          </a:p>
+        </p:txBody>
+      </p:sp>
+      <p:sp>
+        <p:nvSpPr>
+          <p:cNvPr id="4" name="TextBox 3"/>
+          <p:cNvSpPr txBox="1"/>
+          <p:nvPr/>
+        </p:nvSpPr>
+        <p:spPr>
+          <a:xfrm>
+            <a:off x="457200" y="914400"/>
+            <a:ext cx="5486400" cy="457200"/>
+          </a:xfrm>
+          <a:prstGeom prst="rect">
+            <a:avLst/>
+          </a:prstGeom>
+          <a:noFill/>
+        </p:spPr>
+        <p:txBody>
+          <a:bodyPr wrap="none">
+            <a:spAutoFit/>
+          </a:bodyPr>
+          <a:lstStyle/>
+          <a:p/>
+          <a:p>
+            <a:pPr algn="l">
+              <a:defRPr sz="1400" b="1">
+                <a:solidFill>
+                  <a:srgbClr val="000000"/>
+                </a:solidFill>
+                <a:latin typeface="맑은 고딕"/>
+              </a:defRPr>
+            </a:pPr>
+            <a:r>
+              <a:t>자기소개서</a:t>
+            </a:r>
+          </a:p>
+        </p:txBody>
+      </p:sp>
+      <p:sp>
+        <p:nvSpPr>
+          <p:cNvPr id="5" name="TextBox 4"/>
+          <p:cNvSpPr txBox="1"/>
+          <p:nvPr/>
+        </p:nvSpPr>
+        <p:spPr>
+          <a:xfrm>
+            <a:off x="457200" y="1371600"/>
+            <a:ext cx="5486400" cy="457200"/>
+          </a:xfrm>
+          <a:prstGeom prst="rect">
+            <a:avLst/>
+          </a:prstGeom>
+          <a:noFill/>
+        </p:spPr>
+        <p:txBody>
+          <a:bodyPr wrap="none">
+            <a:spAutoFit/>
+          </a:bodyPr>
+          <a:lstStyle/>
+          <a:p/>
+          <a:p>
+            <a:pPr algn="l">
+              <a:defRPr sz="1100" b="1">
+                <a:solidFill>
+                  <a:srgbClr val="000000"/>
+                </a:solidFill>
+                <a:latin typeface="맑은 고딕"/>
+              </a:defRPr>
+            </a:pPr>
+            <a:r>
+              <a:t>asad</a:t>
+            </a:r>
+          </a:p>
+        </p:txBody>
+      </p:sp>
+      <p:sp>
+        <p:nvSpPr>
+          <p:cNvPr id="6" name="Rectangle 5"/>
+          <p:cNvSpPr/>
+          <p:nvPr/>
+        </p:nvSpPr>
+        <p:spPr>
+          <a:xfrm>
+            <a:off x="457200" y="1508760"/>
+            <a:ext cx="8229600" cy="18288"/>
+          </a:xfrm>
+          <a:prstGeom prst="rect">
+            <a:avLst/>
+          </a:prstGeom>
+          <a:solidFill>
+            <a:srgbClr val="C8C8C8"/>
+          </a:solidFill>
+          <a:ln>
+            <a:noFill/>
+          </a:ln>
+        </p:spPr>
+        <p:style>
+          <a:lnRef idx="1">
+            <a:schemeClr val="accent1"/>
+          </a:lnRef>
+          <a:fillRef idx="3">
+            <a:schemeClr val="accent1"/>
+          </a:fillRef>
+          <a:effectRef idx="2">
+            <a:schemeClr val="accent1"/>
+          </a:effectRef>
+          <a:fontRef idx="minor">
+            <a:schemeClr val="lt1"/>
+          </a:fontRef>
+        </p:style>
+        <p:txBody>
+          <a:bodyPr rtlCol="0" anchor="ctr"/>
+          <a:lstStyle/>
+          <a:p>
+            <a:pPr algn="ctr"/>
+          </a:p>
+        </p:txBody>
+      </p:sp>
+      <p:sp>
+        <p:nvSpPr>
+          <p:cNvPr id="7" name="TextBox 6"/>
+          <p:cNvSpPr txBox="1"/>
+          <p:nvPr/>
+        </p:nvSpPr>
+        <p:spPr>
+          <a:xfrm>
+            <a:off x="457200" y="1417319"/>
+            <a:ext cx="8229600" cy="2258568"/>
+          </a:xfrm>
+          <a:prstGeom prst="rect">
+            <a:avLst/>
+          </a:prstGeom>
+          <a:noFill/>
+        </p:spPr>
+        <p:txBody>
+          <a:bodyPr wrap="square">
+            <a:spAutoFit/>
+          </a:bodyPr>
+          <a:lstStyle/>
+          <a:p>
+            <a:pPr algn="l"/>
+          </a:p>
+          <a:p>
+            <a:pPr>
+              <a:lnSpc>
+                <a:spcPct val="150000"/>
+              </a:lnSpc>
+              <a:spcBef>
+                <a:spcPts val="1000"/>
+              </a:spcBef>
+              <a:spcAft>
+                <a:spcPts val="1000"/>
+              </a:spcAft>
+            </a:pPr>
+            <a:r>
+              <a:rPr sz="1200">
+                <a:solidFill>
+                  <a:srgbClr val="000000"/>
+                </a:solidFill>
+                <a:latin typeface="맑은 고딕"/>
+              </a:rPr>
+              <a:t>외국인유학생서포터즈 활동 당시, 중국인 </a:t>
+            </a:r>
+            <a:r>
+              <a:rPr u="sng" b="1" sz="1200">
+                <a:solidFill>
+                  <a:srgbClr val="000000"/>
+                </a:solidFill>
+                <a:latin typeface="맑은 고딕"/>
+              </a:rPr>
+              <a:t>(1)팀원의 소극적인 태도로 인해 다른 팀원들이 그 친구의 퇴출을 주장하며 갈등이 발생했습니다.</a:t>
+            </a:r>
+            <a:r>
+              <a:rPr sz="1200">
+                <a:solidFill>
+                  <a:srgbClr val="000000"/>
+                </a:solidFill>
+                <a:latin typeface="맑은 고딕"/>
+              </a:rPr>
+              <a:t> 당시 저는 팀원들의 의견을 존중하면서도 서포터즈 간의 원만한 관계 유지를 위해 갈등을 해결하고자 노력했습니다.우선 중국인 친구와의 면담을 통해 한국어가 서툴러 회의내용을 이해하고 맡은 업무 수행하는데 어려움을 </a:t>
+            </a:r>
+            <a:r>
+              <a:rPr u="sng" b="1" sz="1200">
+                <a:solidFill>
+                  <a:srgbClr val="000000"/>
+                </a:solidFill>
+                <a:latin typeface="맑은 고딕"/>
+              </a:rPr>
+              <a:t>(2)겪고 있다는 점을 알게 되었습니다. 따라서 팀원들에게 상황을 설명하고, 퇴출보다는</a:t>
+            </a:r>
+            <a:r>
+              <a:rPr sz="1200">
+                <a:solidFill>
+                  <a:srgbClr val="000000"/>
+                </a:solidFill>
+                <a:latin typeface="맑은 고딕"/>
+              </a:rPr>
+              <a:t> 그 친구의 역할을 조정하는 방향으로 함께 해결해보자고 설득했습니다. 이후 그 친구에게 회의내용을 </a:t>
+            </a:r>
+            <a:r>
+              <a:rPr u="sng" b="1" sz="1200">
+                <a:solidFill>
+                  <a:srgbClr val="000000"/>
+                </a:solidFill>
+                <a:latin typeface="맑은 고딕"/>
+              </a:rPr>
+              <a:t>(3)중국어로 다시 설명해주고, 중국어 통번역</a:t>
+            </a:r>
+            <a:r>
+              <a:rPr sz="1200">
+                <a:solidFill>
+                  <a:srgbClr val="000000"/>
+                </a:solidFill>
+                <a:latin typeface="맑은 고딕"/>
+              </a:rPr>
+              <a:t> 업무를 맡기며 역할을 재조정했습니다. 그 결과 중국인 친구는 활동에 적극적으로 참여하는 모습을 보였고, 팀원들 간의 관계도 원만하게 유지되었습니다.이 경험을 통해 갈등 상황속에서 소통과 배려의 중요성을 깨달았으며, 입사 후에도 부서원들과 상호 이해를 바탕으로 협력하여 조직에 긍정적인 영향을 미치고자 합니다.</a:t>
+            </a:r>
+          </a:p>
+        </p:txBody>
+      </p:sp>
+      <p:sp>
+        <p:nvSpPr>
+          <p:cNvPr id="8" name="TextBox 7"/>
+          <p:cNvSpPr txBox="1"/>
+          <p:nvPr/>
+        </p:nvSpPr>
+        <p:spPr>
+          <a:xfrm>
+            <a:off x="457200" y="4407408"/>
+            <a:ext cx="5486400" cy="457200"/>
+          </a:xfrm>
+          <a:prstGeom prst="rect">
+            <a:avLst/>
+          </a:prstGeom>
+          <a:noFill/>
+        </p:spPr>
+        <p:txBody>
+          <a:bodyPr wrap="none">
+            <a:spAutoFit/>
+          </a:bodyPr>
+          <a:lstStyle/>
+          <a:p/>
+          <a:p>
+            <a:pPr algn="l">
+              <a:defRPr sz="1400" b="1">
+                <a:solidFill>
+                  <a:srgbClr val="000000"/>
+                </a:solidFill>
+                <a:latin typeface="맑은 고딕"/>
+              </a:defRPr>
+            </a:pPr>
+            <a:r>
+              <a:t>자기소개서 기반 면접 질문 제안</a:t>
+            </a:r>
+          </a:p>
+        </p:txBody>
+      </p:sp>
+      <p:sp>
+        <p:nvSpPr>
+          <p:cNvPr id="9" name="Rectangle 8"/>
+          <p:cNvSpPr/>
+          <p:nvPr/>
+        </p:nvSpPr>
+        <p:spPr>
+          <a:xfrm>
+            <a:off x="457200" y="5001768"/>
+            <a:ext cx="8229600" cy="18288"/>
+          </a:xfrm>
+          <a:prstGeom prst="rect">
+            <a:avLst/>
+          </a:prstGeom>
+          <a:solidFill>
+            <a:srgbClr val="C8C8C8"/>
+          </a:solidFill>
+          <a:ln>
+            <a:noFill/>
+          </a:ln>
+        </p:spPr>
+        <p:style>
+          <a:lnRef idx="1">
+            <a:schemeClr val="accent1"/>
+          </a:lnRef>
+          <a:fillRef idx="3">
+            <a:schemeClr val="accent1"/>
+          </a:fillRef>
+          <a:effectRef idx="2">
+            <a:schemeClr val="accent1"/>
+          </a:effectRef>
+          <a:fontRef idx="minor">
+            <a:schemeClr val="lt1"/>
+          </a:fontRef>
+        </p:style>
+        <p:txBody>
+          <a:bodyPr rtlCol="0" anchor="ctr"/>
+          <a:lstStyle/>
+          <a:p>
+            <a:pPr algn="ctr"/>
+          </a:p>
+        </p:txBody>
+      </p:sp>
+      <p:sp>
+        <p:nvSpPr>
+          <p:cNvPr id="10" name="Rectangle 9"/>
+          <p:cNvSpPr/>
+          <p:nvPr/>
+        </p:nvSpPr>
+        <p:spPr>
+          <a:xfrm>
+            <a:off x="457200" y="5321808"/>
+            <a:ext cx="8229600" cy="1371600"/>
+          </a:xfrm>
+          <a:prstGeom prst="rect">
+            <a:avLst/>
+          </a:prstGeom>
+          <a:solidFill>
+            <a:srgbClr val="F5F5F5"/>
+          </a:solidFill>
+          <a:ln>
+            <a:solidFill>
+              <a:srgbClr val="B4B4B4"/>
+            </a:solidFill>
+          </a:ln>
+        </p:spPr>
+        <p:style>
+          <a:lnRef idx="1">
+            <a:schemeClr val="accent1"/>
+          </a:lnRef>
+          <a:fillRef idx="3">
+            <a:schemeClr val="accent1"/>
+          </a:fillRef>
+          <a:effectRef idx="2">
+            <a:schemeClr val="accent1"/>
+          </a:effectRef>
+          <a:fontRef idx="minor">
+            <a:schemeClr val="lt1"/>
+          </a:fontRef>
+        </p:style>
+        <p:txBody>
+          <a:bodyPr rtlCol="0" anchor="ctr" wrap="square"/>
+          <a:lstStyle/>
+          <a:p>
+            <a:pPr algn="l"/>
+          </a:p>
+          <a:p>
+            <a:pPr>
+              <a:lnSpc>
+                <a:spcPct val="150000"/>
+              </a:lnSpc>
+              <a:spcBef>
+                <a:spcPts val="1000"/>
+              </a:spcBef>
+              <a:spcAft>
+                <a:spcPts val="1000"/>
+              </a:spcAft>
+              <a:defRPr sz="1200" b="1">
+                <a:solidFill>
+                  <a:srgbClr val="000000"/>
+                </a:solidFill>
+                <a:latin typeface="맑은 고딕"/>
+              </a:defRPr>
+            </a:pPr>
+            <a:r>
+              <a:t>(1) 중국인 팀원과의 갈등을 해결하기 위해 어떤 특별한 노력을 기울였나요?</a:t>
+            </a:r>
+            <a:br/>
+            <a:r>
+              <a:t>(2) 중국어 통번역 업무를 맡기면서 어떤 변화를 체감했나요?</a:t>
+            </a:r>
+            <a:br/>
+            <a:r>
+              <a:t>(3) 이 경험에서 가장 큰 교훈은 무엇이라고 생각하나요?</a:t>
+            </a:r>
+          </a:p>
+        </p:txBody>
+      </p:sp>
+    </p:spTree>
+  </p:cSld>
+  <p:clrMapOvr>
+    <a:masterClrMapping/>
+  </p:clrMapOvr>
+</p:sld>
+</file>
+
+<file path=ppt/slides/slide7.xml><?xml version="1.0" encoding="utf-8"?>
+<p:sld xmlns:a="http://schemas.openxmlformats.org/drawingml/2006/main" xmlns:p="http://schemas.openxmlformats.org/presentationml/2006/main" xmlns:r="http://schemas.openxmlformats.org/officeDocument/2006/relationships">
+  <p:cSld>
+    <p:spTree>
+      <p:nvGrpSpPr>
+        <p:cNvPr id="1" name=""/>
+        <p:cNvGrpSpPr/>
+        <p:nvPr/>
+      </p:nvGrpSpPr>
+      <p:grpSpPr/>
+      <p:sp>
+        <p:nvSpPr>
+          <p:cNvPr id="2" name="Title 1"/>
+          <p:cNvSpPr>
+            <a:spLocks noGrp="1"/>
+          </p:cNvSpPr>
+          <p:nvPr>
+            <p:ph type="title"/>
+          </p:nvPr>
+        </p:nvSpPr>
+        <p:spPr/>
+        <p:txBody>
+          <a:bodyPr/>
+          <a:lstStyle/>
+          <a:p/>
+        </p:txBody>
+      </p:sp>
+      <p:sp>
+        <p:nvSpPr>
+          <p:cNvPr id="3" name="TextBox 2"/>
+          <p:cNvSpPr txBox="1"/>
+          <p:nvPr/>
+        </p:nvSpPr>
+        <p:spPr>
+          <a:xfrm>
+            <a:off x="457200" y="274320"/>
+            <a:ext cx="2743200" cy="457200"/>
+          </a:xfrm>
+          <a:prstGeom prst="rect">
+            <a:avLst/>
+          </a:prstGeom>
+          <a:noFill/>
+        </p:spPr>
+        <p:txBody>
+          <a:bodyPr wrap="none">
+            <a:spAutoFit/>
+          </a:bodyPr>
+          <a:lstStyle/>
+          <a:p/>
+          <a:p>
+            <a:pPr algn="l">
+              <a:defRPr sz="1200" b="1">
+                <a:latin typeface="맑은 고딕"/>
+              </a:defRPr>
+            </a:pPr>
+            <a:r>
+              <a:t>수험번호: nan</a:t>
+            </a:r>
+          </a:p>
+        </p:txBody>
+      </p:sp>
+      <p:sp>
+        <p:nvSpPr>
+          <p:cNvPr id="4" name="TextBox 3"/>
+          <p:cNvSpPr txBox="1"/>
+          <p:nvPr/>
+        </p:nvSpPr>
+        <p:spPr>
+          <a:xfrm>
+            <a:off x="457200" y="914400"/>
+            <a:ext cx="5486400" cy="457200"/>
+          </a:xfrm>
+          <a:prstGeom prst="rect">
+            <a:avLst/>
+          </a:prstGeom>
+          <a:noFill/>
+        </p:spPr>
+        <p:txBody>
+          <a:bodyPr wrap="none">
+            <a:spAutoFit/>
+          </a:bodyPr>
+          <a:lstStyle/>
+          <a:p/>
+          <a:p>
+            <a:pPr algn="l">
+              <a:defRPr sz="1400" b="1">
+                <a:solidFill>
+                  <a:srgbClr val="000000"/>
+                </a:solidFill>
+                <a:latin typeface="맑은 고딕"/>
+              </a:defRPr>
+            </a:pPr>
+            <a:r>
+              <a:t>자기소개서</a:t>
+            </a:r>
+          </a:p>
+        </p:txBody>
+      </p:sp>
+      <p:sp>
+        <p:nvSpPr>
+          <p:cNvPr id="5" name="TextBox 4"/>
+          <p:cNvSpPr txBox="1"/>
+          <p:nvPr/>
+        </p:nvSpPr>
+        <p:spPr>
+          <a:xfrm>
+            <a:off x="457200" y="1371600"/>
+            <a:ext cx="5486400" cy="457200"/>
+          </a:xfrm>
+          <a:prstGeom prst="rect">
+            <a:avLst/>
+          </a:prstGeom>
+          <a:noFill/>
+        </p:spPr>
+        <p:txBody>
+          <a:bodyPr wrap="none">
+            <a:spAutoFit/>
+          </a:bodyPr>
+          <a:lstStyle/>
+          <a:p/>
+          <a:p>
+            <a:pPr algn="l">
+              <a:defRPr sz="1100" b="1">
+                <a:solidFill>
+                  <a:srgbClr val="000000"/>
+                </a:solidFill>
+                <a:latin typeface="맑은 고딕"/>
+              </a:defRPr>
+            </a:pPr>
+            <a:r>
+              <a:t>adsf</a:t>
+            </a:r>
+          </a:p>
+        </p:txBody>
+      </p:sp>
+      <p:sp>
+        <p:nvSpPr>
+          <p:cNvPr id="6" name="Rectangle 5"/>
+          <p:cNvSpPr/>
+          <p:nvPr/>
+        </p:nvSpPr>
+        <p:spPr>
+          <a:xfrm>
+            <a:off x="457200" y="1508760"/>
+            <a:ext cx="8229600" cy="18288"/>
+          </a:xfrm>
+          <a:prstGeom prst="rect">
+            <a:avLst/>
+          </a:prstGeom>
+          <a:solidFill>
+            <a:srgbClr val="C8C8C8"/>
+          </a:solidFill>
+          <a:ln>
+            <a:noFill/>
+          </a:ln>
+        </p:spPr>
+        <p:style>
+          <a:lnRef idx="1">
+            <a:schemeClr val="accent1"/>
+          </a:lnRef>
+          <a:fillRef idx="3">
+            <a:schemeClr val="accent1"/>
+          </a:fillRef>
+          <a:effectRef idx="2">
+            <a:schemeClr val="accent1"/>
+          </a:effectRef>
+          <a:fontRef idx="minor">
+            <a:schemeClr val="lt1"/>
+          </a:fontRef>
+        </p:style>
+        <p:txBody>
+          <a:bodyPr rtlCol="0" anchor="ctr"/>
+          <a:lstStyle/>
+          <a:p>
+            <a:pPr algn="ctr"/>
+          </a:p>
+        </p:txBody>
+      </p:sp>
+      <p:sp>
+        <p:nvSpPr>
+          <p:cNvPr id="7" name="TextBox 6"/>
+          <p:cNvSpPr txBox="1"/>
+          <p:nvPr/>
+        </p:nvSpPr>
+        <p:spPr>
+          <a:xfrm>
+            <a:off x="457200" y="1417319"/>
+            <a:ext cx="8229600" cy="2308860"/>
+          </a:xfrm>
+          <a:prstGeom prst="rect">
+            <a:avLst/>
+          </a:prstGeom>
+          <a:noFill/>
+        </p:spPr>
+        <p:txBody>
+          <a:bodyPr wrap="square">
+            <a:spAutoFit/>
+          </a:bodyPr>
+          <a:lstStyle/>
+          <a:p>
+            <a:pPr algn="l"/>
+          </a:p>
+          <a:p>
+            <a:pPr>
+              <a:lnSpc>
+                <a:spcPct val="150000"/>
+              </a:lnSpc>
+              <a:spcBef>
+                <a:spcPts val="1000"/>
+              </a:spcBef>
+              <a:spcAft>
+                <a:spcPts val="1000"/>
+              </a:spcAft>
+            </a:pPr>
+            <a:r>
+              <a:rPr sz="1200">
+                <a:solidFill>
+                  <a:srgbClr val="000000"/>
+                </a:solidFill>
+                <a:latin typeface="맑은 고딕"/>
+              </a:rPr>
+              <a:t>영어라디오방송을 진행하며, 낮은 프로그램 청취율 문제를 해결하고자 했던 경험이 있습니다. 처음에는 청취율 상승을 목표로 프로그램 홍보를 강화하는 데 집중했지만, 홍보만으로는 청취율이 크게 개선되지 않아 원인 </a:t>
+            </a:r>
+            <a:r>
+              <a:rPr u="sng" b="1" sz="1200">
+                <a:solidFill>
+                  <a:srgbClr val="000000"/>
+                </a:solidFill>
+                <a:latin typeface="맑은 고딕"/>
+              </a:rPr>
+              <a:t>(1)파악에 실패했음을 깨달았습니다.청취자들의 요구를 제대로 이해하기 위해, 영어라디오를 듣는 목적을 분석했습니다. 이를 통해</a:t>
+            </a:r>
+            <a:r>
+              <a:rPr sz="1200">
+                <a:solidFill>
+                  <a:srgbClr val="000000"/>
+                </a:solidFill>
+                <a:latin typeface="맑은 고딕"/>
+              </a:rPr>
+              <a:t> 대부분의 청취자들이 영어학습을 위해 라디오를 청취한다는 것을 알게 되었고 따라서 영어학습 콘텐츠를 강화하는 것이 필요하다고 판단했습니다. 그 결과 영어표현을 </a:t>
+            </a:r>
+            <a:r>
+              <a:rPr u="sng" b="1" sz="1200">
+                <a:solidFill>
+                  <a:srgbClr val="000000"/>
+                </a:solidFill>
+                <a:latin typeface="맑은 고딕"/>
+              </a:rPr>
+              <a:t>(2)설명하는 ‘디스 모닝 잉글리시’라는 콘텐츠를 제작해 라디오 프로그램에 추가했고, 콘텐츠를 오디오클립에도 게시하여 청취자들이 반복</a:t>
+            </a:r>
+            <a:r>
+              <a:rPr sz="1200">
+                <a:solidFill>
+                  <a:srgbClr val="000000"/>
+                </a:solidFill>
+                <a:latin typeface="맑은 고딕"/>
+              </a:rPr>
+              <a:t> 청취할 수 있도록 유도했습니다.이 전략을 통해 청취율은 점차 상승하기 시작했고, 오디오클립 구독자 수는 6개월 만에 3,000명에 </a:t>
+            </a:r>
+            <a:r>
+              <a:rPr u="sng" b="1" sz="1200">
+                <a:solidFill>
+                  <a:srgbClr val="000000"/>
+                </a:solidFill>
+                <a:latin typeface="맑은 고딕"/>
+              </a:rPr>
+              <a:t>(3)이르는 큰 성과를 거둘 수 있었습니다. 이 경험을 통해 문제해결을 위해서 근본적 원인 파악과 분석적 접근이 중요하다는</a:t>
+            </a:r>
+            <a:r>
+              <a:rPr sz="1200">
+                <a:solidFill>
+                  <a:srgbClr val="000000"/>
+                </a:solidFill>
+                <a:latin typeface="맑은 고딕"/>
+              </a:rPr>
+              <a:t> 것을 알 수 있었습니다.</a:t>
+            </a:r>
+          </a:p>
+        </p:txBody>
+      </p:sp>
+      <p:sp>
+        <p:nvSpPr>
+          <p:cNvPr id="8" name="TextBox 7"/>
+          <p:cNvSpPr txBox="1"/>
+          <p:nvPr/>
+        </p:nvSpPr>
+        <p:spPr>
+          <a:xfrm>
+            <a:off x="457200" y="4457700"/>
+            <a:ext cx="5486400" cy="457200"/>
+          </a:xfrm>
+          <a:prstGeom prst="rect">
+            <a:avLst/>
+          </a:prstGeom>
+          <a:noFill/>
+        </p:spPr>
+        <p:txBody>
+          <a:bodyPr wrap="none">
+            <a:spAutoFit/>
+          </a:bodyPr>
+          <a:lstStyle/>
+          <a:p/>
+          <a:p>
+            <a:pPr algn="l">
+              <a:defRPr sz="1400" b="1">
+                <a:solidFill>
+                  <a:srgbClr val="000000"/>
+                </a:solidFill>
+                <a:latin typeface="맑은 고딕"/>
+              </a:defRPr>
+            </a:pPr>
+            <a:r>
+              <a:t>자기소개서 기반 면접 질문 제안</a:t>
+            </a:r>
+          </a:p>
+        </p:txBody>
+      </p:sp>
+      <p:sp>
+        <p:nvSpPr>
+          <p:cNvPr id="9" name="Rectangle 8"/>
+          <p:cNvSpPr/>
+          <p:nvPr/>
+        </p:nvSpPr>
+        <p:spPr>
+          <a:xfrm>
+            <a:off x="457200" y="5052060"/>
+            <a:ext cx="8229600" cy="18288"/>
+          </a:xfrm>
+          <a:prstGeom prst="rect">
+            <a:avLst/>
+          </a:prstGeom>
+          <a:solidFill>
+            <a:srgbClr val="C8C8C8"/>
+          </a:solidFill>
+          <a:ln>
+            <a:noFill/>
+          </a:ln>
+        </p:spPr>
+        <p:style>
+          <a:lnRef idx="1">
+            <a:schemeClr val="accent1"/>
+          </a:lnRef>
+          <a:fillRef idx="3">
+            <a:schemeClr val="accent1"/>
+          </a:fillRef>
+          <a:effectRef idx="2">
+            <a:schemeClr val="accent1"/>
+          </a:effectRef>
+          <a:fontRef idx="minor">
+            <a:schemeClr val="lt1"/>
+          </a:fontRef>
+        </p:style>
+        <p:txBody>
+          <a:bodyPr rtlCol="0" anchor="ctr"/>
+          <a:lstStyle/>
+          <a:p>
+            <a:pPr algn="ctr"/>
+          </a:p>
+        </p:txBody>
+      </p:sp>
+      <p:sp>
+        <p:nvSpPr>
+          <p:cNvPr id="10" name="Rectangle 9"/>
+          <p:cNvSpPr/>
+          <p:nvPr/>
+        </p:nvSpPr>
+        <p:spPr>
+          <a:xfrm>
+            <a:off x="457200" y="5372100"/>
+            <a:ext cx="8229600" cy="1371600"/>
+          </a:xfrm>
+          <a:prstGeom prst="rect">
+            <a:avLst/>
+          </a:prstGeom>
+          <a:solidFill>
+            <a:srgbClr val="F5F5F5"/>
+          </a:solidFill>
+          <a:ln>
+            <a:solidFill>
+              <a:srgbClr val="B4B4B4"/>
+            </a:solidFill>
+          </a:ln>
+        </p:spPr>
+        <p:style>
+          <a:lnRef idx="1">
+            <a:schemeClr val="accent1"/>
+          </a:lnRef>
+          <a:fillRef idx="3">
+            <a:schemeClr val="accent1"/>
+          </a:fillRef>
+          <a:effectRef idx="2">
+            <a:schemeClr val="accent1"/>
+          </a:effectRef>
+          <a:fontRef idx="minor">
+            <a:schemeClr val="lt1"/>
+          </a:fontRef>
+        </p:style>
+        <p:txBody>
+          <a:bodyPr rtlCol="0" anchor="ctr" wrap="square"/>
+          <a:lstStyle/>
+          <a:p>
+            <a:pPr algn="l"/>
+          </a:p>
+          <a:p>
+            <a:pPr>
+              <a:lnSpc>
+                <a:spcPct val="150000"/>
+              </a:lnSpc>
+              <a:spcBef>
+                <a:spcPts val="1000"/>
+              </a:spcBef>
+              <a:spcAft>
+                <a:spcPts val="1000"/>
+              </a:spcAft>
+              <a:defRPr sz="1200" b="1">
+                <a:solidFill>
+                  <a:srgbClr val="000000"/>
+                </a:solidFill>
+                <a:latin typeface="맑은 고딕"/>
+              </a:defRPr>
+            </a:pPr>
+            <a:r>
+              <a:t>(1) 영어라디오방송에서 청취자 요구를 파악하기 위해 어떤 분석 방법을 사용했나요?</a:t>
+            </a:r>
+            <a:br/>
+            <a:r>
+              <a:t>(2) ‘디스 모닝 잉글리시’ 콘텐츠가 청취율에 미친 영향은 무엇이었나요?</a:t>
+            </a:r>
+            <a:br/>
+            <a:r>
+              <a:t>(3) 문제해결을 위한 근본적 원인 파악 과정에서 얻은 중요한 통찰은 무엇이 있었나요?</a:t>
+            </a:r>
+          </a:p>
+        </p:txBody>
+      </p:sp>
+    </p:spTree>
+  </p:cSld>
+  <p:clrMapOvr>
+    <a:masterClrMapping/>
+  </p:clrMapOvr>
+</p:sld>
+</file>
+
+<file path=ppt/slides/slide8.xml><?xml version="1.0" encoding="utf-8"?>
+<p:sld xmlns:a="http://schemas.openxmlformats.org/drawingml/2006/main" xmlns:p="http://schemas.openxmlformats.org/presentationml/2006/main" xmlns:r="http://schemas.openxmlformats.org/officeDocument/2006/relationships">
+  <p:cSld>
+    <p:spTree>
+      <p:nvGrpSpPr>
+        <p:cNvPr id="1" name=""/>
+        <p:cNvGrpSpPr/>
+        <p:nvPr/>
+      </p:nvGrpSpPr>
+      <p:grpSpPr/>
+      <p:sp>
+        <p:nvSpPr>
+          <p:cNvPr id="2" name="Title 1"/>
+          <p:cNvSpPr>
+            <a:spLocks noGrp="1"/>
+          </p:cNvSpPr>
+          <p:nvPr>
+            <p:ph type="title"/>
+          </p:nvPr>
+        </p:nvSpPr>
+        <p:spPr/>
+        <p:txBody>
+          <a:bodyPr/>
+          <a:lstStyle/>
+          <a:p/>
+        </p:txBody>
+      </p:sp>
+      <p:sp>
+        <p:nvSpPr>
+          <p:cNvPr id="3" name="TextBox 2"/>
+          <p:cNvSpPr txBox="1"/>
+          <p:nvPr/>
+        </p:nvSpPr>
+        <p:spPr>
+          <a:xfrm>
+            <a:off x="457200" y="274320"/>
+            <a:ext cx="2743200" cy="457200"/>
+          </a:xfrm>
+          <a:prstGeom prst="rect">
+            <a:avLst/>
+          </a:prstGeom>
+          <a:noFill/>
+        </p:spPr>
+        <p:txBody>
+          <a:bodyPr wrap="none">
+            <a:spAutoFit/>
+          </a:bodyPr>
+          <a:lstStyle/>
+          <a:p/>
+          <a:p>
+            <a:pPr algn="l">
+              <a:defRPr sz="1200" b="1">
+                <a:latin typeface="맑은 고딕"/>
+              </a:defRPr>
+            </a:pPr>
+            <a:r>
+              <a:t>수험번호: nan</a:t>
+            </a:r>
+          </a:p>
+        </p:txBody>
+      </p:sp>
+      <p:sp>
+        <p:nvSpPr>
+          <p:cNvPr id="4" name="TextBox 3"/>
+          <p:cNvSpPr txBox="1"/>
+          <p:nvPr/>
+        </p:nvSpPr>
+        <p:spPr>
+          <a:xfrm>
+            <a:off x="457200" y="914400"/>
+            <a:ext cx="5486400" cy="457200"/>
+          </a:xfrm>
+          <a:prstGeom prst="rect">
+            <a:avLst/>
+          </a:prstGeom>
+          <a:noFill/>
+        </p:spPr>
+        <p:txBody>
+          <a:bodyPr wrap="none">
+            <a:spAutoFit/>
+          </a:bodyPr>
+          <a:lstStyle/>
+          <a:p/>
+          <a:p>
+            <a:pPr algn="l">
+              <a:defRPr sz="1400" b="1">
+                <a:solidFill>
+                  <a:srgbClr val="000000"/>
+                </a:solidFill>
+                <a:latin typeface="맑은 고딕"/>
+              </a:defRPr>
+            </a:pPr>
+            <a:r>
+              <a:t>자기소개서</a:t>
+            </a:r>
+          </a:p>
+        </p:txBody>
+      </p:sp>
+      <p:sp>
+        <p:nvSpPr>
+          <p:cNvPr id="5" name="TextBox 4"/>
+          <p:cNvSpPr txBox="1"/>
+          <p:nvPr/>
+        </p:nvSpPr>
+        <p:spPr>
+          <a:xfrm>
+            <a:off x="457200" y="1371600"/>
+            <a:ext cx="5486400" cy="457200"/>
+          </a:xfrm>
+          <a:prstGeom prst="rect">
+            <a:avLst/>
+          </a:prstGeom>
+          <a:noFill/>
+        </p:spPr>
+        <p:txBody>
+          <a:bodyPr wrap="none">
+            <a:spAutoFit/>
+          </a:bodyPr>
+          <a:lstStyle/>
+          <a:p/>
+          <a:p>
+            <a:pPr algn="l">
+              <a:defRPr sz="1100" b="1">
+                <a:solidFill>
+                  <a:srgbClr val="000000"/>
+                </a:solidFill>
+                <a:latin typeface="맑은 고딕"/>
+              </a:defRPr>
+            </a:pPr>
+            <a:r>
+              <a:t>afasdfdfsadf</a:t>
+            </a:r>
+          </a:p>
+        </p:txBody>
+      </p:sp>
+      <p:sp>
+        <p:nvSpPr>
+          <p:cNvPr id="6" name="Rectangle 5"/>
+          <p:cNvSpPr/>
+          <p:nvPr/>
+        </p:nvSpPr>
+        <p:spPr>
+          <a:xfrm>
+            <a:off x="457200" y="1508760"/>
+            <a:ext cx="8229600" cy="18288"/>
+          </a:xfrm>
+          <a:prstGeom prst="rect">
+            <a:avLst/>
+          </a:prstGeom>
+          <a:solidFill>
+            <a:srgbClr val="C8C8C8"/>
+          </a:solidFill>
+          <a:ln>
+            <a:noFill/>
+          </a:ln>
+        </p:spPr>
+        <p:style>
+          <a:lnRef idx="1">
+            <a:schemeClr val="accent1"/>
+          </a:lnRef>
+          <a:fillRef idx="3">
+            <a:schemeClr val="accent1"/>
+          </a:fillRef>
+          <a:effectRef idx="2">
+            <a:schemeClr val="accent1"/>
+          </a:effectRef>
+          <a:fontRef idx="minor">
+            <a:schemeClr val="lt1"/>
+          </a:fontRef>
+        </p:style>
+        <p:txBody>
+          <a:bodyPr rtlCol="0" anchor="ctr"/>
+          <a:lstStyle/>
+          <a:p>
+            <a:pPr algn="ctr"/>
+          </a:p>
+        </p:txBody>
+      </p:sp>
+      <p:sp>
+        <p:nvSpPr>
+          <p:cNvPr id="7" name="TextBox 6"/>
+          <p:cNvSpPr txBox="1"/>
+          <p:nvPr/>
+        </p:nvSpPr>
+        <p:spPr>
+          <a:xfrm>
+            <a:off x="457200" y="1417319"/>
+            <a:ext cx="8229600" cy="2281428"/>
+          </a:xfrm>
+          <a:prstGeom prst="rect">
+            <a:avLst/>
+          </a:prstGeom>
+          <a:noFill/>
+        </p:spPr>
+        <p:txBody>
+          <a:bodyPr wrap="square">
+            <a:spAutoFit/>
+          </a:bodyPr>
+          <a:lstStyle/>
+          <a:p>
+            <a:pPr algn="l"/>
+          </a:p>
+          <a:p>
+            <a:pPr>
+              <a:lnSpc>
+                <a:spcPct val="150000"/>
+              </a:lnSpc>
+              <a:spcBef>
+                <a:spcPts val="1000"/>
+              </a:spcBef>
+              <a:spcAft>
+                <a:spcPts val="1000"/>
+              </a:spcAft>
+            </a:pPr>
+            <a:r>
+              <a:rPr sz="1200">
+                <a:solidFill>
+                  <a:srgbClr val="000000"/>
+                </a:solidFill>
+                <a:latin typeface="맑은 고딕"/>
+              </a:rPr>
+              <a:t>aT의 인재상 중 제가 부족하다고 생각하는 부분은 전문인 역량입니다. 공사 근무경험을 통해 농산물 수급 및 수입업무에 대한 실무경험과 전문지식을 쌓았지만, 수출, 유통, 식품산업에 대한 경험과 지식은 부족합니다. 따라서 이러한 편중된 전문성을 극복하고 aT의 전반적인 업무에 </a:t>
+            </a:r>
+            <a:r>
+              <a:rPr u="sng" b="1" sz="1200">
+                <a:solidFill>
+                  <a:srgbClr val="000000"/>
+                </a:solidFill>
+                <a:latin typeface="맑은 고딕"/>
+              </a:rPr>
+              <a:t>(1)대한 이해도를 높이기 위한 노력이 필요하다 생각합니다.우선 aT의 농산물수출사업과 해외시장동향을 심층적으로</a:t>
+            </a:r>
+            <a:r>
+              <a:rPr sz="1200">
+                <a:solidFill>
+                  <a:srgbClr val="000000"/>
+                </a:solidFill>
+                <a:latin typeface="맑은 고딕"/>
+              </a:rPr>
+              <a:t> 파악하여 수출 관련 지식을 보완하고자 합니다. 또 최근 농산물 유통에서 </a:t>
+            </a:r>
+            <a:r>
+              <a:rPr u="sng" b="1" sz="1200">
+                <a:solidFill>
+                  <a:srgbClr val="000000"/>
+                </a:solidFill>
+                <a:latin typeface="맑은 고딕"/>
+              </a:rPr>
+              <a:t>(2)빅데이터와 인공지능 기술의 활용이 확대되고 있는 만큼 이러한 기술들을 적극적으로 학습하여 유통과정의 효율성을 높일</a:t>
+            </a:r>
+            <a:r>
+              <a:rPr sz="1200">
+                <a:solidFill>
+                  <a:srgbClr val="000000"/>
+                </a:solidFill>
+                <a:latin typeface="맑은 고딕"/>
+              </a:rPr>
+              <a:t> 수 있는 방안을 모색하겠습니다. 더불어 한류의 </a:t>
+            </a:r>
+            <a:r>
+              <a:rPr u="sng" b="1" sz="1200">
+                <a:solidFill>
+                  <a:srgbClr val="000000"/>
+                </a:solidFill>
+                <a:latin typeface="맑은 고딕"/>
+              </a:rPr>
+              <a:t>(3)영향으로 빠르게 성장하고 있는 식품산업 트렌드를 분석하고 연구하여 식품분야의 전문지식 또한 갖추겠습니다.이러한 노력으로 수출, 유통, 식품산업의</a:t>
+            </a:r>
+            <a:r>
+              <a:rPr sz="1200">
+                <a:solidFill>
+                  <a:srgbClr val="000000"/>
+                </a:solidFill>
+                <a:latin typeface="맑은 고딕"/>
+              </a:rPr>
+              <a:t> 전문성을 균형 있게 키움으로써, aT의 모든 업무를 아우르는 전문가로 성장해 공사의 목표 달성에 기여해 나가겠습니다.</a:t>
+            </a:r>
+          </a:p>
+        </p:txBody>
+      </p:sp>
+      <p:sp>
+        <p:nvSpPr>
+          <p:cNvPr id="8" name="TextBox 7"/>
+          <p:cNvSpPr txBox="1"/>
+          <p:nvPr/>
+        </p:nvSpPr>
+        <p:spPr>
+          <a:xfrm>
+            <a:off x="457200" y="4430268"/>
+            <a:ext cx="5486400" cy="457200"/>
+          </a:xfrm>
+          <a:prstGeom prst="rect">
+            <a:avLst/>
+          </a:prstGeom>
+          <a:noFill/>
+        </p:spPr>
+        <p:txBody>
+          <a:bodyPr wrap="none">
+            <a:spAutoFit/>
+          </a:bodyPr>
+          <a:lstStyle/>
+          <a:p/>
+          <a:p>
+            <a:pPr algn="l">
+              <a:defRPr sz="1400" b="1">
+                <a:solidFill>
+                  <a:srgbClr val="000000"/>
+                </a:solidFill>
+                <a:latin typeface="맑은 고딕"/>
+              </a:defRPr>
+            </a:pPr>
+            <a:r>
+              <a:t>자기소개서 기반 면접 질문 제안</a:t>
+            </a:r>
+          </a:p>
+        </p:txBody>
+      </p:sp>
+      <p:sp>
+        <p:nvSpPr>
+          <p:cNvPr id="9" name="Rectangle 8"/>
+          <p:cNvSpPr/>
+          <p:nvPr/>
+        </p:nvSpPr>
+        <p:spPr>
+          <a:xfrm>
+            <a:off x="457200" y="5024628"/>
+            <a:ext cx="8229600" cy="18288"/>
+          </a:xfrm>
+          <a:prstGeom prst="rect">
+            <a:avLst/>
+          </a:prstGeom>
+          <a:solidFill>
+            <a:srgbClr val="C8C8C8"/>
+          </a:solidFill>
+          <a:ln>
+            <a:noFill/>
+          </a:ln>
+        </p:spPr>
+        <p:style>
+          <a:lnRef idx="1">
+            <a:schemeClr val="accent1"/>
+          </a:lnRef>
+          <a:fillRef idx="3">
+            <a:schemeClr val="accent1"/>
+          </a:fillRef>
+          <a:effectRef idx="2">
+            <a:schemeClr val="accent1"/>
+          </a:effectRef>
+          <a:fontRef idx="minor">
+            <a:schemeClr val="lt1"/>
+          </a:fontRef>
+        </p:style>
+        <p:txBody>
+          <a:bodyPr rtlCol="0" anchor="ctr"/>
+          <a:lstStyle/>
+          <a:p>
+            <a:pPr algn="ctr"/>
+          </a:p>
+        </p:txBody>
+      </p:sp>
+      <p:sp>
+        <p:nvSpPr>
+          <p:cNvPr id="10" name="Rectangle 9"/>
+          <p:cNvSpPr/>
+          <p:nvPr/>
+        </p:nvSpPr>
+        <p:spPr>
+          <a:xfrm>
+            <a:off x="457200" y="5344668"/>
+            <a:ext cx="8229600" cy="1371600"/>
+          </a:xfrm>
+          <a:prstGeom prst="rect">
+            <a:avLst/>
+          </a:prstGeom>
+          <a:solidFill>
+            <a:srgbClr val="F5F5F5"/>
+          </a:solidFill>
+          <a:ln>
+            <a:solidFill>
+              <a:srgbClr val="B4B4B4"/>
+            </a:solidFill>
+          </a:ln>
+        </p:spPr>
+        <p:style>
+          <a:lnRef idx="1">
+            <a:schemeClr val="accent1"/>
+          </a:lnRef>
+          <a:fillRef idx="3">
+            <a:schemeClr val="accent1"/>
+          </a:fillRef>
+          <a:effectRef idx="2">
+            <a:schemeClr val="accent1"/>
+          </a:effectRef>
+          <a:fontRef idx="minor">
+            <a:schemeClr val="lt1"/>
+          </a:fontRef>
+        </p:style>
+        <p:txBody>
+          <a:bodyPr rtlCol="0" anchor="ctr" wrap="square"/>
+          <a:lstStyle/>
+          <a:p>
+            <a:pPr algn="l"/>
+          </a:p>
+          <a:p>
+            <a:pPr>
+              <a:lnSpc>
+                <a:spcPct val="150000"/>
+              </a:lnSpc>
+              <a:spcBef>
+                <a:spcPts val="1000"/>
+              </a:spcBef>
+              <a:spcAft>
+                <a:spcPts val="1000"/>
+              </a:spcAft>
+              <a:defRPr sz="1200" b="1">
+                <a:solidFill>
+                  <a:srgbClr val="000000"/>
+                </a:solidFill>
+                <a:latin typeface="맑은 고딕"/>
+              </a:defRPr>
+            </a:pPr>
+            <a:r>
+              <a:t>(1) aT의 농산물수출사업 이해도를 높이기 위해 어떤 구체적인 조치를 계획하고 있나요?</a:t>
+            </a:r>
+            <a:br/>
+            <a:r>
+              <a:t>(2) 빅데이터와 인공지능 기술을 활용해 농산물 유통과정을 어떻게 효율화하고자 하나요?</a:t>
+            </a:r>
+            <a:br/>
+            <a:r>
+              <a:t>(3) 식품산업 트렌드를 분석하며 알게 된 가장 중요한 사실은 무엇인가요?</a:t>
+            </a:r>
+          </a:p>
+        </p:txBody>
+      </p:sp>
+    </p:spTree>
+  </p:cSld>
+  <p:clrMapOvr>
+    <a:masterClrMapping/>
+  </p:clrMapOvr>
+</p:sld>
+</file>
+
+<file path=ppt/slides/slide9.xml><?xml version="1.0" encoding="utf-8"?>
+<p:sld xmlns:a="http://schemas.openxmlformats.org/drawingml/2006/main" xmlns:p="http://schemas.openxmlformats.org/presentationml/2006/main" xmlns:r="http://schemas.openxmlformats.org/officeDocument/2006/relationships">
+  <p:cSld>
+    <p:spTree>
+      <p:nvGrpSpPr>
+        <p:cNvPr id="1" name=""/>
+        <p:cNvGrpSpPr/>
+        <p:nvPr/>
+      </p:nvGrpSpPr>
+      <p:grpSpPr/>
+      <p:sp>
+        <p:nvSpPr>
+          <p:cNvPr id="2" name="Title 1"/>
+          <p:cNvSpPr>
+            <a:spLocks noGrp="1"/>
+          </p:cNvSpPr>
+          <p:nvPr>
+            <p:ph type="title"/>
+          </p:nvPr>
+        </p:nvSpPr>
+        <p:spPr/>
+        <p:txBody>
+          <a:bodyPr/>
+          <a:lstStyle/>
+          <a:p/>
+        </p:txBody>
+      </p:sp>
+      <p:sp>
+        <p:nvSpPr>
+          <p:cNvPr id="3" name="TextBox 2"/>
+          <p:cNvSpPr txBox="1"/>
+          <p:nvPr/>
+        </p:nvSpPr>
+        <p:spPr>
+          <a:xfrm>
+            <a:off x="457200" y="274320"/>
+            <a:ext cx="2743200" cy="457200"/>
+          </a:xfrm>
+          <a:prstGeom prst="rect">
+            <a:avLst/>
+          </a:prstGeom>
+          <a:noFill/>
+        </p:spPr>
+        <p:txBody>
+          <a:bodyPr wrap="none">
+            <a:spAutoFit/>
+          </a:bodyPr>
+          <a:lstStyle/>
+          <a:p/>
+          <a:p>
+            <a:pPr algn="l">
+              <a:defRPr sz="1200" b="1">
+                <a:latin typeface="맑은 고딕"/>
+              </a:defRPr>
+            </a:pPr>
+            <a:r>
+              <a:t>수험번호: C0100003</a:t>
+            </a:r>
+          </a:p>
+        </p:txBody>
+      </p:sp>
+      <p:sp>
+        <p:nvSpPr>
+          <p:cNvPr id="4" name="TextBox 3"/>
+          <p:cNvSpPr txBox="1"/>
+          <p:nvPr/>
+        </p:nvSpPr>
+        <p:spPr>
+          <a:xfrm>
+            <a:off x="457200" y="914400"/>
+            <a:ext cx="5486400" cy="457200"/>
+          </a:xfrm>
+          <a:prstGeom prst="rect">
+            <a:avLst/>
+          </a:prstGeom>
+          <a:noFill/>
+        </p:spPr>
+        <p:txBody>
+          <a:bodyPr wrap="none">
+            <a:spAutoFit/>
+          </a:bodyPr>
+          <a:lstStyle/>
+          <a:p/>
+          <a:p>
+            <a:pPr algn="l">
+              <a:defRPr sz="1400" b="1">
+                <a:solidFill>
+                  <a:srgbClr val="000000"/>
+                </a:solidFill>
+                <a:latin typeface="맑은 고딕"/>
+              </a:defRPr>
+            </a:pPr>
+            <a:r>
+              <a:t>자기소개서</a:t>
+            </a:r>
+          </a:p>
+        </p:txBody>
+      </p:sp>
+      <p:sp>
+        <p:nvSpPr>
+          <p:cNvPr id="5" name="TextBox 4"/>
+          <p:cNvSpPr txBox="1"/>
+          <p:nvPr/>
+        </p:nvSpPr>
+        <p:spPr>
+          <a:xfrm>
+            <a:off x="457200" y="1371600"/>
+            <a:ext cx="5486400" cy="457200"/>
+          </a:xfrm>
+          <a:prstGeom prst="rect">
+            <a:avLst/>
+          </a:prstGeom>
+          <a:noFill/>
+        </p:spPr>
+        <p:txBody>
+          <a:bodyPr wrap="none">
+            <a:spAutoFit/>
+          </a:bodyPr>
+          <a:lstStyle/>
+          <a:p/>
+          <a:p>
+            <a:pPr algn="l">
+              <a:defRPr sz="1100" b="1">
+                <a:solidFill>
+                  <a:srgbClr val="000000"/>
+                </a:solidFill>
+                <a:latin typeface="맑은 고딕"/>
+              </a:defRPr>
+            </a:pPr>
+            <a:r>
+              <a:t>asdfadf</a:t>
+            </a:r>
+          </a:p>
+        </p:txBody>
+      </p:sp>
+      <p:sp>
+        <p:nvSpPr>
+          <p:cNvPr id="6" name="Rectangle 5"/>
+          <p:cNvSpPr/>
+          <p:nvPr/>
+        </p:nvSpPr>
+        <p:spPr>
+          <a:xfrm>
+            <a:off x="457200" y="1508760"/>
+            <a:ext cx="8229600" cy="18288"/>
+          </a:xfrm>
+          <a:prstGeom prst="rect">
+            <a:avLst/>
+          </a:prstGeom>
+          <a:solidFill>
+            <a:srgbClr val="C8C8C8"/>
+          </a:solidFill>
+          <a:ln>
+            <a:noFill/>
+          </a:ln>
+        </p:spPr>
+        <p:style>
+          <a:lnRef idx="1">
+            <a:schemeClr val="accent1"/>
+          </a:lnRef>
+          <a:fillRef idx="3">
+            <a:schemeClr val="accent1"/>
+          </a:fillRef>
+          <a:effectRef idx="2">
+            <a:schemeClr val="accent1"/>
+          </a:effectRef>
+          <a:fontRef idx="minor">
+            <a:schemeClr val="lt1"/>
+          </a:fontRef>
+        </p:style>
+        <p:txBody>
+          <a:bodyPr rtlCol="0" anchor="ctr"/>
+          <a:lstStyle/>
+          <a:p>
+            <a:pPr algn="ctr"/>
+          </a:p>
+        </p:txBody>
+      </p:sp>
+      <p:sp>
+        <p:nvSpPr>
+          <p:cNvPr id="7" name="TextBox 6"/>
+          <p:cNvSpPr txBox="1"/>
+          <p:nvPr/>
+        </p:nvSpPr>
+        <p:spPr>
+          <a:xfrm>
+            <a:off x="457200" y="1417319"/>
+            <a:ext cx="8229600" cy="2286000"/>
+          </a:xfrm>
+          <a:prstGeom prst="rect">
+            <a:avLst/>
+          </a:prstGeom>
+          <a:noFill/>
+        </p:spPr>
+        <p:txBody>
+          <a:bodyPr wrap="square">
+            <a:spAutoFit/>
+          </a:bodyPr>
+          <a:lstStyle/>
+          <a:p>
+            <a:pPr algn="l"/>
+          </a:p>
+          <a:p>
+            <a:pPr>
+              <a:lnSpc>
+                <a:spcPct val="150000"/>
+              </a:lnSpc>
+              <a:spcBef>
+                <a:spcPts val="1000"/>
+              </a:spcBef>
+              <a:spcAft>
+                <a:spcPts val="1000"/>
+              </a:spcAft>
+            </a:pPr>
+            <a:r>
+              <a:rPr sz="1200">
+                <a:solidFill>
+                  <a:srgbClr val="000000"/>
+                </a:solidFill>
+                <a:latin typeface="맑은 고딕"/>
+              </a:rPr>
+              <a:t>공사 인턴으로 근무하며, 조직 경영 실적 평가와 내부 성과관리에 관한 업무를 </a:t>
+            </a:r>
+            <a:r>
+              <a:rPr u="sng" b="1" sz="1200">
+                <a:solidFill>
+                  <a:srgbClr val="000000"/>
+                </a:solidFill>
+                <a:latin typeface="맑은 고딕"/>
+              </a:rPr>
+              <a:t>(1)경험하고 행정 업무역량을 쌓았습니다. 이 과정에서, 학창 시절 배운 경영 전략</a:t>
+            </a:r>
+            <a:r>
+              <a:rPr sz="1200">
+                <a:solidFill>
+                  <a:srgbClr val="000000"/>
+                </a:solidFill>
+                <a:latin typeface="맑은 고딕"/>
+              </a:rPr>
+              <a:t> 이론들을 실무에 적용하며 전반적인 성과관리 시스템을 파악할 수 있었습니다. 또한, 동종업계의 경영 평가 보고서를 엑셀에 취합하고, 30개가 </a:t>
+            </a:r>
+            <a:r>
+              <a:rPr u="sng" b="1" sz="1200">
+                <a:solidFill>
+                  <a:srgbClr val="000000"/>
+                </a:solidFill>
+                <a:latin typeface="맑은 고딕"/>
+              </a:rPr>
+              <a:t>(2)넘는 부서의 성과지표 보고서를 정확하게 관리하여, 기업 간 성과</a:t>
+            </a:r>
+            <a:r>
+              <a:rPr sz="1200">
+                <a:solidFill>
+                  <a:srgbClr val="000000"/>
+                </a:solidFill>
+                <a:latin typeface="맑은 고딕"/>
+              </a:rPr>
+              <a:t> 비교를 효율적으로 할 수 있도록 지원하였고, 데이터를 바탕으로 기업 간 강약점 분석 역량을 키울 수 있었습니다. 또한, 재단 인턴 당시 외국인 내방객들을 </a:t>
+            </a:r>
+            <a:r>
+              <a:rPr u="sng" b="1" sz="1200">
+                <a:solidFill>
+                  <a:srgbClr val="000000"/>
+                </a:solidFill>
+                <a:latin typeface="맑은 고딕"/>
+              </a:rPr>
+              <a:t>(3)응대하며 영어, 중국어, 일본어 의사소통 능력 및 홍보물 경험을 쌓았습니다.이를 바탕으로 해외</a:t>
+            </a:r>
+            <a:r>
+              <a:rPr sz="1200">
+                <a:solidFill>
+                  <a:srgbClr val="000000"/>
+                </a:solidFill>
+                <a:latin typeface="맑은 고딕"/>
+              </a:rPr>
+              <a:t> 시장에서 한국 농수산식품의 우수성과 경쟁력을 효과적으로 홍보하고, 국제 무대에서 해외의 수요기업에 알리기 위한 지속적인 소통에 기여할 수 있을 것입니다. 해외 기업과의 전략적 협력관계를 통해 한국농수산식품유통공사가 글로벌 농수산 강국으로 자리매김하는 데 이바지하겠습니다.</a:t>
+            </a:r>
+          </a:p>
+        </p:txBody>
+      </p:sp>
+      <p:sp>
+        <p:nvSpPr>
+          <p:cNvPr id="8" name="TextBox 7"/>
+          <p:cNvSpPr txBox="1"/>
+          <p:nvPr/>
+        </p:nvSpPr>
+        <p:spPr>
+          <a:xfrm>
+            <a:off x="457200" y="4434840"/>
+            <a:ext cx="5486400" cy="457200"/>
+          </a:xfrm>
+          <a:prstGeom prst="rect">
+            <a:avLst/>
+          </a:prstGeom>
+          <a:noFill/>
+        </p:spPr>
+        <p:txBody>
+          <a:bodyPr wrap="none">
+            <a:spAutoFit/>
+          </a:bodyPr>
+          <a:lstStyle/>
+          <a:p/>
+          <a:p>
+            <a:pPr algn="l">
+              <a:defRPr sz="1400" b="1">
+                <a:solidFill>
+                  <a:srgbClr val="000000"/>
+                </a:solidFill>
+                <a:latin typeface="맑은 고딕"/>
+              </a:defRPr>
+            </a:pPr>
+            <a:r>
+              <a:t>자기소개서 기반 면접 질문 제안</a:t>
+            </a:r>
+          </a:p>
+        </p:txBody>
+      </p:sp>
+      <p:sp>
+        <p:nvSpPr>
+          <p:cNvPr id="9" name="Rectangle 8"/>
+          <p:cNvSpPr/>
+          <p:nvPr/>
+        </p:nvSpPr>
+        <p:spPr>
+          <a:xfrm>
+            <a:off x="457200" y="5029200"/>
+            <a:ext cx="8229600" cy="18288"/>
+          </a:xfrm>
+          <a:prstGeom prst="rect">
+            <a:avLst/>
+          </a:prstGeom>
+          <a:solidFill>
+            <a:srgbClr val="C8C8C8"/>
+          </a:solidFill>
+          <a:ln>
+            <a:noFill/>
+          </a:ln>
+        </p:spPr>
+        <p:style>
+          <a:lnRef idx="1">
+            <a:schemeClr val="accent1"/>
+          </a:lnRef>
+          <a:fillRef idx="3">
+            <a:schemeClr val="accent1"/>
+          </a:fillRef>
+          <a:effectRef idx="2">
+            <a:schemeClr val="accent1"/>
+          </a:effectRef>
+          <a:fontRef idx="minor">
+            <a:schemeClr val="lt1"/>
+          </a:fontRef>
+        </p:style>
+        <p:txBody>
+          <a:bodyPr rtlCol="0" anchor="ctr"/>
+          <a:lstStyle/>
+          <a:p>
+            <a:pPr algn="ctr"/>
+          </a:p>
+        </p:txBody>
+      </p:sp>
+      <p:sp>
+        <p:nvSpPr>
+          <p:cNvPr id="10" name="Rectangle 9"/>
+          <p:cNvSpPr/>
+          <p:nvPr/>
+        </p:nvSpPr>
+        <p:spPr>
+          <a:xfrm>
+            <a:off x="457200" y="5349240"/>
+            <a:ext cx="8229600" cy="1371600"/>
+          </a:xfrm>
+          <a:prstGeom prst="rect">
+            <a:avLst/>
+          </a:prstGeom>
+          <a:solidFill>
+            <a:srgbClr val="F5F5F5"/>
+          </a:solidFill>
+          <a:ln>
+            <a:solidFill>
+              <a:srgbClr val="B4B4B4"/>
+            </a:solidFill>
+          </a:ln>
+        </p:spPr>
+        <p:style>
+          <a:lnRef idx="1">
+            <a:schemeClr val="accent1"/>
+          </a:lnRef>
+          <a:fillRef idx="3">
+            <a:schemeClr val="accent1"/>
+          </a:fillRef>
+          <a:effectRef idx="2">
+            <a:schemeClr val="accent1"/>
+          </a:effectRef>
+          <a:fontRef idx="minor">
+            <a:schemeClr val="lt1"/>
+          </a:fontRef>
+        </p:style>
+        <p:txBody>
+          <a:bodyPr rtlCol="0" anchor="ctr" wrap="square"/>
+          <a:lstStyle/>
+          <a:p>
+            <a:pPr algn="l"/>
+          </a:p>
+          <a:p>
+            <a:pPr>
+              <a:lnSpc>
+                <a:spcPct val="150000"/>
+              </a:lnSpc>
+              <a:spcBef>
+                <a:spcPts val="1000"/>
+              </a:spcBef>
+              <a:spcAft>
+                <a:spcPts val="1000"/>
+              </a:spcAft>
+              <a:defRPr sz="1200" b="1">
+                <a:solidFill>
+                  <a:srgbClr val="000000"/>
+                </a:solidFill>
+                <a:latin typeface="맑은 고딕"/>
+              </a:defRPr>
+            </a:pPr>
+            <a:r>
+              <a:t>(1) 경영 전략 이론을 실무에 어떻게 적용했나요?</a:t>
+            </a:r>
+            <a:br/>
+            <a:r>
+              <a:t>(2) 기업 간 성과 비교를 어떻게 효율적으로 지원했습니까?</a:t>
+            </a:r>
+            <a:br/>
+            <a:r>
+              <a:t>(3) 외국인 내방객을 응대하며 의사소통 능력을 어떻게 키웠나요?</a:t>
             </a:r>
           </a:p>
         </p:txBody>

--- a/flask-server/outputs/output.pptx
+++ b/flask-server/outputs/output.pptx
@@ -10,7 +10,7 @@
     <p:sldId id="258" r:id="rId9"/>
     <p:sldId id="259" r:id="rId10"/>
   </p:sldIdLst>
-  <p:sldSz cx="9144000" cy="6858000" type="screen4x3"/>
+  <p:sldSz cx="7560000" cy="10692000" type="screen4x3"/>
   <p:notesSz cx="6858000" cy="9144000"/>
   <p:defaultTextStyle>
     <a:defPPr>
@@ -3116,7 +3116,7 @@
         </p:nvSpPr>
         <p:spPr>
           <a:xfrm>
-            <a:off x="457200" y="274320"/>
+            <a:off x="457200" y="457200"/>
             <a:ext cx="2743200" cy="457200"/>
           </a:xfrm>
           <a:prstGeom prst="rect">
@@ -3131,13 +3131,31 @@
           <a:lstStyle/>
           <a:p/>
           <a:p>
-            <a:pPr algn="l">
-              <a:defRPr sz="1200" b="1">
+            <a:pPr algn="l"/>
+            <a:r>
+              <a:rPr b="1" sz="1000">
                 <a:latin typeface="맑은 고딕"/>
-              </a:defRPr>
-            </a:pPr>
-            <a:r>
-              <a:t>수험번호: C0100001</a:t>
+              </a:rPr>
+              <a:t>수험번호 : </a:t>
+            </a:r>
+            <a:r>
+              <a:rPr b="0" sz="1000">
+                <a:latin typeface="맑은 고딕"/>
+              </a:rPr>
+              <a:t>C0100001
+</a:t>
+            </a:r>
+            <a:r>
+              <a:rPr b="1" sz="1000">
+                <a:latin typeface="맑은 고딕"/>
+              </a:rPr>
+              <a:t>지원분야 : </a:t>
+            </a:r>
+            <a:r>
+              <a:rPr b="0" sz="1000">
+                <a:latin typeface="맑은 고딕"/>
+              </a:rPr>
+              <a:t>전산업무 지원직</a:t>
             </a:r>
           </a:p>
         </p:txBody>
@@ -3150,8 +3168,8 @@
         </p:nvSpPr>
         <p:spPr>
           <a:xfrm>
-            <a:off x="457200" y="914400"/>
-            <a:ext cx="5486400" cy="457200"/>
+            <a:off x="457200" y="1097280"/>
+            <a:ext cx="6858000" cy="457200"/>
           </a:xfrm>
           <a:prstGeom prst="rect">
             <a:avLst/>
@@ -3187,8 +3205,8 @@
         </p:nvSpPr>
         <p:spPr>
           <a:xfrm>
-            <a:off x="457200" y="1371600"/>
-            <a:ext cx="5486400" cy="457200"/>
+            <a:off x="457200" y="1554480"/>
+            <a:ext cx="6858000" cy="457200"/>
           </a:xfrm>
           <a:prstGeom prst="rect">
             <a:avLst/>
@@ -3196,14 +3214,14 @@
           <a:noFill/>
         </p:spPr>
         <p:txBody>
-          <a:bodyPr wrap="none">
+          <a:bodyPr wrap="square">
             <a:spAutoFit/>
           </a:bodyPr>
           <a:lstStyle/>
           <a:p/>
           <a:p>
             <a:pPr algn="l">
-              <a:defRPr sz="1100" b="1">
+              <a:defRPr sz="1000" b="0">
                 <a:solidFill>
                   <a:srgbClr val="000000"/>
                 </a:solidFill>
@@ -3211,7 +3229,7 @@
               </a:defRPr>
             </a:pPr>
             <a:r>
-              <a:t>1</a:t>
+              <a:t>질문 : ㅁㄴㄹㄴㅁㄹㄴㅁㅇㄹㅇㄹㄴㄹㄴㅁㅇㄻㄴㅇㄹㄴㅁㅇㄹㄴㅁㅇㄹㄴㅁㅇㄹㄴㅁㅇㄻㄴㅇㄻㄴㅇㄹㄴㅁㅇㄻㄻㄴㄹㄴㅁㅇㄻㅇㄻㄴㅇㄹㄴㅁㅇㄹ</a:t>
             </a:r>
           </a:p>
         </p:txBody>
@@ -3224,8 +3242,8 @@
         </p:nvSpPr>
         <p:spPr>
           <a:xfrm>
-            <a:off x="457200" y="1508760"/>
-            <a:ext cx="8229600" cy="18288"/>
+            <a:off x="457200" y="1691639"/>
+            <a:ext cx="6858000" cy="18288"/>
           </a:xfrm>
           <a:prstGeom prst="rect">
             <a:avLst/>
@@ -3267,8 +3285,8 @@
         </p:nvSpPr>
         <p:spPr>
           <a:xfrm>
-            <a:off x="457200" y="1417319"/>
-            <a:ext cx="8229600" cy="2281428"/>
+            <a:off x="457200" y="1600199"/>
+            <a:ext cx="6858000" cy="1828800"/>
           </a:xfrm>
           <a:prstGeom prst="rect">
             <a:avLst/>
@@ -3280,9 +3298,7 @@
             <a:spAutoFit/>
           </a:bodyPr>
           <a:lstStyle/>
-          <a:p>
-            <a:pPr algn="l"/>
-          </a:p>
+          <a:p/>
           <a:p>
             <a:pPr>
               <a:lnSpc>
@@ -3320,7 +3336,8 @@
                 </a:solidFill>
                 <a:latin typeface="맑은 고딕"/>
               </a:rPr>
-              <a:t> 아이디어를 구상했습니다. 제조 중소기업과 친환경 패키지 중소기업을 연결하여 상생협력 구축 체계를 만들고, 해외 진출을 도울 수 있는 아이디어를 제시했습니다. 아이디어는 구체적이고 실천 가능성이 높다는 피드백을 받으며 대상을 수상했습니다.저는 니즈 파악부터 개선 방안 기획까지의 과정에서 ‘분석적 사고’라는 직무 역량을 만들었습니다. 앞으로도 창의성을 바탕으로 개선 방안을 제시하고, 기업과 국민의 행복을 더하는 직원이 되겠습니다.</a:t>
+              <a:t> 아이디어를 구상했습니다. 제조 중소기업과 친환경 패키지 중소기업을 연결하여 상생협력 구축 체계를 만들고, 해외 진출을 도울 수 있는 아이디어를 제시했습니다. 아이디어는 구체적이고 실천 가능성이 높다는 피드백을 받으며 대상을 수상했습니다.저는 니즈 파악부터 개선 방안 기획까지의 과정에서 ‘분석적 사고’라는 직무 역량을 만들었습니다. 앞으로도 창의성을 바탕으로 개선 방안을 제시하고, 기업과 국민의 행복을 더하는 직원이 되겠습니다.
+[트렌드를 반영한 아이디어로 만든 분석적 사고]현재 전 세계적으로 친환경 제품 소비를 추구하는 소비자가 증가하고 있으며, ESG 수출 장벽이 강화되는 추세입니다. 하지만 중소기업은 ESG 경영 (1)전환에 애로사항이 있다는 보고서를 읽었고, 저는 중소벤처기업의 글로벌 경쟁력 강화에 도움이 되고자 정책 아이디어 공모전에 (2)출전했습니다.중소기업이 ESG 경영에 있어 가장 필요하지만 어려운 점이 ‘친환경 패키지’라는 것을 파악해 ‘친환경 패키지 바우처 지원’의 아이디어를 구상했습니다. 제조 중소기업과 친환경 패키지 중소기업을 연결하여 상생협력 구축 체계를 만들고, 해외 진출을 도울 수 있는 아이디어를 제시했습니다. 아이디어는 구체적이고 실천 가능성이 높다는 피드백을 받으며 대상을 수상했습니다.저는 니즈 파악부터 개선 방안 기획까지의 과정에서 ‘분석적 사고’라는 직무 역량을 만들었습니다. 앞으로도 창의성을 바탕으로 개선 방안을 제시하고, 기업과 국민의 행복을 더하는 직원이 되겠습니다.</a:t>
             </a:r>
           </a:p>
         </p:txBody>
@@ -3333,8 +3350,8 @@
         </p:nvSpPr>
         <p:spPr>
           <a:xfrm>
-            <a:off x="457200" y="4430268"/>
-            <a:ext cx="5486400" cy="457200"/>
+            <a:off x="457200" y="9459468"/>
+            <a:ext cx="6858000" cy="457200"/>
           </a:xfrm>
           <a:prstGeom prst="rect">
             <a:avLst/>
@@ -3370,8 +3387,8 @@
         </p:nvSpPr>
         <p:spPr>
           <a:xfrm>
-            <a:off x="457200" y="5024628"/>
-            <a:ext cx="8229600" cy="18288"/>
+            <a:off x="457200" y="10053828"/>
+            <a:ext cx="6858000" cy="18288"/>
           </a:xfrm>
           <a:prstGeom prst="rect">
             <a:avLst/>
@@ -3413,8 +3430,8 @@
         </p:nvSpPr>
         <p:spPr>
           <a:xfrm>
-            <a:off x="457200" y="5344668"/>
-            <a:ext cx="8229600" cy="1371600"/>
+            <a:off x="457200" y="10373868"/>
+            <a:ext cx="6858000" cy="1371600"/>
           </a:xfrm>
           <a:prstGeom prst="rect">
             <a:avLst/>
@@ -3443,10 +3460,10 @@
           </a:fontRef>
         </p:style>
         <p:txBody>
-          <a:bodyPr rtlCol="0" anchor="ctr" wrap="square"/>
-          <a:lstStyle/>
-          <a:p>
-            <a:pPr algn="l"/>
+          <a:bodyPr rtlCol="0" anchor="ctr"/>
+          <a:lstStyle/>
+          <a:p>
+            <a:pPr algn="ctr"/>
           </a:p>
           <a:p>
             <a:pPr>
@@ -3519,7 +3536,7 @@
         </p:nvSpPr>
         <p:spPr>
           <a:xfrm>
-            <a:off x="457200" y="274320"/>
+            <a:off x="457200" y="457200"/>
             <a:ext cx="2743200" cy="457200"/>
           </a:xfrm>
           <a:prstGeom prst="rect">
@@ -3534,13 +3551,31 @@
           <a:lstStyle/>
           <a:p/>
           <a:p>
-            <a:pPr algn="l">
-              <a:defRPr sz="1200" b="1">
+            <a:pPr algn="l"/>
+            <a:r>
+              <a:rPr b="1" sz="1000">
                 <a:latin typeface="맑은 고딕"/>
-              </a:defRPr>
-            </a:pPr>
-            <a:r>
-              <a:t>수험번호: C0100001</a:t>
+              </a:rPr>
+              <a:t>수험번호 : </a:t>
+            </a:r>
+            <a:r>
+              <a:rPr b="0" sz="1000">
+                <a:latin typeface="맑은 고딕"/>
+              </a:rPr>
+              <a:t>C0100001
+</a:t>
+            </a:r>
+            <a:r>
+              <a:rPr b="1" sz="1000">
+                <a:latin typeface="맑은 고딕"/>
+              </a:rPr>
+              <a:t>지원분야 : </a:t>
+            </a:r>
+            <a:r>
+              <a:rPr b="0" sz="1000">
+                <a:latin typeface="맑은 고딕"/>
+              </a:rPr>
+              <a:t>회계비서</a:t>
             </a:r>
           </a:p>
         </p:txBody>
@@ -3553,8 +3588,8 @@
         </p:nvSpPr>
         <p:spPr>
           <a:xfrm>
-            <a:off x="457200" y="914400"/>
-            <a:ext cx="5486400" cy="457200"/>
+            <a:off x="457200" y="1097280"/>
+            <a:ext cx="6858000" cy="457200"/>
           </a:xfrm>
           <a:prstGeom prst="rect">
             <a:avLst/>
@@ -3590,8 +3625,8 @@
         </p:nvSpPr>
         <p:spPr>
           <a:xfrm>
-            <a:off x="457200" y="1371600"/>
-            <a:ext cx="5486400" cy="457200"/>
+            <a:off x="457200" y="1554480"/>
+            <a:ext cx="6858000" cy="457200"/>
           </a:xfrm>
           <a:prstGeom prst="rect">
             <a:avLst/>
@@ -3599,14 +3634,14 @@
           <a:noFill/>
         </p:spPr>
         <p:txBody>
-          <a:bodyPr wrap="none">
+          <a:bodyPr wrap="square">
             <a:spAutoFit/>
           </a:bodyPr>
           <a:lstStyle/>
           <a:p/>
           <a:p>
             <a:pPr algn="l">
-              <a:defRPr sz="1100" b="1">
+              <a:defRPr sz="1000" b="0">
                 <a:solidFill>
                   <a:srgbClr val="000000"/>
                 </a:solidFill>
@@ -3614,7 +3649,7 @@
               </a:defRPr>
             </a:pPr>
             <a:r>
-              <a:t>2</a:t>
+              <a:t>질문 : d</a:t>
             </a:r>
           </a:p>
         </p:txBody>
@@ -3627,8 +3662,8 @@
         </p:nvSpPr>
         <p:spPr>
           <a:xfrm>
-            <a:off x="457200" y="1508760"/>
-            <a:ext cx="8229600" cy="18288"/>
+            <a:off x="457200" y="1691639"/>
+            <a:ext cx="6858000" cy="18288"/>
           </a:xfrm>
           <a:prstGeom prst="rect">
             <a:avLst/>
@@ -3670,8 +3705,8 @@
         </p:nvSpPr>
         <p:spPr>
           <a:xfrm>
-            <a:off x="457200" y="1417319"/>
-            <a:ext cx="8229600" cy="2281428"/>
+            <a:off x="457200" y="1600199"/>
+            <a:ext cx="6858000" cy="1828800"/>
           </a:xfrm>
           <a:prstGeom prst="rect">
             <a:avLst/>
@@ -3683,9 +3718,7 @@
             <a:spAutoFit/>
           </a:bodyPr>
           <a:lstStyle/>
-          <a:p>
-            <a:pPr algn="l"/>
-          </a:p>
+          <a:p/>
           <a:p>
             <a:pPr>
               <a:lnSpc>
@@ -3754,8 +3787,8 @@
         </p:nvSpPr>
         <p:spPr>
           <a:xfrm>
-            <a:off x="457200" y="4430268"/>
-            <a:ext cx="5486400" cy="457200"/>
+            <a:off x="457200" y="7173468"/>
+            <a:ext cx="6858000" cy="457200"/>
           </a:xfrm>
           <a:prstGeom prst="rect">
             <a:avLst/>
@@ -3791,8 +3824,8 @@
         </p:nvSpPr>
         <p:spPr>
           <a:xfrm>
-            <a:off x="457200" y="5024628"/>
-            <a:ext cx="8229600" cy="18288"/>
+            <a:off x="457200" y="7767828"/>
+            <a:ext cx="6858000" cy="18288"/>
           </a:xfrm>
           <a:prstGeom prst="rect">
             <a:avLst/>
@@ -3834,8 +3867,8 @@
         </p:nvSpPr>
         <p:spPr>
           <a:xfrm>
-            <a:off x="457200" y="5344668"/>
-            <a:ext cx="8229600" cy="1371600"/>
+            <a:off x="457200" y="8087867"/>
+            <a:ext cx="6858000" cy="1371600"/>
           </a:xfrm>
           <a:prstGeom prst="rect">
             <a:avLst/>
@@ -3864,10 +3897,10 @@
           </a:fontRef>
         </p:style>
         <p:txBody>
-          <a:bodyPr rtlCol="0" anchor="ctr" wrap="square"/>
-          <a:lstStyle/>
-          <a:p>
-            <a:pPr algn="l"/>
+          <a:bodyPr rtlCol="0" anchor="ctr"/>
+          <a:lstStyle/>
+          <a:p>
+            <a:pPr algn="ctr"/>
           </a:p>
           <a:p>
             <a:pPr>
@@ -3940,7 +3973,7 @@
         </p:nvSpPr>
         <p:spPr>
           <a:xfrm>
-            <a:off x="457200" y="274320"/>
+            <a:off x="457200" y="457200"/>
             <a:ext cx="2743200" cy="457200"/>
           </a:xfrm>
           <a:prstGeom prst="rect">
@@ -3955,13 +3988,31 @@
           <a:lstStyle/>
           <a:p/>
           <a:p>
-            <a:pPr algn="l">
-              <a:defRPr sz="1200" b="1">
+            <a:pPr algn="l"/>
+            <a:r>
+              <a:rPr b="1" sz="1000">
                 <a:latin typeface="맑은 고딕"/>
-              </a:defRPr>
-            </a:pPr>
-            <a:r>
-              <a:t>수험번호: C0100002</a:t>
+              </a:rPr>
+              <a:t>수험번호 : </a:t>
+            </a:r>
+            <a:r>
+              <a:rPr b="0" sz="1000">
+                <a:latin typeface="맑은 고딕"/>
+              </a:rPr>
+              <a:t>C0100002
+</a:t>
+            </a:r>
+            <a:r>
+              <a:rPr b="1" sz="1000">
+                <a:latin typeface="맑은 고딕"/>
+              </a:rPr>
+              <a:t>지원분야 : </a:t>
+            </a:r>
+            <a:r>
+              <a:rPr b="0" sz="1000">
+                <a:latin typeface="맑은 고딕"/>
+              </a:rPr>
+              <a:t>테스트직업입니다</a:t>
             </a:r>
           </a:p>
         </p:txBody>
@@ -3974,8 +4025,8 @@
         </p:nvSpPr>
         <p:spPr>
           <a:xfrm>
-            <a:off x="457200" y="914400"/>
-            <a:ext cx="5486400" cy="457200"/>
+            <a:off x="457200" y="1097280"/>
+            <a:ext cx="6858000" cy="457200"/>
           </a:xfrm>
           <a:prstGeom prst="rect">
             <a:avLst/>
@@ -4011,8 +4062,8 @@
         </p:nvSpPr>
         <p:spPr>
           <a:xfrm>
-            <a:off x="457200" y="1371600"/>
-            <a:ext cx="5486400" cy="457200"/>
+            <a:off x="457200" y="1554480"/>
+            <a:ext cx="6858000" cy="457200"/>
           </a:xfrm>
           <a:prstGeom prst="rect">
             <a:avLst/>
@@ -4020,14 +4071,14 @@
           <a:noFill/>
         </p:spPr>
         <p:txBody>
-          <a:bodyPr wrap="none">
+          <a:bodyPr wrap="square">
             <a:spAutoFit/>
           </a:bodyPr>
           <a:lstStyle/>
           <a:p/>
           <a:p>
             <a:pPr algn="l">
-              <a:defRPr sz="1100" b="1">
+              <a:defRPr sz="1000" b="0">
                 <a:solidFill>
                   <a:srgbClr val="000000"/>
                 </a:solidFill>
@@ -4035,7 +4086,7 @@
               </a:defRPr>
             </a:pPr>
             <a:r>
-              <a:t>1</a:t>
+              <a:t>질문 : ㅁㄴㄹㄴㅁㄹㄴㅁㅇㄹㅇㄹㄴㄹㄴㅁㅇㄻㄴㅇㄹㄴㅁㅇㄹㄴㅁㅇㄹㄴㅁㅇㄹㄴㅁㅇㄻㄴㅇㄻㄴㅇㄹㄴㅁㅇㄻㄻㄴㄹㄴㅁㅇㄻㅇㄻㄴㅇㄹㄴㅁㅇㄹ</a:t>
             </a:r>
           </a:p>
         </p:txBody>
@@ -4048,8 +4099,8 @@
         </p:nvSpPr>
         <p:spPr>
           <a:xfrm>
-            <a:off x="457200" y="1508760"/>
-            <a:ext cx="8229600" cy="18288"/>
+            <a:off x="457200" y="1691639"/>
+            <a:ext cx="6858000" cy="18288"/>
           </a:xfrm>
           <a:prstGeom prst="rect">
             <a:avLst/>
@@ -4091,8 +4142,8 @@
         </p:nvSpPr>
         <p:spPr>
           <a:xfrm>
-            <a:off x="457200" y="1417319"/>
-            <a:ext cx="8229600" cy="2244852"/>
+            <a:off x="457200" y="1600199"/>
+            <a:ext cx="6858000" cy="1828800"/>
           </a:xfrm>
           <a:prstGeom prst="rect">
             <a:avLst/>
@@ -4104,9 +4155,7 @@
             <a:spAutoFit/>
           </a:bodyPr>
           <a:lstStyle/>
-          <a:p>
-            <a:pPr algn="l"/>
-          </a:p>
+          <a:p/>
           <a:p>
             <a:pPr>
               <a:lnSpc>
@@ -4175,8 +4224,8 @@
         </p:nvSpPr>
         <p:spPr>
           <a:xfrm>
-            <a:off x="457200" y="4393692"/>
-            <a:ext cx="5486400" cy="457200"/>
+            <a:off x="457200" y="7136892"/>
+            <a:ext cx="6858000" cy="457200"/>
           </a:xfrm>
           <a:prstGeom prst="rect">
             <a:avLst/>
@@ -4212,8 +4261,8 @@
         </p:nvSpPr>
         <p:spPr>
           <a:xfrm>
-            <a:off x="457200" y="4988052"/>
-            <a:ext cx="8229600" cy="18288"/>
+            <a:off x="457200" y="7731252"/>
+            <a:ext cx="6858000" cy="18288"/>
           </a:xfrm>
           <a:prstGeom prst="rect">
             <a:avLst/>
@@ -4255,8 +4304,8 @@
         </p:nvSpPr>
         <p:spPr>
           <a:xfrm>
-            <a:off x="457200" y="5308092"/>
-            <a:ext cx="8229600" cy="1371600"/>
+            <a:off x="457200" y="8051292"/>
+            <a:ext cx="6858000" cy="1371600"/>
           </a:xfrm>
           <a:prstGeom prst="rect">
             <a:avLst/>
@@ -4285,10 +4334,10 @@
           </a:fontRef>
         </p:style>
         <p:txBody>
-          <a:bodyPr rtlCol="0" anchor="ctr" wrap="square"/>
-          <a:lstStyle/>
-          <a:p>
-            <a:pPr algn="l"/>
+          <a:bodyPr rtlCol="0" anchor="ctr"/>
+          <a:lstStyle/>
+          <a:p>
+            <a:pPr algn="ctr"/>
           </a:p>
           <a:p>
             <a:pPr>
@@ -4361,7 +4410,7 @@
         </p:nvSpPr>
         <p:spPr>
           <a:xfrm>
-            <a:off x="457200" y="274320"/>
+            <a:off x="457200" y="457200"/>
             <a:ext cx="2743200" cy="457200"/>
           </a:xfrm>
           <a:prstGeom prst="rect">
@@ -4376,13 +4425,31 @@
           <a:lstStyle/>
           <a:p/>
           <a:p>
-            <a:pPr algn="l">
-              <a:defRPr sz="1200" b="1">
+            <a:pPr algn="l"/>
+            <a:r>
+              <a:rPr b="1" sz="1000">
                 <a:latin typeface="맑은 고딕"/>
-              </a:defRPr>
-            </a:pPr>
-            <a:r>
-              <a:t>수험번호: C0100002</a:t>
+              </a:rPr>
+              <a:t>수험번호 : </a:t>
+            </a:r>
+            <a:r>
+              <a:rPr b="0" sz="1000">
+                <a:latin typeface="맑은 고딕"/>
+              </a:rPr>
+              <a:t>C0100002
+</a:t>
+            </a:r>
+            <a:r>
+              <a:rPr b="1" sz="1000">
+                <a:latin typeface="맑은 고딕"/>
+              </a:rPr>
+              <a:t>지원분야 : </a:t>
+            </a:r>
+            <a:r>
+              <a:rPr b="0" sz="1000">
+                <a:latin typeface="맑은 고딕"/>
+              </a:rPr>
+              <a:t>테스트분야입니다</a:t>
             </a:r>
           </a:p>
         </p:txBody>
@@ -4395,8 +4462,8 @@
         </p:nvSpPr>
         <p:spPr>
           <a:xfrm>
-            <a:off x="457200" y="914400"/>
-            <a:ext cx="5486400" cy="457200"/>
+            <a:off x="457200" y="1097280"/>
+            <a:ext cx="6858000" cy="457200"/>
           </a:xfrm>
           <a:prstGeom prst="rect">
             <a:avLst/>
@@ -4432,8 +4499,8 @@
         </p:nvSpPr>
         <p:spPr>
           <a:xfrm>
-            <a:off x="457200" y="1371600"/>
-            <a:ext cx="5486400" cy="457200"/>
+            <a:off x="457200" y="1554480"/>
+            <a:ext cx="6858000" cy="457200"/>
           </a:xfrm>
           <a:prstGeom prst="rect">
             <a:avLst/>
@@ -4441,14 +4508,14 @@
           <a:noFill/>
         </p:spPr>
         <p:txBody>
-          <a:bodyPr wrap="none">
+          <a:bodyPr wrap="square">
             <a:spAutoFit/>
           </a:bodyPr>
           <a:lstStyle/>
           <a:p/>
           <a:p>
             <a:pPr algn="l">
-              <a:defRPr sz="1100" b="1">
+              <a:defRPr sz="1000" b="0">
                 <a:solidFill>
                   <a:srgbClr val="000000"/>
                 </a:solidFill>
@@ -4456,7 +4523,7 @@
               </a:defRPr>
             </a:pPr>
             <a:r>
-              <a:t>2</a:t>
+              <a:t>질문 : d</a:t>
             </a:r>
           </a:p>
         </p:txBody>
@@ -4469,8 +4536,8 @@
         </p:nvSpPr>
         <p:spPr>
           <a:xfrm>
-            <a:off x="457200" y="1508760"/>
-            <a:ext cx="8229600" cy="18288"/>
+            <a:off x="457200" y="1691639"/>
+            <a:ext cx="6858000" cy="18288"/>
           </a:xfrm>
           <a:prstGeom prst="rect">
             <a:avLst/>
@@ -4512,8 +4579,8 @@
         </p:nvSpPr>
         <p:spPr>
           <a:xfrm>
-            <a:off x="457200" y="1417319"/>
-            <a:ext cx="8229600" cy="2244852"/>
+            <a:off x="457200" y="1600199"/>
+            <a:ext cx="6858000" cy="1828800"/>
           </a:xfrm>
           <a:prstGeom prst="rect">
             <a:avLst/>
@@ -4525,9 +4592,7 @@
             <a:spAutoFit/>
           </a:bodyPr>
           <a:lstStyle/>
-          <a:p>
-            <a:pPr algn="l"/>
-          </a:p>
+          <a:p/>
           <a:p>
             <a:pPr>
               <a:lnSpc>
@@ -4587,8 +4652,8 @@
         </p:nvSpPr>
         <p:spPr>
           <a:xfrm>
-            <a:off x="457200" y="4393692"/>
-            <a:ext cx="5486400" cy="457200"/>
+            <a:off x="457200" y="7136892"/>
+            <a:ext cx="6858000" cy="457200"/>
           </a:xfrm>
           <a:prstGeom prst="rect">
             <a:avLst/>
@@ -4624,8 +4689,8 @@
         </p:nvSpPr>
         <p:spPr>
           <a:xfrm>
-            <a:off x="457200" y="4988052"/>
-            <a:ext cx="8229600" cy="18288"/>
+            <a:off x="457200" y="7731252"/>
+            <a:ext cx="6858000" cy="18288"/>
           </a:xfrm>
           <a:prstGeom prst="rect">
             <a:avLst/>
@@ -4667,8 +4732,8 @@
         </p:nvSpPr>
         <p:spPr>
           <a:xfrm>
-            <a:off x="457200" y="5308092"/>
-            <a:ext cx="8229600" cy="1371600"/>
+            <a:off x="457200" y="8051292"/>
+            <a:ext cx="6858000" cy="1371600"/>
           </a:xfrm>
           <a:prstGeom prst="rect">
             <a:avLst/>
@@ -4697,10 +4762,10 @@
           </a:fontRef>
         </p:style>
         <p:txBody>
-          <a:bodyPr rtlCol="0" anchor="ctr" wrap="square"/>
-          <a:lstStyle/>
-          <a:p>
-            <a:pPr algn="l"/>
+          <a:bodyPr rtlCol="0" anchor="ctr"/>
+          <a:lstStyle/>
+          <a:p>
+            <a:pPr algn="ctr"/>
           </a:p>
           <a:p>
             <a:pPr>

--- a/flask-server/outputs/output.pptx
+++ b/flask-server/outputs/output.pptx
@@ -9,6 +9,14 @@
     <p:sldId id="257" r:id="rId8"/>
     <p:sldId id="258" r:id="rId9"/>
     <p:sldId id="259" r:id="rId10"/>
+    <p:sldId id="260" r:id="rId11"/>
+    <p:sldId id="261" r:id="rId12"/>
+    <p:sldId id="262" r:id="rId13"/>
+    <p:sldId id="263" r:id="rId14"/>
+    <p:sldId id="264" r:id="rId15"/>
+    <p:sldId id="265" r:id="rId16"/>
+    <p:sldId id="266" r:id="rId17"/>
+    <p:sldId id="267" r:id="rId18"/>
   </p:sldIdLst>
   <p:sldSz cx="7560000" cy="10692000" type="screen4x3"/>
   <p:notesSz cx="6858000" cy="9144000"/>
@@ -3155,7 +3163,7 @@
               <a:rPr b="0" sz="1000">
                 <a:latin typeface="맑은 고딕"/>
               </a:rPr>
-              <a:t>전산업무 지원직</a:t>
+              <a:t>기본값</a:t>
             </a:r>
           </a:p>
         </p:txBody>
@@ -3229,7 +3237,7 @@
               </a:defRPr>
             </a:pPr>
             <a:r>
-              <a:t>질문 : ㅁㄴㄹㄴㅁㄹㄴㅁㅇㄹㅇㄹㄴㄹㄴㅁㅇㄻㄴㅇㄹㄴㅁㅇㄹㄴㅁㅇㄹㄴㅁㅇㄹㄴㅁㅇㄻㄴㅇㄻㄴㅇㄹㄴㅁㅇㄻㄻㄴㄹㄴㅁㅇㄻㅇㄻㄴㅇㄹㄴㅁㅇㄹ</a:t>
+              <a:t>질문 : 질문1</a:t>
             </a:r>
           </a:p>
         </p:txBody>
@@ -3318,7 +3326,7 @@
                 </a:solidFill>
                 <a:latin typeface="맑은 고딕"/>
               </a:rPr>
-              <a:t>[트렌드를 반영한 아이디어로 만든 분석적 사고]현재 전 세계적으로 친환경 제품 소비를 추구하는 소비자가 증가하고 있으며, ESG 수출 장벽이 강화되는 추세입니다. 하지만 중소기업은 ESG 경영 </a:t>
+              <a:t>[트렌드를 반영한 아이디어로 만든 분석적 사고]현재 전 세계적으로 친환경 제품 소비를 추구하는 소비자가 증가하고 있으며, ESG 수출 장벽이 강화되는 추세입니다. 하지만 중소기업은 ESG 경영 전환에 애로사항이 있다는 보고서를 읽었고, 저는 중소벤처기업의 글로벌 경쟁력 강화에 도움이 되고자 정책 아이디어 공모전에 </a:t>
             </a:r>
             <a:r>
               <a:rPr u="sng" b="1" sz="1200">
@@ -3327,7 +3335,7 @@
                 </a:solidFill>
                 <a:latin typeface="맑은 고딕"/>
               </a:rPr>
-              <a:t>(1)전환에 애로사항이 있다는 보고서를 읽었고, 저는 중소벤처기업의 글로벌 경쟁력 강화에 도움이 되고자 정책 아이디어 공모전에 (2)출전했습니다.중소기업이 ESG 경영에 있어 가장 필요하지만 어려운 점이 ‘친환경 패키지’라는 것을 파악해 ‘친환경 패키지 바우처 지원’의</a:t>
+              <a:t>(1)출전했습니다.중소기업이 ESG 경영에 있어 가장 필요하지만 어려운 점이 ‘친환경 패키지’라는 것을 파악해 ‘친환경 (2)패키지 바우처 지원’의 아이디어를 구상했습니다. 제조 중소기업과 친환경 패키지 중소기업을 연결하여 상생협력 구축 체계를 만들고, 해외 진출을 도울 수 있는 아이디어를 제시했습니다.</a:t>
             </a:r>
             <a:r>
               <a:rPr sz="1200">
@@ -3336,8 +3344,7 @@
                 </a:solidFill>
                 <a:latin typeface="맑은 고딕"/>
               </a:rPr>
-              <a:t> 아이디어를 구상했습니다. 제조 중소기업과 친환경 패키지 중소기업을 연결하여 상생협력 구축 체계를 만들고, 해외 진출을 도울 수 있는 아이디어를 제시했습니다. 아이디어는 구체적이고 실천 가능성이 높다는 피드백을 받으며 대상을 수상했습니다.저는 니즈 파악부터 개선 방안 기획까지의 과정에서 ‘분석적 사고’라는 직무 역량을 만들었습니다. 앞으로도 창의성을 바탕으로 개선 방안을 제시하고, 기업과 국민의 행복을 더하는 직원이 되겠습니다.
-[트렌드를 반영한 아이디어로 만든 분석적 사고]현재 전 세계적으로 친환경 제품 소비를 추구하는 소비자가 증가하고 있으며, ESG 수출 장벽이 강화되는 추세입니다. 하지만 중소기업은 ESG 경영 (1)전환에 애로사항이 있다는 보고서를 읽었고, 저는 중소벤처기업의 글로벌 경쟁력 강화에 도움이 되고자 정책 아이디어 공모전에 (2)출전했습니다.중소기업이 ESG 경영에 있어 가장 필요하지만 어려운 점이 ‘친환경 패키지’라는 것을 파악해 ‘친환경 패키지 바우처 지원’의 아이디어를 구상했습니다. 제조 중소기업과 친환경 패키지 중소기업을 연결하여 상생협력 구축 체계를 만들고, 해외 진출을 도울 수 있는 아이디어를 제시했습니다. 아이디어는 구체적이고 실천 가능성이 높다는 피드백을 받으며 대상을 수상했습니다.저는 니즈 파악부터 개선 방안 기획까지의 과정에서 ‘분석적 사고’라는 직무 역량을 만들었습니다. 앞으로도 창의성을 바탕으로 개선 방안을 제시하고, 기업과 국민의 행복을 더하는 직원이 되겠습니다.</a:t>
+              <a:t> 아이디어는 구체적이고 실천 가능성이 높다는 피드백을 받으며 대상을 수상했습니다.저는 니즈 파악부터 개선 방안 기획까지의 과정에서 ‘분석적 사고’라는 직무 역량을 만들었습니다. 앞으로도 창의성을 바탕으로 개선 방안을 제시하고, 기업과 국민의 행복을 더하는 직원이 되겠습니다.</a:t>
             </a:r>
           </a:p>
         </p:txBody>
@@ -3350,7 +3357,7 @@
         </p:nvSpPr>
         <p:spPr>
           <a:xfrm>
-            <a:off x="457200" y="9459468"/>
+            <a:off x="457200" y="7173468"/>
             <a:ext cx="6858000" cy="457200"/>
           </a:xfrm>
           <a:prstGeom prst="rect">
@@ -3387,7 +3394,7 @@
         </p:nvSpPr>
         <p:spPr>
           <a:xfrm>
-            <a:off x="457200" y="10053828"/>
+            <a:off x="457200" y="7767828"/>
             <a:ext cx="6858000" cy="18288"/>
           </a:xfrm>
           <a:prstGeom prst="rect">
@@ -3430,7 +3437,7 @@
         </p:nvSpPr>
         <p:spPr>
           <a:xfrm>
-            <a:off x="457200" y="10373868"/>
+            <a:off x="457200" y="8087867"/>
             <a:ext cx="6858000" cy="1371600"/>
           </a:xfrm>
           <a:prstGeom prst="rect">
@@ -3484,11 +3491,1322 @@
               </a:defRPr>
             </a:pPr>
             <a:r>
-              <a:t>(1) 중소기업의 ESG 경영 전환에서 가장 어려웠던 문제는 무엇이며, 이를 해결하기 위한 구체적인 과정은 무엇이었나요?</a:t>
+              <a:t>(1) 중소기업과 친환경 패키지 중소기업을 연결하는 상생협력 구축 체계의 구체적인 방법은 무엇인가요?</a:t>
             </a:r>
             <a:br/>
             <a:r>
-              <a:t>(2) 정책 아이디어 공모전에 출전하게 된 계기는 무엇인가요?</a:t>
+              <a:t>(2) 정책 아이디어 공모전에서 대상을 수상한 아이디어의 실천 가능성을 높인 주요 요인은 무엇인가요?</a:t>
+            </a:r>
+          </a:p>
+        </p:txBody>
+      </p:sp>
+    </p:spTree>
+  </p:cSld>
+  <p:clrMapOvr>
+    <a:masterClrMapping/>
+  </p:clrMapOvr>
+</p:sld>
+</file>
+
+<file path=ppt/slides/slide10.xml><?xml version="1.0" encoding="utf-8"?>
+<p:sld xmlns:a="http://schemas.openxmlformats.org/drawingml/2006/main" xmlns:p="http://schemas.openxmlformats.org/presentationml/2006/main" xmlns:r="http://schemas.openxmlformats.org/officeDocument/2006/relationships">
+  <p:cSld>
+    <p:spTree>
+      <p:nvGrpSpPr>
+        <p:cNvPr id="1" name=""/>
+        <p:cNvGrpSpPr/>
+        <p:nvPr/>
+      </p:nvGrpSpPr>
+      <p:grpSpPr/>
+      <p:sp>
+        <p:nvSpPr>
+          <p:cNvPr id="2" name="Title 1"/>
+          <p:cNvSpPr>
+            <a:spLocks noGrp="1"/>
+          </p:cNvSpPr>
+          <p:nvPr>
+            <p:ph type="title"/>
+          </p:nvPr>
+        </p:nvSpPr>
+        <p:spPr/>
+        <p:txBody>
+          <a:bodyPr/>
+          <a:lstStyle/>
+          <a:p/>
+        </p:txBody>
+      </p:sp>
+      <p:sp>
+        <p:nvSpPr>
+          <p:cNvPr id="3" name="TextBox 2"/>
+          <p:cNvSpPr txBox="1"/>
+          <p:nvPr/>
+        </p:nvSpPr>
+        <p:spPr>
+          <a:xfrm>
+            <a:off x="457200" y="457200"/>
+            <a:ext cx="2743200" cy="457200"/>
+          </a:xfrm>
+          <a:prstGeom prst="rect">
+            <a:avLst/>
+          </a:prstGeom>
+          <a:noFill/>
+        </p:spPr>
+        <p:txBody>
+          <a:bodyPr wrap="none">
+            <a:spAutoFit/>
+          </a:bodyPr>
+          <a:lstStyle/>
+          <a:p/>
+          <a:p>
+            <a:pPr algn="l"/>
+            <a:r>
+              <a:rPr b="1" sz="1000">
+                <a:latin typeface="맑은 고딕"/>
+              </a:rPr>
+              <a:t>수험번호 : </a:t>
+            </a:r>
+            <a:r>
+              <a:rPr b="0" sz="1000">
+                <a:latin typeface="맑은 고딕"/>
+              </a:rPr>
+              <a:t>C0100003
+</a:t>
+            </a:r>
+            <a:r>
+              <a:rPr b="1" sz="1000">
+                <a:latin typeface="맑은 고딕"/>
+              </a:rPr>
+              <a:t>지원분야 : </a:t>
+            </a:r>
+            <a:r>
+              <a:rPr b="0" sz="1000">
+                <a:latin typeface="맑은 고딕"/>
+              </a:rPr>
+              <a:t>기본값</a:t>
+            </a:r>
+          </a:p>
+        </p:txBody>
+      </p:sp>
+      <p:sp>
+        <p:nvSpPr>
+          <p:cNvPr id="4" name="TextBox 3"/>
+          <p:cNvSpPr txBox="1"/>
+          <p:nvPr/>
+        </p:nvSpPr>
+        <p:spPr>
+          <a:xfrm>
+            <a:off x="457200" y="1097280"/>
+            <a:ext cx="6858000" cy="457200"/>
+          </a:xfrm>
+          <a:prstGeom prst="rect">
+            <a:avLst/>
+          </a:prstGeom>
+          <a:noFill/>
+        </p:spPr>
+        <p:txBody>
+          <a:bodyPr wrap="none">
+            <a:spAutoFit/>
+          </a:bodyPr>
+          <a:lstStyle/>
+          <a:p/>
+          <a:p>
+            <a:pPr algn="l">
+              <a:defRPr sz="1400" b="1">
+                <a:solidFill>
+                  <a:srgbClr val="000000"/>
+                </a:solidFill>
+                <a:latin typeface="맑은 고딕"/>
+              </a:defRPr>
+            </a:pPr>
+            <a:r>
+              <a:t>자기소개서</a:t>
+            </a:r>
+          </a:p>
+        </p:txBody>
+      </p:sp>
+      <p:sp>
+        <p:nvSpPr>
+          <p:cNvPr id="5" name="TextBox 4"/>
+          <p:cNvSpPr txBox="1"/>
+          <p:nvPr/>
+        </p:nvSpPr>
+        <p:spPr>
+          <a:xfrm>
+            <a:off x="457200" y="1554480"/>
+            <a:ext cx="6858000" cy="457200"/>
+          </a:xfrm>
+          <a:prstGeom prst="rect">
+            <a:avLst/>
+          </a:prstGeom>
+          <a:noFill/>
+        </p:spPr>
+        <p:txBody>
+          <a:bodyPr wrap="square">
+            <a:spAutoFit/>
+          </a:bodyPr>
+          <a:lstStyle/>
+          <a:p/>
+          <a:p>
+            <a:pPr algn="l">
+              <a:defRPr sz="1000" b="0">
+                <a:solidFill>
+                  <a:srgbClr val="000000"/>
+                </a:solidFill>
+                <a:latin typeface="맑은 고딕"/>
+              </a:defRPr>
+            </a:pPr>
+            <a:r>
+              <a:t>질문 : 질문2</a:t>
+            </a:r>
+          </a:p>
+        </p:txBody>
+      </p:sp>
+      <p:sp>
+        <p:nvSpPr>
+          <p:cNvPr id="6" name="Rectangle 5"/>
+          <p:cNvSpPr/>
+          <p:nvPr/>
+        </p:nvSpPr>
+        <p:spPr>
+          <a:xfrm>
+            <a:off x="457200" y="1691639"/>
+            <a:ext cx="6858000" cy="18288"/>
+          </a:xfrm>
+          <a:prstGeom prst="rect">
+            <a:avLst/>
+          </a:prstGeom>
+          <a:solidFill>
+            <a:srgbClr val="C8C8C8"/>
+          </a:solidFill>
+          <a:ln>
+            <a:noFill/>
+          </a:ln>
+        </p:spPr>
+        <p:style>
+          <a:lnRef idx="1">
+            <a:schemeClr val="accent1"/>
+          </a:lnRef>
+          <a:fillRef idx="3">
+            <a:schemeClr val="accent1"/>
+          </a:fillRef>
+          <a:effectRef idx="2">
+            <a:schemeClr val="accent1"/>
+          </a:effectRef>
+          <a:fontRef idx="minor">
+            <a:schemeClr val="lt1"/>
+          </a:fontRef>
+        </p:style>
+        <p:txBody>
+          <a:bodyPr rtlCol="0" anchor="ctr"/>
+          <a:lstStyle/>
+          <a:p>
+            <a:pPr algn="ctr"/>
+          </a:p>
+        </p:txBody>
+      </p:sp>
+      <p:sp>
+        <p:nvSpPr>
+          <p:cNvPr id="7" name="TextBox 6"/>
+          <p:cNvSpPr txBox="1"/>
+          <p:nvPr/>
+        </p:nvSpPr>
+        <p:spPr>
+          <a:xfrm>
+            <a:off x="457200" y="1600199"/>
+            <a:ext cx="6858000" cy="1828800"/>
+          </a:xfrm>
+          <a:prstGeom prst="rect">
+            <a:avLst/>
+          </a:prstGeom>
+          <a:noFill/>
+        </p:spPr>
+        <p:txBody>
+          <a:bodyPr wrap="square">
+            <a:spAutoFit/>
+          </a:bodyPr>
+          <a:lstStyle/>
+          <a:p/>
+          <a:p>
+            <a:pPr>
+              <a:lnSpc>
+                <a:spcPct val="150000"/>
+              </a:lnSpc>
+              <a:spcBef>
+                <a:spcPts val="1000"/>
+              </a:spcBef>
+              <a:spcAft>
+                <a:spcPts val="1000"/>
+              </a:spcAft>
+            </a:pPr>
+            <a:r>
+              <a:rPr sz="1200">
+                <a:solidFill>
+                  <a:srgbClr val="000000"/>
+                </a:solidFill>
+                <a:latin typeface="맑은 고딕"/>
+              </a:rPr>
+              <a:t>한중 교류캠프에서 게임프로그램을 기획하던 중 서로 생각하는 개념이 불일치했지만, 타협안을 찾아 </a:t>
+            </a:r>
+            <a:r>
+              <a:rPr u="sng" b="1" sz="1200">
+                <a:solidFill>
+                  <a:srgbClr val="000000"/>
+                </a:solidFill>
+                <a:latin typeface="맑은 고딕"/>
+              </a:rPr>
+              <a:t>(1)갈등을 해결한 경험이 있습니다.중국인</a:t>
+            </a:r>
+            <a:r>
+              <a:rPr sz="1200">
+                <a:solidFill>
+                  <a:srgbClr val="000000"/>
+                </a:solidFill>
+                <a:latin typeface="맑은 고딕"/>
+              </a:rPr>
+              <a:t> 팀원들은 요즘 유행하는 게임으로 구성하는 데 주력했지만, 저와 한국인 팀원들은 이 캠프의 참가자 중 중국인 선생님이 계시기에 참여율을 높일 수 있는 방안을 제시했기 때문입니다. 의견 일치가 이루어지지 </a:t>
+            </a:r>
+            <a:r>
+              <a:rPr u="sng" b="1" sz="1200">
+                <a:solidFill>
+                  <a:srgbClr val="000000"/>
+                </a:solidFill>
+                <a:latin typeface="맑은 고딕"/>
+              </a:rPr>
+              <a:t>(2)않는 상황에서 의사소통까지 원활하지 않았기에,</a:t>
+            </a:r>
+            <a:r>
+              <a:rPr sz="1200">
+                <a:solidFill>
+                  <a:srgbClr val="000000"/>
+                </a:solidFill>
+                <a:latin typeface="맑은 고딕"/>
+              </a:rPr>
+              <a:t> 팀장으로서 긴장된 분위기를 전환하고자 각자가 생각하는 게임을 해보자고 제안했습니다. 처음에는 어색했지만, 각 게임의 장점만 뽑아 하나의 게임으로 기획하자는 타협점을 찾을 수 있었습니다. 이후 회의에서 구체적으로 역할을 나누었고, 팀원들의 이해도를 높이기 위해 채팅방에 회의 내용을 한국어, 중국어로 요약하여 공유하였습니다. 6명의 팀원이 적극적으로 참여한 덕분에 팀원 모두가 만족하는 게임 프로그램을 기획하였고, 그 결과 10개의 팀 중 70명의 만족도가 가장 높은 프로그램으로 선정될 수 있었습니다.</a:t>
+            </a:r>
+          </a:p>
+        </p:txBody>
+      </p:sp>
+      <p:sp>
+        <p:nvSpPr>
+          <p:cNvPr id="8" name="TextBox 7"/>
+          <p:cNvSpPr txBox="1"/>
+          <p:nvPr/>
+        </p:nvSpPr>
+        <p:spPr>
+          <a:xfrm>
+            <a:off x="457200" y="7168896"/>
+            <a:ext cx="6858000" cy="457200"/>
+          </a:xfrm>
+          <a:prstGeom prst="rect">
+            <a:avLst/>
+          </a:prstGeom>
+          <a:noFill/>
+        </p:spPr>
+        <p:txBody>
+          <a:bodyPr wrap="none">
+            <a:spAutoFit/>
+          </a:bodyPr>
+          <a:lstStyle/>
+          <a:p/>
+          <a:p>
+            <a:pPr algn="l">
+              <a:defRPr sz="1400" b="1">
+                <a:solidFill>
+                  <a:srgbClr val="000000"/>
+                </a:solidFill>
+                <a:latin typeface="맑은 고딕"/>
+              </a:defRPr>
+            </a:pPr>
+            <a:r>
+              <a:t>자기소개서 기반 면접 질문 제안</a:t>
+            </a:r>
+          </a:p>
+        </p:txBody>
+      </p:sp>
+      <p:sp>
+        <p:nvSpPr>
+          <p:cNvPr id="9" name="Rectangle 8"/>
+          <p:cNvSpPr/>
+          <p:nvPr/>
+        </p:nvSpPr>
+        <p:spPr>
+          <a:xfrm>
+            <a:off x="457200" y="7763256"/>
+            <a:ext cx="6858000" cy="18288"/>
+          </a:xfrm>
+          <a:prstGeom prst="rect">
+            <a:avLst/>
+          </a:prstGeom>
+          <a:solidFill>
+            <a:srgbClr val="C8C8C8"/>
+          </a:solidFill>
+          <a:ln>
+            <a:noFill/>
+          </a:ln>
+        </p:spPr>
+        <p:style>
+          <a:lnRef idx="1">
+            <a:schemeClr val="accent1"/>
+          </a:lnRef>
+          <a:fillRef idx="3">
+            <a:schemeClr val="accent1"/>
+          </a:fillRef>
+          <a:effectRef idx="2">
+            <a:schemeClr val="accent1"/>
+          </a:effectRef>
+          <a:fontRef idx="minor">
+            <a:schemeClr val="lt1"/>
+          </a:fontRef>
+        </p:style>
+        <p:txBody>
+          <a:bodyPr rtlCol="0" anchor="ctr"/>
+          <a:lstStyle/>
+          <a:p>
+            <a:pPr algn="ctr"/>
+          </a:p>
+        </p:txBody>
+      </p:sp>
+      <p:sp>
+        <p:nvSpPr>
+          <p:cNvPr id="10" name="Rectangle 9"/>
+          <p:cNvSpPr/>
+          <p:nvPr/>
+        </p:nvSpPr>
+        <p:spPr>
+          <a:xfrm>
+            <a:off x="457200" y="8083296"/>
+            <a:ext cx="6858000" cy="1371600"/>
+          </a:xfrm>
+          <a:prstGeom prst="rect">
+            <a:avLst/>
+          </a:prstGeom>
+          <a:solidFill>
+            <a:srgbClr val="F5F5F5"/>
+          </a:solidFill>
+          <a:ln>
+            <a:solidFill>
+              <a:srgbClr val="B4B4B4"/>
+            </a:solidFill>
+          </a:ln>
+        </p:spPr>
+        <p:style>
+          <a:lnRef idx="1">
+            <a:schemeClr val="accent1"/>
+          </a:lnRef>
+          <a:fillRef idx="3">
+            <a:schemeClr val="accent1"/>
+          </a:fillRef>
+          <a:effectRef idx="2">
+            <a:schemeClr val="accent1"/>
+          </a:effectRef>
+          <a:fontRef idx="minor">
+            <a:schemeClr val="lt1"/>
+          </a:fontRef>
+        </p:style>
+        <p:txBody>
+          <a:bodyPr rtlCol="0" anchor="ctr"/>
+          <a:lstStyle/>
+          <a:p>
+            <a:pPr algn="ctr"/>
+          </a:p>
+          <a:p>
+            <a:pPr>
+              <a:lnSpc>
+                <a:spcPct val="150000"/>
+              </a:lnSpc>
+              <a:spcBef>
+                <a:spcPts val="1000"/>
+              </a:spcBef>
+              <a:spcAft>
+                <a:spcPts val="1000"/>
+              </a:spcAft>
+              <a:defRPr sz="1200" b="1">
+                <a:solidFill>
+                  <a:srgbClr val="000000"/>
+                </a:solidFill>
+                <a:latin typeface="맑은 고딕"/>
+              </a:defRPr>
+            </a:pPr>
+            <a:r>
+              <a:t>(1) 한중 교류캠프에서 갈등 해결을 위해 구체적으로 어떤 노력을 기울였나요?</a:t>
+            </a:r>
+            <a:br/>
+            <a:r>
+              <a:t>(2) 팀장으로서의 역할 수행 시 중요한 요소는 무엇이라 생각하셨나요?</a:t>
+            </a:r>
+          </a:p>
+        </p:txBody>
+      </p:sp>
+    </p:spTree>
+  </p:cSld>
+  <p:clrMapOvr>
+    <a:masterClrMapping/>
+  </p:clrMapOvr>
+</p:sld>
+</file>
+
+<file path=ppt/slides/slide11.xml><?xml version="1.0" encoding="utf-8"?>
+<p:sld xmlns:a="http://schemas.openxmlformats.org/drawingml/2006/main" xmlns:p="http://schemas.openxmlformats.org/presentationml/2006/main" xmlns:r="http://schemas.openxmlformats.org/officeDocument/2006/relationships">
+  <p:cSld>
+    <p:spTree>
+      <p:nvGrpSpPr>
+        <p:cNvPr id="1" name=""/>
+        <p:cNvGrpSpPr/>
+        <p:nvPr/>
+      </p:nvGrpSpPr>
+      <p:grpSpPr/>
+      <p:sp>
+        <p:nvSpPr>
+          <p:cNvPr id="2" name="Title 1"/>
+          <p:cNvSpPr>
+            <a:spLocks noGrp="1"/>
+          </p:cNvSpPr>
+          <p:nvPr>
+            <p:ph type="title"/>
+          </p:nvPr>
+        </p:nvSpPr>
+        <p:spPr/>
+        <p:txBody>
+          <a:bodyPr/>
+          <a:lstStyle/>
+          <a:p/>
+        </p:txBody>
+      </p:sp>
+      <p:sp>
+        <p:nvSpPr>
+          <p:cNvPr id="3" name="TextBox 2"/>
+          <p:cNvSpPr txBox="1"/>
+          <p:nvPr/>
+        </p:nvSpPr>
+        <p:spPr>
+          <a:xfrm>
+            <a:off x="457200" y="457200"/>
+            <a:ext cx="2743200" cy="457200"/>
+          </a:xfrm>
+          <a:prstGeom prst="rect">
+            <a:avLst/>
+          </a:prstGeom>
+          <a:noFill/>
+        </p:spPr>
+        <p:txBody>
+          <a:bodyPr wrap="none">
+            <a:spAutoFit/>
+          </a:bodyPr>
+          <a:lstStyle/>
+          <a:p/>
+          <a:p>
+            <a:pPr algn="l"/>
+            <a:r>
+              <a:rPr b="1" sz="1000">
+                <a:latin typeface="맑은 고딕"/>
+              </a:rPr>
+              <a:t>수험번호 : </a:t>
+            </a:r>
+            <a:r>
+              <a:rPr b="0" sz="1000">
+                <a:latin typeface="맑은 고딕"/>
+              </a:rPr>
+              <a:t>C0100003
+</a:t>
+            </a:r>
+            <a:r>
+              <a:rPr b="1" sz="1000">
+                <a:latin typeface="맑은 고딕"/>
+              </a:rPr>
+              <a:t>지원분야 : </a:t>
+            </a:r>
+            <a:r>
+              <a:rPr b="0" sz="1000">
+                <a:latin typeface="맑은 고딕"/>
+              </a:rPr>
+              <a:t>기본값</a:t>
+            </a:r>
+          </a:p>
+        </p:txBody>
+      </p:sp>
+      <p:sp>
+        <p:nvSpPr>
+          <p:cNvPr id="4" name="TextBox 3"/>
+          <p:cNvSpPr txBox="1"/>
+          <p:nvPr/>
+        </p:nvSpPr>
+        <p:spPr>
+          <a:xfrm>
+            <a:off x="457200" y="1097280"/>
+            <a:ext cx="6858000" cy="457200"/>
+          </a:xfrm>
+          <a:prstGeom prst="rect">
+            <a:avLst/>
+          </a:prstGeom>
+          <a:noFill/>
+        </p:spPr>
+        <p:txBody>
+          <a:bodyPr wrap="none">
+            <a:spAutoFit/>
+          </a:bodyPr>
+          <a:lstStyle/>
+          <a:p/>
+          <a:p>
+            <a:pPr algn="l">
+              <a:defRPr sz="1400" b="1">
+                <a:solidFill>
+                  <a:srgbClr val="000000"/>
+                </a:solidFill>
+                <a:latin typeface="맑은 고딕"/>
+              </a:defRPr>
+            </a:pPr>
+            <a:r>
+              <a:t>자기소개서</a:t>
+            </a:r>
+          </a:p>
+        </p:txBody>
+      </p:sp>
+      <p:sp>
+        <p:nvSpPr>
+          <p:cNvPr id="5" name="TextBox 4"/>
+          <p:cNvSpPr txBox="1"/>
+          <p:nvPr/>
+        </p:nvSpPr>
+        <p:spPr>
+          <a:xfrm>
+            <a:off x="457200" y="1554480"/>
+            <a:ext cx="6858000" cy="457200"/>
+          </a:xfrm>
+          <a:prstGeom prst="rect">
+            <a:avLst/>
+          </a:prstGeom>
+          <a:noFill/>
+        </p:spPr>
+        <p:txBody>
+          <a:bodyPr wrap="square">
+            <a:spAutoFit/>
+          </a:bodyPr>
+          <a:lstStyle/>
+          <a:p/>
+          <a:p>
+            <a:pPr algn="l">
+              <a:defRPr sz="1000" b="0">
+                <a:solidFill>
+                  <a:srgbClr val="000000"/>
+                </a:solidFill>
+                <a:latin typeface="맑은 고딕"/>
+              </a:defRPr>
+            </a:pPr>
+            <a:r>
+              <a:t>질문 : 질문3</a:t>
+            </a:r>
+          </a:p>
+        </p:txBody>
+      </p:sp>
+      <p:sp>
+        <p:nvSpPr>
+          <p:cNvPr id="6" name="Rectangle 5"/>
+          <p:cNvSpPr/>
+          <p:nvPr/>
+        </p:nvSpPr>
+        <p:spPr>
+          <a:xfrm>
+            <a:off x="457200" y="1691639"/>
+            <a:ext cx="6858000" cy="18288"/>
+          </a:xfrm>
+          <a:prstGeom prst="rect">
+            <a:avLst/>
+          </a:prstGeom>
+          <a:solidFill>
+            <a:srgbClr val="C8C8C8"/>
+          </a:solidFill>
+          <a:ln>
+            <a:noFill/>
+          </a:ln>
+        </p:spPr>
+        <p:style>
+          <a:lnRef idx="1">
+            <a:schemeClr val="accent1"/>
+          </a:lnRef>
+          <a:fillRef idx="3">
+            <a:schemeClr val="accent1"/>
+          </a:fillRef>
+          <a:effectRef idx="2">
+            <a:schemeClr val="accent1"/>
+          </a:effectRef>
+          <a:fontRef idx="minor">
+            <a:schemeClr val="lt1"/>
+          </a:fontRef>
+        </p:style>
+        <p:txBody>
+          <a:bodyPr rtlCol="0" anchor="ctr"/>
+          <a:lstStyle/>
+          <a:p>
+            <a:pPr algn="ctr"/>
+          </a:p>
+        </p:txBody>
+      </p:sp>
+      <p:sp>
+        <p:nvSpPr>
+          <p:cNvPr id="7" name="TextBox 6"/>
+          <p:cNvSpPr txBox="1"/>
+          <p:nvPr/>
+        </p:nvSpPr>
+        <p:spPr>
+          <a:xfrm>
+            <a:off x="457200" y="1600199"/>
+            <a:ext cx="6858000" cy="1828800"/>
+          </a:xfrm>
+          <a:prstGeom prst="rect">
+            <a:avLst/>
+          </a:prstGeom>
+          <a:noFill/>
+        </p:spPr>
+        <p:txBody>
+          <a:bodyPr wrap="square">
+            <a:spAutoFit/>
+          </a:bodyPr>
+          <a:lstStyle/>
+          <a:p/>
+          <a:p>
+            <a:pPr>
+              <a:lnSpc>
+                <a:spcPct val="150000"/>
+              </a:lnSpc>
+              <a:spcBef>
+                <a:spcPts val="1000"/>
+              </a:spcBef>
+              <a:spcAft>
+                <a:spcPts val="1000"/>
+              </a:spcAft>
+            </a:pPr>
+            <a:r>
+              <a:rPr sz="1200">
+                <a:solidFill>
+                  <a:srgbClr val="000000"/>
+                </a:solidFill>
+                <a:latin typeface="맑은 고딕"/>
+              </a:rPr>
+              <a:t>재단 인턴 당시, 100명의 외국인 서포터즈들의 과제를 평가하는 업무를 수행하던 중 둘째 달부터 참여도가 떨어지는 문제가 발생했습니다. 전체의 50%에 해당하는 </a:t>
+            </a:r>
+            <a:r>
+              <a:rPr u="sng" b="1" sz="1200">
+                <a:solidFill>
+                  <a:srgbClr val="000000"/>
+                </a:solidFill>
+                <a:latin typeface="맑은 고딕"/>
+              </a:rPr>
+              <a:t>(1)많은 인원에게 상품을 줬었기에 상품을 못 받은 사람들의 불만이</a:t>
+            </a:r>
+            <a:r>
+              <a:rPr sz="1200">
+                <a:solidFill>
+                  <a:srgbClr val="000000"/>
+                </a:solidFill>
+                <a:latin typeface="맑은 고딕"/>
+              </a:rPr>
+              <a:t> 컴플레인의 원인이라고 파악하였습니다. 하지만 다음 달에도 지속되었기에, 5명의 서포터즈에게 따로 이유를 물어본 후 당시 함께 과제물을 평가하던 담당자의 업무 과중으로 인해 시간이 부족했고, 그로 인해 실질적인 내용이나 창의성이 충분히 반영되지 못한 것이 원인임을 알게 되었습니다.이를 해결하기 위해 엑셀을 활용하여 불만과 요구사항을 유형별로 나눠 분석하였습니다. 평가 기준을 구체화하고, 서포터즈 운영계획서를 참고하여 활동 목적에 부합하는 </a:t>
+            </a:r>
+            <a:r>
+              <a:rPr u="sng" b="1" sz="1200">
+                <a:solidFill>
+                  <a:srgbClr val="000000"/>
+                </a:solidFill>
+                <a:latin typeface="맑은 고딕"/>
+              </a:rPr>
+              <a:t>(2)평가 요소 5가지를 만들 수 있었습니다. 또한 서포터즈가 외국인인 점을 고려하여 예상 질문을 만들고 답변을 작성했습니다. 그 결과, 서포터즈의 민원이</a:t>
+            </a:r>
+            <a:r>
+              <a:rPr sz="1200">
+                <a:solidFill>
+                  <a:srgbClr val="000000"/>
+                </a:solidFill>
+                <a:latin typeface="맑은 고딕"/>
+              </a:rPr>
+              <a:t> 90% 이상 줄었고, 높은 참여도와 함께 과제물 퀄리티도 높일 수 있었습니다.</a:t>
+            </a:r>
+          </a:p>
+        </p:txBody>
+      </p:sp>
+      <p:sp>
+        <p:nvSpPr>
+          <p:cNvPr id="8" name="TextBox 7"/>
+          <p:cNvSpPr txBox="1"/>
+          <p:nvPr/>
+        </p:nvSpPr>
+        <p:spPr>
+          <a:xfrm>
+            <a:off x="457200" y="7196327"/>
+            <a:ext cx="6858000" cy="457200"/>
+          </a:xfrm>
+          <a:prstGeom prst="rect">
+            <a:avLst/>
+          </a:prstGeom>
+          <a:noFill/>
+        </p:spPr>
+        <p:txBody>
+          <a:bodyPr wrap="none">
+            <a:spAutoFit/>
+          </a:bodyPr>
+          <a:lstStyle/>
+          <a:p/>
+          <a:p>
+            <a:pPr algn="l">
+              <a:defRPr sz="1400" b="1">
+                <a:solidFill>
+                  <a:srgbClr val="000000"/>
+                </a:solidFill>
+                <a:latin typeface="맑은 고딕"/>
+              </a:defRPr>
+            </a:pPr>
+            <a:r>
+              <a:t>자기소개서 기반 면접 질문 제안</a:t>
+            </a:r>
+          </a:p>
+        </p:txBody>
+      </p:sp>
+      <p:sp>
+        <p:nvSpPr>
+          <p:cNvPr id="9" name="Rectangle 8"/>
+          <p:cNvSpPr/>
+          <p:nvPr/>
+        </p:nvSpPr>
+        <p:spPr>
+          <a:xfrm>
+            <a:off x="457200" y="7790688"/>
+            <a:ext cx="6858000" cy="18288"/>
+          </a:xfrm>
+          <a:prstGeom prst="rect">
+            <a:avLst/>
+          </a:prstGeom>
+          <a:solidFill>
+            <a:srgbClr val="C8C8C8"/>
+          </a:solidFill>
+          <a:ln>
+            <a:noFill/>
+          </a:ln>
+        </p:spPr>
+        <p:style>
+          <a:lnRef idx="1">
+            <a:schemeClr val="accent1"/>
+          </a:lnRef>
+          <a:fillRef idx="3">
+            <a:schemeClr val="accent1"/>
+          </a:fillRef>
+          <a:effectRef idx="2">
+            <a:schemeClr val="accent1"/>
+          </a:effectRef>
+          <a:fontRef idx="minor">
+            <a:schemeClr val="lt1"/>
+          </a:fontRef>
+        </p:style>
+        <p:txBody>
+          <a:bodyPr rtlCol="0" anchor="ctr"/>
+          <a:lstStyle/>
+          <a:p>
+            <a:pPr algn="ctr"/>
+          </a:p>
+        </p:txBody>
+      </p:sp>
+      <p:sp>
+        <p:nvSpPr>
+          <p:cNvPr id="10" name="Rectangle 9"/>
+          <p:cNvSpPr/>
+          <p:nvPr/>
+        </p:nvSpPr>
+        <p:spPr>
+          <a:xfrm>
+            <a:off x="457200" y="8110727"/>
+            <a:ext cx="6858000" cy="1371600"/>
+          </a:xfrm>
+          <a:prstGeom prst="rect">
+            <a:avLst/>
+          </a:prstGeom>
+          <a:solidFill>
+            <a:srgbClr val="F5F5F5"/>
+          </a:solidFill>
+          <a:ln>
+            <a:solidFill>
+              <a:srgbClr val="B4B4B4"/>
+            </a:solidFill>
+          </a:ln>
+        </p:spPr>
+        <p:style>
+          <a:lnRef idx="1">
+            <a:schemeClr val="accent1"/>
+          </a:lnRef>
+          <a:fillRef idx="3">
+            <a:schemeClr val="accent1"/>
+          </a:fillRef>
+          <a:effectRef idx="2">
+            <a:schemeClr val="accent1"/>
+          </a:effectRef>
+          <a:fontRef idx="minor">
+            <a:schemeClr val="lt1"/>
+          </a:fontRef>
+        </p:style>
+        <p:txBody>
+          <a:bodyPr rtlCol="0" anchor="ctr"/>
+          <a:lstStyle/>
+          <a:p>
+            <a:pPr algn="ctr"/>
+          </a:p>
+          <a:p>
+            <a:pPr>
+              <a:lnSpc>
+                <a:spcPct val="150000"/>
+              </a:lnSpc>
+              <a:spcBef>
+                <a:spcPts val="1000"/>
+              </a:spcBef>
+              <a:spcAft>
+                <a:spcPts val="1000"/>
+              </a:spcAft>
+              <a:defRPr sz="1200" b="1">
+                <a:solidFill>
+                  <a:srgbClr val="000000"/>
+                </a:solidFill>
+                <a:latin typeface="맑은 고딕"/>
+              </a:defRPr>
+            </a:pPr>
+            <a:r>
+              <a:t>(1) 서포터즈 참여도 문제를 해결하기 위해 어떤 접근 방식을 사용했나요?</a:t>
+            </a:r>
+            <a:br/>
+            <a:r>
+              <a:t>(2) 서포터즈의 참여도를 높이는 데 성공한 이유는 무엇이라 판단하십니까?</a:t>
+            </a:r>
+          </a:p>
+        </p:txBody>
+      </p:sp>
+    </p:spTree>
+  </p:cSld>
+  <p:clrMapOvr>
+    <a:masterClrMapping/>
+  </p:clrMapOvr>
+</p:sld>
+</file>
+
+<file path=ppt/slides/slide12.xml><?xml version="1.0" encoding="utf-8"?>
+<p:sld xmlns:a="http://schemas.openxmlformats.org/drawingml/2006/main" xmlns:p="http://schemas.openxmlformats.org/presentationml/2006/main" xmlns:r="http://schemas.openxmlformats.org/officeDocument/2006/relationships">
+  <p:cSld>
+    <p:spTree>
+      <p:nvGrpSpPr>
+        <p:cNvPr id="1" name=""/>
+        <p:cNvGrpSpPr/>
+        <p:nvPr/>
+      </p:nvGrpSpPr>
+      <p:grpSpPr/>
+      <p:sp>
+        <p:nvSpPr>
+          <p:cNvPr id="2" name="Title 1"/>
+          <p:cNvSpPr>
+            <a:spLocks noGrp="1"/>
+          </p:cNvSpPr>
+          <p:nvPr>
+            <p:ph type="title"/>
+          </p:nvPr>
+        </p:nvSpPr>
+        <p:spPr/>
+        <p:txBody>
+          <a:bodyPr/>
+          <a:lstStyle/>
+          <a:p/>
+        </p:txBody>
+      </p:sp>
+      <p:sp>
+        <p:nvSpPr>
+          <p:cNvPr id="3" name="TextBox 2"/>
+          <p:cNvSpPr txBox="1"/>
+          <p:nvPr/>
+        </p:nvSpPr>
+        <p:spPr>
+          <a:xfrm>
+            <a:off x="457200" y="457200"/>
+            <a:ext cx="2743200" cy="457200"/>
+          </a:xfrm>
+          <a:prstGeom prst="rect">
+            <a:avLst/>
+          </a:prstGeom>
+          <a:noFill/>
+        </p:spPr>
+        <p:txBody>
+          <a:bodyPr wrap="none">
+            <a:spAutoFit/>
+          </a:bodyPr>
+          <a:lstStyle/>
+          <a:p/>
+          <a:p>
+            <a:pPr algn="l"/>
+            <a:r>
+              <a:rPr b="1" sz="1000">
+                <a:latin typeface="맑은 고딕"/>
+              </a:rPr>
+              <a:t>수험번호 : </a:t>
+            </a:r>
+            <a:r>
+              <a:rPr b="0" sz="1000">
+                <a:latin typeface="맑은 고딕"/>
+              </a:rPr>
+              <a:t>C0100003
+</a:t>
+            </a:r>
+            <a:r>
+              <a:rPr b="1" sz="1000">
+                <a:latin typeface="맑은 고딕"/>
+              </a:rPr>
+              <a:t>지원분야 : </a:t>
+            </a:r>
+            <a:r>
+              <a:rPr b="0" sz="1000">
+                <a:latin typeface="맑은 고딕"/>
+              </a:rPr>
+              <a:t>기본값</a:t>
+            </a:r>
+          </a:p>
+        </p:txBody>
+      </p:sp>
+      <p:sp>
+        <p:nvSpPr>
+          <p:cNvPr id="4" name="TextBox 3"/>
+          <p:cNvSpPr txBox="1"/>
+          <p:nvPr/>
+        </p:nvSpPr>
+        <p:spPr>
+          <a:xfrm>
+            <a:off x="457200" y="1097280"/>
+            <a:ext cx="6858000" cy="457200"/>
+          </a:xfrm>
+          <a:prstGeom prst="rect">
+            <a:avLst/>
+          </a:prstGeom>
+          <a:noFill/>
+        </p:spPr>
+        <p:txBody>
+          <a:bodyPr wrap="none">
+            <a:spAutoFit/>
+          </a:bodyPr>
+          <a:lstStyle/>
+          <a:p/>
+          <a:p>
+            <a:pPr algn="l">
+              <a:defRPr sz="1400" b="1">
+                <a:solidFill>
+                  <a:srgbClr val="000000"/>
+                </a:solidFill>
+                <a:latin typeface="맑은 고딕"/>
+              </a:defRPr>
+            </a:pPr>
+            <a:r>
+              <a:t>자기소개서</a:t>
+            </a:r>
+          </a:p>
+        </p:txBody>
+      </p:sp>
+      <p:sp>
+        <p:nvSpPr>
+          <p:cNvPr id="5" name="TextBox 4"/>
+          <p:cNvSpPr txBox="1"/>
+          <p:nvPr/>
+        </p:nvSpPr>
+        <p:spPr>
+          <a:xfrm>
+            <a:off x="457200" y="1554480"/>
+            <a:ext cx="6858000" cy="457200"/>
+          </a:xfrm>
+          <a:prstGeom prst="rect">
+            <a:avLst/>
+          </a:prstGeom>
+          <a:noFill/>
+        </p:spPr>
+        <p:txBody>
+          <a:bodyPr wrap="square">
+            <a:spAutoFit/>
+          </a:bodyPr>
+          <a:lstStyle/>
+          <a:p/>
+          <a:p>
+            <a:pPr algn="l">
+              <a:defRPr sz="1000" b="0">
+                <a:solidFill>
+                  <a:srgbClr val="000000"/>
+                </a:solidFill>
+                <a:latin typeface="맑은 고딕"/>
+              </a:defRPr>
+            </a:pPr>
+            <a:r>
+              <a:t>질문 : 질문4</a:t>
+            </a:r>
+          </a:p>
+        </p:txBody>
+      </p:sp>
+      <p:sp>
+        <p:nvSpPr>
+          <p:cNvPr id="6" name="Rectangle 5"/>
+          <p:cNvSpPr/>
+          <p:nvPr/>
+        </p:nvSpPr>
+        <p:spPr>
+          <a:xfrm>
+            <a:off x="457200" y="1691639"/>
+            <a:ext cx="6858000" cy="18288"/>
+          </a:xfrm>
+          <a:prstGeom prst="rect">
+            <a:avLst/>
+          </a:prstGeom>
+          <a:solidFill>
+            <a:srgbClr val="C8C8C8"/>
+          </a:solidFill>
+          <a:ln>
+            <a:noFill/>
+          </a:ln>
+        </p:spPr>
+        <p:style>
+          <a:lnRef idx="1">
+            <a:schemeClr val="accent1"/>
+          </a:lnRef>
+          <a:fillRef idx="3">
+            <a:schemeClr val="accent1"/>
+          </a:fillRef>
+          <a:effectRef idx="2">
+            <a:schemeClr val="accent1"/>
+          </a:effectRef>
+          <a:fontRef idx="minor">
+            <a:schemeClr val="lt1"/>
+          </a:fontRef>
+        </p:style>
+        <p:txBody>
+          <a:bodyPr rtlCol="0" anchor="ctr"/>
+          <a:lstStyle/>
+          <a:p>
+            <a:pPr algn="ctr"/>
+          </a:p>
+        </p:txBody>
+      </p:sp>
+      <p:sp>
+        <p:nvSpPr>
+          <p:cNvPr id="7" name="TextBox 6"/>
+          <p:cNvSpPr txBox="1"/>
+          <p:nvPr/>
+        </p:nvSpPr>
+        <p:spPr>
+          <a:xfrm>
+            <a:off x="457200" y="1600199"/>
+            <a:ext cx="6858000" cy="1828800"/>
+          </a:xfrm>
+          <a:prstGeom prst="rect">
+            <a:avLst/>
+          </a:prstGeom>
+          <a:noFill/>
+        </p:spPr>
+        <p:txBody>
+          <a:bodyPr wrap="square">
+            <a:spAutoFit/>
+          </a:bodyPr>
+          <a:lstStyle/>
+          <a:p/>
+          <a:p>
+            <a:pPr>
+              <a:lnSpc>
+                <a:spcPct val="150000"/>
+              </a:lnSpc>
+              <a:spcBef>
+                <a:spcPts val="1000"/>
+              </a:spcBef>
+              <a:spcAft>
+                <a:spcPts val="1000"/>
+              </a:spcAft>
+            </a:pPr>
+            <a:r>
+              <a:rPr sz="1200">
+                <a:solidFill>
+                  <a:srgbClr val="000000"/>
+                </a:solidFill>
+                <a:latin typeface="맑은 고딕"/>
+              </a:rPr>
+              <a:t>공사 인재상 중 업무에 필요한 전문 기술이 부족하다고 생각합니다.인턴 당시 매달 100명의 서포터즈가 만든 과제물을 하나의 PDF 파일에 </a:t>
+            </a:r>
+            <a:r>
+              <a:rPr u="sng" b="1" sz="1200">
+                <a:solidFill>
+                  <a:srgbClr val="000000"/>
+                </a:solidFill>
+                <a:latin typeface="맑은 고딕"/>
+              </a:rPr>
+              <a:t>(1)취합하여 보고서 형식으로 제출하는 업무를 맡았습니다. 처음에는 PDF취합</a:t>
+            </a:r>
+            <a:r>
+              <a:rPr sz="1200">
+                <a:solidFill>
+                  <a:srgbClr val="000000"/>
+                </a:solidFill>
+                <a:latin typeface="맑은 고딕"/>
+              </a:rPr>
+              <a:t> 방법을 몰랐기에 일일이 복사하여 붙여 넣으며 해당 업무에 시간을 많이 들였습니다. 이후 실무에서 활용도 높은 단축키와 OA기능 관련 강의를 수강하고, 출퇴근 시간에 20분씩 복습하며 </a:t>
+            </a:r>
+            <a:r>
+              <a:rPr u="sng" b="1" sz="1200">
+                <a:solidFill>
+                  <a:srgbClr val="000000"/>
+                </a:solidFill>
+                <a:latin typeface="맑은 고딕"/>
+              </a:rPr>
+              <a:t>(2)암기하였습니다. 이를 통해 업무 시간을 50% 줄였고, 다른 업무의 효율을</a:t>
+            </a:r>
+            <a:r>
+              <a:rPr sz="1200">
+                <a:solidFill>
+                  <a:srgbClr val="000000"/>
+                </a:solidFill>
+                <a:latin typeface="맑은 고딕"/>
+              </a:rPr>
+              <a:t> 높일 수 있었습니다. 한국농수산식품유통공사에 입사한 후, 부서의 업무를 수행하기 위한 문서 작성 및 농수산식품의 정보 관리를 위한 OA기술이 필수라고 생각합니다. 이를 위해 강의 수강뿐만 아니라 직접 해당 기술을 미리 적용해 봄으로써 맡은 업무에 어떤 기술이 필요한지 바로 적용할 수 있도록 숙지하고 연습하겠습니다. OA기술 활용도를 높여 농수산식품의 가치를 높일 수 있는 사업을 기획하고 운영하는 데 이바지하겠습니다.</a:t>
+            </a:r>
+          </a:p>
+        </p:txBody>
+      </p:sp>
+      <p:sp>
+        <p:nvSpPr>
+          <p:cNvPr id="8" name="TextBox 7"/>
+          <p:cNvSpPr txBox="1"/>
+          <p:nvPr/>
+        </p:nvSpPr>
+        <p:spPr>
+          <a:xfrm>
+            <a:off x="457200" y="7187183"/>
+            <a:ext cx="6858000" cy="457200"/>
+          </a:xfrm>
+          <a:prstGeom prst="rect">
+            <a:avLst/>
+          </a:prstGeom>
+          <a:noFill/>
+        </p:spPr>
+        <p:txBody>
+          <a:bodyPr wrap="none">
+            <a:spAutoFit/>
+          </a:bodyPr>
+          <a:lstStyle/>
+          <a:p/>
+          <a:p>
+            <a:pPr algn="l">
+              <a:defRPr sz="1400" b="1">
+                <a:solidFill>
+                  <a:srgbClr val="000000"/>
+                </a:solidFill>
+                <a:latin typeface="맑은 고딕"/>
+              </a:defRPr>
+            </a:pPr>
+            <a:r>
+              <a:t>자기소개서 기반 면접 질문 제안</a:t>
+            </a:r>
+          </a:p>
+        </p:txBody>
+      </p:sp>
+      <p:sp>
+        <p:nvSpPr>
+          <p:cNvPr id="9" name="Rectangle 8"/>
+          <p:cNvSpPr/>
+          <p:nvPr/>
+        </p:nvSpPr>
+        <p:spPr>
+          <a:xfrm>
+            <a:off x="457200" y="7781544"/>
+            <a:ext cx="6858000" cy="18288"/>
+          </a:xfrm>
+          <a:prstGeom prst="rect">
+            <a:avLst/>
+          </a:prstGeom>
+          <a:solidFill>
+            <a:srgbClr val="C8C8C8"/>
+          </a:solidFill>
+          <a:ln>
+            <a:noFill/>
+          </a:ln>
+        </p:spPr>
+        <p:style>
+          <a:lnRef idx="1">
+            <a:schemeClr val="accent1"/>
+          </a:lnRef>
+          <a:fillRef idx="3">
+            <a:schemeClr val="accent1"/>
+          </a:fillRef>
+          <a:effectRef idx="2">
+            <a:schemeClr val="accent1"/>
+          </a:effectRef>
+          <a:fontRef idx="minor">
+            <a:schemeClr val="lt1"/>
+          </a:fontRef>
+        </p:style>
+        <p:txBody>
+          <a:bodyPr rtlCol="0" anchor="ctr"/>
+          <a:lstStyle/>
+          <a:p>
+            <a:pPr algn="ctr"/>
+          </a:p>
+        </p:txBody>
+      </p:sp>
+      <p:sp>
+        <p:nvSpPr>
+          <p:cNvPr id="10" name="Rectangle 9"/>
+          <p:cNvSpPr/>
+          <p:nvPr/>
+        </p:nvSpPr>
+        <p:spPr>
+          <a:xfrm>
+            <a:off x="457200" y="8101583"/>
+            <a:ext cx="6858000" cy="1371600"/>
+          </a:xfrm>
+          <a:prstGeom prst="rect">
+            <a:avLst/>
+          </a:prstGeom>
+          <a:solidFill>
+            <a:srgbClr val="F5F5F5"/>
+          </a:solidFill>
+          <a:ln>
+            <a:solidFill>
+              <a:srgbClr val="B4B4B4"/>
+            </a:solidFill>
+          </a:ln>
+        </p:spPr>
+        <p:style>
+          <a:lnRef idx="1">
+            <a:schemeClr val="accent1"/>
+          </a:lnRef>
+          <a:fillRef idx="3">
+            <a:schemeClr val="accent1"/>
+          </a:fillRef>
+          <a:effectRef idx="2">
+            <a:schemeClr val="accent1"/>
+          </a:effectRef>
+          <a:fontRef idx="minor">
+            <a:schemeClr val="lt1"/>
+          </a:fontRef>
+        </p:style>
+        <p:txBody>
+          <a:bodyPr rtlCol="0" anchor="ctr"/>
+          <a:lstStyle/>
+          <a:p>
+            <a:pPr algn="ctr"/>
+          </a:p>
+          <a:p>
+            <a:pPr>
+              <a:lnSpc>
+                <a:spcPct val="150000"/>
+              </a:lnSpc>
+              <a:spcBef>
+                <a:spcPts val="1000"/>
+              </a:spcBef>
+              <a:spcAft>
+                <a:spcPts val="1000"/>
+              </a:spcAft>
+              <a:defRPr sz="1200" b="1">
+                <a:solidFill>
+                  <a:srgbClr val="000000"/>
+                </a:solidFill>
+                <a:latin typeface="맑은 고딕"/>
+              </a:defRPr>
+            </a:pPr>
+            <a:r>
+              <a:t>(1) PDF 취합 과정에서 배운 가장 큰 교훈은 무엇인가요?</a:t>
+            </a:r>
+            <a:br/>
+            <a:r>
+              <a:t>(2) OA기술을 활용하여 업무 효율을 높인 방법을 구체적으로 설명해 주세요.</a:t>
             </a:r>
           </a:p>
         </p:txBody>
@@ -3575,7 +4893,7 @@
               <a:rPr b="0" sz="1000">
                 <a:latin typeface="맑은 고딕"/>
               </a:rPr>
-              <a:t>회계비서</a:t>
+              <a:t>기본값</a:t>
             </a:r>
           </a:p>
         </p:txBody>
@@ -3649,7 +4967,7 @@
               </a:defRPr>
             </a:pPr>
             <a:r>
-              <a:t>질문 : d</a:t>
+              <a:t>질문 : 질문2</a:t>
             </a:r>
           </a:p>
         </p:txBody>
@@ -3738,7 +5056,7 @@
                 </a:solidFill>
                 <a:latin typeface="맑은 고딕"/>
               </a:rPr>
-              <a:t>[앞에서 이끄는 리더에서 함께 여유를 만드는 </a:t>
+              <a:t>[앞에서 이끄는 리더에서 함께 여유를 만드는 리더로]중소기업의 해외 마케팅 지원 프로젝트를 시작하며 저는 리더로서 다양한 결과물을 만들고자 진행률에 집중했습니다. 온라인 홍보물 제작을 목표로 회의를 진행했지만, 회의 이후에 한 팀원이 프로젝트의 속도를 따라오기 힘들다며 프로젝트를 포기하겠다는 의사를 </a:t>
             </a:r>
             <a:r>
               <a:rPr u="sng" b="1" sz="1200">
@@ -3747,7 +5065,7 @@
                 </a:solidFill>
                 <a:latin typeface="맑은 고딕"/>
               </a:rPr>
-              <a:t>(1)리더로]중소기업의 해외 마케팅 지원 프로젝트를 시작하며 저는 리더로서 다양한 결과물을 만들고자 진행률에 집중했습니다. 온라인 홍보물 제작을 목표로 회의를 진행했지만,</a:t>
+              <a:t>(1)밝혔습니다.이는 진행 속도에 대한 의견 차이와 갈등으로 이어졌고, 저는 의욕적인 마음에 앞에서 이끌기만 했다는 것을 느꼈습니다. 그래서 의사소통을 보완하며 ‘여유로운 리더십’(2)을 전달하려고 했습니다. 먼저, 회의 안건을 미리 공지하여 팀원들에게 생각할 여유를 주었습니다. 그리고 매 회의의 내용을 정리하여 진행 방향을 공유했습니다. 이를 통해 더 많은 아이디어가</a:t>
             </a:r>
             <a:r>
               <a:rPr sz="1200">
@@ -3756,25 +5074,7 @@
                 </a:solidFill>
                 <a:latin typeface="맑은 고딕"/>
               </a:rPr>
-              <a:t> 회의 이후에 한 팀원이 프로젝트의 속도를 따라오기 힘들다며 프로젝트를 포기하겠다는 의사를 밝혔습니다.이는 진행 속도에 대한 의견 </a:t>
-            </a:r>
-            <a:r>
-              <a:rPr u="sng" b="1" sz="1200">
-                <a:solidFill>
-                  <a:srgbClr val="000000"/>
-                </a:solidFill>
-                <a:latin typeface="맑은 고딕"/>
-              </a:rPr>
-              <a:t>(2)차이와 갈등으로 이어졌고, 저는 의욕적인 마음에 앞에서 이끌기만 했다는 것을 느꼈습니다. 그래서 의사소통을 보완하며 ‘여유로운 리더십’을 전달하려고</a:t>
-            </a:r>
-            <a:r>
-              <a:rPr sz="1200">
-                <a:solidFill>
-                  <a:srgbClr val="000000"/>
-                </a:solidFill>
-                <a:latin typeface="맑은 고딕"/>
-              </a:rPr>
-              <a:t> 했습니다. 먼저, 회의 안건을 미리 공지하여 팀원들에게 생각할 여유를 주었습니다. 그리고 매 회의의 내용을 정리하여 진행 방향을 공유했습니다. 이를 통해 더 많은 아이디어가 도출되며 캐릭터 만화, 퀴즈 등 창의적인 홍보물로 팀 프로젝트 1위를 달성했습니다.팀 활동에 있어서 의사소통의 중요성을 크게 깨닫게 된 경험이었으며, 의사소통 부족 문제를 능동적으로 해결하는 리더십을 배울 수 있었습니다.</a:t>
+              <a:t> 도출되며 캐릭터 만화, 퀴즈 등 창의적인 홍보물로 팀 프로젝트 1위를 달성했습니다.팀 활동에 있어서 의사소통의 중요성을 크게 깨닫게 된 경험이었으며, 의사소통 부족 문제를 능동적으로 해결하는 리더십을 배울 수 있었습니다.</a:t>
             </a:r>
           </a:p>
         </p:txBody>
@@ -3921,11 +5221,11 @@
               </a:defRPr>
             </a:pPr>
             <a:r>
-              <a:t>(1) 프로젝트 속도와 관련하여 팀원들과의 갈등을 어떻게 해결하셨나요?</a:t>
+              <a:t>(1) 진행 속도에 대한 의견 차이를 해결하기 위해 어떤 전략을 사용하셨나요?</a:t>
             </a:r>
             <a:br/>
             <a:r>
-              <a:t>(2) 팀원들이 프로젝트에 더 많은 아이디어를 내도록 독려하기 위해 어떤 방법을 사용했나요?</a:t>
+              <a:t>(2) 여유로운 리더십을 적용하여 팀의 결과물이 향상된 구체적인 사례를 설명해주세요.</a:t>
             </a:r>
           </a:p>
         </p:txBody>
@@ -3999,7 +5299,7 @@
               <a:rPr b="0" sz="1000">
                 <a:latin typeface="맑은 고딕"/>
               </a:rPr>
-              <a:t>C0100002
+              <a:t>C0100001
 </a:t>
             </a:r>
             <a:r>
@@ -4012,7 +5312,7 @@
               <a:rPr b="0" sz="1000">
                 <a:latin typeface="맑은 고딕"/>
               </a:rPr>
-              <a:t>테스트직업입니다</a:t>
+              <a:t>기본값</a:t>
             </a:r>
           </a:p>
         </p:txBody>
@@ -4086,7 +5386,7 @@
               </a:defRPr>
             </a:pPr>
             <a:r>
-              <a:t>질문 : ㅁㄴㄹㄴㅁㄹㄴㅁㅇㄹㅇㄹㄴㄹㄴㅁㅇㄻㄴㅇㄹㄴㅁㅇㄹㄴㅁㅇㄹㄴㅁㅇㄹㄴㅁㅇㄻㄴㅇㄻㄴㅇㄹㄴㅁㅇㄻㄻㄴㄹㄴㅁㅇㄻㅇㄻㄴㅇㄹㄴㅁㅇㄹ</a:t>
+              <a:t>질문 : 질문3</a:t>
             </a:r>
           </a:p>
         </p:txBody>
@@ -4175,7 +5475,7 @@
                 </a:solidFill>
                 <a:latin typeface="맑은 고딕"/>
               </a:rPr>
-              <a:t>대학에서 경영학과 중어중문학을 전공하며 배운 지식들을 실무에 </a:t>
+              <a:t>[다각도로 원인을 파악하고, 근본적으로 해결하는 과정]멘토단에서 초, 중, 고등학생들을 위한 전공 프로그램을 운영하며 프로그램이 예상보다 빨리 끝나 공백이 발생한다는 문제가 있었습니다. 처음엔 단순히 수업의 양이 </a:t>
             </a:r>
             <a:r>
               <a:rPr u="sng" b="1" sz="1200">
@@ -4184,7 +5484,7 @@
                 </a:solidFill>
                 <a:latin typeface="맑은 고딕"/>
               </a:rPr>
-              <a:t>(1)적용하기 위해 ○○공사에서 인턴과 계약직 사원으로 근무했습니다. 국제곡물정보와 해외농산물수입정보를 조사하며 농산물 가격 변동을 파악하고 선제적으로 관리함으로써, 수급관리에</a:t>
+              <a:t>(1)부족하다고 생각하여 내용을 추가했지만, 문제는 계속 반복되었습니다. 원인을 정확하게 파악하기 위해 입학처 선생님과 수강생에게 피드백을 받았고, 수업을 녹화해 분석했습니다.(2)피드백을 통해 학년에 따른 수업 내용의 차이가 필요함을 알게 되었고, 녹화를 통해 학생들의 질문이 예상보다 적다는 공통점을 파악했습니다. 이에 학년별 프로그램 차별화를 통해 수업의 질을 높이고,</a:t>
             </a:r>
             <a:r>
               <a:rPr sz="1200">
@@ -4193,25 +5493,7 @@
                 </a:solidFill>
                 <a:latin typeface="맑은 고딕"/>
               </a:rPr>
-              <a:t> 대한 실무 경험을 쌓고자 노력하였습니다.특히 농산물수입동향보고서 작성과 해외수입정보검증회의 개최를 통해 수입농산물과 관세제도에 대한 전문지식을 쌓았으며, 외신보도모니터링과 해외 모니터들과의 소통을 통해 실무적 외국어 능력도 향상시켰습니다. 이를 통해 농산물수급관리와 수입동향조사에 필요한 분석력 및 전문성을 갖출 수 있었습니다.입사 후 이러한 경험을 바탕으로 공사의 핵심사업인 </a:t>
-            </a:r>
-            <a:r>
-              <a:rPr u="sng" b="1" sz="1200">
-                <a:solidFill>
-                  <a:srgbClr val="000000"/>
-                </a:solidFill>
-                <a:latin typeface="맑은 고딕"/>
-              </a:rPr>
-              <a:t>(2)농산물 수급관리 업무에 기여하고자 합니다. 수입정보조사와 관세제도에 대한 지식을 활용해 시장 변화에 선제적으로 대응할 수 있는 전략을 수립하고, 외국어 소통능력을</a:t>
-            </a:r>
-            <a:r>
-              <a:rPr sz="1200">
-                <a:solidFill>
-                  <a:srgbClr val="000000"/>
-                </a:solidFill>
-                <a:latin typeface="맑은 고딕"/>
-              </a:rPr>
-              <a:t> 적극 활용하여 글로벌 농산물시장에 대한 이해를 넓혀 수급 안정화에 이바지하는 인재가 되겠습니다.</a:t>
+              <a:t> 학생들의 흥미를 자극하는 수업을 기획했습니다. 이를 통해 수업 공백을 줄였고, 학생들의 만족도를 약 50%에서 90%로 향상할 수 있었습니다.앞으로의 업무 과정에서 발생하는 문제의 원인은 하나보다 많을 것입니다. 여러 측면에서 문제의 원인을 파악하고, 이를 근본적으로 보완하며 최선의 결과에 도달하겠습니다.</a:t>
             </a:r>
           </a:p>
         </p:txBody>
@@ -4224,7 +5506,7 @@
         </p:nvSpPr>
         <p:spPr>
           <a:xfrm>
-            <a:off x="457200" y="7136892"/>
+            <a:off x="457200" y="7178040"/>
             <a:ext cx="6858000" cy="457200"/>
           </a:xfrm>
           <a:prstGeom prst="rect">
@@ -4261,7 +5543,7 @@
         </p:nvSpPr>
         <p:spPr>
           <a:xfrm>
-            <a:off x="457200" y="7731252"/>
+            <a:off x="457200" y="7772400"/>
             <a:ext cx="6858000" cy="18288"/>
           </a:xfrm>
           <a:prstGeom prst="rect">
@@ -4304,7 +5586,7 @@
         </p:nvSpPr>
         <p:spPr>
           <a:xfrm>
-            <a:off x="457200" y="8051292"/>
+            <a:off x="457200" y="8092440"/>
             <a:ext cx="6858000" cy="1371600"/>
           </a:xfrm>
           <a:prstGeom prst="rect">
@@ -4358,11 +5640,11 @@
               </a:defRPr>
             </a:pPr>
             <a:r>
-              <a:t>(1) ○○공사에서 인턴과 계약직 사원으로 근무하면서 얻은 가장 큰 실무 경험은 무엇이었나요?</a:t>
+              <a:t>(1) 문제의 원인을 다각도로 파악하고 보완한 구체적인 방법은 무엇인지 설명해주세요.</a:t>
             </a:r>
             <a:br/>
             <a:r>
-              <a:t>(2) 농산물 수급관리 업무에서 외국어 소통 능력을 어떻게 활용할 계획인가요?</a:t>
+              <a:t>(2) 수업 공백 문제를 해결하기 위해 학년별 프로그램 차별화를 어떻게 기획하셨나요?</a:t>
             </a:r>
           </a:p>
         </p:txBody>
@@ -4436,7 +5718,7 @@
               <a:rPr b="0" sz="1000">
                 <a:latin typeface="맑은 고딕"/>
               </a:rPr>
-              <a:t>C0100002
+              <a:t>C0100001
 </a:t>
             </a:r>
             <a:r>
@@ -4449,7 +5731,7 @@
               <a:rPr b="0" sz="1000">
                 <a:latin typeface="맑은 고딕"/>
               </a:rPr>
-              <a:t>테스트분야입니다</a:t>
+              <a:t>기본값</a:t>
             </a:r>
           </a:p>
         </p:txBody>
@@ -4523,7 +5805,7 @@
               </a:defRPr>
             </a:pPr>
             <a:r>
-              <a:t>질문 : d</a:t>
+              <a:t>질문 : 질문4</a:t>
             </a:r>
           </a:p>
         </p:txBody>
@@ -4606,13 +5888,22 @@
               </a:spcAft>
             </a:pPr>
             <a:r>
+              <a:rPr sz="1200">
+                <a:solidFill>
+                  <a:srgbClr val="000000"/>
+                </a:solidFill>
+                <a:latin typeface="맑은 고딕"/>
+              </a:rPr>
+              <a:t>[공사의 전문인으로 나아가기 위한 폭넓은 지식]공사의 인턴으로 근무하며 전문 지식의 부족함을 느꼈고, 발전에 대한 </a:t>
+            </a:r>
+            <a:r>
               <a:rPr u="sng" b="1" sz="1200">
                 <a:solidFill>
                   <a:srgbClr val="000000"/>
                 </a:solidFill>
                 <a:latin typeface="맑은 고딕"/>
               </a:rPr>
-              <a:t>(1)외국인유학생서포터즈 활동 당시, 중국인 팀원의 소극적인 태도로 인해 다른 팀원들이 그 친구의 퇴출을 주장하며 갈등이 발생했습니다. 당시 저는 팀원들의 의견을 존중하면서도 서포터즈 간의 원만한 관계 유지를 위해 갈등을 해결하고자 노력했습니다.우선</a:t>
+              <a:t>(1)동기부여를 만들었습니다. 국산밀 정부 수매 업무를 지원하며 세부추진 계획서를 통해 업무 프로세스를 파악하고, 문의 사항을 답변하기 위해 관련 용어와 업무매뉴얼을 숙지했습니다.수매가</a:t>
             </a:r>
             <a:r>
               <a:rPr sz="1200">
@@ -4621,7 +5912,7 @@
                 </a:solidFill>
                 <a:latin typeface="맑은 고딕"/>
               </a:rPr>
-              <a:t> 중국인 친구와의 면담을 통해 한국어가 서툴러 회의내용을 이해하고 맡은 업무 수행하는데 어려움을 겪고 있다는 점을 알게 되었습니다. 따라서 팀원들에게 상황을 설명하고, 퇴출보다는 그 친구의 역할을 </a:t>
+              <a:t> 시작되며 매일 100건이 넘는 문의가 들어왔고, 업무매뉴얼을 넘어 전문적인 지식을 요구하는 문의 사항도 있었습니다. 이런 경우에는 대리님께 해결을 요청했지만, 한편으로는 제가 역량이 있었다면 업무 효율성과 고객 만족도를 높일 수 있었겠다는 아쉬움이 </a:t>
             </a:r>
             <a:r>
               <a:rPr u="sng" b="1" sz="1200">
@@ -4630,7 +5921,7 @@
                 </a:solidFill>
                 <a:latin typeface="맑은 고딕"/>
               </a:rPr>
-              <a:t>(2)조정하는 방향으로 함께 해결해보자고 설득했습니다. 이후 그 친구에게 회의내용을 중국어로 다시 설명해주고, 중국어 통번역 업무를 맡기며 역할을 재조정했습니다.</a:t>
+              <a:t>(2)있었습니다. 이에 향후 사업을 전문적으로 수행하기 위한 계약 및 회계 지식의 필요성을 느꼈습니다.입사 후, 계약 지식과</a:t>
             </a:r>
             <a:r>
               <a:rPr sz="1200">
@@ -4639,7 +5930,7 @@
                 </a:solidFill>
                 <a:latin typeface="맑은 고딕"/>
               </a:rPr>
-              <a:t> 그 결과 중국인 친구는 활동에 적극적으로 참여하는 모습을 보였고, 팀원들 간의 관계도 원만하게 유지되었습니다.이 경험을 통해 갈등 상황속에서 소통과 배려의 중요성을 깨달았으며, 입사 후에도 부서원들과 상호 이해를 바탕으로 협력하여 조직에 긍정적인 영향을 미치고자 합니다.</a:t>
+              <a:t> 프로세스를 습득하기 위해 관련 교육을 수강하겠습니다. 또한, 전산회계, 세무 자격증을 취득하여 비용 집행 및 정산 등의 역량을 발전시키겠습니다. 업무에서 느낀 지식의 필요성을 계속해서 충족하며 업무 역량을 향상하겠습니다.</a:t>
             </a:r>
           </a:p>
         </p:txBody>
@@ -4652,7 +5943,7 @@
         </p:nvSpPr>
         <p:spPr>
           <a:xfrm>
-            <a:off x="457200" y="7136892"/>
+            <a:off x="457200" y="7178040"/>
             <a:ext cx="6858000" cy="457200"/>
           </a:xfrm>
           <a:prstGeom prst="rect">
@@ -4689,7 +5980,7 @@
         </p:nvSpPr>
         <p:spPr>
           <a:xfrm>
-            <a:off x="457200" y="7731252"/>
+            <a:off x="457200" y="7772400"/>
             <a:ext cx="6858000" cy="18288"/>
           </a:xfrm>
           <a:prstGeom prst="rect">
@@ -4732,7 +6023,7 @@
         </p:nvSpPr>
         <p:spPr>
           <a:xfrm>
-            <a:off x="457200" y="8051292"/>
+            <a:off x="457200" y="8092440"/>
             <a:ext cx="6858000" cy="1371600"/>
           </a:xfrm>
           <a:prstGeom prst="rect">
@@ -4786,11 +6077,2142 @@
               </a:defRPr>
             </a:pPr>
             <a:r>
-              <a:t>(1) 외국인유학생서포터즈 활동 중 팀 내 갈등 해결을 위해 어떤 과정을 거쳤나요?</a:t>
+              <a:t>(1) 국산밀 정부 수매 업무 지원 중 직면한 전문 지식 부족 문제를 극복하기 위해 구체적으로 어떤 노력을 하셨나요?</a:t>
             </a:r>
             <a:br/>
             <a:r>
-              <a:t>(2) 중국인 팀원의 적극적 상태 변화를 어떻게 이끌어냈나요?</a:t>
+              <a:t>(2) 입사 후 계약 지식과 프로세스를 습득하기 위해 어떤 계획을 가지고 계신가요?</a:t>
+            </a:r>
+          </a:p>
+        </p:txBody>
+      </p:sp>
+    </p:spTree>
+  </p:cSld>
+  <p:clrMapOvr>
+    <a:masterClrMapping/>
+  </p:clrMapOvr>
+</p:sld>
+</file>
+
+<file path=ppt/slides/slide5.xml><?xml version="1.0" encoding="utf-8"?>
+<p:sld xmlns:a="http://schemas.openxmlformats.org/drawingml/2006/main" xmlns:p="http://schemas.openxmlformats.org/presentationml/2006/main" xmlns:r="http://schemas.openxmlformats.org/officeDocument/2006/relationships">
+  <p:cSld>
+    <p:spTree>
+      <p:nvGrpSpPr>
+        <p:cNvPr id="1" name=""/>
+        <p:cNvGrpSpPr/>
+        <p:nvPr/>
+      </p:nvGrpSpPr>
+      <p:grpSpPr/>
+      <p:sp>
+        <p:nvSpPr>
+          <p:cNvPr id="2" name="Title 1"/>
+          <p:cNvSpPr>
+            <a:spLocks noGrp="1"/>
+          </p:cNvSpPr>
+          <p:nvPr>
+            <p:ph type="title"/>
+          </p:nvPr>
+        </p:nvSpPr>
+        <p:spPr/>
+        <p:txBody>
+          <a:bodyPr/>
+          <a:lstStyle/>
+          <a:p/>
+        </p:txBody>
+      </p:sp>
+      <p:sp>
+        <p:nvSpPr>
+          <p:cNvPr id="3" name="TextBox 2"/>
+          <p:cNvSpPr txBox="1"/>
+          <p:nvPr/>
+        </p:nvSpPr>
+        <p:spPr>
+          <a:xfrm>
+            <a:off x="457200" y="457200"/>
+            <a:ext cx="2743200" cy="457200"/>
+          </a:xfrm>
+          <a:prstGeom prst="rect">
+            <a:avLst/>
+          </a:prstGeom>
+          <a:noFill/>
+        </p:spPr>
+        <p:txBody>
+          <a:bodyPr wrap="none">
+            <a:spAutoFit/>
+          </a:bodyPr>
+          <a:lstStyle/>
+          <a:p/>
+          <a:p>
+            <a:pPr algn="l"/>
+            <a:r>
+              <a:rPr b="1" sz="1000">
+                <a:latin typeface="맑은 고딕"/>
+              </a:rPr>
+              <a:t>수험번호 : </a:t>
+            </a:r>
+            <a:r>
+              <a:rPr b="0" sz="1000">
+                <a:latin typeface="맑은 고딕"/>
+              </a:rPr>
+              <a:t>C0100002
+</a:t>
+            </a:r>
+            <a:r>
+              <a:rPr b="1" sz="1000">
+                <a:latin typeface="맑은 고딕"/>
+              </a:rPr>
+              <a:t>지원분야 : </a:t>
+            </a:r>
+            <a:r>
+              <a:rPr b="0" sz="1000">
+                <a:latin typeface="맑은 고딕"/>
+              </a:rPr>
+              <a:t>기본값</a:t>
+            </a:r>
+          </a:p>
+        </p:txBody>
+      </p:sp>
+      <p:sp>
+        <p:nvSpPr>
+          <p:cNvPr id="4" name="TextBox 3"/>
+          <p:cNvSpPr txBox="1"/>
+          <p:nvPr/>
+        </p:nvSpPr>
+        <p:spPr>
+          <a:xfrm>
+            <a:off x="457200" y="1097280"/>
+            <a:ext cx="6858000" cy="457200"/>
+          </a:xfrm>
+          <a:prstGeom prst="rect">
+            <a:avLst/>
+          </a:prstGeom>
+          <a:noFill/>
+        </p:spPr>
+        <p:txBody>
+          <a:bodyPr wrap="none">
+            <a:spAutoFit/>
+          </a:bodyPr>
+          <a:lstStyle/>
+          <a:p/>
+          <a:p>
+            <a:pPr algn="l">
+              <a:defRPr sz="1400" b="1">
+                <a:solidFill>
+                  <a:srgbClr val="000000"/>
+                </a:solidFill>
+                <a:latin typeface="맑은 고딕"/>
+              </a:defRPr>
+            </a:pPr>
+            <a:r>
+              <a:t>자기소개서</a:t>
+            </a:r>
+          </a:p>
+        </p:txBody>
+      </p:sp>
+      <p:sp>
+        <p:nvSpPr>
+          <p:cNvPr id="5" name="TextBox 4"/>
+          <p:cNvSpPr txBox="1"/>
+          <p:nvPr/>
+        </p:nvSpPr>
+        <p:spPr>
+          <a:xfrm>
+            <a:off x="457200" y="1554480"/>
+            <a:ext cx="6858000" cy="457200"/>
+          </a:xfrm>
+          <a:prstGeom prst="rect">
+            <a:avLst/>
+          </a:prstGeom>
+          <a:noFill/>
+        </p:spPr>
+        <p:txBody>
+          <a:bodyPr wrap="square">
+            <a:spAutoFit/>
+          </a:bodyPr>
+          <a:lstStyle/>
+          <a:p/>
+          <a:p>
+            <a:pPr algn="l">
+              <a:defRPr sz="1000" b="0">
+                <a:solidFill>
+                  <a:srgbClr val="000000"/>
+                </a:solidFill>
+                <a:latin typeface="맑은 고딕"/>
+              </a:defRPr>
+            </a:pPr>
+            <a:r>
+              <a:t>질문 : 질문1</a:t>
+            </a:r>
+          </a:p>
+        </p:txBody>
+      </p:sp>
+      <p:sp>
+        <p:nvSpPr>
+          <p:cNvPr id="6" name="Rectangle 5"/>
+          <p:cNvSpPr/>
+          <p:nvPr/>
+        </p:nvSpPr>
+        <p:spPr>
+          <a:xfrm>
+            <a:off x="457200" y="1691639"/>
+            <a:ext cx="6858000" cy="18288"/>
+          </a:xfrm>
+          <a:prstGeom prst="rect">
+            <a:avLst/>
+          </a:prstGeom>
+          <a:solidFill>
+            <a:srgbClr val="C8C8C8"/>
+          </a:solidFill>
+          <a:ln>
+            <a:noFill/>
+          </a:ln>
+        </p:spPr>
+        <p:style>
+          <a:lnRef idx="1">
+            <a:schemeClr val="accent1"/>
+          </a:lnRef>
+          <a:fillRef idx="3">
+            <a:schemeClr val="accent1"/>
+          </a:fillRef>
+          <a:effectRef idx="2">
+            <a:schemeClr val="accent1"/>
+          </a:effectRef>
+          <a:fontRef idx="minor">
+            <a:schemeClr val="lt1"/>
+          </a:fontRef>
+        </p:style>
+        <p:txBody>
+          <a:bodyPr rtlCol="0" anchor="ctr"/>
+          <a:lstStyle/>
+          <a:p>
+            <a:pPr algn="ctr"/>
+          </a:p>
+        </p:txBody>
+      </p:sp>
+      <p:sp>
+        <p:nvSpPr>
+          <p:cNvPr id="7" name="TextBox 6"/>
+          <p:cNvSpPr txBox="1"/>
+          <p:nvPr/>
+        </p:nvSpPr>
+        <p:spPr>
+          <a:xfrm>
+            <a:off x="457200" y="1600199"/>
+            <a:ext cx="6858000" cy="1828800"/>
+          </a:xfrm>
+          <a:prstGeom prst="rect">
+            <a:avLst/>
+          </a:prstGeom>
+          <a:noFill/>
+        </p:spPr>
+        <p:txBody>
+          <a:bodyPr wrap="square">
+            <a:spAutoFit/>
+          </a:bodyPr>
+          <a:lstStyle/>
+          <a:p/>
+          <a:p>
+            <a:pPr>
+              <a:lnSpc>
+                <a:spcPct val="150000"/>
+              </a:lnSpc>
+              <a:spcBef>
+                <a:spcPts val="1000"/>
+              </a:spcBef>
+              <a:spcAft>
+                <a:spcPts val="1000"/>
+              </a:spcAft>
+            </a:pPr>
+            <a:r>
+              <a:rPr sz="1200">
+                <a:solidFill>
+                  <a:srgbClr val="000000"/>
+                </a:solidFill>
+                <a:latin typeface="맑은 고딕"/>
+              </a:rPr>
+              <a:t>대학에서 경영학과 중어중문학을 전공하며 배운 지식들을 실무에 적용하기 </a:t>
+            </a:r>
+            <a:r>
+              <a:rPr u="sng" b="1" sz="1200">
+                <a:solidFill>
+                  <a:srgbClr val="000000"/>
+                </a:solidFill>
+                <a:latin typeface="맑은 고딕"/>
+              </a:rPr>
+              <a:t>(1)위해 ○○공사에서 인턴과 계약직 사원으로 근무했습니다. 국제곡물정보와 해외농산물수입정보를 조사하며 농산물 가격 변동을</a:t>
+            </a:r>
+            <a:r>
+              <a:rPr sz="1200">
+                <a:solidFill>
+                  <a:srgbClr val="000000"/>
+                </a:solidFill>
+                <a:latin typeface="맑은 고딕"/>
+              </a:rPr>
+              <a:t> </a:t>
+            </a:r>
+            <a:r>
+              <a:rPr u="sng" b="1" sz="1200">
+                <a:solidFill>
+                  <a:srgbClr val="000000"/>
+                </a:solidFill>
+                <a:latin typeface="맑은 고딕"/>
+              </a:rPr>
+              <a:t>(2)파악하고 선제적으로 관리함으로써, 수급관리에 대한 실무 경험을 쌓고자 노력하였습니다.특히 농산물수입동향보고서 작성과 해외수입정보검증회의</a:t>
+            </a:r>
+            <a:r>
+              <a:rPr sz="1200">
+                <a:solidFill>
+                  <a:srgbClr val="000000"/>
+                </a:solidFill>
+                <a:latin typeface="맑은 고딕"/>
+              </a:rPr>
+              <a:t> 개최를 통해 수입농산물과 관세제도에 대한 전문지식을 쌓았으며, 외신보도모니터링과 해외 모니터들과의 소통을 통해 실무적 외국어 능력도 향상시켰습니다. 이를 통해 농산물수급관리와 수입동향조사에 필요한 분석력 및 전문성을 갖출 수 있었습니다.입사 후 이러한 경험을 바탕으로 공사의 핵심사업인 농산물 수급관리 업무에 기여하고자 합니다. 수입정보조사와 관세제도에 대한 지식을 활용해 시장 변화에 선제적으로 대응할 수 있는 전략을 수립하고, 외국어 소통능력을 적극 활용하여 글로벌 농산물시장에 대한 이해를 넓혀 수급 안정화에 이바지하는 인재가 되겠습니다.</a:t>
+            </a:r>
+          </a:p>
+        </p:txBody>
+      </p:sp>
+      <p:sp>
+        <p:nvSpPr>
+          <p:cNvPr id="8" name="TextBox 7"/>
+          <p:cNvSpPr txBox="1"/>
+          <p:nvPr/>
+        </p:nvSpPr>
+        <p:spPr>
+          <a:xfrm>
+            <a:off x="457200" y="7136892"/>
+            <a:ext cx="6858000" cy="457200"/>
+          </a:xfrm>
+          <a:prstGeom prst="rect">
+            <a:avLst/>
+          </a:prstGeom>
+          <a:noFill/>
+        </p:spPr>
+        <p:txBody>
+          <a:bodyPr wrap="none">
+            <a:spAutoFit/>
+          </a:bodyPr>
+          <a:lstStyle/>
+          <a:p/>
+          <a:p>
+            <a:pPr algn="l">
+              <a:defRPr sz="1400" b="1">
+                <a:solidFill>
+                  <a:srgbClr val="000000"/>
+                </a:solidFill>
+                <a:latin typeface="맑은 고딕"/>
+              </a:defRPr>
+            </a:pPr>
+            <a:r>
+              <a:t>자기소개서 기반 면접 질문 제안</a:t>
+            </a:r>
+          </a:p>
+        </p:txBody>
+      </p:sp>
+      <p:sp>
+        <p:nvSpPr>
+          <p:cNvPr id="9" name="Rectangle 8"/>
+          <p:cNvSpPr/>
+          <p:nvPr/>
+        </p:nvSpPr>
+        <p:spPr>
+          <a:xfrm>
+            <a:off x="457200" y="7731252"/>
+            <a:ext cx="6858000" cy="18288"/>
+          </a:xfrm>
+          <a:prstGeom prst="rect">
+            <a:avLst/>
+          </a:prstGeom>
+          <a:solidFill>
+            <a:srgbClr val="C8C8C8"/>
+          </a:solidFill>
+          <a:ln>
+            <a:noFill/>
+          </a:ln>
+        </p:spPr>
+        <p:style>
+          <a:lnRef idx="1">
+            <a:schemeClr val="accent1"/>
+          </a:lnRef>
+          <a:fillRef idx="3">
+            <a:schemeClr val="accent1"/>
+          </a:fillRef>
+          <a:effectRef idx="2">
+            <a:schemeClr val="accent1"/>
+          </a:effectRef>
+          <a:fontRef idx="minor">
+            <a:schemeClr val="lt1"/>
+          </a:fontRef>
+        </p:style>
+        <p:txBody>
+          <a:bodyPr rtlCol="0" anchor="ctr"/>
+          <a:lstStyle/>
+          <a:p>
+            <a:pPr algn="ctr"/>
+          </a:p>
+        </p:txBody>
+      </p:sp>
+      <p:sp>
+        <p:nvSpPr>
+          <p:cNvPr id="10" name="Rectangle 9"/>
+          <p:cNvSpPr/>
+          <p:nvPr/>
+        </p:nvSpPr>
+        <p:spPr>
+          <a:xfrm>
+            <a:off x="457200" y="8051292"/>
+            <a:ext cx="6858000" cy="1371600"/>
+          </a:xfrm>
+          <a:prstGeom prst="rect">
+            <a:avLst/>
+          </a:prstGeom>
+          <a:solidFill>
+            <a:srgbClr val="F5F5F5"/>
+          </a:solidFill>
+          <a:ln>
+            <a:solidFill>
+              <a:srgbClr val="B4B4B4"/>
+            </a:solidFill>
+          </a:ln>
+        </p:spPr>
+        <p:style>
+          <a:lnRef idx="1">
+            <a:schemeClr val="accent1"/>
+          </a:lnRef>
+          <a:fillRef idx="3">
+            <a:schemeClr val="accent1"/>
+          </a:fillRef>
+          <a:effectRef idx="2">
+            <a:schemeClr val="accent1"/>
+          </a:effectRef>
+          <a:fontRef idx="minor">
+            <a:schemeClr val="lt1"/>
+          </a:fontRef>
+        </p:style>
+        <p:txBody>
+          <a:bodyPr rtlCol="0" anchor="ctr"/>
+          <a:lstStyle/>
+          <a:p>
+            <a:pPr algn="ctr"/>
+          </a:p>
+          <a:p>
+            <a:pPr>
+              <a:lnSpc>
+                <a:spcPct val="150000"/>
+              </a:lnSpc>
+              <a:spcBef>
+                <a:spcPts val="1000"/>
+              </a:spcBef>
+              <a:spcAft>
+                <a:spcPts val="1000"/>
+              </a:spcAft>
+              <a:defRPr sz="1200" b="1">
+                <a:solidFill>
+                  <a:srgbClr val="000000"/>
+                </a:solidFill>
+                <a:latin typeface="맑은 고딕"/>
+              </a:defRPr>
+            </a:pPr>
+            <a:r>
+              <a:t>(1) 국제곡물정보 및 해외농산물수입정보 조사를 통해 얻은 가장 큰 성과는 무엇이었나요?</a:t>
+            </a:r>
+            <a:br/>
+            <a:r>
+              <a:t>(2) 공사에서의 수입농산물과 관세제도 관련 전문지식은 실무에 어떻게 활용하고자 하셨나요?</a:t>
+            </a:r>
+          </a:p>
+        </p:txBody>
+      </p:sp>
+    </p:spTree>
+  </p:cSld>
+  <p:clrMapOvr>
+    <a:masterClrMapping/>
+  </p:clrMapOvr>
+</p:sld>
+</file>
+
+<file path=ppt/slides/slide6.xml><?xml version="1.0" encoding="utf-8"?>
+<p:sld xmlns:a="http://schemas.openxmlformats.org/drawingml/2006/main" xmlns:p="http://schemas.openxmlformats.org/presentationml/2006/main" xmlns:r="http://schemas.openxmlformats.org/officeDocument/2006/relationships">
+  <p:cSld>
+    <p:spTree>
+      <p:nvGrpSpPr>
+        <p:cNvPr id="1" name=""/>
+        <p:cNvGrpSpPr/>
+        <p:nvPr/>
+      </p:nvGrpSpPr>
+      <p:grpSpPr/>
+      <p:sp>
+        <p:nvSpPr>
+          <p:cNvPr id="2" name="Title 1"/>
+          <p:cNvSpPr>
+            <a:spLocks noGrp="1"/>
+          </p:cNvSpPr>
+          <p:nvPr>
+            <p:ph type="title"/>
+          </p:nvPr>
+        </p:nvSpPr>
+        <p:spPr/>
+        <p:txBody>
+          <a:bodyPr/>
+          <a:lstStyle/>
+          <a:p/>
+        </p:txBody>
+      </p:sp>
+      <p:sp>
+        <p:nvSpPr>
+          <p:cNvPr id="3" name="TextBox 2"/>
+          <p:cNvSpPr txBox="1"/>
+          <p:nvPr/>
+        </p:nvSpPr>
+        <p:spPr>
+          <a:xfrm>
+            <a:off x="457200" y="457200"/>
+            <a:ext cx="2743200" cy="457200"/>
+          </a:xfrm>
+          <a:prstGeom prst="rect">
+            <a:avLst/>
+          </a:prstGeom>
+          <a:noFill/>
+        </p:spPr>
+        <p:txBody>
+          <a:bodyPr wrap="none">
+            <a:spAutoFit/>
+          </a:bodyPr>
+          <a:lstStyle/>
+          <a:p/>
+          <a:p>
+            <a:pPr algn="l"/>
+            <a:r>
+              <a:rPr b="1" sz="1000">
+                <a:latin typeface="맑은 고딕"/>
+              </a:rPr>
+              <a:t>수험번호 : </a:t>
+            </a:r>
+            <a:r>
+              <a:rPr b="0" sz="1000">
+                <a:latin typeface="맑은 고딕"/>
+              </a:rPr>
+              <a:t>C0100002
+</a:t>
+            </a:r>
+            <a:r>
+              <a:rPr b="1" sz="1000">
+                <a:latin typeface="맑은 고딕"/>
+              </a:rPr>
+              <a:t>지원분야 : </a:t>
+            </a:r>
+            <a:r>
+              <a:rPr b="0" sz="1000">
+                <a:latin typeface="맑은 고딕"/>
+              </a:rPr>
+              <a:t>기본값</a:t>
+            </a:r>
+          </a:p>
+        </p:txBody>
+      </p:sp>
+      <p:sp>
+        <p:nvSpPr>
+          <p:cNvPr id="4" name="TextBox 3"/>
+          <p:cNvSpPr txBox="1"/>
+          <p:nvPr/>
+        </p:nvSpPr>
+        <p:spPr>
+          <a:xfrm>
+            <a:off x="457200" y="1097280"/>
+            <a:ext cx="6858000" cy="457200"/>
+          </a:xfrm>
+          <a:prstGeom prst="rect">
+            <a:avLst/>
+          </a:prstGeom>
+          <a:noFill/>
+        </p:spPr>
+        <p:txBody>
+          <a:bodyPr wrap="none">
+            <a:spAutoFit/>
+          </a:bodyPr>
+          <a:lstStyle/>
+          <a:p/>
+          <a:p>
+            <a:pPr algn="l">
+              <a:defRPr sz="1400" b="1">
+                <a:solidFill>
+                  <a:srgbClr val="000000"/>
+                </a:solidFill>
+                <a:latin typeface="맑은 고딕"/>
+              </a:defRPr>
+            </a:pPr>
+            <a:r>
+              <a:t>자기소개서</a:t>
+            </a:r>
+          </a:p>
+        </p:txBody>
+      </p:sp>
+      <p:sp>
+        <p:nvSpPr>
+          <p:cNvPr id="5" name="TextBox 4"/>
+          <p:cNvSpPr txBox="1"/>
+          <p:nvPr/>
+        </p:nvSpPr>
+        <p:spPr>
+          <a:xfrm>
+            <a:off x="457200" y="1554480"/>
+            <a:ext cx="6858000" cy="457200"/>
+          </a:xfrm>
+          <a:prstGeom prst="rect">
+            <a:avLst/>
+          </a:prstGeom>
+          <a:noFill/>
+        </p:spPr>
+        <p:txBody>
+          <a:bodyPr wrap="square">
+            <a:spAutoFit/>
+          </a:bodyPr>
+          <a:lstStyle/>
+          <a:p/>
+          <a:p>
+            <a:pPr algn="l">
+              <a:defRPr sz="1000" b="0">
+                <a:solidFill>
+                  <a:srgbClr val="000000"/>
+                </a:solidFill>
+                <a:latin typeface="맑은 고딕"/>
+              </a:defRPr>
+            </a:pPr>
+            <a:r>
+              <a:t>질문 : 질문2</a:t>
+            </a:r>
+          </a:p>
+        </p:txBody>
+      </p:sp>
+      <p:sp>
+        <p:nvSpPr>
+          <p:cNvPr id="6" name="Rectangle 5"/>
+          <p:cNvSpPr/>
+          <p:nvPr/>
+        </p:nvSpPr>
+        <p:spPr>
+          <a:xfrm>
+            <a:off x="457200" y="1691639"/>
+            <a:ext cx="6858000" cy="18288"/>
+          </a:xfrm>
+          <a:prstGeom prst="rect">
+            <a:avLst/>
+          </a:prstGeom>
+          <a:solidFill>
+            <a:srgbClr val="C8C8C8"/>
+          </a:solidFill>
+          <a:ln>
+            <a:noFill/>
+          </a:ln>
+        </p:spPr>
+        <p:style>
+          <a:lnRef idx="1">
+            <a:schemeClr val="accent1"/>
+          </a:lnRef>
+          <a:fillRef idx="3">
+            <a:schemeClr val="accent1"/>
+          </a:fillRef>
+          <a:effectRef idx="2">
+            <a:schemeClr val="accent1"/>
+          </a:effectRef>
+          <a:fontRef idx="minor">
+            <a:schemeClr val="lt1"/>
+          </a:fontRef>
+        </p:style>
+        <p:txBody>
+          <a:bodyPr rtlCol="0" anchor="ctr"/>
+          <a:lstStyle/>
+          <a:p>
+            <a:pPr algn="ctr"/>
+          </a:p>
+        </p:txBody>
+      </p:sp>
+      <p:sp>
+        <p:nvSpPr>
+          <p:cNvPr id="7" name="TextBox 6"/>
+          <p:cNvSpPr txBox="1"/>
+          <p:nvPr/>
+        </p:nvSpPr>
+        <p:spPr>
+          <a:xfrm>
+            <a:off x="457200" y="1600199"/>
+            <a:ext cx="6858000" cy="1828800"/>
+          </a:xfrm>
+          <a:prstGeom prst="rect">
+            <a:avLst/>
+          </a:prstGeom>
+          <a:noFill/>
+        </p:spPr>
+        <p:txBody>
+          <a:bodyPr wrap="square">
+            <a:spAutoFit/>
+          </a:bodyPr>
+          <a:lstStyle/>
+          <a:p/>
+          <a:p>
+            <a:pPr>
+              <a:lnSpc>
+                <a:spcPct val="150000"/>
+              </a:lnSpc>
+              <a:spcBef>
+                <a:spcPts val="1000"/>
+              </a:spcBef>
+              <a:spcAft>
+                <a:spcPts val="1000"/>
+              </a:spcAft>
+            </a:pPr>
+            <a:r>
+              <a:rPr sz="1200">
+                <a:solidFill>
+                  <a:srgbClr val="000000"/>
+                </a:solidFill>
+                <a:latin typeface="맑은 고딕"/>
+              </a:rPr>
+              <a:t>외국인유학생서포터즈 활동 당시, 중국인 팀원의 소극적인 태도로 인해 다른 팀원들이 그 친구의 퇴출을 주장하며 갈등이 </a:t>
+            </a:r>
+            <a:r>
+              <a:rPr u="sng" b="1" sz="1200">
+                <a:solidFill>
+                  <a:srgbClr val="000000"/>
+                </a:solidFill>
+                <a:latin typeface="맑은 고딕"/>
+              </a:rPr>
+              <a:t>(1)발생했습니다. 당시 저는 팀원들의 의견을 존중하면서도 서포터즈 간의 원만한 관계 유지를 위해 갈등을 해결하고자 노력했습니다.우선 중국인 친구와의 면담을 통해 한국어가 서툴러 회의내용을 이해하고 맡은 업무 수행하는데 어려움을 겪고 있다는 점을 알게 되었습니다. 따라서 (2)팀원들에게 상황을 설명하고, 퇴출보다는 그 친구의 역할을 조정하는 방향으로 함께 해결해보자고 설득했습니다. 이후 그 친구에게 회의내용을 중국어로 다시</a:t>
+            </a:r>
+            <a:r>
+              <a:rPr sz="1200">
+                <a:solidFill>
+                  <a:srgbClr val="000000"/>
+                </a:solidFill>
+                <a:latin typeface="맑은 고딕"/>
+              </a:rPr>
+              <a:t> 설명해주고, 중국어 통번역 업무를 맡기며 역할을 재조정했습니다. 그 결과 중국인 친구는 활동에 적극적으로 참여하는 모습을 보였고, 팀원들 간의 관계도 원만하게 유지되었습니다.이 경험을 통해 갈등 상황속에서 소통과 배려의 중요성을 깨달았으며, 입사 후에도 부서원들과 상호 이해를 바탕으로 협력하여 조직에 긍정적인 영향을 미치고자 합니다.</a:t>
+            </a:r>
+          </a:p>
+        </p:txBody>
+      </p:sp>
+      <p:sp>
+        <p:nvSpPr>
+          <p:cNvPr id="8" name="TextBox 7"/>
+          <p:cNvSpPr txBox="1"/>
+          <p:nvPr/>
+        </p:nvSpPr>
+        <p:spPr>
+          <a:xfrm>
+            <a:off x="457200" y="7136892"/>
+            <a:ext cx="6858000" cy="457200"/>
+          </a:xfrm>
+          <a:prstGeom prst="rect">
+            <a:avLst/>
+          </a:prstGeom>
+          <a:noFill/>
+        </p:spPr>
+        <p:txBody>
+          <a:bodyPr wrap="none">
+            <a:spAutoFit/>
+          </a:bodyPr>
+          <a:lstStyle/>
+          <a:p/>
+          <a:p>
+            <a:pPr algn="l">
+              <a:defRPr sz="1400" b="1">
+                <a:solidFill>
+                  <a:srgbClr val="000000"/>
+                </a:solidFill>
+                <a:latin typeface="맑은 고딕"/>
+              </a:defRPr>
+            </a:pPr>
+            <a:r>
+              <a:t>자기소개서 기반 면접 질문 제안</a:t>
+            </a:r>
+          </a:p>
+        </p:txBody>
+      </p:sp>
+      <p:sp>
+        <p:nvSpPr>
+          <p:cNvPr id="9" name="Rectangle 8"/>
+          <p:cNvSpPr/>
+          <p:nvPr/>
+        </p:nvSpPr>
+        <p:spPr>
+          <a:xfrm>
+            <a:off x="457200" y="7731252"/>
+            <a:ext cx="6858000" cy="18288"/>
+          </a:xfrm>
+          <a:prstGeom prst="rect">
+            <a:avLst/>
+          </a:prstGeom>
+          <a:solidFill>
+            <a:srgbClr val="C8C8C8"/>
+          </a:solidFill>
+          <a:ln>
+            <a:noFill/>
+          </a:ln>
+        </p:spPr>
+        <p:style>
+          <a:lnRef idx="1">
+            <a:schemeClr val="accent1"/>
+          </a:lnRef>
+          <a:fillRef idx="3">
+            <a:schemeClr val="accent1"/>
+          </a:fillRef>
+          <a:effectRef idx="2">
+            <a:schemeClr val="accent1"/>
+          </a:effectRef>
+          <a:fontRef idx="minor">
+            <a:schemeClr val="lt1"/>
+          </a:fontRef>
+        </p:style>
+        <p:txBody>
+          <a:bodyPr rtlCol="0" anchor="ctr"/>
+          <a:lstStyle/>
+          <a:p>
+            <a:pPr algn="ctr"/>
+          </a:p>
+        </p:txBody>
+      </p:sp>
+      <p:sp>
+        <p:nvSpPr>
+          <p:cNvPr id="10" name="Rectangle 9"/>
+          <p:cNvSpPr/>
+          <p:nvPr/>
+        </p:nvSpPr>
+        <p:spPr>
+          <a:xfrm>
+            <a:off x="457200" y="8051292"/>
+            <a:ext cx="6858000" cy="1371600"/>
+          </a:xfrm>
+          <a:prstGeom prst="rect">
+            <a:avLst/>
+          </a:prstGeom>
+          <a:solidFill>
+            <a:srgbClr val="F5F5F5"/>
+          </a:solidFill>
+          <a:ln>
+            <a:solidFill>
+              <a:srgbClr val="B4B4B4"/>
+            </a:solidFill>
+          </a:ln>
+        </p:spPr>
+        <p:style>
+          <a:lnRef idx="1">
+            <a:schemeClr val="accent1"/>
+          </a:lnRef>
+          <a:fillRef idx="3">
+            <a:schemeClr val="accent1"/>
+          </a:fillRef>
+          <a:effectRef idx="2">
+            <a:schemeClr val="accent1"/>
+          </a:effectRef>
+          <a:fontRef idx="minor">
+            <a:schemeClr val="lt1"/>
+          </a:fontRef>
+        </p:style>
+        <p:txBody>
+          <a:bodyPr rtlCol="0" anchor="ctr"/>
+          <a:lstStyle/>
+          <a:p>
+            <a:pPr algn="ctr"/>
+          </a:p>
+          <a:p>
+            <a:pPr>
+              <a:lnSpc>
+                <a:spcPct val="150000"/>
+              </a:lnSpc>
+              <a:spcBef>
+                <a:spcPts val="1000"/>
+              </a:spcBef>
+              <a:spcAft>
+                <a:spcPts val="1000"/>
+              </a:spcAft>
+              <a:defRPr sz="1200" b="1">
+                <a:solidFill>
+                  <a:srgbClr val="000000"/>
+                </a:solidFill>
+                <a:latin typeface="맑은 고딕"/>
+              </a:defRPr>
+            </a:pPr>
+            <a:r>
+              <a:t>(1) 외국인유학생서포터즈 활동 시 갈등을 해결하기 위해 어떤 구체적인 방법을 사용했나요?</a:t>
+            </a:r>
+            <a:br/>
+            <a:r>
+              <a:t>(2) 그 팀원에게 담당 업무를 재조정한 결과는 어떻게 되었나요?</a:t>
+            </a:r>
+          </a:p>
+        </p:txBody>
+      </p:sp>
+    </p:spTree>
+  </p:cSld>
+  <p:clrMapOvr>
+    <a:masterClrMapping/>
+  </p:clrMapOvr>
+</p:sld>
+</file>
+
+<file path=ppt/slides/slide7.xml><?xml version="1.0" encoding="utf-8"?>
+<p:sld xmlns:a="http://schemas.openxmlformats.org/drawingml/2006/main" xmlns:p="http://schemas.openxmlformats.org/presentationml/2006/main" xmlns:r="http://schemas.openxmlformats.org/officeDocument/2006/relationships">
+  <p:cSld>
+    <p:spTree>
+      <p:nvGrpSpPr>
+        <p:cNvPr id="1" name=""/>
+        <p:cNvGrpSpPr/>
+        <p:nvPr/>
+      </p:nvGrpSpPr>
+      <p:grpSpPr/>
+      <p:sp>
+        <p:nvSpPr>
+          <p:cNvPr id="2" name="Title 1"/>
+          <p:cNvSpPr>
+            <a:spLocks noGrp="1"/>
+          </p:cNvSpPr>
+          <p:nvPr>
+            <p:ph type="title"/>
+          </p:nvPr>
+        </p:nvSpPr>
+        <p:spPr/>
+        <p:txBody>
+          <a:bodyPr/>
+          <a:lstStyle/>
+          <a:p/>
+        </p:txBody>
+      </p:sp>
+      <p:sp>
+        <p:nvSpPr>
+          <p:cNvPr id="3" name="TextBox 2"/>
+          <p:cNvSpPr txBox="1"/>
+          <p:nvPr/>
+        </p:nvSpPr>
+        <p:spPr>
+          <a:xfrm>
+            <a:off x="457200" y="457200"/>
+            <a:ext cx="2743200" cy="457200"/>
+          </a:xfrm>
+          <a:prstGeom prst="rect">
+            <a:avLst/>
+          </a:prstGeom>
+          <a:noFill/>
+        </p:spPr>
+        <p:txBody>
+          <a:bodyPr wrap="none">
+            <a:spAutoFit/>
+          </a:bodyPr>
+          <a:lstStyle/>
+          <a:p/>
+          <a:p>
+            <a:pPr algn="l"/>
+            <a:r>
+              <a:rPr b="1" sz="1000">
+                <a:latin typeface="맑은 고딕"/>
+              </a:rPr>
+              <a:t>수험번호 : </a:t>
+            </a:r>
+            <a:r>
+              <a:rPr b="0" sz="1000">
+                <a:latin typeface="맑은 고딕"/>
+              </a:rPr>
+              <a:t>C0100002
+</a:t>
+            </a:r>
+            <a:r>
+              <a:rPr b="1" sz="1000">
+                <a:latin typeface="맑은 고딕"/>
+              </a:rPr>
+              <a:t>지원분야 : </a:t>
+            </a:r>
+            <a:r>
+              <a:rPr b="0" sz="1000">
+                <a:latin typeface="맑은 고딕"/>
+              </a:rPr>
+              <a:t>기본값</a:t>
+            </a:r>
+          </a:p>
+        </p:txBody>
+      </p:sp>
+      <p:sp>
+        <p:nvSpPr>
+          <p:cNvPr id="4" name="TextBox 3"/>
+          <p:cNvSpPr txBox="1"/>
+          <p:nvPr/>
+        </p:nvSpPr>
+        <p:spPr>
+          <a:xfrm>
+            <a:off x="457200" y="1097280"/>
+            <a:ext cx="6858000" cy="457200"/>
+          </a:xfrm>
+          <a:prstGeom prst="rect">
+            <a:avLst/>
+          </a:prstGeom>
+          <a:noFill/>
+        </p:spPr>
+        <p:txBody>
+          <a:bodyPr wrap="none">
+            <a:spAutoFit/>
+          </a:bodyPr>
+          <a:lstStyle/>
+          <a:p/>
+          <a:p>
+            <a:pPr algn="l">
+              <a:defRPr sz="1400" b="1">
+                <a:solidFill>
+                  <a:srgbClr val="000000"/>
+                </a:solidFill>
+                <a:latin typeface="맑은 고딕"/>
+              </a:defRPr>
+            </a:pPr>
+            <a:r>
+              <a:t>자기소개서</a:t>
+            </a:r>
+          </a:p>
+        </p:txBody>
+      </p:sp>
+      <p:sp>
+        <p:nvSpPr>
+          <p:cNvPr id="5" name="TextBox 4"/>
+          <p:cNvSpPr txBox="1"/>
+          <p:nvPr/>
+        </p:nvSpPr>
+        <p:spPr>
+          <a:xfrm>
+            <a:off x="457200" y="1554480"/>
+            <a:ext cx="6858000" cy="457200"/>
+          </a:xfrm>
+          <a:prstGeom prst="rect">
+            <a:avLst/>
+          </a:prstGeom>
+          <a:noFill/>
+        </p:spPr>
+        <p:txBody>
+          <a:bodyPr wrap="square">
+            <a:spAutoFit/>
+          </a:bodyPr>
+          <a:lstStyle/>
+          <a:p/>
+          <a:p>
+            <a:pPr algn="l">
+              <a:defRPr sz="1000" b="0">
+                <a:solidFill>
+                  <a:srgbClr val="000000"/>
+                </a:solidFill>
+                <a:latin typeface="맑은 고딕"/>
+              </a:defRPr>
+            </a:pPr>
+            <a:r>
+              <a:t>질문 : 질문3</a:t>
+            </a:r>
+          </a:p>
+        </p:txBody>
+      </p:sp>
+      <p:sp>
+        <p:nvSpPr>
+          <p:cNvPr id="6" name="Rectangle 5"/>
+          <p:cNvSpPr/>
+          <p:nvPr/>
+        </p:nvSpPr>
+        <p:spPr>
+          <a:xfrm>
+            <a:off x="457200" y="1691639"/>
+            <a:ext cx="6858000" cy="18288"/>
+          </a:xfrm>
+          <a:prstGeom prst="rect">
+            <a:avLst/>
+          </a:prstGeom>
+          <a:solidFill>
+            <a:srgbClr val="C8C8C8"/>
+          </a:solidFill>
+          <a:ln>
+            <a:noFill/>
+          </a:ln>
+        </p:spPr>
+        <p:style>
+          <a:lnRef idx="1">
+            <a:schemeClr val="accent1"/>
+          </a:lnRef>
+          <a:fillRef idx="3">
+            <a:schemeClr val="accent1"/>
+          </a:fillRef>
+          <a:effectRef idx="2">
+            <a:schemeClr val="accent1"/>
+          </a:effectRef>
+          <a:fontRef idx="minor">
+            <a:schemeClr val="lt1"/>
+          </a:fontRef>
+        </p:style>
+        <p:txBody>
+          <a:bodyPr rtlCol="0" anchor="ctr"/>
+          <a:lstStyle/>
+          <a:p>
+            <a:pPr algn="ctr"/>
+          </a:p>
+        </p:txBody>
+      </p:sp>
+      <p:sp>
+        <p:nvSpPr>
+          <p:cNvPr id="7" name="TextBox 6"/>
+          <p:cNvSpPr txBox="1"/>
+          <p:nvPr/>
+        </p:nvSpPr>
+        <p:spPr>
+          <a:xfrm>
+            <a:off x="457200" y="1600199"/>
+            <a:ext cx="6858000" cy="1828800"/>
+          </a:xfrm>
+          <a:prstGeom prst="rect">
+            <a:avLst/>
+          </a:prstGeom>
+          <a:noFill/>
+        </p:spPr>
+        <p:txBody>
+          <a:bodyPr wrap="square">
+            <a:spAutoFit/>
+          </a:bodyPr>
+          <a:lstStyle/>
+          <a:p/>
+          <a:p>
+            <a:pPr>
+              <a:lnSpc>
+                <a:spcPct val="150000"/>
+              </a:lnSpc>
+              <a:spcBef>
+                <a:spcPts val="1000"/>
+              </a:spcBef>
+              <a:spcAft>
+                <a:spcPts val="1000"/>
+              </a:spcAft>
+            </a:pPr>
+            <a:r>
+              <a:rPr sz="1200">
+                <a:solidFill>
+                  <a:srgbClr val="000000"/>
+                </a:solidFill>
+                <a:latin typeface="맑은 고딕"/>
+              </a:rPr>
+              <a:t>영어라디오방송을 진행하며, 낮은 프로그램 청취율 문제를 해결하고자 했던 경험이 있습니다. 처음에는 청취율 상승을 목표로 프로그램 홍보를 강화하는 데 </a:t>
+            </a:r>
+            <a:r>
+              <a:rPr u="sng" b="1" sz="1200">
+                <a:solidFill>
+                  <a:srgbClr val="000000"/>
+                </a:solidFill>
+                <a:latin typeface="맑은 고딕"/>
+              </a:rPr>
+              <a:t>(1)집중했지만, 홍보만으로는 청취율이 크게 개선되지 않아 원인 파악에 실패했음을 깨달았습니다.청취자들의 요구를 제대로 이해하기 위해, 영어라디오를 듣는 목적을 분석했습니다. 이를 통해 대부분의 청취자들이 영어학습을 위해 라디오를 청취한다는 것을 알게 되었고 따라서 (2)영어학습 콘텐츠를 강화하는 것이 필요하다고 판단했습니다. 그 결과 영어표현을 설명하는 ‘디스 모닝 잉글리시’라는 콘텐츠를 제작해 라디오 프로그램에 추가했고, 콘텐츠를 오디오클립에도 게시하여 청취자들이 반복 청취할 수 있도록 유도했습니다.이</a:t>
+            </a:r>
+            <a:r>
+              <a:rPr sz="1200">
+                <a:solidFill>
+                  <a:srgbClr val="000000"/>
+                </a:solidFill>
+                <a:latin typeface="맑은 고딕"/>
+              </a:rPr>
+              <a:t> 전략을 통해 청취율은 점차 상승하기 시작했고, 오디오클립 구독자 수는 6개월 만에 3,000명에 이르는 큰 성과를 거둘 수 있었습니다. 이 경험을 통해 문제해결을 위해서 근본적 원인 파악과 분석적 접근이 중요하다는 것을 알 수 있었습니다.</a:t>
+            </a:r>
+          </a:p>
+        </p:txBody>
+      </p:sp>
+      <p:sp>
+        <p:nvSpPr>
+          <p:cNvPr id="8" name="TextBox 7"/>
+          <p:cNvSpPr txBox="1"/>
+          <p:nvPr/>
+        </p:nvSpPr>
+        <p:spPr>
+          <a:xfrm>
+            <a:off x="457200" y="7187183"/>
+            <a:ext cx="6858000" cy="457200"/>
+          </a:xfrm>
+          <a:prstGeom prst="rect">
+            <a:avLst/>
+          </a:prstGeom>
+          <a:noFill/>
+        </p:spPr>
+        <p:txBody>
+          <a:bodyPr wrap="none">
+            <a:spAutoFit/>
+          </a:bodyPr>
+          <a:lstStyle/>
+          <a:p/>
+          <a:p>
+            <a:pPr algn="l">
+              <a:defRPr sz="1400" b="1">
+                <a:solidFill>
+                  <a:srgbClr val="000000"/>
+                </a:solidFill>
+                <a:latin typeface="맑은 고딕"/>
+              </a:defRPr>
+            </a:pPr>
+            <a:r>
+              <a:t>자기소개서 기반 면접 질문 제안</a:t>
+            </a:r>
+          </a:p>
+        </p:txBody>
+      </p:sp>
+      <p:sp>
+        <p:nvSpPr>
+          <p:cNvPr id="9" name="Rectangle 8"/>
+          <p:cNvSpPr/>
+          <p:nvPr/>
+        </p:nvSpPr>
+        <p:spPr>
+          <a:xfrm>
+            <a:off x="457200" y="7781544"/>
+            <a:ext cx="6858000" cy="18288"/>
+          </a:xfrm>
+          <a:prstGeom prst="rect">
+            <a:avLst/>
+          </a:prstGeom>
+          <a:solidFill>
+            <a:srgbClr val="C8C8C8"/>
+          </a:solidFill>
+          <a:ln>
+            <a:noFill/>
+          </a:ln>
+        </p:spPr>
+        <p:style>
+          <a:lnRef idx="1">
+            <a:schemeClr val="accent1"/>
+          </a:lnRef>
+          <a:fillRef idx="3">
+            <a:schemeClr val="accent1"/>
+          </a:fillRef>
+          <a:effectRef idx="2">
+            <a:schemeClr val="accent1"/>
+          </a:effectRef>
+          <a:fontRef idx="minor">
+            <a:schemeClr val="lt1"/>
+          </a:fontRef>
+        </p:style>
+        <p:txBody>
+          <a:bodyPr rtlCol="0" anchor="ctr"/>
+          <a:lstStyle/>
+          <a:p>
+            <a:pPr algn="ctr"/>
+          </a:p>
+        </p:txBody>
+      </p:sp>
+      <p:sp>
+        <p:nvSpPr>
+          <p:cNvPr id="10" name="Rectangle 9"/>
+          <p:cNvSpPr/>
+          <p:nvPr/>
+        </p:nvSpPr>
+        <p:spPr>
+          <a:xfrm>
+            <a:off x="457200" y="8101583"/>
+            <a:ext cx="6858000" cy="1371600"/>
+          </a:xfrm>
+          <a:prstGeom prst="rect">
+            <a:avLst/>
+          </a:prstGeom>
+          <a:solidFill>
+            <a:srgbClr val="F5F5F5"/>
+          </a:solidFill>
+          <a:ln>
+            <a:solidFill>
+              <a:srgbClr val="B4B4B4"/>
+            </a:solidFill>
+          </a:ln>
+        </p:spPr>
+        <p:style>
+          <a:lnRef idx="1">
+            <a:schemeClr val="accent1"/>
+          </a:lnRef>
+          <a:fillRef idx="3">
+            <a:schemeClr val="accent1"/>
+          </a:fillRef>
+          <a:effectRef idx="2">
+            <a:schemeClr val="accent1"/>
+          </a:effectRef>
+          <a:fontRef idx="minor">
+            <a:schemeClr val="lt1"/>
+          </a:fontRef>
+        </p:style>
+        <p:txBody>
+          <a:bodyPr rtlCol="0" anchor="ctr"/>
+          <a:lstStyle/>
+          <a:p>
+            <a:pPr algn="ctr"/>
+          </a:p>
+          <a:p>
+            <a:pPr>
+              <a:lnSpc>
+                <a:spcPct val="150000"/>
+              </a:lnSpc>
+              <a:spcBef>
+                <a:spcPts val="1000"/>
+              </a:spcBef>
+              <a:spcAft>
+                <a:spcPts val="1000"/>
+              </a:spcAft>
+              <a:defRPr sz="1200" b="1">
+                <a:solidFill>
+                  <a:srgbClr val="000000"/>
+                </a:solidFill>
+                <a:latin typeface="맑은 고딕"/>
+              </a:defRPr>
+            </a:pPr>
+            <a:r>
+              <a:t>(1) 영어라디오방송에서 청취자의 요구에 맞춰 어떻게 콘텐츠를 개선하셨나요?</a:t>
+            </a:r>
+            <a:br/>
+            <a:r>
+              <a:t>(2) 라디오 프로그램 오디오클립 전략의 성과는 무엇이었나요?</a:t>
+            </a:r>
+          </a:p>
+        </p:txBody>
+      </p:sp>
+    </p:spTree>
+  </p:cSld>
+  <p:clrMapOvr>
+    <a:masterClrMapping/>
+  </p:clrMapOvr>
+</p:sld>
+</file>
+
+<file path=ppt/slides/slide8.xml><?xml version="1.0" encoding="utf-8"?>
+<p:sld xmlns:a="http://schemas.openxmlformats.org/drawingml/2006/main" xmlns:p="http://schemas.openxmlformats.org/presentationml/2006/main" xmlns:r="http://schemas.openxmlformats.org/officeDocument/2006/relationships">
+  <p:cSld>
+    <p:spTree>
+      <p:nvGrpSpPr>
+        <p:cNvPr id="1" name=""/>
+        <p:cNvGrpSpPr/>
+        <p:nvPr/>
+      </p:nvGrpSpPr>
+      <p:grpSpPr/>
+      <p:sp>
+        <p:nvSpPr>
+          <p:cNvPr id="2" name="Title 1"/>
+          <p:cNvSpPr>
+            <a:spLocks noGrp="1"/>
+          </p:cNvSpPr>
+          <p:nvPr>
+            <p:ph type="title"/>
+          </p:nvPr>
+        </p:nvSpPr>
+        <p:spPr/>
+        <p:txBody>
+          <a:bodyPr/>
+          <a:lstStyle/>
+          <a:p/>
+        </p:txBody>
+      </p:sp>
+      <p:sp>
+        <p:nvSpPr>
+          <p:cNvPr id="3" name="TextBox 2"/>
+          <p:cNvSpPr txBox="1"/>
+          <p:nvPr/>
+        </p:nvSpPr>
+        <p:spPr>
+          <a:xfrm>
+            <a:off x="457200" y="457200"/>
+            <a:ext cx="2743200" cy="457200"/>
+          </a:xfrm>
+          <a:prstGeom prst="rect">
+            <a:avLst/>
+          </a:prstGeom>
+          <a:noFill/>
+        </p:spPr>
+        <p:txBody>
+          <a:bodyPr wrap="none">
+            <a:spAutoFit/>
+          </a:bodyPr>
+          <a:lstStyle/>
+          <a:p/>
+          <a:p>
+            <a:pPr algn="l"/>
+            <a:r>
+              <a:rPr b="1" sz="1000">
+                <a:latin typeface="맑은 고딕"/>
+              </a:rPr>
+              <a:t>수험번호 : </a:t>
+            </a:r>
+            <a:r>
+              <a:rPr b="0" sz="1000">
+                <a:latin typeface="맑은 고딕"/>
+              </a:rPr>
+              <a:t>C0100002
+</a:t>
+            </a:r>
+            <a:r>
+              <a:rPr b="1" sz="1000">
+                <a:latin typeface="맑은 고딕"/>
+              </a:rPr>
+              <a:t>지원분야 : </a:t>
+            </a:r>
+            <a:r>
+              <a:rPr b="0" sz="1000">
+                <a:latin typeface="맑은 고딕"/>
+              </a:rPr>
+              <a:t>기본값</a:t>
+            </a:r>
+          </a:p>
+        </p:txBody>
+      </p:sp>
+      <p:sp>
+        <p:nvSpPr>
+          <p:cNvPr id="4" name="TextBox 3"/>
+          <p:cNvSpPr txBox="1"/>
+          <p:nvPr/>
+        </p:nvSpPr>
+        <p:spPr>
+          <a:xfrm>
+            <a:off x="457200" y="1097280"/>
+            <a:ext cx="6858000" cy="457200"/>
+          </a:xfrm>
+          <a:prstGeom prst="rect">
+            <a:avLst/>
+          </a:prstGeom>
+          <a:noFill/>
+        </p:spPr>
+        <p:txBody>
+          <a:bodyPr wrap="none">
+            <a:spAutoFit/>
+          </a:bodyPr>
+          <a:lstStyle/>
+          <a:p/>
+          <a:p>
+            <a:pPr algn="l">
+              <a:defRPr sz="1400" b="1">
+                <a:solidFill>
+                  <a:srgbClr val="000000"/>
+                </a:solidFill>
+                <a:latin typeface="맑은 고딕"/>
+              </a:defRPr>
+            </a:pPr>
+            <a:r>
+              <a:t>자기소개서</a:t>
+            </a:r>
+          </a:p>
+        </p:txBody>
+      </p:sp>
+      <p:sp>
+        <p:nvSpPr>
+          <p:cNvPr id="5" name="TextBox 4"/>
+          <p:cNvSpPr txBox="1"/>
+          <p:nvPr/>
+        </p:nvSpPr>
+        <p:spPr>
+          <a:xfrm>
+            <a:off x="457200" y="1554480"/>
+            <a:ext cx="6858000" cy="457200"/>
+          </a:xfrm>
+          <a:prstGeom prst="rect">
+            <a:avLst/>
+          </a:prstGeom>
+          <a:noFill/>
+        </p:spPr>
+        <p:txBody>
+          <a:bodyPr wrap="square">
+            <a:spAutoFit/>
+          </a:bodyPr>
+          <a:lstStyle/>
+          <a:p/>
+          <a:p>
+            <a:pPr algn="l">
+              <a:defRPr sz="1000" b="0">
+                <a:solidFill>
+                  <a:srgbClr val="000000"/>
+                </a:solidFill>
+                <a:latin typeface="맑은 고딕"/>
+              </a:defRPr>
+            </a:pPr>
+            <a:r>
+              <a:t>질문 : 질문4</a:t>
+            </a:r>
+          </a:p>
+        </p:txBody>
+      </p:sp>
+      <p:sp>
+        <p:nvSpPr>
+          <p:cNvPr id="6" name="Rectangle 5"/>
+          <p:cNvSpPr/>
+          <p:nvPr/>
+        </p:nvSpPr>
+        <p:spPr>
+          <a:xfrm>
+            <a:off x="457200" y="1691639"/>
+            <a:ext cx="6858000" cy="18288"/>
+          </a:xfrm>
+          <a:prstGeom prst="rect">
+            <a:avLst/>
+          </a:prstGeom>
+          <a:solidFill>
+            <a:srgbClr val="C8C8C8"/>
+          </a:solidFill>
+          <a:ln>
+            <a:noFill/>
+          </a:ln>
+        </p:spPr>
+        <p:style>
+          <a:lnRef idx="1">
+            <a:schemeClr val="accent1"/>
+          </a:lnRef>
+          <a:fillRef idx="3">
+            <a:schemeClr val="accent1"/>
+          </a:fillRef>
+          <a:effectRef idx="2">
+            <a:schemeClr val="accent1"/>
+          </a:effectRef>
+          <a:fontRef idx="minor">
+            <a:schemeClr val="lt1"/>
+          </a:fontRef>
+        </p:style>
+        <p:txBody>
+          <a:bodyPr rtlCol="0" anchor="ctr"/>
+          <a:lstStyle/>
+          <a:p>
+            <a:pPr algn="ctr"/>
+          </a:p>
+        </p:txBody>
+      </p:sp>
+      <p:sp>
+        <p:nvSpPr>
+          <p:cNvPr id="7" name="TextBox 6"/>
+          <p:cNvSpPr txBox="1"/>
+          <p:nvPr/>
+        </p:nvSpPr>
+        <p:spPr>
+          <a:xfrm>
+            <a:off x="457200" y="1600199"/>
+            <a:ext cx="6858000" cy="1828800"/>
+          </a:xfrm>
+          <a:prstGeom prst="rect">
+            <a:avLst/>
+          </a:prstGeom>
+          <a:noFill/>
+        </p:spPr>
+        <p:txBody>
+          <a:bodyPr wrap="square">
+            <a:spAutoFit/>
+          </a:bodyPr>
+          <a:lstStyle/>
+          <a:p/>
+          <a:p>
+            <a:pPr>
+              <a:lnSpc>
+                <a:spcPct val="150000"/>
+              </a:lnSpc>
+              <a:spcBef>
+                <a:spcPts val="1000"/>
+              </a:spcBef>
+              <a:spcAft>
+                <a:spcPts val="1000"/>
+              </a:spcAft>
+            </a:pPr>
+            <a:r>
+              <a:rPr sz="1200">
+                <a:solidFill>
+                  <a:srgbClr val="000000"/>
+                </a:solidFill>
+                <a:latin typeface="맑은 고딕"/>
+              </a:rPr>
+              <a:t>aT의 인재상 중 제가 부족하다고 생각하는 부분은 전문인 역량입니다. 공사 근무경험을 통해 농산물 수급 및 수입업무에 대한 실무경험과 전문지식을 쌓았지만, 수출, 유통, 식품산업에 대한 경험과 지식은 부족합니다. 따라서 </a:t>
+            </a:r>
+            <a:r>
+              <a:rPr u="sng" b="1" sz="1200">
+                <a:solidFill>
+                  <a:srgbClr val="000000"/>
+                </a:solidFill>
+                <a:latin typeface="맑은 고딕"/>
+              </a:rPr>
+              <a:t>(1)이러한 편중된 전문성을 극복하고 aT의 전반적인 업무에 대한 이해도를 높이기 위한 노력이 필요하다 생각합니다.우선 aT의 농산물수출사업과 해외시장동향을 심층적으로 파악하여 수출 관련 지식을 보완하고자 (2)합니다. 또 최근 농산물 유통에서 빅데이터와 인공지능 기술의 활용이 확대되고 있는 만큼 이러한 기술들을 적극적으로 학습하여 유통과정의</a:t>
+            </a:r>
+            <a:r>
+              <a:rPr sz="1200">
+                <a:solidFill>
+                  <a:srgbClr val="000000"/>
+                </a:solidFill>
+                <a:latin typeface="맑은 고딕"/>
+              </a:rPr>
+              <a:t> 효율성을 높일 수 있는 방안을 모색하겠습니다. 더불어 한류의 영향으로 빠르게 성장하고 있는 식품산업 트렌드를 분석하고 연구하여 식품분야의 전문지식 또한 갖추겠습니다.이러한 노력으로 수출, 유통, 식품산업의 전문성을 균형 있게 키움으로써, aT의 모든 업무를 아우르는 전문가로 성장해 공사의 목표 달성에 기여해 나가겠습니다.</a:t>
+            </a:r>
+          </a:p>
+        </p:txBody>
+      </p:sp>
+      <p:sp>
+        <p:nvSpPr>
+          <p:cNvPr id="8" name="TextBox 7"/>
+          <p:cNvSpPr txBox="1"/>
+          <p:nvPr/>
+        </p:nvSpPr>
+        <p:spPr>
+          <a:xfrm>
+            <a:off x="457200" y="7159752"/>
+            <a:ext cx="6858000" cy="457200"/>
+          </a:xfrm>
+          <a:prstGeom prst="rect">
+            <a:avLst/>
+          </a:prstGeom>
+          <a:noFill/>
+        </p:spPr>
+        <p:txBody>
+          <a:bodyPr wrap="none">
+            <a:spAutoFit/>
+          </a:bodyPr>
+          <a:lstStyle/>
+          <a:p/>
+          <a:p>
+            <a:pPr algn="l">
+              <a:defRPr sz="1400" b="1">
+                <a:solidFill>
+                  <a:srgbClr val="000000"/>
+                </a:solidFill>
+                <a:latin typeface="맑은 고딕"/>
+              </a:defRPr>
+            </a:pPr>
+            <a:r>
+              <a:t>자기소개서 기반 면접 질문 제안</a:t>
+            </a:r>
+          </a:p>
+        </p:txBody>
+      </p:sp>
+      <p:sp>
+        <p:nvSpPr>
+          <p:cNvPr id="9" name="Rectangle 8"/>
+          <p:cNvSpPr/>
+          <p:nvPr/>
+        </p:nvSpPr>
+        <p:spPr>
+          <a:xfrm>
+            <a:off x="457200" y="7754112"/>
+            <a:ext cx="6858000" cy="18288"/>
+          </a:xfrm>
+          <a:prstGeom prst="rect">
+            <a:avLst/>
+          </a:prstGeom>
+          <a:solidFill>
+            <a:srgbClr val="C8C8C8"/>
+          </a:solidFill>
+          <a:ln>
+            <a:noFill/>
+          </a:ln>
+        </p:spPr>
+        <p:style>
+          <a:lnRef idx="1">
+            <a:schemeClr val="accent1"/>
+          </a:lnRef>
+          <a:fillRef idx="3">
+            <a:schemeClr val="accent1"/>
+          </a:fillRef>
+          <a:effectRef idx="2">
+            <a:schemeClr val="accent1"/>
+          </a:effectRef>
+          <a:fontRef idx="minor">
+            <a:schemeClr val="lt1"/>
+          </a:fontRef>
+        </p:style>
+        <p:txBody>
+          <a:bodyPr rtlCol="0" anchor="ctr"/>
+          <a:lstStyle/>
+          <a:p>
+            <a:pPr algn="ctr"/>
+          </a:p>
+        </p:txBody>
+      </p:sp>
+      <p:sp>
+        <p:nvSpPr>
+          <p:cNvPr id="10" name="Rectangle 9"/>
+          <p:cNvSpPr/>
+          <p:nvPr/>
+        </p:nvSpPr>
+        <p:spPr>
+          <a:xfrm>
+            <a:off x="457200" y="8074152"/>
+            <a:ext cx="6858000" cy="1371600"/>
+          </a:xfrm>
+          <a:prstGeom prst="rect">
+            <a:avLst/>
+          </a:prstGeom>
+          <a:solidFill>
+            <a:srgbClr val="F5F5F5"/>
+          </a:solidFill>
+          <a:ln>
+            <a:solidFill>
+              <a:srgbClr val="B4B4B4"/>
+            </a:solidFill>
+          </a:ln>
+        </p:spPr>
+        <p:style>
+          <a:lnRef idx="1">
+            <a:schemeClr val="accent1"/>
+          </a:lnRef>
+          <a:fillRef idx="3">
+            <a:schemeClr val="accent1"/>
+          </a:fillRef>
+          <a:effectRef idx="2">
+            <a:schemeClr val="accent1"/>
+          </a:effectRef>
+          <a:fontRef idx="minor">
+            <a:schemeClr val="lt1"/>
+          </a:fontRef>
+        </p:style>
+        <p:txBody>
+          <a:bodyPr rtlCol="0" anchor="ctr"/>
+          <a:lstStyle/>
+          <a:p>
+            <a:pPr algn="ctr"/>
+          </a:p>
+          <a:p>
+            <a:pPr>
+              <a:lnSpc>
+                <a:spcPct val="150000"/>
+              </a:lnSpc>
+              <a:spcBef>
+                <a:spcPts val="1000"/>
+              </a:spcBef>
+              <a:spcAft>
+                <a:spcPts val="1000"/>
+              </a:spcAft>
+              <a:defRPr sz="1200" b="1">
+                <a:solidFill>
+                  <a:srgbClr val="000000"/>
+                </a:solidFill>
+                <a:latin typeface="맑은 고딕"/>
+              </a:defRPr>
+            </a:pPr>
+            <a:r>
+              <a:t>(1) aT의 전반적인 업무 이해도를 높이기 위해 어떤 노력을 계획하셨나요?</a:t>
+            </a:r>
+            <a:br/>
+            <a:r>
+              <a:t>(2) 빅데이터와 인공지능 기술을 통해 농산물 유통의 효율성을 어떻게 높이고자 하셨나요?</a:t>
+            </a:r>
+          </a:p>
+        </p:txBody>
+      </p:sp>
+    </p:spTree>
+  </p:cSld>
+  <p:clrMapOvr>
+    <a:masterClrMapping/>
+  </p:clrMapOvr>
+</p:sld>
+</file>
+
+<file path=ppt/slides/slide9.xml><?xml version="1.0" encoding="utf-8"?>
+<p:sld xmlns:a="http://schemas.openxmlformats.org/drawingml/2006/main" xmlns:p="http://schemas.openxmlformats.org/presentationml/2006/main" xmlns:r="http://schemas.openxmlformats.org/officeDocument/2006/relationships">
+  <p:cSld>
+    <p:spTree>
+      <p:nvGrpSpPr>
+        <p:cNvPr id="1" name=""/>
+        <p:cNvGrpSpPr/>
+        <p:nvPr/>
+      </p:nvGrpSpPr>
+      <p:grpSpPr/>
+      <p:sp>
+        <p:nvSpPr>
+          <p:cNvPr id="2" name="Title 1"/>
+          <p:cNvSpPr>
+            <a:spLocks noGrp="1"/>
+          </p:cNvSpPr>
+          <p:nvPr>
+            <p:ph type="title"/>
+          </p:nvPr>
+        </p:nvSpPr>
+        <p:spPr/>
+        <p:txBody>
+          <a:bodyPr/>
+          <a:lstStyle/>
+          <a:p/>
+        </p:txBody>
+      </p:sp>
+      <p:sp>
+        <p:nvSpPr>
+          <p:cNvPr id="3" name="TextBox 2"/>
+          <p:cNvSpPr txBox="1"/>
+          <p:nvPr/>
+        </p:nvSpPr>
+        <p:spPr>
+          <a:xfrm>
+            <a:off x="457200" y="457200"/>
+            <a:ext cx="2743200" cy="457200"/>
+          </a:xfrm>
+          <a:prstGeom prst="rect">
+            <a:avLst/>
+          </a:prstGeom>
+          <a:noFill/>
+        </p:spPr>
+        <p:txBody>
+          <a:bodyPr wrap="none">
+            <a:spAutoFit/>
+          </a:bodyPr>
+          <a:lstStyle/>
+          <a:p/>
+          <a:p>
+            <a:pPr algn="l"/>
+            <a:r>
+              <a:rPr b="1" sz="1000">
+                <a:latin typeface="맑은 고딕"/>
+              </a:rPr>
+              <a:t>수험번호 : </a:t>
+            </a:r>
+            <a:r>
+              <a:rPr b="0" sz="1000">
+                <a:latin typeface="맑은 고딕"/>
+              </a:rPr>
+              <a:t>C0100003
+</a:t>
+            </a:r>
+            <a:r>
+              <a:rPr b="1" sz="1000">
+                <a:latin typeface="맑은 고딕"/>
+              </a:rPr>
+              <a:t>지원분야 : </a:t>
+            </a:r>
+            <a:r>
+              <a:rPr b="0" sz="1000">
+                <a:latin typeface="맑은 고딕"/>
+              </a:rPr>
+              <a:t>기본값</a:t>
+            </a:r>
+          </a:p>
+        </p:txBody>
+      </p:sp>
+      <p:sp>
+        <p:nvSpPr>
+          <p:cNvPr id="4" name="TextBox 3"/>
+          <p:cNvSpPr txBox="1"/>
+          <p:nvPr/>
+        </p:nvSpPr>
+        <p:spPr>
+          <a:xfrm>
+            <a:off x="457200" y="1097280"/>
+            <a:ext cx="6858000" cy="457200"/>
+          </a:xfrm>
+          <a:prstGeom prst="rect">
+            <a:avLst/>
+          </a:prstGeom>
+          <a:noFill/>
+        </p:spPr>
+        <p:txBody>
+          <a:bodyPr wrap="none">
+            <a:spAutoFit/>
+          </a:bodyPr>
+          <a:lstStyle/>
+          <a:p/>
+          <a:p>
+            <a:pPr algn="l">
+              <a:defRPr sz="1400" b="1">
+                <a:solidFill>
+                  <a:srgbClr val="000000"/>
+                </a:solidFill>
+                <a:latin typeface="맑은 고딕"/>
+              </a:defRPr>
+            </a:pPr>
+            <a:r>
+              <a:t>자기소개서</a:t>
+            </a:r>
+          </a:p>
+        </p:txBody>
+      </p:sp>
+      <p:sp>
+        <p:nvSpPr>
+          <p:cNvPr id="5" name="TextBox 4"/>
+          <p:cNvSpPr txBox="1"/>
+          <p:nvPr/>
+        </p:nvSpPr>
+        <p:spPr>
+          <a:xfrm>
+            <a:off x="457200" y="1554480"/>
+            <a:ext cx="6858000" cy="457200"/>
+          </a:xfrm>
+          <a:prstGeom prst="rect">
+            <a:avLst/>
+          </a:prstGeom>
+          <a:noFill/>
+        </p:spPr>
+        <p:txBody>
+          <a:bodyPr wrap="square">
+            <a:spAutoFit/>
+          </a:bodyPr>
+          <a:lstStyle/>
+          <a:p/>
+          <a:p>
+            <a:pPr algn="l">
+              <a:defRPr sz="1000" b="0">
+                <a:solidFill>
+                  <a:srgbClr val="000000"/>
+                </a:solidFill>
+                <a:latin typeface="맑은 고딕"/>
+              </a:defRPr>
+            </a:pPr>
+            <a:r>
+              <a:t>질문 : 질문1</a:t>
+            </a:r>
+          </a:p>
+        </p:txBody>
+      </p:sp>
+      <p:sp>
+        <p:nvSpPr>
+          <p:cNvPr id="6" name="Rectangle 5"/>
+          <p:cNvSpPr/>
+          <p:nvPr/>
+        </p:nvSpPr>
+        <p:spPr>
+          <a:xfrm>
+            <a:off x="457200" y="1691639"/>
+            <a:ext cx="6858000" cy="18288"/>
+          </a:xfrm>
+          <a:prstGeom prst="rect">
+            <a:avLst/>
+          </a:prstGeom>
+          <a:solidFill>
+            <a:srgbClr val="C8C8C8"/>
+          </a:solidFill>
+          <a:ln>
+            <a:noFill/>
+          </a:ln>
+        </p:spPr>
+        <p:style>
+          <a:lnRef idx="1">
+            <a:schemeClr val="accent1"/>
+          </a:lnRef>
+          <a:fillRef idx="3">
+            <a:schemeClr val="accent1"/>
+          </a:fillRef>
+          <a:effectRef idx="2">
+            <a:schemeClr val="accent1"/>
+          </a:effectRef>
+          <a:fontRef idx="minor">
+            <a:schemeClr val="lt1"/>
+          </a:fontRef>
+        </p:style>
+        <p:txBody>
+          <a:bodyPr rtlCol="0" anchor="ctr"/>
+          <a:lstStyle/>
+          <a:p>
+            <a:pPr algn="ctr"/>
+          </a:p>
+        </p:txBody>
+      </p:sp>
+      <p:sp>
+        <p:nvSpPr>
+          <p:cNvPr id="7" name="TextBox 6"/>
+          <p:cNvSpPr txBox="1"/>
+          <p:nvPr/>
+        </p:nvSpPr>
+        <p:spPr>
+          <a:xfrm>
+            <a:off x="457200" y="1600199"/>
+            <a:ext cx="6858000" cy="1828800"/>
+          </a:xfrm>
+          <a:prstGeom prst="rect">
+            <a:avLst/>
+          </a:prstGeom>
+          <a:noFill/>
+        </p:spPr>
+        <p:txBody>
+          <a:bodyPr wrap="square">
+            <a:spAutoFit/>
+          </a:bodyPr>
+          <a:lstStyle/>
+          <a:p/>
+          <a:p>
+            <a:pPr>
+              <a:lnSpc>
+                <a:spcPct val="150000"/>
+              </a:lnSpc>
+              <a:spcBef>
+                <a:spcPts val="1000"/>
+              </a:spcBef>
+              <a:spcAft>
+                <a:spcPts val="1000"/>
+              </a:spcAft>
+            </a:pPr>
+            <a:r>
+              <a:rPr sz="1200">
+                <a:solidFill>
+                  <a:srgbClr val="000000"/>
+                </a:solidFill>
+                <a:latin typeface="맑은 고딕"/>
+              </a:rPr>
+              <a:t>공사 인턴으로 근무하며, 조직 경영 실적 평가와 </a:t>
+            </a:r>
+            <a:r>
+              <a:rPr u="sng" b="1" sz="1200">
+                <a:solidFill>
+                  <a:srgbClr val="000000"/>
+                </a:solidFill>
+                <a:latin typeface="맑은 고딕"/>
+              </a:rPr>
+              <a:t>(1)내부 성과관리에 관한 업무를 경험하고</a:t>
+            </a:r>
+            <a:r>
+              <a:rPr sz="1200">
+                <a:solidFill>
+                  <a:srgbClr val="000000"/>
+                </a:solidFill>
+                <a:latin typeface="맑은 고딕"/>
+              </a:rPr>
+              <a:t> 행정 업무역량을 쌓았습니다. 이 과정에서, 학창 시절 배운 경영 전략 이론들을 실무에 적용하며 전반적인 성과관리 시스템을 파악할 수 있었습니다. 또한, 동종업계의 경영 평가 보고서를 엑셀에 취합하고, 30개가 넘는 부서의 성과지표 보고서를 </a:t>
+            </a:r>
+            <a:r>
+              <a:rPr u="sng" b="1" sz="1200">
+                <a:solidFill>
+                  <a:srgbClr val="000000"/>
+                </a:solidFill>
+                <a:latin typeface="맑은 고딕"/>
+              </a:rPr>
+              <a:t>(2)정확하게 관리하여, 기업 간 성과 비교를 효율적으로 할 수 있도록 지원하였고, 데이터를</a:t>
+            </a:r>
+            <a:r>
+              <a:rPr sz="1200">
+                <a:solidFill>
+                  <a:srgbClr val="000000"/>
+                </a:solidFill>
+                <a:latin typeface="맑은 고딕"/>
+              </a:rPr>
+              <a:t> 바탕으로 기업 간 강약점 분석 역량을 키울 수 있었습니다. 또한, 재단 인턴 당시 외국인 내방객들을 응대하며 영어, 중국어, 일본어 의사소통 능력 및 홍보물 경험을 쌓았습니다.이를 바탕으로 해외 시장에서 한국 농수산식품의 우수성과 경쟁력을 효과적으로 홍보하고, 국제 무대에서 해외의 수요기업에 알리기 위한 지속적인 소통에 기여할 수 있을 것입니다. 해외 기업과의 전략적 협력관계를 통해 한국농수산식품유통공사가 글로벌 농수산 강국으로 자리매김하는 데 이바지하겠습니다.</a:t>
+            </a:r>
+          </a:p>
+        </p:txBody>
+      </p:sp>
+      <p:sp>
+        <p:nvSpPr>
+          <p:cNvPr id="8" name="TextBox 7"/>
+          <p:cNvSpPr txBox="1"/>
+          <p:nvPr/>
+        </p:nvSpPr>
+        <p:spPr>
+          <a:xfrm>
+            <a:off x="457200" y="7164324"/>
+            <a:ext cx="6858000" cy="457200"/>
+          </a:xfrm>
+          <a:prstGeom prst="rect">
+            <a:avLst/>
+          </a:prstGeom>
+          <a:noFill/>
+        </p:spPr>
+        <p:txBody>
+          <a:bodyPr wrap="none">
+            <a:spAutoFit/>
+          </a:bodyPr>
+          <a:lstStyle/>
+          <a:p/>
+          <a:p>
+            <a:pPr algn="l">
+              <a:defRPr sz="1400" b="1">
+                <a:solidFill>
+                  <a:srgbClr val="000000"/>
+                </a:solidFill>
+                <a:latin typeface="맑은 고딕"/>
+              </a:defRPr>
+            </a:pPr>
+            <a:r>
+              <a:t>자기소개서 기반 면접 질문 제안</a:t>
+            </a:r>
+          </a:p>
+        </p:txBody>
+      </p:sp>
+      <p:sp>
+        <p:nvSpPr>
+          <p:cNvPr id="9" name="Rectangle 8"/>
+          <p:cNvSpPr/>
+          <p:nvPr/>
+        </p:nvSpPr>
+        <p:spPr>
+          <a:xfrm>
+            <a:off x="457200" y="7758683"/>
+            <a:ext cx="6858000" cy="18288"/>
+          </a:xfrm>
+          <a:prstGeom prst="rect">
+            <a:avLst/>
+          </a:prstGeom>
+          <a:solidFill>
+            <a:srgbClr val="C8C8C8"/>
+          </a:solidFill>
+          <a:ln>
+            <a:noFill/>
+          </a:ln>
+        </p:spPr>
+        <p:style>
+          <a:lnRef idx="1">
+            <a:schemeClr val="accent1"/>
+          </a:lnRef>
+          <a:fillRef idx="3">
+            <a:schemeClr val="accent1"/>
+          </a:fillRef>
+          <a:effectRef idx="2">
+            <a:schemeClr val="accent1"/>
+          </a:effectRef>
+          <a:fontRef idx="minor">
+            <a:schemeClr val="lt1"/>
+          </a:fontRef>
+        </p:style>
+        <p:txBody>
+          <a:bodyPr rtlCol="0" anchor="ctr"/>
+          <a:lstStyle/>
+          <a:p>
+            <a:pPr algn="ctr"/>
+          </a:p>
+        </p:txBody>
+      </p:sp>
+      <p:sp>
+        <p:nvSpPr>
+          <p:cNvPr id="10" name="Rectangle 9"/>
+          <p:cNvSpPr/>
+          <p:nvPr/>
+        </p:nvSpPr>
+        <p:spPr>
+          <a:xfrm>
+            <a:off x="457200" y="8078724"/>
+            <a:ext cx="6858000" cy="1371600"/>
+          </a:xfrm>
+          <a:prstGeom prst="rect">
+            <a:avLst/>
+          </a:prstGeom>
+          <a:solidFill>
+            <a:srgbClr val="F5F5F5"/>
+          </a:solidFill>
+          <a:ln>
+            <a:solidFill>
+              <a:srgbClr val="B4B4B4"/>
+            </a:solidFill>
+          </a:ln>
+        </p:spPr>
+        <p:style>
+          <a:lnRef idx="1">
+            <a:schemeClr val="accent1"/>
+          </a:lnRef>
+          <a:fillRef idx="3">
+            <a:schemeClr val="accent1"/>
+          </a:fillRef>
+          <a:effectRef idx="2">
+            <a:schemeClr val="accent1"/>
+          </a:effectRef>
+          <a:fontRef idx="minor">
+            <a:schemeClr val="lt1"/>
+          </a:fontRef>
+        </p:style>
+        <p:txBody>
+          <a:bodyPr rtlCol="0" anchor="ctr"/>
+          <a:lstStyle/>
+          <a:p>
+            <a:pPr algn="ctr"/>
+          </a:p>
+          <a:p>
+            <a:pPr>
+              <a:lnSpc>
+                <a:spcPct val="150000"/>
+              </a:lnSpc>
+              <a:spcBef>
+                <a:spcPts val="1000"/>
+              </a:spcBef>
+              <a:spcAft>
+                <a:spcPts val="1000"/>
+              </a:spcAft>
+              <a:defRPr sz="1200" b="1">
+                <a:solidFill>
+                  <a:srgbClr val="000000"/>
+                </a:solidFill>
+                <a:latin typeface="맑은 고딕"/>
+              </a:defRPr>
+            </a:pPr>
+            <a:r>
+              <a:t>(1) 조직 경영 실적 평가 업무에서 얻은 주요 교훈은 무엇인가요?</a:t>
+            </a:r>
+            <a:br/>
+            <a:r>
+              <a:t>(2) 기업 간 강약점을 분석한 경험이 향후 업무에 어떻게 도움이 될까요?</a:t>
             </a:r>
           </a:p>
         </p:txBody>

--- a/flask-server/outputs/output.pptx
+++ b/flask-server/outputs/output.pptx
@@ -17,6 +17,10 @@
     <p:sldId id="265" r:id="rId16"/>
     <p:sldId id="266" r:id="rId17"/>
     <p:sldId id="267" r:id="rId18"/>
+    <p:sldId id="268" r:id="rId19"/>
+    <p:sldId id="269" r:id="rId20"/>
+    <p:sldId id="270" r:id="rId21"/>
+    <p:sldId id="271" r:id="rId22"/>
   </p:sldIdLst>
   <p:sldSz cx="7560000" cy="10692000" type="screen4x3"/>
   <p:notesSz cx="6858000" cy="9144000"/>
@@ -3124,8 +3128,8 @@
         </p:nvSpPr>
         <p:spPr>
           <a:xfrm>
-            <a:off x="457200" y="457200"/>
-            <a:ext cx="2743200" cy="457200"/>
+            <a:off x="352800" y="50400"/>
+            <a:ext cx="2743200" cy="277200"/>
           </a:xfrm>
           <a:prstGeom prst="rect">
             <a:avLst/>
@@ -3139,7 +3143,14 @@
           <a:lstStyle/>
           <a:p/>
           <a:p>
-            <a:pPr algn="l"/>
+            <a:pPr algn="l">
+              <a:spcBef>
+                <a:spcPts val="0"/>
+              </a:spcBef>
+              <a:spcAft>
+                <a:spcPts val="0"/>
+              </a:spcAft>
+            </a:pPr>
             <a:r>
               <a:rPr b="1" sz="1000">
                 <a:latin typeface="맑은 고딕"/>
@@ -3150,7 +3161,7 @@
               <a:rPr b="0" sz="1000">
                 <a:latin typeface="맑은 고딕"/>
               </a:rPr>
-              <a:t>C0100001
+              <a:t>E0401896
 </a:t>
             </a:r>
             <a:r>
@@ -3163,7 +3174,7 @@
               <a:rPr b="0" sz="1000">
                 <a:latin typeface="맑은 고딕"/>
               </a:rPr>
-              <a:t>기본값</a:t>
+              <a:t>지원분야1</a:t>
             </a:r>
           </a:p>
         </p:txBody>
@@ -3176,7 +3187,7 @@
         </p:nvSpPr>
         <p:spPr>
           <a:xfrm>
-            <a:off x="457200" y="1097280"/>
+            <a:off x="352800" y="795600"/>
             <a:ext cx="6858000" cy="457200"/>
           </a:xfrm>
           <a:prstGeom prst="rect">
@@ -3213,7 +3224,7 @@
         </p:nvSpPr>
         <p:spPr>
           <a:xfrm>
-            <a:off x="457200" y="1554480"/>
+            <a:off x="352800" y="1227600"/>
             <a:ext cx="6858000" cy="457200"/>
           </a:xfrm>
           <a:prstGeom prst="rect">
@@ -3229,7 +3240,7 @@
           <a:p/>
           <a:p>
             <a:pPr algn="l">
-              <a:defRPr sz="1000" b="0">
+              <a:defRPr sz="800" b="0">
                 <a:solidFill>
                   <a:srgbClr val="000000"/>
                 </a:solidFill>
@@ -3237,7 +3248,7 @@
               </a:defRPr>
             </a:pPr>
             <a:r>
-              <a:t>질문 : 질문1</a:t>
+              <a:t>질문 : 지원 분야에서 입사 후 이루고자 하는 구체적인 목표를 설정하고, 목표 달성을 위해 본인이 가진 경험과 직무역량을 어떻게 활용할 지 자세하게 기술하여 주십시오. (800자~1,000자)</a:t>
             </a:r>
           </a:p>
         </p:txBody>
@@ -3250,8 +3261,8 @@
         </p:nvSpPr>
         <p:spPr>
           <a:xfrm>
-            <a:off x="457200" y="1691639"/>
-            <a:ext cx="6858000" cy="18288"/>
+            <a:off x="352800" y="1407600"/>
+            <a:ext cx="6858000" cy="18000"/>
           </a:xfrm>
           <a:prstGeom prst="rect">
             <a:avLst/>
@@ -3293,7 +3304,7 @@
         </p:nvSpPr>
         <p:spPr>
           <a:xfrm>
-            <a:off x="457200" y="1600199"/>
+            <a:off x="352800" y="1458000"/>
             <a:ext cx="6858000" cy="1828800"/>
           </a:xfrm>
           <a:prstGeom prst="rect">
@@ -3326,7 +3337,7 @@
                 </a:solidFill>
                 <a:latin typeface="맑은 고딕"/>
               </a:rPr>
-              <a:t>[트렌드를 반영한 아이디어로 만든 분석적 사고]현재 전 세계적으로 친환경 제품 소비를 추구하는 소비자가 증가하고 있으며, ESG 수출 장벽이 강화되는 추세입니다. 하지만 중소기업은 ESG 경영 전환에 애로사항이 있다는 보고서를 읽었고, 저는 중소벤처기업의 글로벌 경쟁력 강화에 도움이 되고자 정책 아이디어 공모전에 </a:t>
+              <a:t>[온라인 마권 발매]시대적 변화에 부응하고 말 산업 위기 극복을 위해 한국마사회법 개정을 거쳐 온라인 마권 발매 제도를 도입하는 것으로 알고 있습니다. 올해 6월 본격 시행을 앞두고 있다고 알아보았습니다. </a:t>
             </a:r>
             <a:r>
               <a:rPr u="sng" b="1" sz="1200">
@@ -3335,7 +3346,7 @@
                 </a:solidFill>
                 <a:latin typeface="맑은 고딕"/>
               </a:rPr>
-              <a:t>(1)출전했습니다.중소기업이 ESG 경영에 있어 가장 필요하지만 어려운 점이 ‘친환경 패키지’라는 것을 파악해 ‘친환경 (2)패키지 바우처 지원’의 아이디어를 구상했습니다. 제조 중소기업과 친환경 패키지 중소기업을 연결하여 상생협력 구축 체계를 만들고, 해외 진출을 도울 수 있는 아이디어를 제시했습니다.</a:t>
+              <a:t>(1)이러한 변화에 잘 대응하기</a:t>
             </a:r>
             <a:r>
               <a:rPr sz="1200">
@@ -3344,7 +3355,79 @@
                 </a:solidFill>
                 <a:latin typeface="맑은 고딕"/>
               </a:rPr>
-              <a:t> 아이디어는 구체적이고 실천 가능성이 높다는 피드백을 받으며 대상을 수상했습니다.저는 니즈 파악부터 개선 방안 기획까지의 과정에서 ‘분석적 사고’라는 직무 역량을 만들었습니다. 앞으로도 창의성을 바탕으로 개선 방안을 제시하고, 기업과 국민의 행복을 더하는 직원이 되겠습니다.</a:t>
+              <a:t> 위해 경영지원과 사업기획 및 운영이 중요하다고 생각합니다. 왜냐하면 온라인 마권 발매 제도가 도입되면 해당 </a:t>
+            </a:r>
+            <a:r>
+              <a:rPr u="sng" b="1" sz="1200">
+                <a:solidFill>
+                  <a:srgbClr val="000000"/>
+                </a:solidFill>
+                <a:latin typeface="맑은 고딕"/>
+              </a:rPr>
+              <a:t>(2)제도에 대한 행정업무의 변화뿐만 아니라 사회적 우려에 대한 대응과</a:t>
+            </a:r>
+            <a:r>
+              <a:rPr sz="1200">
+                <a:solidFill>
+                  <a:srgbClr val="000000"/>
+                </a:solidFill>
+                <a:latin typeface="맑은 고딕"/>
+              </a:rPr>
+              <a:t> 같은 부수적인 효과까지 고려해야 하기 때문입니다. 예를 들어 효율적으로 업무지원을 해서 생산성을 높여야 할 뿐만 아니라, 온라인 경마에 대한 불법도박 조장 우려 기사 등에 있어서도 대처를 해야 할 것입니다. 따라서 이러한 일들에 있어서는 효율적인 경영지원과 사업기획 및 운영을 통해 효과적으로 대응하는 것이 중요하다고 </a:t>
+            </a:r>
+            <a:r>
+              <a:rPr u="sng" b="1" sz="1200">
+                <a:solidFill>
+                  <a:srgbClr val="000000"/>
+                </a:solidFill>
+                <a:latin typeface="맑은 고딕"/>
+              </a:rPr>
+              <a:t>(3)생각합니다.[어떤 상황이든 최선을 다해서 잘 적응하고</a:t>
+            </a:r>
+            <a:r>
+              <a:rPr sz="1200">
+                <a:solidFill>
+                  <a:srgbClr val="000000"/>
+                </a:solidFill>
+                <a:latin typeface="맑은 고딕"/>
+              </a:rPr>
+              <a:t> 잘 해냈던 경험]저는 어떤 상황이든 최선을 다해서 잘 적응하고 잘 해내려고 합니다. 왜냐하면 최선을 다해서 좋은 성과를 낸다면, 그렇지 못할 </a:t>
+            </a:r>
+            <a:r>
+              <a:rPr u="sng" b="1" sz="1200">
+                <a:solidFill>
+                  <a:srgbClr val="000000"/>
+                </a:solidFill>
+                <a:latin typeface="맑은 고딕"/>
+              </a:rPr>
+              <a:t>(4)때보다 더 많은 기회가 온다고 생각하며, 성취감을</a:t>
+            </a:r>
+            <a:r>
+              <a:rPr sz="1200">
+                <a:solidFill>
+                  <a:srgbClr val="000000"/>
+                </a:solidFill>
+                <a:latin typeface="맑은 고딕"/>
+              </a:rPr>
+              <a:t> 느낄 수도 있고, 또한 주변 사람들에게도 좋은 영향력을 전할 수 있다고 생각합니다. 우선 저는 경제학을 심도 있게 배우고 싶어서 경제학과로 편입을 2번 했었습니다. 첫 번째 편입학한 대학에서는 두 학기 다니는 동안 석차 1등도 해보고 전액장학금 1회를 받기도 하며 4.</a:t>
+            </a:r>
+            <a:r>
+              <a:rPr u="sng" b="1" sz="1200">
+                <a:solidFill>
+                  <a:srgbClr val="000000"/>
+                </a:solidFill>
+                <a:latin typeface="맑은 고딕"/>
+              </a:rPr>
+              <a:t>(5)17[4.39]/4.3[4.5]의 평점을 받았습니다. 그리고</a:t>
+            </a:r>
+            <a:r>
+              <a:rPr sz="1200">
+                <a:solidFill>
+                  <a:srgbClr val="000000"/>
+                </a:solidFill>
+                <a:latin typeface="맑은 고딕"/>
+              </a:rPr>
+              <a:t> 두 번째 편입학한 대학에서는 네 학기 동안 최우등생 2회 선정과 전액장학금 2회를 받기도 하며 4/4.5의 평점을 받았습니다. 또한 저는 각각 국책은행과 교육기업에서 인턴을 총 2회 했었습니다. 두 번의 인턴 모두 성실히 임했는데, 국책은행 인턴 당시 우수인턴에 선정이 되었고, 교육기업 인턴 당시 수기 공모전에서 장려상을 수상하기도 했습니다.</a:t>
             </a:r>
           </a:p>
         </p:txBody>
@@ -3357,7 +3440,7 @@
         </p:nvSpPr>
         <p:spPr>
           <a:xfrm>
-            <a:off x="457200" y="7173468"/>
+            <a:off x="288000" y="7531200"/>
             <a:ext cx="6858000" cy="457200"/>
           </a:xfrm>
           <a:prstGeom prst="rect">
@@ -3394,17 +3477,19 @@
         </p:nvSpPr>
         <p:spPr>
           <a:xfrm>
-            <a:off x="457200" y="7767828"/>
-            <a:ext cx="6858000" cy="18288"/>
+            <a:off x="352800" y="8280000"/>
+            <a:ext cx="6858000" cy="1371600"/>
           </a:xfrm>
           <a:prstGeom prst="rect">
             <a:avLst/>
           </a:prstGeom>
           <a:solidFill>
-            <a:srgbClr val="C8C8C8"/>
+            <a:srgbClr val="F5F5F5"/>
           </a:solidFill>
           <a:ln>
-            <a:noFill/>
+            <a:solidFill>
+              <a:srgbClr val="B4B4B4"/>
+            </a:solidFill>
           </a:ln>
         </p:spPr>
         <p:style>
@@ -3422,52 +3507,7 @@
           </a:fontRef>
         </p:style>
         <p:txBody>
-          <a:bodyPr rtlCol="0" anchor="ctr"/>
-          <a:lstStyle/>
-          <a:p>
-            <a:pPr algn="ctr"/>
-          </a:p>
-        </p:txBody>
-      </p:sp>
-      <p:sp>
-        <p:nvSpPr>
-          <p:cNvPr id="10" name="Rectangle 9"/>
-          <p:cNvSpPr/>
-          <p:nvPr/>
-        </p:nvSpPr>
-        <p:spPr>
-          <a:xfrm>
-            <a:off x="457200" y="8087867"/>
-            <a:ext cx="6858000" cy="1371600"/>
-          </a:xfrm>
-          <a:prstGeom prst="rect">
-            <a:avLst/>
-          </a:prstGeom>
-          <a:solidFill>
-            <a:srgbClr val="F5F5F5"/>
-          </a:solidFill>
-          <a:ln>
-            <a:solidFill>
-              <a:srgbClr val="B4B4B4"/>
-            </a:solidFill>
-          </a:ln>
-        </p:spPr>
-        <p:style>
-          <a:lnRef idx="1">
-            <a:schemeClr val="accent1"/>
-          </a:lnRef>
-          <a:fillRef idx="3">
-            <a:schemeClr val="accent1"/>
-          </a:fillRef>
-          <a:effectRef idx="2">
-            <a:schemeClr val="accent1"/>
-          </a:effectRef>
-          <a:fontRef idx="minor">
-            <a:schemeClr val="lt1"/>
-          </a:fontRef>
-        </p:style>
-        <p:txBody>
-          <a:bodyPr rtlCol="0" anchor="ctr"/>
+          <a:bodyPr rtlCol="0" anchor="ctr" tIns="0" bIns="0" wrap="square"/>
           <a:lstStyle/>
           <a:p>
             <a:pPr algn="ctr"/>
@@ -3478,24 +3518,35 @@
                 <a:spcPct val="150000"/>
               </a:lnSpc>
               <a:spcBef>
-                <a:spcPts val="1000"/>
+                <a:spcPts val="0"/>
               </a:spcBef>
               <a:spcAft>
-                <a:spcPts val="1000"/>
+                <a:spcPts val="0"/>
               </a:spcAft>
               <a:defRPr sz="1200" b="1">
                 <a:solidFill>
                   <a:srgbClr val="000000"/>
                 </a:solidFill>
-                <a:latin typeface="맑은 고딕"/>
               </a:defRPr>
             </a:pPr>
             <a:r>
-              <a:t>(1) 중소기업과 친환경 패키지 중소기업을 연결하는 상생협력 구축 체계의 구체적인 방법은 무엇인가요?</a:t>
+              <a:t>(1) 온라인 마권 발매 제도가 도입될 때 발생할 수 있는 행정업무의 변화는 무엇인가요?</a:t>
             </a:r>
             <a:br/>
             <a:r>
-              <a:t>(2) 정책 아이디어 공모전에서 대상을 수상한 아이디어의 실천 가능성을 높인 주요 요인은 무엇인가요?</a:t>
+              <a:t>(2) 온라인 경마 불법도박 우려에 대한 효과적인 대응책은 무엇이라 생각하시나요?</a:t>
+            </a:r>
+            <a:br/>
+            <a:r>
+              <a:t>(3) 성취감과 함께 주변에 좋은 영향력을 미치는 방법에 대해 이야기해 주실 수 있나요?</a:t>
+            </a:r>
+            <a:br/>
+            <a:r>
+              <a:t>(4) 경제학과에 편입하여 석차 1등을 성취한 요인으로 무엇을 꼽을 수 있겠습니까?</a:t>
+            </a:r>
+            <a:br/>
+            <a:r>
+              <a:t>(5) 국책은행 인턴십 동안의 경험이 미래 경력에 어떻게 도움이 되었습니까?</a:t>
             </a:r>
           </a:p>
         </p:txBody>
@@ -3543,8 +3594,8 @@
         </p:nvSpPr>
         <p:spPr>
           <a:xfrm>
-            <a:off x="457200" y="457200"/>
-            <a:ext cx="2743200" cy="457200"/>
+            <a:off x="352800" y="50400"/>
+            <a:ext cx="2743200" cy="277200"/>
           </a:xfrm>
           <a:prstGeom prst="rect">
             <a:avLst/>
@@ -3558,7 +3609,14 @@
           <a:lstStyle/>
           <a:p/>
           <a:p>
-            <a:pPr algn="l"/>
+            <a:pPr algn="l">
+              <a:spcBef>
+                <a:spcPts val="0"/>
+              </a:spcBef>
+              <a:spcAft>
+                <a:spcPts val="0"/>
+              </a:spcAft>
+            </a:pPr>
             <a:r>
               <a:rPr b="1" sz="1000">
                 <a:latin typeface="맑은 고딕"/>
@@ -3569,7 +3627,7 @@
               <a:rPr b="0" sz="1000">
                 <a:latin typeface="맑은 고딕"/>
               </a:rPr>
-              <a:t>C0100003
+              <a:t>E0402405
 </a:t>
             </a:r>
             <a:r>
@@ -3582,7 +3640,7 @@
               <a:rPr b="0" sz="1000">
                 <a:latin typeface="맑은 고딕"/>
               </a:rPr>
-              <a:t>기본값</a:t>
+              <a:t>지원분야10</a:t>
             </a:r>
           </a:p>
         </p:txBody>
@@ -3595,7 +3653,7 @@
         </p:nvSpPr>
         <p:spPr>
           <a:xfrm>
-            <a:off x="457200" y="1097280"/>
+            <a:off x="352800" y="795600"/>
             <a:ext cx="6858000" cy="457200"/>
           </a:xfrm>
           <a:prstGeom prst="rect">
@@ -3632,7 +3690,7 @@
         </p:nvSpPr>
         <p:spPr>
           <a:xfrm>
-            <a:off x="457200" y="1554480"/>
+            <a:off x="352800" y="1227600"/>
             <a:ext cx="6858000" cy="457200"/>
           </a:xfrm>
           <a:prstGeom prst="rect">
@@ -3648,7 +3706,7 @@
           <a:p/>
           <a:p>
             <a:pPr algn="l">
-              <a:defRPr sz="1000" b="0">
+              <a:defRPr sz="800" b="0">
                 <a:solidFill>
                   <a:srgbClr val="000000"/>
                 </a:solidFill>
@@ -3656,7 +3714,7 @@
               </a:defRPr>
             </a:pPr>
             <a:r>
-              <a:t>질문 : 질문2</a:t>
+              <a:t>질문 : 타인과 소통이나 협력에 어려움을 겪고 이를 극복했던 사례를 구체적으로 설명하고 그 결과 발생했던 변화와 성과, 개선된 점 등은 무엇이었는지 자세하게 기술하여 주십시오.(800자~1,000자)</a:t>
             </a:r>
           </a:p>
         </p:txBody>
@@ -3669,8 +3727,8 @@
         </p:nvSpPr>
         <p:spPr>
           <a:xfrm>
-            <a:off x="457200" y="1691639"/>
-            <a:ext cx="6858000" cy="18288"/>
+            <a:off x="352800" y="1407600"/>
+            <a:ext cx="6858000" cy="18000"/>
           </a:xfrm>
           <a:prstGeom prst="rect">
             <a:avLst/>
@@ -3712,7 +3770,7 @@
         </p:nvSpPr>
         <p:spPr>
           <a:xfrm>
-            <a:off x="457200" y="1600199"/>
+            <a:off x="352800" y="1458000"/>
             <a:ext cx="6858000" cy="1828800"/>
           </a:xfrm>
           <a:prstGeom prst="rect">
@@ -3745,7 +3803,7 @@
                 </a:solidFill>
                 <a:latin typeface="맑은 고딕"/>
               </a:rPr>
-              <a:t>한중 교류캠프에서 게임프로그램을 기획하던 중 서로 생각하는 개념이 불일치했지만, 타협안을 찾아 </a:t>
+              <a:t>[“이 정도는 괜찮지” 않습니다] 저는 가랑비에 옷 젖는 줄 </a:t>
             </a:r>
             <a:r>
               <a:rPr u="sng" b="1" sz="1200">
@@ -3754,7 +3812,7 @@
                 </a:solidFill>
                 <a:latin typeface="맑은 고딕"/>
               </a:rPr>
-              <a:t>(1)갈등을 해결한 경험이 있습니다.중국인</a:t>
+              <a:t>(1)모르는 상황을 가장 피해야 한다고 보고 있습니다. 저는 업무에 임할 때 처음부터 부정･부패하고자 마음먹은 사람은 없다고 생각합니다. 하지만 본인도 의식하지 못할</a:t>
             </a:r>
             <a:r>
               <a:rPr sz="1200">
@@ -3763,7 +3821,7 @@
                 </a:solidFill>
                 <a:latin typeface="맑은 고딕"/>
               </a:rPr>
-              <a:t> 팀원들은 요즘 유행하는 게임으로 구성하는 데 주력했지만, 저와 한국인 팀원들은 이 캠프의 참가자 중 중국인 선생님이 계시기에 참여율을 높일 수 있는 방안을 제시했기 때문입니다. 의견 일치가 이루어지지 </a:t>
+              <a:t> 정도로 작은 일탈을 반복하거나, “이 정도는 괜찮겠지”라고 판단하여 조금씩 다른 길로 빠지다보면, 이를 당연한 것으로 받아드리게 된다고 생각합니다. 작은 부정이 계속 쌓인다면 특정 대상과 특수관계가 생길 수 있고, 장차 개인과 조직 모두에게 큰 피해가 되는 사건으로 발전 할 수 있습니다. 제가 한 기관에 근무했을 때 예산업무와 관련하여 적/부 여부를 판단할 권한을 가진 적이 </a:t>
             </a:r>
             <a:r>
               <a:rPr u="sng" b="1" sz="1200">
@@ -3772,7 +3830,7 @@
                 </a:solidFill>
                 <a:latin typeface="맑은 고딕"/>
               </a:rPr>
-              <a:t>(2)않는 상황에서 의사소통까지 원활하지 않았기에,</a:t>
+              <a:t>(2)있었습니다. 저는 업무적으로 절차, 상황 등을 고려하여 특혜 없이 일을 처리하였습니다. 그러나 업무 유관자께서는 이에 대한 감사의 표시로 여러 가지 다양한</a:t>
             </a:r>
             <a:r>
               <a:rPr sz="1200">
@@ -3781,7 +3839,34 @@
                 </a:solidFill>
                 <a:latin typeface="맑은 고딕"/>
               </a:rPr>
-              <a:t> 팀장으로서 긴장된 분위기를 전환하고자 각자가 생각하는 게임을 해보자고 제안했습니다. 처음에는 어색했지만, 각 게임의 장점만 뽑아 하나의 게임으로 기획하자는 타협점을 찾을 수 있었습니다. 이후 회의에서 구체적으로 역할을 나누었고, 팀원들의 이해도를 높이기 위해 채팅방에 회의 내용을 한국어, 중국어로 요약하여 공유하였습니다. 6명의 팀원이 적극적으로 참여한 덕분에 팀원 모두가 만족하는 게임 프로그램을 기획하였고, 그 결과 10개의 팀 중 70명의 만족도가 가장 높은 프로그램으로 선정될 수 있었습니다.</a:t>
+              <a:t> 물품을 제게 제공하려고 하였습니다. 저는 그 자리에서 정중하게 거절하여 상황이 일단락 된 줄 알았으나, 며칠 뒤 제 개인주소로도 해당 물품을 보낸 사실을 인지하게 되었고, 이후 감사 부서 신고 및 물품 인계 처리를 하였습니다. 또한 다시는 이런 일이 일어나지 않도록 해당 업무 유관자에게 주의를 기울여달라 전달하였습니다. 한번은 동일한 고민을 하고 있는 직장동료가 제게 상담을 요청한 </a:t>
+            </a:r>
+            <a:r>
+              <a:rPr u="sng" b="1" sz="1200">
+                <a:solidFill>
+                  <a:srgbClr val="000000"/>
+                </a:solidFill>
+                <a:latin typeface="맑은 고딕"/>
+              </a:rPr>
+              <a:t>(3)적이 있었습니다. 동료는 너무 거절하는 것도 상대에 대한 예의가 아닌 것 같다는 이야기를 하였었는데, 저는 해당 동료에게 효과적으로 경각심을 심어주기 위해, 몇 가지 징계 사례 및 타기관 감사원 감사 결과 등을 (4)활용하여 설명해 주었고, 다행히도 동료는 심각성을 인지하고 대가를 수취하지 않았습니다. 향후에도 조직생활 중 이처럼 청렴과 관련된 갈등은 있을 수 있습니다.</a:t>
+            </a:r>
+            <a:r>
+              <a:rPr sz="1200">
+                <a:solidFill>
+                  <a:srgbClr val="000000"/>
+                </a:solidFill>
+                <a:latin typeface="맑은 고딕"/>
+              </a:rPr>
+              <a:t> 스스로를 잘 다스리고, 주변 동료들과도 잘 소통하여 </a:t>
+            </a:r>
+            <a:r>
+              <a:rPr u="sng" b="1" sz="1200">
+                <a:solidFill>
+                  <a:srgbClr val="000000"/>
+                </a:solidFill>
+                <a:latin typeface="맑은 고딕"/>
+              </a:rPr>
+              <a:t>(5)정의와 청렴이 잘 유지 될 수 있도록 노력하겠습니다.</a:t>
             </a:r>
           </a:p>
         </p:txBody>
@@ -3794,7 +3879,7 @@
         </p:nvSpPr>
         <p:spPr>
           <a:xfrm>
-            <a:off x="457200" y="7168896"/>
+            <a:off x="288000" y="7531200"/>
             <a:ext cx="6858000" cy="457200"/>
           </a:xfrm>
           <a:prstGeom prst="rect">
@@ -3831,17 +3916,19 @@
         </p:nvSpPr>
         <p:spPr>
           <a:xfrm>
-            <a:off x="457200" y="7763256"/>
-            <a:ext cx="6858000" cy="18288"/>
+            <a:off x="352800" y="8280000"/>
+            <a:ext cx="6858000" cy="1371600"/>
           </a:xfrm>
           <a:prstGeom prst="rect">
             <a:avLst/>
           </a:prstGeom>
           <a:solidFill>
-            <a:srgbClr val="C8C8C8"/>
+            <a:srgbClr val="F5F5F5"/>
           </a:solidFill>
           <a:ln>
-            <a:noFill/>
+            <a:solidFill>
+              <a:srgbClr val="B4B4B4"/>
+            </a:solidFill>
           </a:ln>
         </p:spPr>
         <p:style>
@@ -3859,52 +3946,7 @@
           </a:fontRef>
         </p:style>
         <p:txBody>
-          <a:bodyPr rtlCol="0" anchor="ctr"/>
-          <a:lstStyle/>
-          <a:p>
-            <a:pPr algn="ctr"/>
-          </a:p>
-        </p:txBody>
-      </p:sp>
-      <p:sp>
-        <p:nvSpPr>
-          <p:cNvPr id="10" name="Rectangle 9"/>
-          <p:cNvSpPr/>
-          <p:nvPr/>
-        </p:nvSpPr>
-        <p:spPr>
-          <a:xfrm>
-            <a:off x="457200" y="8083296"/>
-            <a:ext cx="6858000" cy="1371600"/>
-          </a:xfrm>
-          <a:prstGeom prst="rect">
-            <a:avLst/>
-          </a:prstGeom>
-          <a:solidFill>
-            <a:srgbClr val="F5F5F5"/>
-          </a:solidFill>
-          <a:ln>
-            <a:solidFill>
-              <a:srgbClr val="B4B4B4"/>
-            </a:solidFill>
-          </a:ln>
-        </p:spPr>
-        <p:style>
-          <a:lnRef idx="1">
-            <a:schemeClr val="accent1"/>
-          </a:lnRef>
-          <a:fillRef idx="3">
-            <a:schemeClr val="accent1"/>
-          </a:fillRef>
-          <a:effectRef idx="2">
-            <a:schemeClr val="accent1"/>
-          </a:effectRef>
-          <a:fontRef idx="minor">
-            <a:schemeClr val="lt1"/>
-          </a:fontRef>
-        </p:style>
-        <p:txBody>
-          <a:bodyPr rtlCol="0" anchor="ctr"/>
+          <a:bodyPr rtlCol="0" anchor="ctr" tIns="0" bIns="0" wrap="square"/>
           <a:lstStyle/>
           <a:p>
             <a:pPr algn="ctr"/>
@@ -3915,24 +3957,35 @@
                 <a:spcPct val="150000"/>
               </a:lnSpc>
               <a:spcBef>
-                <a:spcPts val="1000"/>
+                <a:spcPts val="0"/>
               </a:spcBef>
               <a:spcAft>
-                <a:spcPts val="1000"/>
+                <a:spcPts val="0"/>
               </a:spcAft>
               <a:defRPr sz="1200" b="1">
                 <a:solidFill>
                   <a:srgbClr val="000000"/>
                 </a:solidFill>
-                <a:latin typeface="맑은 고딕"/>
               </a:defRPr>
             </a:pPr>
             <a:r>
-              <a:t>(1) 한중 교류캠프에서 갈등 해결을 위해 구체적으로 어떤 노력을 기울였나요?</a:t>
+              <a:t>(1) 부정과 부패를 방지하기 위해 어떤 조치를 취해오셨나요?</a:t>
             </a:r>
             <a:br/>
             <a:r>
-              <a:t>(2) 팀장으로서의 역할 수행 시 중요한 요소는 무엇이라 생각하셨나요?</a:t>
+              <a:t>(2) 업무상 특혜 없이 일을 처리한 구체적인 사례를 말씀해 주세요.</a:t>
+            </a:r>
+            <a:br/>
+            <a:r>
+              <a:t>(3) 동료에게 청렴의 경각심을 어떻게 심어주셨습니까?</a:t>
+            </a:r>
+            <a:br/>
+            <a:r>
+              <a:t>(4) 대가를 수취하지 않은 경우가 조직에 어떤 의미를 줄 수 있나요?</a:t>
+            </a:r>
+            <a:br/>
+            <a:r>
+              <a:t>(5) 청렴 관련 갈등을 해결하기 위한 향후 계획은 무엇인가요?</a:t>
             </a:r>
           </a:p>
         </p:txBody>
@@ -3980,8 +4033,8 @@
         </p:nvSpPr>
         <p:spPr>
           <a:xfrm>
-            <a:off x="457200" y="457200"/>
-            <a:ext cx="2743200" cy="457200"/>
+            <a:off x="352800" y="50400"/>
+            <a:ext cx="2743200" cy="277200"/>
           </a:xfrm>
           <a:prstGeom prst="rect">
             <a:avLst/>
@@ -3995,7 +4048,14 @@
           <a:lstStyle/>
           <a:p/>
           <a:p>
-            <a:pPr algn="l"/>
+            <a:pPr algn="l">
+              <a:spcBef>
+                <a:spcPts val="0"/>
+              </a:spcBef>
+              <a:spcAft>
+                <a:spcPts val="0"/>
+              </a:spcAft>
+            </a:pPr>
             <a:r>
               <a:rPr b="1" sz="1000">
                 <a:latin typeface="맑은 고딕"/>
@@ -4006,7 +4066,7 @@
               <a:rPr b="0" sz="1000">
                 <a:latin typeface="맑은 고딕"/>
               </a:rPr>
-              <a:t>C0100003
+              <a:t>E0500632
 </a:t>
             </a:r>
             <a:r>
@@ -4019,7 +4079,7 @@
               <a:rPr b="0" sz="1000">
                 <a:latin typeface="맑은 고딕"/>
               </a:rPr>
-              <a:t>기본값</a:t>
+              <a:t>지원분야11</a:t>
             </a:r>
           </a:p>
         </p:txBody>
@@ -4032,7 +4092,7 @@
         </p:nvSpPr>
         <p:spPr>
           <a:xfrm>
-            <a:off x="457200" y="1097280"/>
+            <a:off x="352800" y="795600"/>
             <a:ext cx="6858000" cy="457200"/>
           </a:xfrm>
           <a:prstGeom prst="rect">
@@ -4069,7 +4129,7 @@
         </p:nvSpPr>
         <p:spPr>
           <a:xfrm>
-            <a:off x="457200" y="1554480"/>
+            <a:off x="352800" y="1227600"/>
             <a:ext cx="6858000" cy="457200"/>
           </a:xfrm>
           <a:prstGeom prst="rect">
@@ -4085,7 +4145,7 @@
           <a:p/>
           <a:p>
             <a:pPr algn="l">
-              <a:defRPr sz="1000" b="0">
+              <a:defRPr sz="800" b="0">
                 <a:solidFill>
                   <a:srgbClr val="000000"/>
                 </a:solidFill>
@@ -4093,7 +4153,7 @@
               </a:defRPr>
             </a:pPr>
             <a:r>
-              <a:t>질문 : 질문3</a:t>
+              <a:t>질문 : 지원 분야에서 입사 후 이루고자 하는 구체적인 목표를 설정하고, 목표 달성을 위해 본인이 가진 경험과 직무역량을 어떻게 활용할 지 자세하게 기술하여 주십시오. (800자~1,000자)</a:t>
             </a:r>
           </a:p>
         </p:txBody>
@@ -4106,8 +4166,8 @@
         </p:nvSpPr>
         <p:spPr>
           <a:xfrm>
-            <a:off x="457200" y="1691639"/>
-            <a:ext cx="6858000" cy="18288"/>
+            <a:off x="352800" y="1407600"/>
+            <a:ext cx="6858000" cy="18000"/>
           </a:xfrm>
           <a:prstGeom prst="rect">
             <a:avLst/>
@@ -4149,7 +4209,7 @@
         </p:nvSpPr>
         <p:spPr>
           <a:xfrm>
-            <a:off x="457200" y="1600199"/>
+            <a:off x="352800" y="1458000"/>
             <a:ext cx="6858000" cy="1828800"/>
           </a:xfrm>
           <a:prstGeom prst="rect">
@@ -4182,7 +4242,7 @@
                 </a:solidFill>
                 <a:latin typeface="맑은 고딕"/>
               </a:rPr>
-              <a:t>재단 인턴 당시, 100명의 외국인 서포터즈들의 과제를 평가하는 업무를 수행하던 중 둘째 달부터 참여도가 떨어지는 문제가 발생했습니다. 전체의 50%에 해당하는 </a:t>
+              <a:t>[온라인 마권 발매의 수익성 분석 및 병목 제거]국내 경마 산업은 말산업 전체 규모의 90%에 육박하는 중요한 산업입니다. 따라서 한국마사회가 수행하는 경마 </a:t>
             </a:r>
             <a:r>
               <a:rPr u="sng" b="1" sz="1200">
@@ -4191,7 +4251,7 @@
                 </a:solidFill>
                 <a:latin typeface="맑은 고딕"/>
               </a:rPr>
-              <a:t>(1)많은 인원에게 상품을 줬었기에 상품을 못 받은 사람들의 불만이</a:t>
+              <a:t>(1)사업의 중요성은 크다고 할 수 있습니다. 인터넷 및 스마트폰 활용이 높아지는 시대 상황에 맞추어 한국마사회는 온라인 마권 발매를 시범</a:t>
             </a:r>
             <a:r>
               <a:rPr sz="1200">
@@ -4200,7 +4260,7 @@
                 </a:solidFill>
                 <a:latin typeface="맑은 고딕"/>
               </a:rPr>
-              <a:t> 컴플레인의 원인이라고 파악하였습니다. 하지만 다음 달에도 지속되었기에, 5명의 서포터즈에게 따로 이유를 물어본 후 당시 함께 과제물을 평가하던 담당자의 업무 과중으로 인해 시간이 부족했고, 그로 인해 실질적인 내용이나 창의성이 충분히 반영되지 못한 것이 원인임을 알게 되었습니다.이를 해결하기 위해 엑셀을 활용하여 불만과 요구사항을 유형별로 나눠 분석하였습니다. 평가 기준을 구체화하고, 서포터즈 운영계획서를 참고하여 활동 목적에 부합하는 </a:t>
+              <a:t> 운영할 예정입니다. 재무회계 관리 직무를 수행하며 이러한 온라인 마권 발매의 오프라인 마권 발매 대비 매출 및 수익성에 미치는 영향을 철저하게 분석하고 관련 </a:t>
             </a:r>
             <a:r>
               <a:rPr u="sng" b="1" sz="1200">
@@ -4209,7 +4269,7 @@
                 </a:solidFill>
                 <a:latin typeface="맑은 고딕"/>
               </a:rPr>
-              <a:t>(2)평가 요소 5가지를 만들 수 있었습니다. 또한 서포터즈가 외국인인 점을 고려하여 예상 질문을 만들고 답변을 작성했습니다. 그 결과, 서포터즈의 민원이</a:t>
+              <a:t>(2)비용 절감 등을 통한 추가적인 수익성 향상 등에 대하여 지속해서 고민해야 한다고 생각합니다. 전산회계 1급 자격증을 취득하며</a:t>
             </a:r>
             <a:r>
               <a:rPr sz="1200">
@@ -4218,7 +4278,34 @@
                 </a:solidFill>
                 <a:latin typeface="맑은 고딕"/>
               </a:rPr>
-              <a:t> 90% 이상 줄었고, 높은 참여도와 함께 과제물 퀄리티도 높일 수 있었습니다.</a:t>
+              <a:t> 얻은 회계 프로그램 활용 능력을 활용하여 온라인 마권 발매와 관련한 거래를 기록하고 관리하겠습니다. 재경관리사 자격증을 취득하고 공인회계사 시험을 준비하는 과정에서 쌓은 회계적 지식을 바탕으로 해당 거래를 분석하겠습니다. 컴퓨터활용능력 1급 자격 취득 및 공공기관에서 인턴으로 근무하며 쌓은 문서 처리능력을 활용하여 앞서 분석한 거래 관련 정보를 정리하여 문제점 파악 및 개선점 제안을 위한 자료를 제작하겠습니다. 신입으로서 적극적인 자세로 업무를 배우며 이후 업무를 수행하는 과정에서 발생하는 병목을 해결하기 위해 노력하겠습니다. 무역 관련 공공기관에서 인턴으로 근무하며 업무수행 방식의 변경을 </a:t>
+            </a:r>
+            <a:r>
+              <a:rPr u="sng" b="1" sz="1200">
+                <a:solidFill>
+                  <a:srgbClr val="000000"/>
+                </a:solidFill>
+                <a:latin typeface="맑은 고딕"/>
+              </a:rPr>
+              <a:t>(3)제안하여 시차로 인한 문제를 해결한 경험이 있습니다. 해외 무역관과 메일을 통하여 온라인 상담 일정을 조정하는 기존의 방식은 시차로 (4)인하여 오랜 시간이 소요되었습니다. 이에 구글 시트를 활용하여 해외 무역관이 직접 시트를 채우고 중복이 되는 시간대의 상담 일정만 조정하는 방식으로 변경을 제안하여 업무에 드는</a:t>
+            </a:r>
+            <a:r>
+              <a:rPr sz="1200">
+                <a:solidFill>
+                  <a:srgbClr val="000000"/>
+                </a:solidFill>
+                <a:latin typeface="맑은 고딕"/>
+              </a:rPr>
+              <a:t> 시간을 단축할 수 있었습니다. 한국마사회에서 근무하면서 업무의 원활한 진행에 방해가 되는 병목 요소를 발견하고 이를 </a:t>
+            </a:r>
+            <a:r>
+              <a:rPr u="sng" b="1" sz="1200">
+                <a:solidFill>
+                  <a:srgbClr val="000000"/>
+                </a:solidFill>
+                <a:latin typeface="맑은 고딕"/>
+              </a:rPr>
+              <a:t>(5)제거하겠습니다.</a:t>
             </a:r>
           </a:p>
         </p:txBody>
@@ -4231,7 +4318,7 @@
         </p:nvSpPr>
         <p:spPr>
           <a:xfrm>
-            <a:off x="457200" y="7196327"/>
+            <a:off x="288000" y="7531200"/>
             <a:ext cx="6858000" cy="457200"/>
           </a:xfrm>
           <a:prstGeom prst="rect">
@@ -4268,17 +4355,19 @@
         </p:nvSpPr>
         <p:spPr>
           <a:xfrm>
-            <a:off x="457200" y="7790688"/>
-            <a:ext cx="6858000" cy="18288"/>
+            <a:off x="352800" y="8280000"/>
+            <a:ext cx="6858000" cy="1371600"/>
           </a:xfrm>
           <a:prstGeom prst="rect">
             <a:avLst/>
           </a:prstGeom>
           <a:solidFill>
-            <a:srgbClr val="C8C8C8"/>
+            <a:srgbClr val="F5F5F5"/>
           </a:solidFill>
           <a:ln>
-            <a:noFill/>
+            <a:solidFill>
+              <a:srgbClr val="B4B4B4"/>
+            </a:solidFill>
           </a:ln>
         </p:spPr>
         <p:style>
@@ -4296,52 +4385,7 @@
           </a:fontRef>
         </p:style>
         <p:txBody>
-          <a:bodyPr rtlCol="0" anchor="ctr"/>
-          <a:lstStyle/>
-          <a:p>
-            <a:pPr algn="ctr"/>
-          </a:p>
-        </p:txBody>
-      </p:sp>
-      <p:sp>
-        <p:nvSpPr>
-          <p:cNvPr id="10" name="Rectangle 9"/>
-          <p:cNvSpPr/>
-          <p:nvPr/>
-        </p:nvSpPr>
-        <p:spPr>
-          <a:xfrm>
-            <a:off x="457200" y="8110727"/>
-            <a:ext cx="6858000" cy="1371600"/>
-          </a:xfrm>
-          <a:prstGeom prst="rect">
-            <a:avLst/>
-          </a:prstGeom>
-          <a:solidFill>
-            <a:srgbClr val="F5F5F5"/>
-          </a:solidFill>
-          <a:ln>
-            <a:solidFill>
-              <a:srgbClr val="B4B4B4"/>
-            </a:solidFill>
-          </a:ln>
-        </p:spPr>
-        <p:style>
-          <a:lnRef idx="1">
-            <a:schemeClr val="accent1"/>
-          </a:lnRef>
-          <a:fillRef idx="3">
-            <a:schemeClr val="accent1"/>
-          </a:fillRef>
-          <a:effectRef idx="2">
-            <a:schemeClr val="accent1"/>
-          </a:effectRef>
-          <a:fontRef idx="minor">
-            <a:schemeClr val="lt1"/>
-          </a:fontRef>
-        </p:style>
-        <p:txBody>
-          <a:bodyPr rtlCol="0" anchor="ctr"/>
+          <a:bodyPr rtlCol="0" anchor="ctr" tIns="0" bIns="0" wrap="square"/>
           <a:lstStyle/>
           <a:p>
             <a:pPr algn="ctr"/>
@@ -4352,24 +4396,35 @@
                 <a:spcPct val="150000"/>
               </a:lnSpc>
               <a:spcBef>
-                <a:spcPts val="1000"/>
+                <a:spcPts val="0"/>
               </a:spcBef>
               <a:spcAft>
-                <a:spcPts val="1000"/>
+                <a:spcPts val="0"/>
               </a:spcAft>
               <a:defRPr sz="1200" b="1">
                 <a:solidFill>
                   <a:srgbClr val="000000"/>
                 </a:solidFill>
-                <a:latin typeface="맑은 고딕"/>
               </a:defRPr>
             </a:pPr>
             <a:r>
-              <a:t>(1) 서포터즈 참여도 문제를 해결하기 위해 어떤 접근 방식을 사용했나요?</a:t>
+              <a:t>(1) 온라인 마권 발매의 수익성 분석 시 가장 큰 도전 과제는 무엇이라고 생각하시나요?</a:t>
             </a:r>
             <a:br/>
             <a:r>
-              <a:t>(2) 서포터즈의 참여도를 높이는 데 성공한 이유는 무엇이라 판단하십니까?</a:t>
+              <a:t>(2) 회계 프로그램을 활용한 거래 관리 방법에 대해 자세히 설명해 주시겠습니까?</a:t>
+            </a:r>
+            <a:br/>
+            <a:r>
+              <a:t>(3) 업무수행 방식 변경 제안 시 직면했던 가장 큰 어려움은 무엇이었나요?</a:t>
+            </a:r>
+            <a:br/>
+            <a:r>
+              <a:t>(4) 시차 문제 해결을 위한 제안 과정에서 팀원들과 어떻게 소통했는지 알려주실 수 있나요?</a:t>
+            </a:r>
+            <a:br/>
+            <a:r>
+              <a:t>(5) 경험을 통해 병목 요소 해결에서 배운 가장 중요한 교훈은 무엇인가요?</a:t>
             </a:r>
           </a:p>
         </p:txBody>
@@ -4417,8 +4472,8 @@
         </p:nvSpPr>
         <p:spPr>
           <a:xfrm>
-            <a:off x="457200" y="457200"/>
-            <a:ext cx="2743200" cy="457200"/>
+            <a:off x="352800" y="50400"/>
+            <a:ext cx="2743200" cy="277200"/>
           </a:xfrm>
           <a:prstGeom prst="rect">
             <a:avLst/>
@@ -4432,7 +4487,14 @@
           <a:lstStyle/>
           <a:p/>
           <a:p>
-            <a:pPr algn="l"/>
+            <a:pPr algn="l">
+              <a:spcBef>
+                <a:spcPts val="0"/>
+              </a:spcBef>
+              <a:spcAft>
+                <a:spcPts val="0"/>
+              </a:spcAft>
+            </a:pPr>
             <a:r>
               <a:rPr b="1" sz="1000">
                 <a:latin typeface="맑은 고딕"/>
@@ -4443,7 +4505,7 @@
               <a:rPr b="0" sz="1000">
                 <a:latin typeface="맑은 고딕"/>
               </a:rPr>
-              <a:t>C0100003
+              <a:t>E0500632
 </a:t>
             </a:r>
             <a:r>
@@ -4456,7 +4518,7 @@
               <a:rPr b="0" sz="1000">
                 <a:latin typeface="맑은 고딕"/>
               </a:rPr>
-              <a:t>기본값</a:t>
+              <a:t>지원분야12</a:t>
             </a:r>
           </a:p>
         </p:txBody>
@@ -4469,7 +4531,7 @@
         </p:nvSpPr>
         <p:spPr>
           <a:xfrm>
-            <a:off x="457200" y="1097280"/>
+            <a:off x="352800" y="795600"/>
             <a:ext cx="6858000" cy="457200"/>
           </a:xfrm>
           <a:prstGeom prst="rect">
@@ -4506,7 +4568,7 @@
         </p:nvSpPr>
         <p:spPr>
           <a:xfrm>
-            <a:off x="457200" y="1554480"/>
+            <a:off x="352800" y="1227600"/>
             <a:ext cx="6858000" cy="457200"/>
           </a:xfrm>
           <a:prstGeom prst="rect">
@@ -4522,7 +4584,7 @@
           <a:p/>
           <a:p>
             <a:pPr algn="l">
-              <a:defRPr sz="1000" b="0">
+              <a:defRPr sz="800" b="0">
                 <a:solidFill>
                   <a:srgbClr val="000000"/>
                 </a:solidFill>
@@ -4530,7 +4592,7 @@
               </a:defRPr>
             </a:pPr>
             <a:r>
-              <a:t>질문 : 질문4</a:t>
+              <a:t>질문 : 타인과 소통이나 협력에 어려움을 겪고 이를 극복했던 사례를 구체적으로 설명하고 그 결과 발생했던 변화와 성과, 개선된 점 등은 무엇이었는지 자세하게 기술하여 주십시오.(800자~1,000자)</a:t>
             </a:r>
           </a:p>
         </p:txBody>
@@ -4543,8 +4605,8 @@
         </p:nvSpPr>
         <p:spPr>
           <a:xfrm>
-            <a:off x="457200" y="1691639"/>
-            <a:ext cx="6858000" cy="18288"/>
+            <a:off x="352800" y="1407600"/>
+            <a:ext cx="6858000" cy="18000"/>
           </a:xfrm>
           <a:prstGeom prst="rect">
             <a:avLst/>
@@ -4586,7 +4648,7 @@
         </p:nvSpPr>
         <p:spPr>
           <a:xfrm>
-            <a:off x="457200" y="1600199"/>
+            <a:off x="352800" y="1458000"/>
             <a:ext cx="6858000" cy="1828800"/>
           </a:xfrm>
           <a:prstGeom prst="rect">
@@ -4619,7 +4681,7 @@
                 </a:solidFill>
                 <a:latin typeface="맑은 고딕"/>
               </a:rPr>
-              <a:t>공사 인재상 중 업무에 필요한 전문 기술이 부족하다고 생각합니다.인턴 당시 매달 100명의 서포터즈가 만든 과제물을 하나의 PDF 파일에 </a:t>
+              <a:t>[비공개적인 거래의 원천 봉쇄]조직 생활에서 정의와 청렴만큼 중요한 가치는 </a:t>
             </a:r>
             <a:r>
               <a:rPr u="sng" b="1" sz="1200">
@@ -4628,7 +4690,7 @@
                 </a:solidFill>
                 <a:latin typeface="맑은 고딕"/>
               </a:rPr>
-              <a:t>(1)취합하여 보고서 형식으로 제출하는 업무를 맡았습니다. 처음에는 PDF취합</a:t>
+              <a:t>(1)없습니다. 특히 한국마사회와 같은 공공기관은 이러한 가치가 더욱이 중요시되어야 합니다. 조직 생활에 있어 정의와 청렴에 가장 반대되는 상황은 비공개적인 공간에서 이루어지는 거래라고 생각합니다. 한국마사회의 기관 특성상 경마 사업 진행에 있어 비공개적인 공간에서의 거래가 발생할 가능성이 존재한다고 생각합니다.</a:t>
             </a:r>
             <a:r>
               <a:rPr sz="1200">
@@ -4637,7 +4699,7 @@
                 </a:solidFill>
                 <a:latin typeface="맑은 고딕"/>
               </a:rPr>
-              <a:t> 방법을 몰랐기에 일일이 복사하여 붙여 넣으며 해당 업무에 시간을 많이 들였습니다. 이후 실무에서 활용도 높은 단축키와 OA기능 관련 강의를 수강하고, 출퇴근 시간에 20분씩 복습하며 </a:t>
+              <a:t> 예를 들어 경마에 참여하는 말에 관한 정보를 흘리는 등의 상황이 발생할 수 있습니다. 만약 조직 내에 그러한 거래를 주고받는 동료가 있다면 조직의 공정성을 유지하기 </a:t>
             </a:r>
             <a:r>
               <a:rPr u="sng" b="1" sz="1200">
@@ -4646,7 +4708,7 @@
                 </a:solidFill>
                 <a:latin typeface="맑은 고딕"/>
               </a:rPr>
-              <a:t>(2)암기하였습니다. 이를 통해 업무 시간을 50% 줄였고, 다른 업무의 효율을</a:t>
+              <a:t>(2)위하여 철저하게 보고할 것입니다. 철도 관련 공공기관에서 인턴으로 근무할 당시 승차권을 구입한 후의 거스름돈을 인턴에게 주려는 고객이 있었습니다. 큰돈은 아니었지만, 이러한 상황이 반복된다면</a:t>
             </a:r>
             <a:r>
               <a:rPr sz="1200">
@@ -4655,7 +4717,34 @@
                 </a:solidFill>
                 <a:latin typeface="맑은 고딕"/>
               </a:rPr>
-              <a:t> 높일 수 있었습니다. 한국농수산식품유통공사에 입사한 후, 부서의 업무를 수행하기 위한 문서 작성 및 농수산식품의 정보 관리를 위한 OA기술이 필수라고 생각합니다. 이를 위해 강의 수강뿐만 아니라 직접 해당 기술을 미리 적용해 봄으로써 맡은 업무에 어떤 기술이 필요한지 바로 적용할 수 있도록 숙지하고 연습하겠습니다. OA기술 활용도를 높여 농수산식품의 가치를 높일 수 있는 사업을 기획하고 운영하는 데 이바지하겠습니다.</a:t>
+              <a:t> 기관에 부정적인 이미지를 형성할 수 있다고 생각하여 정중하게 거절했습니다. </a:t>
+            </a:r>
+            <a:r>
+              <a:rPr u="sng" b="1" sz="1200">
+                <a:solidFill>
+                  <a:srgbClr val="000000"/>
+                </a:solidFill>
+                <a:latin typeface="맑은 고딕"/>
+              </a:rPr>
+              <a:t>(3)동료가 같은 상황에 부닥쳐 고민하고 있을 때도 단호하게 거절하는 것이 맞다는 의견을 표했습니다. 한국마사회에서 근무할 때 이러한 상황이 발생한다면 동료를 설득하여 소탐대실하지 않을 것을 강조하겠습니다. 또한 동료가 그러한 거래를 하는 것을 발견할 확률은</a:t>
+            </a:r>
+            <a:r>
+              <a:rPr sz="1200">
+                <a:solidFill>
+                  <a:srgbClr val="000000"/>
+                </a:solidFill>
+                <a:latin typeface="맑은 고딕"/>
+              </a:rPr>
+              <a:t> 높지 않다고 생각합니다. 따라서 개인적인 설득보다는 체계적인 시스템 구축이 더욱 중요하다고 생각합니다. 정기적인 감사를 수행하고 부정적인 거래의 적발 시 징계 수위를 강화하여 상황이 근본적으로 발생하지 않도록 해야 할 것입니다. 재무회계 관리 직무를 수행하며 철저한 거래 내용 관리와 검토로 한국마사회의 청렴에 해를 가하는 </a:t>
+            </a:r>
+            <a:r>
+              <a:rPr u="sng" b="1" sz="1200">
+                <a:solidFill>
+                  <a:srgbClr val="000000"/>
+                </a:solidFill>
+                <a:latin typeface="맑은 고딕"/>
+              </a:rPr>
+              <a:t>(4)거래가 발생하지 않도록 철저한 자세로 근무하겠습니다.(5)</a:t>
             </a:r>
           </a:p>
         </p:txBody>
@@ -4668,7 +4757,7 @@
         </p:nvSpPr>
         <p:spPr>
           <a:xfrm>
-            <a:off x="457200" y="7187183"/>
+            <a:off x="288000" y="7531200"/>
             <a:ext cx="6858000" cy="457200"/>
           </a:xfrm>
           <a:prstGeom prst="rect">
@@ -4705,17 +4794,19 @@
         </p:nvSpPr>
         <p:spPr>
           <a:xfrm>
-            <a:off x="457200" y="7781544"/>
-            <a:ext cx="6858000" cy="18288"/>
+            <a:off x="352800" y="8280000"/>
+            <a:ext cx="6858000" cy="1371600"/>
           </a:xfrm>
           <a:prstGeom prst="rect">
             <a:avLst/>
           </a:prstGeom>
           <a:solidFill>
-            <a:srgbClr val="C8C8C8"/>
+            <a:srgbClr val="F5F5F5"/>
           </a:solidFill>
           <a:ln>
-            <a:noFill/>
+            <a:solidFill>
+              <a:srgbClr val="B4B4B4"/>
+            </a:solidFill>
           </a:ln>
         </p:spPr>
         <p:style>
@@ -4733,34 +4824,237 @@
           </a:fontRef>
         </p:style>
         <p:txBody>
-          <a:bodyPr rtlCol="0" anchor="ctr"/>
+          <a:bodyPr rtlCol="0" anchor="ctr" tIns="0" bIns="0" wrap="square"/>
           <a:lstStyle/>
           <a:p>
             <a:pPr algn="ctr"/>
           </a:p>
-        </p:txBody>
-      </p:sp>
-      <p:sp>
-        <p:nvSpPr>
-          <p:cNvPr id="10" name="Rectangle 9"/>
+          <a:p>
+            <a:pPr>
+              <a:lnSpc>
+                <a:spcPct val="150000"/>
+              </a:lnSpc>
+              <a:spcBef>
+                <a:spcPts val="0"/>
+              </a:spcBef>
+              <a:spcAft>
+                <a:spcPts val="0"/>
+              </a:spcAft>
+              <a:defRPr sz="1200" b="1">
+                <a:solidFill>
+                  <a:srgbClr val="000000"/>
+                </a:solidFill>
+              </a:defRPr>
+            </a:pPr>
+            <a:r>
+              <a:t>(1) 비공개적인 거래를 원천 봉쇄하기 위한 구체적인 시스템 구축 방안을 제안해 주시겠습니까?</a:t>
+            </a:r>
+            <a:br/>
+            <a:r>
+              <a:t>(2) 조직 내에서 부정적인 거래를 발견했을 때 보고하는 과정은 어떻게 진행할 계획인가요?</a:t>
+            </a:r>
+            <a:br/>
+            <a:r>
+              <a:t>(3) 승차권 구매 고객 대응 과정에서 얻은 중요한 교훈은 무엇이었나요?</a:t>
+            </a:r>
+            <a:br/>
+            <a:r>
+              <a:t>(4) 체계적인 시스템 구축이 설득보다 중요하다고 언급하셨는데, 그 이유를 설명해 주시겠습니까?</a:t>
+            </a:r>
+            <a:br/>
+            <a:r>
+              <a:t>(5) 정기적인 감사를 통해 기대하는 구체적인 효과는 무엇인가요?</a:t>
+            </a:r>
+          </a:p>
+        </p:txBody>
+      </p:sp>
+    </p:spTree>
+  </p:cSld>
+  <p:clrMapOvr>
+    <a:masterClrMapping/>
+  </p:clrMapOvr>
+</p:sld>
+</file>
+
+<file path=ppt/slides/slide13.xml><?xml version="1.0" encoding="utf-8"?>
+<p:sld xmlns:a="http://schemas.openxmlformats.org/drawingml/2006/main" xmlns:p="http://schemas.openxmlformats.org/presentationml/2006/main" xmlns:r="http://schemas.openxmlformats.org/officeDocument/2006/relationships">
+  <p:cSld>
+    <p:spTree>
+      <p:nvGrpSpPr>
+        <p:cNvPr id="1" name=""/>
+        <p:cNvGrpSpPr/>
+        <p:nvPr/>
+      </p:nvGrpSpPr>
+      <p:grpSpPr/>
+      <p:sp>
+        <p:nvSpPr>
+          <p:cNvPr id="2" name="Title 1"/>
+          <p:cNvSpPr>
+            <a:spLocks noGrp="1"/>
+          </p:cNvSpPr>
+          <p:nvPr>
+            <p:ph type="title"/>
+          </p:nvPr>
+        </p:nvSpPr>
+        <p:spPr/>
+        <p:txBody>
+          <a:bodyPr/>
+          <a:lstStyle/>
+          <a:p/>
+        </p:txBody>
+      </p:sp>
+      <p:sp>
+        <p:nvSpPr>
+          <p:cNvPr id="3" name="TextBox 2"/>
+          <p:cNvSpPr txBox="1"/>
+          <p:nvPr/>
+        </p:nvSpPr>
+        <p:spPr>
+          <a:xfrm>
+            <a:off x="352800" y="50400"/>
+            <a:ext cx="2743200" cy="277200"/>
+          </a:xfrm>
+          <a:prstGeom prst="rect">
+            <a:avLst/>
+          </a:prstGeom>
+          <a:noFill/>
+        </p:spPr>
+        <p:txBody>
+          <a:bodyPr wrap="none">
+            <a:spAutoFit/>
+          </a:bodyPr>
+          <a:lstStyle/>
+          <a:p/>
+          <a:p>
+            <a:pPr algn="l">
+              <a:spcBef>
+                <a:spcPts val="0"/>
+              </a:spcBef>
+              <a:spcAft>
+                <a:spcPts val="0"/>
+              </a:spcAft>
+            </a:pPr>
+            <a:r>
+              <a:rPr b="1" sz="1000">
+                <a:latin typeface="맑은 고딕"/>
+              </a:rPr>
+              <a:t>수험번호 : </a:t>
+            </a:r>
+            <a:r>
+              <a:rPr b="0" sz="1000">
+                <a:latin typeface="맑은 고딕"/>
+              </a:rPr>
+              <a:t>C0100002
+</a:t>
+            </a:r>
+            <a:r>
+              <a:rPr b="1" sz="1000">
+                <a:latin typeface="맑은 고딕"/>
+              </a:rPr>
+              <a:t>지원분야 : </a:t>
+            </a:r>
+            <a:r>
+              <a:rPr b="0" sz="1000">
+                <a:latin typeface="맑은 고딕"/>
+              </a:rPr>
+              <a:t>지원분야13</a:t>
+            </a:r>
+          </a:p>
+        </p:txBody>
+      </p:sp>
+      <p:sp>
+        <p:nvSpPr>
+          <p:cNvPr id="4" name="TextBox 3"/>
+          <p:cNvSpPr txBox="1"/>
+          <p:nvPr/>
+        </p:nvSpPr>
+        <p:spPr>
+          <a:xfrm>
+            <a:off x="352800" y="795600"/>
+            <a:ext cx="6858000" cy="457200"/>
+          </a:xfrm>
+          <a:prstGeom prst="rect">
+            <a:avLst/>
+          </a:prstGeom>
+          <a:noFill/>
+        </p:spPr>
+        <p:txBody>
+          <a:bodyPr wrap="none">
+            <a:spAutoFit/>
+          </a:bodyPr>
+          <a:lstStyle/>
+          <a:p/>
+          <a:p>
+            <a:pPr algn="l">
+              <a:defRPr sz="1400" b="1">
+                <a:solidFill>
+                  <a:srgbClr val="000000"/>
+                </a:solidFill>
+                <a:latin typeface="맑은 고딕"/>
+              </a:defRPr>
+            </a:pPr>
+            <a:r>
+              <a:t>자기소개서</a:t>
+            </a:r>
+          </a:p>
+        </p:txBody>
+      </p:sp>
+      <p:sp>
+        <p:nvSpPr>
+          <p:cNvPr id="5" name="TextBox 4"/>
+          <p:cNvSpPr txBox="1"/>
+          <p:nvPr/>
+        </p:nvSpPr>
+        <p:spPr>
+          <a:xfrm>
+            <a:off x="352800" y="1227600"/>
+            <a:ext cx="6858000" cy="457200"/>
+          </a:xfrm>
+          <a:prstGeom prst="rect">
+            <a:avLst/>
+          </a:prstGeom>
+          <a:noFill/>
+        </p:spPr>
+        <p:txBody>
+          <a:bodyPr wrap="square">
+            <a:spAutoFit/>
+          </a:bodyPr>
+          <a:lstStyle/>
+          <a:p/>
+          <a:p>
+            <a:pPr algn="l">
+              <a:defRPr sz="800" b="0">
+                <a:solidFill>
+                  <a:srgbClr val="000000"/>
+                </a:solidFill>
+                <a:latin typeface="맑은 고딕"/>
+              </a:defRPr>
+            </a:pPr>
+            <a:r>
+              <a:t>질문 : 지원 분야에서 입사 후 이루고자 하는 구체적인 목표를 설정하고, 목표 달성을 위해 본인이 가진 경험과 직무역량을 어떻게 활용할 지 자세하게 기술하여 주십시오. (800자~1,000자)</a:t>
+            </a:r>
+          </a:p>
+        </p:txBody>
+      </p:sp>
+      <p:sp>
+        <p:nvSpPr>
+          <p:cNvPr id="6" name="Rectangle 5"/>
           <p:cNvSpPr/>
           <p:nvPr/>
         </p:nvSpPr>
         <p:spPr>
           <a:xfrm>
-            <a:off x="457200" y="8101583"/>
-            <a:ext cx="6858000" cy="1371600"/>
+            <a:off x="352800" y="1407600"/>
+            <a:ext cx="6858000" cy="18000"/>
           </a:xfrm>
           <a:prstGeom prst="rect">
             <a:avLst/>
           </a:prstGeom>
           <a:solidFill>
-            <a:srgbClr val="F5F5F5"/>
+            <a:srgbClr val="C8C8C8"/>
           </a:solidFill>
           <a:ln>
-            <a:solidFill>
-              <a:srgbClr val="B4B4B4"/>
-            </a:solidFill>
+            <a:noFill/>
           </a:ln>
         </p:spPr>
         <p:style>
@@ -4783,6 +5077,30 @@
           <a:p>
             <a:pPr algn="ctr"/>
           </a:p>
+        </p:txBody>
+      </p:sp>
+      <p:sp>
+        <p:nvSpPr>
+          <p:cNvPr id="7" name="TextBox 6"/>
+          <p:cNvSpPr txBox="1"/>
+          <p:nvPr/>
+        </p:nvSpPr>
+        <p:spPr>
+          <a:xfrm>
+            <a:off x="352800" y="1458000"/>
+            <a:ext cx="6858000" cy="1828800"/>
+          </a:xfrm>
+          <a:prstGeom prst="rect">
+            <a:avLst/>
+          </a:prstGeom>
+          <a:noFill/>
+        </p:spPr>
+        <p:txBody>
+          <a:bodyPr wrap="square">
+            <a:spAutoFit/>
+          </a:bodyPr>
+          <a:lstStyle/>
+          <a:p/>
           <a:p>
             <a:pPr>
               <a:lnSpc>
@@ -4794,7 +5112,134 @@
               <a:spcAft>
                 <a:spcPts val="1000"/>
               </a:spcAft>
-              <a:defRPr sz="1200" b="1">
+            </a:pPr>
+            <a:r>
+              <a:rPr sz="1200">
+                <a:solidFill>
+                  <a:srgbClr val="000000"/>
+                </a:solidFill>
+                <a:latin typeface="맑은 고딕"/>
+              </a:rPr>
+              <a:t>대학에서 경영학과 중어중문학을 전공하며 배운 지식들을 실무에 적용하기 위해 </a:t>
+            </a:r>
+            <a:r>
+              <a:rPr u="sng" b="1" sz="1200">
+                <a:solidFill>
+                  <a:srgbClr val="000000"/>
+                </a:solidFill>
+                <a:latin typeface="맑은 고딕"/>
+              </a:rPr>
+              <a:t>(1)○○공사에서 인턴과 계약직 사원으로 근무했습니다. 국제곡물정보와 해외농산물수입정보를 조사하며 농산물</a:t>
+            </a:r>
+            <a:r>
+              <a:rPr sz="1200">
+                <a:solidFill>
+                  <a:srgbClr val="000000"/>
+                </a:solidFill>
+                <a:latin typeface="맑은 고딕"/>
+              </a:rPr>
+              <a:t> 가격 변동을 파악하고 선제적으로 관리함으로써, 수급관리에 대한 실무 </a:t>
+            </a:r>
+            <a:r>
+              <a:rPr u="sng" b="1" sz="1200">
+                <a:solidFill>
+                  <a:srgbClr val="000000"/>
+                </a:solidFill>
+                <a:latin typeface="맑은 고딕"/>
+              </a:rPr>
+              <a:t>(2)경험을 쌓고자 노력하였습니다.특히</a:t>
+            </a:r>
+            <a:r>
+              <a:rPr sz="1200">
+                <a:solidFill>
+                  <a:srgbClr val="000000"/>
+                </a:solidFill>
+                <a:latin typeface="맑은 고딕"/>
+              </a:rPr>
+              <a:t> 농산물수입동향보고서 작성과 해외수입정보검증회의 개최를 통해 </a:t>
+            </a:r>
+            <a:r>
+              <a:rPr u="sng" b="1" sz="1200">
+                <a:solidFill>
+                  <a:srgbClr val="000000"/>
+                </a:solidFill>
+                <a:latin typeface="맑은 고딕"/>
+              </a:rPr>
+              <a:t>(3)수입농산물과 관세제도에 대한 전문지식을 쌓았으며, 외신보도모니터링과</a:t>
+            </a:r>
+            <a:r>
+              <a:rPr sz="1200">
+                <a:solidFill>
+                  <a:srgbClr val="000000"/>
+                </a:solidFill>
+                <a:latin typeface="맑은 고딕"/>
+              </a:rPr>
+              <a:t> 해외 모니터들과의 소통을 통해 실무적 외국어 능력도 향상시켰습니다. 이를 통해 농산물수급관리와 수입동향조사에 필요한 분석력 및 전문성을 갖출 수 있었습니다.입사 후 이러한 경험을 바탕으로 공사의 핵심사업인 농산물 </a:t>
+            </a:r>
+            <a:r>
+              <a:rPr u="sng" b="1" sz="1200">
+                <a:solidFill>
+                  <a:srgbClr val="000000"/>
+                </a:solidFill>
+                <a:latin typeface="맑은 고딕"/>
+              </a:rPr>
+              <a:t>(4)수급관리 업무에 기여하고자 합니다. 수입정보조사와 관세제도에 대한 지식을 활용해 시장</a:t>
+            </a:r>
+            <a:r>
+              <a:rPr sz="1200">
+                <a:solidFill>
+                  <a:srgbClr val="000000"/>
+                </a:solidFill>
+                <a:latin typeface="맑은 고딕"/>
+              </a:rPr>
+              <a:t> 변화에 선제적으로 대응할 수 있는 전략을 수립하고, 외국어 소통능력을 적극 </a:t>
+            </a:r>
+            <a:r>
+              <a:rPr u="sng" b="1" sz="1200">
+                <a:solidFill>
+                  <a:srgbClr val="000000"/>
+                </a:solidFill>
+                <a:latin typeface="맑은 고딕"/>
+              </a:rPr>
+              <a:t>(5)활용하여 글로벌 농산물시장에 대한 이해를 넓혀 수급 안정화에 이바지하는</a:t>
+            </a:r>
+            <a:r>
+              <a:rPr sz="1200">
+                <a:solidFill>
+                  <a:srgbClr val="000000"/>
+                </a:solidFill>
+                <a:latin typeface="맑은 고딕"/>
+              </a:rPr>
+              <a:t> 인재가 되겠습니다.</a:t>
+            </a:r>
+          </a:p>
+        </p:txBody>
+      </p:sp>
+      <p:sp>
+        <p:nvSpPr>
+          <p:cNvPr id="8" name="TextBox 7"/>
+          <p:cNvSpPr txBox="1"/>
+          <p:nvPr/>
+        </p:nvSpPr>
+        <p:spPr>
+          <a:xfrm>
+            <a:off x="288000" y="7531200"/>
+            <a:ext cx="6858000" cy="457200"/>
+          </a:xfrm>
+          <a:prstGeom prst="rect">
+            <a:avLst/>
+          </a:prstGeom>
+          <a:noFill/>
+        </p:spPr>
+        <p:txBody>
+          <a:bodyPr wrap="none">
+            <a:spAutoFit/>
+          </a:bodyPr>
+          <a:lstStyle/>
+          <a:p/>
+          <a:p>
+            <a:pPr algn="l">
+              <a:defRPr sz="1400" b="1">
                 <a:solidFill>
                   <a:srgbClr val="000000"/>
                 </a:solidFill>
@@ -4802,11 +5247,1442 @@
               </a:defRPr>
             </a:pPr>
             <a:r>
-              <a:t>(1) PDF 취합 과정에서 배운 가장 큰 교훈은 무엇인가요?</a:t>
+              <a:t>자기소개서 기반 면접 질문 제안</a:t>
+            </a:r>
+          </a:p>
+        </p:txBody>
+      </p:sp>
+      <p:sp>
+        <p:nvSpPr>
+          <p:cNvPr id="9" name="Rectangle 8"/>
+          <p:cNvSpPr/>
+          <p:nvPr/>
+        </p:nvSpPr>
+        <p:spPr>
+          <a:xfrm>
+            <a:off x="352800" y="8280000"/>
+            <a:ext cx="6858000" cy="1371600"/>
+          </a:xfrm>
+          <a:prstGeom prst="rect">
+            <a:avLst/>
+          </a:prstGeom>
+          <a:solidFill>
+            <a:srgbClr val="F5F5F5"/>
+          </a:solidFill>
+          <a:ln>
+            <a:solidFill>
+              <a:srgbClr val="B4B4B4"/>
+            </a:solidFill>
+          </a:ln>
+        </p:spPr>
+        <p:style>
+          <a:lnRef idx="1">
+            <a:schemeClr val="accent1"/>
+          </a:lnRef>
+          <a:fillRef idx="3">
+            <a:schemeClr val="accent1"/>
+          </a:fillRef>
+          <a:effectRef idx="2">
+            <a:schemeClr val="accent1"/>
+          </a:effectRef>
+          <a:fontRef idx="minor">
+            <a:schemeClr val="lt1"/>
+          </a:fontRef>
+        </p:style>
+        <p:txBody>
+          <a:bodyPr rtlCol="0" anchor="ctr" tIns="0" bIns="0" wrap="square"/>
+          <a:lstStyle/>
+          <a:p>
+            <a:pPr algn="ctr"/>
+          </a:p>
+          <a:p>
+            <a:pPr>
+              <a:lnSpc>
+                <a:spcPct val="150000"/>
+              </a:lnSpc>
+              <a:spcBef>
+                <a:spcPts val="0"/>
+              </a:spcBef>
+              <a:spcAft>
+                <a:spcPts val="0"/>
+              </a:spcAft>
+              <a:defRPr sz="1200" b="1">
+                <a:solidFill>
+                  <a:srgbClr val="000000"/>
+                </a:solidFill>
+              </a:defRPr>
+            </a:pPr>
+            <a:r>
+              <a:t>(1) ○○공사에서 농산물 수급관리 업무 중 가장 도전적이었던 부분은 무엇인가요?</a:t>
             </a:r>
             <a:br/>
             <a:r>
-              <a:t>(2) OA기술을 활용하여 업무 효율을 높인 방법을 구체적으로 설명해 주세요.</a:t>
+              <a:t>(2) 해외수입정보검증회의를 주최하면서 가장 중요하게 생각한 부분은 무엇이었나요?</a:t>
+            </a:r>
+            <a:br/>
+            <a:r>
+              <a:t>(3) 실무적 외국어 능력을 향상시키기 위해 어떤 노력을 했나요?</a:t>
+            </a:r>
+            <a:br/>
+            <a:r>
+              <a:t>(4) 농산물 수급 안정화 전략 수립 시 어떤 경제적 요소를 고려했나요?</a:t>
+            </a:r>
+            <a:br/>
+            <a:r>
+              <a:t>(5) 글로벌 농산물 시장 이해를 위해 어떤 자료들을 활용하였나요?</a:t>
+            </a:r>
+          </a:p>
+        </p:txBody>
+      </p:sp>
+    </p:spTree>
+  </p:cSld>
+  <p:clrMapOvr>
+    <a:masterClrMapping/>
+  </p:clrMapOvr>
+</p:sld>
+</file>
+
+<file path=ppt/slides/slide14.xml><?xml version="1.0" encoding="utf-8"?>
+<p:sld xmlns:a="http://schemas.openxmlformats.org/drawingml/2006/main" xmlns:p="http://schemas.openxmlformats.org/presentationml/2006/main" xmlns:r="http://schemas.openxmlformats.org/officeDocument/2006/relationships">
+  <p:cSld>
+    <p:spTree>
+      <p:nvGrpSpPr>
+        <p:cNvPr id="1" name=""/>
+        <p:cNvGrpSpPr/>
+        <p:nvPr/>
+      </p:nvGrpSpPr>
+      <p:grpSpPr/>
+      <p:sp>
+        <p:nvSpPr>
+          <p:cNvPr id="2" name="Title 1"/>
+          <p:cNvSpPr>
+            <a:spLocks noGrp="1"/>
+          </p:cNvSpPr>
+          <p:nvPr>
+            <p:ph type="title"/>
+          </p:nvPr>
+        </p:nvSpPr>
+        <p:spPr/>
+        <p:txBody>
+          <a:bodyPr/>
+          <a:lstStyle/>
+          <a:p/>
+        </p:txBody>
+      </p:sp>
+      <p:sp>
+        <p:nvSpPr>
+          <p:cNvPr id="3" name="TextBox 2"/>
+          <p:cNvSpPr txBox="1"/>
+          <p:nvPr/>
+        </p:nvSpPr>
+        <p:spPr>
+          <a:xfrm>
+            <a:off x="352800" y="50400"/>
+            <a:ext cx="2743200" cy="277200"/>
+          </a:xfrm>
+          <a:prstGeom prst="rect">
+            <a:avLst/>
+          </a:prstGeom>
+          <a:noFill/>
+        </p:spPr>
+        <p:txBody>
+          <a:bodyPr wrap="none">
+            <a:spAutoFit/>
+          </a:bodyPr>
+          <a:lstStyle/>
+          <a:p/>
+          <a:p>
+            <a:pPr algn="l">
+              <a:spcBef>
+                <a:spcPts val="0"/>
+              </a:spcBef>
+              <a:spcAft>
+                <a:spcPts val="0"/>
+              </a:spcAft>
+            </a:pPr>
+            <a:r>
+              <a:rPr b="1" sz="1000">
+                <a:latin typeface="맑은 고딕"/>
+              </a:rPr>
+              <a:t>수험번호 : </a:t>
+            </a:r>
+            <a:r>
+              <a:rPr b="0" sz="1000">
+                <a:latin typeface="맑은 고딕"/>
+              </a:rPr>
+              <a:t>C0100002
+</a:t>
+            </a:r>
+            <a:r>
+              <a:rPr b="1" sz="1000">
+                <a:latin typeface="맑은 고딕"/>
+              </a:rPr>
+              <a:t>지원분야 : </a:t>
+            </a:r>
+            <a:r>
+              <a:rPr b="0" sz="1000">
+                <a:latin typeface="맑은 고딕"/>
+              </a:rPr>
+              <a:t>지원분야14</a:t>
+            </a:r>
+          </a:p>
+        </p:txBody>
+      </p:sp>
+      <p:sp>
+        <p:nvSpPr>
+          <p:cNvPr id="4" name="TextBox 3"/>
+          <p:cNvSpPr txBox="1"/>
+          <p:nvPr/>
+        </p:nvSpPr>
+        <p:spPr>
+          <a:xfrm>
+            <a:off x="352800" y="795600"/>
+            <a:ext cx="6858000" cy="457200"/>
+          </a:xfrm>
+          <a:prstGeom prst="rect">
+            <a:avLst/>
+          </a:prstGeom>
+          <a:noFill/>
+        </p:spPr>
+        <p:txBody>
+          <a:bodyPr wrap="none">
+            <a:spAutoFit/>
+          </a:bodyPr>
+          <a:lstStyle/>
+          <a:p/>
+          <a:p>
+            <a:pPr algn="l">
+              <a:defRPr sz="1400" b="1">
+                <a:solidFill>
+                  <a:srgbClr val="000000"/>
+                </a:solidFill>
+                <a:latin typeface="맑은 고딕"/>
+              </a:defRPr>
+            </a:pPr>
+            <a:r>
+              <a:t>자기소개서</a:t>
+            </a:r>
+          </a:p>
+        </p:txBody>
+      </p:sp>
+      <p:sp>
+        <p:nvSpPr>
+          <p:cNvPr id="5" name="TextBox 4"/>
+          <p:cNvSpPr txBox="1"/>
+          <p:nvPr/>
+        </p:nvSpPr>
+        <p:spPr>
+          <a:xfrm>
+            <a:off x="352800" y="1227600"/>
+            <a:ext cx="6858000" cy="457200"/>
+          </a:xfrm>
+          <a:prstGeom prst="rect">
+            <a:avLst/>
+          </a:prstGeom>
+          <a:noFill/>
+        </p:spPr>
+        <p:txBody>
+          <a:bodyPr wrap="square">
+            <a:spAutoFit/>
+          </a:bodyPr>
+          <a:lstStyle/>
+          <a:p/>
+          <a:p>
+            <a:pPr algn="l">
+              <a:defRPr sz="800" b="0">
+                <a:solidFill>
+                  <a:srgbClr val="000000"/>
+                </a:solidFill>
+                <a:latin typeface="맑은 고딕"/>
+              </a:defRPr>
+            </a:pPr>
+            <a:r>
+              <a:t>질문 : 타인과 소통이나 협력에 어려움을 겪고 이를 극복했던 사례를 구체적으로 설명하고 그 결과 발생했던 변화와 성과, 개선된 점 등은 무엇이었는지 자세하게 기술하여 주십시오.(800자~1,000자)</a:t>
+            </a:r>
+          </a:p>
+        </p:txBody>
+      </p:sp>
+      <p:sp>
+        <p:nvSpPr>
+          <p:cNvPr id="6" name="Rectangle 5"/>
+          <p:cNvSpPr/>
+          <p:nvPr/>
+        </p:nvSpPr>
+        <p:spPr>
+          <a:xfrm>
+            <a:off x="352800" y="1407600"/>
+            <a:ext cx="6858000" cy="18000"/>
+          </a:xfrm>
+          <a:prstGeom prst="rect">
+            <a:avLst/>
+          </a:prstGeom>
+          <a:solidFill>
+            <a:srgbClr val="C8C8C8"/>
+          </a:solidFill>
+          <a:ln>
+            <a:noFill/>
+          </a:ln>
+        </p:spPr>
+        <p:style>
+          <a:lnRef idx="1">
+            <a:schemeClr val="accent1"/>
+          </a:lnRef>
+          <a:fillRef idx="3">
+            <a:schemeClr val="accent1"/>
+          </a:fillRef>
+          <a:effectRef idx="2">
+            <a:schemeClr val="accent1"/>
+          </a:effectRef>
+          <a:fontRef idx="minor">
+            <a:schemeClr val="lt1"/>
+          </a:fontRef>
+        </p:style>
+        <p:txBody>
+          <a:bodyPr rtlCol="0" anchor="ctr"/>
+          <a:lstStyle/>
+          <a:p>
+            <a:pPr algn="ctr"/>
+          </a:p>
+        </p:txBody>
+      </p:sp>
+      <p:sp>
+        <p:nvSpPr>
+          <p:cNvPr id="7" name="TextBox 6"/>
+          <p:cNvSpPr txBox="1"/>
+          <p:nvPr/>
+        </p:nvSpPr>
+        <p:spPr>
+          <a:xfrm>
+            <a:off x="352800" y="1458000"/>
+            <a:ext cx="6858000" cy="1828800"/>
+          </a:xfrm>
+          <a:prstGeom prst="rect">
+            <a:avLst/>
+          </a:prstGeom>
+          <a:noFill/>
+        </p:spPr>
+        <p:txBody>
+          <a:bodyPr wrap="square">
+            <a:spAutoFit/>
+          </a:bodyPr>
+          <a:lstStyle/>
+          <a:p/>
+          <a:p>
+            <a:pPr>
+              <a:lnSpc>
+                <a:spcPct val="150000"/>
+              </a:lnSpc>
+              <a:spcBef>
+                <a:spcPts val="1000"/>
+              </a:spcBef>
+              <a:spcAft>
+                <a:spcPts val="1000"/>
+              </a:spcAft>
+            </a:pPr>
+            <a:r>
+              <a:rPr sz="1200">
+                <a:solidFill>
+                  <a:srgbClr val="000000"/>
+                </a:solidFill>
+                <a:latin typeface="맑은 고딕"/>
+              </a:rPr>
+              <a:t>외국인유학생서포터즈 활동 당시, 중국인 팀원의 소극적인 태도로 인해 다른 팀원들이 그 친구의 </a:t>
+            </a:r>
+            <a:r>
+              <a:rPr u="sng" b="1" sz="1200">
+                <a:solidFill>
+                  <a:srgbClr val="000000"/>
+                </a:solidFill>
+                <a:latin typeface="맑은 고딕"/>
+              </a:rPr>
+              <a:t>(1)퇴출을 주장하며 갈등이 발생했습니다. 당시 저는 팀원들의 의견을 존중하면서도 서포터즈 간의 원만한</a:t>
+            </a:r>
+            <a:r>
+              <a:rPr sz="1200">
+                <a:solidFill>
+                  <a:srgbClr val="000000"/>
+                </a:solidFill>
+                <a:latin typeface="맑은 고딕"/>
+              </a:rPr>
+              <a:t> 관계 유지를 위해 갈등을 </a:t>
+            </a:r>
+            <a:r>
+              <a:rPr u="sng" b="1" sz="1200">
+                <a:solidFill>
+                  <a:srgbClr val="000000"/>
+                </a:solidFill>
+                <a:latin typeface="맑은 고딕"/>
+              </a:rPr>
+              <a:t>(2)해결하고자 노력했습니다.우선 중국인 친구와의 면담을 통해 한국어가 서툴러 회의내용을 이해하고 맡은 업무 수행하는데 어려움을</a:t>
+            </a:r>
+            <a:r>
+              <a:rPr sz="1200">
+                <a:solidFill>
+                  <a:srgbClr val="000000"/>
+                </a:solidFill>
+                <a:latin typeface="맑은 고딕"/>
+              </a:rPr>
+              <a:t> 겪고 있다는 점을 알게 되었습니다. 따라서 팀원들에게 상황을 설명하고, 퇴출보다는 그 친구의 역할을 </a:t>
+            </a:r>
+            <a:r>
+              <a:rPr u="sng" b="1" sz="1200">
+                <a:solidFill>
+                  <a:srgbClr val="000000"/>
+                </a:solidFill>
+                <a:latin typeface="맑은 고딕"/>
+              </a:rPr>
+              <a:t>(3)조정하는 방향으로 함께 해결해보자고 설득했습니다. 이후 그 친구에게 회의내용을 중국어로 다시 설명해주고,</a:t>
+            </a:r>
+            <a:r>
+              <a:rPr sz="1200">
+                <a:solidFill>
+                  <a:srgbClr val="000000"/>
+                </a:solidFill>
+                <a:latin typeface="맑은 고딕"/>
+              </a:rPr>
+              <a:t> 중국어 통번역 업무를 맡기며 역할을 재조정했습니다. 그 결과 중국인 친구는 활동에 </a:t>
+            </a:r>
+            <a:r>
+              <a:rPr u="sng" b="1" sz="1200">
+                <a:solidFill>
+                  <a:srgbClr val="000000"/>
+                </a:solidFill>
+                <a:latin typeface="맑은 고딕"/>
+              </a:rPr>
+              <a:t>(4)적극적으로 참여하는 모습을 보였고, 팀원들 간의 관계도 원만하게 유지되었습니다.이 경험을 통해 갈등 상황속에서 소통과 (5)배려의 중요성을 깨달았으며, 입사 후에도 부서원들과 상호 이해를 바탕으로 협력하여 조직에 긍정적인</a:t>
+            </a:r>
+            <a:r>
+              <a:rPr sz="1200">
+                <a:solidFill>
+                  <a:srgbClr val="000000"/>
+                </a:solidFill>
+                <a:latin typeface="맑은 고딕"/>
+              </a:rPr>
+              <a:t> 영향을 미치고자 합니다.</a:t>
+            </a:r>
+          </a:p>
+        </p:txBody>
+      </p:sp>
+      <p:sp>
+        <p:nvSpPr>
+          <p:cNvPr id="8" name="TextBox 7"/>
+          <p:cNvSpPr txBox="1"/>
+          <p:nvPr/>
+        </p:nvSpPr>
+        <p:spPr>
+          <a:xfrm>
+            <a:off x="288000" y="7531200"/>
+            <a:ext cx="6858000" cy="457200"/>
+          </a:xfrm>
+          <a:prstGeom prst="rect">
+            <a:avLst/>
+          </a:prstGeom>
+          <a:noFill/>
+        </p:spPr>
+        <p:txBody>
+          <a:bodyPr wrap="none">
+            <a:spAutoFit/>
+          </a:bodyPr>
+          <a:lstStyle/>
+          <a:p/>
+          <a:p>
+            <a:pPr algn="l">
+              <a:defRPr sz="1400" b="1">
+                <a:solidFill>
+                  <a:srgbClr val="000000"/>
+                </a:solidFill>
+                <a:latin typeface="맑은 고딕"/>
+              </a:defRPr>
+            </a:pPr>
+            <a:r>
+              <a:t>자기소개서 기반 면접 질문 제안</a:t>
+            </a:r>
+          </a:p>
+        </p:txBody>
+      </p:sp>
+      <p:sp>
+        <p:nvSpPr>
+          <p:cNvPr id="9" name="Rectangle 8"/>
+          <p:cNvSpPr/>
+          <p:nvPr/>
+        </p:nvSpPr>
+        <p:spPr>
+          <a:xfrm>
+            <a:off x="352800" y="8280000"/>
+            <a:ext cx="6858000" cy="1371600"/>
+          </a:xfrm>
+          <a:prstGeom prst="rect">
+            <a:avLst/>
+          </a:prstGeom>
+          <a:solidFill>
+            <a:srgbClr val="F5F5F5"/>
+          </a:solidFill>
+          <a:ln>
+            <a:solidFill>
+              <a:srgbClr val="B4B4B4"/>
+            </a:solidFill>
+          </a:ln>
+        </p:spPr>
+        <p:style>
+          <a:lnRef idx="1">
+            <a:schemeClr val="accent1"/>
+          </a:lnRef>
+          <a:fillRef idx="3">
+            <a:schemeClr val="accent1"/>
+          </a:fillRef>
+          <a:effectRef idx="2">
+            <a:schemeClr val="accent1"/>
+          </a:effectRef>
+          <a:fontRef idx="minor">
+            <a:schemeClr val="lt1"/>
+          </a:fontRef>
+        </p:style>
+        <p:txBody>
+          <a:bodyPr rtlCol="0" anchor="ctr" tIns="0" bIns="0" wrap="square"/>
+          <a:lstStyle/>
+          <a:p>
+            <a:pPr algn="ctr"/>
+          </a:p>
+          <a:p>
+            <a:pPr>
+              <a:lnSpc>
+                <a:spcPct val="150000"/>
+              </a:lnSpc>
+              <a:spcBef>
+                <a:spcPts val="0"/>
+              </a:spcBef>
+              <a:spcAft>
+                <a:spcPts val="0"/>
+              </a:spcAft>
+              <a:defRPr sz="1200" b="1">
+                <a:solidFill>
+                  <a:srgbClr val="000000"/>
+                </a:solidFill>
+              </a:defRPr>
+            </a:pPr>
+            <a:r>
+              <a:t>(1) 외국인유학생서포터즈 활동에서 팀원들의 갈등을 어떤 방식으로 해결했나요?</a:t>
+            </a:r>
+            <a:br/>
+            <a:r>
+              <a:t>(2) 중국인 팀원의 소극적 태도를 개선하는 데 있어 가장 큰 장애물은 무엇이었나요?</a:t>
+            </a:r>
+            <a:br/>
+            <a:r>
+              <a:t>(3) 중국어 통번역 업무를 맡긴 후 팀 분위기에 어떤 변화가 있었나요?</a:t>
+            </a:r>
+            <a:br/>
+            <a:r>
+              <a:t>(4) 서포터즈 활동 후에 깨달은 소통의 중요성을 구체적으로 설명해주세요.</a:t>
+            </a:r>
+            <a:br/>
+            <a:r>
+              <a:t>(5) 입사 후 부서원들과의 협력을 위해 어떤 구체적인 방법을 계획하고 있나요?</a:t>
+            </a:r>
+          </a:p>
+        </p:txBody>
+      </p:sp>
+    </p:spTree>
+  </p:cSld>
+  <p:clrMapOvr>
+    <a:masterClrMapping/>
+  </p:clrMapOvr>
+</p:sld>
+</file>
+
+<file path=ppt/slides/slide15.xml><?xml version="1.0" encoding="utf-8"?>
+<p:sld xmlns:a="http://schemas.openxmlformats.org/drawingml/2006/main" xmlns:p="http://schemas.openxmlformats.org/presentationml/2006/main" xmlns:r="http://schemas.openxmlformats.org/officeDocument/2006/relationships">
+  <p:cSld>
+    <p:spTree>
+      <p:nvGrpSpPr>
+        <p:cNvPr id="1" name=""/>
+        <p:cNvGrpSpPr/>
+        <p:nvPr/>
+      </p:nvGrpSpPr>
+      <p:grpSpPr/>
+      <p:sp>
+        <p:nvSpPr>
+          <p:cNvPr id="2" name="Title 1"/>
+          <p:cNvSpPr>
+            <a:spLocks noGrp="1"/>
+          </p:cNvSpPr>
+          <p:nvPr>
+            <p:ph type="title"/>
+          </p:nvPr>
+        </p:nvSpPr>
+        <p:spPr/>
+        <p:txBody>
+          <a:bodyPr/>
+          <a:lstStyle/>
+          <a:p/>
+        </p:txBody>
+      </p:sp>
+      <p:sp>
+        <p:nvSpPr>
+          <p:cNvPr id="3" name="TextBox 2"/>
+          <p:cNvSpPr txBox="1"/>
+          <p:nvPr/>
+        </p:nvSpPr>
+        <p:spPr>
+          <a:xfrm>
+            <a:off x="352800" y="50400"/>
+            <a:ext cx="2743200" cy="277200"/>
+          </a:xfrm>
+          <a:prstGeom prst="rect">
+            <a:avLst/>
+          </a:prstGeom>
+          <a:noFill/>
+        </p:spPr>
+        <p:txBody>
+          <a:bodyPr wrap="none">
+            <a:spAutoFit/>
+          </a:bodyPr>
+          <a:lstStyle/>
+          <a:p/>
+          <a:p>
+            <a:pPr algn="l">
+              <a:spcBef>
+                <a:spcPts val="0"/>
+              </a:spcBef>
+              <a:spcAft>
+                <a:spcPts val="0"/>
+              </a:spcAft>
+            </a:pPr>
+            <a:r>
+              <a:rPr b="1" sz="1000">
+                <a:latin typeface="맑은 고딕"/>
+              </a:rPr>
+              <a:t>수험번호 : </a:t>
+            </a:r>
+            <a:r>
+              <a:rPr b="0" sz="1000">
+                <a:latin typeface="맑은 고딕"/>
+              </a:rPr>
+              <a:t>C0100003
+</a:t>
+            </a:r>
+            <a:r>
+              <a:rPr b="1" sz="1000">
+                <a:latin typeface="맑은 고딕"/>
+              </a:rPr>
+              <a:t>지원분야 : </a:t>
+            </a:r>
+            <a:r>
+              <a:rPr b="0" sz="1000">
+                <a:latin typeface="맑은 고딕"/>
+              </a:rPr>
+              <a:t>지원분야15</a:t>
+            </a:r>
+          </a:p>
+        </p:txBody>
+      </p:sp>
+      <p:sp>
+        <p:nvSpPr>
+          <p:cNvPr id="4" name="TextBox 3"/>
+          <p:cNvSpPr txBox="1"/>
+          <p:nvPr/>
+        </p:nvSpPr>
+        <p:spPr>
+          <a:xfrm>
+            <a:off x="352800" y="795600"/>
+            <a:ext cx="6858000" cy="457200"/>
+          </a:xfrm>
+          <a:prstGeom prst="rect">
+            <a:avLst/>
+          </a:prstGeom>
+          <a:noFill/>
+        </p:spPr>
+        <p:txBody>
+          <a:bodyPr wrap="none">
+            <a:spAutoFit/>
+          </a:bodyPr>
+          <a:lstStyle/>
+          <a:p/>
+          <a:p>
+            <a:pPr algn="l">
+              <a:defRPr sz="1400" b="1">
+                <a:solidFill>
+                  <a:srgbClr val="000000"/>
+                </a:solidFill>
+                <a:latin typeface="맑은 고딕"/>
+              </a:defRPr>
+            </a:pPr>
+            <a:r>
+              <a:t>자기소개서</a:t>
+            </a:r>
+          </a:p>
+        </p:txBody>
+      </p:sp>
+      <p:sp>
+        <p:nvSpPr>
+          <p:cNvPr id="5" name="TextBox 4"/>
+          <p:cNvSpPr txBox="1"/>
+          <p:nvPr/>
+        </p:nvSpPr>
+        <p:spPr>
+          <a:xfrm>
+            <a:off x="352800" y="1227600"/>
+            <a:ext cx="6858000" cy="457200"/>
+          </a:xfrm>
+          <a:prstGeom prst="rect">
+            <a:avLst/>
+          </a:prstGeom>
+          <a:noFill/>
+        </p:spPr>
+        <p:txBody>
+          <a:bodyPr wrap="square">
+            <a:spAutoFit/>
+          </a:bodyPr>
+          <a:lstStyle/>
+          <a:p/>
+          <a:p>
+            <a:pPr algn="l">
+              <a:defRPr sz="800" b="0">
+                <a:solidFill>
+                  <a:srgbClr val="000000"/>
+                </a:solidFill>
+                <a:latin typeface="맑은 고딕"/>
+              </a:defRPr>
+            </a:pPr>
+            <a:r>
+              <a:t>질문 : 지원 분야에서 입사 후 이루고자 하는 구체적인 목표를 설정하고, 목표 달성을 위해 본인이 가진 경험과 직무역량을 어떻게 활용할 지 자세하게 기술하여 주십시오. (800자~1,000자)</a:t>
+            </a:r>
+          </a:p>
+        </p:txBody>
+      </p:sp>
+      <p:sp>
+        <p:nvSpPr>
+          <p:cNvPr id="6" name="Rectangle 5"/>
+          <p:cNvSpPr/>
+          <p:nvPr/>
+        </p:nvSpPr>
+        <p:spPr>
+          <a:xfrm>
+            <a:off x="352800" y="1407600"/>
+            <a:ext cx="6858000" cy="18000"/>
+          </a:xfrm>
+          <a:prstGeom prst="rect">
+            <a:avLst/>
+          </a:prstGeom>
+          <a:solidFill>
+            <a:srgbClr val="C8C8C8"/>
+          </a:solidFill>
+          <a:ln>
+            <a:noFill/>
+          </a:ln>
+        </p:spPr>
+        <p:style>
+          <a:lnRef idx="1">
+            <a:schemeClr val="accent1"/>
+          </a:lnRef>
+          <a:fillRef idx="3">
+            <a:schemeClr val="accent1"/>
+          </a:fillRef>
+          <a:effectRef idx="2">
+            <a:schemeClr val="accent1"/>
+          </a:effectRef>
+          <a:fontRef idx="minor">
+            <a:schemeClr val="lt1"/>
+          </a:fontRef>
+        </p:style>
+        <p:txBody>
+          <a:bodyPr rtlCol="0" anchor="ctr"/>
+          <a:lstStyle/>
+          <a:p>
+            <a:pPr algn="ctr"/>
+          </a:p>
+        </p:txBody>
+      </p:sp>
+      <p:sp>
+        <p:nvSpPr>
+          <p:cNvPr id="7" name="TextBox 6"/>
+          <p:cNvSpPr txBox="1"/>
+          <p:nvPr/>
+        </p:nvSpPr>
+        <p:spPr>
+          <a:xfrm>
+            <a:off x="352800" y="1458000"/>
+            <a:ext cx="6858000" cy="1828800"/>
+          </a:xfrm>
+          <a:prstGeom prst="rect">
+            <a:avLst/>
+          </a:prstGeom>
+          <a:noFill/>
+        </p:spPr>
+        <p:txBody>
+          <a:bodyPr wrap="square">
+            <a:spAutoFit/>
+          </a:bodyPr>
+          <a:lstStyle/>
+          <a:p/>
+          <a:p>
+            <a:pPr>
+              <a:lnSpc>
+                <a:spcPct val="150000"/>
+              </a:lnSpc>
+              <a:spcBef>
+                <a:spcPts val="1000"/>
+              </a:spcBef>
+              <a:spcAft>
+                <a:spcPts val="1000"/>
+              </a:spcAft>
+            </a:pPr>
+            <a:r>
+              <a:rPr sz="1200">
+                <a:solidFill>
+                  <a:srgbClr val="000000"/>
+                </a:solidFill>
+                <a:latin typeface="맑은 고딕"/>
+              </a:rPr>
+              <a:t>공사 인턴으로 </a:t>
+            </a:r>
+            <a:r>
+              <a:rPr u="sng" b="1" sz="1200">
+                <a:solidFill>
+                  <a:srgbClr val="000000"/>
+                </a:solidFill>
+                <a:latin typeface="맑은 고딕"/>
+              </a:rPr>
+              <a:t>(1)근무하며, 조직 경영 실적 평가와 내부 성과관리에 관한 업무를 경험하고</a:t>
+            </a:r>
+            <a:r>
+              <a:rPr sz="1200">
+                <a:solidFill>
+                  <a:srgbClr val="000000"/>
+                </a:solidFill>
+                <a:latin typeface="맑은 고딕"/>
+              </a:rPr>
+              <a:t> 행정 업무역량을 쌓았습니다. 이 과정에서, 학창 시절 배운 경영 전략 이론들을 실무에 </a:t>
+            </a:r>
+            <a:r>
+              <a:rPr u="sng" b="1" sz="1200">
+                <a:solidFill>
+                  <a:srgbClr val="000000"/>
+                </a:solidFill>
+                <a:latin typeface="맑은 고딕"/>
+              </a:rPr>
+              <a:t>(2)적용하며 전반적인 성과관리 시스템을 파악할 수 있었습니다. 또한, 동종업계의 경영 평가 보고서를 엑셀에 취합하고, 30개가</a:t>
+            </a:r>
+            <a:r>
+              <a:rPr sz="1200">
+                <a:solidFill>
+                  <a:srgbClr val="000000"/>
+                </a:solidFill>
+                <a:latin typeface="맑은 고딕"/>
+              </a:rPr>
+              <a:t> 넘는 부서의 성과지표 보고서를 정확하게 관리하여, 기업 간 성과 비교를 효율적으로 할 </a:t>
+            </a:r>
+            <a:r>
+              <a:rPr u="sng" b="1" sz="1200">
+                <a:solidFill>
+                  <a:srgbClr val="000000"/>
+                </a:solidFill>
+                <a:latin typeface="맑은 고딕"/>
+              </a:rPr>
+              <a:t>(3)수 있도록 지원하였고, 데이터를 바탕으로 기업 간 강약점 분석 역량을</a:t>
+            </a:r>
+            <a:r>
+              <a:rPr sz="1200">
+                <a:solidFill>
+                  <a:srgbClr val="000000"/>
+                </a:solidFill>
+                <a:latin typeface="맑은 고딕"/>
+              </a:rPr>
+              <a:t> 키울 수 있었습니다. 또한, 재단 인턴 당시 외국인 </a:t>
+            </a:r>
+            <a:r>
+              <a:rPr u="sng" b="1" sz="1200">
+                <a:solidFill>
+                  <a:srgbClr val="000000"/>
+                </a:solidFill>
+                <a:latin typeface="맑은 고딕"/>
+              </a:rPr>
+              <a:t>(4)내방객들을 응대하며 영어, 중국어, 일본어 의사소통 능력 및 홍보물 경험을 쌓았습니다.이를 바탕으로 해외 시장에서 한국</a:t>
+            </a:r>
+            <a:r>
+              <a:rPr sz="1200">
+                <a:solidFill>
+                  <a:srgbClr val="000000"/>
+                </a:solidFill>
+                <a:latin typeface="맑은 고딕"/>
+              </a:rPr>
+              <a:t> 농수산식품의 우수성과 경쟁력을 </a:t>
+            </a:r>
+            <a:r>
+              <a:rPr u="sng" b="1" sz="1200">
+                <a:solidFill>
+                  <a:srgbClr val="000000"/>
+                </a:solidFill>
+                <a:latin typeface="맑은 고딕"/>
+              </a:rPr>
+              <a:t>(5)효과적으로 홍보하고, 국제 무대에서 해외의 수요기업에 알리기 위한 지속적인</a:t>
+            </a:r>
+            <a:r>
+              <a:rPr sz="1200">
+                <a:solidFill>
+                  <a:srgbClr val="000000"/>
+                </a:solidFill>
+                <a:latin typeface="맑은 고딕"/>
+              </a:rPr>
+              <a:t> 소통에 기여할 수 있을 것입니다. 해외 기업과의 전략적 협력관계를 통해 한국농수산식품유통공사가 글로벌 농수산 강국으로 자리매김하는 데 이바지하겠습니다.</a:t>
+            </a:r>
+          </a:p>
+        </p:txBody>
+      </p:sp>
+      <p:sp>
+        <p:nvSpPr>
+          <p:cNvPr id="8" name="TextBox 7"/>
+          <p:cNvSpPr txBox="1"/>
+          <p:nvPr/>
+        </p:nvSpPr>
+        <p:spPr>
+          <a:xfrm>
+            <a:off x="288000" y="7531200"/>
+            <a:ext cx="6858000" cy="457200"/>
+          </a:xfrm>
+          <a:prstGeom prst="rect">
+            <a:avLst/>
+          </a:prstGeom>
+          <a:noFill/>
+        </p:spPr>
+        <p:txBody>
+          <a:bodyPr wrap="none">
+            <a:spAutoFit/>
+          </a:bodyPr>
+          <a:lstStyle/>
+          <a:p/>
+          <a:p>
+            <a:pPr algn="l">
+              <a:defRPr sz="1400" b="1">
+                <a:solidFill>
+                  <a:srgbClr val="000000"/>
+                </a:solidFill>
+                <a:latin typeface="맑은 고딕"/>
+              </a:defRPr>
+            </a:pPr>
+            <a:r>
+              <a:t>자기소개서 기반 면접 질문 제안</a:t>
+            </a:r>
+          </a:p>
+        </p:txBody>
+      </p:sp>
+      <p:sp>
+        <p:nvSpPr>
+          <p:cNvPr id="9" name="Rectangle 8"/>
+          <p:cNvSpPr/>
+          <p:nvPr/>
+        </p:nvSpPr>
+        <p:spPr>
+          <a:xfrm>
+            <a:off x="352800" y="8280000"/>
+            <a:ext cx="6858000" cy="1371600"/>
+          </a:xfrm>
+          <a:prstGeom prst="rect">
+            <a:avLst/>
+          </a:prstGeom>
+          <a:solidFill>
+            <a:srgbClr val="F5F5F5"/>
+          </a:solidFill>
+          <a:ln>
+            <a:solidFill>
+              <a:srgbClr val="B4B4B4"/>
+            </a:solidFill>
+          </a:ln>
+        </p:spPr>
+        <p:style>
+          <a:lnRef idx="1">
+            <a:schemeClr val="accent1"/>
+          </a:lnRef>
+          <a:fillRef idx="3">
+            <a:schemeClr val="accent1"/>
+          </a:fillRef>
+          <a:effectRef idx="2">
+            <a:schemeClr val="accent1"/>
+          </a:effectRef>
+          <a:fontRef idx="minor">
+            <a:schemeClr val="lt1"/>
+          </a:fontRef>
+        </p:style>
+        <p:txBody>
+          <a:bodyPr rtlCol="0" anchor="ctr" tIns="0" bIns="0" wrap="square"/>
+          <a:lstStyle/>
+          <a:p>
+            <a:pPr algn="ctr"/>
+          </a:p>
+          <a:p>
+            <a:pPr>
+              <a:lnSpc>
+                <a:spcPct val="150000"/>
+              </a:lnSpc>
+              <a:spcBef>
+                <a:spcPts val="0"/>
+              </a:spcBef>
+              <a:spcAft>
+                <a:spcPts val="0"/>
+              </a:spcAft>
+              <a:defRPr sz="1200" b="1">
+                <a:solidFill>
+                  <a:srgbClr val="000000"/>
+                </a:solidFill>
+              </a:defRPr>
+            </a:pPr>
+            <a:r>
+              <a:t>(1) 조직 경영 실적 평가에서 배운 점 중 가장 중요하다고 생각하는 것은 무엇인가요?</a:t>
+            </a:r>
+            <a:br/>
+            <a:r>
+              <a:t>(2) 기업 간 성과 비교를 어떻게 효율적으로 지원했나요?</a:t>
+            </a:r>
+            <a:br/>
+            <a:r>
+              <a:t>(3) 외국인 내방객 응대 시 가장 어려웠던 점은 무엇이었나요?</a:t>
+            </a:r>
+            <a:br/>
+            <a:r>
+              <a:t>(4) 국제 무대에서 지속적인 소통을 하기 위해 어떤 노력을 할 계획인가요?</a:t>
+            </a:r>
+            <a:br/>
+            <a:r>
+              <a:t>(5) 전략적 협력관계 형성을 위한 구체적인 방법은 무엇인가요?</a:t>
+            </a:r>
+          </a:p>
+        </p:txBody>
+      </p:sp>
+    </p:spTree>
+  </p:cSld>
+  <p:clrMapOvr>
+    <a:masterClrMapping/>
+  </p:clrMapOvr>
+</p:sld>
+</file>
+
+<file path=ppt/slides/slide16.xml><?xml version="1.0" encoding="utf-8"?>
+<p:sld xmlns:a="http://schemas.openxmlformats.org/drawingml/2006/main" xmlns:p="http://schemas.openxmlformats.org/presentationml/2006/main" xmlns:r="http://schemas.openxmlformats.org/officeDocument/2006/relationships">
+  <p:cSld>
+    <p:spTree>
+      <p:nvGrpSpPr>
+        <p:cNvPr id="1" name=""/>
+        <p:cNvGrpSpPr/>
+        <p:nvPr/>
+      </p:nvGrpSpPr>
+      <p:grpSpPr/>
+      <p:sp>
+        <p:nvSpPr>
+          <p:cNvPr id="2" name="Title 1"/>
+          <p:cNvSpPr>
+            <a:spLocks noGrp="1"/>
+          </p:cNvSpPr>
+          <p:nvPr>
+            <p:ph type="title"/>
+          </p:nvPr>
+        </p:nvSpPr>
+        <p:spPr/>
+        <p:txBody>
+          <a:bodyPr/>
+          <a:lstStyle/>
+          <a:p/>
+        </p:txBody>
+      </p:sp>
+      <p:sp>
+        <p:nvSpPr>
+          <p:cNvPr id="3" name="TextBox 2"/>
+          <p:cNvSpPr txBox="1"/>
+          <p:nvPr/>
+        </p:nvSpPr>
+        <p:spPr>
+          <a:xfrm>
+            <a:off x="352800" y="50400"/>
+            <a:ext cx="2743200" cy="277200"/>
+          </a:xfrm>
+          <a:prstGeom prst="rect">
+            <a:avLst/>
+          </a:prstGeom>
+          <a:noFill/>
+        </p:spPr>
+        <p:txBody>
+          <a:bodyPr wrap="none">
+            <a:spAutoFit/>
+          </a:bodyPr>
+          <a:lstStyle/>
+          <a:p/>
+          <a:p>
+            <a:pPr algn="l">
+              <a:spcBef>
+                <a:spcPts val="0"/>
+              </a:spcBef>
+              <a:spcAft>
+                <a:spcPts val="0"/>
+              </a:spcAft>
+            </a:pPr>
+            <a:r>
+              <a:rPr b="1" sz="1000">
+                <a:latin typeface="맑은 고딕"/>
+              </a:rPr>
+              <a:t>수험번호 : </a:t>
+            </a:r>
+            <a:r>
+              <a:rPr b="0" sz="1000">
+                <a:latin typeface="맑은 고딕"/>
+              </a:rPr>
+              <a:t>C0100003
+</a:t>
+            </a:r>
+            <a:r>
+              <a:rPr b="1" sz="1000">
+                <a:latin typeface="맑은 고딕"/>
+              </a:rPr>
+              <a:t>지원분야 : </a:t>
+            </a:r>
+            <a:r>
+              <a:rPr b="0" sz="1000">
+                <a:latin typeface="맑은 고딕"/>
+              </a:rPr>
+              <a:t>지원분야16</a:t>
+            </a:r>
+          </a:p>
+        </p:txBody>
+      </p:sp>
+      <p:sp>
+        <p:nvSpPr>
+          <p:cNvPr id="4" name="TextBox 3"/>
+          <p:cNvSpPr txBox="1"/>
+          <p:nvPr/>
+        </p:nvSpPr>
+        <p:spPr>
+          <a:xfrm>
+            <a:off x="352800" y="795600"/>
+            <a:ext cx="6858000" cy="457200"/>
+          </a:xfrm>
+          <a:prstGeom prst="rect">
+            <a:avLst/>
+          </a:prstGeom>
+          <a:noFill/>
+        </p:spPr>
+        <p:txBody>
+          <a:bodyPr wrap="none">
+            <a:spAutoFit/>
+          </a:bodyPr>
+          <a:lstStyle/>
+          <a:p/>
+          <a:p>
+            <a:pPr algn="l">
+              <a:defRPr sz="1400" b="1">
+                <a:solidFill>
+                  <a:srgbClr val="000000"/>
+                </a:solidFill>
+                <a:latin typeface="맑은 고딕"/>
+              </a:defRPr>
+            </a:pPr>
+            <a:r>
+              <a:t>자기소개서</a:t>
+            </a:r>
+          </a:p>
+        </p:txBody>
+      </p:sp>
+      <p:sp>
+        <p:nvSpPr>
+          <p:cNvPr id="5" name="TextBox 4"/>
+          <p:cNvSpPr txBox="1"/>
+          <p:nvPr/>
+        </p:nvSpPr>
+        <p:spPr>
+          <a:xfrm>
+            <a:off x="352800" y="1227600"/>
+            <a:ext cx="6858000" cy="457200"/>
+          </a:xfrm>
+          <a:prstGeom prst="rect">
+            <a:avLst/>
+          </a:prstGeom>
+          <a:noFill/>
+        </p:spPr>
+        <p:txBody>
+          <a:bodyPr wrap="square">
+            <a:spAutoFit/>
+          </a:bodyPr>
+          <a:lstStyle/>
+          <a:p/>
+          <a:p>
+            <a:pPr algn="l">
+              <a:defRPr sz="800" b="0">
+                <a:solidFill>
+                  <a:srgbClr val="000000"/>
+                </a:solidFill>
+                <a:latin typeface="맑은 고딕"/>
+              </a:defRPr>
+            </a:pPr>
+            <a:r>
+              <a:t>질문 : 타인과 소통이나 협력에 어려움을 겪고 이를 극복했던 사례를 구체적으로 설명하고 그 결과 발생했던 변화와 성과, 개선된 점 등은 무엇이었는지 자세하게 기술하여 주십시오.(800자~1,000자)</a:t>
+            </a:r>
+          </a:p>
+        </p:txBody>
+      </p:sp>
+      <p:sp>
+        <p:nvSpPr>
+          <p:cNvPr id="6" name="Rectangle 5"/>
+          <p:cNvSpPr/>
+          <p:nvPr/>
+        </p:nvSpPr>
+        <p:spPr>
+          <a:xfrm>
+            <a:off x="352800" y="1407600"/>
+            <a:ext cx="6858000" cy="18000"/>
+          </a:xfrm>
+          <a:prstGeom prst="rect">
+            <a:avLst/>
+          </a:prstGeom>
+          <a:solidFill>
+            <a:srgbClr val="C8C8C8"/>
+          </a:solidFill>
+          <a:ln>
+            <a:noFill/>
+          </a:ln>
+        </p:spPr>
+        <p:style>
+          <a:lnRef idx="1">
+            <a:schemeClr val="accent1"/>
+          </a:lnRef>
+          <a:fillRef idx="3">
+            <a:schemeClr val="accent1"/>
+          </a:fillRef>
+          <a:effectRef idx="2">
+            <a:schemeClr val="accent1"/>
+          </a:effectRef>
+          <a:fontRef idx="minor">
+            <a:schemeClr val="lt1"/>
+          </a:fontRef>
+        </p:style>
+        <p:txBody>
+          <a:bodyPr rtlCol="0" anchor="ctr"/>
+          <a:lstStyle/>
+          <a:p>
+            <a:pPr algn="ctr"/>
+          </a:p>
+        </p:txBody>
+      </p:sp>
+      <p:sp>
+        <p:nvSpPr>
+          <p:cNvPr id="7" name="TextBox 6"/>
+          <p:cNvSpPr txBox="1"/>
+          <p:nvPr/>
+        </p:nvSpPr>
+        <p:spPr>
+          <a:xfrm>
+            <a:off x="352800" y="1458000"/>
+            <a:ext cx="6858000" cy="1828800"/>
+          </a:xfrm>
+          <a:prstGeom prst="rect">
+            <a:avLst/>
+          </a:prstGeom>
+          <a:noFill/>
+        </p:spPr>
+        <p:txBody>
+          <a:bodyPr wrap="square">
+            <a:spAutoFit/>
+          </a:bodyPr>
+          <a:lstStyle/>
+          <a:p/>
+          <a:p>
+            <a:pPr>
+              <a:lnSpc>
+                <a:spcPct val="150000"/>
+              </a:lnSpc>
+              <a:spcBef>
+                <a:spcPts val="1000"/>
+              </a:spcBef>
+              <a:spcAft>
+                <a:spcPts val="1000"/>
+              </a:spcAft>
+            </a:pPr>
+            <a:r>
+              <a:rPr sz="1200">
+                <a:solidFill>
+                  <a:srgbClr val="000000"/>
+                </a:solidFill>
+                <a:latin typeface="맑은 고딕"/>
+              </a:rPr>
+              <a:t>한중 교류캠프에서 게임프로그램을 기획하던 중 서로 생각하는 </a:t>
+            </a:r>
+            <a:r>
+              <a:rPr u="sng" b="1" sz="1200">
+                <a:solidFill>
+                  <a:srgbClr val="000000"/>
+                </a:solidFill>
+                <a:latin typeface="맑은 고딕"/>
+              </a:rPr>
+              <a:t>(1)개념이 불일치했지만, 타협안을 찾아 갈등을 해결한 경험이 있습니다.중국인 팀원들은 요즘 유행하는 게임으로 구성하는 데 주력했지만, 저와 한국인 팀원들은 이 캠프의 참가자</a:t>
+            </a:r>
+            <a:r>
+              <a:rPr sz="1200">
+                <a:solidFill>
+                  <a:srgbClr val="000000"/>
+                </a:solidFill>
+                <a:latin typeface="맑은 고딕"/>
+              </a:rPr>
+              <a:t> 중 중국인 선생님이 계시기에 참여율을 높일 수 있는 방안을 제시했기 때문입니다. 의견 </a:t>
+            </a:r>
+            <a:r>
+              <a:rPr u="sng" b="1" sz="1200">
+                <a:solidFill>
+                  <a:srgbClr val="000000"/>
+                </a:solidFill>
+                <a:latin typeface="맑은 고딕"/>
+              </a:rPr>
+              <a:t>(2)일치가 이루어지지 않는 상황에서 의사소통까지 원활하지 않았기에, 팀장으로서 긴장된 분위기를 전환하고자 각자가 생각하는 게임을 해보자고 제안했습니다.</a:t>
+            </a:r>
+            <a:r>
+              <a:rPr sz="1200">
+                <a:solidFill>
+                  <a:srgbClr val="000000"/>
+                </a:solidFill>
+                <a:latin typeface="맑은 고딕"/>
+              </a:rPr>
+              <a:t> 처음에는 어색했지만, 각 게임의 장점만 뽑아 하나의 게임으로 기획하자는 타협점을 찾을 수 있었습니다. 이후 회의에서 구체적으로 역할을 나누었고, 팀원들의 이해도를 높이기 위해 채팅방에 회의 내용을 한국어, </a:t>
+            </a:r>
+            <a:r>
+              <a:rPr u="sng" b="1" sz="1200">
+                <a:solidFill>
+                  <a:srgbClr val="000000"/>
+                </a:solidFill>
+                <a:latin typeface="맑은 고딕"/>
+              </a:rPr>
+              <a:t>(3)중국어로 요약하여 공유하였습니다. 6명의 팀원이 적극적으로 참여한 덕분에 팀원 모두가 만족하는 게임 (4)프로그램을 기획하였고, 그 결과 10개의 팀 중 70명의 만족도가 가장 높은 프로그램으로 선정될</a:t>
+            </a:r>
+            <a:r>
+              <a:rPr sz="1200">
+                <a:solidFill>
+                  <a:srgbClr val="000000"/>
+                </a:solidFill>
+                <a:latin typeface="맑은 고딕"/>
+              </a:rPr>
+              <a:t> 수 있었습니다.</a:t>
+            </a:r>
+            <a:r>
+              <a:rPr u="sng" b="1" sz="1200">
+                <a:solidFill>
+                  <a:srgbClr val="000000"/>
+                </a:solidFill>
+                <a:latin typeface="맑은 고딕"/>
+              </a:rPr>
+              <a:t>(5)</a:t>
+            </a:r>
+          </a:p>
+        </p:txBody>
+      </p:sp>
+      <p:sp>
+        <p:nvSpPr>
+          <p:cNvPr id="8" name="TextBox 7"/>
+          <p:cNvSpPr txBox="1"/>
+          <p:nvPr/>
+        </p:nvSpPr>
+        <p:spPr>
+          <a:xfrm>
+            <a:off x="288000" y="7531200"/>
+            <a:ext cx="6858000" cy="457200"/>
+          </a:xfrm>
+          <a:prstGeom prst="rect">
+            <a:avLst/>
+          </a:prstGeom>
+          <a:noFill/>
+        </p:spPr>
+        <p:txBody>
+          <a:bodyPr wrap="none">
+            <a:spAutoFit/>
+          </a:bodyPr>
+          <a:lstStyle/>
+          <a:p/>
+          <a:p>
+            <a:pPr algn="l">
+              <a:defRPr sz="1400" b="1">
+                <a:solidFill>
+                  <a:srgbClr val="000000"/>
+                </a:solidFill>
+                <a:latin typeface="맑은 고딕"/>
+              </a:defRPr>
+            </a:pPr>
+            <a:r>
+              <a:t>자기소개서 기반 면접 질문 제안</a:t>
+            </a:r>
+          </a:p>
+        </p:txBody>
+      </p:sp>
+      <p:sp>
+        <p:nvSpPr>
+          <p:cNvPr id="9" name="Rectangle 8"/>
+          <p:cNvSpPr/>
+          <p:nvPr/>
+        </p:nvSpPr>
+        <p:spPr>
+          <a:xfrm>
+            <a:off x="352800" y="8280000"/>
+            <a:ext cx="6858000" cy="1371600"/>
+          </a:xfrm>
+          <a:prstGeom prst="rect">
+            <a:avLst/>
+          </a:prstGeom>
+          <a:solidFill>
+            <a:srgbClr val="F5F5F5"/>
+          </a:solidFill>
+          <a:ln>
+            <a:solidFill>
+              <a:srgbClr val="B4B4B4"/>
+            </a:solidFill>
+          </a:ln>
+        </p:spPr>
+        <p:style>
+          <a:lnRef idx="1">
+            <a:schemeClr val="accent1"/>
+          </a:lnRef>
+          <a:fillRef idx="3">
+            <a:schemeClr val="accent1"/>
+          </a:fillRef>
+          <a:effectRef idx="2">
+            <a:schemeClr val="accent1"/>
+          </a:effectRef>
+          <a:fontRef idx="minor">
+            <a:schemeClr val="lt1"/>
+          </a:fontRef>
+        </p:style>
+        <p:txBody>
+          <a:bodyPr rtlCol="0" anchor="ctr" tIns="0" bIns="0" wrap="square"/>
+          <a:lstStyle/>
+          <a:p>
+            <a:pPr algn="ctr"/>
+          </a:p>
+          <a:p>
+            <a:pPr>
+              <a:lnSpc>
+                <a:spcPct val="150000"/>
+              </a:lnSpc>
+              <a:spcBef>
+                <a:spcPts val="0"/>
+              </a:spcBef>
+              <a:spcAft>
+                <a:spcPts val="0"/>
+              </a:spcAft>
+              <a:defRPr sz="1200" b="1">
+                <a:solidFill>
+                  <a:srgbClr val="000000"/>
+                </a:solidFill>
+              </a:defRPr>
+            </a:pPr>
+            <a:r>
+              <a:t>(1) 게임 프로그램 기획 시 갈등 상황에서 어떤 타협점이 가장 유효했나요?</a:t>
+            </a:r>
+            <a:br/>
+            <a:r>
+              <a:t>(2) 팀장이 되어 긴장된 분위기를 전환할 수 있었던 방법은 무엇인가요?</a:t>
+            </a:r>
+            <a:br/>
+            <a:r>
+              <a:t>(3) 회의 내용을 요약하고 공유할 때 중점을 두었던 부분은 무엇인가요?</a:t>
+            </a:r>
+            <a:br/>
+            <a:r>
+              <a:t>(4) 팀원들의 이해도를 높이기 위해 어떤 노력이 특히 효과적이었나요?</a:t>
+            </a:r>
+            <a:br/>
+            <a:r>
+              <a:t>(5) 70명의 만족도가 높았던 이유는 무엇이라고 생각하나요?</a:t>
             </a:r>
           </a:p>
         </p:txBody>
@@ -4854,8 +6730,8 @@
         </p:nvSpPr>
         <p:spPr>
           <a:xfrm>
-            <a:off x="457200" y="457200"/>
-            <a:ext cx="2743200" cy="457200"/>
+            <a:off x="352800" y="50400"/>
+            <a:ext cx="2743200" cy="277200"/>
           </a:xfrm>
           <a:prstGeom prst="rect">
             <a:avLst/>
@@ -4869,7 +6745,14 @@
           <a:lstStyle/>
           <a:p/>
           <a:p>
-            <a:pPr algn="l"/>
+            <a:pPr algn="l">
+              <a:spcBef>
+                <a:spcPts val="0"/>
+              </a:spcBef>
+              <a:spcAft>
+                <a:spcPts val="0"/>
+              </a:spcAft>
+            </a:pPr>
             <a:r>
               <a:rPr b="1" sz="1000">
                 <a:latin typeface="맑은 고딕"/>
@@ -4880,7 +6763,7 @@
               <a:rPr b="0" sz="1000">
                 <a:latin typeface="맑은 고딕"/>
               </a:rPr>
-              <a:t>C0100001
+              <a:t>E0401896
 </a:t>
             </a:r>
             <a:r>
@@ -4893,7 +6776,7 @@
               <a:rPr b="0" sz="1000">
                 <a:latin typeface="맑은 고딕"/>
               </a:rPr>
-              <a:t>기본값</a:t>
+              <a:t>지원분야2</a:t>
             </a:r>
           </a:p>
         </p:txBody>
@@ -4906,7 +6789,7 @@
         </p:nvSpPr>
         <p:spPr>
           <a:xfrm>
-            <a:off x="457200" y="1097280"/>
+            <a:off x="352800" y="795600"/>
             <a:ext cx="6858000" cy="457200"/>
           </a:xfrm>
           <a:prstGeom prst="rect">
@@ -4943,7 +6826,7 @@
         </p:nvSpPr>
         <p:spPr>
           <a:xfrm>
-            <a:off x="457200" y="1554480"/>
+            <a:off x="352800" y="1227600"/>
             <a:ext cx="6858000" cy="457200"/>
           </a:xfrm>
           <a:prstGeom prst="rect">
@@ -4959,7 +6842,7 @@
           <a:p/>
           <a:p>
             <a:pPr algn="l">
-              <a:defRPr sz="1000" b="0">
+              <a:defRPr sz="800" b="0">
                 <a:solidFill>
                   <a:srgbClr val="000000"/>
                 </a:solidFill>
@@ -4967,7 +6850,7 @@
               </a:defRPr>
             </a:pPr>
             <a:r>
-              <a:t>질문 : 질문2</a:t>
+              <a:t>질문 : 타인과 소통이나 협력에 어려움을 겪고 이를 극복했던 사례를 구체적으로 설명하고 그 결과 발생했던 변화와 성과, 개선된 점 등은 무엇이었는지 자세하게 기술하여 주십시오.(800자~1,000자)</a:t>
             </a:r>
           </a:p>
         </p:txBody>
@@ -4980,8 +6863,8 @@
         </p:nvSpPr>
         <p:spPr>
           <a:xfrm>
-            <a:off x="457200" y="1691639"/>
-            <a:ext cx="6858000" cy="18288"/>
+            <a:off x="352800" y="1407600"/>
+            <a:ext cx="6858000" cy="18000"/>
           </a:xfrm>
           <a:prstGeom prst="rect">
             <a:avLst/>
@@ -5023,7 +6906,7 @@
         </p:nvSpPr>
         <p:spPr>
           <a:xfrm>
-            <a:off x="457200" y="1600199"/>
+            <a:off x="352800" y="1458000"/>
             <a:ext cx="6858000" cy="1828800"/>
           </a:xfrm>
           <a:prstGeom prst="rect">
@@ -5056,7 +6939,7 @@
                 </a:solidFill>
                 <a:latin typeface="맑은 고딕"/>
               </a:rPr>
-              <a:t>[앞에서 이끄는 리더에서 함께 여유를 만드는 리더로]중소기업의 해외 마케팅 지원 프로젝트를 시작하며 저는 리더로서 다양한 결과물을 만들고자 진행률에 집중했습니다. 온라인 홍보물 제작을 목표로 회의를 진행했지만, 회의 이후에 한 팀원이 프로젝트의 속도를 따라오기 힘들다며 프로젝트를 포기하겠다는 의사를 </a:t>
+              <a:t>[정의와 청렴에 가장 반대되는 상황 - 이기심]정의와 청렴에 가장 반대되는 상황은, 이기심만을 쫓는 것이라고 생각합니다. 이기심만을 쫓는다면 공동체 정신은 무너지고 결국 그 집단은 목적을 잃고 쇠퇴할 것이라고 생각합니다. 따라서 늘 공동체를 생각하며 타인을 배려하고 희생하는 것이, 결국 공동체뿐만 아니라 공동체에 속한 자신을 위한 것이라고 생각합니다. 만약에 어떤 구성원의 이기심으로 인해 조직 내에서 갈등이 생긴다면, 저는 해당 구성원의 얘기를 경청하고 상황을 고려하여 해당 문제를 잘 파악할 것입니다. 왜 이기적인 마음과 행동이 있었는지 잘 파악하고, 그리고 그 이기심의 원인을 제거해서 이타심이 되도록 함께 노력할 것입니다.</a:t>
             </a:r>
             <a:r>
               <a:rPr u="sng" b="1" sz="1200">
@@ -5065,7 +6948,7 @@
                 </a:solidFill>
                 <a:latin typeface="맑은 고딕"/>
               </a:rPr>
-              <a:t>(1)밝혔습니다.이는 진행 속도에 대한 의견 차이와 갈등으로 이어졌고, 저는 의욕적인 마음에 앞에서 이끌기만 했다는 것을 느꼈습니다. 그래서 의사소통을 보완하며 ‘여유로운 리더십’(2)을 전달하려고 했습니다. 먼저, 회의 안건을 미리 공지하여 팀원들에게 생각할 여유를 주었습니다. 그리고 매 회의의 내용을 정리하여 진행 방향을 공유했습니다. 이를 통해 더 많은 아이디어가</a:t>
+              <a:t>(1)[협업 과정 속 갈등 해결해서 교수님께 칭찬 받고 전액장학금 받은 경험]2020년 00000</a:t>
             </a:r>
             <a:r>
               <a:rPr sz="1200">
@@ -5074,7 +6957,61 @@
                 </a:solidFill>
                 <a:latin typeface="맑은 고딕"/>
               </a:rPr>
-              <a:t> 도출되며 캐릭터 만화, 퀴즈 등 창의적인 홍보물로 팀 프로젝트 1위를 달성했습니다.팀 활동에 있어서 의사소통의 중요성을 크게 깨닫게 된 경험이었으며, 의사소통 부족 문제를 능동적으로 해결하는 리더십을 배울 수 있었습니다.</a:t>
+              <a:t> 수업은 비대면 그리고 팀플 수업으로 진행되었습니다. 교수님께서는 ‘정식 SAS’로 수업을 하셨고, 학생들은 서로 다른 ‘SAS 학교제공 버전’, ‘SAS University Edition’ 등을 이용했습니다. 하지만 서로 다른 여러 가지 SAS 버전들은 서로 완벽히 호환되지 않았습니다. 예를 들어 기술통계부터, MLE, 변수변환 등의 함수코드가 호환되지 않았었습니다. 이론을 잘 실습하기가 어려웠던 것은 물론이고, </a:t>
+            </a:r>
+            <a:r>
+              <a:rPr u="sng" b="1" sz="1200">
+                <a:solidFill>
+                  <a:srgbClr val="000000"/>
+                </a:solidFill>
+                <a:latin typeface="맑은 고딕"/>
+              </a:rPr>
+              <a:t>(2)팀플 과제 때에도 서로 소프트웨어 문제를 (3)언급하며 책임을 전가하고 의가 상하는 일도 있었습니다. 전 비실시간 온라인 </a:t>
+            </a:r>
+            <a:r>
+              <a:rPr sz="1200">
+                <a:solidFill>
+                  <a:srgbClr val="000000"/>
+                </a:solidFill>
+                <a:latin typeface="맑은 고딕"/>
+              </a:rPr>
+              <a:t>강의를 </a:t>
+            </a:r>
+            <a:r>
+              <a:rPr u="sng" b="1" sz="1200">
+                <a:solidFill>
+                  <a:srgbClr val="000000"/>
+                </a:solidFill>
+                <a:latin typeface="맑은 고딕"/>
+              </a:rPr>
+              <a:t>(4)항상 첫 번째로 듣고 문제를 파악했었는데, 그때마다 구글링을 통해 해외 사이트들과 SAS홈페이지를 찾아보며 각 버전의 올바른 코드와 해결법과 찾고 교수님께 메일을 드렸습니다.</a:t>
+            </a:r>
+            <a:r>
+              <a:rPr sz="1200">
+                <a:solidFill>
+                  <a:srgbClr val="000000"/>
+                </a:solidFill>
+                <a:latin typeface="맑은 고딕"/>
+              </a:rPr>
+              <a:t> 교수님께 학기 후반부에 고맙다고 말씀해주시는 메일을 받은 후 매우 감사하고 감동했던 기억이 있습니다. 비록 비대면 수업이었을지라도 모든 강의와 </a:t>
+            </a:r>
+            <a:r>
+              <a:rPr u="sng" b="1" sz="1200">
+                <a:solidFill>
+                  <a:srgbClr val="000000"/>
+                </a:solidFill>
+                <a:latin typeface="맑은 고딕"/>
+              </a:rPr>
+              <a:t>(5)과제를 늘 첫 번째로 하려고 했는데, 성실했던 덕분인지 감사하게도</a:t>
+            </a:r>
+            <a:r>
+              <a:rPr sz="1200">
+                <a:solidFill>
+                  <a:srgbClr val="000000"/>
+                </a:solidFill>
+                <a:latin typeface="맑은 고딕"/>
+              </a:rPr>
+              <a:t> 해당 학기 석차 1등을 했고 전액장학금을 받았습니다.</a:t>
             </a:r>
           </a:p>
         </p:txBody>
@@ -5087,7 +7024,7 @@
         </p:nvSpPr>
         <p:spPr>
           <a:xfrm>
-            <a:off x="457200" y="7173468"/>
+            <a:off x="288000" y="7531200"/>
             <a:ext cx="6858000" cy="457200"/>
           </a:xfrm>
           <a:prstGeom prst="rect">
@@ -5124,17 +7061,19 @@
         </p:nvSpPr>
         <p:spPr>
           <a:xfrm>
-            <a:off x="457200" y="7767828"/>
-            <a:ext cx="6858000" cy="18288"/>
+            <a:off x="352800" y="8280000"/>
+            <a:ext cx="6858000" cy="1371600"/>
           </a:xfrm>
           <a:prstGeom prst="rect">
             <a:avLst/>
           </a:prstGeom>
           <a:solidFill>
-            <a:srgbClr val="C8C8C8"/>
+            <a:srgbClr val="F5F5F5"/>
           </a:solidFill>
           <a:ln>
-            <a:noFill/>
+            <a:solidFill>
+              <a:srgbClr val="B4B4B4"/>
+            </a:solidFill>
           </a:ln>
         </p:spPr>
         <p:style>
@@ -5152,52 +7091,7 @@
           </a:fontRef>
         </p:style>
         <p:txBody>
-          <a:bodyPr rtlCol="0" anchor="ctr"/>
-          <a:lstStyle/>
-          <a:p>
-            <a:pPr algn="ctr"/>
-          </a:p>
-        </p:txBody>
-      </p:sp>
-      <p:sp>
-        <p:nvSpPr>
-          <p:cNvPr id="10" name="Rectangle 9"/>
-          <p:cNvSpPr/>
-          <p:nvPr/>
-        </p:nvSpPr>
-        <p:spPr>
-          <a:xfrm>
-            <a:off x="457200" y="8087867"/>
-            <a:ext cx="6858000" cy="1371600"/>
-          </a:xfrm>
-          <a:prstGeom prst="rect">
-            <a:avLst/>
-          </a:prstGeom>
-          <a:solidFill>
-            <a:srgbClr val="F5F5F5"/>
-          </a:solidFill>
-          <a:ln>
-            <a:solidFill>
-              <a:srgbClr val="B4B4B4"/>
-            </a:solidFill>
-          </a:ln>
-        </p:spPr>
-        <p:style>
-          <a:lnRef idx="1">
-            <a:schemeClr val="accent1"/>
-          </a:lnRef>
-          <a:fillRef idx="3">
-            <a:schemeClr val="accent1"/>
-          </a:fillRef>
-          <a:effectRef idx="2">
-            <a:schemeClr val="accent1"/>
-          </a:effectRef>
-          <a:fontRef idx="minor">
-            <a:schemeClr val="lt1"/>
-          </a:fontRef>
-        </p:style>
-        <p:txBody>
-          <a:bodyPr rtlCol="0" anchor="ctr"/>
+          <a:bodyPr rtlCol="0" anchor="ctr" tIns="0" bIns="0" wrap="square"/>
           <a:lstStyle/>
           <a:p>
             <a:pPr algn="ctr"/>
@@ -5208,24 +7102,35 @@
                 <a:spcPct val="150000"/>
               </a:lnSpc>
               <a:spcBef>
-                <a:spcPts val="1000"/>
+                <a:spcPts val="0"/>
               </a:spcBef>
               <a:spcAft>
-                <a:spcPts val="1000"/>
+                <a:spcPts val="0"/>
               </a:spcAft>
               <a:defRPr sz="1200" b="1">
                 <a:solidFill>
                   <a:srgbClr val="000000"/>
                 </a:solidFill>
-                <a:latin typeface="맑은 고딕"/>
               </a:defRPr>
             </a:pPr>
             <a:r>
-              <a:t>(1) 진행 속도에 대한 의견 차이를 해결하기 위해 어떤 전략을 사용하셨나요?</a:t>
+              <a:t>(1) 이기심을 없애고 이타심을 발휘하도록 돕기 위해 어떤 방식을 사용하시나요?</a:t>
             </a:r>
             <a:br/>
             <a:r>
-              <a:t>(2) 여유로운 리더십을 적용하여 팀의 결과물이 향상된 구체적인 사례를 설명해주세요.</a:t>
+              <a:t>(2) 협업 과정에서의 갈등 해결 경험이 다른 팀 작업에서 어떻게 재사용될 수 있나요?</a:t>
+            </a:r>
+            <a:br/>
+            <a:r>
+              <a:t>(3) SAS 소프트웨어 버전 간 호환성 문제를 해결하기 위해 어떤 노력을 하셨나요?</a:t>
+            </a:r>
+            <a:br/>
+            <a:r>
+              <a:t>(4) 비대면 팀플 과제 시 소프트웨어 문제를 해결하며 얻은 교훈은 무엇인가요?</a:t>
+            </a:r>
+            <a:br/>
+            <a:r>
+              <a:t>(5) 교수님께서 감사 메일을 보내주신 것에 대한 특별한 감정을 공유해 주시겠어요?</a:t>
             </a:r>
           </a:p>
         </p:txBody>
@@ -5273,8 +7178,8 @@
         </p:nvSpPr>
         <p:spPr>
           <a:xfrm>
-            <a:off x="457200" y="457200"/>
-            <a:ext cx="2743200" cy="457200"/>
+            <a:off x="352800" y="50400"/>
+            <a:ext cx="2743200" cy="277200"/>
           </a:xfrm>
           <a:prstGeom prst="rect">
             <a:avLst/>
@@ -5288,7 +7193,14 @@
           <a:lstStyle/>
           <a:p/>
           <a:p>
-            <a:pPr algn="l"/>
+            <a:pPr algn="l">
+              <a:spcBef>
+                <a:spcPts val="0"/>
+              </a:spcBef>
+              <a:spcAft>
+                <a:spcPts val="0"/>
+              </a:spcAft>
+            </a:pPr>
             <a:r>
               <a:rPr b="1" sz="1000">
                 <a:latin typeface="맑은 고딕"/>
@@ -5299,7 +7211,7 @@
               <a:rPr b="0" sz="1000">
                 <a:latin typeface="맑은 고딕"/>
               </a:rPr>
-              <a:t>C0100001
+              <a:t>E0500589
 </a:t>
             </a:r>
             <a:r>
@@ -5312,7 +7224,7 @@
               <a:rPr b="0" sz="1000">
                 <a:latin typeface="맑은 고딕"/>
               </a:rPr>
-              <a:t>기본값</a:t>
+              <a:t>지원분야3</a:t>
             </a:r>
           </a:p>
         </p:txBody>
@@ -5325,7 +7237,7 @@
         </p:nvSpPr>
         <p:spPr>
           <a:xfrm>
-            <a:off x="457200" y="1097280"/>
+            <a:off x="352800" y="795600"/>
             <a:ext cx="6858000" cy="457200"/>
           </a:xfrm>
           <a:prstGeom prst="rect">
@@ -5362,7 +7274,7 @@
         </p:nvSpPr>
         <p:spPr>
           <a:xfrm>
-            <a:off x="457200" y="1554480"/>
+            <a:off x="352800" y="1227600"/>
             <a:ext cx="6858000" cy="457200"/>
           </a:xfrm>
           <a:prstGeom prst="rect">
@@ -5378,7 +7290,7 @@
           <a:p/>
           <a:p>
             <a:pPr algn="l">
-              <a:defRPr sz="1000" b="0">
+              <a:defRPr sz="800" b="0">
                 <a:solidFill>
                   <a:srgbClr val="000000"/>
                 </a:solidFill>
@@ -5386,7 +7298,7 @@
               </a:defRPr>
             </a:pPr>
             <a:r>
-              <a:t>질문 : 질문3</a:t>
+              <a:t>질문 : 지원 분야에서 입사 후 이루고자 하는 구체적인 목표를 설정하고, 목표 달성을 위해 본인이 가진 경험과 직무역량을 어떻게 활용할 지 자세하게 기술하여 주십시오. (800자~1,000자)</a:t>
             </a:r>
           </a:p>
         </p:txBody>
@@ -5399,8 +7311,8 @@
         </p:nvSpPr>
         <p:spPr>
           <a:xfrm>
-            <a:off x="457200" y="1691639"/>
-            <a:ext cx="6858000" cy="18288"/>
+            <a:off x="352800" y="1407600"/>
+            <a:ext cx="6858000" cy="18000"/>
           </a:xfrm>
           <a:prstGeom prst="rect">
             <a:avLst/>
@@ -5442,7 +7354,7 @@
         </p:nvSpPr>
         <p:spPr>
           <a:xfrm>
-            <a:off x="457200" y="1600199"/>
+            <a:off x="352800" y="1458000"/>
             <a:ext cx="6858000" cy="1828800"/>
           </a:xfrm>
           <a:prstGeom prst="rect">
@@ -5475,7 +7387,7 @@
                 </a:solidFill>
                 <a:latin typeface="맑은 고딕"/>
               </a:rPr>
-              <a:t>[다각도로 원인을 파악하고, 근본적으로 해결하는 과정]멘토단에서 초, 중, 고등학생들을 위한 전공 프로그램을 운영하며 프로그램이 예상보다 빨리 끝나 공백이 발생한다는 문제가 있었습니다. 처음엔 단순히 수업의 양이 </a:t>
+              <a:t>[OO시 사회적경제지원센터 '찾아가는 회계세무 서비스' 세무인턴 조장] : 사회적 약자에 대한 배려2개의 협동조합을 1달에 4회씩 방문하여, 회계·세무 기초지식 및 홈택스 교육, </a:t>
             </a:r>
             <a:r>
               <a:rPr u="sng" b="1" sz="1200">
@@ -5484,7 +7396,7 @@
                 </a:solidFill>
                 <a:latin typeface="맑은 고딕"/>
               </a:rPr>
-              <a:t>(1)부족하다고 생각하여 내용을 추가했지만, 문제는 계속 반복되었습니다. 원인을 정확하게 파악하기 위해 입학처 선생님과 수강생에게 피드백을 받았고, 수업을 녹화해 분석했습니다.(2)피드백을 통해 학년에 따른 수업 내용의 차이가 필요함을 알게 되었고, 녹화를 통해 학생들의 질문이 예상보다 적다는 공통점을 파악했습니다. 이에 학년별 프로그램 차별화를 통해 수업의 질을 높이고,</a:t>
+              <a:t>(1)회계·세무 상 고충 해결 등을 진행하였습니다.첫 번째 협동조합은 상담 초기에는 폐업을 고민하는 상황이었습니다. 조원들과 토의를 거쳐서 일반사업자로 구성된 해당 협동조합의 특성을 반영하여, 해산 이후에도 도움이 될 내용을 중심으로 준비하기로 했습니다.비용의</a:t>
             </a:r>
             <a:r>
               <a:rPr sz="1200">
@@ -5493,7 +7405,79 @@
                 </a:solidFill>
                 <a:latin typeface="맑은 고딕"/>
               </a:rPr>
-              <a:t> 학생들의 흥미를 자극하는 수업을 기획했습니다. 이를 통해 수업 공백을 줄였고, 학생들의 만족도를 약 50%에서 90%로 향상할 수 있었습니다.앞으로의 업무 과정에서 발생하는 문제의 원인은 하나보다 많을 것입니다. 여러 측면에서 문제의 원인을 파악하고, 이를 근본적으로 보완하며 최선의 결과에 도달하겠습니다.</a:t>
+              <a:t> 귀속에 </a:t>
+            </a:r>
+            <a:r>
+              <a:rPr u="sng" b="1" sz="1200">
+                <a:solidFill>
+                  <a:srgbClr val="000000"/>
+                </a:solidFill>
+                <a:latin typeface="맑은 고딕"/>
+              </a:rPr>
+              <a:t>(2)대한 경제적 실질, 배당에 따른 과세 여부, 청산 시 의제배당 등 설명으로 기존 고충을 해소하고, 무료 ERP 프로그램을 선별·추천하고,</a:t>
+            </a:r>
+            <a:r>
+              <a:rPr sz="1200">
+                <a:solidFill>
+                  <a:srgbClr val="000000"/>
+                </a:solidFill>
+                <a:latin typeface="맑은 고딕"/>
+              </a:rPr>
+              <a:t> 부가세·법인세 신고 등 각종 홈택스 사용법 교육, 계정 분류 및 </a:t>
+            </a:r>
+            <a:r>
+              <a:rPr u="sng" b="1" sz="1200">
+                <a:solidFill>
+                  <a:srgbClr val="000000"/>
+                </a:solidFill>
+                <a:latin typeface="맑은 고딕"/>
+              </a:rPr>
+              <a:t>(3)기초 분개를 찾아볼 수 있도록 회계 세무 기초자료를 제작·제공하였습니다. 또한</a:t>
+            </a:r>
+            <a:r>
+              <a:rPr sz="1200">
+                <a:solidFill>
+                  <a:srgbClr val="000000"/>
+                </a:solidFill>
+                <a:latin typeface="맑은 고딕"/>
+              </a:rPr>
+              <a:t> 만약 해산을 하게 될 경우에 대비하여 협동조합의 청산절차에 대해서도 조사하여 안내하였습니다.두 </a:t>
+            </a:r>
+            <a:r>
+              <a:rPr u="sng" b="1" sz="1200">
+                <a:solidFill>
+                  <a:srgbClr val="000000"/>
+                </a:solidFill>
+                <a:latin typeface="맑은 고딕"/>
+              </a:rPr>
+              <a:t>(4)번째 협동조합을 담당할 때에는 부가가치세가 면세되는 공인법인 특성에 알맞게, 세금계산서 및 계산서의 구분, ‘처음엑셀회계’ 상 계정과목 생성 및 분류, 원천세 신고 및 매입세액공제 등록 등 홈택스 사용법 교육, 회계 분개 기초 및 면세와 과세에</a:t>
+            </a:r>
+            <a:r>
+              <a:rPr sz="1200">
+                <a:solidFill>
+                  <a:srgbClr val="000000"/>
+                </a:solidFill>
+                <a:latin typeface="맑은 고딕"/>
+              </a:rPr>
+              <a:t> 대한 교육자료 제작 및 설명, 그리고 23년 회계 내역을 엑셀 파일로 받아, 계정을 분류하여 멘토 세무사님과 함께 재무상태표 및 </a:t>
+            </a:r>
+            <a:r>
+              <a:rPr u="sng" b="1" sz="1200">
+                <a:solidFill>
+                  <a:srgbClr val="000000"/>
+                </a:solidFill>
+                <a:latin typeface="맑은 고딕"/>
+              </a:rPr>
+              <a:t>(5)손익계산서를 만들어 제공하였습니다.첫 번째 협동조합은 폐업 결정을 번복하고 활동 중에 있습니다. 완치된 환자를 지켜보는 의사의 기분을 체험할 수 있었습니다. 또한 일주일 간격으로 변화하는 모습을 지켜보면서, 타인을 도와서 함께 발전하는 것에 기쁨을</a:t>
+            </a:r>
+            <a:r>
+              <a:rPr sz="1200">
+                <a:solidFill>
+                  <a:srgbClr val="000000"/>
+                </a:solidFill>
+                <a:latin typeface="맑은 고딕"/>
+              </a:rPr>
+              <a:t> 느꼈습니다.또한 강의실에서의 지식과 현장에서의 적용 사이의 괴리를 느꼈습니다. 부가가치세 면세와 법인세법상 익금은 다른 차원의 문제임을 현장에서 바로 생각하지 못한 것에 대해 부끄러움을 느꼈고, 다양한 실무 경험의 필요성을 체감하였습니다.</a:t>
             </a:r>
           </a:p>
         </p:txBody>
@@ -5506,7 +7490,7 @@
         </p:nvSpPr>
         <p:spPr>
           <a:xfrm>
-            <a:off x="457200" y="7178040"/>
+            <a:off x="288000" y="7531200"/>
             <a:ext cx="6858000" cy="457200"/>
           </a:xfrm>
           <a:prstGeom prst="rect">
@@ -5543,17 +7527,19 @@
         </p:nvSpPr>
         <p:spPr>
           <a:xfrm>
-            <a:off x="457200" y="7772400"/>
-            <a:ext cx="6858000" cy="18288"/>
+            <a:off x="352800" y="8280000"/>
+            <a:ext cx="6858000" cy="1371600"/>
           </a:xfrm>
           <a:prstGeom prst="rect">
             <a:avLst/>
           </a:prstGeom>
           <a:solidFill>
-            <a:srgbClr val="C8C8C8"/>
+            <a:srgbClr val="F5F5F5"/>
           </a:solidFill>
           <a:ln>
-            <a:noFill/>
+            <a:solidFill>
+              <a:srgbClr val="B4B4B4"/>
+            </a:solidFill>
           </a:ln>
         </p:spPr>
         <p:style>
@@ -5571,52 +7557,7 @@
           </a:fontRef>
         </p:style>
         <p:txBody>
-          <a:bodyPr rtlCol="0" anchor="ctr"/>
-          <a:lstStyle/>
-          <a:p>
-            <a:pPr algn="ctr"/>
-          </a:p>
-        </p:txBody>
-      </p:sp>
-      <p:sp>
-        <p:nvSpPr>
-          <p:cNvPr id="10" name="Rectangle 9"/>
-          <p:cNvSpPr/>
-          <p:nvPr/>
-        </p:nvSpPr>
-        <p:spPr>
-          <a:xfrm>
-            <a:off x="457200" y="8092440"/>
-            <a:ext cx="6858000" cy="1371600"/>
-          </a:xfrm>
-          <a:prstGeom prst="rect">
-            <a:avLst/>
-          </a:prstGeom>
-          <a:solidFill>
-            <a:srgbClr val="F5F5F5"/>
-          </a:solidFill>
-          <a:ln>
-            <a:solidFill>
-              <a:srgbClr val="B4B4B4"/>
-            </a:solidFill>
-          </a:ln>
-        </p:spPr>
-        <p:style>
-          <a:lnRef idx="1">
-            <a:schemeClr val="accent1"/>
-          </a:lnRef>
-          <a:fillRef idx="3">
-            <a:schemeClr val="accent1"/>
-          </a:fillRef>
-          <a:effectRef idx="2">
-            <a:schemeClr val="accent1"/>
-          </a:effectRef>
-          <a:fontRef idx="minor">
-            <a:schemeClr val="lt1"/>
-          </a:fontRef>
-        </p:style>
-        <p:txBody>
-          <a:bodyPr rtlCol="0" anchor="ctr"/>
+          <a:bodyPr rtlCol="0" anchor="ctr" tIns="0" bIns="0" wrap="square"/>
           <a:lstStyle/>
           <a:p>
             <a:pPr algn="ctr"/>
@@ -5627,24 +7568,35 @@
                 <a:spcPct val="150000"/>
               </a:lnSpc>
               <a:spcBef>
-                <a:spcPts val="1000"/>
+                <a:spcPts val="0"/>
               </a:spcBef>
               <a:spcAft>
-                <a:spcPts val="1000"/>
+                <a:spcPts val="0"/>
               </a:spcAft>
               <a:defRPr sz="1200" b="1">
                 <a:solidFill>
                   <a:srgbClr val="000000"/>
                 </a:solidFill>
-                <a:latin typeface="맑은 고딕"/>
               </a:defRPr>
             </a:pPr>
             <a:r>
-              <a:t>(1) 문제의 원인을 다각도로 파악하고 보완한 구체적인 방법은 무엇인지 설명해주세요.</a:t>
+              <a:t>(1) 회계 세무 서비스를 진행하면서 폐업 고민 중인 협동조합을 위해 어떤 맞춤형 전략을 제안했나요?</a:t>
             </a:r>
             <a:br/>
             <a:r>
-              <a:t>(2) 수업 공백 문제를 해결하기 위해 학년별 프로그램 차별화를 어떻게 기획하셨나요?</a:t>
+              <a:t>(2) 자신의 경험을 통해 실행한 무료 ERP 프로그램 추천 과정은 어떻게 이루어졌나요?</a:t>
+            </a:r>
+            <a:br/>
+            <a:r>
+              <a:t>(3) 협동조합의 청산절차에 대해 조사한 내용은 어떤 부분에 중점을 두었나요?</a:t>
+            </a:r>
+            <a:br/>
+            <a:r>
+              <a:t>(4) 두 번째 협동조합의 부가가치세 면세와 관련하여 어떤 교육 자료를 제작했나요?</a:t>
+            </a:r>
+            <a:br/>
+            <a:r>
+              <a:t>(5) 첫 번째 협동조합의 의사결정 번복 사례에서 배운 가장 큰 교훈은 무엇인가요?</a:t>
             </a:r>
           </a:p>
         </p:txBody>
@@ -5692,8 +7644,8 @@
         </p:nvSpPr>
         <p:spPr>
           <a:xfrm>
-            <a:off x="457200" y="457200"/>
-            <a:ext cx="2743200" cy="457200"/>
+            <a:off x="352800" y="50400"/>
+            <a:ext cx="2743200" cy="277200"/>
           </a:xfrm>
           <a:prstGeom prst="rect">
             <a:avLst/>
@@ -5707,7 +7659,14 @@
           <a:lstStyle/>
           <a:p/>
           <a:p>
-            <a:pPr algn="l"/>
+            <a:pPr algn="l">
+              <a:spcBef>
+                <a:spcPts val="0"/>
+              </a:spcBef>
+              <a:spcAft>
+                <a:spcPts val="0"/>
+              </a:spcAft>
+            </a:pPr>
             <a:r>
               <a:rPr b="1" sz="1000">
                 <a:latin typeface="맑은 고딕"/>
@@ -5718,7 +7677,7 @@
               <a:rPr b="0" sz="1000">
                 <a:latin typeface="맑은 고딕"/>
               </a:rPr>
-              <a:t>C0100001
+              <a:t>E0500589
 </a:t>
             </a:r>
             <a:r>
@@ -5731,7 +7690,7 @@
               <a:rPr b="0" sz="1000">
                 <a:latin typeface="맑은 고딕"/>
               </a:rPr>
-              <a:t>기본값</a:t>
+              <a:t>지원분야4</a:t>
             </a:r>
           </a:p>
         </p:txBody>
@@ -5744,7 +7703,7 @@
         </p:nvSpPr>
         <p:spPr>
           <a:xfrm>
-            <a:off x="457200" y="1097280"/>
+            <a:off x="352800" y="795600"/>
             <a:ext cx="6858000" cy="457200"/>
           </a:xfrm>
           <a:prstGeom prst="rect">
@@ -5781,7 +7740,7 @@
         </p:nvSpPr>
         <p:spPr>
           <a:xfrm>
-            <a:off x="457200" y="1554480"/>
+            <a:off x="352800" y="1227600"/>
             <a:ext cx="6858000" cy="457200"/>
           </a:xfrm>
           <a:prstGeom prst="rect">
@@ -5797,7 +7756,7 @@
           <a:p/>
           <a:p>
             <a:pPr algn="l">
-              <a:defRPr sz="1000" b="0">
+              <a:defRPr sz="800" b="0">
                 <a:solidFill>
                   <a:srgbClr val="000000"/>
                 </a:solidFill>
@@ -5805,7 +7764,7 @@
               </a:defRPr>
             </a:pPr>
             <a:r>
-              <a:t>질문 : 질문4</a:t>
+              <a:t>질문 : 타인과 소통이나 협력에 어려움을 겪고 이를 극복했던 사례를 구체적으로 설명하고 그 결과 발생했던 변화와 성과, 개선된 점 등은 무엇이었는지 자세하게 기술하여 주십시오.(800자~1,000자)</a:t>
             </a:r>
           </a:p>
         </p:txBody>
@@ -5818,8 +7777,8 @@
         </p:nvSpPr>
         <p:spPr>
           <a:xfrm>
-            <a:off x="457200" y="1691639"/>
-            <a:ext cx="6858000" cy="18288"/>
+            <a:off x="352800" y="1407600"/>
+            <a:ext cx="6858000" cy="18000"/>
           </a:xfrm>
           <a:prstGeom prst="rect">
             <a:avLst/>
@@ -5861,7 +7820,7 @@
         </p:nvSpPr>
         <p:spPr>
           <a:xfrm>
-            <a:off x="457200" y="1600199"/>
+            <a:off x="352800" y="1458000"/>
             <a:ext cx="6858000" cy="1828800"/>
           </a:xfrm>
           <a:prstGeom prst="rect">
@@ -5894,7 +7853,7 @@
                 </a:solidFill>
                 <a:latin typeface="맑은 고딕"/>
               </a:rPr>
-              <a:t>[공사의 전문인으로 나아가기 위한 폭넓은 지식]공사의 인턴으로 근무하며 전문 지식의 부족함을 느꼈고, 발전에 대한 </a:t>
+              <a:t>[교육봉사활동] : 불공평에 대한 대처교육봉사 동아리에 소속되어 초등학교에서 해당 학년 수업의 </a:t>
             </a:r>
             <a:r>
               <a:rPr u="sng" b="1" sz="1200">
@@ -5903,7 +7862,7 @@
                 </a:solidFill>
                 <a:latin typeface="맑은 고딕"/>
               </a:rPr>
-              <a:t>(1)동기부여를 만들었습니다. 국산밀 정부 수매 업무를 지원하며 세부추진 계획서를 통해 업무 프로세스를 파악하고, 문의 사항을 답변하기 위해 관련 용어와 업무매뉴얼을 숙지했습니다.수매가</a:t>
+              <a:t>(1)수학 능력이 다소 부족한 학생을 대상으로 하는 방과 후 보충수업을 담당하였습니다. 수업 과정에서 학생과 선생님을 1:1으로 적절히 대응하였습니다. 한 선생님께서 학생의 산만함으로 어려움을 호소하셨고,</a:t>
             </a:r>
             <a:r>
               <a:rPr sz="1200">
@@ -5912,7 +7871,7 @@
                 </a:solidFill>
                 <a:latin typeface="맑은 고딕"/>
               </a:rPr>
-              <a:t> 시작되며 매일 100건이 넘는 문의가 들어왔고, 업무매뉴얼을 넘어 전문적인 지식을 요구하는 문의 사항도 있었습니다. 이런 경우에는 대리님께 해결을 요청했지만, 한편으로는 제가 역량이 있었다면 업무 효율성과 고객 만족도를 높일 수 있었겠다는 아쉬움이 </a:t>
+              <a:t> 선생님 간의 토의를 거쳐서 </a:t>
             </a:r>
             <a:r>
               <a:rPr u="sng" b="1" sz="1200">
@@ -5921,7 +7880,7 @@
                 </a:solidFill>
                 <a:latin typeface="맑은 고딕"/>
               </a:rPr>
-              <a:t>(2)있었습니다. 이에 향후 사업을 전문적으로 수행하기 위한 계약 및 회계 지식의 필요성을 느꼈습니다.입사 후, 계약 지식과</a:t>
+              <a:t>(2)해당 학생은 다소 엄격한 선생님과 수업을 진행하였습니다. 원래 수업을 한 공간에서 다같이 진행하여야 했으나, 해당 학생으로 인해 다른 학생들의 수업권이</a:t>
             </a:r>
             <a:r>
               <a:rPr sz="1200">
@@ -5930,7 +7889,52 @@
                 </a:solidFill>
                 <a:latin typeface="맑은 고딕"/>
               </a:rPr>
-              <a:t> 프로세스를 습득하기 위해 관련 교육을 수강하겠습니다. 또한, 전산회계, 세무 자격증을 취득하여 비용 집행 및 정산 등의 역량을 발전시키겠습니다. 업무에서 느낀 지식의 필요성을 계속해서 충족하며 업무 역량을 향상하겠습니다.</a:t>
+              <a:t> 침해된다고 생각하여 공간을 분리하기도 하였습니다.고정된 조합 이외에는 최선의 대응 조합을 위하여 선생님과 제자를 매주 번갈아 가며 진행하기도 했습니다.[밴드 소모임] : 비원칙성에 대한 대처2020년 2학기부터 2022년 8월까지 밴드 소모임 회장 권한대행을 맡았습니다. 수업이 </a:t>
+            </a:r>
+            <a:r>
+              <a:rPr u="sng" b="1" sz="1200">
+                <a:solidFill>
+                  <a:srgbClr val="000000"/>
+                </a:solidFill>
+                <a:latin typeface="맑은 고딕"/>
+              </a:rPr>
+              <a:t>(3)비대면으로 진행되었기에 회원 모집 및 활동이 불가능하였고, 동아리 운영 및 유지에 행정적인 문제가 생겼습니다.학과 학생회로부터 2022년 7월에 동아리실 캐비닛 철거 요청을 받았습니다. 그러나 2022년 하반기부터 새로운</a:t>
+            </a:r>
+            <a:r>
+              <a:rPr sz="1200">
+                <a:solidFill>
+                  <a:srgbClr val="000000"/>
+                </a:solidFill>
+                <a:latin typeface="맑은 고딕"/>
+              </a:rPr>
+              <a:t> 회장단을 확보하여 활동 </a:t>
+            </a:r>
+            <a:r>
+              <a:rPr u="sng" b="1" sz="1200">
+                <a:solidFill>
+                  <a:srgbClr val="000000"/>
+                </a:solidFill>
+                <a:latin typeface="맑은 고딕"/>
+              </a:rPr>
+              <a:t>(4)재개를 계획하고 있었기에 이를 학생회에 설명하고 우선적으로 철거를 연기하였습니다. 또한 학생회에서 철거 사유로 '해당 소모임의 오랜 활동 중지로 사적 모임에 해당'을 제시하였는데, 학생회칙상 그러한 조항이 존재하지 않았고, 철거 사유에 근거가 부족함을 어필하였습니다.이후 학과 소모임으로 유지되었고,</a:t>
+            </a:r>
+            <a:r>
+              <a:rPr sz="1200">
+                <a:solidFill>
+                  <a:srgbClr val="000000"/>
+                </a:solidFill>
+                <a:latin typeface="맑은 고딕"/>
+              </a:rPr>
+              <a:t> 2022년 2학기 개강 후 회원을 모집하고 활동을 시작하여 </a:t>
+            </a:r>
+            <a:r>
+              <a:rPr u="sng" b="1" sz="1200">
+                <a:solidFill>
+                  <a:srgbClr val="000000"/>
+                </a:solidFill>
+                <a:latin typeface="맑은 고딕"/>
+              </a:rPr>
+              <a:t>(5)학생회로부터 철거 취소 통보를 받았습니다.회장 경험을 통해서 책임감 및 문제해결 능력을 길렀습니다. 코로나 발생 전 회장직을 맡게 되었고, 코로나가 풍토병화 된 이후까지 동아리를 유지하였습니다. 예상치 못한 변수가 발생하더라도, 그 상황에서 할 수 있는 최선의 판단을 내린다면, 결과적으로 성취하고 싶은 바를 이룰 수 있었습니다.</a:t>
             </a:r>
           </a:p>
         </p:txBody>
@@ -5943,7 +7947,7 @@
         </p:nvSpPr>
         <p:spPr>
           <a:xfrm>
-            <a:off x="457200" y="7178040"/>
+            <a:off x="288000" y="7531200"/>
             <a:ext cx="6858000" cy="457200"/>
           </a:xfrm>
           <a:prstGeom prst="rect">
@@ -5980,17 +7984,19 @@
         </p:nvSpPr>
         <p:spPr>
           <a:xfrm>
-            <a:off x="457200" y="7772400"/>
-            <a:ext cx="6858000" cy="18288"/>
+            <a:off x="352800" y="8280000"/>
+            <a:ext cx="6858000" cy="1371600"/>
           </a:xfrm>
           <a:prstGeom prst="rect">
             <a:avLst/>
           </a:prstGeom>
           <a:solidFill>
-            <a:srgbClr val="C8C8C8"/>
+            <a:srgbClr val="F5F5F5"/>
           </a:solidFill>
           <a:ln>
-            <a:noFill/>
+            <a:solidFill>
+              <a:srgbClr val="B4B4B4"/>
+            </a:solidFill>
           </a:ln>
         </p:spPr>
         <p:style>
@@ -6008,52 +8014,7 @@
           </a:fontRef>
         </p:style>
         <p:txBody>
-          <a:bodyPr rtlCol="0" anchor="ctr"/>
-          <a:lstStyle/>
-          <a:p>
-            <a:pPr algn="ctr"/>
-          </a:p>
-        </p:txBody>
-      </p:sp>
-      <p:sp>
-        <p:nvSpPr>
-          <p:cNvPr id="10" name="Rectangle 9"/>
-          <p:cNvSpPr/>
-          <p:nvPr/>
-        </p:nvSpPr>
-        <p:spPr>
-          <a:xfrm>
-            <a:off x="457200" y="8092440"/>
-            <a:ext cx="6858000" cy="1371600"/>
-          </a:xfrm>
-          <a:prstGeom prst="rect">
-            <a:avLst/>
-          </a:prstGeom>
-          <a:solidFill>
-            <a:srgbClr val="F5F5F5"/>
-          </a:solidFill>
-          <a:ln>
-            <a:solidFill>
-              <a:srgbClr val="B4B4B4"/>
-            </a:solidFill>
-          </a:ln>
-        </p:spPr>
-        <p:style>
-          <a:lnRef idx="1">
-            <a:schemeClr val="accent1"/>
-          </a:lnRef>
-          <a:fillRef idx="3">
-            <a:schemeClr val="accent1"/>
-          </a:fillRef>
-          <a:effectRef idx="2">
-            <a:schemeClr val="accent1"/>
-          </a:effectRef>
-          <a:fontRef idx="minor">
-            <a:schemeClr val="lt1"/>
-          </a:fontRef>
-        </p:style>
-        <p:txBody>
-          <a:bodyPr rtlCol="0" anchor="ctr"/>
+          <a:bodyPr rtlCol="0" anchor="ctr" tIns="0" bIns="0" wrap="square"/>
           <a:lstStyle/>
           <a:p>
             <a:pPr algn="ctr"/>
@@ -6064,24 +8025,35 @@
                 <a:spcPct val="150000"/>
               </a:lnSpc>
               <a:spcBef>
-                <a:spcPts val="1000"/>
+                <a:spcPts val="0"/>
               </a:spcBef>
               <a:spcAft>
-                <a:spcPts val="1000"/>
+                <a:spcPts val="0"/>
               </a:spcAft>
               <a:defRPr sz="1200" b="1">
                 <a:solidFill>
                   <a:srgbClr val="000000"/>
                 </a:solidFill>
-                <a:latin typeface="맑은 고딕"/>
               </a:defRPr>
             </a:pPr>
             <a:r>
-              <a:t>(1) 국산밀 정부 수매 업무 지원 중 직면한 전문 지식 부족 문제를 극복하기 위해 구체적으로 어떤 노력을 하셨나요?</a:t>
+              <a:t>(1) 교육봉사활동에서 학생의 산만함 문제를 해결하기 위해 어떤 노력을 기울였나요?</a:t>
             </a:r>
             <a:br/>
             <a:r>
-              <a:t>(2) 입사 후 계약 지식과 프로세스를 습득하기 위해 어떤 계획을 가지고 계신가요?</a:t>
+              <a:t>(2) 교육봉사활동 중 수업 권리를 보호하기 위해 어떤 조치를 취했나요?</a:t>
+            </a:r>
+            <a:br/>
+            <a:r>
+              <a:t>(3) 밴드 소모임 회장 대행으로서 동아리 유지를 위해 어떤 전략을 사용했나요?</a:t>
+            </a:r>
+            <a:br/>
+            <a:r>
+              <a:t>(4) 학생회와의 의견 차이를 어떻게 해결하여 철거 취소를 이끌어냈나요?</a:t>
+            </a:r>
+            <a:br/>
+            <a:r>
+              <a:t>(5) 회장직 경험을 통해 배운 예상치 못한 상황에서의 문제 해결 능력은 무엇입니까?</a:t>
             </a:r>
           </a:p>
         </p:txBody>
@@ -6129,8 +8101,8 @@
         </p:nvSpPr>
         <p:spPr>
           <a:xfrm>
-            <a:off x="457200" y="457200"/>
-            <a:ext cx="2743200" cy="457200"/>
+            <a:off x="352800" y="50400"/>
+            <a:ext cx="2743200" cy="277200"/>
           </a:xfrm>
           <a:prstGeom prst="rect">
             <a:avLst/>
@@ -6144,7 +8116,14 @@
           <a:lstStyle/>
           <a:p/>
           <a:p>
-            <a:pPr algn="l"/>
+            <a:pPr algn="l">
+              <a:spcBef>
+                <a:spcPts val="0"/>
+              </a:spcBef>
+              <a:spcAft>
+                <a:spcPts val="0"/>
+              </a:spcAft>
+            </a:pPr>
             <a:r>
               <a:rPr b="1" sz="1000">
                 <a:latin typeface="맑은 고딕"/>
@@ -6155,7 +8134,7 @@
               <a:rPr b="0" sz="1000">
                 <a:latin typeface="맑은 고딕"/>
               </a:rPr>
-              <a:t>C0100002
+              <a:t>E0800887
 </a:t>
             </a:r>
             <a:r>
@@ -6168,7 +8147,7 @@
               <a:rPr b="0" sz="1000">
                 <a:latin typeface="맑은 고딕"/>
               </a:rPr>
-              <a:t>기본값</a:t>
+              <a:t>지원분야5</a:t>
             </a:r>
           </a:p>
         </p:txBody>
@@ -6181,7 +8160,7 @@
         </p:nvSpPr>
         <p:spPr>
           <a:xfrm>
-            <a:off x="457200" y="1097280"/>
+            <a:off x="352800" y="795600"/>
             <a:ext cx="6858000" cy="457200"/>
           </a:xfrm>
           <a:prstGeom prst="rect">
@@ -6218,7 +8197,7 @@
         </p:nvSpPr>
         <p:spPr>
           <a:xfrm>
-            <a:off x="457200" y="1554480"/>
+            <a:off x="352800" y="1227600"/>
             <a:ext cx="6858000" cy="457200"/>
           </a:xfrm>
           <a:prstGeom prst="rect">
@@ -6234,7 +8213,7 @@
           <a:p/>
           <a:p>
             <a:pPr algn="l">
-              <a:defRPr sz="1000" b="0">
+              <a:defRPr sz="800" b="0">
                 <a:solidFill>
                   <a:srgbClr val="000000"/>
                 </a:solidFill>
@@ -6242,7 +8221,7 @@
               </a:defRPr>
             </a:pPr>
             <a:r>
-              <a:t>질문 : 질문1</a:t>
+              <a:t>질문 : 지원 분야에서 입사 후 이루고자 하는 구체적인 목표를 설정하고, 목표 달성을 위해 본인이 가진 경험과 직무역량을 어떻게 활용할 지 자세하게 기술하여 주십시오. (800자~1,000자)</a:t>
             </a:r>
           </a:p>
         </p:txBody>
@@ -6255,8 +8234,8 @@
         </p:nvSpPr>
         <p:spPr>
           <a:xfrm>
-            <a:off x="457200" y="1691639"/>
-            <a:ext cx="6858000" cy="18288"/>
+            <a:off x="352800" y="1407600"/>
+            <a:ext cx="6858000" cy="18000"/>
           </a:xfrm>
           <a:prstGeom prst="rect">
             <a:avLst/>
@@ -6298,7 +8277,7 @@
         </p:nvSpPr>
         <p:spPr>
           <a:xfrm>
-            <a:off x="457200" y="1600199"/>
+            <a:off x="352800" y="1458000"/>
             <a:ext cx="6858000" cy="1828800"/>
           </a:xfrm>
           <a:prstGeom prst="rect">
@@ -6331,7 +8310,7 @@
                 </a:solidFill>
                 <a:latin typeface="맑은 고딕"/>
               </a:rPr>
-              <a:t>대학에서 경영학과 중어중문학을 전공하며 배운 지식들을 실무에 적용하기 </a:t>
+              <a:t>[ESG 경영 = 말에 대한 이해와 경험, 업무 시스템, 사람들과의 소통]한국마사회는 건강한 말 산업 생태계를 조성하기 위해 21년부터 ESG 경영을 도입하여 지속 가능한 경영 기반을 확립해 나가고 있습니다. 수의 분야에서 한국마사회가 추구하는 ESG </a:t>
             </a:r>
             <a:r>
               <a:rPr u="sng" b="1" sz="1200">
@@ -6340,7 +8319,7 @@
                 </a:solidFill>
                 <a:latin typeface="맑은 고딕"/>
               </a:rPr>
-              <a:t>(1)위해 ○○공사에서 인턴과 계약직 사원으로 근무했습니다. 국제곡물정보와 해외농산물수입정보를 조사하며 농산물 가격 변동을</a:t>
+              <a:t>(1)경영에 기여할 수 있는 부분은 말의 복지 실현, 지역 사회 공헌이라고 생각합니다.</a:t>
             </a:r>
             <a:r>
               <a:rPr sz="1200">
@@ -6349,7 +8328,7 @@
                 </a:solidFill>
                 <a:latin typeface="맑은 고딕"/>
               </a:rPr>
-              <a:t> </a:t>
+              <a:t> 먼저, 말의 복지 실현을 위해 </a:t>
             </a:r>
             <a:r>
               <a:rPr u="sng" b="1" sz="1200">
@@ -6358,7 +8337,7 @@
                 </a:solidFill>
                 <a:latin typeface="맑은 고딕"/>
               </a:rPr>
-              <a:t>(2)파악하고 선제적으로 관리함으로써, 수급관리에 대한 실무 경험을 쌓고자 노력하였습니다.특히 농산물수입동향보고서 작성과 해외수입정보검증회의</a:t>
+              <a:t>(2)중요한 것은 2가지입니다. 첫 번째는 말의 건강을 책임지기 위한 말에 대한 이해와 진료 경험입니다. 저는 학부생 때 기본적인 말</a:t>
             </a:r>
             <a:r>
               <a:rPr sz="1200">
@@ -6367,7 +8346,61 @@
                 </a:solidFill>
                 <a:latin typeface="맑은 고딕"/>
               </a:rPr>
-              <a:t> 개최를 통해 수입농산물과 관세제도에 대한 전문지식을 쌓았으며, 외신보도모니터링과 해외 모니터들과의 소통을 통해 실무적 외국어 능력도 향상시켰습니다. 이를 통해 농산물수급관리와 수입동향조사에 필요한 분석력 및 전문성을 갖출 수 있었습니다.입사 후 이러한 경험을 바탕으로 공사의 핵심사업인 농산물 수급관리 업무에 기여하고자 합니다. 수입정보조사와 관세제도에 대한 지식을 활용해 시장 변화에 선제적으로 대응할 수 있는 전략을 수립하고, 외국어 소통능력을 적극 활용하여 글로벌 농산물시장에 대한 이해를 넓혀 수급 안정화에 이바지하는 인재가 되겠습니다.</a:t>
+              <a:t> 진료를 공부했고 말의 관리, 초음파, 직장 검사를 통한 검진을 </a:t>
+            </a:r>
+            <a:r>
+              <a:rPr u="sng" b="1" sz="1200">
+                <a:solidFill>
+                  <a:srgbClr val="000000"/>
+                </a:solidFill>
+                <a:latin typeface="맑은 고딕"/>
+              </a:rPr>
+              <a:t>(3)직접 해보았습니다. 목장 실습 때에는 설사하는 망아지를 관리해 보고, 산통이 온 말의 탐색적 개복술, 부상으로 인한 박리성 뼈 연골염 관절경 수술을 참관하였습니다. 두 번째는</a:t>
+            </a:r>
+            <a:r>
+              <a:rPr sz="1200">
+                <a:solidFill>
+                  <a:srgbClr val="000000"/>
+                </a:solidFill>
+                <a:latin typeface="맑은 고딕"/>
+              </a:rPr>
+              <a:t> 말 진료에 필요한 물품, 좋은 진료 환경을 마련하기 위한 예산 작업 등 행정업무가 중요하다고 </a:t>
+            </a:r>
+            <a:r>
+              <a:rPr u="sng" b="1" sz="1200">
+                <a:solidFill>
+                  <a:srgbClr val="000000"/>
+                </a:solidFill>
+                <a:latin typeface="맑은 고딕"/>
+              </a:rPr>
+              <a:t>(4)생각합니다. 저는 지난 3년간 공중방역수의사로서 근무를 하면서 우리나라 행정 시스템을 경험해왔고 공문 작성, 물품 구입 등 다양한 행정 업무를</a:t>
+            </a:r>
+            <a:r>
+              <a:rPr sz="1200">
+                <a:solidFill>
+                  <a:srgbClr val="000000"/>
+                </a:solidFill>
+                <a:latin typeface="맑은 고딕"/>
+              </a:rPr>
+              <a:t> 배워왔습니다.더 나아가 수의 분야가 지역 청소년, 지역 주민들과의 소통을 통해 사회 공헌을 할 수 있다고 생각합니다. 작년 한국마사회에서 제13회 과천시 평생학습축제에 어린이들을 위한 말 동물 병원 수의사체험 부스를 새롭게 선보이며 지역 청소년과 어린이들에게 말과 함께하는 수의사라는 직업을 경험하게 하게 하였습니다. 저도 학부생 때, 반려동물 한마당 축제에서 부스를 운영하여 반려동물들과 함께 지역사회 주민과 소통하며 즐거운 축제의 장을 제공했던 경험이 있습니다.저는 위 경험을 바탕으로 마사회 </a:t>
+            </a:r>
+            <a:r>
+              <a:rPr u="sng" b="1" sz="1200">
+                <a:solidFill>
+                  <a:srgbClr val="000000"/>
+                </a:solidFill>
+                <a:latin typeface="맑은 고딕"/>
+              </a:rPr>
+              <a:t>(5)입사 후, 빠르게 마사회 시스템에 적응할 뿐 아니라 말에 대한 이해를 바탕으로 말의 건강을 책임지는 전문적인</a:t>
+            </a:r>
+            <a:r>
+              <a:rPr sz="1200">
+                <a:solidFill>
+                  <a:srgbClr val="000000"/>
+                </a:solidFill>
+                <a:latin typeface="맑은 고딕"/>
+              </a:rPr>
+              <a:t> 수의사로 성장하고 싶습니다. 더 나아가 지역 주민들과 소통할 수 있는 다양한 프로그램을 만들어서 한국 마사회가 추구하는 ESG 경영에 동참해 마사회의 협력과 나눔, 국민행복의 가치를 실현하고 싶습니다.</a:t>
             </a:r>
           </a:p>
         </p:txBody>
@@ -6380,7 +8413,7 @@
         </p:nvSpPr>
         <p:spPr>
           <a:xfrm>
-            <a:off x="457200" y="7136892"/>
+            <a:off x="288000" y="7531200"/>
             <a:ext cx="6858000" cy="457200"/>
           </a:xfrm>
           <a:prstGeom prst="rect">
@@ -6417,17 +8450,19 @@
         </p:nvSpPr>
         <p:spPr>
           <a:xfrm>
-            <a:off x="457200" y="7731252"/>
-            <a:ext cx="6858000" cy="18288"/>
+            <a:off x="352800" y="8280000"/>
+            <a:ext cx="6858000" cy="1371600"/>
           </a:xfrm>
           <a:prstGeom prst="rect">
             <a:avLst/>
           </a:prstGeom>
           <a:solidFill>
-            <a:srgbClr val="C8C8C8"/>
+            <a:srgbClr val="F5F5F5"/>
           </a:solidFill>
           <a:ln>
-            <a:noFill/>
+            <a:solidFill>
+              <a:srgbClr val="B4B4B4"/>
+            </a:solidFill>
           </a:ln>
         </p:spPr>
         <p:style>
@@ -6445,52 +8480,7 @@
           </a:fontRef>
         </p:style>
         <p:txBody>
-          <a:bodyPr rtlCol="0" anchor="ctr"/>
-          <a:lstStyle/>
-          <a:p>
-            <a:pPr algn="ctr"/>
-          </a:p>
-        </p:txBody>
-      </p:sp>
-      <p:sp>
-        <p:nvSpPr>
-          <p:cNvPr id="10" name="Rectangle 9"/>
-          <p:cNvSpPr/>
-          <p:nvPr/>
-        </p:nvSpPr>
-        <p:spPr>
-          <a:xfrm>
-            <a:off x="457200" y="8051292"/>
-            <a:ext cx="6858000" cy="1371600"/>
-          </a:xfrm>
-          <a:prstGeom prst="rect">
-            <a:avLst/>
-          </a:prstGeom>
-          <a:solidFill>
-            <a:srgbClr val="F5F5F5"/>
-          </a:solidFill>
-          <a:ln>
-            <a:solidFill>
-              <a:srgbClr val="B4B4B4"/>
-            </a:solidFill>
-          </a:ln>
-        </p:spPr>
-        <p:style>
-          <a:lnRef idx="1">
-            <a:schemeClr val="accent1"/>
-          </a:lnRef>
-          <a:fillRef idx="3">
-            <a:schemeClr val="accent1"/>
-          </a:fillRef>
-          <a:effectRef idx="2">
-            <a:schemeClr val="accent1"/>
-          </a:effectRef>
-          <a:fontRef idx="minor">
-            <a:schemeClr val="lt1"/>
-          </a:fontRef>
-        </p:style>
-        <p:txBody>
-          <a:bodyPr rtlCol="0" anchor="ctr"/>
+          <a:bodyPr rtlCol="0" anchor="ctr" tIns="0" bIns="0" wrap="square"/>
           <a:lstStyle/>
           <a:p>
             <a:pPr algn="ctr"/>
@@ -6501,24 +8491,35 @@
                 <a:spcPct val="150000"/>
               </a:lnSpc>
               <a:spcBef>
-                <a:spcPts val="1000"/>
+                <a:spcPts val="0"/>
               </a:spcBef>
               <a:spcAft>
-                <a:spcPts val="1000"/>
+                <a:spcPts val="0"/>
               </a:spcAft>
               <a:defRPr sz="1200" b="1">
                 <a:solidFill>
                   <a:srgbClr val="000000"/>
                 </a:solidFill>
-                <a:latin typeface="맑은 고딕"/>
               </a:defRPr>
             </a:pPr>
             <a:r>
-              <a:t>(1) 국제곡물정보 및 해외농산물수입정보 조사를 통해 얻은 가장 큰 성과는 무엇이었나요?</a:t>
+              <a:t>(1) 말의 복지 실현을 위한 구체적인 계획은 무엇인가요?</a:t>
             </a:r>
             <a:br/>
             <a:r>
-              <a:t>(2) 공사에서의 수입농산물과 관세제도 관련 전문지식은 실무에 어떻게 활용하고자 하셨나요?</a:t>
+              <a:t>(2) 말의 건강 관리에 대한 경험 중 가장 어려운 점은 무엇이었나요?</a:t>
+            </a:r>
+            <a:br/>
+            <a:r>
+              <a:t>(3) 설사하는 망아지를 관리한 경험은 어떠했나요?</a:t>
+            </a:r>
+            <a:br/>
+            <a:r>
+              <a:t>(4) 공중방역수의사로서 최고의 행정업무 성과는 무엇이었습니까?</a:t>
+            </a:r>
+            <a:br/>
+            <a:r>
+              <a:t>(5) 마사회 입사 후 어떤 전문적인 수의사로 성장하고 싶습니까?</a:t>
             </a:r>
           </a:p>
         </p:txBody>
@@ -6566,8 +8567,8 @@
         </p:nvSpPr>
         <p:spPr>
           <a:xfrm>
-            <a:off x="457200" y="457200"/>
-            <a:ext cx="2743200" cy="457200"/>
+            <a:off x="352800" y="50400"/>
+            <a:ext cx="2743200" cy="277200"/>
           </a:xfrm>
           <a:prstGeom prst="rect">
             <a:avLst/>
@@ -6581,7 +8582,14 @@
           <a:lstStyle/>
           <a:p/>
           <a:p>
-            <a:pPr algn="l"/>
+            <a:pPr algn="l">
+              <a:spcBef>
+                <a:spcPts val="0"/>
+              </a:spcBef>
+              <a:spcAft>
+                <a:spcPts val="0"/>
+              </a:spcAft>
+            </a:pPr>
             <a:r>
               <a:rPr b="1" sz="1000">
                 <a:latin typeface="맑은 고딕"/>
@@ -6592,7 +8600,7 @@
               <a:rPr b="0" sz="1000">
                 <a:latin typeface="맑은 고딕"/>
               </a:rPr>
-              <a:t>C0100002
+              <a:t>E0800887
 </a:t>
             </a:r>
             <a:r>
@@ -6605,7 +8613,7 @@
               <a:rPr b="0" sz="1000">
                 <a:latin typeface="맑은 고딕"/>
               </a:rPr>
-              <a:t>기본값</a:t>
+              <a:t>지원분야6</a:t>
             </a:r>
           </a:p>
         </p:txBody>
@@ -6618,7 +8626,7 @@
         </p:nvSpPr>
         <p:spPr>
           <a:xfrm>
-            <a:off x="457200" y="1097280"/>
+            <a:off x="352800" y="795600"/>
             <a:ext cx="6858000" cy="457200"/>
           </a:xfrm>
           <a:prstGeom prst="rect">
@@ -6655,7 +8663,7 @@
         </p:nvSpPr>
         <p:spPr>
           <a:xfrm>
-            <a:off x="457200" y="1554480"/>
+            <a:off x="352800" y="1227600"/>
             <a:ext cx="6858000" cy="457200"/>
           </a:xfrm>
           <a:prstGeom prst="rect">
@@ -6671,7 +8679,7 @@
           <a:p/>
           <a:p>
             <a:pPr algn="l">
-              <a:defRPr sz="1000" b="0">
+              <a:defRPr sz="800" b="0">
                 <a:solidFill>
                   <a:srgbClr val="000000"/>
                 </a:solidFill>
@@ -6679,7 +8687,7 @@
               </a:defRPr>
             </a:pPr>
             <a:r>
-              <a:t>질문 : 질문2</a:t>
+              <a:t>질문 : 타인과 소통이나 협력에 어려움을 겪고 이를 극복했던 사례를 구체적으로 설명하고 그 결과 발생했던 변화와 성과, 개선된 점 등은 무엇이었는지 자세하게 기술하여 주십시오.(800자~1,000자)</a:t>
             </a:r>
           </a:p>
         </p:txBody>
@@ -6692,8 +8700,8 @@
         </p:nvSpPr>
         <p:spPr>
           <a:xfrm>
-            <a:off x="457200" y="1691639"/>
-            <a:ext cx="6858000" cy="18288"/>
+            <a:off x="352800" y="1407600"/>
+            <a:ext cx="6858000" cy="18000"/>
           </a:xfrm>
           <a:prstGeom prst="rect">
             <a:avLst/>
@@ -6735,7 +8743,7 @@
         </p:nvSpPr>
         <p:spPr>
           <a:xfrm>
-            <a:off x="457200" y="1600199"/>
+            <a:off x="352800" y="1458000"/>
             <a:ext cx="6858000" cy="1828800"/>
           </a:xfrm>
           <a:prstGeom prst="rect">
@@ -6768,7 +8776,7 @@
                 </a:solidFill>
                 <a:latin typeface="맑은 고딕"/>
               </a:rPr>
-              <a:t>외국인유학생서포터즈 활동 당시, 중국인 팀원의 소극적인 태도로 인해 다른 팀원들이 그 친구의 퇴출을 주장하며 갈등이 </a:t>
+              <a:t>[문제 해결의 시작 : 대화, 책임지는 자세]정의는 진리에 맞는 올바른 도리, 청렴은 성품과 행실이 높고 맑으며, 탐욕이 없음이라는 뜻을 가지고 있습니다. 정의와 청렴의 뜻에 비추어 보았을 때 조직 생활에서 가장 반대되는 상황은 자신이 맡은 바를 책임지지 않는 근무태만이라고 생각합니다. 근무, 직무 태만의 경우, 직장인으로서 자신의 도리를 다하지 않는 것뿐 아니라 직장 내 다른 사람들이 직무 태만인 직원 </a:t>
             </a:r>
             <a:r>
               <a:rPr u="sng" b="1" sz="1200">
@@ -6777,7 +8785,7 @@
                 </a:solidFill>
                 <a:latin typeface="맑은 고딕"/>
               </a:rPr>
-              <a:t>(1)발생했습니다. 당시 저는 팀원들의 의견을 존중하면서도 서포터즈 간의 원만한 관계 유지를 위해 갈등을 해결하고자 노력했습니다.우선 중국인 친구와의 면담을 통해 한국어가 서툴러 회의내용을 이해하고 맡은 업무 수행하는데 어려움을 겪고 있다는 점을 알게 되었습니다. 따라서 (2)팀원들에게 상황을 설명하고, 퇴출보다는 그 친구의 역할을 조정하는 방향으로 함께 해결해보자고 설득했습니다. 이후 그 친구에게 회의내용을 중국어로 다시</a:t>
+              <a:t>(1)업무까지 불가피하게 해야 하므로 팀 내 업무능률을 떨어뜨리고 조직 전체에 악영향을 끼칠 수 있다고 생각합니다.</a:t>
             </a:r>
             <a:r>
               <a:rPr sz="1200">
@@ -6786,7 +8794,70 @@
                 </a:solidFill>
                 <a:latin typeface="맑은 고딕"/>
               </a:rPr>
-              <a:t> 설명해주고, 중국어 통번역 업무를 맡기며 역할을 재조정했습니다. 그 결과 중국인 친구는 활동에 적극적으로 참여하는 모습을 보였고, 팀원들 간의 관계도 원만하게 유지되었습니다.이 경험을 통해 갈등 상황속에서 소통과 배려의 중요성을 깨달았으며, 입사 후에도 부서원들과 상호 이해를 바탕으로 협력하여 조직에 긍정적인 영향을 미치고자 합니다.</a:t>
+              <a:t> 공중방역수의사로 근무할 당시, 자신의 업무를 하지 않고 저에게 일을 부탁하는 사수가 있었습니다. 처음에는 사수분에게 여러 사정이 있다고 생각해서 사수분 대신 야근을 하면서까지 그분의 업무를 처리했습니다. 어느 순간 제 업무마저 처리를 못하여 부탁을 정중하게 거절하였지만 그 뒤에도 상황은 달라지지 </a:t>
+            </a:r>
+            <a:r>
+              <a:rPr u="sng" b="1" sz="1200">
+                <a:solidFill>
+                  <a:srgbClr val="000000"/>
+                </a:solidFill>
+                <a:latin typeface="맑은 고딕"/>
+              </a:rPr>
+              <a:t>(2)않았습니다. 반복해서 사수는 자신의 업무를 저에게 부탁하려고 했습니다. 사수와의 대화가 필요하다고 생각한 저는</a:t>
+            </a:r>
+            <a:r>
+              <a:rPr sz="1200">
+                <a:solidFill>
+                  <a:srgbClr val="000000"/>
+                </a:solidFill>
+                <a:latin typeface="맑은 고딕"/>
+              </a:rPr>
+              <a:t> 허심탄회하게 업무에 관해 이야기를 나누었습니다. 대화를 통해 사수분께서 나이가 있으시다 보니 컴퓨터 업무에 있어 어려움을 겪었고 잘하지 못하다 보니 기피하게 되었다는 걸 알게 되었습니다.</a:t>
+            </a:r>
+            <a:r>
+              <a:rPr u="sng" b="1" sz="1200">
+                <a:solidFill>
+                  <a:srgbClr val="000000"/>
+                </a:solidFill>
+                <a:latin typeface="맑은 고딕"/>
+              </a:rPr>
+              <a:t>(3) 저는 사수를 위해 업무 관련된 엑셀자료를 따로 정리했고, 시간이 될 때마다 따로</a:t>
+            </a:r>
+            <a:r>
+              <a:rPr sz="1200">
+                <a:solidFill>
+                  <a:srgbClr val="000000"/>
+                </a:solidFill>
+                <a:latin typeface="맑은 고딕"/>
+              </a:rPr>
+              <a:t> 만나 천천히 알려드렸습니다. 그 후엔 업무처리능력이 향상되셔서 나중엔 스스로 업무를 처리하셨습니다. 이 경험을 통해 2가지를 깨닫게 되었습니다. </a:t>
+            </a:r>
+            <a:r>
+              <a:rPr u="sng" b="1" sz="1200">
+                <a:solidFill>
+                  <a:srgbClr val="000000"/>
+                </a:solidFill>
+                <a:latin typeface="맑은 고딕"/>
+              </a:rPr>
+              <a:t>(4)조직 내에 갈등이 있을 경우, 대화가 문제 해결의 시작점이라는 것과 조직은 팀이기 때문에 한 사람의 어려움을 같이 책임지고자 했을 때 팀 전체의 효율이 커진다는 것을 알게 되었습니다. 팀은 함께 간다고 생각합니다. 마사회 입사 후, 저만이 아니라 팀</a:t>
+            </a:r>
+            <a:r>
+              <a:rPr sz="1200">
+                <a:solidFill>
+                  <a:srgbClr val="000000"/>
+                </a:solidFill>
+                <a:latin typeface="맑은 고딕"/>
+              </a:rPr>
+              <a:t> 동료들의 어려움을 함께하고 도우면서 팀의 효율을 늘리고 </a:t>
+            </a:r>
+            <a:r>
+              <a:rPr u="sng" b="1" sz="1200">
+                <a:solidFill>
+                  <a:srgbClr val="000000"/>
+                </a:solidFill>
+                <a:latin typeface="맑은 고딕"/>
+              </a:rPr>
+              <a:t>(5)업무 태만이 아닌 업무 향상을 시키는 마사회 일원이 되겠습니다.</a:t>
             </a:r>
           </a:p>
         </p:txBody>
@@ -6799,7 +8870,7 @@
         </p:nvSpPr>
         <p:spPr>
           <a:xfrm>
-            <a:off x="457200" y="7136892"/>
+            <a:off x="288000" y="7531200"/>
             <a:ext cx="6858000" cy="457200"/>
           </a:xfrm>
           <a:prstGeom prst="rect">
@@ -6836,17 +8907,19 @@
         </p:nvSpPr>
         <p:spPr>
           <a:xfrm>
-            <a:off x="457200" y="7731252"/>
-            <a:ext cx="6858000" cy="18288"/>
+            <a:off x="352800" y="8280000"/>
+            <a:ext cx="6858000" cy="1371600"/>
           </a:xfrm>
           <a:prstGeom prst="rect">
             <a:avLst/>
           </a:prstGeom>
           <a:solidFill>
-            <a:srgbClr val="C8C8C8"/>
+            <a:srgbClr val="F5F5F5"/>
           </a:solidFill>
           <a:ln>
-            <a:noFill/>
+            <a:solidFill>
+              <a:srgbClr val="B4B4B4"/>
+            </a:solidFill>
           </a:ln>
         </p:spPr>
         <p:style>
@@ -6864,52 +8937,7 @@
           </a:fontRef>
         </p:style>
         <p:txBody>
-          <a:bodyPr rtlCol="0" anchor="ctr"/>
-          <a:lstStyle/>
-          <a:p>
-            <a:pPr algn="ctr"/>
-          </a:p>
-        </p:txBody>
-      </p:sp>
-      <p:sp>
-        <p:nvSpPr>
-          <p:cNvPr id="10" name="Rectangle 9"/>
-          <p:cNvSpPr/>
-          <p:nvPr/>
-        </p:nvSpPr>
-        <p:spPr>
-          <a:xfrm>
-            <a:off x="457200" y="8051292"/>
-            <a:ext cx="6858000" cy="1371600"/>
-          </a:xfrm>
-          <a:prstGeom prst="rect">
-            <a:avLst/>
-          </a:prstGeom>
-          <a:solidFill>
-            <a:srgbClr val="F5F5F5"/>
-          </a:solidFill>
-          <a:ln>
-            <a:solidFill>
-              <a:srgbClr val="B4B4B4"/>
-            </a:solidFill>
-          </a:ln>
-        </p:spPr>
-        <p:style>
-          <a:lnRef idx="1">
-            <a:schemeClr val="accent1"/>
-          </a:lnRef>
-          <a:fillRef idx="3">
-            <a:schemeClr val="accent1"/>
-          </a:fillRef>
-          <a:effectRef idx="2">
-            <a:schemeClr val="accent1"/>
-          </a:effectRef>
-          <a:fontRef idx="minor">
-            <a:schemeClr val="lt1"/>
-          </a:fontRef>
-        </p:style>
-        <p:txBody>
-          <a:bodyPr rtlCol="0" anchor="ctr"/>
+          <a:bodyPr rtlCol="0" anchor="ctr" tIns="0" bIns="0" wrap="square"/>
           <a:lstStyle/>
           <a:p>
             <a:pPr algn="ctr"/>
@@ -6920,24 +8948,35 @@
                 <a:spcPct val="150000"/>
               </a:lnSpc>
               <a:spcBef>
-                <a:spcPts val="1000"/>
+                <a:spcPts val="0"/>
               </a:spcBef>
               <a:spcAft>
-                <a:spcPts val="1000"/>
+                <a:spcPts val="0"/>
               </a:spcAft>
               <a:defRPr sz="1200" b="1">
                 <a:solidFill>
                   <a:srgbClr val="000000"/>
                 </a:solidFill>
-                <a:latin typeface="맑은 고딕"/>
               </a:defRPr>
             </a:pPr>
             <a:r>
-              <a:t>(1) 외국인유학생서포터즈 활동 시 갈등을 해결하기 위해 어떤 구체적인 방법을 사용했나요?</a:t>
+              <a:t>(1) 업무 태만을 경험한 사례에서의 주요 갈등 해결 방법은 무엇이었나요?</a:t>
             </a:r>
             <a:br/>
             <a:r>
-              <a:t>(2) 그 팀원에게 담당 업무를 재조정한 결과는 어떻게 되었나요?</a:t>
+              <a:t>(2) 사수와의 대화를 통해 어떤 점을 배우셨나요?</a:t>
+            </a:r>
+            <a:br/>
+            <a:r>
+              <a:t>(3) 엑셀 자료를 정리한 방식에 대해 설명해주세요.</a:t>
+            </a:r>
+            <a:br/>
+            <a:r>
+              <a:t>(4) 팀 내 어려움을 함께 했던 가장 기억에 남는 경험은 무엇인가요?</a:t>
+            </a:r>
+            <a:br/>
+            <a:r>
+              <a:t>(5) 마사회에서 팀의 효율을 향상시키기 위한 구체적인 계획은 무엇인가요?</a:t>
             </a:r>
           </a:p>
         </p:txBody>
@@ -6985,8 +9024,8 @@
         </p:nvSpPr>
         <p:spPr>
           <a:xfrm>
-            <a:off x="457200" y="457200"/>
-            <a:ext cx="2743200" cy="457200"/>
+            <a:off x="352800" y="50400"/>
+            <a:ext cx="2743200" cy="277200"/>
           </a:xfrm>
           <a:prstGeom prst="rect">
             <a:avLst/>
@@ -7000,7 +9039,14 @@
           <a:lstStyle/>
           <a:p/>
           <a:p>
-            <a:pPr algn="l"/>
+            <a:pPr algn="l">
+              <a:spcBef>
+                <a:spcPts val="0"/>
+              </a:spcBef>
+              <a:spcAft>
+                <a:spcPts val="0"/>
+              </a:spcAft>
+            </a:pPr>
             <a:r>
               <a:rPr b="1" sz="1000">
                 <a:latin typeface="맑은 고딕"/>
@@ -7011,7 +9057,7 @@
               <a:rPr b="0" sz="1000">
                 <a:latin typeface="맑은 고딕"/>
               </a:rPr>
-              <a:t>C0100002
+              <a:t>E1400047
 </a:t>
             </a:r>
             <a:r>
@@ -7024,7 +9070,7 @@
               <a:rPr b="0" sz="1000">
                 <a:latin typeface="맑은 고딕"/>
               </a:rPr>
-              <a:t>기본값</a:t>
+              <a:t>지원분야7</a:t>
             </a:r>
           </a:p>
         </p:txBody>
@@ -7037,7 +9083,7 @@
         </p:nvSpPr>
         <p:spPr>
           <a:xfrm>
-            <a:off x="457200" y="1097280"/>
+            <a:off x="352800" y="795600"/>
             <a:ext cx="6858000" cy="457200"/>
           </a:xfrm>
           <a:prstGeom prst="rect">
@@ -7074,7 +9120,7 @@
         </p:nvSpPr>
         <p:spPr>
           <a:xfrm>
-            <a:off x="457200" y="1554480"/>
+            <a:off x="352800" y="1227600"/>
             <a:ext cx="6858000" cy="457200"/>
           </a:xfrm>
           <a:prstGeom prst="rect">
@@ -7090,7 +9136,7 @@
           <a:p/>
           <a:p>
             <a:pPr algn="l">
-              <a:defRPr sz="1000" b="0">
+              <a:defRPr sz="800" b="0">
                 <a:solidFill>
                   <a:srgbClr val="000000"/>
                 </a:solidFill>
@@ -7098,7 +9144,7 @@
               </a:defRPr>
             </a:pPr>
             <a:r>
-              <a:t>질문 : 질문3</a:t>
+              <a:t>질문 : 지원 분야에서 입사 후 이루고자 하는 구체적인 목표를 설정하고, 목표 달성을 위해 본인이 가진 경험과 직무역량을 어떻게 활용할 지 자세하게 기술하여 주십시오. (800자~1,000자)</a:t>
             </a:r>
           </a:p>
         </p:txBody>
@@ -7111,8 +9157,8 @@
         </p:nvSpPr>
         <p:spPr>
           <a:xfrm>
-            <a:off x="457200" y="1691639"/>
-            <a:ext cx="6858000" cy="18288"/>
+            <a:off x="352800" y="1407600"/>
+            <a:ext cx="6858000" cy="18000"/>
           </a:xfrm>
           <a:prstGeom prst="rect">
             <a:avLst/>
@@ -7154,7 +9200,7 @@
         </p:nvSpPr>
         <p:spPr>
           <a:xfrm>
-            <a:off x="457200" y="1600199"/>
+            <a:off x="352800" y="1458000"/>
             <a:ext cx="6858000" cy="1828800"/>
           </a:xfrm>
           <a:prstGeom prst="rect">
@@ -7187,7 +9233,7 @@
                 </a:solidFill>
                 <a:latin typeface="맑은 고딕"/>
               </a:rPr>
-              <a:t>영어라디오방송을 진행하며, 낮은 프로그램 청취율 문제를 해결하고자 했던 경험이 있습니다. 처음에는 청취율 상승을 목표로 프로그램 홍보를 강화하는 데 </a:t>
+              <a:t>저는 한국마사회에서 6년간 근무하였습니다.최근 한국마사회는 전자카드 4.0 애플리케이션에 온라인 경마 기능을 추가하여, 사업장 내 뿐만 아니라, 사업장 외에서 구매 상한이 절반으로 제한된 마권을 구매할 수 있도록 하는 시스템을 시범 운영하고, 시범 운영 인원을 점차 확대해 나가는 변화가 있습니다. 그 뿐만 아니라 사회적인 트렌드인 인공지능 기술을 한국마사회에 필요한 분야에 결합하여, 말 부위 식별 및 보행 이상 진단이 가능한 상태 인공지능 기술 도입하기 위한 모델 학습 절차를 진행 중입니다.앞으로 한국마사회는 기능이 추가된 전자카드 4.0을 더 안정적으로 유지보수하고, 고객 정보 관리에 힘쓰며, 온라인 경마 편리성을 향상하기 위해, 타 은행의 가상계좌나 간편 인증과 같은 다양한 사업을 한국마사회의 사업에 적용할 줄 아는 직원, 보안 및 정보 관리에도 철저한 직원이 </a:t>
             </a:r>
             <a:r>
               <a:rPr u="sng" b="1" sz="1200">
@@ -7196,7 +9242,7 @@
                 </a:solidFill>
                 <a:latin typeface="맑은 고딕"/>
               </a:rPr>
-              <a:t>(1)집중했지만, 홍보만으로는 청취율이 크게 개선되지 않아 원인 파악에 실패했음을 깨달았습니다.청취자들의 요구를 제대로 이해하기 위해, 영어라디오를 듣는 목적을 분석했습니다. 이를 통해 대부분의 청취자들이 영어학습을 위해 라디오를 청취한다는 것을 알게 되었고 따라서 (2)영어학습 콘텐츠를 강화하는 것이 필요하다고 판단했습니다. 그 결과 영어표현을 설명하는 ‘디스 모닝 잉글리시’라는 콘텐츠를 제작해 라디오 프로그램에 추가했고, 콘텐츠를 오디오클립에도 게시하여 청취자들이 반복 청취할 수 있도록 유도했습니다.이</a:t>
+              <a:t>(1)필요하다고 (2)생각합니다. 또한, 전자카드에 생중계 시스템이 새로 도입된 만큼, 불법 경마 사이트 운영자들의 경마 생중계 운영이 비교적 이전보다 쉬워지므로</a:t>
             </a:r>
             <a:r>
               <a:rPr sz="1200">
@@ -7205,7 +9251,61 @@
                 </a:solidFill>
                 <a:latin typeface="맑은 고딕"/>
               </a:rPr>
-              <a:t> 전략을 통해 청취율은 점차 상승하기 시작했고, 오디오클립 구독자 수는 6개월 만에 3,000명에 이르는 큰 성과를 거둘 수 있었습니다. 이 경험을 통해 문제해결을 위해서 근본적 원인 파악과 분석적 접근이 중요하다는 것을 알 수 있었습니다.</a:t>
+              <a:t> 더욱 강력한 불법 </a:t>
+            </a:r>
+            <a:r>
+              <a:rPr u="sng" b="1" sz="1200">
+                <a:solidFill>
+                  <a:srgbClr val="000000"/>
+                </a:solidFill>
+                <a:latin typeface="맑은 고딕"/>
+              </a:rPr>
+              <a:t>(3)경마 예방 대책을 끊임없이 생각하는 직원이</a:t>
+            </a:r>
+            <a:r>
+              <a:rPr sz="1200">
+                <a:solidFill>
+                  <a:srgbClr val="000000"/>
+                </a:solidFill>
+                <a:latin typeface="맑은 고딕"/>
+              </a:rPr>
+              <a:t> 필요하다고 생각합니다.저는 전자카드 4.0의 흐름도를 직접 작성하여 임직원들의 전자카드 4.0 기능 이해를 도왔고, 전자카드 안정성 테스트를 도왔던 경험이 있습니다. </a:t>
+            </a:r>
+            <a:r>
+              <a:rPr u="sng" b="1" sz="1200">
+                <a:solidFill>
+                  <a:srgbClr val="000000"/>
+                </a:solidFill>
+                <a:latin typeface="맑은 고딕"/>
+              </a:rPr>
+              <a:t>(4)주간 회의 내용과 회장 당부, 지시 사항을 꾸준히 보아온 경험을 바탕으로 어떤 방향으로 임직원들이 함께 나아가야 전자카드 4.0이 더 안정적이고, 효율적일지</a:t>
+            </a:r>
+            <a:r>
+              <a:rPr sz="1200">
+                <a:solidFill>
+                  <a:srgbClr val="000000"/>
+                </a:solidFill>
+                <a:latin typeface="맑은 고딕"/>
+              </a:rPr>
+              <a:t> 이해하고 있습니다.그동안 한국마사회에 필요한 인재가 되기 위해 정보기술처의 부서별, 세부적으로는 직책 별 직무를 직접 다가가서 보고, 필요한 직무 역량 또한 직원 분들께 직접 여쭤보며 업무에 도움이 될 내용을 꾸준히 공부했습니다. 또한, 저는 불법 </a:t>
+            </a:r>
+            <a:r>
+              <a:rPr u="sng" b="1" sz="1200">
+                <a:solidFill>
+                  <a:srgbClr val="000000"/>
+                </a:solidFill>
+                <a:latin typeface="맑은 고딕"/>
+              </a:rPr>
+              <a:t>(5)경마에 대하여 비교적 잘 알고 있습니다. 제가 가진 경험으로 한국마사회가 앞으로 온라인 경마 사업이 더욱 발전함에</a:t>
+            </a:r>
+            <a:r>
+              <a:rPr sz="1200">
+                <a:solidFill>
+                  <a:srgbClr val="000000"/>
+                </a:solidFill>
+                <a:latin typeface="맑은 고딕"/>
+              </a:rPr>
+              <a:t> 따라 맞이하게 될 새로운 불법 경마 형태 단속에도 이바지할 수 있을 것이라 자신합니다.</a:t>
             </a:r>
           </a:p>
         </p:txBody>
@@ -7218,7 +9318,7 @@
         </p:nvSpPr>
         <p:spPr>
           <a:xfrm>
-            <a:off x="457200" y="7187183"/>
+            <a:off x="288000" y="7531200"/>
             <a:ext cx="6858000" cy="457200"/>
           </a:xfrm>
           <a:prstGeom prst="rect">
@@ -7255,17 +9355,19 @@
         </p:nvSpPr>
         <p:spPr>
           <a:xfrm>
-            <a:off x="457200" y="7781544"/>
-            <a:ext cx="6858000" cy="18288"/>
+            <a:off x="352800" y="8280000"/>
+            <a:ext cx="6858000" cy="1371600"/>
           </a:xfrm>
           <a:prstGeom prst="rect">
             <a:avLst/>
           </a:prstGeom>
           <a:solidFill>
-            <a:srgbClr val="C8C8C8"/>
+            <a:srgbClr val="F5F5F5"/>
           </a:solidFill>
           <a:ln>
-            <a:noFill/>
+            <a:solidFill>
+              <a:srgbClr val="B4B4B4"/>
+            </a:solidFill>
           </a:ln>
         </p:spPr>
         <p:style>
@@ -7283,52 +9385,7 @@
           </a:fontRef>
         </p:style>
         <p:txBody>
-          <a:bodyPr rtlCol="0" anchor="ctr"/>
-          <a:lstStyle/>
-          <a:p>
-            <a:pPr algn="ctr"/>
-          </a:p>
-        </p:txBody>
-      </p:sp>
-      <p:sp>
-        <p:nvSpPr>
-          <p:cNvPr id="10" name="Rectangle 9"/>
-          <p:cNvSpPr/>
-          <p:nvPr/>
-        </p:nvSpPr>
-        <p:spPr>
-          <a:xfrm>
-            <a:off x="457200" y="8101583"/>
-            <a:ext cx="6858000" cy="1371600"/>
-          </a:xfrm>
-          <a:prstGeom prst="rect">
-            <a:avLst/>
-          </a:prstGeom>
-          <a:solidFill>
-            <a:srgbClr val="F5F5F5"/>
-          </a:solidFill>
-          <a:ln>
-            <a:solidFill>
-              <a:srgbClr val="B4B4B4"/>
-            </a:solidFill>
-          </a:ln>
-        </p:spPr>
-        <p:style>
-          <a:lnRef idx="1">
-            <a:schemeClr val="accent1"/>
-          </a:lnRef>
-          <a:fillRef idx="3">
-            <a:schemeClr val="accent1"/>
-          </a:fillRef>
-          <a:effectRef idx="2">
-            <a:schemeClr val="accent1"/>
-          </a:effectRef>
-          <a:fontRef idx="minor">
-            <a:schemeClr val="lt1"/>
-          </a:fontRef>
-        </p:style>
-        <p:txBody>
-          <a:bodyPr rtlCol="0" anchor="ctr"/>
+          <a:bodyPr rtlCol="0" anchor="ctr" tIns="0" bIns="0" wrap="square"/>
           <a:lstStyle/>
           <a:p>
             <a:pPr algn="ctr"/>
@@ -7339,24 +9396,35 @@
                 <a:spcPct val="150000"/>
               </a:lnSpc>
               <a:spcBef>
-                <a:spcPts val="1000"/>
+                <a:spcPts val="0"/>
               </a:spcBef>
               <a:spcAft>
-                <a:spcPts val="1000"/>
+                <a:spcPts val="0"/>
               </a:spcAft>
               <a:defRPr sz="1200" b="1">
                 <a:solidFill>
                   <a:srgbClr val="000000"/>
                 </a:solidFill>
-                <a:latin typeface="맑은 고딕"/>
               </a:defRPr>
             </a:pPr>
             <a:r>
-              <a:t>(1) 영어라디오방송에서 청취자의 요구에 맞춰 어떻게 콘텐츠를 개선하셨나요?</a:t>
+              <a:t>(1) 한국마사회 전자카드 4.0의 흐름도를 작성하면서 가장 큰 도전 과제는 무엇이었나요?</a:t>
             </a:r>
             <a:br/>
             <a:r>
-              <a:t>(2) 라디오 프로그램 오디오클립 전략의 성과는 무엇이었나요?</a:t>
+              <a:t>(2) 전자카드 4.0의 안정성 테스트에서 얻은 주요 교훈은 무엇이었나요?</a:t>
+            </a:r>
+            <a:br/>
+            <a:r>
+              <a:t>(3) 주간 회의에서 주고 받은 회장 당부나 지시사항 중 가장 영향력 있었던 것은 무엇인가요?</a:t>
+            </a:r>
+            <a:br/>
+            <a:r>
+              <a:t>(4) 한국마사회에서의 정보기술처 경험이 미래 경력 개발에 어떻게 기여했나요?</a:t>
+            </a:r>
+            <a:br/>
+            <a:r>
+              <a:t>(5) 불법 경마 단속에 기여할 수 있는 경험은 어떤 것인가요?</a:t>
             </a:r>
           </a:p>
         </p:txBody>
@@ -7404,8 +9472,8 @@
         </p:nvSpPr>
         <p:spPr>
           <a:xfrm>
-            <a:off x="457200" y="457200"/>
-            <a:ext cx="2743200" cy="457200"/>
+            <a:off x="352800" y="50400"/>
+            <a:ext cx="2743200" cy="277200"/>
           </a:xfrm>
           <a:prstGeom prst="rect">
             <a:avLst/>
@@ -7419,7 +9487,14 @@
           <a:lstStyle/>
           <a:p/>
           <a:p>
-            <a:pPr algn="l"/>
+            <a:pPr algn="l">
+              <a:spcBef>
+                <a:spcPts val="0"/>
+              </a:spcBef>
+              <a:spcAft>
+                <a:spcPts val="0"/>
+              </a:spcAft>
+            </a:pPr>
             <a:r>
               <a:rPr b="1" sz="1000">
                 <a:latin typeface="맑은 고딕"/>
@@ -7430,7 +9505,7 @@
               <a:rPr b="0" sz="1000">
                 <a:latin typeface="맑은 고딕"/>
               </a:rPr>
-              <a:t>C0100002
+              <a:t>E1400047
 </a:t>
             </a:r>
             <a:r>
@@ -7443,7 +9518,7 @@
               <a:rPr b="0" sz="1000">
                 <a:latin typeface="맑은 고딕"/>
               </a:rPr>
-              <a:t>기본값</a:t>
+              <a:t>지원분야8</a:t>
             </a:r>
           </a:p>
         </p:txBody>
@@ -7456,7 +9531,7 @@
         </p:nvSpPr>
         <p:spPr>
           <a:xfrm>
-            <a:off x="457200" y="1097280"/>
+            <a:off x="352800" y="795600"/>
             <a:ext cx="6858000" cy="457200"/>
           </a:xfrm>
           <a:prstGeom prst="rect">
@@ -7493,7 +9568,7 @@
         </p:nvSpPr>
         <p:spPr>
           <a:xfrm>
-            <a:off x="457200" y="1554480"/>
+            <a:off x="352800" y="1227600"/>
             <a:ext cx="6858000" cy="457200"/>
           </a:xfrm>
           <a:prstGeom prst="rect">
@@ -7509,7 +9584,7 @@
           <a:p/>
           <a:p>
             <a:pPr algn="l">
-              <a:defRPr sz="1000" b="0">
+              <a:defRPr sz="800" b="0">
                 <a:solidFill>
                   <a:srgbClr val="000000"/>
                 </a:solidFill>
@@ -7517,7 +9592,7 @@
               </a:defRPr>
             </a:pPr>
             <a:r>
-              <a:t>질문 : 질문4</a:t>
+              <a:t>질문 : 타인과 소통이나 협력에 어려움을 겪고 이를 극복했던 사례를 구체적으로 설명하고 그 결과 발생했던 변화와 성과, 개선된 점 등은 무엇이었는지 자세하게 기술하여 주십시오.(800자~1,000자)</a:t>
             </a:r>
           </a:p>
         </p:txBody>
@@ -7530,8 +9605,8 @@
         </p:nvSpPr>
         <p:spPr>
           <a:xfrm>
-            <a:off x="457200" y="1691639"/>
-            <a:ext cx="6858000" cy="18288"/>
+            <a:off x="352800" y="1407600"/>
+            <a:ext cx="6858000" cy="18000"/>
           </a:xfrm>
           <a:prstGeom prst="rect">
             <a:avLst/>
@@ -7573,7 +9648,7 @@
         </p:nvSpPr>
         <p:spPr>
           <a:xfrm>
-            <a:off x="457200" y="1600199"/>
+            <a:off x="352800" y="1458000"/>
             <a:ext cx="6858000" cy="1828800"/>
           </a:xfrm>
           <a:prstGeom prst="rect">
@@ -7600,13 +9675,22 @@
               </a:spcAft>
             </a:pPr>
             <a:r>
+              <a:rPr u="sng" b="1" sz="1200">
+                <a:solidFill>
+                  <a:srgbClr val="000000"/>
+                </a:solidFill>
+                <a:latin typeface="맑은 고딕"/>
+              </a:rPr>
+              <a:t>(1)개인의 이해관계나 정에 휘둘리지 않고 정직함을 지키는 것이 조직 생활에서 제가 생각하는 정의와</a:t>
+            </a:r>
+            <a:r>
               <a:rPr sz="1200">
                 <a:solidFill>
                   <a:srgbClr val="000000"/>
                 </a:solidFill>
                 <a:latin typeface="맑은 고딕"/>
               </a:rPr>
-              <a:t>aT의 인재상 중 제가 부족하다고 생각하는 부분은 전문인 역량입니다. 공사 근무경험을 통해 농산물 수급 및 수입업무에 대한 실무경험과 전문지식을 쌓았지만, 수출, 유통, 식품산업에 대한 경험과 지식은 부족합니다. 따라서 </a:t>
+              <a:t> 청렴입니다.한국마사회는 임직원 마권구매 · 알선행위 금지하고 있는데, 근무할 때, 마권 구매 행위를 몰래 하였던 직원 분이 계셨습니다. 해당 행위는 개인을 떠나 부서 전체뿐만 아니라 사회적으로도 큰 파장을 일으킬 수 있는 행위임이 분명했지만, 부서 내 몇 직원들은 그 직원과의 관계를 위해 제가 그 행위를 인지하기 전에도 부서 내에서 모른 척 덮어주고 있었습니다.저는 그 직원과 가까웠던 관계를 끊어내는 것은 힘들고 어려운 일이지만 좋은 기억으로 남기고, 그분의 금지된 행위는 바로 잡는 것이 옳다고 생각하였기에 해당 사항을 신고하였습니다. 그 분과의 정으로 저 또한 모른 척 하는 것은 제가 생각하는 정의와 청렴에 반대되는 상황이라 생각했기 때문입니다.하지만 이 신고 </a:t>
             </a:r>
             <a:r>
               <a:rPr u="sng" b="1" sz="1200">
@@ -7615,7 +9699,7 @@
                 </a:solidFill>
                 <a:latin typeface="맑은 고딕"/>
               </a:rPr>
-              <a:t>(1)이러한 편중된 전문성을 극복하고 aT의 전반적인 업무에 대한 이해도를 높이기 위한 노력이 필요하다 생각합니다.우선 aT의 농산물수출사업과 해외시장동향을 심층적으로 파악하여 수출 관련 지식을 보완하고자 (2)합니다. 또 최근 농산물 유통에서 빅데이터와 인공지능 기술의 활용이 확대되고 있는 만큼 이러한 기술들을 적극적으로 학습하여 유통과정의</a:t>
+              <a:t>(2)행위로 인해 조직 내 이 사실을 이전에 알고 계셨던 분들과 갈등이 생겼었습니다. 그분들은 저에 대해 내부 고발자라는 뒷담화를 하였고 제가 지나갈 때 수군거렸습니다. 이 상황에 대하여 저는 '옳은 행동인데 어떡하라는 것이냐'와 같은 대응을 하지 않고, 그분들과 단둘이 이야기할 상황이 왔을 때, '정 없는</a:t>
             </a:r>
             <a:r>
               <a:rPr sz="1200">
@@ -7624,7 +9708,52 @@
                 </a:solidFill>
                 <a:latin typeface="맑은 고딕"/>
               </a:rPr>
-              <a:t> 효율성을 높일 수 있는 방안을 모색하겠습니다. 더불어 한류의 영향으로 빠르게 성장하고 있는 식품산업 트렌드를 분석하고 연구하여 식품분야의 전문지식 또한 갖추겠습니다.이러한 노력으로 수출, 유통, 식품산업의 전문성을 균형 있게 키움으로써, aT의 모든 업무를 아우르는 전문가로 성장해 공사의 목표 달성에 기여해 나가겠습니다.</a:t>
+              <a:t> 사람이라고 생각하셨을 것을 잘 안다, 진짜 묵과하는 것이 그분을 위한 것이었냐'고 의견을 물어 이야기를 꺼낸 후 그분들의 이야기를 들어 솔직한 </a:t>
+            </a:r>
+            <a:r>
+              <a:rPr u="sng" b="1" sz="1200">
+                <a:solidFill>
+                  <a:srgbClr val="000000"/>
+                </a:solidFill>
+                <a:latin typeface="맑은 고딕"/>
+              </a:rPr>
+              <a:t>(3)대화를 통해 얼어붙었던 관계를 풀어나갔습니다.그 후 저를 뒷담화하셨던 분들도 제가 참 바르고 성실한</a:t>
+            </a:r>
+            <a:r>
+              <a:rPr sz="1200">
+                <a:solidFill>
+                  <a:srgbClr val="000000"/>
+                </a:solidFill>
+                <a:latin typeface="맑은 고딕"/>
+              </a:rPr>
+              <a:t> 멋진 사람이라는 말씀을 하시고 </a:t>
+            </a:r>
+            <a:r>
+              <a:rPr u="sng" b="1" sz="1200">
+                <a:solidFill>
+                  <a:srgbClr val="000000"/>
+                </a:solidFill>
+                <a:latin typeface="맑은 고딕"/>
+              </a:rPr>
+              <a:t>(4)다녔습니다. 저는 저의 청렴함을 지키는 과정에서 저를 안 좋게 보시게 된 분들의 이야기를 경청하고 일부 공감하여 그들을 적으로 돌리기보다 같이 의견을 나눌 수 있는 관계를 형성하였습니다.한국마사회에서</a:t>
+            </a:r>
+            <a:r>
+              <a:rPr sz="1200">
+                <a:solidFill>
+                  <a:srgbClr val="000000"/>
+                </a:solidFill>
+                <a:latin typeface="맑은 고딕"/>
+              </a:rPr>
+              <a:t> 근무하여 비슷한 상황으로 갈등 상황이 발생한다면, 그분들과 융화될 수 </a:t>
+            </a:r>
+            <a:r>
+              <a:rPr u="sng" b="1" sz="1200">
+                <a:solidFill>
+                  <a:srgbClr val="000000"/>
+                </a:solidFill>
+                <a:latin typeface="맑은 고딕"/>
+              </a:rPr>
+              <a:t>(5)있는 또 다른 방법을 찾아 저와 반대의 의견을 가진 분들과의 갈등도 풀어나가겠습니다.</a:t>
             </a:r>
           </a:p>
         </p:txBody>
@@ -7637,7 +9766,7 @@
         </p:nvSpPr>
         <p:spPr>
           <a:xfrm>
-            <a:off x="457200" y="7159752"/>
+            <a:off x="288000" y="7531200"/>
             <a:ext cx="6858000" cy="457200"/>
           </a:xfrm>
           <a:prstGeom prst="rect">
@@ -7674,17 +9803,19 @@
         </p:nvSpPr>
         <p:spPr>
           <a:xfrm>
-            <a:off x="457200" y="7754112"/>
-            <a:ext cx="6858000" cy="18288"/>
+            <a:off x="352800" y="8280000"/>
+            <a:ext cx="6858000" cy="1371600"/>
           </a:xfrm>
           <a:prstGeom prst="rect">
             <a:avLst/>
           </a:prstGeom>
           <a:solidFill>
-            <a:srgbClr val="C8C8C8"/>
+            <a:srgbClr val="F5F5F5"/>
           </a:solidFill>
           <a:ln>
-            <a:noFill/>
+            <a:solidFill>
+              <a:srgbClr val="B4B4B4"/>
+            </a:solidFill>
           </a:ln>
         </p:spPr>
         <p:style>
@@ -7702,52 +9833,7 @@
           </a:fontRef>
         </p:style>
         <p:txBody>
-          <a:bodyPr rtlCol="0" anchor="ctr"/>
-          <a:lstStyle/>
-          <a:p>
-            <a:pPr algn="ctr"/>
-          </a:p>
-        </p:txBody>
-      </p:sp>
-      <p:sp>
-        <p:nvSpPr>
-          <p:cNvPr id="10" name="Rectangle 9"/>
-          <p:cNvSpPr/>
-          <p:nvPr/>
-        </p:nvSpPr>
-        <p:spPr>
-          <a:xfrm>
-            <a:off x="457200" y="8074152"/>
-            <a:ext cx="6858000" cy="1371600"/>
-          </a:xfrm>
-          <a:prstGeom prst="rect">
-            <a:avLst/>
-          </a:prstGeom>
-          <a:solidFill>
-            <a:srgbClr val="F5F5F5"/>
-          </a:solidFill>
-          <a:ln>
-            <a:solidFill>
-              <a:srgbClr val="B4B4B4"/>
-            </a:solidFill>
-          </a:ln>
-        </p:spPr>
-        <p:style>
-          <a:lnRef idx="1">
-            <a:schemeClr val="accent1"/>
-          </a:lnRef>
-          <a:fillRef idx="3">
-            <a:schemeClr val="accent1"/>
-          </a:fillRef>
-          <a:effectRef idx="2">
-            <a:schemeClr val="accent1"/>
-          </a:effectRef>
-          <a:fontRef idx="minor">
-            <a:schemeClr val="lt1"/>
-          </a:fontRef>
-        </p:style>
-        <p:txBody>
-          <a:bodyPr rtlCol="0" anchor="ctr"/>
+          <a:bodyPr rtlCol="0" anchor="ctr" tIns="0" bIns="0" wrap="square"/>
           <a:lstStyle/>
           <a:p>
             <a:pPr algn="ctr"/>
@@ -7758,24 +9844,35 @@
                 <a:spcPct val="150000"/>
               </a:lnSpc>
               <a:spcBef>
-                <a:spcPts val="1000"/>
+                <a:spcPts val="0"/>
               </a:spcBef>
               <a:spcAft>
-                <a:spcPts val="1000"/>
+                <a:spcPts val="0"/>
               </a:spcAft>
               <a:defRPr sz="1200" b="1">
                 <a:solidFill>
                   <a:srgbClr val="000000"/>
                 </a:solidFill>
-                <a:latin typeface="맑은 고딕"/>
               </a:defRPr>
             </a:pPr>
             <a:r>
-              <a:t>(1) aT의 전반적인 업무 이해도를 높이기 위해 어떤 노력을 계획하셨나요?</a:t>
+              <a:t>(1) 정직함과 청렴을 지키기 위해 힘들었던 구체적인 순간은 언제였나요?</a:t>
             </a:r>
             <a:br/>
             <a:r>
-              <a:t>(2) 빅데이터와 인공지능 기술을 통해 농산물 유통의 효율성을 어떻게 높이고자 하셨나요?</a:t>
+              <a:t>(2) 부서 내 갈등을 해결하기 위해 사용한 소통 전략은 무엇이었나요?</a:t>
+            </a:r>
+            <a:br/>
+            <a:r>
+              <a:t>(3) 뒷담화를 극복하는 과정에서 배운 중요한 교훈은 무엇이었나요?</a:t>
+            </a:r>
+            <a:br/>
+            <a:r>
+              <a:t>(4) 뒷담화를 하던 분들과의 관계를 개선한 결정적인 계기는 무엇이었나요?</a:t>
+            </a:r>
+            <a:br/>
+            <a:r>
+              <a:t>(5) 비슷한 갈등 상황에 직면했을 때 계획하고 있는 다른 방법은 무엇인가요?</a:t>
             </a:r>
           </a:p>
         </p:txBody>
@@ -7823,8 +9920,8 @@
         </p:nvSpPr>
         <p:spPr>
           <a:xfrm>
-            <a:off x="457200" y="457200"/>
-            <a:ext cx="2743200" cy="457200"/>
+            <a:off x="352800" y="50400"/>
+            <a:ext cx="2743200" cy="277200"/>
           </a:xfrm>
           <a:prstGeom prst="rect">
             <a:avLst/>
@@ -7838,7 +9935,14 @@
           <a:lstStyle/>
           <a:p/>
           <a:p>
-            <a:pPr algn="l"/>
+            <a:pPr algn="l">
+              <a:spcBef>
+                <a:spcPts val="0"/>
+              </a:spcBef>
+              <a:spcAft>
+                <a:spcPts val="0"/>
+              </a:spcAft>
+            </a:pPr>
             <a:r>
               <a:rPr b="1" sz="1000">
                 <a:latin typeface="맑은 고딕"/>
@@ -7849,7 +9953,7 @@
               <a:rPr b="0" sz="1000">
                 <a:latin typeface="맑은 고딕"/>
               </a:rPr>
-              <a:t>C0100003
+              <a:t>E0402405
 </a:t>
             </a:r>
             <a:r>
@@ -7862,7 +9966,7 @@
               <a:rPr b="0" sz="1000">
                 <a:latin typeface="맑은 고딕"/>
               </a:rPr>
-              <a:t>기본값</a:t>
+              <a:t>지원분야9</a:t>
             </a:r>
           </a:p>
         </p:txBody>
@@ -7875,7 +9979,7 @@
         </p:nvSpPr>
         <p:spPr>
           <a:xfrm>
-            <a:off x="457200" y="1097280"/>
+            <a:off x="352800" y="795600"/>
             <a:ext cx="6858000" cy="457200"/>
           </a:xfrm>
           <a:prstGeom prst="rect">
@@ -7912,7 +10016,7 @@
         </p:nvSpPr>
         <p:spPr>
           <a:xfrm>
-            <a:off x="457200" y="1554480"/>
+            <a:off x="352800" y="1227600"/>
             <a:ext cx="6858000" cy="457200"/>
           </a:xfrm>
           <a:prstGeom prst="rect">
@@ -7928,7 +10032,7 @@
           <a:p/>
           <a:p>
             <a:pPr algn="l">
-              <a:defRPr sz="1000" b="0">
+              <a:defRPr sz="800" b="0">
                 <a:solidFill>
                   <a:srgbClr val="000000"/>
                 </a:solidFill>
@@ -7936,7 +10040,7 @@
               </a:defRPr>
             </a:pPr>
             <a:r>
-              <a:t>질문 : 질문1</a:t>
+              <a:t>질문 : 지원 분야에서 입사 후 이루고자 하는 구체적인 목표를 설정하고, 목표 달성을 위해 본인이 가진 경험과 직무역량을 어떻게 활용할 지 자세하게 기술하여 주십시오. (800자~1,000자)</a:t>
             </a:r>
           </a:p>
         </p:txBody>
@@ -7949,8 +10053,8 @@
         </p:nvSpPr>
         <p:spPr>
           <a:xfrm>
-            <a:off x="457200" y="1691639"/>
-            <a:ext cx="6858000" cy="18288"/>
+            <a:off x="352800" y="1407600"/>
+            <a:ext cx="6858000" cy="18000"/>
           </a:xfrm>
           <a:prstGeom prst="rect">
             <a:avLst/>
@@ -7992,7 +10096,7 @@
         </p:nvSpPr>
         <p:spPr>
           <a:xfrm>
-            <a:off x="457200" y="1600199"/>
+            <a:off x="352800" y="1458000"/>
             <a:ext cx="6858000" cy="1828800"/>
           </a:xfrm>
           <a:prstGeom prst="rect">
@@ -8025,7 +10129,7 @@
                 </a:solidFill>
                 <a:latin typeface="맑은 고딕"/>
               </a:rPr>
-              <a:t>공사 인턴으로 근무하며, 조직 경영 실적 평가와 </a:t>
+              <a:t>[국민 이미지 개선을 통해 발전하는 말산업] 코로나19 이후, 엔터테인먼트 산업은 악화된 </a:t>
             </a:r>
             <a:r>
               <a:rPr u="sng" b="1" sz="1200">
@@ -8034,7 +10138,7 @@
                 </a:solidFill>
                 <a:latin typeface="맑은 고딕"/>
               </a:rPr>
-              <a:t>(1)내부 성과관리에 관한 업무를 경험하고</a:t>
+              <a:t>(1)수익개선과 사회적 책임 실현이라는 요구에 부응할 필요가 있었습니다. 마사회 역시 ESG 및 사회적 책임을 강조하며, 다년간의 기부･봉사활동</a:t>
             </a:r>
             <a:r>
               <a:rPr sz="1200">
@@ -8043,7 +10147,7 @@
                 </a:solidFill>
                 <a:latin typeface="맑은 고딕"/>
               </a:rPr>
-              <a:t> 행정 업무역량을 쌓았습니다. 이 과정에서, 학창 시절 배운 경영 전략 이론들을 실무에 적용하며 전반적인 성과관리 시스템을 파악할 수 있었습니다. 또한, 동종업계의 경영 평가 보고서를 엑셀에 취합하고, 30개가 넘는 부서의 성과지표 보고서를 </a:t>
+              <a:t> 등을 통해 대국민 기업 이미지 제고를 위한 노력을 끊임없이 견주하고 있습니다. 저는 마사회가 기획･운영하는 사업이 특정 집단만이 아닌, 가족을 포함한 온 국민이 즐길 수 있는 여가문화를 지향한다는 점을 체감한적 있습니다. 제가 마사회에 관심을 가지게 된 것은 말을 좋아하는 </a:t>
             </a:r>
             <a:r>
               <a:rPr u="sng" b="1" sz="1200">
@@ -8052,7 +10156,7 @@
                 </a:solidFill>
                 <a:latin typeface="맑은 고딕"/>
               </a:rPr>
-              <a:t>(2)정확하게 관리하여, 기업 간 성과 비교를 효율적으로 할 수 있도록 지원하였고, 데이터를</a:t>
+              <a:t>(2)2살 아들 때문입니다. 처음엔 말을 보러 아이를 데리고 렛츠런 파크에 가는 것이 망설여졌습니다. 종종 미디어에서</a:t>
             </a:r>
             <a:r>
               <a:rPr sz="1200">
@@ -8061,7 +10165,61 @@
                 </a:solidFill>
                 <a:latin typeface="맑은 고딕"/>
               </a:rPr>
-              <a:t> 바탕으로 기업 간 강약점 분석 역량을 키울 수 있었습니다. 또한, 재단 인턴 당시 외국인 내방객들을 응대하며 영어, 중국어, 일본어 의사소통 능력 및 홍보물 경험을 쌓았습니다.이를 바탕으로 해외 시장에서 한국 농수산식품의 우수성과 경쟁력을 효과적으로 홍보하고, 국제 무대에서 해외의 수요기업에 알리기 위한 지속적인 소통에 기여할 수 있을 것입니다. 해외 기업과의 전략적 협력관계를 통해 한국농수산식품유통공사가 글로벌 농수산 강국으로 자리매김하는 데 이바지하겠습니다.</a:t>
+              <a:t> “말 밥 주러 간다”라는 부정적 뉘앙스를 보이는 것처럼, 저도 그런 이미지가 다소 있었기 때문입니다. 하지만 공원에는 아이를 동반한 가족 단위의 사람들이 생각보다 </a:t>
+            </a:r>
+            <a:r>
+              <a:rPr u="sng" b="1" sz="1200">
+                <a:solidFill>
+                  <a:srgbClr val="000000"/>
+                </a:solidFill>
+                <a:latin typeface="맑은 고딕"/>
+              </a:rPr>
+              <a:t>(3)많았고, 아이를 위한 공간도 있어 재방문의사가 생겼습니다. 이를 통해 산업 이미지 개선이 매우 중요하다는 사실을 알게 됐습니다. 저는 이전에 한 기관의 운영지원 부서에서 근무하며, 행사 이미지를 개선한 경험이</a:t>
+            </a:r>
+            <a:r>
+              <a:rPr sz="1200">
+                <a:solidFill>
+                  <a:srgbClr val="000000"/>
+                </a:solidFill>
+                <a:latin typeface="맑은 고딕"/>
+              </a:rPr>
+              <a:t> 있습니다. 당시 회사에서 매년 개최하는 체육대회는 관성적으로 운영하다보니, 참여율이 46% 미만으로 운동하는 사람만 참가하는 행사였습니다. </a:t>
+            </a:r>
+            <a:r>
+              <a:rPr u="sng" b="1" sz="1200">
+                <a:solidFill>
+                  <a:srgbClr val="000000"/>
+                </a:solidFill>
+                <a:latin typeface="맑은 고딕"/>
+              </a:rPr>
+              <a:t>(4)저는 참여율 제고과 이미지 개선을 위해 사내 설문조사 등으로 개선요구사항을 수집하였고, ‘가족들과의 주말 시간을 뺏긴다’는 의견이 가장 많다는 것을 알게 됐습니다.</a:t>
+            </a:r>
+            <a:r>
+              <a:rPr sz="1200">
+                <a:solidFill>
+                  <a:srgbClr val="000000"/>
+                </a:solidFill>
+                <a:latin typeface="맑은 고딕"/>
+              </a:rPr>
+              <a:t> 이에 직원의 가족에 집중하여, 아이･부모 모두 참여하는 명랑운동회 </a:t>
+            </a:r>
+            <a:r>
+              <a:rPr u="sng" b="1" sz="1200">
+                <a:solidFill>
+                  <a:srgbClr val="000000"/>
+                </a:solidFill>
+                <a:latin typeface="맑은 고딕"/>
+              </a:rPr>
+              <a:t>(5)추가, 놀이시설 에어바운스 배치 및 푸드트럭･페이스페인팅 운영을 시행하였습니다. 이 변화로 참여율이 약 17% 증가하였고, 직원들로부터 오히려 아이가</a:t>
+            </a:r>
+            <a:r>
+              <a:rPr sz="1200">
+                <a:solidFill>
+                  <a:srgbClr val="000000"/>
+                </a:solidFill>
+                <a:latin typeface="맑은 고딕"/>
+              </a:rPr>
+              <a:t> 더 좋아했다며, 행사가 매우 만족스럽다는 평가도 받을 수 있었습니다. 마사회가 추진하는 사업들도 국민에게 한걸음 더 다가가 긍정적 이미지를 제고할 수 있는 방법이 더 있을 수 있다고 생각됩니다. 제 경험과 다각도의 접근을 통해 마사회의 발전에 기여하도록 하겠습니다.</a:t>
             </a:r>
           </a:p>
         </p:txBody>
@@ -8074,7 +10232,7 @@
         </p:nvSpPr>
         <p:spPr>
           <a:xfrm>
-            <a:off x="457200" y="7164324"/>
+            <a:off x="288000" y="7531200"/>
             <a:ext cx="6858000" cy="457200"/>
           </a:xfrm>
           <a:prstGeom prst="rect">
@@ -8111,17 +10269,19 @@
         </p:nvSpPr>
         <p:spPr>
           <a:xfrm>
-            <a:off x="457200" y="7758683"/>
-            <a:ext cx="6858000" cy="18288"/>
+            <a:off x="352800" y="8280000"/>
+            <a:ext cx="6858000" cy="1371600"/>
           </a:xfrm>
           <a:prstGeom prst="rect">
             <a:avLst/>
           </a:prstGeom>
           <a:solidFill>
-            <a:srgbClr val="C8C8C8"/>
+            <a:srgbClr val="F5F5F5"/>
           </a:solidFill>
           <a:ln>
-            <a:noFill/>
+            <a:solidFill>
+              <a:srgbClr val="B4B4B4"/>
+            </a:solidFill>
           </a:ln>
         </p:spPr>
         <p:style>
@@ -8139,52 +10299,7 @@
           </a:fontRef>
         </p:style>
         <p:txBody>
-          <a:bodyPr rtlCol="0" anchor="ctr"/>
-          <a:lstStyle/>
-          <a:p>
-            <a:pPr algn="ctr"/>
-          </a:p>
-        </p:txBody>
-      </p:sp>
-      <p:sp>
-        <p:nvSpPr>
-          <p:cNvPr id="10" name="Rectangle 9"/>
-          <p:cNvSpPr/>
-          <p:nvPr/>
-        </p:nvSpPr>
-        <p:spPr>
-          <a:xfrm>
-            <a:off x="457200" y="8078724"/>
-            <a:ext cx="6858000" cy="1371600"/>
-          </a:xfrm>
-          <a:prstGeom prst="rect">
-            <a:avLst/>
-          </a:prstGeom>
-          <a:solidFill>
-            <a:srgbClr val="F5F5F5"/>
-          </a:solidFill>
-          <a:ln>
-            <a:solidFill>
-              <a:srgbClr val="B4B4B4"/>
-            </a:solidFill>
-          </a:ln>
-        </p:spPr>
-        <p:style>
-          <a:lnRef idx="1">
-            <a:schemeClr val="accent1"/>
-          </a:lnRef>
-          <a:fillRef idx="3">
-            <a:schemeClr val="accent1"/>
-          </a:fillRef>
-          <a:effectRef idx="2">
-            <a:schemeClr val="accent1"/>
-          </a:effectRef>
-          <a:fontRef idx="minor">
-            <a:schemeClr val="lt1"/>
-          </a:fontRef>
-        </p:style>
-        <p:txBody>
-          <a:bodyPr rtlCol="0" anchor="ctr"/>
+          <a:bodyPr rtlCol="0" anchor="ctr" tIns="0" bIns="0" wrap="square"/>
           <a:lstStyle/>
           <a:p>
             <a:pPr algn="ctr"/>
@@ -8195,24 +10310,35 @@
                 <a:spcPct val="150000"/>
               </a:lnSpc>
               <a:spcBef>
-                <a:spcPts val="1000"/>
+                <a:spcPts val="0"/>
               </a:spcBef>
               <a:spcAft>
-                <a:spcPts val="1000"/>
+                <a:spcPts val="0"/>
               </a:spcAft>
               <a:defRPr sz="1200" b="1">
                 <a:solidFill>
                   <a:srgbClr val="000000"/>
                 </a:solidFill>
-                <a:latin typeface="맑은 고딕"/>
               </a:defRPr>
             </a:pPr>
             <a:r>
-              <a:t>(1) 조직 경영 실적 평가 업무에서 얻은 주요 교훈은 무엇인가요?</a:t>
+              <a:t>(1) 어떤 요인들이 마사회의 긍정적 이미지 제고에 기여한다고 생각하시나요?</a:t>
             </a:r>
             <a:br/>
             <a:r>
-              <a:t>(2) 기업 간 강약점을 분석한 경험이 향후 업무에 어떻게 도움이 될까요?</a:t>
+              <a:t>(2) 아이와 재방문 의사가 생겼다는 경험이 마사회 이미지에 어떤 영향을 미쳤나요?</a:t>
+            </a:r>
+            <a:br/>
+            <a:r>
+              <a:t>(3) 이전 직장에서 참여율과 이미지를 개선한 경험을 어떻게 마사회에 적용할 계획인가요?</a:t>
+            </a:r>
+            <a:br/>
+            <a:r>
+              <a:t>(4) 사내 설문조사를 통해 어떤 개선 요구를 발견하셨나요?</a:t>
+            </a:r>
+            <a:br/>
+            <a:r>
+              <a:t>(5) 가족 중심 활동이 참여율 개선에 어떤 역할을 했나요?</a:t>
             </a:r>
           </a:p>
         </p:txBody>

--- a/flask-server/outputs/output.pptx
+++ b/flask-server/outputs/output.pptx
@@ -3477,6 +3477,49 @@
         </p:nvSpPr>
         <p:spPr>
           <a:xfrm>
+            <a:off x="352800" y="8125200"/>
+            <a:ext cx="6858000" cy="18000"/>
+          </a:xfrm>
+          <a:prstGeom prst="rect">
+            <a:avLst/>
+          </a:prstGeom>
+          <a:solidFill>
+            <a:srgbClr val="C8C8C8"/>
+          </a:solidFill>
+          <a:ln>
+            <a:noFill/>
+          </a:ln>
+        </p:spPr>
+        <p:style>
+          <a:lnRef idx="1">
+            <a:schemeClr val="accent1"/>
+          </a:lnRef>
+          <a:fillRef idx="3">
+            <a:schemeClr val="accent1"/>
+          </a:fillRef>
+          <a:effectRef idx="2">
+            <a:schemeClr val="accent1"/>
+          </a:effectRef>
+          <a:fontRef idx="minor">
+            <a:schemeClr val="lt1"/>
+          </a:fontRef>
+        </p:style>
+        <p:txBody>
+          <a:bodyPr rtlCol="0" anchor="ctr"/>
+          <a:lstStyle/>
+          <a:p>
+            <a:pPr algn="ctr"/>
+          </a:p>
+        </p:txBody>
+      </p:sp>
+      <p:sp>
+        <p:nvSpPr>
+          <p:cNvPr id="10" name="Rectangle 9"/>
+          <p:cNvSpPr/>
+          <p:nvPr/>
+        </p:nvSpPr>
+        <p:spPr>
+          <a:xfrm>
             <a:off x="352800" y="8280000"/>
             <a:ext cx="6858000" cy="1371600"/>
           </a:xfrm>
@@ -3507,7 +3550,7 @@
           </a:fontRef>
         </p:style>
         <p:txBody>
-          <a:bodyPr rtlCol="0" anchor="ctr" tIns="0" bIns="0" wrap="square"/>
+          <a:bodyPr rtlCol="0" anchor="ctr"/>
           <a:lstStyle/>
           <a:p>
             <a:pPr algn="ctr"/>
@@ -3518,10 +3561,10 @@
                 <a:spcPct val="150000"/>
               </a:lnSpc>
               <a:spcBef>
-                <a:spcPts val="0"/>
+                <a:spcPts val="1000"/>
               </a:spcBef>
               <a:spcAft>
-                <a:spcPts val="0"/>
+                <a:spcPts val="1000"/>
               </a:spcAft>
               <a:defRPr sz="1200" b="1">
                 <a:solidFill>
@@ -3916,6 +3959,49 @@
         </p:nvSpPr>
         <p:spPr>
           <a:xfrm>
+            <a:off x="352800" y="8125200"/>
+            <a:ext cx="6858000" cy="18000"/>
+          </a:xfrm>
+          <a:prstGeom prst="rect">
+            <a:avLst/>
+          </a:prstGeom>
+          <a:solidFill>
+            <a:srgbClr val="C8C8C8"/>
+          </a:solidFill>
+          <a:ln>
+            <a:noFill/>
+          </a:ln>
+        </p:spPr>
+        <p:style>
+          <a:lnRef idx="1">
+            <a:schemeClr val="accent1"/>
+          </a:lnRef>
+          <a:fillRef idx="3">
+            <a:schemeClr val="accent1"/>
+          </a:fillRef>
+          <a:effectRef idx="2">
+            <a:schemeClr val="accent1"/>
+          </a:effectRef>
+          <a:fontRef idx="minor">
+            <a:schemeClr val="lt1"/>
+          </a:fontRef>
+        </p:style>
+        <p:txBody>
+          <a:bodyPr rtlCol="0" anchor="ctr"/>
+          <a:lstStyle/>
+          <a:p>
+            <a:pPr algn="ctr"/>
+          </a:p>
+        </p:txBody>
+      </p:sp>
+      <p:sp>
+        <p:nvSpPr>
+          <p:cNvPr id="10" name="Rectangle 9"/>
+          <p:cNvSpPr/>
+          <p:nvPr/>
+        </p:nvSpPr>
+        <p:spPr>
+          <a:xfrm>
             <a:off x="352800" y="8280000"/>
             <a:ext cx="6858000" cy="1371600"/>
           </a:xfrm>
@@ -3946,7 +4032,7 @@
           </a:fontRef>
         </p:style>
         <p:txBody>
-          <a:bodyPr rtlCol="0" anchor="ctr" tIns="0" bIns="0" wrap="square"/>
+          <a:bodyPr rtlCol="0" anchor="ctr"/>
           <a:lstStyle/>
           <a:p>
             <a:pPr algn="ctr"/>
@@ -3957,10 +4043,10 @@
                 <a:spcPct val="150000"/>
               </a:lnSpc>
               <a:spcBef>
-                <a:spcPts val="0"/>
+                <a:spcPts val="1000"/>
               </a:spcBef>
               <a:spcAft>
-                <a:spcPts val="0"/>
+                <a:spcPts val="1000"/>
               </a:spcAft>
               <a:defRPr sz="1200" b="1">
                 <a:solidFill>
@@ -4355,6 +4441,49 @@
         </p:nvSpPr>
         <p:spPr>
           <a:xfrm>
+            <a:off x="352800" y="8125200"/>
+            <a:ext cx="6858000" cy="18000"/>
+          </a:xfrm>
+          <a:prstGeom prst="rect">
+            <a:avLst/>
+          </a:prstGeom>
+          <a:solidFill>
+            <a:srgbClr val="C8C8C8"/>
+          </a:solidFill>
+          <a:ln>
+            <a:noFill/>
+          </a:ln>
+        </p:spPr>
+        <p:style>
+          <a:lnRef idx="1">
+            <a:schemeClr val="accent1"/>
+          </a:lnRef>
+          <a:fillRef idx="3">
+            <a:schemeClr val="accent1"/>
+          </a:fillRef>
+          <a:effectRef idx="2">
+            <a:schemeClr val="accent1"/>
+          </a:effectRef>
+          <a:fontRef idx="minor">
+            <a:schemeClr val="lt1"/>
+          </a:fontRef>
+        </p:style>
+        <p:txBody>
+          <a:bodyPr rtlCol="0" anchor="ctr"/>
+          <a:lstStyle/>
+          <a:p>
+            <a:pPr algn="ctr"/>
+          </a:p>
+        </p:txBody>
+      </p:sp>
+      <p:sp>
+        <p:nvSpPr>
+          <p:cNvPr id="10" name="Rectangle 9"/>
+          <p:cNvSpPr/>
+          <p:nvPr/>
+        </p:nvSpPr>
+        <p:spPr>
+          <a:xfrm>
             <a:off x="352800" y="8280000"/>
             <a:ext cx="6858000" cy="1371600"/>
           </a:xfrm>
@@ -4385,7 +4514,7 @@
           </a:fontRef>
         </p:style>
         <p:txBody>
-          <a:bodyPr rtlCol="0" anchor="ctr" tIns="0" bIns="0" wrap="square"/>
+          <a:bodyPr rtlCol="0" anchor="ctr"/>
           <a:lstStyle/>
           <a:p>
             <a:pPr algn="ctr"/>
@@ -4396,10 +4525,10 @@
                 <a:spcPct val="150000"/>
               </a:lnSpc>
               <a:spcBef>
-                <a:spcPts val="0"/>
+                <a:spcPts val="1000"/>
               </a:spcBef>
               <a:spcAft>
-                <a:spcPts val="0"/>
+                <a:spcPts val="1000"/>
               </a:spcAft>
               <a:defRPr sz="1200" b="1">
                 <a:solidFill>
@@ -4794,6 +4923,49 @@
         </p:nvSpPr>
         <p:spPr>
           <a:xfrm>
+            <a:off x="352800" y="8125200"/>
+            <a:ext cx="6858000" cy="18000"/>
+          </a:xfrm>
+          <a:prstGeom prst="rect">
+            <a:avLst/>
+          </a:prstGeom>
+          <a:solidFill>
+            <a:srgbClr val="C8C8C8"/>
+          </a:solidFill>
+          <a:ln>
+            <a:noFill/>
+          </a:ln>
+        </p:spPr>
+        <p:style>
+          <a:lnRef idx="1">
+            <a:schemeClr val="accent1"/>
+          </a:lnRef>
+          <a:fillRef idx="3">
+            <a:schemeClr val="accent1"/>
+          </a:fillRef>
+          <a:effectRef idx="2">
+            <a:schemeClr val="accent1"/>
+          </a:effectRef>
+          <a:fontRef idx="minor">
+            <a:schemeClr val="lt1"/>
+          </a:fontRef>
+        </p:style>
+        <p:txBody>
+          <a:bodyPr rtlCol="0" anchor="ctr"/>
+          <a:lstStyle/>
+          <a:p>
+            <a:pPr algn="ctr"/>
+          </a:p>
+        </p:txBody>
+      </p:sp>
+      <p:sp>
+        <p:nvSpPr>
+          <p:cNvPr id="10" name="Rectangle 9"/>
+          <p:cNvSpPr/>
+          <p:nvPr/>
+        </p:nvSpPr>
+        <p:spPr>
+          <a:xfrm>
             <a:off x="352800" y="8280000"/>
             <a:ext cx="6858000" cy="1371600"/>
           </a:xfrm>
@@ -4824,7 +4996,7 @@
           </a:fontRef>
         </p:style>
         <p:txBody>
-          <a:bodyPr rtlCol="0" anchor="ctr" tIns="0" bIns="0" wrap="square"/>
+          <a:bodyPr rtlCol="0" anchor="ctr"/>
           <a:lstStyle/>
           <a:p>
             <a:pPr algn="ctr"/>
@@ -4835,10 +5007,10 @@
                 <a:spcPct val="150000"/>
               </a:lnSpc>
               <a:spcBef>
-                <a:spcPts val="0"/>
+                <a:spcPts val="1000"/>
               </a:spcBef>
               <a:spcAft>
-                <a:spcPts val="0"/>
+                <a:spcPts val="1000"/>
               </a:spcAft>
               <a:defRPr sz="1200" b="1">
                 <a:solidFill>
@@ -5260,6 +5432,49 @@
         </p:nvSpPr>
         <p:spPr>
           <a:xfrm>
+            <a:off x="352800" y="8125200"/>
+            <a:ext cx="6858000" cy="18000"/>
+          </a:xfrm>
+          <a:prstGeom prst="rect">
+            <a:avLst/>
+          </a:prstGeom>
+          <a:solidFill>
+            <a:srgbClr val="C8C8C8"/>
+          </a:solidFill>
+          <a:ln>
+            <a:noFill/>
+          </a:ln>
+        </p:spPr>
+        <p:style>
+          <a:lnRef idx="1">
+            <a:schemeClr val="accent1"/>
+          </a:lnRef>
+          <a:fillRef idx="3">
+            <a:schemeClr val="accent1"/>
+          </a:fillRef>
+          <a:effectRef idx="2">
+            <a:schemeClr val="accent1"/>
+          </a:effectRef>
+          <a:fontRef idx="minor">
+            <a:schemeClr val="lt1"/>
+          </a:fontRef>
+        </p:style>
+        <p:txBody>
+          <a:bodyPr rtlCol="0" anchor="ctr"/>
+          <a:lstStyle/>
+          <a:p>
+            <a:pPr algn="ctr"/>
+          </a:p>
+        </p:txBody>
+      </p:sp>
+      <p:sp>
+        <p:nvSpPr>
+          <p:cNvPr id="10" name="Rectangle 9"/>
+          <p:cNvSpPr/>
+          <p:nvPr/>
+        </p:nvSpPr>
+        <p:spPr>
+          <a:xfrm>
             <a:off x="352800" y="8280000"/>
             <a:ext cx="6858000" cy="1371600"/>
           </a:xfrm>
@@ -5290,7 +5505,7 @@
           </a:fontRef>
         </p:style>
         <p:txBody>
-          <a:bodyPr rtlCol="0" anchor="ctr" tIns="0" bIns="0" wrap="square"/>
+          <a:bodyPr rtlCol="0" anchor="ctr"/>
           <a:lstStyle/>
           <a:p>
             <a:pPr algn="ctr"/>
@@ -5301,10 +5516,10 @@
                 <a:spcPct val="150000"/>
               </a:lnSpc>
               <a:spcBef>
-                <a:spcPts val="0"/>
+                <a:spcPts val="1000"/>
               </a:spcBef>
               <a:spcAft>
-                <a:spcPts val="0"/>
+                <a:spcPts val="1000"/>
               </a:spcAft>
               <a:defRPr sz="1200" b="1">
                 <a:solidFill>
@@ -5708,6 +5923,49 @@
         </p:nvSpPr>
         <p:spPr>
           <a:xfrm>
+            <a:off x="352800" y="8125200"/>
+            <a:ext cx="6858000" cy="18000"/>
+          </a:xfrm>
+          <a:prstGeom prst="rect">
+            <a:avLst/>
+          </a:prstGeom>
+          <a:solidFill>
+            <a:srgbClr val="C8C8C8"/>
+          </a:solidFill>
+          <a:ln>
+            <a:noFill/>
+          </a:ln>
+        </p:spPr>
+        <p:style>
+          <a:lnRef idx="1">
+            <a:schemeClr val="accent1"/>
+          </a:lnRef>
+          <a:fillRef idx="3">
+            <a:schemeClr val="accent1"/>
+          </a:fillRef>
+          <a:effectRef idx="2">
+            <a:schemeClr val="accent1"/>
+          </a:effectRef>
+          <a:fontRef idx="minor">
+            <a:schemeClr val="lt1"/>
+          </a:fontRef>
+        </p:style>
+        <p:txBody>
+          <a:bodyPr rtlCol="0" anchor="ctr"/>
+          <a:lstStyle/>
+          <a:p>
+            <a:pPr algn="ctr"/>
+          </a:p>
+        </p:txBody>
+      </p:sp>
+      <p:sp>
+        <p:nvSpPr>
+          <p:cNvPr id="10" name="Rectangle 9"/>
+          <p:cNvSpPr/>
+          <p:nvPr/>
+        </p:nvSpPr>
+        <p:spPr>
+          <a:xfrm>
             <a:off x="352800" y="8280000"/>
             <a:ext cx="6858000" cy="1371600"/>
           </a:xfrm>
@@ -5738,7 +5996,7 @@
           </a:fontRef>
         </p:style>
         <p:txBody>
-          <a:bodyPr rtlCol="0" anchor="ctr" tIns="0" bIns="0" wrap="square"/>
+          <a:bodyPr rtlCol="0" anchor="ctr"/>
           <a:lstStyle/>
           <a:p>
             <a:pPr algn="ctr"/>
@@ -5749,10 +6007,10 @@
                 <a:spcPct val="150000"/>
               </a:lnSpc>
               <a:spcBef>
-                <a:spcPts val="0"/>
+                <a:spcPts val="1000"/>
               </a:spcBef>
               <a:spcAft>
-                <a:spcPts val="0"/>
+                <a:spcPts val="1000"/>
               </a:spcAft>
               <a:defRPr sz="1200" b="1">
                 <a:solidFill>
@@ -6174,6 +6432,49 @@
         </p:nvSpPr>
         <p:spPr>
           <a:xfrm>
+            <a:off x="352800" y="8125200"/>
+            <a:ext cx="6858000" cy="18000"/>
+          </a:xfrm>
+          <a:prstGeom prst="rect">
+            <a:avLst/>
+          </a:prstGeom>
+          <a:solidFill>
+            <a:srgbClr val="C8C8C8"/>
+          </a:solidFill>
+          <a:ln>
+            <a:noFill/>
+          </a:ln>
+        </p:spPr>
+        <p:style>
+          <a:lnRef idx="1">
+            <a:schemeClr val="accent1"/>
+          </a:lnRef>
+          <a:fillRef idx="3">
+            <a:schemeClr val="accent1"/>
+          </a:fillRef>
+          <a:effectRef idx="2">
+            <a:schemeClr val="accent1"/>
+          </a:effectRef>
+          <a:fontRef idx="minor">
+            <a:schemeClr val="lt1"/>
+          </a:fontRef>
+        </p:style>
+        <p:txBody>
+          <a:bodyPr rtlCol="0" anchor="ctr"/>
+          <a:lstStyle/>
+          <a:p>
+            <a:pPr algn="ctr"/>
+          </a:p>
+        </p:txBody>
+      </p:sp>
+      <p:sp>
+        <p:nvSpPr>
+          <p:cNvPr id="10" name="Rectangle 9"/>
+          <p:cNvSpPr/>
+          <p:nvPr/>
+        </p:nvSpPr>
+        <p:spPr>
+          <a:xfrm>
             <a:off x="352800" y="8280000"/>
             <a:ext cx="6858000" cy="1371600"/>
           </a:xfrm>
@@ -6204,7 +6505,7 @@
           </a:fontRef>
         </p:style>
         <p:txBody>
-          <a:bodyPr rtlCol="0" anchor="ctr" tIns="0" bIns="0" wrap="square"/>
+          <a:bodyPr rtlCol="0" anchor="ctr"/>
           <a:lstStyle/>
           <a:p>
             <a:pPr algn="ctr"/>
@@ -6215,10 +6516,10 @@
                 <a:spcPct val="150000"/>
               </a:lnSpc>
               <a:spcBef>
-                <a:spcPts val="0"/>
+                <a:spcPts val="1000"/>
               </a:spcBef>
               <a:spcAft>
-                <a:spcPts val="0"/>
+                <a:spcPts val="1000"/>
               </a:spcAft>
               <a:defRPr sz="1200" b="1">
                 <a:solidFill>
@@ -6613,6 +6914,49 @@
         </p:nvSpPr>
         <p:spPr>
           <a:xfrm>
+            <a:off x="352800" y="8125200"/>
+            <a:ext cx="6858000" cy="18000"/>
+          </a:xfrm>
+          <a:prstGeom prst="rect">
+            <a:avLst/>
+          </a:prstGeom>
+          <a:solidFill>
+            <a:srgbClr val="C8C8C8"/>
+          </a:solidFill>
+          <a:ln>
+            <a:noFill/>
+          </a:ln>
+        </p:spPr>
+        <p:style>
+          <a:lnRef idx="1">
+            <a:schemeClr val="accent1"/>
+          </a:lnRef>
+          <a:fillRef idx="3">
+            <a:schemeClr val="accent1"/>
+          </a:fillRef>
+          <a:effectRef idx="2">
+            <a:schemeClr val="accent1"/>
+          </a:effectRef>
+          <a:fontRef idx="minor">
+            <a:schemeClr val="lt1"/>
+          </a:fontRef>
+        </p:style>
+        <p:txBody>
+          <a:bodyPr rtlCol="0" anchor="ctr"/>
+          <a:lstStyle/>
+          <a:p>
+            <a:pPr algn="ctr"/>
+          </a:p>
+        </p:txBody>
+      </p:sp>
+      <p:sp>
+        <p:nvSpPr>
+          <p:cNvPr id="10" name="Rectangle 9"/>
+          <p:cNvSpPr/>
+          <p:nvPr/>
+        </p:nvSpPr>
+        <p:spPr>
+          <a:xfrm>
             <a:off x="352800" y="8280000"/>
             <a:ext cx="6858000" cy="1371600"/>
           </a:xfrm>
@@ -6643,7 +6987,7 @@
           </a:fontRef>
         </p:style>
         <p:txBody>
-          <a:bodyPr rtlCol="0" anchor="ctr" tIns="0" bIns="0" wrap="square"/>
+          <a:bodyPr rtlCol="0" anchor="ctr"/>
           <a:lstStyle/>
           <a:p>
             <a:pPr algn="ctr"/>
@@ -6654,10 +6998,10 @@
                 <a:spcPct val="150000"/>
               </a:lnSpc>
               <a:spcBef>
-                <a:spcPts val="0"/>
+                <a:spcPts val="1000"/>
               </a:spcBef>
               <a:spcAft>
-                <a:spcPts val="0"/>
+                <a:spcPts val="1000"/>
               </a:spcAft>
               <a:defRPr sz="1200" b="1">
                 <a:solidFill>
@@ -7061,6 +7405,49 @@
         </p:nvSpPr>
         <p:spPr>
           <a:xfrm>
+            <a:off x="352800" y="8125200"/>
+            <a:ext cx="6858000" cy="18000"/>
+          </a:xfrm>
+          <a:prstGeom prst="rect">
+            <a:avLst/>
+          </a:prstGeom>
+          <a:solidFill>
+            <a:srgbClr val="C8C8C8"/>
+          </a:solidFill>
+          <a:ln>
+            <a:noFill/>
+          </a:ln>
+        </p:spPr>
+        <p:style>
+          <a:lnRef idx="1">
+            <a:schemeClr val="accent1"/>
+          </a:lnRef>
+          <a:fillRef idx="3">
+            <a:schemeClr val="accent1"/>
+          </a:fillRef>
+          <a:effectRef idx="2">
+            <a:schemeClr val="accent1"/>
+          </a:effectRef>
+          <a:fontRef idx="minor">
+            <a:schemeClr val="lt1"/>
+          </a:fontRef>
+        </p:style>
+        <p:txBody>
+          <a:bodyPr rtlCol="0" anchor="ctr"/>
+          <a:lstStyle/>
+          <a:p>
+            <a:pPr algn="ctr"/>
+          </a:p>
+        </p:txBody>
+      </p:sp>
+      <p:sp>
+        <p:nvSpPr>
+          <p:cNvPr id="10" name="Rectangle 9"/>
+          <p:cNvSpPr/>
+          <p:nvPr/>
+        </p:nvSpPr>
+        <p:spPr>
+          <a:xfrm>
             <a:off x="352800" y="8280000"/>
             <a:ext cx="6858000" cy="1371600"/>
           </a:xfrm>
@@ -7091,7 +7478,7 @@
           </a:fontRef>
         </p:style>
         <p:txBody>
-          <a:bodyPr rtlCol="0" anchor="ctr" tIns="0" bIns="0" wrap="square"/>
+          <a:bodyPr rtlCol="0" anchor="ctr"/>
           <a:lstStyle/>
           <a:p>
             <a:pPr algn="ctr"/>
@@ -7102,10 +7489,10 @@
                 <a:spcPct val="150000"/>
               </a:lnSpc>
               <a:spcBef>
-                <a:spcPts val="0"/>
+                <a:spcPts val="1000"/>
               </a:spcBef>
               <a:spcAft>
-                <a:spcPts val="0"/>
+                <a:spcPts val="1000"/>
               </a:spcAft>
               <a:defRPr sz="1200" b="1">
                 <a:solidFill>
@@ -7527,6 +7914,49 @@
         </p:nvSpPr>
         <p:spPr>
           <a:xfrm>
+            <a:off x="352800" y="8125200"/>
+            <a:ext cx="6858000" cy="18000"/>
+          </a:xfrm>
+          <a:prstGeom prst="rect">
+            <a:avLst/>
+          </a:prstGeom>
+          <a:solidFill>
+            <a:srgbClr val="C8C8C8"/>
+          </a:solidFill>
+          <a:ln>
+            <a:noFill/>
+          </a:ln>
+        </p:spPr>
+        <p:style>
+          <a:lnRef idx="1">
+            <a:schemeClr val="accent1"/>
+          </a:lnRef>
+          <a:fillRef idx="3">
+            <a:schemeClr val="accent1"/>
+          </a:fillRef>
+          <a:effectRef idx="2">
+            <a:schemeClr val="accent1"/>
+          </a:effectRef>
+          <a:fontRef idx="minor">
+            <a:schemeClr val="lt1"/>
+          </a:fontRef>
+        </p:style>
+        <p:txBody>
+          <a:bodyPr rtlCol="0" anchor="ctr"/>
+          <a:lstStyle/>
+          <a:p>
+            <a:pPr algn="ctr"/>
+          </a:p>
+        </p:txBody>
+      </p:sp>
+      <p:sp>
+        <p:nvSpPr>
+          <p:cNvPr id="10" name="Rectangle 9"/>
+          <p:cNvSpPr/>
+          <p:nvPr/>
+        </p:nvSpPr>
+        <p:spPr>
+          <a:xfrm>
             <a:off x="352800" y="8280000"/>
             <a:ext cx="6858000" cy="1371600"/>
           </a:xfrm>
@@ -7557,7 +7987,7 @@
           </a:fontRef>
         </p:style>
         <p:txBody>
-          <a:bodyPr rtlCol="0" anchor="ctr" tIns="0" bIns="0" wrap="square"/>
+          <a:bodyPr rtlCol="0" anchor="ctr"/>
           <a:lstStyle/>
           <a:p>
             <a:pPr algn="ctr"/>
@@ -7568,10 +7998,10 @@
                 <a:spcPct val="150000"/>
               </a:lnSpc>
               <a:spcBef>
-                <a:spcPts val="0"/>
+                <a:spcPts val="1000"/>
               </a:spcBef>
               <a:spcAft>
-                <a:spcPts val="0"/>
+                <a:spcPts val="1000"/>
               </a:spcAft>
               <a:defRPr sz="1200" b="1">
                 <a:solidFill>
@@ -7984,6 +8414,49 @@
         </p:nvSpPr>
         <p:spPr>
           <a:xfrm>
+            <a:off x="352800" y="8125200"/>
+            <a:ext cx="6858000" cy="18000"/>
+          </a:xfrm>
+          <a:prstGeom prst="rect">
+            <a:avLst/>
+          </a:prstGeom>
+          <a:solidFill>
+            <a:srgbClr val="C8C8C8"/>
+          </a:solidFill>
+          <a:ln>
+            <a:noFill/>
+          </a:ln>
+        </p:spPr>
+        <p:style>
+          <a:lnRef idx="1">
+            <a:schemeClr val="accent1"/>
+          </a:lnRef>
+          <a:fillRef idx="3">
+            <a:schemeClr val="accent1"/>
+          </a:fillRef>
+          <a:effectRef idx="2">
+            <a:schemeClr val="accent1"/>
+          </a:effectRef>
+          <a:fontRef idx="minor">
+            <a:schemeClr val="lt1"/>
+          </a:fontRef>
+        </p:style>
+        <p:txBody>
+          <a:bodyPr rtlCol="0" anchor="ctr"/>
+          <a:lstStyle/>
+          <a:p>
+            <a:pPr algn="ctr"/>
+          </a:p>
+        </p:txBody>
+      </p:sp>
+      <p:sp>
+        <p:nvSpPr>
+          <p:cNvPr id="10" name="Rectangle 9"/>
+          <p:cNvSpPr/>
+          <p:nvPr/>
+        </p:nvSpPr>
+        <p:spPr>
+          <a:xfrm>
             <a:off x="352800" y="8280000"/>
             <a:ext cx="6858000" cy="1371600"/>
           </a:xfrm>
@@ -8014,7 +8487,7 @@
           </a:fontRef>
         </p:style>
         <p:txBody>
-          <a:bodyPr rtlCol="0" anchor="ctr" tIns="0" bIns="0" wrap="square"/>
+          <a:bodyPr rtlCol="0" anchor="ctr"/>
           <a:lstStyle/>
           <a:p>
             <a:pPr algn="ctr"/>
@@ -8025,10 +8498,10 @@
                 <a:spcPct val="150000"/>
               </a:lnSpc>
               <a:spcBef>
-                <a:spcPts val="0"/>
+                <a:spcPts val="1000"/>
               </a:spcBef>
               <a:spcAft>
-                <a:spcPts val="0"/>
+                <a:spcPts val="1000"/>
               </a:spcAft>
               <a:defRPr sz="1200" b="1">
                 <a:solidFill>
@@ -8450,6 +8923,49 @@
         </p:nvSpPr>
         <p:spPr>
           <a:xfrm>
+            <a:off x="352800" y="8125200"/>
+            <a:ext cx="6858000" cy="18000"/>
+          </a:xfrm>
+          <a:prstGeom prst="rect">
+            <a:avLst/>
+          </a:prstGeom>
+          <a:solidFill>
+            <a:srgbClr val="C8C8C8"/>
+          </a:solidFill>
+          <a:ln>
+            <a:noFill/>
+          </a:ln>
+        </p:spPr>
+        <p:style>
+          <a:lnRef idx="1">
+            <a:schemeClr val="accent1"/>
+          </a:lnRef>
+          <a:fillRef idx="3">
+            <a:schemeClr val="accent1"/>
+          </a:fillRef>
+          <a:effectRef idx="2">
+            <a:schemeClr val="accent1"/>
+          </a:effectRef>
+          <a:fontRef idx="minor">
+            <a:schemeClr val="lt1"/>
+          </a:fontRef>
+        </p:style>
+        <p:txBody>
+          <a:bodyPr rtlCol="0" anchor="ctr"/>
+          <a:lstStyle/>
+          <a:p>
+            <a:pPr algn="ctr"/>
+          </a:p>
+        </p:txBody>
+      </p:sp>
+      <p:sp>
+        <p:nvSpPr>
+          <p:cNvPr id="10" name="Rectangle 9"/>
+          <p:cNvSpPr/>
+          <p:nvPr/>
+        </p:nvSpPr>
+        <p:spPr>
+          <a:xfrm>
             <a:off x="352800" y="8280000"/>
             <a:ext cx="6858000" cy="1371600"/>
           </a:xfrm>
@@ -8480,7 +8996,7 @@
           </a:fontRef>
         </p:style>
         <p:txBody>
-          <a:bodyPr rtlCol="0" anchor="ctr" tIns="0" bIns="0" wrap="square"/>
+          <a:bodyPr rtlCol="0" anchor="ctr"/>
           <a:lstStyle/>
           <a:p>
             <a:pPr algn="ctr"/>
@@ -8491,10 +9007,10 @@
                 <a:spcPct val="150000"/>
               </a:lnSpc>
               <a:spcBef>
-                <a:spcPts val="0"/>
+                <a:spcPts val="1000"/>
               </a:spcBef>
               <a:spcAft>
-                <a:spcPts val="0"/>
+                <a:spcPts val="1000"/>
               </a:spcAft>
               <a:defRPr sz="1200" b="1">
                 <a:solidFill>
@@ -8907,6 +9423,49 @@
         </p:nvSpPr>
         <p:spPr>
           <a:xfrm>
+            <a:off x="352800" y="8125200"/>
+            <a:ext cx="6858000" cy="18000"/>
+          </a:xfrm>
+          <a:prstGeom prst="rect">
+            <a:avLst/>
+          </a:prstGeom>
+          <a:solidFill>
+            <a:srgbClr val="C8C8C8"/>
+          </a:solidFill>
+          <a:ln>
+            <a:noFill/>
+          </a:ln>
+        </p:spPr>
+        <p:style>
+          <a:lnRef idx="1">
+            <a:schemeClr val="accent1"/>
+          </a:lnRef>
+          <a:fillRef idx="3">
+            <a:schemeClr val="accent1"/>
+          </a:fillRef>
+          <a:effectRef idx="2">
+            <a:schemeClr val="accent1"/>
+          </a:effectRef>
+          <a:fontRef idx="minor">
+            <a:schemeClr val="lt1"/>
+          </a:fontRef>
+        </p:style>
+        <p:txBody>
+          <a:bodyPr rtlCol="0" anchor="ctr"/>
+          <a:lstStyle/>
+          <a:p>
+            <a:pPr algn="ctr"/>
+          </a:p>
+        </p:txBody>
+      </p:sp>
+      <p:sp>
+        <p:nvSpPr>
+          <p:cNvPr id="10" name="Rectangle 9"/>
+          <p:cNvSpPr/>
+          <p:nvPr/>
+        </p:nvSpPr>
+        <p:spPr>
+          <a:xfrm>
             <a:off x="352800" y="8280000"/>
             <a:ext cx="6858000" cy="1371600"/>
           </a:xfrm>
@@ -8937,7 +9496,7 @@
           </a:fontRef>
         </p:style>
         <p:txBody>
-          <a:bodyPr rtlCol="0" anchor="ctr" tIns="0" bIns="0" wrap="square"/>
+          <a:bodyPr rtlCol="0" anchor="ctr"/>
           <a:lstStyle/>
           <a:p>
             <a:pPr algn="ctr"/>
@@ -8948,10 +9507,10 @@
                 <a:spcPct val="150000"/>
               </a:lnSpc>
               <a:spcBef>
-                <a:spcPts val="0"/>
+                <a:spcPts val="1000"/>
               </a:spcBef>
               <a:spcAft>
-                <a:spcPts val="0"/>
+                <a:spcPts val="1000"/>
               </a:spcAft>
               <a:defRPr sz="1200" b="1">
                 <a:solidFill>
@@ -9355,6 +9914,49 @@
         </p:nvSpPr>
         <p:spPr>
           <a:xfrm>
+            <a:off x="352800" y="8125200"/>
+            <a:ext cx="6858000" cy="18000"/>
+          </a:xfrm>
+          <a:prstGeom prst="rect">
+            <a:avLst/>
+          </a:prstGeom>
+          <a:solidFill>
+            <a:srgbClr val="C8C8C8"/>
+          </a:solidFill>
+          <a:ln>
+            <a:noFill/>
+          </a:ln>
+        </p:spPr>
+        <p:style>
+          <a:lnRef idx="1">
+            <a:schemeClr val="accent1"/>
+          </a:lnRef>
+          <a:fillRef idx="3">
+            <a:schemeClr val="accent1"/>
+          </a:fillRef>
+          <a:effectRef idx="2">
+            <a:schemeClr val="accent1"/>
+          </a:effectRef>
+          <a:fontRef idx="minor">
+            <a:schemeClr val="lt1"/>
+          </a:fontRef>
+        </p:style>
+        <p:txBody>
+          <a:bodyPr rtlCol="0" anchor="ctr"/>
+          <a:lstStyle/>
+          <a:p>
+            <a:pPr algn="ctr"/>
+          </a:p>
+        </p:txBody>
+      </p:sp>
+      <p:sp>
+        <p:nvSpPr>
+          <p:cNvPr id="10" name="Rectangle 9"/>
+          <p:cNvSpPr/>
+          <p:nvPr/>
+        </p:nvSpPr>
+        <p:spPr>
+          <a:xfrm>
             <a:off x="352800" y="8280000"/>
             <a:ext cx="6858000" cy="1371600"/>
           </a:xfrm>
@@ -9385,7 +9987,7 @@
           </a:fontRef>
         </p:style>
         <p:txBody>
-          <a:bodyPr rtlCol="0" anchor="ctr" tIns="0" bIns="0" wrap="square"/>
+          <a:bodyPr rtlCol="0" anchor="ctr"/>
           <a:lstStyle/>
           <a:p>
             <a:pPr algn="ctr"/>
@@ -9396,10 +9998,10 @@
                 <a:spcPct val="150000"/>
               </a:lnSpc>
               <a:spcBef>
-                <a:spcPts val="0"/>
+                <a:spcPts val="1000"/>
               </a:spcBef>
               <a:spcAft>
-                <a:spcPts val="0"/>
+                <a:spcPts val="1000"/>
               </a:spcAft>
               <a:defRPr sz="1200" b="1">
                 <a:solidFill>
@@ -9803,6 +10405,49 @@
         </p:nvSpPr>
         <p:spPr>
           <a:xfrm>
+            <a:off x="352800" y="8125200"/>
+            <a:ext cx="6858000" cy="18000"/>
+          </a:xfrm>
+          <a:prstGeom prst="rect">
+            <a:avLst/>
+          </a:prstGeom>
+          <a:solidFill>
+            <a:srgbClr val="C8C8C8"/>
+          </a:solidFill>
+          <a:ln>
+            <a:noFill/>
+          </a:ln>
+        </p:spPr>
+        <p:style>
+          <a:lnRef idx="1">
+            <a:schemeClr val="accent1"/>
+          </a:lnRef>
+          <a:fillRef idx="3">
+            <a:schemeClr val="accent1"/>
+          </a:fillRef>
+          <a:effectRef idx="2">
+            <a:schemeClr val="accent1"/>
+          </a:effectRef>
+          <a:fontRef idx="minor">
+            <a:schemeClr val="lt1"/>
+          </a:fontRef>
+        </p:style>
+        <p:txBody>
+          <a:bodyPr rtlCol="0" anchor="ctr"/>
+          <a:lstStyle/>
+          <a:p>
+            <a:pPr algn="ctr"/>
+          </a:p>
+        </p:txBody>
+      </p:sp>
+      <p:sp>
+        <p:nvSpPr>
+          <p:cNvPr id="10" name="Rectangle 9"/>
+          <p:cNvSpPr/>
+          <p:nvPr/>
+        </p:nvSpPr>
+        <p:spPr>
+          <a:xfrm>
             <a:off x="352800" y="8280000"/>
             <a:ext cx="6858000" cy="1371600"/>
           </a:xfrm>
@@ -9833,7 +10478,7 @@
           </a:fontRef>
         </p:style>
         <p:txBody>
-          <a:bodyPr rtlCol="0" anchor="ctr" tIns="0" bIns="0" wrap="square"/>
+          <a:bodyPr rtlCol="0" anchor="ctr"/>
           <a:lstStyle/>
           <a:p>
             <a:pPr algn="ctr"/>
@@ -9844,10 +10489,10 @@
                 <a:spcPct val="150000"/>
               </a:lnSpc>
               <a:spcBef>
-                <a:spcPts val="0"/>
+                <a:spcPts val="1000"/>
               </a:spcBef>
               <a:spcAft>
-                <a:spcPts val="0"/>
+                <a:spcPts val="1000"/>
               </a:spcAft>
               <a:defRPr sz="1200" b="1">
                 <a:solidFill>
@@ -10269,6 +10914,49 @@
         </p:nvSpPr>
         <p:spPr>
           <a:xfrm>
+            <a:off x="352800" y="8125200"/>
+            <a:ext cx="6858000" cy="18000"/>
+          </a:xfrm>
+          <a:prstGeom prst="rect">
+            <a:avLst/>
+          </a:prstGeom>
+          <a:solidFill>
+            <a:srgbClr val="C8C8C8"/>
+          </a:solidFill>
+          <a:ln>
+            <a:noFill/>
+          </a:ln>
+        </p:spPr>
+        <p:style>
+          <a:lnRef idx="1">
+            <a:schemeClr val="accent1"/>
+          </a:lnRef>
+          <a:fillRef idx="3">
+            <a:schemeClr val="accent1"/>
+          </a:fillRef>
+          <a:effectRef idx="2">
+            <a:schemeClr val="accent1"/>
+          </a:effectRef>
+          <a:fontRef idx="minor">
+            <a:schemeClr val="lt1"/>
+          </a:fontRef>
+        </p:style>
+        <p:txBody>
+          <a:bodyPr rtlCol="0" anchor="ctr"/>
+          <a:lstStyle/>
+          <a:p>
+            <a:pPr algn="ctr"/>
+          </a:p>
+        </p:txBody>
+      </p:sp>
+      <p:sp>
+        <p:nvSpPr>
+          <p:cNvPr id="10" name="Rectangle 9"/>
+          <p:cNvSpPr/>
+          <p:nvPr/>
+        </p:nvSpPr>
+        <p:spPr>
+          <a:xfrm>
             <a:off x="352800" y="8280000"/>
             <a:ext cx="6858000" cy="1371600"/>
           </a:xfrm>
@@ -10299,7 +10987,7 @@
           </a:fontRef>
         </p:style>
         <p:txBody>
-          <a:bodyPr rtlCol="0" anchor="ctr" tIns="0" bIns="0" wrap="square"/>
+          <a:bodyPr rtlCol="0" anchor="ctr"/>
           <a:lstStyle/>
           <a:p>
             <a:pPr algn="ctr"/>
@@ -10310,10 +10998,10 @@
                 <a:spcPct val="150000"/>
               </a:lnSpc>
               <a:spcBef>
-                <a:spcPts val="0"/>
+                <a:spcPts val="1000"/>
               </a:spcBef>
               <a:spcAft>
-                <a:spcPts val="0"/>
+                <a:spcPts val="1000"/>
               </a:spcAft>
               <a:defRPr sz="1200" b="1">
                 <a:solidFill>

--- a/flask-server/outputs/output.pptx
+++ b/flask-server/outputs/output.pptx
@@ -3331,13 +3331,22 @@
               </a:spcAft>
             </a:pPr>
             <a:r>
+              <a:rPr sz="1200">
+                <a:solidFill>
+                  <a:srgbClr val="000000"/>
+                </a:solidFill>
+                <a:latin typeface="맑은 고딕"/>
+              </a:rPr>
+              <a:t>[온라인 마권 발매]시대적 변화에 부응하고 말 산업 위기 극복을 위해 한국마사회법 개정을 거쳐 온라인 마권 발매 제도를 도입하는 것으로 알고 있습니다. 올해 6월 본격 시행을 앞두고 있다고 알아보았습니다. 이러한 변화에 잘 대응하기 위해 경영지원과 사업기획 및 운영이 중요하다고 생각합니다. 왜냐하면 </a:t>
+            </a:r>
+            <a:r>
               <a:rPr u="sng" b="1" sz="1200">
                 <a:solidFill>
                   <a:srgbClr val="000000"/>
                 </a:solidFill>
                 <a:latin typeface="맑은 고딕"/>
               </a:rPr>
-              <a:t>(1)[온라인 마권 발매]시대적 변화에 부응하고 말 산업 위기 극복을 위해 한국마사회법 개정을 거쳐 온라인 마권 발매 제도를 도입하는 것으로 알고 있습니다.</a:t>
+              <a:t>(1)온라인 마권 발매 제도가 도입되면 해당 제도에 대한 행정업무의 변화뿐만 아니라 사회적 우려에 대한 대응과 같은 부수적인 효과까지 고려해야 하기 때문입니다.</a:t>
             </a:r>
             <a:r>
               <a:rPr sz="1200">
@@ -3346,7 +3355,7 @@
                 </a:solidFill>
                 <a:latin typeface="맑은 고딕"/>
               </a:rPr>
-              <a:t> 올해 6월 본격 시행을 앞두고 있다고 알아보았습니다. 이러한 변화에 잘 대응하기 위해 경영지원과 사업기획 및 운영이 중요하다고 생각합니다. 왜냐하면 온라인 마권 발매 제도가 도입되면 해당 제도에 대한 행정업무의 변화뿐만 아니라 사회적 우려에 대한 대응과 같은 부수적인 효과까지 고려해야 하기 때문입니다. 예를 들어 효율적으로 업무지원을 해서 생산성을 높여야 할 뿐만 아니라, 온라인 경마에 대한 불법도박 조장 우려 기사 등에 있어서도 대처를 해야 할 것입니다. 따라서 이러한 일들에 있어서는 효율적인 경영지원과 사업기획 및 운영을 통해 효과적으로 대응하는 것이 중요하다고 생각합니다.[어떤 상황이든 최선을 다해서 잘 적응하고 잘 해냈던 경험]저는 어떤 상황이든 최선을 다해서 잘 적응하고 잘 해내려고 합니다. 왜냐하면 최선을 다해서 좋은 성과를 낸다면, 그렇지 못할 때보다 더 많은 기회가 온다고 생각하며, 성취감을 느낄 수도 있고, 또한 주변 사람들에게도 좋은 영향력을 전할 수 있다고 생각합니다. 우선 저는 경제학을 심도 있게 배우고 싶어서 경제학과로 편입을 2번 했었습니다. </a:t>
+              <a:t> 예를 들어 효율적으로 업무지원을 해서 생산성을 높여야 할 뿐만 아니라, 온라인 경마에 대한 불법도박 조장 우려 기사 등에 있어서도 대처를 해야 할 것입니다. 따라서 이러한 일들에 있어서는 효율적인 경영지원과 사업기획 및 운영을 통해 효과적으로 대응하는 것이 중요하다고 생각합니다.[어떤 상황이든 최선을 다해서 잘 적응하고 잘 해냈던 경험]저는 어떤 상황이든 최선을 다해서 잘 적응하고 잘 해내려고 합니다. 왜냐하면 최선을 다해서 좋은 성과를 낸다면, 그렇지 못할 때보다 더 많은 기회가 온다고 생각하며, 성취감을 느낄 수도 있고, 또한 주변 사람들에게도 좋은 영향력을 전할 수 있다고 생각합니다. 우선 저는 경제학을 심도 있게 배우고 싶어서 경제학과로 편입을 2번 했었습니다. </a:t>
             </a:r>
             <a:r>
               <a:rPr u="sng" b="1" sz="1200">
@@ -3364,7 +3373,7 @@
                 </a:solidFill>
                 <a:latin typeface="맑은 고딕"/>
               </a:rPr>
-              <a:t> 그리고 두 번째 편입학한 대학에서는 네 학기 동안 최우등생 2회 선정과 전액장학금 2회를 받기도 하며 4/4.5의 평점을 받았습니다. 또한 저는 </a:t>
+              <a:t> 그리고 두 번째 편입학한 대학에서는 네 학기 동안 최우등생 2회 선정과 전액장학금 2회를 받기도 하며 4/4.5의 평점을 받았습니다. 또한 </a:t>
             </a:r>
             <a:r>
               <a:rPr u="sng" b="1" sz="1200">
@@ -3373,7 +3382,7 @@
                 </a:solidFill>
                 <a:latin typeface="맑은 고딕"/>
               </a:rPr>
-              <a:t>(3)각각 국책은행과 교육기업에서 인턴을 총 2회 했었습니다. 두 번의 인턴 모두 성실히 임했는데, 국책은행 인턴 당시 우수인턴에 선정이 되었고, 교육기업 인턴 당시 수기 공모전에서 장려상을 수상하기도 했습니다.</a:t>
+              <a:t>(3)저는 각각 국책은행과 교육기업에서 인턴을 총 2회 했었습니다. 두 번의 인턴 모두 성실히 임했는데, 국책은행 인턴 당시 우수인턴에 선정이 되었고, 교육기업 인턴 당시 수기 공모전에서 장려상을 수상하기도 했습니다.</a:t>
             </a:r>
           </a:p>
         </p:txBody>
@@ -3512,22 +3521,22 @@
               <a:spcAft>
                 <a:spcPts val="1000"/>
               </a:spcAft>
-              <a:defRPr sz="1200" b="1">
+              <a:defRPr sz="1000" b="1">
                 <a:solidFill>
                   <a:srgbClr val="000000"/>
                 </a:solidFill>
               </a:defRPr>
             </a:pPr>
             <a:r>
-              <a:t>(1) 온라인 마권 발매 제도가 도입될 것을 알고 계시고 경영지원과 사업기획이 중요하다고 하셨는데, 이런 변화에 적응하고 대비하기 위해 어떤 구체적인 경험이나 준비를 하셨는지 공유해주실 수 있나요?</a:t>
+              <a:t>(1) 지원자는 온라인 마권 발매 제도 도입이 경영지원과 사업기획 및 운영에 중요하다고 하셨는데, 구체적으로 경영지원에서 어떤 변화가 예상되며, 이를 어떻게 대응할 계획이신가요?</a:t>
             </a:r>
             <a:br/>
             <a:r>
-              <a:t>(2) 경제학과에 편입하여 두 차례 장학금을 받으셨는데, 이를 통해 배운 것들이 현재 지원하시는 직무에 어떻게 도움이 될 것이라고 생각하시나요?</a:t>
+              <a:t>(2) 지원자는 경제학과로 두 번 편입하여 성공적인 성과를 보였습니다. 이러한 학업적 성취를 이룬 과정에서 가장 큰 어려움은 무엇이었고, 이를 어떻게 극복하셨는지 궁금합니다.</a:t>
             </a:r>
             <a:br/>
             <a:r>
-              <a:t>(3) 국책은행과 교육기업에서 인턴 경험이 있으셨는데, 이러한 경험들이 지원 직무의 성공에 어떻게 기여할 것이라 생각하시나요?</a:t>
+              <a:t>(3) 국책은행과 교육기업 인턴 경험이 지원자에게 어떤 영향을 미쳤고, 각 인턴십에서 가장 기억에 남는 경험은 무엇이었습니까?</a:t>
             </a:r>
           </a:p>
         </p:txBody>
@@ -3784,7 +3793,7 @@
                 </a:solidFill>
                 <a:latin typeface="맑은 고딕"/>
               </a:rPr>
-              <a:t>[“이 정도는 괜찮지” 않습니다] 저는 가랑비에 옷 젖는 줄 모르는 상황을 가장 피해야 한다고 보고 있습니다. 저는 업무에 임할 때 처음부터 부정･부패하고자 마음먹은 사람은 없다고 생각합니다. 하지만 본인도 의식하지 못할 정도로 작은 일탈을 반복하거나, “이 정도는 괜찮겠지”라고 판단하여 조금씩 다른 길로 빠지다보면, 이를 당연한 것으로 받아드리게 된다고 생각합니다. 작은 부정이 계속 쌓인다면 특정 대상과 특수관계가 생길 수 있고, 장차 개인과 조직 모두에게 큰 피해가 되는 사건으로 발전 할 수 있습니다. </a:t>
+              <a:t>[“이 정도는 괜찮지” 않습니다] 저는 가랑비에 옷 젖는 줄 모르는 상황을 가장 피해야 한다고 보고 있습니다. 저는 업무에 임할 때 처음부터 부정･부패하고자 마음먹은 사람은 없다고 생각합니다. </a:t>
             </a:r>
             <a:r>
               <a:rPr u="sng" b="1" sz="1200">
@@ -3793,7 +3802,7 @@
                 </a:solidFill>
                 <a:latin typeface="맑은 고딕"/>
               </a:rPr>
-              <a:t>(1)제가 한 기관에 근무했을 때 예산업무와 관련하여 적/부 여부를 판단할 권한을 가진 적이 있었습니다.</a:t>
+              <a:t>(1)하지만 본인도 의식하지 못할 정도로 작은 일탈을 반복하거나, “이 정도는 괜찮겠지”라고 판단하여 조금씩 다른 길로 빠지다보면, 이를 당연한 것으로 받아드리게 된다고 생각합니다.</a:t>
             </a:r>
             <a:r>
               <a:rPr sz="1200">
@@ -3802,7 +3811,7 @@
                 </a:solidFill>
                 <a:latin typeface="맑은 고딕"/>
               </a:rPr>
-              <a:t> 저는 업무적으로 절차, 상황 등을 고려하여 특혜 없이 일을 처리하였습니다. 그러나 업무 유관자께서는 이에 대한 감사의 표시로 여러 가지 다양한 물품을 제게 제공하려고 하였습니다. </a:t>
+              <a:t> 작은 부정이 계속 쌓인다면 특정 대상과 특수관계가 생길 수 있고, 장차 개인과 조직 모두에게 큰 피해가 되는 사건으로 발전 할 수 있습니다. </a:t>
             </a:r>
             <a:r>
               <a:rPr u="sng" b="1" sz="1200">
@@ -3811,7 +3820,7 @@
                 </a:solidFill>
                 <a:latin typeface="맑은 고딕"/>
               </a:rPr>
-              <a:t>(2)저는 그 자리에서 정중하게 거절하여 상황이 일단락 된 줄 알았으나, 며칠 뒤 제 개인주소로도 해당 물품을 보낸 사실을 인지하게</a:t>
+              <a:t>(2)제가 한 기관에 근무했을 때 예산업무와 관련하여 적/부 여부를 판단할 권한을 가진 적이 있었습니다. 저는 업무적으로 절차, 상황 등을 고려하여 특혜 없이 일을 처리하였습니다.</a:t>
             </a:r>
             <a:r>
               <a:rPr sz="1200">
@@ -3820,7 +3829,7 @@
                 </a:solidFill>
                 <a:latin typeface="맑은 고딕"/>
               </a:rPr>
-              <a:t> 되었고, 이후 감사 부서 신고 및 물품 인계 처리를 하였습니다. 또한 다시는 이런 일이 일어나지 않도록 해당 업무 유관자에게 주의를 기울여달라 전달하였습니다. 한번은 동일한 고민을 하고 있는 직장동료가 제게 상담을 요청한 적이 있었습니다. 동료는 너무 거절하는 것도 상대에 대한 예의가 아닌 것 같다는 이야기를 하였었는데, 저는 </a:t>
+              <a:t> 그러나 업무 유관자께서는 이에 대한 감사의 표시로 여러 가지 다양한 물품을 제게 제공하려고 하였습니다. 저는 그 자리에서 정중하게 거절하여 상황이 일단락 된 줄 알았으나, 며칠 뒤 제 개인주소로도 해당 물품을 보낸 사실을 인지하게 되었고, 이후 감사 부서 신고 및 물품 인계 처리를 하였습니다. 또한 다시는 이런 일이 일어나지 않도록 해당 업무 유관자에게 주의를 기울여달라 전달하였습니다. 한번은 동일한 고민을 하고 있는 직장동료가 제게 상담을 요청한 적이 있었습니다. 동료는 너무 거절하는 것도 상대에 대한 예의가 아닌 것 같다는 이야기를 하였었는데, </a:t>
             </a:r>
             <a:r>
               <a:rPr u="sng" b="1" sz="1200">
@@ -3829,7 +3838,7 @@
                 </a:solidFill>
                 <a:latin typeface="맑은 고딕"/>
               </a:rPr>
-              <a:t>(3)해당 동료에게 효과적으로 경각심을 심어주기 위해, 몇 가지 징계 사례 및 타기관 감사원 감사 결과 등을 활용하여 설명해 주었고</a:t>
+              <a:t>(3)저는 해당 동료에게 효과적으로 경각심을 심어주기 위해, 몇 가지 징계 사례 및 타기관 감사원 감사 결과 등을 활용하여 설명해 주었고, 다행히도 동료는 심각성을 인지하고 대가를 수취하지 않았습니다.</a:t>
             </a:r>
             <a:r>
               <a:rPr sz="1200">
@@ -3838,7 +3847,7 @@
                 </a:solidFill>
                 <a:latin typeface="맑은 고딕"/>
               </a:rPr>
-              <a:t>, 다행히도 동료는 심각성을 인지하고 대가를 수취하지 않았습니다. 향후에도 조직생활 중 이처럼 청렴과 관련된 갈등은 있을 수 있습니다. 스스로를 잘 다스리고, 주변 동료들과도 잘 소통하여 정의와 청렴이 잘 유지 될 수 있도록 노력하겠습니다.</a:t>
+              <a:t> 향후에도 조직생활 중 이처럼 청렴과 관련된 갈등은 있을 수 있습니다. 스스로를 잘 다스리고, 주변 동료들과도 잘 소통하여 정의와 청렴이 잘 유지 될 수 있도록 노력하겠습니다.</a:t>
             </a:r>
           </a:p>
         </p:txBody>
@@ -3977,22 +3986,22 @@
               <a:spcAft>
                 <a:spcPts val="1000"/>
               </a:spcAft>
-              <a:defRPr sz="1200" b="1">
+              <a:defRPr sz="1000" b="1">
                 <a:solidFill>
                   <a:srgbClr val="000000"/>
                 </a:solidFill>
               </a:defRPr>
             </a:pPr>
             <a:r>
-              <a:t>(1) 지원자는 본인이 근무했던 기관에서 예산업무와 관련하여 적/부 여부를 판단하는 경험이 있었다고 적으셨습니다. 그 경험에서 얻은 가장 큰 교훈은 무엇이었나요?</a:t>
+              <a:t>(1) 지원자는 작은 부정이 큰 문제로 발전할 수 있다고 했습니다. 과거 경험에서 이를 방지하기 위해 어떤 방법론이나 기준을 적용하셨나요?</a:t>
             </a:r>
             <a:br/>
             <a:r>
-              <a:t>(2) 업무 유관자로부터 받은 물품을 정중히 거절하고 감사부서에 신고하셨습니다. 이러한 상황이 또 발생할 경우 어떻게 대응하실 계획인가요?</a:t>
+              <a:t>(2) 예산업무 관련 적/부 여부를 판단할 때, 지원자가 중요하게 고려했던 절차나 상황은 무엇인지 설명해주세요.</a:t>
             </a:r>
             <a:br/>
             <a:r>
-              <a:t>(3) 어떤 동료가 상담 요청을 했을 때 몇 가지 징계 사례 및 타기관 감사원 감사 결과를 활용했습니다. 그 중에서 가장 효과적이었던 사례는 무엇이었나요?</a:t>
+              <a:t>(3) 직장동료에게 청렴과 관련된 상담을 해주셨다고 했습니다. 징계 사례나 타기관 감사원 감사 결과를 활용한 특화된 방법이 있었는지요?</a:t>
             </a:r>
           </a:p>
         </p:txBody>
@@ -4249,7 +4258,7 @@
                 </a:solidFill>
                 <a:latin typeface="맑은 고딕"/>
               </a:rPr>
-              <a:t>[온라인 마권 발매의 수익성 분석 및 병목 제거]국내 경마 산업은 말산업 전체 규모의 90%에 육박하는 중요한 산업입니다. 따라서 한국마사회가 수행하는 경마 사업의 중요성은 크다고 할 수 있습니다. 인터넷 및 스마트폰 활용이 높아지는 시대 상황에 맞추어 한국마사회는 온라인 마권 발매를 시범 운영할 예정입니다. 재무회계 관리 직무를 수행하며 이러한 온라인 마권 발매의 오프라인 마권 발매 대비 매출 및 수익성에 미치는 영향을 철저하게 분석하고 관련 비용 절감 등을 통한 추가적인 수익성 향상 등에 대하여 지속해서 고민해야 한다고 생각합니다. </a:t>
+              <a:t>[온라인 마권 발매의 수익성 분석 및 병목 제거]국내 경마 산업은 말산업 전체 규모의 90%에 육박하는 중요한 산업입니다. 따라서 한국마사회가 수행하는 경마 사업의 중요성은 크다고 할 수 있습니다. 인터넷 및 스마트폰 활용이 높아지는 시대 상황에 맞추어 한국마사회는 온라인 마권 발매를 시범 운영할 예정입니다. </a:t>
             </a:r>
             <a:r>
               <a:rPr u="sng" b="1" sz="1200">
@@ -4258,7 +4267,7 @@
                 </a:solidFill>
                 <a:latin typeface="맑은 고딕"/>
               </a:rPr>
-              <a:t>(1)전산회계 1급 자격증을 취득하며 얻은 회계 프로그램 활용 능력을 활용하여 온라인 마권 발매와 관련한 거래를 기록하고 관리하겠습니다.</a:t>
+              <a:t>(1)재무회계 관리 직무를 수행하며 이러한 온라인 마권 발매의 오프라인 마권 발매 대비 매출 및 수익성에 미치는 영향을 철저하게 분석하고 관련 비용 절감 등을 통한 추가적인 수익성 향상 등에 대하여 지속해서 고민해야 한다고 생각합니다.</a:t>
             </a:r>
             <a:r>
               <a:rPr sz="1200">
@@ -4267,7 +4276,7 @@
                 </a:solidFill>
                 <a:latin typeface="맑은 고딕"/>
               </a:rPr>
-              <a:t> 재경관리사 자격증을 취득하고 공인회계사 시험을 준비하는 과정에서 쌓은 회계적 지식을 바탕으로 해당 거래를 분석하겠습니다. 컴퓨터활용능력 1급 자격 취득 및 공공기관에서 인턴으로 근무하며 쌓은 문서 처리능력을 활용하여 앞서 분석한 거래 관련 정보를 정리하여 문제점 파악 및 개선점 제안을 위한 자료를 제작하겠습니다. 신입으로서 적극적인 자세로 업무를 배우며 이후 업무를 수행하는 과정에서 발생하는 병목을 해결하기 위해 노력하겠습니다. </a:t>
+              <a:t> </a:t>
             </a:r>
             <a:r>
               <a:rPr u="sng" b="1" sz="1200">
@@ -4276,7 +4285,7 @@
                 </a:solidFill>
                 <a:latin typeface="맑은 고딕"/>
               </a:rPr>
-              <a:t>(2)무역 관련 공공기관에서 인턴으로 근무하며 업무수행 방식의 변경을 제안하여 시차로 인한 문제를 해결한 경험이 있습니다.</a:t>
+              <a:t>(2)전산회계 1급 자격증을 취득하며 얻은 회계 프로그램 활용 능력을 활용하여 온라인 마권 발매와 관련한 거래를 기록하고 관리하겠습니다. 재경관리사 자격증을 취득하고 공인회계사 시험을 준비하는 과정에서 쌓은 회계적 지식을 바탕으로 해당 거래를 분석하겠습니다.</a:t>
             </a:r>
             <a:r>
               <a:rPr sz="1200">
@@ -4285,7 +4294,7 @@
                 </a:solidFill>
                 <a:latin typeface="맑은 고딕"/>
               </a:rPr>
-              <a:t> </a:t>
+              <a:t> 컴퓨터활용능력 1급 자격 취득 및 공공기관에서 인턴으로 근무하며 쌓은 문서 처리능력을 활용하여 앞서 분석한 거래 관련 정보를 정리하여 문제점 파악 및 개선점 제안을 위한 자료를 제작하겠습니다. 신입으로서 적극적인 자세로 업무를 배우며 이후 업무를 수행하는 과정에서 발생하는 병목을 해결하기 위해 노력하겠습니다. </a:t>
             </a:r>
             <a:r>
               <a:rPr u="sng" b="1" sz="1200">
@@ -4294,7 +4303,7 @@
                 </a:solidFill>
                 <a:latin typeface="맑은 고딕"/>
               </a:rPr>
-              <a:t>(3)해외 무역관과 메일을 통하여 온라인 상담 일정을 조정하는 기존의 방식은 시차로 인하여 오랜 시간이 소요되었습니다.</a:t>
+              <a:t>(3)무역 관련 공공기관에서 인턴으로 근무하며 업무수행 방식의 변경을 제안하여 시차로 인한 문제를 해결한 경험이 있습니다.</a:t>
             </a:r>
             <a:r>
               <a:rPr sz="1200">
@@ -4303,7 +4312,7 @@
                 </a:solidFill>
                 <a:latin typeface="맑은 고딕"/>
               </a:rPr>
-              <a:t> 이에 구글 시트를 활용하여 해외 무역관이 직접 시트를 채우고 중복이 되는 시간대의 상담 일정만 조정하는 방식으로 변경을 제안하여 업무에 드는 시간을 단축할 수 있었습니다. 한국마사회에서 근무하면서 업무의 원활한 진행에 방해가 되는 병목 요소를 발견하고 이를 제거하겠습니다.</a:t>
+              <a:t> 해외 무역관과 메일을 통하여 온라인 상담 일정을 조정하는 기존의 방식은 시차로 인하여 오랜 시간이 소요되었습니다. 이에 구글 시트를 활용하여 해외 무역관이 직접 시트를 채우고 중복이 되는 시간대의 상담 일정만 조정하는 방식으로 변경을 제안하여 업무에 드는 시간을 단축할 수 있었습니다. 한국마사회에서 근무하면서 업무의 원활한 진행에 방해가 되는 병목 요소를 발견하고 이를 제거하겠습니다.</a:t>
             </a:r>
           </a:p>
         </p:txBody>
@@ -4442,22 +4451,22 @@
               <a:spcAft>
                 <a:spcPts val="1000"/>
               </a:spcAft>
-              <a:defRPr sz="1200" b="1">
+              <a:defRPr sz="1000" b="1">
                 <a:solidFill>
                   <a:srgbClr val="000000"/>
                 </a:solidFill>
               </a:defRPr>
             </a:pPr>
             <a:r>
-              <a:t>(1) 전산회계 1급 자격증을 취득하며 얻은 회계 프로그램 활용 능력을 어떻게 온라인 마권 발매 거래 기록 및 관리에 활용할 계획인지 설명해 주시겠습니까?</a:t>
+              <a:t>(1) 지원자는 온라인 마권 발매의 수익성 분석을 철저히 하고 고민해야 한다고 하셨는데, 현재 지원자가 생각하는 가장 큰 수익성 향상의 가능성은 무엇인가요?</a:t>
             </a:r>
             <a:br/>
             <a:r>
-              <a:t>(2) 무역 관련 공공기관에서의 인턴 경험을 통해 배운 업무 개선 경험을 한국마사회에서 어떻게 적용하고자 하는지 구체적으로 설명해 주시겠습니까?</a:t>
+              <a:t>(2) 지원자는 전산회계 1급 자격증과 재경관리사 자격증을 활용하여 거래를 기록하고 관리하겠다고 했는데, 이러한 자격증 외 추가적인 역량 개발 계획이 있나요?</a:t>
             </a:r>
             <a:br/>
             <a:r>
-              <a:t>(3) 지원자가 무역 관련 공공기관에서 근무하면서 시차 문제를 해결하기 위해 구글 시트를 사용했다고 하셨는데, 이 경험이 한국마사회에서의 업무에 어떻게 기여할 수 있을까요?</a:t>
+              <a:t>(3) 지원자는 무역 관련 공공기관 인턴 경험에서 업무 방식을 변경하여 시차 문제를 해결한 경험이 있다고 적어주셨는데, 이러한 경험을 한국마사회에서의 업무에서 어떻게 활용할 수 있을지 구체적으로 말씀해 주세요.</a:t>
             </a:r>
           </a:p>
         </p:txBody>
@@ -4714,7 +4723,7 @@
                 </a:solidFill>
                 <a:latin typeface="맑은 고딕"/>
               </a:rPr>
-              <a:t>[비공개적인 거래의 원천 봉쇄]조직 생활에서 정의와 청렴만큼 중요한 가치는 없습니다. 특히 한국마사회와 같은 공공기관은 이러한 가치가 더욱이 중요시되어야 합니다. 조직 생활에 있어 정의와 청렴에 가장 반대되는 상황은 비공개적인 공간에서 이루어지는 거래라고 생각합니다. 한국마사회의 기관 특성상 경마 사업 진행에 있어 비공개적인 공간에서의 거래가 발생할 가능성이 존재한다고 생각합니다. 예를 들어 경마에 참여하는 말에 관한 정보를 흘리는 등의 상황이 발생할 수 있습니다. </a:t>
+              <a:t>[비공개적인 거래의 원천 봉쇄]</a:t>
             </a:r>
             <a:r>
               <a:rPr u="sng" b="1" sz="1200">
@@ -4723,7 +4732,7 @@
                 </a:solidFill>
                 <a:latin typeface="맑은 고딕"/>
               </a:rPr>
-              <a:t>(1)만약 조직 내에 그러한 거래를 주고받는 동료가 있다면 조직의 공정성을 유지하기 위하여 철저하게 보고할 것입니다.</a:t>
+              <a:t>(1)조직 생활에서 정의와 청렴만큼 중요한 가치는 없습니다. 특히 한국마사회와 같은 공공기관은 이러한 가치가 더욱이 중요시되어야 합니다.</a:t>
             </a:r>
             <a:r>
               <a:rPr sz="1200">
@@ -4732,7 +4741,7 @@
                 </a:solidFill>
                 <a:latin typeface="맑은 고딕"/>
               </a:rPr>
-              <a:t> 철도 관련 공공기관에서 인턴으로 근무할 당시 </a:t>
+              <a:t> 조직 생활에 있어 정의와 청렴에 가장 반대되는 상황은 비공개적인 공간에서 이루어지는 거래라고 생각합니다. 한국마사회의 기관 특성상 경마 사업 진행에 있어 비공개적인 공간에서의 거래가 발생할 가능성이 존재한다고 생각합니다. 예를 들어 경마에 참여하는 말에 관한 정보를 흘리는 등의 상황이 발생할 수 있습니다. 만약 조직 내에 그러한 거래를 주고받는 동료가 있다면 조직의 공정성을 유지하기 위하여 철저하게 보고할 것입니다. </a:t>
             </a:r>
             <a:r>
               <a:rPr u="sng" b="1" sz="1200">
@@ -4741,7 +4750,7 @@
                 </a:solidFill>
                 <a:latin typeface="맑은 고딕"/>
               </a:rPr>
-              <a:t>(2)승차권을 구입한 후의 거스름돈을 인턴에게 주려는 고객이 있었습니다.</a:t>
+              <a:t>(2)철도 관련 공공기관에서 인턴으로 근무할 당시 승차권을 구입한 후의 거스름돈을 인턴에게 주려는 고객이 있었습니다. 큰돈은 아니었지만, 이러한 상황이 반복된다면 기관에 부정적인 이미지를 형성할 수 있다고 생각하여 정중하게 거절했습니다.</a:t>
             </a:r>
             <a:r>
               <a:rPr sz="1200">
@@ -4750,7 +4759,7 @@
                 </a:solidFill>
                 <a:latin typeface="맑은 고딕"/>
               </a:rPr>
-              <a:t> 큰돈은 아니었지만, 이러한 상황이 반복된다면 기관에 부정적인 이미지를 형성할 수 있다고 생각하여 정중하게 거절했습니다. 동료가 같은 상황에 부닥쳐 고민하고 있을 때도 단호하게 거절하는 것이 맞다는 의견을 표했습니다. 한국마사회에서 근무할 때 이러한 상황이 발생한다면 동료를 설득하여 소탐대실하지 않을 것을 강조하겠습니다. 또한 동료가 그러한 거래를 하는 것을 발견할 확률은 높지 않다고 생각합니다. 따라서 개인적인 설득보다는 체계적인 시스템 구축이 더욱 중요하다고 생각합니다. </a:t>
+              <a:t> 동료가 같은 상황에 부닥쳐 고민하고 있을 때도 단호하게 거절하는 것이 맞다는 의견을 표했습니다. 한국마사회에서 근무할 때 이러한 상황이 발생한다면 동료를 설득하여 소탐대실하지 않을 것을 강조하겠습니다. </a:t>
             </a:r>
             <a:r>
               <a:rPr u="sng" b="1" sz="1200">
@@ -4759,7 +4768,7 @@
                 </a:solidFill>
                 <a:latin typeface="맑은 고딕"/>
               </a:rPr>
-              <a:t>(3)정기적인 감사를 수행하고 부정적인 거래의 적발 시 징계 수위를 강화하여 상황이 근본적으로 발생하지 않도록 해야 할 것입니다.</a:t>
+              <a:t>(3)또한 동료가 그러한 거래를 하는 것을 발견할 확률은 높지 않다고 생각합니다. 따라서 개인적인 설득보다는 체계적인 시스템 구축이 더욱 중요하다고 생각합니다.</a:t>
             </a:r>
             <a:r>
               <a:rPr sz="1200">
@@ -4768,7 +4777,7 @@
                 </a:solidFill>
                 <a:latin typeface="맑은 고딕"/>
               </a:rPr>
-              <a:t> 재무회계 관리 직무를 수행하며 철저한 거래 내용 관리와 검토로 한국마사회의 청렴에 해를 가하는 거래가 발생하지 않도록 철저한 자세로 근무하겠습니다.</a:t>
+              <a:t> 정기적인 감사를 수행하고 부정적인 거래의 적발 시 징계 수위를 강화하여 상황이 근본적으로 발생하지 않도록 해야 할 것입니다. 재무회계 관리 직무를 수행하며 철저한 거래 내용 관리와 검토로 한국마사회의 청렴에 해를 가하는 거래가 발생하지 않도록 철저한 자세로 근무하겠습니다.</a:t>
             </a:r>
           </a:p>
         </p:txBody>
@@ -4907,22 +4916,22 @@
               <a:spcAft>
                 <a:spcPts val="1000"/>
               </a:spcAft>
-              <a:defRPr sz="1200" b="1">
+              <a:defRPr sz="1000" b="1">
                 <a:solidFill>
                   <a:srgbClr val="000000"/>
                 </a:solidFill>
               </a:defRPr>
             </a:pPr>
             <a:r>
-              <a:t>(1) 조직 내 동료의 비공개 거래 발견 시 철저하게 보고하겠다고 하셨는데, 이를 효과적으로 수행하기 위해 어떤 방법으로 상황을 조사하고 보고할 계획이신가요?</a:t>
+              <a:t>(1) 지원자는 정의와 청렴이 공공기관에서는 매우 중요하다고 생각한다고 했는데, 이러한 가치를 지키기 위해 가장 중요한 요소는 무엇이라고 생각하나요?</a:t>
             </a:r>
             <a:br/>
             <a:r>
-              <a:t>(2) 철도 관련 공공기관 인턴 당시 승차권 구입 후 고객의 거스름돈 제안을 거절하는 상황이 발생했는데, 구체적으로 어떤 점 때문에 기관에 부정적인 이미지가 형성될 수 있다고 생각했는지 설명해 주시겠습니까?</a:t>
+              <a:t>(2) 철도 관련 공공기관에서의 인턴 경험을 통해 고객의 작은 금전적 시도도 거절했다고 적어주셨는데, 이를 통해 얻은 가장 큰 교훈은 무엇인가요?</a:t>
             </a:r>
             <a:br/>
             <a:r>
-              <a:t>(3) 한국마사회에서 청렴한 조직 문화 구축을 위해 정기적인 감사와 징계 수위 강화를 언급하셨는데, 이러한 시스템을 어떤 구체적인 절차로 구현할 수 있을지 설명해 주시겠습니까?</a:t>
+              <a:t>(3) 한국마사회에서 근무할 때 비공개적인 거래 발견 시 동료를 설득한다고 하셨는데, 이에 대한 구체적인 설득 방법이 있나요?</a:t>
             </a:r>
           </a:p>
         </p:txBody>
@@ -5173,13 +5182,22 @@
               </a:spcAft>
             </a:pPr>
             <a:r>
+              <a:rPr u="sng" b="1" sz="1200">
+                <a:solidFill>
+                  <a:srgbClr val="000000"/>
+                </a:solidFill>
+                <a:latin typeface="맑은 고딕"/>
+              </a:rPr>
+              <a:t>(1)대학에서 경영학과 중어중문학을 전공하며 배운 지식들을 실무에 적용하기 위해 ○○공사에서 인턴과 계약직 사원으로 근무했습니다.</a:t>
+            </a:r>
+            <a:r>
               <a:rPr sz="1200">
                 <a:solidFill>
                   <a:srgbClr val="000000"/>
                 </a:solidFill>
                 <a:latin typeface="맑은 고딕"/>
               </a:rPr>
-              <a:t>대학에서 경영학과 중어중문학을 전공하며 배운 지식들을 실무에 적용하기 위해 ○○공사에서 인턴과 계약직 사원으로 근무했습니다. 국제곡물정보와 해외농산물수입정보를 조사하며 농산물 가격 변동을 파악하고 선제적으로 관리함으로써, 수급관리에 대한 실무 경험을 쌓고자 노력하였습니다.특히 농산물수입동향보고서 작성과 </a:t>
+              <a:t> 국제곡물정보와 해외농산물수입정보를 조사하며 농산물 가격 변동을 파악하고 선제적으로 관리함으로써, 수급관리에 대한 실무 경험을 쌓고자 노력하였습니다.특히 농산물수입동향보고서 작성과 해외수입정보검증회의 개최를 통해 수입농산물과 관세제도에 대한 전문지식을 쌓았으며, </a:t>
             </a:r>
             <a:r>
               <a:rPr u="sng" b="1" sz="1200">
@@ -5188,7 +5206,7 @@
                 </a:solidFill>
                 <a:latin typeface="맑은 고딕"/>
               </a:rPr>
-              <a:t>(1)해외수입정보검증회의 개최를 통해 수입농산물과 관세제도에 대한 전문지식을 쌓았으며</a:t>
+              <a:t>(2)외신보도모니터링과 해외 모니터들과의 소통을 통해 실무적 외국어 능력도 향상시켰습니다.</a:t>
             </a:r>
             <a:r>
               <a:rPr sz="1200">
@@ -5197,7 +5215,7 @@
                 </a:solidFill>
                 <a:latin typeface="맑은 고딕"/>
               </a:rPr>
-              <a:t>, </a:t>
+              <a:t> 이를 통해 농산물수급관리와 수입동향조사에 필요한 분석력 및 전문성을 갖출 수 있었습니다.</a:t>
             </a:r>
             <a:r>
               <a:rPr u="sng" b="1" sz="1200">
@@ -5206,7 +5224,7 @@
                 </a:solidFill>
                 <a:latin typeface="맑은 고딕"/>
               </a:rPr>
-              <a:t>(2)외신보도모니터링과 해외 모니터들과의 소통을 통해 실무적 외국어 능력도 향상시켰습니다.</a:t>
+              <a:t>(3)입사 후 이러한 경험을 바탕으로 공사의 핵심사업인 농산물 수급관리 업무에 기여하고자 합니다.</a:t>
             </a:r>
             <a:r>
               <a:rPr sz="1200">
@@ -5215,25 +5233,7 @@
                 </a:solidFill>
                 <a:latin typeface="맑은 고딕"/>
               </a:rPr>
-              <a:t> 이를 통해 농산물수급관리와 수입동향조사에 필요한 분석력 및 전문성을 갖출 수 있었습니다.입사 후 이러한 경험을 바탕으로 공사의 핵심사업인 농산물 수급관리 업무에 기여하고자 합니다. </a:t>
-            </a:r>
-            <a:r>
-              <a:rPr u="sng" b="1" sz="1200">
-                <a:solidFill>
-                  <a:srgbClr val="000000"/>
-                </a:solidFill>
-                <a:latin typeface="맑은 고딕"/>
-              </a:rPr>
-              <a:t>(3)수입정보조사와 관세제도에 대한 지식을 활용해 시장 변화에 선제적으로 대응할 수 있는 전략을 수립하고</a:t>
-            </a:r>
-            <a:r>
-              <a:rPr sz="1200">
-                <a:solidFill>
-                  <a:srgbClr val="000000"/>
-                </a:solidFill>
-                <a:latin typeface="맑은 고딕"/>
-              </a:rPr>
-              <a:t>, 외국어 소통능력을 적극 활용하여 글로벌 농산물시장에 대한 이해를 넓혀 수급 안정화에 이바지하는 인재가 되겠습니다.</a:t>
+              <a:t> 수입정보조사와 관세제도에 대한 지식을 활용해 시장 변화에 선제적으로 대응할 수 있는 전략을 수립하고, 외국어 소통능력을 적극 활용하여 글로벌 농산물시장에 대한 이해를 넓혀 수급 안정화에 이바지하는 인재가 되겠습니다.</a:t>
             </a:r>
           </a:p>
         </p:txBody>
@@ -5372,22 +5372,22 @@
               <a:spcAft>
                 <a:spcPts val="1000"/>
               </a:spcAft>
-              <a:defRPr sz="1200" b="1">
+              <a:defRPr sz="1000" b="1">
                 <a:solidFill>
                   <a:srgbClr val="000000"/>
                 </a:solidFill>
               </a:defRPr>
             </a:pPr>
             <a:r>
-              <a:t>(1) 지원자가 ○○공사에서 인턴과 계약직 사원으로 근무하면서 진행했던 해외수입정보검증회의의 구체적인 내용을 설명해주실 수 있나요?</a:t>
+              <a:t>(1) 지원자는 경영학과 중어중문학을 전공하며 경영 관련 지식과 외국어를 배웠다고 하셨습니다. 경영학과 중어중문학 전공이 농산물 수급관리 업무에 어떻게 기여할 수 있을지 구체적으로 설명해 주실 수 있나요?</a:t>
             </a:r>
             <a:br/>
             <a:r>
-              <a:t>(2) 외신보도모니터링을 수행할 때 직면했던 가장 큰 도전은 무엇이었고, 이를 어떻게 극복하셨나요?</a:t>
+              <a:t>(2) 인터뷰 모니터링과 해외 모니터들과의 소통에서 가장 어려웠던 순간은 무엇이었고, 어떻게 극복하셨나요?</a:t>
             </a:r>
             <a:br/>
             <a:r>
-              <a:t>(3) 입사 후 수입정보조사와 관세제도에 대한 지식을 활용하여 어떤 구체적 전략을 수립하고자 하시나요?</a:t>
+              <a:t>(3) 지원자는 입사 후 공사의 핵심사업인 농산물 수급관리 업무에 기여하고 싶다고 하셨습니다. 이러한 목표를 달성하기 위해 첫 번째로 추진할 계획은 무엇인가요?</a:t>
             </a:r>
           </a:p>
         </p:txBody>
@@ -5638,13 +5638,22 @@
               </a:spcAft>
             </a:pPr>
             <a:r>
+              <a:rPr u="sng" b="1" sz="1200">
+                <a:solidFill>
+                  <a:srgbClr val="000000"/>
+                </a:solidFill>
+                <a:latin typeface="맑은 고딕"/>
+              </a:rPr>
+              <a:t>(1)외국인유학생서포터즈 활동 당시, 중국인 팀원의 소극적인 태도로 인해 다른 팀원들이 그 친구의 퇴출을 주장하며 갈등이 발생했습니다.</a:t>
+            </a:r>
+            <a:r>
               <a:rPr sz="1200">
                 <a:solidFill>
                   <a:srgbClr val="000000"/>
                 </a:solidFill>
                 <a:latin typeface="맑은 고딕"/>
               </a:rPr>
-              <a:t>외국인유학생서포터즈 활동 당시, 중국인 팀원의 소극적인 태도로 인해 다른 팀원들이 그 친구의 퇴출을 주장하며 갈등이 발생했습니다. 당시 저는 팀원들의 의견을 존중하면서도 서포터즈 간의 원만한 관계 유지를 위해 갈등을 해결하고자 노력했습니다.</a:t>
+              <a:t> 당시 저는 팀원들의 의견을 존중하면서도 서포터즈 간의 원만한 관계 유지를 위해 갈등을 해결하고자 노력했습니다.</a:t>
             </a:r>
             <a:r>
               <a:rPr u="sng" b="1" sz="1200">
@@ -5653,7 +5662,7 @@
                 </a:solidFill>
                 <a:latin typeface="맑은 고딕"/>
               </a:rPr>
-              <a:t>(1)우선 중국인 친구와의 면담을 통해 한국어가 서툴러 회의내용을 이해하고 맡은 업무 수행하는데 어려움을 겪고 있다는 점을 알게 되었습니다.</a:t>
+              <a:t>(2)우선 중국인 친구와의 면담을 통해 한국어가 서툴러 회의내용을 이해하고 맡은 업무 수행하는데 어려움을 겪고 있다는 점을 알게 되었습니다.</a:t>
             </a:r>
             <a:r>
               <a:rPr sz="1200">
@@ -5662,7 +5671,7 @@
                 </a:solidFill>
                 <a:latin typeface="맑은 고딕"/>
               </a:rPr>
-              <a:t> 따라서 팀원들에게 상황을 설명하고, </a:t>
+              <a:t> 따라서 팀원들에게 상황을 설명하고, 퇴출보다는 그 친구의 역할을 조정하는 방향으로 함께 해결해보자고 설득했습니다. 이후 그 친구에게 회의내용을 중국어로 다시 설명해주고, 중국어 통번역 업무를 맡기며 역할을 재조정했습니다. 그 결과 중국인 친구는 활동에 적극적으로 참여하는 모습을 보였고, 팀원들 간의 관계도 원만하게 유지되었습니다.</a:t>
             </a:r>
             <a:r>
               <a:rPr u="sng" b="1" sz="1200">
@@ -5671,25 +5680,7 @@
                 </a:solidFill>
                 <a:latin typeface="맑은 고딕"/>
               </a:rPr>
-              <a:t>(2)퇴출보다는 그 친구의 역할을 조정하는 방향으로 함께 해결해보자고 설득했습니다.</a:t>
-            </a:r>
-            <a:r>
-              <a:rPr sz="1200">
-                <a:solidFill>
-                  <a:srgbClr val="000000"/>
-                </a:solidFill>
-                <a:latin typeface="맑은 고딕"/>
-              </a:rPr>
-              <a:t> 이후 그 친구에게 회의내용을 중국어로 다시 설명해주고, 중국어 통번역 업무를 맡기며 역할을 재조정했습니다. 그 결과 중국인 친구는 활동에 적극적으로 참여하는 모습을 보였고, 팀원들 간의 관계도 원만하게 유지되었습니다.이 경험을 통해 갈등 상황속에서 소통과 배려의 중요성을 깨달았으며, 입사 후에도 </a:t>
-            </a:r>
-            <a:r>
-              <a:rPr u="sng" b="1" sz="1200">
-                <a:solidFill>
-                  <a:srgbClr val="000000"/>
-                </a:solidFill>
-                <a:latin typeface="맑은 고딕"/>
-              </a:rPr>
-              <a:t>(3)부서원들과 상호 이해를 바탕으로 협력하여 조직에 긍정적인 영향을 미치고자 합니다.</a:t>
+              <a:t>(3)이 경험을 통해 갈등 상황속에서 소통과 배려의 중요성을 깨달았으며, 입사 후에도 부서원들과 상호 이해를 바탕으로 협력하여 조직에 긍정적인 영향을 미치고자 합니다.</a:t>
             </a:r>
           </a:p>
         </p:txBody>
@@ -5828,22 +5819,22 @@
               <a:spcAft>
                 <a:spcPts val="1000"/>
               </a:spcAft>
-              <a:defRPr sz="1200" b="1">
+              <a:defRPr sz="1000" b="1">
                 <a:solidFill>
                   <a:srgbClr val="000000"/>
                 </a:solidFill>
               </a:defRPr>
             </a:pPr>
             <a:r>
-              <a:t>(1) 외국인유학생서포터즈 활동 당시, 중국인 팀원과의 면담에서 어떤 방법으로 그 친구를 설득했는지에 대해 구체적으로 설명해주실 수 있나요?</a:t>
+              <a:t>(1) 외국인유학생서포터즈 활동에서 팀원들의 갈등을 해결하기 위해 구체적으로 어떤 의사소통 전략을 사용했는지 말씀해주시겠어요?</a:t>
             </a:r>
             <a:br/>
             <a:r>
-              <a:t>(2) 중국인 팀원의 역할을 조정할 때, 다른 팀원들 역시 변화를 받아들여야 했을 텐데, 이를 어떻게 조율하셨나요?</a:t>
+              <a:t>(2) 중국인 친구와의 면담 과정에서 당신이 발견한 가장 중요한 정보는 무엇이었으며, 그것이 갈등 해결에 어떻게 기여했나요?</a:t>
             </a:r>
             <a:br/>
             <a:r>
-              <a:t>(3) 서포터즈 활동을 통해 소통과 배려의 중요성을 느끼셨다고 했는데, 입사 후 이런 자질을 발휘하여 부서에 어떻게 기여하고자 하시나요?</a:t>
+              <a:t>(3) 이 경험을 통해 깨달은 소통과 배려의 중요성이 향후 직장에서 어떤 상황에서 가장 유용하다고 생각하시나요?</a:t>
             </a:r>
           </a:p>
         </p:txBody>
@@ -6094,13 +6085,22 @@
               </a:spcAft>
             </a:pPr>
             <a:r>
+              <a:rPr sz="1200">
+                <a:solidFill>
+                  <a:srgbClr val="000000"/>
+                </a:solidFill>
+                <a:latin typeface="맑은 고딕"/>
+              </a:rPr>
+              <a:t>공사 인턴으로 근무하며, 조직 경영 실적 평가와 내부 성과관리에 관한 업무를 경험하고 행정 업무역량을 쌓았습니다. 이 과정에서, </a:t>
+            </a:r>
+            <a:r>
               <a:rPr u="sng" b="1" sz="1200">
                 <a:solidFill>
                   <a:srgbClr val="000000"/>
                 </a:solidFill>
                 <a:latin typeface="맑은 고딕"/>
               </a:rPr>
-              <a:t>(1)공사 인턴으로 근무하며, 조직 경영 실적 평가와 내부 성과관리에 관한 업무를 경험하고 행정 업무역량을 쌓았습니다.</a:t>
+              <a:t>(1)학창 시절 배운 경영 전략 이론들을 실무에 적용하며 전반적인 성과관리 시스템을 파악할 수 있었습니다.</a:t>
             </a:r>
             <a:r>
               <a:rPr sz="1200">
@@ -6109,7 +6109,7 @@
                 </a:solidFill>
                 <a:latin typeface="맑은 고딕"/>
               </a:rPr>
-              <a:t> 이 과정에서, 학창 시절 배운 경영 전략 이론들을 실무에 적용하며 전반적인 성과관리 시스템을 파악할 수 있었습니다. 또한, </a:t>
+              <a:t> 또한, 동종업계의 경영 평가 보고서를 </a:t>
             </a:r>
             <a:r>
               <a:rPr u="sng" b="1" sz="1200">
@@ -6118,7 +6118,7 @@
                 </a:solidFill>
                 <a:latin typeface="맑은 고딕"/>
               </a:rPr>
-              <a:t>(2)동종업계의 경영 평가 보고서를 엑셀에 취합하고, 30개가 넘는 부서의 성과지표 보고서를 정확하게 관리하여, 기업 간 성과 비교를 효율적으로 할 수 있도록 지원하였고,</a:t>
+              <a:t>(2)엑셀에 취합하고, 30개가 넘는 부서의 성과지표 보고서를 정확하게 관리하여, 기업 간 성과 비교를 효율적으로 할 수 있도록 지원하였고</a:t>
             </a:r>
             <a:r>
               <a:rPr sz="1200">
@@ -6127,7 +6127,7 @@
                 </a:solidFill>
                 <a:latin typeface="맑은 고딕"/>
               </a:rPr>
-              <a:t> 데이터를 바탕으로 기업 간 강약점 분석 역량을 키울 수 있었습니다. </a:t>
+              <a:t>, 데이터를 바탕으로 기업 간 강약점 분석 역량을 키울 수 있었습니다. 또한, </a:t>
             </a:r>
             <a:r>
               <a:rPr u="sng" b="1" sz="1200">
@@ -6136,7 +6136,7 @@
                 </a:solidFill>
                 <a:latin typeface="맑은 고딕"/>
               </a:rPr>
-              <a:t>(3)또한, 재단 인턴 당시 외국인 내방객들을 응대하며 영어, 중국어, 일본어 의사소통 능력 및 홍보물 경험을 쌓았습니다.</a:t>
+              <a:t>(3)재단 인턴 당시 외국인 내방객들을 응대하며 영어, 중국어, 일본어 의사소통 능력 및 홍보물 경험을 쌓았습니다.</a:t>
             </a:r>
             <a:r>
               <a:rPr sz="1200">
@@ -6284,22 +6284,22 @@
               <a:spcAft>
                 <a:spcPts val="1000"/>
               </a:spcAft>
-              <a:defRPr sz="1200" b="1">
+              <a:defRPr sz="1000" b="1">
                 <a:solidFill>
                   <a:srgbClr val="000000"/>
                 </a:solidFill>
               </a:defRPr>
             </a:pPr>
             <a:r>
-              <a:t>(1) 공사 인턴으로 근무하며 조직 경영 실적 평가와 내부 성과관리에 관한 업무를 경험했다고 하셨습니다. 이 경험에서 가장 어려웠던 점은 무엇이었고, 그것을 어떻게 극복했는지 구체적으로 설명해 주시겠습니까?</a:t>
+              <a:t>(1) 지원자가 공사 인턴으로 근무하면서 경영 전략 이론들을 실무에 적용했던 구체적인 사례를 한 가지 설명해주실 수 있나요?</a:t>
             </a:r>
             <a:br/>
             <a:r>
-              <a:t>(2) 동종업계의 경영 평가 보고서를 엑셀에 취합하여 30개가 넘는 부서의 성과지표 보고서를 관리했다고 하셨습니다. 이 과정에서 가장 중점을 두었던 부분은 무엇이었고, 그 과정에서 얻은 가장 큰 배움은 무엇입니까?</a:t>
+              <a:t>(2) 지원자는 엑셀을 사용하여 30개 이상의 부서의 성과지표 보고서를 관리하면서 어떤 어려움이 있었고 그것을 어떻게 해결했는지 설명해주실 수 있나요?</a:t>
             </a:r>
             <a:br/>
             <a:r>
-              <a:t>(3) 재단 인턴 당시 외국인 내방객들을 응대하며 영어, 중국어, 일본어 의사소통 능력 및 홍보물 경험을 쌓았다고 하셨습니다. 이 경험이 지원자의 국제 업무 능력에 어떻게 기여할 수 있었는지 말씀해 주세요.</a:t>
+              <a:t>(3) 재단 인턴 당시 외국인 내방객 응대를 통해 어떤 구체적인 학습이나 발전이 있었는지 공유해주실 수 있나요?</a:t>
             </a:r>
           </a:p>
         </p:txBody>
@@ -6565,7 +6565,7 @@
                 </a:solidFill>
                 <a:latin typeface="맑은 고딕"/>
               </a:rPr>
-              <a:t>중국인 팀원들은 요즘 유행하는 게임으로 구성하는 데 주력했지만, 저와 한국인 팀원들은 이 캠프의 참가자 중 중국인 선생님이 계시기에 참여율을 높일 수 있는 방안을 제시했기 때문입니다. 의견 일치가 이루어지지 않는 상황에서 의사소통까지 원활하지 않았기에, 팀장으로서 긴장된 분위기를 전환하고자 각자가 생각하는 게임을 해보자고 제안했습니다. 처음에는 어색했지만, </a:t>
+              <a:t>중국인 팀원들은 요즘 유행하는 게임으로 구성하는 데 주력했지만, 저와 한국인 팀원들은 이 캠프의 참가자 중 중국인 선생님이 계시기에 참여율을 높일 수 있는 방안을 제시했기 때문입니다. </a:t>
             </a:r>
             <a:r>
               <a:rPr u="sng" b="1" sz="1200">
@@ -6574,7 +6574,7 @@
                 </a:solidFill>
                 <a:latin typeface="맑은 고딕"/>
               </a:rPr>
-              <a:t>(2)각 게임의 장점만 뽑아 하나의 게임으로 기획하자는 타협점을 찾을 수 있었습니다.</a:t>
+              <a:t>(2)의견 일치가 이루어지지 않는 상황에서 의사소통까지 원활하지 않았기에, 팀장으로서 긴장된 분위기를 전환하고자 각자가 생각하는 게임을 해보자고 제안했습니다.</a:t>
             </a:r>
             <a:r>
               <a:rPr sz="1200">
@@ -6583,7 +6583,7 @@
                 </a:solidFill>
                 <a:latin typeface="맑은 고딕"/>
               </a:rPr>
-              <a:t> 이후 회의에서 구체적으로 역할을 나누었고, 팀원들의 이해도를 높이기 위해 채팅방에 회의 내용을 한국어, 중국어로 요약하여 공유하였습니다. </a:t>
+              <a:t> 처음에는 어색했지만, 각 게임의 장점만 뽑아 하나의 게임으로 기획하자는 타협점을 찾을 수 있었습니다. 이후 회의에서 구체적으로 역할을 나누었고, 팀원들의 이해도를 높이기 위해 채팅방에 </a:t>
             </a:r>
             <a:r>
               <a:rPr u="sng" b="1" sz="1200">
@@ -6592,7 +6592,16 @@
                 </a:solidFill>
                 <a:latin typeface="맑은 고딕"/>
               </a:rPr>
-              <a:t>(3)6명의 팀원이 적극적으로 참여한 덕분에 팀원 모두가 만족하는 게임 프로그램을 기획하였고, 그 결과 10개의 팀 중 70명의 만족도가 가장 높은 프로그램으로 선정될 수 있었습니다.</a:t>
+              <a:t>(3)회의 내용을 한국어, 중국어로 요약하여 공유하였습니다. 6명의 팀원이 적극적으로 참여한 덕분에 팀원 모두가 만족하는 게임 프로그램을 기획하였고</a:t>
+            </a:r>
+            <a:r>
+              <a:rPr sz="1200">
+                <a:solidFill>
+                  <a:srgbClr val="000000"/>
+                </a:solidFill>
+                <a:latin typeface="맑은 고딕"/>
+              </a:rPr>
+              <a:t>, 그 결과 10개의 팀 중 70명의 만족도가 가장 높은 프로그램으로 선정될 수 있었습니다.</a:t>
             </a:r>
           </a:p>
         </p:txBody>
@@ -6731,22 +6740,22 @@
               <a:spcAft>
                 <a:spcPts val="1000"/>
               </a:spcAft>
-              <a:defRPr sz="1200" b="1">
+              <a:defRPr sz="1000" b="1">
                 <a:solidFill>
                   <a:srgbClr val="000000"/>
                 </a:solidFill>
               </a:defRPr>
             </a:pPr>
             <a:r>
-              <a:t>(1) 한중 교류캠프에서 게임 프로그램을 기획할 때 팀장으로서 있었던 갈등을 해결하기 위해 어떤 전략을 사용하셨는지, 그 과정에서 팀원들 간의 협력을 이끌어 내기 위해 가장 중요하게 생각했던 것은 무엇이었는지 설명해 주세요.</a:t>
+              <a:t>(1) 게임 프로그램 기획 시 중국인 팀원들과의 개념 불일치 상황에서 타협안을 도출할 때 주요 걸림돌은 무엇이었나요?</a:t>
             </a:r>
             <a:br/>
             <a:r>
-              <a:t>(2) 각 게임의 장점만 뽑아 하나의 게임으로 기획하는 타협점을 찾았다고 하셨습니다. 이러한 합의 과정을 통해 얻은 가장 큰 교훈은 무엇이고, 그 경험이 다른 프로젝트에 어떻게 적용될 수 있을 것이라고 생각하십니까?</a:t>
+              <a:t>(2) 한중 교류캠프에서 팀장으로서 긴장된 분위기를 어떻게 전환하셨는지, 그 과정에서 배운 점이 있다면 알려주세요.</a:t>
             </a:r>
             <a:br/>
             <a:r>
-              <a:t>(3) 6명의 팀원이 적극적으로 참여한 덕분에 팀원 모두가 만족하는 게임 프로그램을 기획하셨다고 하셨습니다. 이 과정에서 팀원으로부터 긍정적인 피드백을 받았던 구체적인 사례나 순간이 있었는지 말씀해 주세요.</a:t>
+              <a:t>(3) 캠프 프로그램 기획 진행 시 팀원 참여를 유도하기 위해 어떤 방식을 사용했는지 구체적으로 설명해 주세요.</a:t>
             </a:r>
           </a:p>
         </p:txBody>
@@ -7012,7 +7021,7 @@
                 </a:solidFill>
                 <a:latin typeface="맑은 고딕"/>
               </a:rPr>
-              <a:t>(1)정의와 청렴에 가장 반대되는 상황은, 이기심만을 쫓는 것이라고 생각합니다.</a:t>
+              <a:t>(1)정의와 청렴에 가장 반대되는 상황은, 이기심만을 쫓는 것이라고 생각합니다. 이기심만을 쫓는다면 공동체 정신은 무너지고 결국 그 집단은 목적을 잃고 쇠퇴할 것이라고 생각합니다.</a:t>
             </a:r>
             <a:r>
               <a:rPr sz="1200">
@@ -7021,7 +7030,7 @@
                 </a:solidFill>
                 <a:latin typeface="맑은 고딕"/>
               </a:rPr>
-              <a:t> 이기심만을 쫓는다면 공동체 정신은 무너지고 결국 그 집단은 목적을 잃고 쇠퇴할 것이라고 생각합니다. 따라서 늘 공동체를 생각하며 타인을 배려하고 희생하는 것이, 결국 공동체뿐만 아니라 공동체에 속한 자신을 위한 것이라고 생각합니다. 만약에 어떤 구성원의 이기심으로 인해 조직 내에서 갈등이 생긴다면, 저는 해당 구성원의 얘기를 경청하고 상황을 고려하여 해당 문제를 잘 파악할 것입니다. 왜 이기적인 마음과 행동이 있었는지 잘 파악하고, 그리고 그 이기심의 원인을 제거해서 이타심이 되도록 함께 노력할 것입니다.[협업 과정 속 갈등 해결해서 교수님께 칭찬 받고 전액장학금 받은 경험]2020년 00000 수업은 비대면 그리고 팀플 수업으로 진행되었습니다. 교수님께서는 ‘정식 SAS’로 수업을 하셨고, 학생들은 서로 다른 ‘SAS 학교제공 버전’, ‘SAS University Edition’ 등을 이용했습니다. 하지만 서로 다른 여러 가지 SAS 버전들은 서로 완벽히 호환되지 않았습니다. 예를 들어 기술통계부터, MLE, 변수변환 등의 함수코드가 호환되지 않았었습니다. 이론을 잘 실습하기가 어려웠던 것은 물론이고, 팀플 과제 때에도 서로 소프트웨어 문제를 언급하며 책임을 전가하고 의가 상하는 일도 있었습니다. </a:t>
+              <a:t> 따라서 늘 공동체를 생각하며 타인을 배려하고 희생하는 것이, 결국 공동체뿐만 아니라 공동체에 속한 자신을 위한 것이라고 생각합니다. 만약에 어떤 구성원의 이기심으로 인해 조직 내에서 갈등이 생긴다면, 저는 해당 구성원의 얘기를 경청하고 상황을 고려하여 해당 문제를 잘 파악할 것입니다. 왜 이기적인 마음과 행동이 있었는지 잘 파악하고, 그리고 그 이기심의 원인을 제거해서 이타심이 되도록 함께 노력할 것입니다.[협업 과정 속 갈등 해결해서 교수님께 칭찬 받고 전액장학금 받은 경험]2020년 00000 수업은 비대면 그리고 팀플 수업으로 진행되었습니다. 교수님께서는 ‘정식 SAS’로 수업을 하셨고, 학생들은 서로 다른 ‘SAS 학교제공 버전’, ‘SAS University Edition’ 등을 이용했습니다. 하지만 서로 다른 여러 가지 SAS 버전들은 서로 완벽히 호환되지 않았습니다. 예를 들어 기술통계부터, MLE, 변수변환 등의 함수코드가 호환되지 않았었습니다. 이론을 잘 실습하기가 어려웠던 것은 물론이고, 팀플 과제 때에도 서로 소프트웨어 문제를 언급하며 책임을 전가하고 의가 상하는 일도 있었습니다. </a:t>
             </a:r>
             <a:r>
               <a:rPr u="sng" b="1" sz="1200">
@@ -7030,7 +7039,7 @@
                 </a:solidFill>
                 <a:latin typeface="맑은 고딕"/>
               </a:rPr>
-              <a:t>(2)(3)전 비실시간 온라인 강의를 항상 첫 번째로 듣고 문제를 파악했었는데, 그때마다 구글링을 통해 해외 사이트들과 SAS홈페이지를 찾아보며 각 버전의 올바른 코드와 해결법과 찾고 교수님께 메일을 드렸습니다.</a:t>
+              <a:t>(2)전 비실시간 온라인 강의를 항상 첫 번째로 듣고 문제를 파악했었는데, 그때마다 구글링을 통해 해외 사이트들과 SAS홈페이지를 찾아보며 각 버전의 올바른 코드와 해결법과 찾고 교수님께 메일을 드렸습니다.</a:t>
             </a:r>
             <a:r>
               <a:rPr sz="1200">
@@ -7039,7 +7048,16 @@
                 </a:solidFill>
                 <a:latin typeface="맑은 고딕"/>
               </a:rPr>
-              <a:t> 교수님께 학기 후반부에 고맙다고 말씀해주시는 메일을 받은 후 매우 감사하고 감동했던 기억이 있습니다. 비록 비대면 수업이었을지라도 모든 강의와 과제를 늘 첫 번째로 하려고 했는데, 성실했던 덕분인지 감사하게도 해당 학기 석차 1등을 했고 전액장학금을 받았습니다.</a:t>
+              <a:t> 교수님께 학기 후반부에 고맙다고 말씀해주시는 메일을 받은 후 매우 감사하고 감동했던 기억이 있습니다. </a:t>
+            </a:r>
+            <a:r>
+              <a:rPr u="sng" b="1" sz="1200">
+                <a:solidFill>
+                  <a:srgbClr val="000000"/>
+                </a:solidFill>
+                <a:latin typeface="맑은 고딕"/>
+              </a:rPr>
+              <a:t>(3)비록 비대면 수업이었을지라도 모든 강의와 과제를 늘 첫 번째로 하려고 했는데, 성실했던 덕분인지 감사하게도 해당 학기 석차 1등을 했고 전액장학금을 받았습니다.</a:t>
             </a:r>
           </a:p>
         </p:txBody>
@@ -7178,22 +7196,22 @@
               <a:spcAft>
                 <a:spcPts val="1000"/>
               </a:spcAft>
-              <a:defRPr sz="1200" b="1">
+              <a:defRPr sz="1000" b="1">
                 <a:solidFill>
                   <a:srgbClr val="000000"/>
                 </a:solidFill>
               </a:defRPr>
             </a:pPr>
             <a:r>
-              <a:t>(1) 정의와 청렴에 반대되는 상황으로 '이기심'을 언급하셨습니다. 과거에 이런 이기심이 조직에 문제를 일으킨 사례를 경험하신 게 있다면, 그때 어떻게 대응하셨나요?</a:t>
+              <a:t>(1) 지원자는 이기심이 공동체 정신을 무너뜨린다고 생각하셨습니다. 그렇다면, 조직 내에서 이러한 문제를 예방하기 위해 평소에 어떤 노력을 기울이시나요?</a:t>
             </a:r>
             <a:br/>
             <a:r>
-              <a:t>(2) 비대면 수업에서 SAS 버전과 관련된 갈등을 해결하셨던 경험이 있는데, 이를 통해 얻은 교훈이 무엇인지 말씀해 주시겠어요?</a:t>
+              <a:t>(2) 팀플 수업에서 다른 SAS 버전으로 발생한 갈등을 해결하기 위해 구체적으로 어떤 노력을 기울였는지 말씀해주실 수 있나요?</a:t>
             </a:r>
             <a:br/>
             <a:r>
-              <a:t>(3) 첫 번째로 강의를 듣고 문제를 파악했다고 했습니다. 이러한 문제 해결 능력이 지원직무에 어떻게 기여할 수 있을까요?</a:t>
+              <a:t>(3) 지원자는 비대면 수업에서도 성실함으로 장학금을 받았다고 했습니다. 비대면 환경에서 성실함을 유지하는 팁이 있다면 무엇인가요?</a:t>
             </a:r>
           </a:p>
         </p:txBody>
@@ -7450,7 +7468,7 @@
                 </a:solidFill>
                 <a:latin typeface="맑은 고딕"/>
               </a:rPr>
-              <a:t>[OO시 </a:t>
+              <a:t>[OO시 사회적경제지원센터 '찾아가는 회계세무 서비스' 세무인턴 조장] : 사회적 약자에 대한 배려2개의 협동조합을 1달에 4회씩 방문하여, 회계·세무 기초지식 및 홈택스 교육, 회계·세무 상 고충 해결 등을 진행하였습니다.</a:t>
             </a:r>
             <a:r>
               <a:rPr u="sng" b="1" sz="1200">
@@ -7459,7 +7477,7 @@
                 </a:solidFill>
                 <a:latin typeface="맑은 고딕"/>
               </a:rPr>
-              <a:t>(1)사회적경제지원센터 '찾아가는 회계세무 서비스' 세무인턴 조장</a:t>
+              <a:t>(1)첫 번째 협동조합은 상담 초기에는 폐업을 고민하는 상황이었습니다.</a:t>
             </a:r>
             <a:r>
               <a:rPr sz="1200">
@@ -7468,7 +7486,7 @@
                 </a:solidFill>
                 <a:latin typeface="맑은 고딕"/>
               </a:rPr>
-              <a:t>] : 사회적 약자에 대한 배려2개의 협동조합을 1달에 4회씩 방문하여, 회계·세무 기초지식 및 홈택스 교육, 회계·세무 상 고충 해결 등을 진행하였습니다.첫 번째 협동조합은 상담 초기에는 폐업을 고민하는 상황이었습니다. 조원들과 토의를 거쳐서 일반사업자로 구성된 해당 협동조합의 특성을 반영하여, 해산 이후에도 도움이 될 내용을 중심으로 준비하기로 했습니다.비용의 귀속에 대한 경제적 실질, 배당에 따른 과세 여부, 청산 시 의제배당 등 설명으로 기존 고충을 해소하고, 무료 ERP 프로그램을 선별·추천하고, 부가세·법인세 신고 등 각종 홈택스 사용법 교육, 계정 분류 및 기초 분개를 찾아볼 수 있도록 회계 세무 기초자료를 제작·제공하였습니다. 또한 만약 해산을 하게 될 경우에 대비하여 협동조합의 청산절차에 대해서도 조사하여 안내하였습니다.두 번째 협동조합을 담당할 때에는 부가가치세가 면세되는 공인법인 특성에 알맞게, 세금계산서 및 계산서의 구분, ‘처음엑셀회계’ 상 계정과목 생성 및 분류, 원천세 신고 및 매입세액공제 등록 등 홈택스 사용법 교육, 회계 분개 기초 및 면세와 과세에 대한 교육자료 제작 및 설명, 그리고 23년 회계 내역을 엑셀 파일로 받아, 계정을 분류하여 멘토 세무사님과 함께 재무상태표 및 손익계산서를 만들어 제공하였습니다.</a:t>
+              <a:t> 조원들과 토의를 거쳐서 일반사업자로 구성된 해당 협동조합의 특성을 반영하여, 해산 이후에도 도움이 될 내용을 중심으로 준비하기로 했습니다.비용의 귀속에 대한 경제적 실질, 배당에 따른 과세 여부, 청산 시 의제배당 등 설명으로 기존 고충을 해소하고, 무료 ERP 프로그램을 선별·추천하고, 부가세·법인세 신고 등 각종 홈택스 사용법 교육, 계정 분류 및 기초 분개를 찾아볼 수 있도록 </a:t>
             </a:r>
             <a:r>
               <a:rPr u="sng" b="1" sz="1200">
@@ -7477,7 +7495,7 @@
                 </a:solidFill>
                 <a:latin typeface="맑은 고딕"/>
               </a:rPr>
-              <a:t>(2)첫 번째 협동조합은 폐업 결정을 번복하고 활동 중에 있습니다.</a:t>
+              <a:t>(2)회계 세무 기초자료를 제작·제공하였습니다.</a:t>
             </a:r>
             <a:r>
               <a:rPr sz="1200">
@@ -7486,7 +7504,7 @@
                 </a:solidFill>
                 <a:latin typeface="맑은 고딕"/>
               </a:rPr>
-              <a:t> 완치된 환자를 지켜보는 의사의 기분을 체험할 수 있었습니다. 또한 일주일 간격으로 변화하는 모습을 지켜보면서, 타인을 도와서 함께 발전하는 것에 기쁨을 느꼈습니다.또한 </a:t>
+              <a:t> 또한 만약 해산을 하게 될 경우에 대비하여 협동조합의 청산절차에 대해서도 조사하여 안내하였습니다.두 번째 협동조합을 담당할 때에는 </a:t>
             </a:r>
             <a:r>
               <a:rPr u="sng" b="1" sz="1200">
@@ -7495,7 +7513,7 @@
                 </a:solidFill>
                 <a:latin typeface="맑은 고딕"/>
               </a:rPr>
-              <a:t>(3)강의실에서의 지식과 현장에서의 적용 사이의 괴리를 느꼈습니다.</a:t>
+              <a:t>(3)부가가치세가 면세되는 공인법인 특성에 알맞게, 세금계산서 및 계산서의 구분, ‘처음엑셀회계’ 상 계정과목 생성 및 분류, 원천세 신고 및 매입세액공제 등록 등</a:t>
             </a:r>
             <a:r>
               <a:rPr sz="1200">
@@ -7504,7 +7522,7 @@
                 </a:solidFill>
                 <a:latin typeface="맑은 고딕"/>
               </a:rPr>
-              <a:t> 부가가치세 면세와 법인세법상 익금은 다른 차원의 문제임을 현장에서 바로 생각하지 못한 것에 대해 부끄러움을 느꼈고, 다양한 실무 경험의 필요성을 체감하였습니다.</a:t>
+              <a:t> 홈택스 사용법 교육, 회계 분개 기초 및 면세와 과세에 대한 교육자료 제작 및 설명, 그리고 23년 회계 내역을 엑셀 파일로 받아, 계정을 분류하여 멘토 세무사님과 함께 재무상태표 및 손익계산서를 만들어 제공하였습니다.첫 번째 협동조합은 폐업 결정을 번복하고 활동 중에 있습니다. 완치된 환자를 지켜보는 의사의 기분을 체험할 수 있었습니다. 또한 일주일 간격으로 변화하는 모습을 지켜보면서, 타인을 도와서 함께 발전하는 것에 기쁨을 느꼈습니다.또한 강의실에서의 지식과 현장에서의 적용 사이의 괴리를 느꼈습니다. 부가가치세 면세와 법인세법상 익금은 다른 차원의 문제임을 현장에서 바로 생각하지 못한 것에 대해 부끄러움을 느꼈고, 다양한 실무 경험의 필요성을 체감하였습니다.</a:t>
             </a:r>
           </a:p>
         </p:txBody>
@@ -7643,22 +7661,22 @@
               <a:spcAft>
                 <a:spcPts val="1000"/>
               </a:spcAft>
-              <a:defRPr sz="1200" b="1">
+              <a:defRPr sz="1000" b="1">
                 <a:solidFill>
                   <a:srgbClr val="000000"/>
                 </a:solidFill>
               </a:defRPr>
             </a:pPr>
             <a:r>
-              <a:t>(1) 지원자가 수행했던 '찾아가는 회계세무 서비스'에서 조장으로서의 역할과 그 역할이 프로젝트의 성공에 어떤 영향을 미쳤는지 구체적으로 설명해 주시겠습니까?</a:t>
+              <a:t>(1) 지원자는 첫 번째 협동조합의 경우, 폐업을 고민하고 있던 상황에서 해당 협동조합의 특성을 반영한 맞춤형 지원을 제공하셨습니다. 이 과정에서 가장 큰 어려움은 무엇이었고, 이를 어떻게 극복하셨나요?</a:t>
             </a:r>
             <a:br/>
             <a:r>
-              <a:t>(2) 첫 번째 협동조합이 폐업 결정을 번복하고 활동을 지속할 수 있었던 요인이 무엇이라고 생각하며, 지원자가 기여한 부분은 무엇인지 설명해 주시겠습니까?</a:t>
+              <a:t>(2) 지원자가 회계·세무 기초자료를 제작·제공하며 어떤 점에서 가장 성취감을 느꼈는지, 그리고 이러한 경험이 향후 직무에 어떻게 도움이 될 것이라 생각하시나요?</a:t>
             </a:r>
             <a:br/>
             <a:r>
-              <a:t>(3) 지원자는 현장의 경험을 통해 어떤 한계를 느꼈고, 이를 개선하기 위한 향후 계획이 있다면 설명해 주시겠습니까?</a:t>
+              <a:t>(3) 두 번째 협동조합의 경우, 부가가치세가 면세되는 공인법인의 특성을 고려한 지원을 하셨다고 하셨는데, 이를 위해 구체적으로 어떤 자료를 준비했고, 지원자가 새로운 인사이트를 얻은 부분이 있었나요?</a:t>
             </a:r>
           </a:p>
         </p:txBody>
@@ -7933,7 +7951,7 @@
                 </a:solidFill>
                 <a:latin typeface="맑은 고딕"/>
               </a:rPr>
-              <a:t> 원래 수업을 한 공간에서 다같이 진행하여야 했으나, 해당 학생으로 인해 다른 학생들의 수업권이 침해된다고 생각하여 공간을 분리하기도 하였습니다.고정된 조합 이외에는 최선의 대응 조합을 위하여 선생님과 제자를 매주 번갈아 가며 진행하기도 했습니다.[밴드 소모임] : 비원칙성에 대한 대처2020년 2학기부터 2022년 8월까지 밴드 소모임 회장 권한대행을 맡았습니다. 수업이 비대면으로 진행되었기에 회원 모집 및 활동이 불가능하였고, 동아리 운영 및 유지에 행정적인 문제가 생겼습니다.학과 </a:t>
+              <a:t> 원래 수업을 한 공간에서 다같이 진행하여야 했으나, 해당 학생으로 인해 다른 학생들의 수업권이 침해된다고 생각하여 공간을 분리하기도 하였습니다.고정된 조합 이외에는 최선의 대응 조합을 위하여 선생님과 제자를 매주 번갈아 가며 진행하기도 했습니다.[밴드 소모임] : 비원칙성에 대한 대처2020년 2학기부터 2022년 8월까지 밴드 소모임 회장 권한대행을 맡았습니다. 수업이 비대면으로 진행되었기에 회원 모집 및 활동이 불가능하였고, 동아리 운영 및 유지에 행정적인 문제가 생겼습니다.</a:t>
             </a:r>
             <a:r>
               <a:rPr u="sng" b="1" sz="1200">
@@ -7942,7 +7960,7 @@
                 </a:solidFill>
                 <a:latin typeface="맑은 고딕"/>
               </a:rPr>
-              <a:t>(2)학생회로부터 2022년 7월에 동아리실 캐비닛 철거 요청을 받았습니다.</a:t>
+              <a:t>(2)학과 학생회로부터 2022년 7월에 동아리실 캐비닛 철거 요청을 받았습니다.</a:t>
             </a:r>
             <a:r>
               <a:rPr sz="1200">
@@ -7951,7 +7969,7 @@
                 </a:solidFill>
                 <a:latin typeface="맑은 고딕"/>
               </a:rPr>
-              <a:t> 그러나 2022년 하반기부터 새로운 회장단을 확보하여 활동 재개를 계획하고 있었기에 이를 학생회에 설명하고 우선적으로 철거를 연기하였습니다. 또한 학생회에서 철거 사유로 '해당 소모임의 오랜 활동 중지로 사적 모임에 해당'을 제시하였는데, 학생회칙상 그러한 조항이 존재하지 않았고, 철거 사유에 근거가 부족함을 어필하였습니다.이후 학과 소모임으로 유지되었고, 2022년 2학기 개강 후 회원을 모집하고 활동을 시작하여 학생회로부터 철거 취소 통보를 받았습니다.회장 경험을 통해서 책임감 및 문제해결 능력을 길렀습니다. </a:t>
+              <a:t> 그러나 2022년 하반기부터 새로운 회장단을 확보하여 활동 재개를 계획하고 있었기에 이를 학생회에 설명하고 우선적으로 철거를 연기하였습니다. 또한 학생회에서 철거 사유로 '해당 소모임의 오랜 활동 중지로 사적 모임에 해당'을 제시하였는데, 학생회칙상 그러한 조항이 존재하지 않았고, 철거 사유에 근거가 부족함을 어필하였습니다.이후 학과 소모임으로 유지되었고, 2022년 2학기 개강 후 회원을 모집하고 활동을 시작하여 학생회로부터 철거 취소 통보를 받았습니다.</a:t>
             </a:r>
             <a:r>
               <a:rPr u="sng" b="1" sz="1200">
@@ -7960,7 +7978,16 @@
                 </a:solidFill>
                 <a:latin typeface="맑은 고딕"/>
               </a:rPr>
-              <a:t>(3)코로나 발생 전 회장직을 맡게 되었고, 코로나가 풍토병화 된 이후까지 동아리를 유지하였습니다. 예상치 못한 변수가 발생하더라도, 그 상황에서 할 수 있는 최선의 판단을 내린다면, 결과적으로 성취하고 싶은 바를 이룰 수 있었습니다.</a:t>
+              <a:t>(3)회장 경험을 통해서 책임감 및 문제해결 능력을 길렀습니다.</a:t>
+            </a:r>
+            <a:r>
+              <a:rPr sz="1200">
+                <a:solidFill>
+                  <a:srgbClr val="000000"/>
+                </a:solidFill>
+                <a:latin typeface="맑은 고딕"/>
+              </a:rPr>
+              <a:t> 코로나 발생 전 회장직을 맡게 되었고, 코로나가 풍토병화 된 이후까지 동아리를 유지하였습니다. 예상치 못한 변수가 발생하더라도, 그 상황에서 할 수 있는 최선의 판단을 내린다면, 결과적으로 성취하고 싶은 바를 이룰 수 있었습니다.</a:t>
             </a:r>
           </a:p>
         </p:txBody>
@@ -8099,22 +8126,22 @@
               <a:spcAft>
                 <a:spcPts val="1000"/>
               </a:spcAft>
-              <a:defRPr sz="1200" b="1">
+              <a:defRPr sz="1000" b="1">
                 <a:solidFill>
                   <a:srgbClr val="000000"/>
                 </a:solidFill>
               </a:defRPr>
             </a:pPr>
             <a:r>
-              <a:t>(1) 교육봉사활동 중 난처한 상황을 겪었던 사례와 이를 해결하기 위해 어떤 노력을 기울였는지 구체적으로 설명해 주시겠습니까?</a:t>
+              <a:t>(1) 교육봉사활동에서 산만한 학생을 다소 엄격한 선생님과 수업을 진행하도록 결정하셨다고 했습니다. 이 과정에서 학생의 반응은 어땠고, 결과적으로 어떤 변화를 이끌어낼 수 있었나요?</a:t>
             </a:r>
             <a:br/>
             <a:r>
-              <a:t>(2) 밴드 소모임에서 회장 권한대행으로서 실행했던 중요한 결정 한 가지와 그 결정이 미친 영향을 설명해 주시겠습니까?</a:t>
+              <a:t>(2) 지원자가 밴드 소모임 회장 권한대행 시절 학생회의 철거 요청을 대처하며 가장 중요하게 고려했던 점은 무엇이었나요?</a:t>
             </a:r>
             <a:br/>
             <a:r>
-              <a:t>(3) 지원자는 예상치 못한 변수에 어떻게 대처하였으며, 이러한 대처 역량이 회사에서 어떻게 활용될 수 있을지 설명해 주시겠습니까?</a:t>
+              <a:t>(3) 밴드 소모임 운영을 통해 책임감 및 문제해결 능력을 길렀다고 하셨는데, 구체적으로 어떠한 상황을 해결하며 이러한 능력을 배양하게 되었나요?</a:t>
             </a:r>
           </a:p>
         </p:txBody>
@@ -8371,7 +8398,7 @@
                 </a:solidFill>
                 <a:latin typeface="맑은 고딕"/>
               </a:rPr>
-              <a:t>[ESG 경영 = 말에 대한 이해와 경험, 업무 시스템, 사람들과의 소통]한국마사회는 건강한 말 산업 생태계를 조성하기 위해 21년부터 ESG 경영을 도입하여 지속 가능한 경영 기반을 확립해 나가고 있습니다. 수의 분야에서 한국마사회가 추구하는 ESG 경영에 기여할 수 있는 부분은 말의 복지 실현, 지역 사회 공헌이라고 생각합니다. 먼저, 말의 복지 실현을 위해 중요한 것은 2가지입니다. 첫 번째는 말의 건강을 책임지기 위한 말에 대한 이해와 진료 경험입니다. </a:t>
+              <a:t>[ESG 경영 = 말에 대한 이해와 경험, 업무 시스템, 사람들과의 소통]한국마사회는 건강한 말 산업 생태계를 조성하기 위해 21년부터 ESG 경영을 도입하여 지속 가능한 경영 기반을 확립해 나가고 있습니다. 수의 분야에서 한국마사회가 추구하는 ESG 경영에 기여할 수 있는 부분은 말의 복지 실현, 지역 사회 공헌이라고 생각합니다. 먼저, 말의 복지 실현을 위해 중요한 것은 2가지입니다. 첫 번째는 말의 건강을 책임지기 위한 말에 대한 이해와 진료 경험입니다. 저는 </a:t>
             </a:r>
             <a:r>
               <a:rPr u="sng" b="1" sz="1200">
@@ -8380,7 +8407,7 @@
                 </a:solidFill>
                 <a:latin typeface="맑은 고딕"/>
               </a:rPr>
-              <a:t>(1)저는 학부생 때 기본적인 말 진료를 공부했고 말의 관리, 초음파, 직장 검사를 통한 검진을 직접 해보았습니다.</a:t>
+              <a:t>(1)학부생 때 기본적인 말 진료를 공부했고</a:t>
             </a:r>
             <a:r>
               <a:rPr sz="1200">
@@ -8389,7 +8416,7 @@
                 </a:solidFill>
                 <a:latin typeface="맑은 고딕"/>
               </a:rPr>
-              <a:t> 목장 실습 때에는 설사하는 망아지를 관리해 보고, 산통이 온 말의 탐색적 개복술, 부상으로 인한 박리성 뼈 연골염 관절경 수술을 참관하였습니다. 두 번째는 말 진료에 필요한 물품, 좋은 진료 환경을 마련하기 위한 예산 작업 등 행정업무가 중요하다고 생각합니다. </a:t>
+              <a:t> 말의 관리, 초음파, 직장 검사를 통한 검진을 직접 해보았습니다. 목장 실습 때에는 설사하는 망아지를 관리해 보고, 산통이 온 말의 탐색적 개복술, 부상으로 인한 박리성 뼈 연골염 관절경 수술을 참관하였습니다. 두 번째는 말 진료에 필요한 물품, 좋은 진료 환경을 마련하기 위한 예산 작업 등 행정업무가 중요하다고 생각합니다. </a:t>
             </a:r>
             <a:r>
               <a:rPr u="sng" b="1" sz="1200">
@@ -8398,7 +8425,7 @@
                 </a:solidFill>
                 <a:latin typeface="맑은 고딕"/>
               </a:rPr>
-              <a:t>(2)저는 지난 3년간 공중방역수의사로서 근무를 하면서 우리나라 행정 시스템을 경험해왔고 공문 작성, 물품 구입 등 다양한 행정 업무를 배워왔습니다.</a:t>
+              <a:t>(2)저는 지난 3년간 공중방역수의사로서 근무를 하면서 우리나라 행정 시스템을 경험해왔고</a:t>
             </a:r>
             <a:r>
               <a:rPr sz="1200">
@@ -8407,7 +8434,7 @@
                 </a:solidFill>
                 <a:latin typeface="맑은 고딕"/>
               </a:rPr>
-              <a:t>더 나아가 수의 분야가 지역 청소년, 지역 주민들과의 소통을 통해 사회 공헌을 할 수 있다고 생각합니다. 작년 한국마사회에서 제13회 과천시 평생학습축제에 어린이들을 위한 말 동물 병원 수의사체험 부스를 새롭게 선보이며 지역 청소년과 어린이들에게 말과 함께하는 수의사라는 직업을 경험하게 하게 하였습니다. 저도 학부생 때, 반려동물 한마당 축제에서 부스를 운영하여 반려동물들과 함께 지역사회 주민과 소통하며 즐거운 축제의 장을 제공했던 경험이 있습니다.저는 위 경험을 바탕으로 마사회 입사 후, 빠르게 마사회 시스템에 적응할 뿐 아니라 말에 대한 이해를 바탕으로 말의 건강을 책임지는 전문적인 수의사로 성장하고 싶습니다. </a:t>
+              <a:t> 공문 작성, 물품 구입 등 다양한 행정 업무를 배워왔습니다.더 나아가 수의 분야가 지역 청소년, 지역 주민들과의 소통을 통해 사회 공헌을 할 수 있다고 생각합니다. 작년 한국마사회에서 제13회 과천시 평생학습축제에 어린이들을 위한 말 동물 병원 수의사체험 부스를 새롭게 선보이며 지역 청소년과 어린이들에게 말과 함께하는 수의사라는 직업을 경험하게 하게 하였습니다. 저도 학부생 때, 반려동물 한마당 축제에서 부스를 운영하여 반려동물들과 함께 지역사회 주민과 소통하며 즐거운 축제의 장을 제공했던 경험이 있습니다.저는 위 경험을 바탕으로 마사회 입사 후, 빠르게 마사회 시스템에 적응할 뿐 아니라 말에 대한 이해를 바탕으로 말의 건강을 책임지는 전문적인 수의사로 성장하고 싶습니다. </a:t>
             </a:r>
             <a:r>
               <a:rPr u="sng" b="1" sz="1200">
@@ -8416,7 +8443,7 @@
                 </a:solidFill>
                 <a:latin typeface="맑은 고딕"/>
               </a:rPr>
-              <a:t>(3)더 나아가 지역 주민들과 소통할 수 있는 다양한 프로그램을 만들어서 한국 마사회가 추구하는 ESG 경영에 동참해</a:t>
+              <a:t>(3)더 나아가 지역 주민들과 소통할 수 있는 다양한 프로그램을 만들어서</a:t>
             </a:r>
             <a:r>
               <a:rPr sz="1200">
@@ -8425,7 +8452,7 @@
                 </a:solidFill>
                 <a:latin typeface="맑은 고딕"/>
               </a:rPr>
-              <a:t> 마사회의 협력과 나눔, 국민행복의 가치를 실현하고 싶습니다.</a:t>
+              <a:t> 한국 마사회가 추구하는 ESG 경영에 동참해 마사회의 협력과 나눔, 국민행복의 가치를 실현하고 싶습니다.</a:t>
             </a:r>
           </a:p>
         </p:txBody>
@@ -8564,22 +8591,22 @@
               <a:spcAft>
                 <a:spcPts val="1000"/>
               </a:spcAft>
-              <a:defRPr sz="1200" b="1">
+              <a:defRPr sz="1000" b="1">
                 <a:solidFill>
                   <a:srgbClr val="000000"/>
                 </a:solidFill>
               </a:defRPr>
             </a:pPr>
             <a:r>
-              <a:t>(1) 지원자가 학부생 때 경험한 말의 관리와 검진 과정에 대해 조금 더 구체적으로 설명해주시겠습니까?</a:t>
+              <a:t>(1) 지원자는 학부생 때 기본적인 말 진료를 공부하고 직접 실습하였다고 적어주셨는데, 이러한 경험이 앞으로 어떤 업무에 구체적으로 도움이 될 것이라고 생각하십니까?</a:t>
             </a:r>
             <a:br/>
             <a:r>
-              <a:t>(2) 공중방역수의사로서 다양한 행정 업무를 배워왔다고 했는데, 이 경험이 마사회에서 어떻게 응용될 수 있을까요?</a:t>
+              <a:t>(2) 공중방역수의사로 근무하면서 익힌 행정업무 경험이 마사회 입사 후 어떤 방식으로 활용될 수 있을까요?</a:t>
             </a:r>
             <a:br/>
             <a:r>
-              <a:t>(3) 지원자가 제안한 지역 주민들과의 소통을 위한 프로그램의 구체적인 계획이 있으신가요?</a:t>
+              <a:t>(3) 지원자는 지역 주민들과 소통할 수 있는 다양한 프로그램을 만들고 싶다고 했습니다. 이를 위해 구체적으로 어떤 프로그램을 구상하고 계신가요?</a:t>
             </a:r>
           </a:p>
         </p:txBody>
@@ -8836,7 +8863,7 @@
                 </a:solidFill>
                 <a:latin typeface="맑은 고딕"/>
               </a:rPr>
-              <a:t>[문제 해결의 시작 : 대화, 책임지는 자세]정의는 진리에 맞는 올바른 도리, 청렴은 성품과 행실이 높고 맑으며, 탐욕이 없음이라는 뜻을 가지고 있습니다. 정의와 청렴의 뜻에 비추어 보았을 때 조직 생활에서 가장 반대되는 상황은 자신이 맡은 바를 책임지지 않는 근무태만이라고 생각합니다. 근무, 직무 태만의 경우, 직장인으로서 자신의 도리를 다하지 않는 것뿐 아니라 직장 내 다른 사람들이 직무 태만인 직원 업무까지 불가피하게 해야 하므로 팀 내 업무능률을 떨어뜨리고 조직 전체에 악영향을 끼칠 수 있다고 생각합니다. </a:t>
+              <a:t>[문제 해결의 시작 : 대화, 책임지는 자세]정의는 진리에 맞는 올바른 도리, 청렴은 성품과 행실이 높고 맑으며, 탐욕이 없음이라는 뜻을 가지고 있습니다. 정의와 청렴의 뜻에 비추어 보았을 때 조직 생활에서 가장 반대되는 상황은 자신이 맡은 바를 책임지지 않는 근무태만이라고 생각합니다. 근무, 직무 태만의 경우, 직장인으로서 자신의 도리를 다하지 않는 것뿐 아니라 </a:t>
             </a:r>
             <a:r>
               <a:rPr u="sng" b="1" sz="1200">
@@ -8845,7 +8872,7 @@
                 </a:solidFill>
                 <a:latin typeface="맑은 고딕"/>
               </a:rPr>
-              <a:t>(1)공중방역수의사로 근무할 당시, 자신의 업무를 하지 않고 저에게 일을 부탁하는 사수가 있었습니다. 처음에는 사수분에게 여러 사정이 있다고 생각해서 사수분 대신 야근을 하면서까지 그분의 업무를 처리했습니다.</a:t>
+              <a:t>(1)직장 내 다른 사람들이 직무 태만인 직원 업무까지 불가피하게 해야 하므로</a:t>
             </a:r>
             <a:r>
               <a:rPr sz="1200">
@@ -8854,7 +8881,7 @@
                 </a:solidFill>
                 <a:latin typeface="맑은 고딕"/>
               </a:rPr>
-              <a:t> 어느 순간 제 업무마저 처리를 못하여 부탁을 정중하게 거절하였지만 그 뒤에도 상황은 달라지지 않았습니다. 반복해서 사수는 자신의 업무를 저에게 부탁하려고 했습니다. 사수와의 대화가 필요하다고 생각한 저는 허심탄회하게 업무에 관해 이야기를 나누었습니다. 대화를 통해 사수분께서 나이가 있으시다 보니 컴퓨터 업무에 있어 어려움을 겪었고 잘하지 못하다 보니 기피하게 되었다는 걸 알게 되었습니다. </a:t>
+              <a:t> 팀 내 업무능률을 떨어뜨리고 조직 전체에 악영향을 끼칠 수 있다고 생각합니다. 공중방역수의사로 근무할 당시, 자신의 업무를 하지 않고 저에게 일을 부탁하는 사수가 있었습니다. 처음에는 사수분에게 여러 사정이 있다고 생각해서 사수분 대신 야근을 하면서까지 그분의 업무를 처리했습니다. 어느 순간 제 업무마저 처리를 못하여 부탁을 정중하게 거절하였지만 그 뒤에도 상황은 달라지지 않았습니다. 반복해서 사수는 자신의 업무를 저에게 부탁하려고 했습니다. 사수와의 대화가 필요하다고 생각한 저는 허심탄회하게 업무에 관해 이야기를 나누었습니다. </a:t>
             </a:r>
             <a:r>
               <a:rPr u="sng" b="1" sz="1200">
@@ -8863,7 +8890,7 @@
                 </a:solidFill>
                 <a:latin typeface="맑은 고딕"/>
               </a:rPr>
-              <a:t>(2)저는 사수를 위해 업무 관련된 엑셀자료를 따로 정리했고, 시간이 될 때마다 따로 만나 천천히 알려드렸습니다.</a:t>
+              <a:t>(2)대화를 통해 사수분께서 나이가 있으시다 보니</a:t>
             </a:r>
             <a:r>
               <a:rPr sz="1200">
@@ -8872,7 +8899,7 @@
                 </a:solidFill>
                 <a:latin typeface="맑은 고딕"/>
               </a:rPr>
-              <a:t> 그 후엔 업무처리능력이 향상되셔서 나중엔 스스로 업무를 처리하셨습니다. 이 경험을 통해 2가지를 깨닫게 되었습니다. 조직 내에 갈등이 있을 경우, 대화가 문제 해결의 시작점이라는 것과 조직은 팀이기 때문에 한 사람의 어려움을 같이 책임지고자 했을 때 팀 전체의 효율이 커진다는 것을 알게 되었습니다. 팀은 함께 간다고 생각합니다. 마사회 입사 후, 저만이 아니라 팀 동료들의 어려움을 함께하고 도우면서 팀의 효율을 늘리고 업무 태만이 아닌 업무 향상을 시키는 마사회 일원이 되겠습니다.</a:t>
+              <a:t> 컴퓨터 업무에 있어 어려움을 겪었고 잘하지 못하다 보니 기피하게 되었다는 걸 알게 되었습니다. 저는 사수를 위해 업무 관련된 엑셀자료를 따로 정리했고, 시간이 될 때마다 따로 만나 천천히 알려드렸습니다. 그 후엔 업무처리능력이 향상되셔서 나중엔 스스로 업무를 처리하셨습니다. 이 경험을 통해 2가지를 깨닫게 되었습니다. 조직 내에 갈등이 있을 경우, 대화가 문제 해결의 시작점이라는 것과 조직은 팀이기 때문에 한 사람의 어려움을 같이 책임지고자 했을 때 팀 전체의 효율이 커진다는 것을 알게 되었습니다. 팀은 함께 간다고 생각합니다. 마사회 입사 후, 저만이 아니라 </a:t>
             </a:r>
             <a:r>
               <a:rPr u="sng" b="1" sz="1200">
@@ -8881,7 +8908,16 @@
                 </a:solidFill>
                 <a:latin typeface="맑은 고딕"/>
               </a:rPr>
-              <a:t>(3)</a:t>
+              <a:t>(3)팀 동료들의 어려움을 함께하고 도우면서 팀의 효율을 늘리고</a:t>
+            </a:r>
+            <a:r>
+              <a:rPr sz="1200">
+                <a:solidFill>
+                  <a:srgbClr val="000000"/>
+                </a:solidFill>
+                <a:latin typeface="맑은 고딕"/>
+              </a:rPr>
+              <a:t> 업무 태만이 아닌 업무 향상을 시키는 마사회 일원이 되겠습니다.</a:t>
             </a:r>
           </a:p>
         </p:txBody>
@@ -9020,22 +9056,22 @@
               <a:spcAft>
                 <a:spcPts val="1000"/>
               </a:spcAft>
-              <a:defRPr sz="1200" b="1">
+              <a:defRPr sz="1000" b="1">
                 <a:solidFill>
                   <a:srgbClr val="000000"/>
                 </a:solidFill>
               </a:defRPr>
             </a:pPr>
             <a:r>
-              <a:t>(1) 업무 태만으로 인한 팀 내 갈등을 풀기 위해 대화를 나눈 경험이 있다고 하셨는데, 그 당시 가장 어려웠던 점은 무엇이었나요?</a:t>
+              <a:t>(1) 자신의 업무를 다른 사람에게 미루는 것의 문제점에 대해 적어주셨는데, 팀 내에서 이러한 상황이 발생하지 않도록 하기 위해 어떤 예방책을 제안할 수 있을까요?</a:t>
             </a:r>
             <a:br/>
             <a:r>
-              <a:t>(2) 엑셀자료 정리와 같은 방법으로 상대방을 도운 조치가 나중에 조직에 어떤 긍정적인 영향을 미쳤나요?</a:t>
+              <a:t>(2) 사수와의 갈등을 해결하기 위해 대화를 선택했다고 하셨습니다. 만약 대화로도 문제가 해결되지 않을 경우, 어떤 추가적인 방법을 고려하셨습니까?</a:t>
             </a:r>
             <a:br/>
             <a:r>
-              <a:t>(3) 마사회 입사 후 팀 동료들의 어려움을 함께 하겠다고 하셨는데, 이를 위한 구체적인 계획이나 준비가 있다면 알려주시겠습니까?</a:t>
+              <a:t>(3) 팀 동료들의 어려움을 함께하고 도우면서 팀 효율을 늘리고 싶다고 하셨습니다. 이를 위해 평소에 어떤 노력을 기울이고 계신가요?</a:t>
             </a:r>
           </a:p>
         </p:txBody>
@@ -9292,7 +9328,7 @@
                 </a:solidFill>
                 <a:latin typeface="맑은 고딕"/>
               </a:rPr>
-              <a:t>저는 한국마사회에서 6년간 근무하였습니다.최근 한국마사회는 전자카드 4.0 애플리케이션에 온라인 경마 기능을 추가하여, 사업장 내 뿐만 아니라, 사업장 외에서 구매 상한이 절반으로 제한된 마권을 구매할 수 있도록 하는 시스템을 시범 운영하고, 시범 운영 인원을 점차 확대해 나가는 변화가 있습니다. 그 뿐만 아니라 사회적인 트렌드인 인공지능 기술을 한국마사회에 필요한 분야에 결합하여, 말 부위 식별 및 보행 이상 진단이 가능한 상태 인공지능 기술 도입하기 위한 모델 학습 절차를 진행 중입니다.앞으로 한국마사회는 기능이 추가된 전자카드 4.0을 더 안정적으로 유지보수하고, 고객 정보 관리에 힘쓰며, 온라인 경마 편리성을 향상하기 위해, 타 은행의 가상계좌나 간편 인증과 같은 다양한 사업을 한국마사회의 사업에 적용할 줄 아는 직원, 보안 및 정보 관리에도 철저한 직원이 필요하다고 생각합니다. 또한, 전자카드에 생중계 시스템이 새로 도입된 만큼, 불법 경마 사이트 운영자들의 경마 생중계 운영이 비교적 이전보다 쉬워지므로 더욱 강력한 불법 경마 예방 대책을 끊임없이 생각하는 직원이 필요하다고 생각합니다.</a:t>
+              <a:t>저는 한국마사회에서 6년간 근무하였습니다.최근 한국마사회는 전자카드 4.0 애플리케이션에 온라인 경마 기능을 추가하여, 사업장 내 뿐만 아니라, 사업장 외에서 구매 상한이 절반으로 제한된 마권을 구매할 수 있도록 하는 시스템을 시범 운영하고, 시범 운영 인원을 점차 확대해 나가는 변화가 있습니다. 그 뿐만 아니라 사회적인 트렌드인 인공지능 기술을 한국마사회에 필요한 분야에 결합하여, 말 부위 식별 및 보행 이상 진단이 가능한 상태 인공지능 기술 도입하기 위한 모델 학습 절차를 진행 중입니다.앞으로 한국마사회는 기능이 추가된 전자카드 4.0을 더 안정적으로 유지보수하고, 고객 정보 관리에 힘쓰며, 온라인 경마 편리성을 향상하기 위해, </a:t>
             </a:r>
             <a:r>
               <a:rPr u="sng" b="1" sz="1200">
@@ -9301,7 +9337,7 @@
                 </a:solidFill>
                 <a:latin typeface="맑은 고딕"/>
               </a:rPr>
-              <a:t>(1)저는 전자카드 4.0의 흐름도를 직접 작성하여 임직원들의 전자카드 4.0 기능 이해를 도왔고</a:t>
+              <a:t>(1)타 은행의 가상계좌나 간편 인증과 같은 다양한 사업을 한국마사회의 사업에 적용할 줄 아는 직원</a:t>
             </a:r>
             <a:r>
               <a:rPr sz="1200">
@@ -9310,7 +9346,7 @@
                 </a:solidFill>
                 <a:latin typeface="맑은 고딕"/>
               </a:rPr>
-              <a:t>, 전자카드 안정성 테스트를 도왔던 경험이 있습니다. 주간 회의 내용과 회장 당부, 지시 사항을 꾸준히 보아온 경험을 바탕으로 어떤 방향으로 임직원들이 함께 나아가야 전자카드 4.0이 더 안정적이고, 효율적일지 이해하고 있습니다.그동안 한국마사회에 필요한 인재가 되기 위해 </a:t>
+              <a:t>, 보안 및 정보 관리에도 철저한 직원이 필요하다고 생각합니다. 또한, 전자카드에 생중계 시스템이 새로 도입된 만큼, 불법 경마 사이트 운영자들의 경마 생중계 운영이 비교적 이전보다 쉬워지므로 더욱 강력한 불법 경마 예방 대책을 끊임없이 생각하는 직원이 필요하다고 생각합니다.</a:t>
             </a:r>
             <a:r>
               <a:rPr u="sng" b="1" sz="1200">
@@ -9319,7 +9355,7 @@
                 </a:solidFill>
                 <a:latin typeface="맑은 고딕"/>
               </a:rPr>
-              <a:t>(2)정보기술처의 부서별, 세부적으로는 직책 별 직무를 직접 다가가서 보고, 필요한 직무 역량 또한 직원 분들께 직접 여쭤보며 업무에 도움이 될 내용을 꾸준히 공부했습니다.</a:t>
+              <a:t>(2)저는 전자카드 4.0의 흐름도를 직접 작성하여 임직원들의 전자카드 4.0 기능 이해를 도왔고</a:t>
             </a:r>
             <a:r>
               <a:rPr sz="1200">
@@ -9328,7 +9364,7 @@
                 </a:solidFill>
                 <a:latin typeface="맑은 고딕"/>
               </a:rPr>
-              <a:t> 또한, </a:t>
+              <a:t>, 전자카드 안정성 테스트를 도왔던 경험이 있습니다. 주간 회의 내용과 회장 당부, 지시 사항을 꾸준히 보아온 경험을 바탕으로 어떤 방향으로 임직원들이 함께 나아가야 전자카드 4.0이 더 안정적이고, 효율적일지 이해하고 있습니다.그동안 한국마사회에 필요한 인재가 되기 위해 정보기술처의 부서별, 세부적으로는 직책 별 직무를 직접 다가가서 보고, 필요한 직무 역량 또한 직원 분들께 직접 여쭤보며 업무에 도움이 될 내용을 꾸준히 공부했습니다. 또한, 저는 불법 경마에 대하여 비교적 잘 알고 있습니다. </a:t>
             </a:r>
             <a:r>
               <a:rPr u="sng" b="1" sz="1200">
@@ -9337,7 +9373,7 @@
                 </a:solidFill>
                 <a:latin typeface="맑은 고딕"/>
               </a:rPr>
-              <a:t>(3)저는 불법 경마에 대하여 비교적 잘 알고 있습니다. 제가 가진 경험으로 한국마사회가 앞으로 온라인 경마 사업이 더욱 발전함에 따라 맞이하게 될 새로운 불법 경마 형태 단속에도 이바지할 수 있을 것이라 자신합니다.</a:t>
+              <a:t>(3)제가 가진 경험으로 한국마사회가 앞으로 온라인 경마 사업이 더욱 발전함에 따라 맞이하게 될 새로운 불법 경마 형태 단속에도 이바지할 수 있을 것이라 자신합니다.</a:t>
             </a:r>
           </a:p>
         </p:txBody>
@@ -9476,22 +9512,22 @@
               <a:spcAft>
                 <a:spcPts val="1000"/>
               </a:spcAft>
-              <a:defRPr sz="1200" b="1">
+              <a:defRPr sz="1000" b="1">
                 <a:solidFill>
                   <a:srgbClr val="000000"/>
                 </a:solidFill>
               </a:defRPr>
             </a:pPr>
             <a:r>
-              <a:t>(1) 지원자는 한국마사회에서 전자카드 4.0의 흐름도를 직접 작성하여 임직원들의 이해를 도왔다고 적어주셨는데, 이 과정을 통해 배운 점 또는 그로 인해 얻게 된 긍정적인 영향은 무엇인지 말씀해주실 수 있나요?</a:t>
+              <a:t>(1) 타 은행의 가상계좌나 간편 인증을 사업에 적용할 때 가장 큰 도전 과제는 무엇이라고 보시나요?</a:t>
             </a:r>
             <a:br/>
             <a:r>
-              <a:t>(2) 정보기술처의 부서별 직무를 보고 직원 분들께 여쭤보며 업무에 도움이 될 내용을 공부한 경험을 통해 얻은 가장 유익했던 교훈이나 인사이트는 무엇이었나요?</a:t>
+              <a:t>(2) 지원자는 전자카드 4.0의 흐름도를 작성하고 이해를 도왔다고 하셨는데, 이 과정에서 가장 중요하다고 생각하는 부분은 무엇인가요?</a:t>
             </a:r>
             <a:br/>
             <a:r>
-              <a:t>(3) 한국마사회에서 불법 경마 형태 단속에 대해서 지원자가 어떻게 기여할 수 있는지 구체적으로 설명해주실 수 있나요?</a:t>
+              <a:t>(3) 불법 경마 형태 단속에 이바지할 수 있을 것이라 자부한다고 하셨습니다. 이를 위해 계획하는 첫 번째 구체적인 스텝은 무엇인가요?</a:t>
             </a:r>
           </a:p>
         </p:txBody>
@@ -9757,7 +9793,7 @@
                 </a:solidFill>
                 <a:latin typeface="맑은 고딕"/>
               </a:rPr>
-              <a:t>한국마사회는 임직원 마권구매 · 알선행위 금지하고 있는데, 근무할 때, 마권 구매 행위를 몰래 하였던 직원 분이 계셨습니다. 해당 행위는 개인을 떠나 부서 전체뿐만 아니라 사회적으로도 큰 파장을 일으킬 수 있는 행위임이 분명했지만, 부서 내 몇 직원들은 그 직원과의 관계를 위해 제가 그 행위를 인지하기 전에도 부서 내에서 모른 척 덮어주고 있었습니다.</a:t>
+              <a:t>한국마사회는 임직원 마권구매 · 알선행위 금지하고 있는데, 근무할 때, 마권 구매 행위를 몰래 하였던 직원 분이 계셨습니다. 해당 행위는 개인을 떠나 부서 전체뿐만 아니라 사회적으로도 큰 파장을 일으킬 수 있는 행위임이 분명했지만, 부서 내 몇 직원들은 그 직원과의 관계를 위해 제가 그 행위를 인지하기 전에도 부서 내에서 모른 척 덮어주고 있었습니다.저는 그 직원과 가까웠던 관계를 끊어내는 것은 힘들고 어려운 일이지만 좋은 기억으로 남기고, 그분의 금지된 행위는 바로 잡는 것이 옳다고 생각하였기에 해당 사항을 신고하였습니다. 그 분과의 정으로 저 또한 모른 척 하는 것은 제가 생각하는 정의와 청렴에 반대되는 상황이라 생각했기 때문입니다.</a:t>
             </a:r>
             <a:r>
               <a:rPr u="sng" b="1" sz="1200">
@@ -9766,7 +9802,7 @@
                 </a:solidFill>
                 <a:latin typeface="맑은 고딕"/>
               </a:rPr>
-              <a:t>(2)저는 그 직원과 가까웠던 관계를 끊어내는 것은 힘들고 어려운 일이지만 좋은 기억으로 남기고, 그분의 금지된 행위는 바로 잡는 것이 옳다고 생각하였기에 해당 사항을 신고하였습니다.</a:t>
+              <a:t>(2)하지만 이 신고 행위로 인해 조직 내 이 사실을 이전에 알고 계셨던 분들과 갈등이 생겼었습니다. 그분들은 저에 대해 내부 고발자라는 뒷담화를 하였고 제가 지나갈 때 수군거렸습니다.</a:t>
             </a:r>
             <a:r>
               <a:rPr sz="1200">
@@ -9775,7 +9811,7 @@
                 </a:solidFill>
                 <a:latin typeface="맑은 고딕"/>
               </a:rPr>
-              <a:t> 그 분과의 정으로 저 또한 모른 척 하는 것은 제가 생각하는 정의와 청렴에 반대되는 상황이라 생각했기 때문입니다.하지만 이 신고 행위로 인해 조직 내 이 사실을 이전에 알고 계셨던 분들과 갈등이 생겼었습니다. 그분들은 저에 대해 내부 고발자라는 뒷담화를 하였고 제가 지나갈 때 수군거렸습니다. 이 상황에 대하여 저는 '옳은 행동인데 어떡하라는 것이냐'와 같은 대응을 하지 않고, 그분들과 단둘이 이야기할 상황이 왔을 때, '정 없는 사람이라고 생각하셨을 것을 잘 안다, 진짜 묵과하는 것이 그분을 위한 것이었냐'고 의견을 물어 이야기를 꺼낸 후 그분들의 이야기를 들어 솔직한 대화를 통해 얼어붙었던 관계를 풀어나갔습니다.그 후 저를 뒷담화하셨던 분들도 제가 참 바르고 성실한 멋진 사람이라는 말씀을 하시고 다녔습니다. </a:t>
+              <a:t> 이 상황에 대하여 저는 '옳은 행동인데 어떡하라는 것이냐'와 같은 대응을 하지 않고, 그분들과 단둘이 이야기할 상황이 왔을 때, '정 없는 사람이라고 생각하셨을 것을 잘 안다, 진짜 묵과하는 것이 그분을 위한 것이었냐'고 의견을 물어 이야기를 꺼낸 후 그분들의 이야기를 들어 솔직한 대화를 통해 얼어붙었던 관계를 풀어나갔습니다.그 후 저를 뒷담화하셨던 분들도 제가 참 바르고 성실한 멋진 사람이라는 말씀을 하시고 다녔습니다. </a:t>
             </a:r>
             <a:r>
               <a:rPr u="sng" b="1" sz="1200">
@@ -9932,22 +9968,22 @@
               <a:spcAft>
                 <a:spcPts val="1000"/>
               </a:spcAft>
-              <a:defRPr sz="1200" b="1">
+              <a:defRPr sz="1000" b="1">
                 <a:solidFill>
                   <a:srgbClr val="000000"/>
                 </a:solidFill>
               </a:defRPr>
             </a:pPr>
             <a:r>
-              <a:t>(1) 지원자가 생각하는 정의와 청렴이 조직 생활에서 어떻게 구현될 수 있다고 생각하시나요?</a:t>
+              <a:t>(1) 지원자는 정의와 청렴을 중시한다고 하셨는데, 정직함을 지켜야 하는 다른 사례가 있다면 어떻게 대응하실 건가요?</a:t>
             </a:r>
             <a:br/>
             <a:r>
-              <a:t>(2) 한국마사회에서의 경험에서, 몰래 마권을 구매한 직원을 신고하는 과정에서 겪은 감정이나 갈등 상황을 극복하는 데 가장 도움이 되었던 방법은 무엇이었나요?</a:t>
+              <a:t>(2) 해당 사항을 신고한 후 겪은 갈등이 다시 발생한다면, 이번에는 어떤 접근 방식을 취할 계획이신가요?</a:t>
             </a:r>
             <a:br/>
             <a:r>
-              <a:t>(3) 정 없는 사람이라는 평가를 받았을 때 이를 극복하기 위한 대화를 통해 얻은 중요한 교훈은 무엇인가요?</a:t>
+              <a:t>(3) 솔직한 대화를 통해 관계를 풀어나갔다고 하셨는데, 이 과정에서 가장 효과적이었던 질문이나 대화는 무엇이었나요?</a:t>
             </a:r>
           </a:p>
         </p:txBody>
@@ -10204,7 +10240,7 @@
                 </a:solidFill>
                 <a:latin typeface="맑은 고딕"/>
               </a:rPr>
-              <a:t>[국민 이미지 개선을 통해 발전하는 말산업] 코로나19 이후, 엔터테인먼트 산업은 악화된 수익개선과 사회적 책임 실현이라는 요구에 부응할 필요가 있었습니다. 마사회 역시 ESG 및 사회적 책임을 강조하며, 다년간의 기부･봉사활동 등을 통해 대국민 기업 이미지 제고를 위한 노력을 끊임없이 견주하고 있습니다. 저는 마사회가 기획･운영하는 사업이 특정 집단만이 아닌, 가족을 포함한 온 국민이 즐길 수 있는 여가문화를 지향한다는 점을 체감한적 있습니다. 제가 마사회에 관심을 가지게 된 것은 말을 좋아하는 2살 아들 때문입니다. 처음엔 말을 보러 아이를 데리고 렛츠런 파크에 가는 것이 망설여졌습니다. 종종 미디어에서 “말 밥 주러 간다”라는 부정적 뉘앙스를 보이는 것처럼, 저도 그런 이미지가 다소 있었기 때문입니다. 하지만 공원에는 </a:t>
+              <a:t>[국민 이미지 개선을 통해 발전하는 말산업] 코로나19 이후, 엔터테인먼트 산업은 악화된 수익개선과 사회적 책임 실현이라는 요구에 부응할 필요가 있었습니다. 마사회 역시 ESG 및 사회적 책임을 강조하며, 다년간의 기부･봉사활동 등을 통해 대국민 기업 이미지 제고를 위한 노력을 끊임없이 견주하고 있습니다. </a:t>
             </a:r>
             <a:r>
               <a:rPr u="sng" b="1" sz="1200">
@@ -10213,7 +10249,7 @@
                 </a:solidFill>
                 <a:latin typeface="맑은 고딕"/>
               </a:rPr>
-              <a:t>(1)아이를 동반한 가족 단위의 사람들이 생각보다 많았고, 아이를 위한 공간도 있어 재방문의사가 생겼습니다.</a:t>
+              <a:t>(1)저는 마사회가 기획･운영하는 사업이 특정 집단만이 아닌, 가족을 포함한 온 국민이 즐길 수 있는 여가문화를 지향한다는 점을 체감한적 있습니다.</a:t>
             </a:r>
             <a:r>
               <a:rPr sz="1200">
@@ -10222,7 +10258,7 @@
                 </a:solidFill>
                 <a:latin typeface="맑은 고딕"/>
               </a:rPr>
-              <a:t> 이를 통해 산업 이미지 개선이 매우 중요하다는 사실을 알게 됐습니다. 저는 이전에 한 기관의 운영지원 부서에서 근무하며, 행사 이미지를 개선한 경험이 있습니다. 당시 회사에서 매년 개최하는 체육대회는 관성적으로 운영하다보니, 참여율이 46% 미만으로 운동하는 사람만 참가하는 행사였습니다. 저는 참여율 제고과 이미지 개선을 위해 사내 설문조사 등으로 개선요구사항을 수집하였고, ‘가족들과의 주말 시간을 뺏긴다’는 의견이 가장 많다는 것을 알게 됐습니다. 이에 직원의 가족에 집중하여, </a:t>
+              <a:t> 제가 마사회에 관심을 가지게 된 것은 말을 좋아하는 2살 아들 때문입니다. 처음엔 말을 보러 아이를 데리고 렛츠런 파크에 가는 것이 망설여졌습니다. 종종 미디어에서 “말 밥 주러 간다”라는 부정적 뉘앙스를 보이는 것처럼, 저도 그런 이미지가 다소 있었기 때문입니다. </a:t>
             </a:r>
             <a:r>
               <a:rPr u="sng" b="1" sz="1200">
@@ -10231,7 +10267,7 @@
                 </a:solidFill>
                 <a:latin typeface="맑은 고딕"/>
               </a:rPr>
-              <a:t>(2)아이･부모 모두 참여하는 명랑운동회 추가, 놀이시설 에어바운스 배치 및 푸드트럭･페이스페인팅 운영을 시행하였습니다.</a:t>
+              <a:t>(2)하지만 공원에는 아이를 동반한 가족 단위의 사람들이 생각보다 많았고, 아이를 위한 공간도 있어 재방문의사가 생겼습니다.</a:t>
             </a:r>
             <a:r>
               <a:rPr sz="1200">
@@ -10240,7 +10276,7 @@
                 </a:solidFill>
                 <a:latin typeface="맑은 고딕"/>
               </a:rPr>
-              <a:t> 이 변화로 참여율이 약 17% 증가하였고, 직원들로부터 오히려 아이가 더 좋아했다며, 행사가 매우 만족스럽다는 평가도 받을 수 있었습니다. </a:t>
+              <a:t> 이를 통해 산업 이미지 개선이 매우 중요하다는 사실을 알게 됐습니다. </a:t>
             </a:r>
             <a:r>
               <a:rPr u="sng" b="1" sz="1200">
@@ -10249,7 +10285,7 @@
                 </a:solidFill>
                 <a:latin typeface="맑은 고딕"/>
               </a:rPr>
-              <a:t>(3)마사회가 추진하는 사업들도 국민에게 한걸음 더 다가가 긍정적 이미지를 제고할 수 있는 방법이 더 있을 수 있다고 생각됩니다.</a:t>
+              <a:t>(3)저는 이전에 한 기관의 운영지원 부서에서 근무하며, 행사 이미지를 개선한 경험이 있습니다. 당시 회사에서 매년 개최하는 체육대회는 관성적으로 운영하다보니, 참여율이 46% 미만으로 운동하는 사람만 참가하는 행사였습니다.</a:t>
             </a:r>
             <a:r>
               <a:rPr sz="1200">
@@ -10258,7 +10294,7 @@
                 </a:solidFill>
                 <a:latin typeface="맑은 고딕"/>
               </a:rPr>
-              <a:t> 제 경험과 다각도의 접근을 통해 마사회의 발전에 기여하도록 하겠습니다.</a:t>
+              <a:t> 저는 참여율 제고과 이미지 개선을 위해 사내 설문조사 등으로 개선요구사항을 수집하였고, ‘가족들과의 주말 시간을 뺏긴다’는 의견이 가장 많다는 것을 알게 됐습니다. 이에 직원의 가족에 집중하여, 아이･부모 모두 참여하는 명랑운동회 추가, 놀이시설 에어바운스 배치 및 푸드트럭･페이스페인팅 운영을 시행하였습니다. 이 변화로 참여율이 약 17% 증가하였고, 직원들로부터 오히려 아이가 더 좋아했다며, 행사가 매우 만족스럽다는 평가도 받을 수 있었습니다. 마사회가 추진하는 사업들도 국민에게 한걸음 더 다가가 긍정적 이미지를 제고할 수 있는 방법이 더 있을 수 있다고 생각됩니다. 제 경험과 다각도의 접근을 통해 마사회의 발전에 기여하도록 하겠습니다.</a:t>
             </a:r>
           </a:p>
         </p:txBody>
@@ -10397,22 +10433,22 @@
               <a:spcAft>
                 <a:spcPts val="1000"/>
               </a:spcAft>
-              <a:defRPr sz="1200" b="1">
+              <a:defRPr sz="1000" b="1">
                 <a:solidFill>
                   <a:srgbClr val="000000"/>
                 </a:solidFill>
               </a:defRPr>
             </a:pPr>
             <a:r>
-              <a:t>(1) 지원자가 가족 단위로 렛츠런 파크를 방문했을 때, 특히 좋았던 점은 무엇이었으며, 개선이 필요하다고 생각한 점이 있다면 무엇인가요?</a:t>
+              <a:t>(1) 지원자는 마사회가 가족을 포함한 온 국민이 즐길 수 있는 여가문화를 지향한다고 느꼈다고 했습니다. 구체적으로 어떤 경험을 통해 이런 인식을 가지게 되었나요?</a:t>
             </a:r>
             <a:br/>
             <a:r>
-              <a:t>(2) 이전에 행사 이미지를 개선하기 위해 시행했던 방법 중 하나가 사내 설문조사였습니다. 그 결과를 반영하여 어떤 점들을 구체적으로 변경하였나요?</a:t>
+              <a:t>(2) 렛츠런 파크 방문 시 가족 단위의 사람들이 많았다고 하셨는데, 이러한 경험을 바탕으로 마사회의 이미지 개선에 대해 어떤 구체적인 아이디어를 제안할 수 있을까요?</a:t>
             </a:r>
             <a:br/>
             <a:r>
-              <a:t>(3) 마사회가 추진하는 사업들이 국민에게 다가가 긍정적 이미지를 제공할 수 있는 방법에 대해 구체적인 의견이 있으신가요?</a:t>
+              <a:t>(3) 지원자는 이전에 행사 이미지를 개선한 경험이 있다고 했습니다. 이 경험을 통해 가장 어려웠던 점은 무엇이었으며, 이를 어떻게 극복했는지 설명해주세요.</a:t>
             </a:r>
           </a:p>
         </p:txBody>
